--- a/2023-05-10 ABP Conf 2023 Developing with Kubernetes/Developing with Kubernetes.pptx
+++ b/2023-05-10 ABP Conf 2023 Developing with Kubernetes/Developing with Kubernetes.pptx
@@ -7,6 +7,38 @@
   <p:sldIdLst>
     <p:sldId id="256" r:id="rId2"/>
     <p:sldId id="257" r:id="rId3"/>
+    <p:sldId id="258" r:id="rId4"/>
+    <p:sldId id="289" r:id="rId5"/>
+    <p:sldId id="259" r:id="rId6"/>
+    <p:sldId id="260" r:id="rId7"/>
+    <p:sldId id="261" r:id="rId8"/>
+    <p:sldId id="262" r:id="rId9"/>
+    <p:sldId id="263" r:id="rId10"/>
+    <p:sldId id="264" r:id="rId11"/>
+    <p:sldId id="265" r:id="rId12"/>
+    <p:sldId id="266" r:id="rId13"/>
+    <p:sldId id="267" r:id="rId14"/>
+    <p:sldId id="268" r:id="rId15"/>
+    <p:sldId id="269" r:id="rId16"/>
+    <p:sldId id="270" r:id="rId17"/>
+    <p:sldId id="271" r:id="rId18"/>
+    <p:sldId id="272" r:id="rId19"/>
+    <p:sldId id="273" r:id="rId20"/>
+    <p:sldId id="274" r:id="rId21"/>
+    <p:sldId id="275" r:id="rId22"/>
+    <p:sldId id="276" r:id="rId23"/>
+    <p:sldId id="277" r:id="rId24"/>
+    <p:sldId id="278" r:id="rId25"/>
+    <p:sldId id="279" r:id="rId26"/>
+    <p:sldId id="280" r:id="rId27"/>
+    <p:sldId id="281" r:id="rId28"/>
+    <p:sldId id="282" r:id="rId29"/>
+    <p:sldId id="283" r:id="rId30"/>
+    <p:sldId id="284" r:id="rId31"/>
+    <p:sldId id="285" r:id="rId32"/>
+    <p:sldId id="286" r:id="rId33"/>
+    <p:sldId id="287" r:id="rId34"/>
+    <p:sldId id="288" r:id="rId35"/>
   </p:sldIdLst>
   <p:sldSz cx="12192000" cy="6858000"/>
   <p:notesSz cx="6858000" cy="9144000"/>
@@ -3453,6 +3485,1096 @@
 </p:sld>
 </file>
 
+<file path=ppt/slides/slide10.xml><?xml version="1.0" encoding="utf-8"?>
+<p:sld xmlns:a="http://schemas.openxmlformats.org/drawingml/2006/main" xmlns:r="http://schemas.openxmlformats.org/officeDocument/2006/relationships" xmlns:p="http://schemas.openxmlformats.org/presentationml/2006/main">
+  <p:cSld>
+    <p:bg>
+      <p:bgPr>
+        <a:blipFill dpi="0" rotWithShape="1">
+          <a:blip r:embed="rId2">
+            <a:lum/>
+          </a:blip>
+          <a:srcRect/>
+          <a:stretch>
+            <a:fillRect/>
+          </a:stretch>
+        </a:blipFill>
+        <a:effectLst/>
+      </p:bgPr>
+    </p:bg>
+    <p:spTree>
+      <p:nvGrpSpPr>
+        <p:cNvPr id="1" name=""/>
+        <p:cNvGrpSpPr/>
+        <p:nvPr/>
+      </p:nvGrpSpPr>
+      <p:grpSpPr>
+        <a:xfrm>
+          <a:off x="0" y="0"/>
+          <a:ext cx="0" cy="0"/>
+          <a:chOff x="0" y="0"/>
+          <a:chExt cx="0" cy="0"/>
+        </a:xfrm>
+      </p:grpSpPr>
+      <p:sp>
+        <p:nvSpPr>
+          <p:cNvPr id="2" name="Title 1">
+            <a:extLst>
+              <a:ext uri="{FF2B5EF4-FFF2-40B4-BE49-F238E27FC236}">
+                <a16:creationId xmlns:a16="http://schemas.microsoft.com/office/drawing/2014/main" id="{55E11F08-6CA0-48F1-AD67-97430DDA07F0}"/>
+              </a:ext>
+            </a:extLst>
+          </p:cNvPr>
+          <p:cNvSpPr>
+            <a:spLocks noGrp="1"/>
+          </p:cNvSpPr>
+          <p:nvPr>
+            <p:ph type="title"/>
+          </p:nvPr>
+        </p:nvSpPr>
+        <p:spPr/>
+        <p:txBody>
+          <a:bodyPr/>
+          <a:lstStyle/>
+          <a:p>
+            <a:r>
+              <a:rPr lang="en-US" b="1" dirty="0">
+                <a:solidFill>
+                  <a:srgbClr val="292D33"/>
+                </a:solidFill>
+                <a:latin typeface="Euclid Circular B" panose="020B0504000000000000" pitchFamily="34" charset="0"/>
+                <a:ea typeface="Euclid Circular B" panose="020B0504000000000000" pitchFamily="34" charset="0"/>
+              </a:rPr>
+              <a:t>Topic title</a:t>
+            </a:r>
+          </a:p>
+        </p:txBody>
+      </p:sp>
+      <p:sp>
+        <p:nvSpPr>
+          <p:cNvPr id="3" name="Content Placeholder 2">
+            <a:extLst>
+              <a:ext uri="{FF2B5EF4-FFF2-40B4-BE49-F238E27FC236}">
+                <a16:creationId xmlns:a16="http://schemas.microsoft.com/office/drawing/2014/main" id="{891C7693-D3DF-4635-96F4-97F3B4136FDF}"/>
+              </a:ext>
+            </a:extLst>
+          </p:cNvPr>
+          <p:cNvSpPr>
+            <a:spLocks noGrp="1"/>
+          </p:cNvSpPr>
+          <p:nvPr>
+            <p:ph idx="1"/>
+          </p:nvPr>
+        </p:nvSpPr>
+        <p:spPr/>
+        <p:txBody>
+          <a:bodyPr/>
+          <a:lstStyle/>
+          <a:p>
+            <a:r>
+              <a:rPr lang="en-US" dirty="0">
+                <a:latin typeface="Euclid Circular B" panose="020B0504000000000000" pitchFamily="34" charset="0"/>
+                <a:ea typeface="Euclid Circular B" panose="020B0504000000000000" pitchFamily="34" charset="0"/>
+              </a:rPr>
+              <a:t>Content</a:t>
+            </a:r>
+          </a:p>
+        </p:txBody>
+      </p:sp>
+    </p:spTree>
+    <p:extLst>
+      <p:ext uri="{BB962C8B-B14F-4D97-AF65-F5344CB8AC3E}">
+        <p14:creationId xmlns:p14="http://schemas.microsoft.com/office/powerpoint/2010/main" val="992001038"/>
+      </p:ext>
+    </p:extLst>
+  </p:cSld>
+  <p:clrMapOvr>
+    <a:masterClrMapping/>
+  </p:clrMapOvr>
+</p:sld>
+</file>
+
+<file path=ppt/slides/slide11.xml><?xml version="1.0" encoding="utf-8"?>
+<p:sld xmlns:a="http://schemas.openxmlformats.org/drawingml/2006/main" xmlns:r="http://schemas.openxmlformats.org/officeDocument/2006/relationships" xmlns:p="http://schemas.openxmlformats.org/presentationml/2006/main">
+  <p:cSld>
+    <p:bg>
+      <p:bgPr>
+        <a:blipFill dpi="0" rotWithShape="1">
+          <a:blip r:embed="rId2">
+            <a:lum/>
+          </a:blip>
+          <a:srcRect/>
+          <a:stretch>
+            <a:fillRect/>
+          </a:stretch>
+        </a:blipFill>
+        <a:effectLst/>
+      </p:bgPr>
+    </p:bg>
+    <p:spTree>
+      <p:nvGrpSpPr>
+        <p:cNvPr id="1" name=""/>
+        <p:cNvGrpSpPr/>
+        <p:nvPr/>
+      </p:nvGrpSpPr>
+      <p:grpSpPr>
+        <a:xfrm>
+          <a:off x="0" y="0"/>
+          <a:ext cx="0" cy="0"/>
+          <a:chOff x="0" y="0"/>
+          <a:chExt cx="0" cy="0"/>
+        </a:xfrm>
+      </p:grpSpPr>
+      <p:sp>
+        <p:nvSpPr>
+          <p:cNvPr id="2" name="Title 1">
+            <a:extLst>
+              <a:ext uri="{FF2B5EF4-FFF2-40B4-BE49-F238E27FC236}">
+                <a16:creationId xmlns:a16="http://schemas.microsoft.com/office/drawing/2014/main" id="{55E11F08-6CA0-48F1-AD67-97430DDA07F0}"/>
+              </a:ext>
+            </a:extLst>
+          </p:cNvPr>
+          <p:cNvSpPr>
+            <a:spLocks noGrp="1"/>
+          </p:cNvSpPr>
+          <p:nvPr>
+            <p:ph type="title"/>
+          </p:nvPr>
+        </p:nvSpPr>
+        <p:spPr/>
+        <p:txBody>
+          <a:bodyPr/>
+          <a:lstStyle/>
+          <a:p>
+            <a:r>
+              <a:rPr lang="en-US" b="1" dirty="0">
+                <a:solidFill>
+                  <a:srgbClr val="292D33"/>
+                </a:solidFill>
+                <a:latin typeface="Euclid Circular B" panose="020B0504000000000000" pitchFamily="34" charset="0"/>
+                <a:ea typeface="Euclid Circular B" panose="020B0504000000000000" pitchFamily="34" charset="0"/>
+              </a:rPr>
+              <a:t>Topic title</a:t>
+            </a:r>
+          </a:p>
+        </p:txBody>
+      </p:sp>
+      <p:sp>
+        <p:nvSpPr>
+          <p:cNvPr id="3" name="Content Placeholder 2">
+            <a:extLst>
+              <a:ext uri="{FF2B5EF4-FFF2-40B4-BE49-F238E27FC236}">
+                <a16:creationId xmlns:a16="http://schemas.microsoft.com/office/drawing/2014/main" id="{891C7693-D3DF-4635-96F4-97F3B4136FDF}"/>
+              </a:ext>
+            </a:extLst>
+          </p:cNvPr>
+          <p:cNvSpPr>
+            <a:spLocks noGrp="1"/>
+          </p:cNvSpPr>
+          <p:nvPr>
+            <p:ph idx="1"/>
+          </p:nvPr>
+        </p:nvSpPr>
+        <p:spPr/>
+        <p:txBody>
+          <a:bodyPr/>
+          <a:lstStyle/>
+          <a:p>
+            <a:r>
+              <a:rPr lang="en-US" dirty="0">
+                <a:latin typeface="Euclid Circular B" panose="020B0504000000000000" pitchFamily="34" charset="0"/>
+                <a:ea typeface="Euclid Circular B" panose="020B0504000000000000" pitchFamily="34" charset="0"/>
+              </a:rPr>
+              <a:t>Content</a:t>
+            </a:r>
+          </a:p>
+        </p:txBody>
+      </p:sp>
+    </p:spTree>
+    <p:extLst>
+      <p:ext uri="{BB962C8B-B14F-4D97-AF65-F5344CB8AC3E}">
+        <p14:creationId xmlns:p14="http://schemas.microsoft.com/office/powerpoint/2010/main" val="1267065647"/>
+      </p:ext>
+    </p:extLst>
+  </p:cSld>
+  <p:clrMapOvr>
+    <a:masterClrMapping/>
+  </p:clrMapOvr>
+</p:sld>
+</file>
+
+<file path=ppt/slides/slide12.xml><?xml version="1.0" encoding="utf-8"?>
+<p:sld xmlns:a="http://schemas.openxmlformats.org/drawingml/2006/main" xmlns:r="http://schemas.openxmlformats.org/officeDocument/2006/relationships" xmlns:p="http://schemas.openxmlformats.org/presentationml/2006/main">
+  <p:cSld>
+    <p:bg>
+      <p:bgPr>
+        <a:blipFill dpi="0" rotWithShape="1">
+          <a:blip r:embed="rId2">
+            <a:lum/>
+          </a:blip>
+          <a:srcRect/>
+          <a:stretch>
+            <a:fillRect/>
+          </a:stretch>
+        </a:blipFill>
+        <a:effectLst/>
+      </p:bgPr>
+    </p:bg>
+    <p:spTree>
+      <p:nvGrpSpPr>
+        <p:cNvPr id="1" name=""/>
+        <p:cNvGrpSpPr/>
+        <p:nvPr/>
+      </p:nvGrpSpPr>
+      <p:grpSpPr>
+        <a:xfrm>
+          <a:off x="0" y="0"/>
+          <a:ext cx="0" cy="0"/>
+          <a:chOff x="0" y="0"/>
+          <a:chExt cx="0" cy="0"/>
+        </a:xfrm>
+      </p:grpSpPr>
+      <p:sp>
+        <p:nvSpPr>
+          <p:cNvPr id="2" name="Title 1">
+            <a:extLst>
+              <a:ext uri="{FF2B5EF4-FFF2-40B4-BE49-F238E27FC236}">
+                <a16:creationId xmlns:a16="http://schemas.microsoft.com/office/drawing/2014/main" id="{55E11F08-6CA0-48F1-AD67-97430DDA07F0}"/>
+              </a:ext>
+            </a:extLst>
+          </p:cNvPr>
+          <p:cNvSpPr>
+            <a:spLocks noGrp="1"/>
+          </p:cNvSpPr>
+          <p:nvPr>
+            <p:ph type="title"/>
+          </p:nvPr>
+        </p:nvSpPr>
+        <p:spPr/>
+        <p:txBody>
+          <a:bodyPr/>
+          <a:lstStyle/>
+          <a:p>
+            <a:r>
+              <a:rPr lang="en-US" b="1" dirty="0">
+                <a:solidFill>
+                  <a:srgbClr val="292D33"/>
+                </a:solidFill>
+                <a:latin typeface="Euclid Circular B" panose="020B0504000000000000" pitchFamily="34" charset="0"/>
+                <a:ea typeface="Euclid Circular B" panose="020B0504000000000000" pitchFamily="34" charset="0"/>
+              </a:rPr>
+              <a:t>Topic title</a:t>
+            </a:r>
+          </a:p>
+        </p:txBody>
+      </p:sp>
+      <p:sp>
+        <p:nvSpPr>
+          <p:cNvPr id="3" name="Content Placeholder 2">
+            <a:extLst>
+              <a:ext uri="{FF2B5EF4-FFF2-40B4-BE49-F238E27FC236}">
+                <a16:creationId xmlns:a16="http://schemas.microsoft.com/office/drawing/2014/main" id="{891C7693-D3DF-4635-96F4-97F3B4136FDF}"/>
+              </a:ext>
+            </a:extLst>
+          </p:cNvPr>
+          <p:cNvSpPr>
+            <a:spLocks noGrp="1"/>
+          </p:cNvSpPr>
+          <p:nvPr>
+            <p:ph idx="1"/>
+          </p:nvPr>
+        </p:nvSpPr>
+        <p:spPr/>
+        <p:txBody>
+          <a:bodyPr/>
+          <a:lstStyle/>
+          <a:p>
+            <a:r>
+              <a:rPr lang="en-US" dirty="0">
+                <a:latin typeface="Euclid Circular B" panose="020B0504000000000000" pitchFamily="34" charset="0"/>
+                <a:ea typeface="Euclid Circular B" panose="020B0504000000000000" pitchFamily="34" charset="0"/>
+              </a:rPr>
+              <a:t>Content</a:t>
+            </a:r>
+          </a:p>
+        </p:txBody>
+      </p:sp>
+    </p:spTree>
+    <p:extLst>
+      <p:ext uri="{BB962C8B-B14F-4D97-AF65-F5344CB8AC3E}">
+        <p14:creationId xmlns:p14="http://schemas.microsoft.com/office/powerpoint/2010/main" val="1222627661"/>
+      </p:ext>
+    </p:extLst>
+  </p:cSld>
+  <p:clrMapOvr>
+    <a:masterClrMapping/>
+  </p:clrMapOvr>
+</p:sld>
+</file>
+
+<file path=ppt/slides/slide13.xml><?xml version="1.0" encoding="utf-8"?>
+<p:sld xmlns:a="http://schemas.openxmlformats.org/drawingml/2006/main" xmlns:r="http://schemas.openxmlformats.org/officeDocument/2006/relationships" xmlns:p="http://schemas.openxmlformats.org/presentationml/2006/main">
+  <p:cSld>
+    <p:bg>
+      <p:bgPr>
+        <a:blipFill dpi="0" rotWithShape="1">
+          <a:blip r:embed="rId2">
+            <a:lum/>
+          </a:blip>
+          <a:srcRect/>
+          <a:stretch>
+            <a:fillRect/>
+          </a:stretch>
+        </a:blipFill>
+        <a:effectLst/>
+      </p:bgPr>
+    </p:bg>
+    <p:spTree>
+      <p:nvGrpSpPr>
+        <p:cNvPr id="1" name=""/>
+        <p:cNvGrpSpPr/>
+        <p:nvPr/>
+      </p:nvGrpSpPr>
+      <p:grpSpPr>
+        <a:xfrm>
+          <a:off x="0" y="0"/>
+          <a:ext cx="0" cy="0"/>
+          <a:chOff x="0" y="0"/>
+          <a:chExt cx="0" cy="0"/>
+        </a:xfrm>
+      </p:grpSpPr>
+      <p:sp>
+        <p:nvSpPr>
+          <p:cNvPr id="2" name="Title 1">
+            <a:extLst>
+              <a:ext uri="{FF2B5EF4-FFF2-40B4-BE49-F238E27FC236}">
+                <a16:creationId xmlns:a16="http://schemas.microsoft.com/office/drawing/2014/main" id="{55E11F08-6CA0-48F1-AD67-97430DDA07F0}"/>
+              </a:ext>
+            </a:extLst>
+          </p:cNvPr>
+          <p:cNvSpPr>
+            <a:spLocks noGrp="1"/>
+          </p:cNvSpPr>
+          <p:nvPr>
+            <p:ph type="title"/>
+          </p:nvPr>
+        </p:nvSpPr>
+        <p:spPr/>
+        <p:txBody>
+          <a:bodyPr/>
+          <a:lstStyle/>
+          <a:p>
+            <a:r>
+              <a:rPr lang="en-US" b="1" dirty="0">
+                <a:solidFill>
+                  <a:srgbClr val="292D33"/>
+                </a:solidFill>
+                <a:latin typeface="Euclid Circular B" panose="020B0504000000000000" pitchFamily="34" charset="0"/>
+                <a:ea typeface="Euclid Circular B" panose="020B0504000000000000" pitchFamily="34" charset="0"/>
+              </a:rPr>
+              <a:t>Topic title</a:t>
+            </a:r>
+          </a:p>
+        </p:txBody>
+      </p:sp>
+      <p:sp>
+        <p:nvSpPr>
+          <p:cNvPr id="3" name="Content Placeholder 2">
+            <a:extLst>
+              <a:ext uri="{FF2B5EF4-FFF2-40B4-BE49-F238E27FC236}">
+                <a16:creationId xmlns:a16="http://schemas.microsoft.com/office/drawing/2014/main" id="{891C7693-D3DF-4635-96F4-97F3B4136FDF}"/>
+              </a:ext>
+            </a:extLst>
+          </p:cNvPr>
+          <p:cNvSpPr>
+            <a:spLocks noGrp="1"/>
+          </p:cNvSpPr>
+          <p:nvPr>
+            <p:ph idx="1"/>
+          </p:nvPr>
+        </p:nvSpPr>
+        <p:spPr/>
+        <p:txBody>
+          <a:bodyPr/>
+          <a:lstStyle/>
+          <a:p>
+            <a:r>
+              <a:rPr lang="en-US" dirty="0">
+                <a:latin typeface="Euclid Circular B" panose="020B0504000000000000" pitchFamily="34" charset="0"/>
+                <a:ea typeface="Euclid Circular B" panose="020B0504000000000000" pitchFamily="34" charset="0"/>
+              </a:rPr>
+              <a:t>Content</a:t>
+            </a:r>
+          </a:p>
+        </p:txBody>
+      </p:sp>
+    </p:spTree>
+    <p:extLst>
+      <p:ext uri="{BB962C8B-B14F-4D97-AF65-F5344CB8AC3E}">
+        <p14:creationId xmlns:p14="http://schemas.microsoft.com/office/powerpoint/2010/main" val="667745699"/>
+      </p:ext>
+    </p:extLst>
+  </p:cSld>
+  <p:clrMapOvr>
+    <a:masterClrMapping/>
+  </p:clrMapOvr>
+</p:sld>
+</file>
+
+<file path=ppt/slides/slide14.xml><?xml version="1.0" encoding="utf-8"?>
+<p:sld xmlns:a="http://schemas.openxmlformats.org/drawingml/2006/main" xmlns:r="http://schemas.openxmlformats.org/officeDocument/2006/relationships" xmlns:p="http://schemas.openxmlformats.org/presentationml/2006/main">
+  <p:cSld>
+    <p:bg>
+      <p:bgPr>
+        <a:blipFill dpi="0" rotWithShape="1">
+          <a:blip r:embed="rId2">
+            <a:lum/>
+          </a:blip>
+          <a:srcRect/>
+          <a:stretch>
+            <a:fillRect/>
+          </a:stretch>
+        </a:blipFill>
+        <a:effectLst/>
+      </p:bgPr>
+    </p:bg>
+    <p:spTree>
+      <p:nvGrpSpPr>
+        <p:cNvPr id="1" name=""/>
+        <p:cNvGrpSpPr/>
+        <p:nvPr/>
+      </p:nvGrpSpPr>
+      <p:grpSpPr>
+        <a:xfrm>
+          <a:off x="0" y="0"/>
+          <a:ext cx="0" cy="0"/>
+          <a:chOff x="0" y="0"/>
+          <a:chExt cx="0" cy="0"/>
+        </a:xfrm>
+      </p:grpSpPr>
+      <p:sp>
+        <p:nvSpPr>
+          <p:cNvPr id="2" name="Title 1">
+            <a:extLst>
+              <a:ext uri="{FF2B5EF4-FFF2-40B4-BE49-F238E27FC236}">
+                <a16:creationId xmlns:a16="http://schemas.microsoft.com/office/drawing/2014/main" id="{55E11F08-6CA0-48F1-AD67-97430DDA07F0}"/>
+              </a:ext>
+            </a:extLst>
+          </p:cNvPr>
+          <p:cNvSpPr>
+            <a:spLocks noGrp="1"/>
+          </p:cNvSpPr>
+          <p:nvPr>
+            <p:ph type="title"/>
+          </p:nvPr>
+        </p:nvSpPr>
+        <p:spPr/>
+        <p:txBody>
+          <a:bodyPr/>
+          <a:lstStyle/>
+          <a:p>
+            <a:r>
+              <a:rPr lang="en-US" b="1" dirty="0">
+                <a:solidFill>
+                  <a:srgbClr val="292D33"/>
+                </a:solidFill>
+                <a:latin typeface="Euclid Circular B" panose="020B0504000000000000" pitchFamily="34" charset="0"/>
+                <a:ea typeface="Euclid Circular B" panose="020B0504000000000000" pitchFamily="34" charset="0"/>
+              </a:rPr>
+              <a:t>Topic title</a:t>
+            </a:r>
+          </a:p>
+        </p:txBody>
+      </p:sp>
+      <p:sp>
+        <p:nvSpPr>
+          <p:cNvPr id="3" name="Content Placeholder 2">
+            <a:extLst>
+              <a:ext uri="{FF2B5EF4-FFF2-40B4-BE49-F238E27FC236}">
+                <a16:creationId xmlns:a16="http://schemas.microsoft.com/office/drawing/2014/main" id="{891C7693-D3DF-4635-96F4-97F3B4136FDF}"/>
+              </a:ext>
+            </a:extLst>
+          </p:cNvPr>
+          <p:cNvSpPr>
+            <a:spLocks noGrp="1"/>
+          </p:cNvSpPr>
+          <p:nvPr>
+            <p:ph idx="1"/>
+          </p:nvPr>
+        </p:nvSpPr>
+        <p:spPr/>
+        <p:txBody>
+          <a:bodyPr/>
+          <a:lstStyle/>
+          <a:p>
+            <a:r>
+              <a:rPr lang="en-US" dirty="0">
+                <a:latin typeface="Euclid Circular B" panose="020B0504000000000000" pitchFamily="34" charset="0"/>
+                <a:ea typeface="Euclid Circular B" panose="020B0504000000000000" pitchFamily="34" charset="0"/>
+              </a:rPr>
+              <a:t>Content</a:t>
+            </a:r>
+          </a:p>
+        </p:txBody>
+      </p:sp>
+    </p:spTree>
+    <p:extLst>
+      <p:ext uri="{BB962C8B-B14F-4D97-AF65-F5344CB8AC3E}">
+        <p14:creationId xmlns:p14="http://schemas.microsoft.com/office/powerpoint/2010/main" val="709605694"/>
+      </p:ext>
+    </p:extLst>
+  </p:cSld>
+  <p:clrMapOvr>
+    <a:masterClrMapping/>
+  </p:clrMapOvr>
+</p:sld>
+</file>
+
+<file path=ppt/slides/slide15.xml><?xml version="1.0" encoding="utf-8"?>
+<p:sld xmlns:a="http://schemas.openxmlformats.org/drawingml/2006/main" xmlns:r="http://schemas.openxmlformats.org/officeDocument/2006/relationships" xmlns:p="http://schemas.openxmlformats.org/presentationml/2006/main">
+  <p:cSld>
+    <p:bg>
+      <p:bgPr>
+        <a:blipFill dpi="0" rotWithShape="1">
+          <a:blip r:embed="rId2">
+            <a:lum/>
+          </a:blip>
+          <a:srcRect/>
+          <a:stretch>
+            <a:fillRect/>
+          </a:stretch>
+        </a:blipFill>
+        <a:effectLst/>
+      </p:bgPr>
+    </p:bg>
+    <p:spTree>
+      <p:nvGrpSpPr>
+        <p:cNvPr id="1" name=""/>
+        <p:cNvGrpSpPr/>
+        <p:nvPr/>
+      </p:nvGrpSpPr>
+      <p:grpSpPr>
+        <a:xfrm>
+          <a:off x="0" y="0"/>
+          <a:ext cx="0" cy="0"/>
+          <a:chOff x="0" y="0"/>
+          <a:chExt cx="0" cy="0"/>
+        </a:xfrm>
+      </p:grpSpPr>
+      <p:sp>
+        <p:nvSpPr>
+          <p:cNvPr id="2" name="Title 1">
+            <a:extLst>
+              <a:ext uri="{FF2B5EF4-FFF2-40B4-BE49-F238E27FC236}">
+                <a16:creationId xmlns:a16="http://schemas.microsoft.com/office/drawing/2014/main" id="{55E11F08-6CA0-48F1-AD67-97430DDA07F0}"/>
+              </a:ext>
+            </a:extLst>
+          </p:cNvPr>
+          <p:cNvSpPr>
+            <a:spLocks noGrp="1"/>
+          </p:cNvSpPr>
+          <p:nvPr>
+            <p:ph type="title"/>
+          </p:nvPr>
+        </p:nvSpPr>
+        <p:spPr/>
+        <p:txBody>
+          <a:bodyPr/>
+          <a:lstStyle/>
+          <a:p>
+            <a:r>
+              <a:rPr lang="en-US" b="1" dirty="0">
+                <a:solidFill>
+                  <a:srgbClr val="292D33"/>
+                </a:solidFill>
+                <a:latin typeface="Euclid Circular B" panose="020B0504000000000000" pitchFamily="34" charset="0"/>
+                <a:ea typeface="Euclid Circular B" panose="020B0504000000000000" pitchFamily="34" charset="0"/>
+              </a:rPr>
+              <a:t>Topic title</a:t>
+            </a:r>
+          </a:p>
+        </p:txBody>
+      </p:sp>
+      <p:sp>
+        <p:nvSpPr>
+          <p:cNvPr id="3" name="Content Placeholder 2">
+            <a:extLst>
+              <a:ext uri="{FF2B5EF4-FFF2-40B4-BE49-F238E27FC236}">
+                <a16:creationId xmlns:a16="http://schemas.microsoft.com/office/drawing/2014/main" id="{891C7693-D3DF-4635-96F4-97F3B4136FDF}"/>
+              </a:ext>
+            </a:extLst>
+          </p:cNvPr>
+          <p:cNvSpPr>
+            <a:spLocks noGrp="1"/>
+          </p:cNvSpPr>
+          <p:nvPr>
+            <p:ph idx="1"/>
+          </p:nvPr>
+        </p:nvSpPr>
+        <p:spPr/>
+        <p:txBody>
+          <a:bodyPr/>
+          <a:lstStyle/>
+          <a:p>
+            <a:r>
+              <a:rPr lang="en-US" dirty="0">
+                <a:latin typeface="Euclid Circular B" panose="020B0504000000000000" pitchFamily="34" charset="0"/>
+                <a:ea typeface="Euclid Circular B" panose="020B0504000000000000" pitchFamily="34" charset="0"/>
+              </a:rPr>
+              <a:t>Content</a:t>
+            </a:r>
+          </a:p>
+        </p:txBody>
+      </p:sp>
+    </p:spTree>
+    <p:extLst>
+      <p:ext uri="{BB962C8B-B14F-4D97-AF65-F5344CB8AC3E}">
+        <p14:creationId xmlns:p14="http://schemas.microsoft.com/office/powerpoint/2010/main" val="3906135550"/>
+      </p:ext>
+    </p:extLst>
+  </p:cSld>
+  <p:clrMapOvr>
+    <a:masterClrMapping/>
+  </p:clrMapOvr>
+</p:sld>
+</file>
+
+<file path=ppt/slides/slide16.xml><?xml version="1.0" encoding="utf-8"?>
+<p:sld xmlns:a="http://schemas.openxmlformats.org/drawingml/2006/main" xmlns:r="http://schemas.openxmlformats.org/officeDocument/2006/relationships" xmlns:p="http://schemas.openxmlformats.org/presentationml/2006/main">
+  <p:cSld>
+    <p:bg>
+      <p:bgPr>
+        <a:blipFill dpi="0" rotWithShape="1">
+          <a:blip r:embed="rId2">
+            <a:lum/>
+          </a:blip>
+          <a:srcRect/>
+          <a:stretch>
+            <a:fillRect/>
+          </a:stretch>
+        </a:blipFill>
+        <a:effectLst/>
+      </p:bgPr>
+    </p:bg>
+    <p:spTree>
+      <p:nvGrpSpPr>
+        <p:cNvPr id="1" name=""/>
+        <p:cNvGrpSpPr/>
+        <p:nvPr/>
+      </p:nvGrpSpPr>
+      <p:grpSpPr>
+        <a:xfrm>
+          <a:off x="0" y="0"/>
+          <a:ext cx="0" cy="0"/>
+          <a:chOff x="0" y="0"/>
+          <a:chExt cx="0" cy="0"/>
+        </a:xfrm>
+      </p:grpSpPr>
+      <p:sp>
+        <p:nvSpPr>
+          <p:cNvPr id="2" name="Title 1">
+            <a:extLst>
+              <a:ext uri="{FF2B5EF4-FFF2-40B4-BE49-F238E27FC236}">
+                <a16:creationId xmlns:a16="http://schemas.microsoft.com/office/drawing/2014/main" id="{55E11F08-6CA0-48F1-AD67-97430DDA07F0}"/>
+              </a:ext>
+            </a:extLst>
+          </p:cNvPr>
+          <p:cNvSpPr>
+            <a:spLocks noGrp="1"/>
+          </p:cNvSpPr>
+          <p:nvPr>
+            <p:ph type="title"/>
+          </p:nvPr>
+        </p:nvSpPr>
+        <p:spPr/>
+        <p:txBody>
+          <a:bodyPr/>
+          <a:lstStyle/>
+          <a:p>
+            <a:r>
+              <a:rPr lang="en-US" b="1" dirty="0">
+                <a:solidFill>
+                  <a:srgbClr val="292D33"/>
+                </a:solidFill>
+                <a:latin typeface="Euclid Circular B" panose="020B0504000000000000" pitchFamily="34" charset="0"/>
+                <a:ea typeface="Euclid Circular B" panose="020B0504000000000000" pitchFamily="34" charset="0"/>
+              </a:rPr>
+              <a:t>Topic title</a:t>
+            </a:r>
+          </a:p>
+        </p:txBody>
+      </p:sp>
+      <p:sp>
+        <p:nvSpPr>
+          <p:cNvPr id="3" name="Content Placeholder 2">
+            <a:extLst>
+              <a:ext uri="{FF2B5EF4-FFF2-40B4-BE49-F238E27FC236}">
+                <a16:creationId xmlns:a16="http://schemas.microsoft.com/office/drawing/2014/main" id="{891C7693-D3DF-4635-96F4-97F3B4136FDF}"/>
+              </a:ext>
+            </a:extLst>
+          </p:cNvPr>
+          <p:cNvSpPr>
+            <a:spLocks noGrp="1"/>
+          </p:cNvSpPr>
+          <p:nvPr>
+            <p:ph idx="1"/>
+          </p:nvPr>
+        </p:nvSpPr>
+        <p:spPr/>
+        <p:txBody>
+          <a:bodyPr/>
+          <a:lstStyle/>
+          <a:p>
+            <a:r>
+              <a:rPr lang="en-US" dirty="0">
+                <a:latin typeface="Euclid Circular B" panose="020B0504000000000000" pitchFamily="34" charset="0"/>
+                <a:ea typeface="Euclid Circular B" panose="020B0504000000000000" pitchFamily="34" charset="0"/>
+              </a:rPr>
+              <a:t>Content</a:t>
+            </a:r>
+          </a:p>
+        </p:txBody>
+      </p:sp>
+    </p:spTree>
+    <p:extLst>
+      <p:ext uri="{BB962C8B-B14F-4D97-AF65-F5344CB8AC3E}">
+        <p14:creationId xmlns:p14="http://schemas.microsoft.com/office/powerpoint/2010/main" val="1647554329"/>
+      </p:ext>
+    </p:extLst>
+  </p:cSld>
+  <p:clrMapOvr>
+    <a:masterClrMapping/>
+  </p:clrMapOvr>
+</p:sld>
+</file>
+
+<file path=ppt/slides/slide17.xml><?xml version="1.0" encoding="utf-8"?>
+<p:sld xmlns:a="http://schemas.openxmlformats.org/drawingml/2006/main" xmlns:r="http://schemas.openxmlformats.org/officeDocument/2006/relationships" xmlns:p="http://schemas.openxmlformats.org/presentationml/2006/main">
+  <p:cSld>
+    <p:bg>
+      <p:bgPr>
+        <a:blipFill dpi="0" rotWithShape="1">
+          <a:blip r:embed="rId2">
+            <a:lum/>
+          </a:blip>
+          <a:srcRect/>
+          <a:stretch>
+            <a:fillRect/>
+          </a:stretch>
+        </a:blipFill>
+        <a:effectLst/>
+      </p:bgPr>
+    </p:bg>
+    <p:spTree>
+      <p:nvGrpSpPr>
+        <p:cNvPr id="1" name=""/>
+        <p:cNvGrpSpPr/>
+        <p:nvPr/>
+      </p:nvGrpSpPr>
+      <p:grpSpPr>
+        <a:xfrm>
+          <a:off x="0" y="0"/>
+          <a:ext cx="0" cy="0"/>
+          <a:chOff x="0" y="0"/>
+          <a:chExt cx="0" cy="0"/>
+        </a:xfrm>
+      </p:grpSpPr>
+      <p:sp>
+        <p:nvSpPr>
+          <p:cNvPr id="2" name="Title 1">
+            <a:extLst>
+              <a:ext uri="{FF2B5EF4-FFF2-40B4-BE49-F238E27FC236}">
+                <a16:creationId xmlns:a16="http://schemas.microsoft.com/office/drawing/2014/main" id="{55E11F08-6CA0-48F1-AD67-97430DDA07F0}"/>
+              </a:ext>
+            </a:extLst>
+          </p:cNvPr>
+          <p:cNvSpPr>
+            <a:spLocks noGrp="1"/>
+          </p:cNvSpPr>
+          <p:nvPr>
+            <p:ph type="title"/>
+          </p:nvPr>
+        </p:nvSpPr>
+        <p:spPr/>
+        <p:txBody>
+          <a:bodyPr/>
+          <a:lstStyle/>
+          <a:p>
+            <a:r>
+              <a:rPr lang="en-US" b="1" dirty="0">
+                <a:solidFill>
+                  <a:srgbClr val="292D33"/>
+                </a:solidFill>
+                <a:latin typeface="Euclid Circular B" panose="020B0504000000000000" pitchFamily="34" charset="0"/>
+                <a:ea typeface="Euclid Circular B" panose="020B0504000000000000" pitchFamily="34" charset="0"/>
+              </a:rPr>
+              <a:t>Topic title</a:t>
+            </a:r>
+          </a:p>
+        </p:txBody>
+      </p:sp>
+      <p:sp>
+        <p:nvSpPr>
+          <p:cNvPr id="3" name="Content Placeholder 2">
+            <a:extLst>
+              <a:ext uri="{FF2B5EF4-FFF2-40B4-BE49-F238E27FC236}">
+                <a16:creationId xmlns:a16="http://schemas.microsoft.com/office/drawing/2014/main" id="{891C7693-D3DF-4635-96F4-97F3B4136FDF}"/>
+              </a:ext>
+            </a:extLst>
+          </p:cNvPr>
+          <p:cNvSpPr>
+            <a:spLocks noGrp="1"/>
+          </p:cNvSpPr>
+          <p:nvPr>
+            <p:ph idx="1"/>
+          </p:nvPr>
+        </p:nvSpPr>
+        <p:spPr/>
+        <p:txBody>
+          <a:bodyPr/>
+          <a:lstStyle/>
+          <a:p>
+            <a:r>
+              <a:rPr lang="en-US" dirty="0">
+                <a:latin typeface="Euclid Circular B" panose="020B0504000000000000" pitchFamily="34" charset="0"/>
+                <a:ea typeface="Euclid Circular B" panose="020B0504000000000000" pitchFamily="34" charset="0"/>
+              </a:rPr>
+              <a:t>Content</a:t>
+            </a:r>
+          </a:p>
+        </p:txBody>
+      </p:sp>
+    </p:spTree>
+    <p:extLst>
+      <p:ext uri="{BB962C8B-B14F-4D97-AF65-F5344CB8AC3E}">
+        <p14:creationId xmlns:p14="http://schemas.microsoft.com/office/powerpoint/2010/main" val="2126704615"/>
+      </p:ext>
+    </p:extLst>
+  </p:cSld>
+  <p:clrMapOvr>
+    <a:masterClrMapping/>
+  </p:clrMapOvr>
+</p:sld>
+</file>
+
+<file path=ppt/slides/slide18.xml><?xml version="1.0" encoding="utf-8"?>
+<p:sld xmlns:a="http://schemas.openxmlformats.org/drawingml/2006/main" xmlns:r="http://schemas.openxmlformats.org/officeDocument/2006/relationships" xmlns:p="http://schemas.openxmlformats.org/presentationml/2006/main">
+  <p:cSld>
+    <p:bg>
+      <p:bgPr>
+        <a:blipFill dpi="0" rotWithShape="1">
+          <a:blip r:embed="rId2">
+            <a:lum/>
+          </a:blip>
+          <a:srcRect/>
+          <a:stretch>
+            <a:fillRect/>
+          </a:stretch>
+        </a:blipFill>
+        <a:effectLst/>
+      </p:bgPr>
+    </p:bg>
+    <p:spTree>
+      <p:nvGrpSpPr>
+        <p:cNvPr id="1" name=""/>
+        <p:cNvGrpSpPr/>
+        <p:nvPr/>
+      </p:nvGrpSpPr>
+      <p:grpSpPr>
+        <a:xfrm>
+          <a:off x="0" y="0"/>
+          <a:ext cx="0" cy="0"/>
+          <a:chOff x="0" y="0"/>
+          <a:chExt cx="0" cy="0"/>
+        </a:xfrm>
+      </p:grpSpPr>
+      <p:sp>
+        <p:nvSpPr>
+          <p:cNvPr id="2" name="Title 1">
+            <a:extLst>
+              <a:ext uri="{FF2B5EF4-FFF2-40B4-BE49-F238E27FC236}">
+                <a16:creationId xmlns:a16="http://schemas.microsoft.com/office/drawing/2014/main" id="{55E11F08-6CA0-48F1-AD67-97430DDA07F0}"/>
+              </a:ext>
+            </a:extLst>
+          </p:cNvPr>
+          <p:cNvSpPr>
+            <a:spLocks noGrp="1"/>
+          </p:cNvSpPr>
+          <p:nvPr>
+            <p:ph type="title"/>
+          </p:nvPr>
+        </p:nvSpPr>
+        <p:spPr/>
+        <p:txBody>
+          <a:bodyPr/>
+          <a:lstStyle/>
+          <a:p>
+            <a:r>
+              <a:rPr lang="en-US" b="1" dirty="0">
+                <a:solidFill>
+                  <a:srgbClr val="292D33"/>
+                </a:solidFill>
+                <a:latin typeface="Euclid Circular B" panose="020B0504000000000000" pitchFamily="34" charset="0"/>
+                <a:ea typeface="Euclid Circular B" panose="020B0504000000000000" pitchFamily="34" charset="0"/>
+              </a:rPr>
+              <a:t>Topic title</a:t>
+            </a:r>
+          </a:p>
+        </p:txBody>
+      </p:sp>
+      <p:sp>
+        <p:nvSpPr>
+          <p:cNvPr id="3" name="Content Placeholder 2">
+            <a:extLst>
+              <a:ext uri="{FF2B5EF4-FFF2-40B4-BE49-F238E27FC236}">
+                <a16:creationId xmlns:a16="http://schemas.microsoft.com/office/drawing/2014/main" id="{891C7693-D3DF-4635-96F4-97F3B4136FDF}"/>
+              </a:ext>
+            </a:extLst>
+          </p:cNvPr>
+          <p:cNvSpPr>
+            <a:spLocks noGrp="1"/>
+          </p:cNvSpPr>
+          <p:nvPr>
+            <p:ph idx="1"/>
+          </p:nvPr>
+        </p:nvSpPr>
+        <p:spPr/>
+        <p:txBody>
+          <a:bodyPr/>
+          <a:lstStyle/>
+          <a:p>
+            <a:r>
+              <a:rPr lang="en-US" dirty="0">
+                <a:latin typeface="Euclid Circular B" panose="020B0504000000000000" pitchFamily="34" charset="0"/>
+                <a:ea typeface="Euclid Circular B" panose="020B0504000000000000" pitchFamily="34" charset="0"/>
+              </a:rPr>
+              <a:t>Content</a:t>
+            </a:r>
+          </a:p>
+        </p:txBody>
+      </p:sp>
+    </p:spTree>
+    <p:extLst>
+      <p:ext uri="{BB962C8B-B14F-4D97-AF65-F5344CB8AC3E}">
+        <p14:creationId xmlns:p14="http://schemas.microsoft.com/office/powerpoint/2010/main" val="927134514"/>
+      </p:ext>
+    </p:extLst>
+  </p:cSld>
+  <p:clrMapOvr>
+    <a:masterClrMapping/>
+  </p:clrMapOvr>
+</p:sld>
+</file>
+
+<file path=ppt/slides/slide19.xml><?xml version="1.0" encoding="utf-8"?>
+<p:sld xmlns:a="http://schemas.openxmlformats.org/drawingml/2006/main" xmlns:r="http://schemas.openxmlformats.org/officeDocument/2006/relationships" xmlns:p="http://schemas.openxmlformats.org/presentationml/2006/main">
+  <p:cSld>
+    <p:bg>
+      <p:bgPr>
+        <a:blipFill dpi="0" rotWithShape="1">
+          <a:blip r:embed="rId2">
+            <a:lum/>
+          </a:blip>
+          <a:srcRect/>
+          <a:stretch>
+            <a:fillRect/>
+          </a:stretch>
+        </a:blipFill>
+        <a:effectLst/>
+      </p:bgPr>
+    </p:bg>
+    <p:spTree>
+      <p:nvGrpSpPr>
+        <p:cNvPr id="1" name=""/>
+        <p:cNvGrpSpPr/>
+        <p:nvPr/>
+      </p:nvGrpSpPr>
+      <p:grpSpPr>
+        <a:xfrm>
+          <a:off x="0" y="0"/>
+          <a:ext cx="0" cy="0"/>
+          <a:chOff x="0" y="0"/>
+          <a:chExt cx="0" cy="0"/>
+        </a:xfrm>
+      </p:grpSpPr>
+      <p:sp>
+        <p:nvSpPr>
+          <p:cNvPr id="2" name="Title 1">
+            <a:extLst>
+              <a:ext uri="{FF2B5EF4-FFF2-40B4-BE49-F238E27FC236}">
+                <a16:creationId xmlns:a16="http://schemas.microsoft.com/office/drawing/2014/main" id="{55E11F08-6CA0-48F1-AD67-97430DDA07F0}"/>
+              </a:ext>
+            </a:extLst>
+          </p:cNvPr>
+          <p:cNvSpPr>
+            <a:spLocks noGrp="1"/>
+          </p:cNvSpPr>
+          <p:nvPr>
+            <p:ph type="title"/>
+          </p:nvPr>
+        </p:nvSpPr>
+        <p:spPr/>
+        <p:txBody>
+          <a:bodyPr/>
+          <a:lstStyle/>
+          <a:p>
+            <a:r>
+              <a:rPr lang="en-US" b="1" dirty="0">
+                <a:solidFill>
+                  <a:srgbClr val="292D33"/>
+                </a:solidFill>
+                <a:latin typeface="Euclid Circular B" panose="020B0504000000000000" pitchFamily="34" charset="0"/>
+                <a:ea typeface="Euclid Circular B" panose="020B0504000000000000" pitchFamily="34" charset="0"/>
+              </a:rPr>
+              <a:t>Topic title</a:t>
+            </a:r>
+          </a:p>
+        </p:txBody>
+      </p:sp>
+      <p:sp>
+        <p:nvSpPr>
+          <p:cNvPr id="3" name="Content Placeholder 2">
+            <a:extLst>
+              <a:ext uri="{FF2B5EF4-FFF2-40B4-BE49-F238E27FC236}">
+                <a16:creationId xmlns:a16="http://schemas.microsoft.com/office/drawing/2014/main" id="{891C7693-D3DF-4635-96F4-97F3B4136FDF}"/>
+              </a:ext>
+            </a:extLst>
+          </p:cNvPr>
+          <p:cNvSpPr>
+            <a:spLocks noGrp="1"/>
+          </p:cNvSpPr>
+          <p:nvPr>
+            <p:ph idx="1"/>
+          </p:nvPr>
+        </p:nvSpPr>
+        <p:spPr/>
+        <p:txBody>
+          <a:bodyPr/>
+          <a:lstStyle/>
+          <a:p>
+            <a:r>
+              <a:rPr lang="en-US" dirty="0">
+                <a:latin typeface="Euclid Circular B" panose="020B0504000000000000" pitchFamily="34" charset="0"/>
+                <a:ea typeface="Euclid Circular B" panose="020B0504000000000000" pitchFamily="34" charset="0"/>
+              </a:rPr>
+              <a:t>Content</a:t>
+            </a:r>
+          </a:p>
+        </p:txBody>
+      </p:sp>
+    </p:spTree>
+    <p:extLst>
+      <p:ext uri="{BB962C8B-B14F-4D97-AF65-F5344CB8AC3E}">
+        <p14:creationId xmlns:p14="http://schemas.microsoft.com/office/powerpoint/2010/main" val="641461654"/>
+      </p:ext>
+    </p:extLst>
+  </p:cSld>
+  <p:clrMapOvr>
+    <a:masterClrMapping/>
+  </p:clrMapOvr>
+</p:sld>
+</file>
+
 <file path=ppt/slides/slide2.xml><?xml version="1.0" encoding="utf-8"?>
 <p:sld xmlns:a="http://schemas.openxmlformats.org/drawingml/2006/main" xmlns:r="http://schemas.openxmlformats.org/officeDocument/2006/relationships" xmlns:p="http://schemas.openxmlformats.org/presentationml/2006/main">
   <p:cSld>
@@ -3506,6 +4628,126 @@
           <a:lstStyle/>
           <a:p>
             <a:r>
+              <a:rPr lang="tr-TR" b="1" dirty="0">
+                <a:solidFill>
+                  <a:srgbClr val="292D33"/>
+                </a:solidFill>
+                <a:latin typeface="Euclid Circular B" panose="020B0504000000000000" pitchFamily="34" charset="0"/>
+                <a:ea typeface="Euclid Circular B" panose="020B0504000000000000" pitchFamily="34" charset="0"/>
+              </a:rPr>
+              <a:t>About me, ABP and Volosoft</a:t>
+            </a:r>
+            <a:endParaRPr lang="en-US" b="1" dirty="0">
+              <a:solidFill>
+                <a:srgbClr val="292D33"/>
+              </a:solidFill>
+              <a:latin typeface="Euclid Circular B" panose="020B0504000000000000" pitchFamily="34" charset="0"/>
+              <a:ea typeface="Euclid Circular B" panose="020B0504000000000000" pitchFamily="34" charset="0"/>
+            </a:endParaRPr>
+          </a:p>
+        </p:txBody>
+      </p:sp>
+      <p:sp>
+        <p:nvSpPr>
+          <p:cNvPr id="3" name="Content Placeholder 2">
+            <a:extLst>
+              <a:ext uri="{FF2B5EF4-FFF2-40B4-BE49-F238E27FC236}">
+                <a16:creationId xmlns:a16="http://schemas.microsoft.com/office/drawing/2014/main" id="{891C7693-D3DF-4635-96F4-97F3B4136FDF}"/>
+              </a:ext>
+            </a:extLst>
+          </p:cNvPr>
+          <p:cNvSpPr>
+            <a:spLocks noGrp="1"/>
+          </p:cNvSpPr>
+          <p:nvPr>
+            <p:ph idx="1"/>
+          </p:nvPr>
+        </p:nvSpPr>
+        <p:spPr/>
+        <p:txBody>
+          <a:bodyPr/>
+          <a:lstStyle/>
+          <a:p>
+            <a:r>
+              <a:rPr lang="tr-TR" dirty="0">
+                <a:latin typeface="Euclid Circular B" panose="020B0504000000000000" pitchFamily="34" charset="0"/>
+                <a:ea typeface="Euclid Circular B" panose="020B0504000000000000" pitchFamily="34" charset="0"/>
+              </a:rPr>
+              <a:t>TODO...</a:t>
+            </a:r>
+            <a:endParaRPr lang="en-US" dirty="0">
+              <a:latin typeface="Euclid Circular B" panose="020B0504000000000000" pitchFamily="34" charset="0"/>
+              <a:ea typeface="Euclid Circular B" panose="020B0504000000000000" pitchFamily="34" charset="0"/>
+            </a:endParaRPr>
+          </a:p>
+        </p:txBody>
+      </p:sp>
+    </p:spTree>
+    <p:extLst>
+      <p:ext uri="{BB962C8B-B14F-4D97-AF65-F5344CB8AC3E}">
+        <p14:creationId xmlns:p14="http://schemas.microsoft.com/office/powerpoint/2010/main" val="721846992"/>
+      </p:ext>
+    </p:extLst>
+  </p:cSld>
+  <p:clrMapOvr>
+    <a:masterClrMapping/>
+  </p:clrMapOvr>
+</p:sld>
+</file>
+
+<file path=ppt/slides/slide20.xml><?xml version="1.0" encoding="utf-8"?>
+<p:sld xmlns:a="http://schemas.openxmlformats.org/drawingml/2006/main" xmlns:r="http://schemas.openxmlformats.org/officeDocument/2006/relationships" xmlns:p="http://schemas.openxmlformats.org/presentationml/2006/main">
+  <p:cSld>
+    <p:bg>
+      <p:bgPr>
+        <a:blipFill dpi="0" rotWithShape="1">
+          <a:blip r:embed="rId2">
+            <a:lum/>
+          </a:blip>
+          <a:srcRect/>
+          <a:stretch>
+            <a:fillRect/>
+          </a:stretch>
+        </a:blipFill>
+        <a:effectLst/>
+      </p:bgPr>
+    </p:bg>
+    <p:spTree>
+      <p:nvGrpSpPr>
+        <p:cNvPr id="1" name=""/>
+        <p:cNvGrpSpPr/>
+        <p:nvPr/>
+      </p:nvGrpSpPr>
+      <p:grpSpPr>
+        <a:xfrm>
+          <a:off x="0" y="0"/>
+          <a:ext cx="0" cy="0"/>
+          <a:chOff x="0" y="0"/>
+          <a:chExt cx="0" cy="0"/>
+        </a:xfrm>
+      </p:grpSpPr>
+      <p:sp>
+        <p:nvSpPr>
+          <p:cNvPr id="2" name="Title 1">
+            <a:extLst>
+              <a:ext uri="{FF2B5EF4-FFF2-40B4-BE49-F238E27FC236}">
+                <a16:creationId xmlns:a16="http://schemas.microsoft.com/office/drawing/2014/main" id="{55E11F08-6CA0-48F1-AD67-97430DDA07F0}"/>
+              </a:ext>
+            </a:extLst>
+          </p:cNvPr>
+          <p:cNvSpPr>
+            <a:spLocks noGrp="1"/>
+          </p:cNvSpPr>
+          <p:nvPr>
+            <p:ph type="title"/>
+          </p:nvPr>
+        </p:nvSpPr>
+        <p:spPr/>
+        <p:txBody>
+          <a:bodyPr/>
+          <a:lstStyle/>
+          <a:p>
+            <a:r>
               <a:rPr lang="en-US" b="1" dirty="0">
                 <a:solidFill>
                   <a:srgbClr val="292D33"/>
@@ -3552,7 +4794,5067 @@
     </p:spTree>
     <p:extLst>
       <p:ext uri="{BB962C8B-B14F-4D97-AF65-F5344CB8AC3E}">
-        <p14:creationId xmlns:p14="http://schemas.microsoft.com/office/powerpoint/2010/main" val="721846992"/>
+        <p14:creationId xmlns:p14="http://schemas.microsoft.com/office/powerpoint/2010/main" val="2810211328"/>
+      </p:ext>
+    </p:extLst>
+  </p:cSld>
+  <p:clrMapOvr>
+    <a:masterClrMapping/>
+  </p:clrMapOvr>
+</p:sld>
+</file>
+
+<file path=ppt/slides/slide21.xml><?xml version="1.0" encoding="utf-8"?>
+<p:sld xmlns:a="http://schemas.openxmlformats.org/drawingml/2006/main" xmlns:r="http://schemas.openxmlformats.org/officeDocument/2006/relationships" xmlns:p="http://schemas.openxmlformats.org/presentationml/2006/main">
+  <p:cSld>
+    <p:bg>
+      <p:bgPr>
+        <a:blipFill dpi="0" rotWithShape="1">
+          <a:blip r:embed="rId2">
+            <a:lum/>
+          </a:blip>
+          <a:srcRect/>
+          <a:stretch>
+            <a:fillRect/>
+          </a:stretch>
+        </a:blipFill>
+        <a:effectLst/>
+      </p:bgPr>
+    </p:bg>
+    <p:spTree>
+      <p:nvGrpSpPr>
+        <p:cNvPr id="1" name=""/>
+        <p:cNvGrpSpPr/>
+        <p:nvPr/>
+      </p:nvGrpSpPr>
+      <p:grpSpPr>
+        <a:xfrm>
+          <a:off x="0" y="0"/>
+          <a:ext cx="0" cy="0"/>
+          <a:chOff x="0" y="0"/>
+          <a:chExt cx="0" cy="0"/>
+        </a:xfrm>
+      </p:grpSpPr>
+      <p:sp>
+        <p:nvSpPr>
+          <p:cNvPr id="2" name="Title 1">
+            <a:extLst>
+              <a:ext uri="{FF2B5EF4-FFF2-40B4-BE49-F238E27FC236}">
+                <a16:creationId xmlns:a16="http://schemas.microsoft.com/office/drawing/2014/main" id="{55E11F08-6CA0-48F1-AD67-97430DDA07F0}"/>
+              </a:ext>
+            </a:extLst>
+          </p:cNvPr>
+          <p:cNvSpPr>
+            <a:spLocks noGrp="1"/>
+          </p:cNvSpPr>
+          <p:nvPr>
+            <p:ph type="title"/>
+          </p:nvPr>
+        </p:nvSpPr>
+        <p:spPr/>
+        <p:txBody>
+          <a:bodyPr/>
+          <a:lstStyle/>
+          <a:p>
+            <a:r>
+              <a:rPr lang="en-US" b="1" dirty="0">
+                <a:solidFill>
+                  <a:srgbClr val="292D33"/>
+                </a:solidFill>
+                <a:latin typeface="Euclid Circular B" panose="020B0504000000000000" pitchFamily="34" charset="0"/>
+                <a:ea typeface="Euclid Circular B" panose="020B0504000000000000" pitchFamily="34" charset="0"/>
+              </a:rPr>
+              <a:t>Topic title</a:t>
+            </a:r>
+          </a:p>
+        </p:txBody>
+      </p:sp>
+      <p:sp>
+        <p:nvSpPr>
+          <p:cNvPr id="3" name="Content Placeholder 2">
+            <a:extLst>
+              <a:ext uri="{FF2B5EF4-FFF2-40B4-BE49-F238E27FC236}">
+                <a16:creationId xmlns:a16="http://schemas.microsoft.com/office/drawing/2014/main" id="{891C7693-D3DF-4635-96F4-97F3B4136FDF}"/>
+              </a:ext>
+            </a:extLst>
+          </p:cNvPr>
+          <p:cNvSpPr>
+            <a:spLocks noGrp="1"/>
+          </p:cNvSpPr>
+          <p:nvPr>
+            <p:ph idx="1"/>
+          </p:nvPr>
+        </p:nvSpPr>
+        <p:spPr/>
+        <p:txBody>
+          <a:bodyPr/>
+          <a:lstStyle/>
+          <a:p>
+            <a:r>
+              <a:rPr lang="en-US" dirty="0">
+                <a:latin typeface="Euclid Circular B" panose="020B0504000000000000" pitchFamily="34" charset="0"/>
+                <a:ea typeface="Euclid Circular B" panose="020B0504000000000000" pitchFamily="34" charset="0"/>
+              </a:rPr>
+              <a:t>Content</a:t>
+            </a:r>
+          </a:p>
+        </p:txBody>
+      </p:sp>
+    </p:spTree>
+    <p:extLst>
+      <p:ext uri="{BB962C8B-B14F-4D97-AF65-F5344CB8AC3E}">
+        <p14:creationId xmlns:p14="http://schemas.microsoft.com/office/powerpoint/2010/main" val="895767816"/>
+      </p:ext>
+    </p:extLst>
+  </p:cSld>
+  <p:clrMapOvr>
+    <a:masterClrMapping/>
+  </p:clrMapOvr>
+</p:sld>
+</file>
+
+<file path=ppt/slides/slide22.xml><?xml version="1.0" encoding="utf-8"?>
+<p:sld xmlns:a="http://schemas.openxmlformats.org/drawingml/2006/main" xmlns:r="http://schemas.openxmlformats.org/officeDocument/2006/relationships" xmlns:p="http://schemas.openxmlformats.org/presentationml/2006/main">
+  <p:cSld>
+    <p:bg>
+      <p:bgPr>
+        <a:blipFill dpi="0" rotWithShape="1">
+          <a:blip r:embed="rId2">
+            <a:lum/>
+          </a:blip>
+          <a:srcRect/>
+          <a:stretch>
+            <a:fillRect/>
+          </a:stretch>
+        </a:blipFill>
+        <a:effectLst/>
+      </p:bgPr>
+    </p:bg>
+    <p:spTree>
+      <p:nvGrpSpPr>
+        <p:cNvPr id="1" name=""/>
+        <p:cNvGrpSpPr/>
+        <p:nvPr/>
+      </p:nvGrpSpPr>
+      <p:grpSpPr>
+        <a:xfrm>
+          <a:off x="0" y="0"/>
+          <a:ext cx="0" cy="0"/>
+          <a:chOff x="0" y="0"/>
+          <a:chExt cx="0" cy="0"/>
+        </a:xfrm>
+      </p:grpSpPr>
+      <p:sp>
+        <p:nvSpPr>
+          <p:cNvPr id="2" name="Title 1">
+            <a:extLst>
+              <a:ext uri="{FF2B5EF4-FFF2-40B4-BE49-F238E27FC236}">
+                <a16:creationId xmlns:a16="http://schemas.microsoft.com/office/drawing/2014/main" id="{55E11F08-6CA0-48F1-AD67-97430DDA07F0}"/>
+              </a:ext>
+            </a:extLst>
+          </p:cNvPr>
+          <p:cNvSpPr>
+            <a:spLocks noGrp="1"/>
+          </p:cNvSpPr>
+          <p:nvPr>
+            <p:ph type="title"/>
+          </p:nvPr>
+        </p:nvSpPr>
+        <p:spPr/>
+        <p:txBody>
+          <a:bodyPr/>
+          <a:lstStyle/>
+          <a:p>
+            <a:r>
+              <a:rPr lang="en-US" b="1" dirty="0">
+                <a:solidFill>
+                  <a:srgbClr val="292D33"/>
+                </a:solidFill>
+                <a:latin typeface="Euclid Circular B" panose="020B0504000000000000" pitchFamily="34" charset="0"/>
+                <a:ea typeface="Euclid Circular B" panose="020B0504000000000000" pitchFamily="34" charset="0"/>
+              </a:rPr>
+              <a:t>Topic title</a:t>
+            </a:r>
+          </a:p>
+        </p:txBody>
+      </p:sp>
+      <p:sp>
+        <p:nvSpPr>
+          <p:cNvPr id="3" name="Content Placeholder 2">
+            <a:extLst>
+              <a:ext uri="{FF2B5EF4-FFF2-40B4-BE49-F238E27FC236}">
+                <a16:creationId xmlns:a16="http://schemas.microsoft.com/office/drawing/2014/main" id="{891C7693-D3DF-4635-96F4-97F3B4136FDF}"/>
+              </a:ext>
+            </a:extLst>
+          </p:cNvPr>
+          <p:cNvSpPr>
+            <a:spLocks noGrp="1"/>
+          </p:cNvSpPr>
+          <p:nvPr>
+            <p:ph idx="1"/>
+          </p:nvPr>
+        </p:nvSpPr>
+        <p:spPr/>
+        <p:txBody>
+          <a:bodyPr/>
+          <a:lstStyle/>
+          <a:p>
+            <a:r>
+              <a:rPr lang="en-US" dirty="0">
+                <a:latin typeface="Euclid Circular B" panose="020B0504000000000000" pitchFamily="34" charset="0"/>
+                <a:ea typeface="Euclid Circular B" panose="020B0504000000000000" pitchFamily="34" charset="0"/>
+              </a:rPr>
+              <a:t>Content</a:t>
+            </a:r>
+          </a:p>
+        </p:txBody>
+      </p:sp>
+    </p:spTree>
+    <p:extLst>
+      <p:ext uri="{BB962C8B-B14F-4D97-AF65-F5344CB8AC3E}">
+        <p14:creationId xmlns:p14="http://schemas.microsoft.com/office/powerpoint/2010/main" val="1363764961"/>
+      </p:ext>
+    </p:extLst>
+  </p:cSld>
+  <p:clrMapOvr>
+    <a:masterClrMapping/>
+  </p:clrMapOvr>
+</p:sld>
+</file>
+
+<file path=ppt/slides/slide23.xml><?xml version="1.0" encoding="utf-8"?>
+<p:sld xmlns:a="http://schemas.openxmlformats.org/drawingml/2006/main" xmlns:r="http://schemas.openxmlformats.org/officeDocument/2006/relationships" xmlns:p="http://schemas.openxmlformats.org/presentationml/2006/main">
+  <p:cSld>
+    <p:bg>
+      <p:bgPr>
+        <a:blipFill dpi="0" rotWithShape="1">
+          <a:blip r:embed="rId2">
+            <a:lum/>
+          </a:blip>
+          <a:srcRect/>
+          <a:stretch>
+            <a:fillRect/>
+          </a:stretch>
+        </a:blipFill>
+        <a:effectLst/>
+      </p:bgPr>
+    </p:bg>
+    <p:spTree>
+      <p:nvGrpSpPr>
+        <p:cNvPr id="1" name=""/>
+        <p:cNvGrpSpPr/>
+        <p:nvPr/>
+      </p:nvGrpSpPr>
+      <p:grpSpPr>
+        <a:xfrm>
+          <a:off x="0" y="0"/>
+          <a:ext cx="0" cy="0"/>
+          <a:chOff x="0" y="0"/>
+          <a:chExt cx="0" cy="0"/>
+        </a:xfrm>
+      </p:grpSpPr>
+      <p:sp>
+        <p:nvSpPr>
+          <p:cNvPr id="2" name="Title 1">
+            <a:extLst>
+              <a:ext uri="{FF2B5EF4-FFF2-40B4-BE49-F238E27FC236}">
+                <a16:creationId xmlns:a16="http://schemas.microsoft.com/office/drawing/2014/main" id="{55E11F08-6CA0-48F1-AD67-97430DDA07F0}"/>
+              </a:ext>
+            </a:extLst>
+          </p:cNvPr>
+          <p:cNvSpPr>
+            <a:spLocks noGrp="1"/>
+          </p:cNvSpPr>
+          <p:nvPr>
+            <p:ph type="title"/>
+          </p:nvPr>
+        </p:nvSpPr>
+        <p:spPr/>
+        <p:txBody>
+          <a:bodyPr/>
+          <a:lstStyle/>
+          <a:p>
+            <a:r>
+              <a:rPr lang="en-US" b="1" dirty="0">
+                <a:solidFill>
+                  <a:srgbClr val="292D33"/>
+                </a:solidFill>
+                <a:latin typeface="Euclid Circular B" panose="020B0504000000000000" pitchFamily="34" charset="0"/>
+                <a:ea typeface="Euclid Circular B" panose="020B0504000000000000" pitchFamily="34" charset="0"/>
+              </a:rPr>
+              <a:t>Topic title</a:t>
+            </a:r>
+          </a:p>
+        </p:txBody>
+      </p:sp>
+      <p:sp>
+        <p:nvSpPr>
+          <p:cNvPr id="3" name="Content Placeholder 2">
+            <a:extLst>
+              <a:ext uri="{FF2B5EF4-FFF2-40B4-BE49-F238E27FC236}">
+                <a16:creationId xmlns:a16="http://schemas.microsoft.com/office/drawing/2014/main" id="{891C7693-D3DF-4635-96F4-97F3B4136FDF}"/>
+              </a:ext>
+            </a:extLst>
+          </p:cNvPr>
+          <p:cNvSpPr>
+            <a:spLocks noGrp="1"/>
+          </p:cNvSpPr>
+          <p:nvPr>
+            <p:ph idx="1"/>
+          </p:nvPr>
+        </p:nvSpPr>
+        <p:spPr/>
+        <p:txBody>
+          <a:bodyPr/>
+          <a:lstStyle/>
+          <a:p>
+            <a:r>
+              <a:rPr lang="en-US" dirty="0">
+                <a:latin typeface="Euclid Circular B" panose="020B0504000000000000" pitchFamily="34" charset="0"/>
+                <a:ea typeface="Euclid Circular B" panose="020B0504000000000000" pitchFamily="34" charset="0"/>
+              </a:rPr>
+              <a:t>Content</a:t>
+            </a:r>
+          </a:p>
+        </p:txBody>
+      </p:sp>
+    </p:spTree>
+    <p:extLst>
+      <p:ext uri="{BB962C8B-B14F-4D97-AF65-F5344CB8AC3E}">
+        <p14:creationId xmlns:p14="http://schemas.microsoft.com/office/powerpoint/2010/main" val="2960361966"/>
+      </p:ext>
+    </p:extLst>
+  </p:cSld>
+  <p:clrMapOvr>
+    <a:masterClrMapping/>
+  </p:clrMapOvr>
+</p:sld>
+</file>
+
+<file path=ppt/slides/slide24.xml><?xml version="1.0" encoding="utf-8"?>
+<p:sld xmlns:a="http://schemas.openxmlformats.org/drawingml/2006/main" xmlns:r="http://schemas.openxmlformats.org/officeDocument/2006/relationships" xmlns:p="http://schemas.openxmlformats.org/presentationml/2006/main">
+  <p:cSld>
+    <p:bg>
+      <p:bgPr>
+        <a:blipFill dpi="0" rotWithShape="1">
+          <a:blip r:embed="rId2">
+            <a:lum/>
+          </a:blip>
+          <a:srcRect/>
+          <a:stretch>
+            <a:fillRect/>
+          </a:stretch>
+        </a:blipFill>
+        <a:effectLst/>
+      </p:bgPr>
+    </p:bg>
+    <p:spTree>
+      <p:nvGrpSpPr>
+        <p:cNvPr id="1" name=""/>
+        <p:cNvGrpSpPr/>
+        <p:nvPr/>
+      </p:nvGrpSpPr>
+      <p:grpSpPr>
+        <a:xfrm>
+          <a:off x="0" y="0"/>
+          <a:ext cx="0" cy="0"/>
+          <a:chOff x="0" y="0"/>
+          <a:chExt cx="0" cy="0"/>
+        </a:xfrm>
+      </p:grpSpPr>
+      <p:sp>
+        <p:nvSpPr>
+          <p:cNvPr id="2" name="Title 1">
+            <a:extLst>
+              <a:ext uri="{FF2B5EF4-FFF2-40B4-BE49-F238E27FC236}">
+                <a16:creationId xmlns:a16="http://schemas.microsoft.com/office/drawing/2014/main" id="{55E11F08-6CA0-48F1-AD67-97430DDA07F0}"/>
+              </a:ext>
+            </a:extLst>
+          </p:cNvPr>
+          <p:cNvSpPr>
+            <a:spLocks noGrp="1"/>
+          </p:cNvSpPr>
+          <p:nvPr>
+            <p:ph type="title"/>
+          </p:nvPr>
+        </p:nvSpPr>
+        <p:spPr/>
+        <p:txBody>
+          <a:bodyPr/>
+          <a:lstStyle/>
+          <a:p>
+            <a:r>
+              <a:rPr lang="en-US" b="1" dirty="0">
+                <a:solidFill>
+                  <a:srgbClr val="292D33"/>
+                </a:solidFill>
+                <a:latin typeface="Euclid Circular B" panose="020B0504000000000000" pitchFamily="34" charset="0"/>
+                <a:ea typeface="Euclid Circular B" panose="020B0504000000000000" pitchFamily="34" charset="0"/>
+              </a:rPr>
+              <a:t>Topic title</a:t>
+            </a:r>
+          </a:p>
+        </p:txBody>
+      </p:sp>
+      <p:sp>
+        <p:nvSpPr>
+          <p:cNvPr id="3" name="Content Placeholder 2">
+            <a:extLst>
+              <a:ext uri="{FF2B5EF4-FFF2-40B4-BE49-F238E27FC236}">
+                <a16:creationId xmlns:a16="http://schemas.microsoft.com/office/drawing/2014/main" id="{891C7693-D3DF-4635-96F4-97F3B4136FDF}"/>
+              </a:ext>
+            </a:extLst>
+          </p:cNvPr>
+          <p:cNvSpPr>
+            <a:spLocks noGrp="1"/>
+          </p:cNvSpPr>
+          <p:nvPr>
+            <p:ph idx="1"/>
+          </p:nvPr>
+        </p:nvSpPr>
+        <p:spPr/>
+        <p:txBody>
+          <a:bodyPr/>
+          <a:lstStyle/>
+          <a:p>
+            <a:r>
+              <a:rPr lang="en-US" dirty="0">
+                <a:latin typeface="Euclid Circular B" panose="020B0504000000000000" pitchFamily="34" charset="0"/>
+                <a:ea typeface="Euclid Circular B" panose="020B0504000000000000" pitchFamily="34" charset="0"/>
+              </a:rPr>
+              <a:t>Content</a:t>
+            </a:r>
+          </a:p>
+        </p:txBody>
+      </p:sp>
+    </p:spTree>
+    <p:extLst>
+      <p:ext uri="{BB962C8B-B14F-4D97-AF65-F5344CB8AC3E}">
+        <p14:creationId xmlns:p14="http://schemas.microsoft.com/office/powerpoint/2010/main" val="1720385134"/>
+      </p:ext>
+    </p:extLst>
+  </p:cSld>
+  <p:clrMapOvr>
+    <a:masterClrMapping/>
+  </p:clrMapOvr>
+</p:sld>
+</file>
+
+<file path=ppt/slides/slide25.xml><?xml version="1.0" encoding="utf-8"?>
+<p:sld xmlns:a="http://schemas.openxmlformats.org/drawingml/2006/main" xmlns:r="http://schemas.openxmlformats.org/officeDocument/2006/relationships" xmlns:p="http://schemas.openxmlformats.org/presentationml/2006/main">
+  <p:cSld>
+    <p:bg>
+      <p:bgPr>
+        <a:blipFill dpi="0" rotWithShape="1">
+          <a:blip r:embed="rId2">
+            <a:lum/>
+          </a:blip>
+          <a:srcRect/>
+          <a:stretch>
+            <a:fillRect/>
+          </a:stretch>
+        </a:blipFill>
+        <a:effectLst/>
+      </p:bgPr>
+    </p:bg>
+    <p:spTree>
+      <p:nvGrpSpPr>
+        <p:cNvPr id="1" name=""/>
+        <p:cNvGrpSpPr/>
+        <p:nvPr/>
+      </p:nvGrpSpPr>
+      <p:grpSpPr>
+        <a:xfrm>
+          <a:off x="0" y="0"/>
+          <a:ext cx="0" cy="0"/>
+          <a:chOff x="0" y="0"/>
+          <a:chExt cx="0" cy="0"/>
+        </a:xfrm>
+      </p:grpSpPr>
+      <p:sp>
+        <p:nvSpPr>
+          <p:cNvPr id="2" name="Title 1">
+            <a:extLst>
+              <a:ext uri="{FF2B5EF4-FFF2-40B4-BE49-F238E27FC236}">
+                <a16:creationId xmlns:a16="http://schemas.microsoft.com/office/drawing/2014/main" id="{55E11F08-6CA0-48F1-AD67-97430DDA07F0}"/>
+              </a:ext>
+            </a:extLst>
+          </p:cNvPr>
+          <p:cNvSpPr>
+            <a:spLocks noGrp="1"/>
+          </p:cNvSpPr>
+          <p:nvPr>
+            <p:ph type="title"/>
+          </p:nvPr>
+        </p:nvSpPr>
+        <p:spPr/>
+        <p:txBody>
+          <a:bodyPr/>
+          <a:lstStyle/>
+          <a:p>
+            <a:r>
+              <a:rPr lang="en-US" b="1" dirty="0">
+                <a:solidFill>
+                  <a:srgbClr val="292D33"/>
+                </a:solidFill>
+                <a:latin typeface="Euclid Circular B" panose="020B0504000000000000" pitchFamily="34" charset="0"/>
+                <a:ea typeface="Euclid Circular B" panose="020B0504000000000000" pitchFamily="34" charset="0"/>
+              </a:rPr>
+              <a:t>Topic title</a:t>
+            </a:r>
+          </a:p>
+        </p:txBody>
+      </p:sp>
+      <p:sp>
+        <p:nvSpPr>
+          <p:cNvPr id="3" name="Content Placeholder 2">
+            <a:extLst>
+              <a:ext uri="{FF2B5EF4-FFF2-40B4-BE49-F238E27FC236}">
+                <a16:creationId xmlns:a16="http://schemas.microsoft.com/office/drawing/2014/main" id="{891C7693-D3DF-4635-96F4-97F3B4136FDF}"/>
+              </a:ext>
+            </a:extLst>
+          </p:cNvPr>
+          <p:cNvSpPr>
+            <a:spLocks noGrp="1"/>
+          </p:cNvSpPr>
+          <p:nvPr>
+            <p:ph idx="1"/>
+          </p:nvPr>
+        </p:nvSpPr>
+        <p:spPr/>
+        <p:txBody>
+          <a:bodyPr/>
+          <a:lstStyle/>
+          <a:p>
+            <a:r>
+              <a:rPr lang="en-US" dirty="0">
+                <a:latin typeface="Euclid Circular B" panose="020B0504000000000000" pitchFamily="34" charset="0"/>
+                <a:ea typeface="Euclid Circular B" panose="020B0504000000000000" pitchFamily="34" charset="0"/>
+              </a:rPr>
+              <a:t>Content</a:t>
+            </a:r>
+          </a:p>
+        </p:txBody>
+      </p:sp>
+    </p:spTree>
+    <p:extLst>
+      <p:ext uri="{BB962C8B-B14F-4D97-AF65-F5344CB8AC3E}">
+        <p14:creationId xmlns:p14="http://schemas.microsoft.com/office/powerpoint/2010/main" val="48548191"/>
+      </p:ext>
+    </p:extLst>
+  </p:cSld>
+  <p:clrMapOvr>
+    <a:masterClrMapping/>
+  </p:clrMapOvr>
+</p:sld>
+</file>
+
+<file path=ppt/slides/slide26.xml><?xml version="1.0" encoding="utf-8"?>
+<p:sld xmlns:a="http://schemas.openxmlformats.org/drawingml/2006/main" xmlns:r="http://schemas.openxmlformats.org/officeDocument/2006/relationships" xmlns:p="http://schemas.openxmlformats.org/presentationml/2006/main">
+  <p:cSld>
+    <p:bg>
+      <p:bgPr>
+        <a:blipFill dpi="0" rotWithShape="1">
+          <a:blip r:embed="rId2">
+            <a:lum/>
+          </a:blip>
+          <a:srcRect/>
+          <a:stretch>
+            <a:fillRect/>
+          </a:stretch>
+        </a:blipFill>
+        <a:effectLst/>
+      </p:bgPr>
+    </p:bg>
+    <p:spTree>
+      <p:nvGrpSpPr>
+        <p:cNvPr id="1" name=""/>
+        <p:cNvGrpSpPr/>
+        <p:nvPr/>
+      </p:nvGrpSpPr>
+      <p:grpSpPr>
+        <a:xfrm>
+          <a:off x="0" y="0"/>
+          <a:ext cx="0" cy="0"/>
+          <a:chOff x="0" y="0"/>
+          <a:chExt cx="0" cy="0"/>
+        </a:xfrm>
+      </p:grpSpPr>
+      <p:sp>
+        <p:nvSpPr>
+          <p:cNvPr id="2" name="Title 1">
+            <a:extLst>
+              <a:ext uri="{FF2B5EF4-FFF2-40B4-BE49-F238E27FC236}">
+                <a16:creationId xmlns:a16="http://schemas.microsoft.com/office/drawing/2014/main" id="{55E11F08-6CA0-48F1-AD67-97430DDA07F0}"/>
+              </a:ext>
+            </a:extLst>
+          </p:cNvPr>
+          <p:cNvSpPr>
+            <a:spLocks noGrp="1"/>
+          </p:cNvSpPr>
+          <p:nvPr>
+            <p:ph type="title"/>
+          </p:nvPr>
+        </p:nvSpPr>
+        <p:spPr/>
+        <p:txBody>
+          <a:bodyPr/>
+          <a:lstStyle/>
+          <a:p>
+            <a:r>
+              <a:rPr lang="en-US" b="1" dirty="0">
+                <a:solidFill>
+                  <a:srgbClr val="292D33"/>
+                </a:solidFill>
+                <a:latin typeface="Euclid Circular B" panose="020B0504000000000000" pitchFamily="34" charset="0"/>
+                <a:ea typeface="Euclid Circular B" panose="020B0504000000000000" pitchFamily="34" charset="0"/>
+              </a:rPr>
+              <a:t>Topic title</a:t>
+            </a:r>
+          </a:p>
+        </p:txBody>
+      </p:sp>
+      <p:sp>
+        <p:nvSpPr>
+          <p:cNvPr id="3" name="Content Placeholder 2">
+            <a:extLst>
+              <a:ext uri="{FF2B5EF4-FFF2-40B4-BE49-F238E27FC236}">
+                <a16:creationId xmlns:a16="http://schemas.microsoft.com/office/drawing/2014/main" id="{891C7693-D3DF-4635-96F4-97F3B4136FDF}"/>
+              </a:ext>
+            </a:extLst>
+          </p:cNvPr>
+          <p:cNvSpPr>
+            <a:spLocks noGrp="1"/>
+          </p:cNvSpPr>
+          <p:nvPr>
+            <p:ph idx="1"/>
+          </p:nvPr>
+        </p:nvSpPr>
+        <p:spPr/>
+        <p:txBody>
+          <a:bodyPr/>
+          <a:lstStyle/>
+          <a:p>
+            <a:r>
+              <a:rPr lang="en-US" dirty="0">
+                <a:latin typeface="Euclid Circular B" panose="020B0504000000000000" pitchFamily="34" charset="0"/>
+                <a:ea typeface="Euclid Circular B" panose="020B0504000000000000" pitchFamily="34" charset="0"/>
+              </a:rPr>
+              <a:t>Content</a:t>
+            </a:r>
+          </a:p>
+        </p:txBody>
+      </p:sp>
+    </p:spTree>
+    <p:extLst>
+      <p:ext uri="{BB962C8B-B14F-4D97-AF65-F5344CB8AC3E}">
+        <p14:creationId xmlns:p14="http://schemas.microsoft.com/office/powerpoint/2010/main" val="235997505"/>
+      </p:ext>
+    </p:extLst>
+  </p:cSld>
+  <p:clrMapOvr>
+    <a:masterClrMapping/>
+  </p:clrMapOvr>
+</p:sld>
+</file>
+
+<file path=ppt/slides/slide27.xml><?xml version="1.0" encoding="utf-8"?>
+<p:sld xmlns:a="http://schemas.openxmlformats.org/drawingml/2006/main" xmlns:r="http://schemas.openxmlformats.org/officeDocument/2006/relationships" xmlns:p="http://schemas.openxmlformats.org/presentationml/2006/main">
+  <p:cSld>
+    <p:bg>
+      <p:bgPr>
+        <a:blipFill dpi="0" rotWithShape="1">
+          <a:blip r:embed="rId2">
+            <a:lum/>
+          </a:blip>
+          <a:srcRect/>
+          <a:stretch>
+            <a:fillRect/>
+          </a:stretch>
+        </a:blipFill>
+        <a:effectLst/>
+      </p:bgPr>
+    </p:bg>
+    <p:spTree>
+      <p:nvGrpSpPr>
+        <p:cNvPr id="1" name=""/>
+        <p:cNvGrpSpPr/>
+        <p:nvPr/>
+      </p:nvGrpSpPr>
+      <p:grpSpPr>
+        <a:xfrm>
+          <a:off x="0" y="0"/>
+          <a:ext cx="0" cy="0"/>
+          <a:chOff x="0" y="0"/>
+          <a:chExt cx="0" cy="0"/>
+        </a:xfrm>
+      </p:grpSpPr>
+      <p:sp>
+        <p:nvSpPr>
+          <p:cNvPr id="2" name="Title 1">
+            <a:extLst>
+              <a:ext uri="{FF2B5EF4-FFF2-40B4-BE49-F238E27FC236}">
+                <a16:creationId xmlns:a16="http://schemas.microsoft.com/office/drawing/2014/main" id="{55E11F08-6CA0-48F1-AD67-97430DDA07F0}"/>
+              </a:ext>
+            </a:extLst>
+          </p:cNvPr>
+          <p:cNvSpPr>
+            <a:spLocks noGrp="1"/>
+          </p:cNvSpPr>
+          <p:nvPr>
+            <p:ph type="title"/>
+          </p:nvPr>
+        </p:nvSpPr>
+        <p:spPr/>
+        <p:txBody>
+          <a:bodyPr/>
+          <a:lstStyle/>
+          <a:p>
+            <a:r>
+              <a:rPr lang="en-US" b="1" dirty="0">
+                <a:solidFill>
+                  <a:srgbClr val="292D33"/>
+                </a:solidFill>
+                <a:latin typeface="Euclid Circular B" panose="020B0504000000000000" pitchFamily="34" charset="0"/>
+                <a:ea typeface="Euclid Circular B" panose="020B0504000000000000" pitchFamily="34" charset="0"/>
+              </a:rPr>
+              <a:t>Topic title</a:t>
+            </a:r>
+          </a:p>
+        </p:txBody>
+      </p:sp>
+      <p:sp>
+        <p:nvSpPr>
+          <p:cNvPr id="3" name="Content Placeholder 2">
+            <a:extLst>
+              <a:ext uri="{FF2B5EF4-FFF2-40B4-BE49-F238E27FC236}">
+                <a16:creationId xmlns:a16="http://schemas.microsoft.com/office/drawing/2014/main" id="{891C7693-D3DF-4635-96F4-97F3B4136FDF}"/>
+              </a:ext>
+            </a:extLst>
+          </p:cNvPr>
+          <p:cNvSpPr>
+            <a:spLocks noGrp="1"/>
+          </p:cNvSpPr>
+          <p:nvPr>
+            <p:ph idx="1"/>
+          </p:nvPr>
+        </p:nvSpPr>
+        <p:spPr/>
+        <p:txBody>
+          <a:bodyPr/>
+          <a:lstStyle/>
+          <a:p>
+            <a:r>
+              <a:rPr lang="en-US" dirty="0">
+                <a:latin typeface="Euclid Circular B" panose="020B0504000000000000" pitchFamily="34" charset="0"/>
+                <a:ea typeface="Euclid Circular B" panose="020B0504000000000000" pitchFamily="34" charset="0"/>
+              </a:rPr>
+              <a:t>Content</a:t>
+            </a:r>
+          </a:p>
+        </p:txBody>
+      </p:sp>
+    </p:spTree>
+    <p:extLst>
+      <p:ext uri="{BB962C8B-B14F-4D97-AF65-F5344CB8AC3E}">
+        <p14:creationId xmlns:p14="http://schemas.microsoft.com/office/powerpoint/2010/main" val="90997006"/>
+      </p:ext>
+    </p:extLst>
+  </p:cSld>
+  <p:clrMapOvr>
+    <a:masterClrMapping/>
+  </p:clrMapOvr>
+</p:sld>
+</file>
+
+<file path=ppt/slides/slide28.xml><?xml version="1.0" encoding="utf-8"?>
+<p:sld xmlns:a="http://schemas.openxmlformats.org/drawingml/2006/main" xmlns:r="http://schemas.openxmlformats.org/officeDocument/2006/relationships" xmlns:p="http://schemas.openxmlformats.org/presentationml/2006/main">
+  <p:cSld>
+    <p:bg>
+      <p:bgPr>
+        <a:blipFill dpi="0" rotWithShape="1">
+          <a:blip r:embed="rId2">
+            <a:lum/>
+          </a:blip>
+          <a:srcRect/>
+          <a:stretch>
+            <a:fillRect/>
+          </a:stretch>
+        </a:blipFill>
+        <a:effectLst/>
+      </p:bgPr>
+    </p:bg>
+    <p:spTree>
+      <p:nvGrpSpPr>
+        <p:cNvPr id="1" name=""/>
+        <p:cNvGrpSpPr/>
+        <p:nvPr/>
+      </p:nvGrpSpPr>
+      <p:grpSpPr>
+        <a:xfrm>
+          <a:off x="0" y="0"/>
+          <a:ext cx="0" cy="0"/>
+          <a:chOff x="0" y="0"/>
+          <a:chExt cx="0" cy="0"/>
+        </a:xfrm>
+      </p:grpSpPr>
+      <p:sp>
+        <p:nvSpPr>
+          <p:cNvPr id="2" name="Title 1">
+            <a:extLst>
+              <a:ext uri="{FF2B5EF4-FFF2-40B4-BE49-F238E27FC236}">
+                <a16:creationId xmlns:a16="http://schemas.microsoft.com/office/drawing/2014/main" id="{55E11F08-6CA0-48F1-AD67-97430DDA07F0}"/>
+              </a:ext>
+            </a:extLst>
+          </p:cNvPr>
+          <p:cNvSpPr>
+            <a:spLocks noGrp="1"/>
+          </p:cNvSpPr>
+          <p:nvPr>
+            <p:ph type="title"/>
+          </p:nvPr>
+        </p:nvSpPr>
+        <p:spPr/>
+        <p:txBody>
+          <a:bodyPr/>
+          <a:lstStyle/>
+          <a:p>
+            <a:r>
+              <a:rPr lang="en-US" b="1" dirty="0">
+                <a:solidFill>
+                  <a:srgbClr val="292D33"/>
+                </a:solidFill>
+                <a:latin typeface="Euclid Circular B" panose="020B0504000000000000" pitchFamily="34" charset="0"/>
+                <a:ea typeface="Euclid Circular B" panose="020B0504000000000000" pitchFamily="34" charset="0"/>
+              </a:rPr>
+              <a:t>Topic title</a:t>
+            </a:r>
+          </a:p>
+        </p:txBody>
+      </p:sp>
+      <p:sp>
+        <p:nvSpPr>
+          <p:cNvPr id="3" name="Content Placeholder 2">
+            <a:extLst>
+              <a:ext uri="{FF2B5EF4-FFF2-40B4-BE49-F238E27FC236}">
+                <a16:creationId xmlns:a16="http://schemas.microsoft.com/office/drawing/2014/main" id="{891C7693-D3DF-4635-96F4-97F3B4136FDF}"/>
+              </a:ext>
+            </a:extLst>
+          </p:cNvPr>
+          <p:cNvSpPr>
+            <a:spLocks noGrp="1"/>
+          </p:cNvSpPr>
+          <p:nvPr>
+            <p:ph idx="1"/>
+          </p:nvPr>
+        </p:nvSpPr>
+        <p:spPr/>
+        <p:txBody>
+          <a:bodyPr/>
+          <a:lstStyle/>
+          <a:p>
+            <a:r>
+              <a:rPr lang="en-US" dirty="0">
+                <a:latin typeface="Euclid Circular B" panose="020B0504000000000000" pitchFamily="34" charset="0"/>
+                <a:ea typeface="Euclid Circular B" panose="020B0504000000000000" pitchFamily="34" charset="0"/>
+              </a:rPr>
+              <a:t>Content</a:t>
+            </a:r>
+          </a:p>
+        </p:txBody>
+      </p:sp>
+    </p:spTree>
+    <p:extLst>
+      <p:ext uri="{BB962C8B-B14F-4D97-AF65-F5344CB8AC3E}">
+        <p14:creationId xmlns:p14="http://schemas.microsoft.com/office/powerpoint/2010/main" val="1732381805"/>
+      </p:ext>
+    </p:extLst>
+  </p:cSld>
+  <p:clrMapOvr>
+    <a:masterClrMapping/>
+  </p:clrMapOvr>
+</p:sld>
+</file>
+
+<file path=ppt/slides/slide29.xml><?xml version="1.0" encoding="utf-8"?>
+<p:sld xmlns:a="http://schemas.openxmlformats.org/drawingml/2006/main" xmlns:r="http://schemas.openxmlformats.org/officeDocument/2006/relationships" xmlns:p="http://schemas.openxmlformats.org/presentationml/2006/main">
+  <p:cSld>
+    <p:bg>
+      <p:bgPr>
+        <a:blipFill dpi="0" rotWithShape="1">
+          <a:blip r:embed="rId2">
+            <a:lum/>
+          </a:blip>
+          <a:srcRect/>
+          <a:stretch>
+            <a:fillRect/>
+          </a:stretch>
+        </a:blipFill>
+        <a:effectLst/>
+      </p:bgPr>
+    </p:bg>
+    <p:spTree>
+      <p:nvGrpSpPr>
+        <p:cNvPr id="1" name=""/>
+        <p:cNvGrpSpPr/>
+        <p:nvPr/>
+      </p:nvGrpSpPr>
+      <p:grpSpPr>
+        <a:xfrm>
+          <a:off x="0" y="0"/>
+          <a:ext cx="0" cy="0"/>
+          <a:chOff x="0" y="0"/>
+          <a:chExt cx="0" cy="0"/>
+        </a:xfrm>
+      </p:grpSpPr>
+      <p:sp>
+        <p:nvSpPr>
+          <p:cNvPr id="2" name="Title 1">
+            <a:extLst>
+              <a:ext uri="{FF2B5EF4-FFF2-40B4-BE49-F238E27FC236}">
+                <a16:creationId xmlns:a16="http://schemas.microsoft.com/office/drawing/2014/main" id="{55E11F08-6CA0-48F1-AD67-97430DDA07F0}"/>
+              </a:ext>
+            </a:extLst>
+          </p:cNvPr>
+          <p:cNvSpPr>
+            <a:spLocks noGrp="1"/>
+          </p:cNvSpPr>
+          <p:nvPr>
+            <p:ph type="title"/>
+          </p:nvPr>
+        </p:nvSpPr>
+        <p:spPr/>
+        <p:txBody>
+          <a:bodyPr/>
+          <a:lstStyle/>
+          <a:p>
+            <a:r>
+              <a:rPr lang="en-US" b="1" dirty="0">
+                <a:solidFill>
+                  <a:srgbClr val="292D33"/>
+                </a:solidFill>
+                <a:latin typeface="Euclid Circular B" panose="020B0504000000000000" pitchFamily="34" charset="0"/>
+                <a:ea typeface="Euclid Circular B" panose="020B0504000000000000" pitchFamily="34" charset="0"/>
+              </a:rPr>
+              <a:t>Topic title</a:t>
+            </a:r>
+          </a:p>
+        </p:txBody>
+      </p:sp>
+      <p:sp>
+        <p:nvSpPr>
+          <p:cNvPr id="3" name="Content Placeholder 2">
+            <a:extLst>
+              <a:ext uri="{FF2B5EF4-FFF2-40B4-BE49-F238E27FC236}">
+                <a16:creationId xmlns:a16="http://schemas.microsoft.com/office/drawing/2014/main" id="{891C7693-D3DF-4635-96F4-97F3B4136FDF}"/>
+              </a:ext>
+            </a:extLst>
+          </p:cNvPr>
+          <p:cNvSpPr>
+            <a:spLocks noGrp="1"/>
+          </p:cNvSpPr>
+          <p:nvPr>
+            <p:ph idx="1"/>
+          </p:nvPr>
+        </p:nvSpPr>
+        <p:spPr/>
+        <p:txBody>
+          <a:bodyPr/>
+          <a:lstStyle/>
+          <a:p>
+            <a:r>
+              <a:rPr lang="en-US" dirty="0">
+                <a:latin typeface="Euclid Circular B" panose="020B0504000000000000" pitchFamily="34" charset="0"/>
+                <a:ea typeface="Euclid Circular B" panose="020B0504000000000000" pitchFamily="34" charset="0"/>
+              </a:rPr>
+              <a:t>Content</a:t>
+            </a:r>
+          </a:p>
+        </p:txBody>
+      </p:sp>
+    </p:spTree>
+    <p:extLst>
+      <p:ext uri="{BB962C8B-B14F-4D97-AF65-F5344CB8AC3E}">
+        <p14:creationId xmlns:p14="http://schemas.microsoft.com/office/powerpoint/2010/main" val="3392842696"/>
+      </p:ext>
+    </p:extLst>
+  </p:cSld>
+  <p:clrMapOvr>
+    <a:masterClrMapping/>
+  </p:clrMapOvr>
+</p:sld>
+</file>
+
+<file path=ppt/slides/slide3.xml><?xml version="1.0" encoding="utf-8"?>
+<p:sld xmlns:a="http://schemas.openxmlformats.org/drawingml/2006/main" xmlns:r="http://schemas.openxmlformats.org/officeDocument/2006/relationships" xmlns:p="http://schemas.openxmlformats.org/presentationml/2006/main">
+  <p:cSld>
+    <p:bg>
+      <p:bgPr>
+        <a:blipFill dpi="0" rotWithShape="1">
+          <a:blip r:embed="rId2">
+            <a:lum/>
+          </a:blip>
+          <a:srcRect/>
+          <a:stretch>
+            <a:fillRect/>
+          </a:stretch>
+        </a:blipFill>
+        <a:effectLst/>
+      </p:bgPr>
+    </p:bg>
+    <p:spTree>
+      <p:nvGrpSpPr>
+        <p:cNvPr id="1" name=""/>
+        <p:cNvGrpSpPr/>
+        <p:nvPr/>
+      </p:nvGrpSpPr>
+      <p:grpSpPr>
+        <a:xfrm>
+          <a:off x="0" y="0"/>
+          <a:ext cx="0" cy="0"/>
+          <a:chOff x="0" y="0"/>
+          <a:chExt cx="0" cy="0"/>
+        </a:xfrm>
+      </p:grpSpPr>
+      <p:sp>
+        <p:nvSpPr>
+          <p:cNvPr id="2" name="Title 1">
+            <a:extLst>
+              <a:ext uri="{FF2B5EF4-FFF2-40B4-BE49-F238E27FC236}">
+                <a16:creationId xmlns:a16="http://schemas.microsoft.com/office/drawing/2014/main" id="{55E11F08-6CA0-48F1-AD67-97430DDA07F0}"/>
+              </a:ext>
+            </a:extLst>
+          </p:cNvPr>
+          <p:cNvSpPr>
+            <a:spLocks noGrp="1"/>
+          </p:cNvSpPr>
+          <p:nvPr>
+            <p:ph type="title"/>
+          </p:nvPr>
+        </p:nvSpPr>
+        <p:spPr/>
+        <p:txBody>
+          <a:bodyPr/>
+          <a:lstStyle/>
+          <a:p>
+            <a:r>
+              <a:rPr lang="tr-TR" b="1" dirty="0">
+                <a:solidFill>
+                  <a:srgbClr val="292D33"/>
+                </a:solidFill>
+                <a:latin typeface="Euclid Circular B" panose="020B0504000000000000" pitchFamily="34" charset="0"/>
+                <a:ea typeface="Euclid Circular B" panose="020B0504000000000000" pitchFamily="34" charset="0"/>
+              </a:rPr>
+              <a:t>Agenda</a:t>
+            </a:r>
+            <a:endParaRPr lang="en-US" b="1" dirty="0">
+              <a:solidFill>
+                <a:srgbClr val="292D33"/>
+              </a:solidFill>
+              <a:latin typeface="Euclid Circular B" panose="020B0504000000000000" pitchFamily="34" charset="0"/>
+              <a:ea typeface="Euclid Circular B" panose="020B0504000000000000" pitchFamily="34" charset="0"/>
+            </a:endParaRPr>
+          </a:p>
+        </p:txBody>
+      </p:sp>
+      <p:sp>
+        <p:nvSpPr>
+          <p:cNvPr id="3" name="Content Placeholder 2">
+            <a:extLst>
+              <a:ext uri="{FF2B5EF4-FFF2-40B4-BE49-F238E27FC236}">
+                <a16:creationId xmlns:a16="http://schemas.microsoft.com/office/drawing/2014/main" id="{891C7693-D3DF-4635-96F4-97F3B4136FDF}"/>
+              </a:ext>
+            </a:extLst>
+          </p:cNvPr>
+          <p:cNvSpPr>
+            <a:spLocks noGrp="1"/>
+          </p:cNvSpPr>
+          <p:nvPr>
+            <p:ph idx="1"/>
+          </p:nvPr>
+        </p:nvSpPr>
+        <p:spPr/>
+        <p:txBody>
+          <a:bodyPr/>
+          <a:lstStyle/>
+          <a:p>
+            <a:r>
+              <a:rPr lang="tr-TR" dirty="0">
+                <a:latin typeface="Euclid Circular B" panose="020B0504000000000000" pitchFamily="34" charset="0"/>
+                <a:ea typeface="Euclid Circular B" panose="020B0504000000000000" pitchFamily="34" charset="0"/>
+              </a:rPr>
+              <a:t>Challenges of developing microservice solutions</a:t>
+            </a:r>
+          </a:p>
+          <a:p>
+            <a:r>
+              <a:rPr lang="tr-TR" dirty="0">
+                <a:latin typeface="Euclid Circular B" panose="020B0504000000000000" pitchFamily="34" charset="0"/>
+                <a:ea typeface="Euclid Circular B" panose="020B0504000000000000" pitchFamily="34" charset="0"/>
+              </a:rPr>
+              <a:t>The Project Tye</a:t>
+            </a:r>
+          </a:p>
+          <a:p>
+            <a:r>
+              <a:rPr lang="tr-TR" dirty="0">
+                <a:latin typeface="Euclid Circular B" panose="020B0504000000000000" pitchFamily="34" charset="0"/>
+                <a:ea typeface="Euclid Circular B" panose="020B0504000000000000" pitchFamily="34" charset="0"/>
+              </a:rPr>
+              <a:t>ABP Studio: Solution Runner</a:t>
+            </a:r>
+          </a:p>
+          <a:p>
+            <a:r>
+              <a:rPr lang="tr-TR" dirty="0">
+                <a:latin typeface="Euclid Circular B" panose="020B0504000000000000" pitchFamily="34" charset="0"/>
+                <a:ea typeface="Euclid Circular B" panose="020B0504000000000000" pitchFamily="34" charset="0"/>
+              </a:rPr>
+              <a:t>ABP Studio: Kubernetes Tunneling</a:t>
+            </a:r>
+            <a:endParaRPr lang="en-US" dirty="0">
+              <a:latin typeface="Euclid Circular B" panose="020B0504000000000000" pitchFamily="34" charset="0"/>
+              <a:ea typeface="Euclid Circular B" panose="020B0504000000000000" pitchFamily="34" charset="0"/>
+            </a:endParaRPr>
+          </a:p>
+        </p:txBody>
+      </p:sp>
+    </p:spTree>
+    <p:extLst>
+      <p:ext uri="{BB962C8B-B14F-4D97-AF65-F5344CB8AC3E}">
+        <p14:creationId xmlns:p14="http://schemas.microsoft.com/office/powerpoint/2010/main" val="3184782744"/>
+      </p:ext>
+    </p:extLst>
+  </p:cSld>
+  <p:clrMapOvr>
+    <a:masterClrMapping/>
+  </p:clrMapOvr>
+</p:sld>
+</file>
+
+<file path=ppt/slides/slide30.xml><?xml version="1.0" encoding="utf-8"?>
+<p:sld xmlns:a="http://schemas.openxmlformats.org/drawingml/2006/main" xmlns:r="http://schemas.openxmlformats.org/officeDocument/2006/relationships" xmlns:p="http://schemas.openxmlformats.org/presentationml/2006/main">
+  <p:cSld>
+    <p:bg>
+      <p:bgPr>
+        <a:blipFill dpi="0" rotWithShape="1">
+          <a:blip r:embed="rId2">
+            <a:lum/>
+          </a:blip>
+          <a:srcRect/>
+          <a:stretch>
+            <a:fillRect/>
+          </a:stretch>
+        </a:blipFill>
+        <a:effectLst/>
+      </p:bgPr>
+    </p:bg>
+    <p:spTree>
+      <p:nvGrpSpPr>
+        <p:cNvPr id="1" name=""/>
+        <p:cNvGrpSpPr/>
+        <p:nvPr/>
+      </p:nvGrpSpPr>
+      <p:grpSpPr>
+        <a:xfrm>
+          <a:off x="0" y="0"/>
+          <a:ext cx="0" cy="0"/>
+          <a:chOff x="0" y="0"/>
+          <a:chExt cx="0" cy="0"/>
+        </a:xfrm>
+      </p:grpSpPr>
+      <p:sp>
+        <p:nvSpPr>
+          <p:cNvPr id="2" name="Title 1">
+            <a:extLst>
+              <a:ext uri="{FF2B5EF4-FFF2-40B4-BE49-F238E27FC236}">
+                <a16:creationId xmlns:a16="http://schemas.microsoft.com/office/drawing/2014/main" id="{55E11F08-6CA0-48F1-AD67-97430DDA07F0}"/>
+              </a:ext>
+            </a:extLst>
+          </p:cNvPr>
+          <p:cNvSpPr>
+            <a:spLocks noGrp="1"/>
+          </p:cNvSpPr>
+          <p:nvPr>
+            <p:ph type="title"/>
+          </p:nvPr>
+        </p:nvSpPr>
+        <p:spPr/>
+        <p:txBody>
+          <a:bodyPr/>
+          <a:lstStyle/>
+          <a:p>
+            <a:r>
+              <a:rPr lang="en-US" b="1" dirty="0">
+                <a:solidFill>
+                  <a:srgbClr val="292D33"/>
+                </a:solidFill>
+                <a:latin typeface="Euclid Circular B" panose="020B0504000000000000" pitchFamily="34" charset="0"/>
+                <a:ea typeface="Euclid Circular B" panose="020B0504000000000000" pitchFamily="34" charset="0"/>
+              </a:rPr>
+              <a:t>Topic title</a:t>
+            </a:r>
+          </a:p>
+        </p:txBody>
+      </p:sp>
+      <p:sp>
+        <p:nvSpPr>
+          <p:cNvPr id="3" name="Content Placeholder 2">
+            <a:extLst>
+              <a:ext uri="{FF2B5EF4-FFF2-40B4-BE49-F238E27FC236}">
+                <a16:creationId xmlns:a16="http://schemas.microsoft.com/office/drawing/2014/main" id="{891C7693-D3DF-4635-96F4-97F3B4136FDF}"/>
+              </a:ext>
+            </a:extLst>
+          </p:cNvPr>
+          <p:cNvSpPr>
+            <a:spLocks noGrp="1"/>
+          </p:cNvSpPr>
+          <p:nvPr>
+            <p:ph idx="1"/>
+          </p:nvPr>
+        </p:nvSpPr>
+        <p:spPr/>
+        <p:txBody>
+          <a:bodyPr/>
+          <a:lstStyle/>
+          <a:p>
+            <a:r>
+              <a:rPr lang="en-US" dirty="0">
+                <a:latin typeface="Euclid Circular B" panose="020B0504000000000000" pitchFamily="34" charset="0"/>
+                <a:ea typeface="Euclid Circular B" panose="020B0504000000000000" pitchFamily="34" charset="0"/>
+              </a:rPr>
+              <a:t>Content</a:t>
+            </a:r>
+          </a:p>
+        </p:txBody>
+      </p:sp>
+    </p:spTree>
+    <p:extLst>
+      <p:ext uri="{BB962C8B-B14F-4D97-AF65-F5344CB8AC3E}">
+        <p14:creationId xmlns:p14="http://schemas.microsoft.com/office/powerpoint/2010/main" val="1311148505"/>
+      </p:ext>
+    </p:extLst>
+  </p:cSld>
+  <p:clrMapOvr>
+    <a:masterClrMapping/>
+  </p:clrMapOvr>
+</p:sld>
+</file>
+
+<file path=ppt/slides/slide31.xml><?xml version="1.0" encoding="utf-8"?>
+<p:sld xmlns:a="http://schemas.openxmlformats.org/drawingml/2006/main" xmlns:r="http://schemas.openxmlformats.org/officeDocument/2006/relationships" xmlns:p="http://schemas.openxmlformats.org/presentationml/2006/main">
+  <p:cSld>
+    <p:bg>
+      <p:bgPr>
+        <a:blipFill dpi="0" rotWithShape="1">
+          <a:blip r:embed="rId2">
+            <a:lum/>
+          </a:blip>
+          <a:srcRect/>
+          <a:stretch>
+            <a:fillRect/>
+          </a:stretch>
+        </a:blipFill>
+        <a:effectLst/>
+      </p:bgPr>
+    </p:bg>
+    <p:spTree>
+      <p:nvGrpSpPr>
+        <p:cNvPr id="1" name=""/>
+        <p:cNvGrpSpPr/>
+        <p:nvPr/>
+      </p:nvGrpSpPr>
+      <p:grpSpPr>
+        <a:xfrm>
+          <a:off x="0" y="0"/>
+          <a:ext cx="0" cy="0"/>
+          <a:chOff x="0" y="0"/>
+          <a:chExt cx="0" cy="0"/>
+        </a:xfrm>
+      </p:grpSpPr>
+      <p:sp>
+        <p:nvSpPr>
+          <p:cNvPr id="2" name="Title 1">
+            <a:extLst>
+              <a:ext uri="{FF2B5EF4-FFF2-40B4-BE49-F238E27FC236}">
+                <a16:creationId xmlns:a16="http://schemas.microsoft.com/office/drawing/2014/main" id="{55E11F08-6CA0-48F1-AD67-97430DDA07F0}"/>
+              </a:ext>
+            </a:extLst>
+          </p:cNvPr>
+          <p:cNvSpPr>
+            <a:spLocks noGrp="1"/>
+          </p:cNvSpPr>
+          <p:nvPr>
+            <p:ph type="title"/>
+          </p:nvPr>
+        </p:nvSpPr>
+        <p:spPr/>
+        <p:txBody>
+          <a:bodyPr/>
+          <a:lstStyle/>
+          <a:p>
+            <a:r>
+              <a:rPr lang="en-US" b="1" dirty="0">
+                <a:solidFill>
+                  <a:srgbClr val="292D33"/>
+                </a:solidFill>
+                <a:latin typeface="Euclid Circular B" panose="020B0504000000000000" pitchFamily="34" charset="0"/>
+                <a:ea typeface="Euclid Circular B" panose="020B0504000000000000" pitchFamily="34" charset="0"/>
+              </a:rPr>
+              <a:t>Topic title</a:t>
+            </a:r>
+          </a:p>
+        </p:txBody>
+      </p:sp>
+      <p:sp>
+        <p:nvSpPr>
+          <p:cNvPr id="3" name="Content Placeholder 2">
+            <a:extLst>
+              <a:ext uri="{FF2B5EF4-FFF2-40B4-BE49-F238E27FC236}">
+                <a16:creationId xmlns:a16="http://schemas.microsoft.com/office/drawing/2014/main" id="{891C7693-D3DF-4635-96F4-97F3B4136FDF}"/>
+              </a:ext>
+            </a:extLst>
+          </p:cNvPr>
+          <p:cNvSpPr>
+            <a:spLocks noGrp="1"/>
+          </p:cNvSpPr>
+          <p:nvPr>
+            <p:ph idx="1"/>
+          </p:nvPr>
+        </p:nvSpPr>
+        <p:spPr/>
+        <p:txBody>
+          <a:bodyPr/>
+          <a:lstStyle/>
+          <a:p>
+            <a:r>
+              <a:rPr lang="en-US" dirty="0">
+                <a:latin typeface="Euclid Circular B" panose="020B0504000000000000" pitchFamily="34" charset="0"/>
+                <a:ea typeface="Euclid Circular B" panose="020B0504000000000000" pitchFamily="34" charset="0"/>
+              </a:rPr>
+              <a:t>Content</a:t>
+            </a:r>
+          </a:p>
+        </p:txBody>
+      </p:sp>
+    </p:spTree>
+    <p:extLst>
+      <p:ext uri="{BB962C8B-B14F-4D97-AF65-F5344CB8AC3E}">
+        <p14:creationId xmlns:p14="http://schemas.microsoft.com/office/powerpoint/2010/main" val="1245847436"/>
+      </p:ext>
+    </p:extLst>
+  </p:cSld>
+  <p:clrMapOvr>
+    <a:masterClrMapping/>
+  </p:clrMapOvr>
+</p:sld>
+</file>
+
+<file path=ppt/slides/slide32.xml><?xml version="1.0" encoding="utf-8"?>
+<p:sld xmlns:a="http://schemas.openxmlformats.org/drawingml/2006/main" xmlns:r="http://schemas.openxmlformats.org/officeDocument/2006/relationships" xmlns:p="http://schemas.openxmlformats.org/presentationml/2006/main">
+  <p:cSld>
+    <p:bg>
+      <p:bgPr>
+        <a:blipFill dpi="0" rotWithShape="1">
+          <a:blip r:embed="rId2">
+            <a:lum/>
+          </a:blip>
+          <a:srcRect/>
+          <a:stretch>
+            <a:fillRect/>
+          </a:stretch>
+        </a:blipFill>
+        <a:effectLst/>
+      </p:bgPr>
+    </p:bg>
+    <p:spTree>
+      <p:nvGrpSpPr>
+        <p:cNvPr id="1" name=""/>
+        <p:cNvGrpSpPr/>
+        <p:nvPr/>
+      </p:nvGrpSpPr>
+      <p:grpSpPr>
+        <a:xfrm>
+          <a:off x="0" y="0"/>
+          <a:ext cx="0" cy="0"/>
+          <a:chOff x="0" y="0"/>
+          <a:chExt cx="0" cy="0"/>
+        </a:xfrm>
+      </p:grpSpPr>
+      <p:sp>
+        <p:nvSpPr>
+          <p:cNvPr id="2" name="Title 1">
+            <a:extLst>
+              <a:ext uri="{FF2B5EF4-FFF2-40B4-BE49-F238E27FC236}">
+                <a16:creationId xmlns:a16="http://schemas.microsoft.com/office/drawing/2014/main" id="{55E11F08-6CA0-48F1-AD67-97430DDA07F0}"/>
+              </a:ext>
+            </a:extLst>
+          </p:cNvPr>
+          <p:cNvSpPr>
+            <a:spLocks noGrp="1"/>
+          </p:cNvSpPr>
+          <p:nvPr>
+            <p:ph type="title"/>
+          </p:nvPr>
+        </p:nvSpPr>
+        <p:spPr/>
+        <p:txBody>
+          <a:bodyPr/>
+          <a:lstStyle/>
+          <a:p>
+            <a:r>
+              <a:rPr lang="en-US" b="1" dirty="0">
+                <a:solidFill>
+                  <a:srgbClr val="292D33"/>
+                </a:solidFill>
+                <a:latin typeface="Euclid Circular B" panose="020B0504000000000000" pitchFamily="34" charset="0"/>
+                <a:ea typeface="Euclid Circular B" panose="020B0504000000000000" pitchFamily="34" charset="0"/>
+              </a:rPr>
+              <a:t>Topic title</a:t>
+            </a:r>
+          </a:p>
+        </p:txBody>
+      </p:sp>
+      <p:sp>
+        <p:nvSpPr>
+          <p:cNvPr id="3" name="Content Placeholder 2">
+            <a:extLst>
+              <a:ext uri="{FF2B5EF4-FFF2-40B4-BE49-F238E27FC236}">
+                <a16:creationId xmlns:a16="http://schemas.microsoft.com/office/drawing/2014/main" id="{891C7693-D3DF-4635-96F4-97F3B4136FDF}"/>
+              </a:ext>
+            </a:extLst>
+          </p:cNvPr>
+          <p:cNvSpPr>
+            <a:spLocks noGrp="1"/>
+          </p:cNvSpPr>
+          <p:nvPr>
+            <p:ph idx="1"/>
+          </p:nvPr>
+        </p:nvSpPr>
+        <p:spPr/>
+        <p:txBody>
+          <a:bodyPr/>
+          <a:lstStyle/>
+          <a:p>
+            <a:r>
+              <a:rPr lang="en-US" dirty="0">
+                <a:latin typeface="Euclid Circular B" panose="020B0504000000000000" pitchFamily="34" charset="0"/>
+                <a:ea typeface="Euclid Circular B" panose="020B0504000000000000" pitchFamily="34" charset="0"/>
+              </a:rPr>
+              <a:t>Content</a:t>
+            </a:r>
+          </a:p>
+        </p:txBody>
+      </p:sp>
+    </p:spTree>
+    <p:extLst>
+      <p:ext uri="{BB962C8B-B14F-4D97-AF65-F5344CB8AC3E}">
+        <p14:creationId xmlns:p14="http://schemas.microsoft.com/office/powerpoint/2010/main" val="1918954769"/>
+      </p:ext>
+    </p:extLst>
+  </p:cSld>
+  <p:clrMapOvr>
+    <a:masterClrMapping/>
+  </p:clrMapOvr>
+</p:sld>
+</file>
+
+<file path=ppt/slides/slide33.xml><?xml version="1.0" encoding="utf-8"?>
+<p:sld xmlns:a="http://schemas.openxmlformats.org/drawingml/2006/main" xmlns:r="http://schemas.openxmlformats.org/officeDocument/2006/relationships" xmlns:p="http://schemas.openxmlformats.org/presentationml/2006/main">
+  <p:cSld>
+    <p:bg>
+      <p:bgPr>
+        <a:blipFill dpi="0" rotWithShape="1">
+          <a:blip r:embed="rId2">
+            <a:lum/>
+          </a:blip>
+          <a:srcRect/>
+          <a:stretch>
+            <a:fillRect/>
+          </a:stretch>
+        </a:blipFill>
+        <a:effectLst/>
+      </p:bgPr>
+    </p:bg>
+    <p:spTree>
+      <p:nvGrpSpPr>
+        <p:cNvPr id="1" name=""/>
+        <p:cNvGrpSpPr/>
+        <p:nvPr/>
+      </p:nvGrpSpPr>
+      <p:grpSpPr>
+        <a:xfrm>
+          <a:off x="0" y="0"/>
+          <a:ext cx="0" cy="0"/>
+          <a:chOff x="0" y="0"/>
+          <a:chExt cx="0" cy="0"/>
+        </a:xfrm>
+      </p:grpSpPr>
+      <p:sp>
+        <p:nvSpPr>
+          <p:cNvPr id="2" name="Title 1">
+            <a:extLst>
+              <a:ext uri="{FF2B5EF4-FFF2-40B4-BE49-F238E27FC236}">
+                <a16:creationId xmlns:a16="http://schemas.microsoft.com/office/drawing/2014/main" id="{55E11F08-6CA0-48F1-AD67-97430DDA07F0}"/>
+              </a:ext>
+            </a:extLst>
+          </p:cNvPr>
+          <p:cNvSpPr>
+            <a:spLocks noGrp="1"/>
+          </p:cNvSpPr>
+          <p:nvPr>
+            <p:ph type="title"/>
+          </p:nvPr>
+        </p:nvSpPr>
+        <p:spPr/>
+        <p:txBody>
+          <a:bodyPr/>
+          <a:lstStyle/>
+          <a:p>
+            <a:r>
+              <a:rPr lang="en-US" b="1" dirty="0">
+                <a:solidFill>
+                  <a:srgbClr val="292D33"/>
+                </a:solidFill>
+                <a:latin typeface="Euclid Circular B" panose="020B0504000000000000" pitchFamily="34" charset="0"/>
+                <a:ea typeface="Euclid Circular B" panose="020B0504000000000000" pitchFamily="34" charset="0"/>
+              </a:rPr>
+              <a:t>Topic title</a:t>
+            </a:r>
+          </a:p>
+        </p:txBody>
+      </p:sp>
+      <p:sp>
+        <p:nvSpPr>
+          <p:cNvPr id="3" name="Content Placeholder 2">
+            <a:extLst>
+              <a:ext uri="{FF2B5EF4-FFF2-40B4-BE49-F238E27FC236}">
+                <a16:creationId xmlns:a16="http://schemas.microsoft.com/office/drawing/2014/main" id="{891C7693-D3DF-4635-96F4-97F3B4136FDF}"/>
+              </a:ext>
+            </a:extLst>
+          </p:cNvPr>
+          <p:cNvSpPr>
+            <a:spLocks noGrp="1"/>
+          </p:cNvSpPr>
+          <p:nvPr>
+            <p:ph idx="1"/>
+          </p:nvPr>
+        </p:nvSpPr>
+        <p:spPr/>
+        <p:txBody>
+          <a:bodyPr/>
+          <a:lstStyle/>
+          <a:p>
+            <a:r>
+              <a:rPr lang="en-US" dirty="0">
+                <a:latin typeface="Euclid Circular B" panose="020B0504000000000000" pitchFamily="34" charset="0"/>
+                <a:ea typeface="Euclid Circular B" panose="020B0504000000000000" pitchFamily="34" charset="0"/>
+              </a:rPr>
+              <a:t>Content</a:t>
+            </a:r>
+          </a:p>
+        </p:txBody>
+      </p:sp>
+    </p:spTree>
+    <p:extLst>
+      <p:ext uri="{BB962C8B-B14F-4D97-AF65-F5344CB8AC3E}">
+        <p14:creationId xmlns:p14="http://schemas.microsoft.com/office/powerpoint/2010/main" val="829924890"/>
+      </p:ext>
+    </p:extLst>
+  </p:cSld>
+  <p:clrMapOvr>
+    <a:masterClrMapping/>
+  </p:clrMapOvr>
+</p:sld>
+</file>
+
+<file path=ppt/slides/slide34.xml><?xml version="1.0" encoding="utf-8"?>
+<p:sld xmlns:a="http://schemas.openxmlformats.org/drawingml/2006/main" xmlns:r="http://schemas.openxmlformats.org/officeDocument/2006/relationships" xmlns:p="http://schemas.openxmlformats.org/presentationml/2006/main">
+  <p:cSld>
+    <p:bg>
+      <p:bgPr>
+        <a:blipFill dpi="0" rotWithShape="1">
+          <a:blip r:embed="rId2">
+            <a:lum/>
+          </a:blip>
+          <a:srcRect/>
+          <a:stretch>
+            <a:fillRect/>
+          </a:stretch>
+        </a:blipFill>
+        <a:effectLst/>
+      </p:bgPr>
+    </p:bg>
+    <p:spTree>
+      <p:nvGrpSpPr>
+        <p:cNvPr id="1" name=""/>
+        <p:cNvGrpSpPr/>
+        <p:nvPr/>
+      </p:nvGrpSpPr>
+      <p:grpSpPr>
+        <a:xfrm>
+          <a:off x="0" y="0"/>
+          <a:ext cx="0" cy="0"/>
+          <a:chOff x="0" y="0"/>
+          <a:chExt cx="0" cy="0"/>
+        </a:xfrm>
+      </p:grpSpPr>
+      <p:sp>
+        <p:nvSpPr>
+          <p:cNvPr id="2" name="Title 1">
+            <a:extLst>
+              <a:ext uri="{FF2B5EF4-FFF2-40B4-BE49-F238E27FC236}">
+                <a16:creationId xmlns:a16="http://schemas.microsoft.com/office/drawing/2014/main" id="{55E11F08-6CA0-48F1-AD67-97430DDA07F0}"/>
+              </a:ext>
+            </a:extLst>
+          </p:cNvPr>
+          <p:cNvSpPr>
+            <a:spLocks noGrp="1"/>
+          </p:cNvSpPr>
+          <p:nvPr>
+            <p:ph type="title"/>
+          </p:nvPr>
+        </p:nvSpPr>
+        <p:spPr/>
+        <p:txBody>
+          <a:bodyPr/>
+          <a:lstStyle/>
+          <a:p>
+            <a:r>
+              <a:rPr lang="en-US" b="1" dirty="0">
+                <a:solidFill>
+                  <a:srgbClr val="292D33"/>
+                </a:solidFill>
+                <a:latin typeface="Euclid Circular B" panose="020B0504000000000000" pitchFamily="34" charset="0"/>
+                <a:ea typeface="Euclid Circular B" panose="020B0504000000000000" pitchFamily="34" charset="0"/>
+              </a:rPr>
+              <a:t>Topic title</a:t>
+            </a:r>
+          </a:p>
+        </p:txBody>
+      </p:sp>
+      <p:sp>
+        <p:nvSpPr>
+          <p:cNvPr id="3" name="Content Placeholder 2">
+            <a:extLst>
+              <a:ext uri="{FF2B5EF4-FFF2-40B4-BE49-F238E27FC236}">
+                <a16:creationId xmlns:a16="http://schemas.microsoft.com/office/drawing/2014/main" id="{891C7693-D3DF-4635-96F4-97F3B4136FDF}"/>
+              </a:ext>
+            </a:extLst>
+          </p:cNvPr>
+          <p:cNvSpPr>
+            <a:spLocks noGrp="1"/>
+          </p:cNvSpPr>
+          <p:nvPr>
+            <p:ph idx="1"/>
+          </p:nvPr>
+        </p:nvSpPr>
+        <p:spPr/>
+        <p:txBody>
+          <a:bodyPr/>
+          <a:lstStyle/>
+          <a:p>
+            <a:r>
+              <a:rPr lang="en-US" dirty="0">
+                <a:latin typeface="Euclid Circular B" panose="020B0504000000000000" pitchFamily="34" charset="0"/>
+                <a:ea typeface="Euclid Circular B" panose="020B0504000000000000" pitchFamily="34" charset="0"/>
+              </a:rPr>
+              <a:t>Content</a:t>
+            </a:r>
+          </a:p>
+        </p:txBody>
+      </p:sp>
+    </p:spTree>
+    <p:extLst>
+      <p:ext uri="{BB962C8B-B14F-4D97-AF65-F5344CB8AC3E}">
+        <p14:creationId xmlns:p14="http://schemas.microsoft.com/office/powerpoint/2010/main" val="618875991"/>
+      </p:ext>
+    </p:extLst>
+  </p:cSld>
+  <p:clrMapOvr>
+    <a:masterClrMapping/>
+  </p:clrMapOvr>
+</p:sld>
+</file>
+
+<file path=ppt/slides/slide4.xml><?xml version="1.0" encoding="utf-8"?>
+<p:sld xmlns:a="http://schemas.openxmlformats.org/drawingml/2006/main" xmlns:r="http://schemas.openxmlformats.org/officeDocument/2006/relationships" xmlns:p="http://schemas.openxmlformats.org/presentationml/2006/main">
+  <p:cSld>
+    <p:bg>
+      <p:bgPr>
+        <a:blipFill dpi="0" rotWithShape="1">
+          <a:blip r:embed="rId2">
+            <a:lum/>
+          </a:blip>
+          <a:srcRect/>
+          <a:stretch>
+            <a:fillRect/>
+          </a:stretch>
+        </a:blipFill>
+        <a:effectLst/>
+      </p:bgPr>
+    </p:bg>
+    <p:spTree>
+      <p:nvGrpSpPr>
+        <p:cNvPr id="1" name=""/>
+        <p:cNvGrpSpPr/>
+        <p:nvPr/>
+      </p:nvGrpSpPr>
+      <p:grpSpPr>
+        <a:xfrm>
+          <a:off x="0" y="0"/>
+          <a:ext cx="0" cy="0"/>
+          <a:chOff x="0" y="0"/>
+          <a:chExt cx="0" cy="0"/>
+        </a:xfrm>
+      </p:grpSpPr>
+      <p:sp>
+        <p:nvSpPr>
+          <p:cNvPr id="2" name="Title 1">
+            <a:extLst>
+              <a:ext uri="{FF2B5EF4-FFF2-40B4-BE49-F238E27FC236}">
+                <a16:creationId xmlns:a16="http://schemas.microsoft.com/office/drawing/2014/main" id="{9255DFBE-19DA-408D-84E6-F4043FC30BD3}"/>
+              </a:ext>
+            </a:extLst>
+          </p:cNvPr>
+          <p:cNvSpPr>
+            <a:spLocks noGrp="1"/>
+          </p:cNvSpPr>
+          <p:nvPr>
+            <p:ph type="ctrTitle"/>
+          </p:nvPr>
+        </p:nvSpPr>
+        <p:spPr/>
+        <p:txBody>
+          <a:bodyPr>
+            <a:normAutofit/>
+          </a:bodyPr>
+          <a:lstStyle/>
+          <a:p>
+            <a:r>
+              <a:rPr lang="tr-TR" sz="4000" b="1" dirty="0">
+                <a:solidFill>
+                  <a:srgbClr val="292D33"/>
+                </a:solidFill>
+                <a:latin typeface="Euclid Circular B" panose="020B0504000000000000" pitchFamily="34" charset="0"/>
+                <a:ea typeface="Euclid Circular B" panose="020B0504000000000000" pitchFamily="34" charset="0"/>
+              </a:rPr>
+              <a:t>CHALLENGES OF</a:t>
+            </a:r>
+            <a:br>
+              <a:rPr lang="tr-TR" sz="4000" b="1" dirty="0">
+                <a:solidFill>
+                  <a:srgbClr val="292D33"/>
+                </a:solidFill>
+                <a:latin typeface="Euclid Circular B" panose="020B0504000000000000" pitchFamily="34" charset="0"/>
+                <a:ea typeface="Euclid Circular B" panose="020B0504000000000000" pitchFamily="34" charset="0"/>
+              </a:rPr>
+            </a:br>
+            <a:r>
+              <a:rPr lang="tr-TR" sz="4000" b="1" dirty="0">
+                <a:solidFill>
+                  <a:srgbClr val="292D33"/>
+                </a:solidFill>
+                <a:latin typeface="Euclid Circular B" panose="020B0504000000000000" pitchFamily="34" charset="0"/>
+                <a:ea typeface="Euclid Circular B" panose="020B0504000000000000" pitchFamily="34" charset="0"/>
+              </a:rPr>
+              <a:t>DEVELOPING MICROSERVICE SOLUTIONS</a:t>
+            </a:r>
+            <a:endParaRPr lang="en-US" sz="4000" b="1" dirty="0">
+              <a:solidFill>
+                <a:srgbClr val="292D33"/>
+              </a:solidFill>
+              <a:latin typeface="Euclid Circular B" panose="020B0504000000000000" pitchFamily="34" charset="0"/>
+              <a:ea typeface="Euclid Circular B" panose="020B0504000000000000" pitchFamily="34" charset="0"/>
+            </a:endParaRPr>
+          </a:p>
+        </p:txBody>
+      </p:sp>
+    </p:spTree>
+    <p:extLst>
+      <p:ext uri="{BB962C8B-B14F-4D97-AF65-F5344CB8AC3E}">
+        <p14:creationId xmlns:p14="http://schemas.microsoft.com/office/powerpoint/2010/main" val="3891773111"/>
+      </p:ext>
+    </p:extLst>
+  </p:cSld>
+  <p:clrMapOvr>
+    <a:masterClrMapping/>
+  </p:clrMapOvr>
+</p:sld>
+</file>
+
+<file path=ppt/slides/slide5.xml><?xml version="1.0" encoding="utf-8"?>
+<p:sld xmlns:a="http://schemas.openxmlformats.org/drawingml/2006/main" xmlns:r="http://schemas.openxmlformats.org/officeDocument/2006/relationships" xmlns:p="http://schemas.openxmlformats.org/presentationml/2006/main">
+  <p:cSld>
+    <p:bg>
+      <p:bgPr>
+        <a:blipFill dpi="0" rotWithShape="1">
+          <a:blip r:embed="rId2">
+            <a:lum/>
+          </a:blip>
+          <a:srcRect/>
+          <a:stretch>
+            <a:fillRect/>
+          </a:stretch>
+        </a:blipFill>
+        <a:effectLst/>
+      </p:bgPr>
+    </p:bg>
+    <p:spTree>
+      <p:nvGrpSpPr>
+        <p:cNvPr id="1" name=""/>
+        <p:cNvGrpSpPr/>
+        <p:nvPr/>
+      </p:nvGrpSpPr>
+      <p:grpSpPr>
+        <a:xfrm>
+          <a:off x="0" y="0"/>
+          <a:ext cx="0" cy="0"/>
+          <a:chOff x="0" y="0"/>
+          <a:chExt cx="0" cy="0"/>
+        </a:xfrm>
+      </p:grpSpPr>
+      <p:sp>
+        <p:nvSpPr>
+          <p:cNvPr id="2" name="Title 1">
+            <a:extLst>
+              <a:ext uri="{FF2B5EF4-FFF2-40B4-BE49-F238E27FC236}">
+                <a16:creationId xmlns:a16="http://schemas.microsoft.com/office/drawing/2014/main" id="{55E11F08-6CA0-48F1-AD67-97430DDA07F0}"/>
+              </a:ext>
+            </a:extLst>
+          </p:cNvPr>
+          <p:cNvSpPr>
+            <a:spLocks noGrp="1"/>
+          </p:cNvSpPr>
+          <p:nvPr>
+            <p:ph type="title"/>
+          </p:nvPr>
+        </p:nvSpPr>
+        <p:spPr/>
+        <p:txBody>
+          <a:bodyPr/>
+          <a:lstStyle/>
+          <a:p>
+            <a:r>
+              <a:rPr lang="tr-TR" b="1" dirty="0">
+                <a:solidFill>
+                  <a:srgbClr val="292D33"/>
+                </a:solidFill>
+                <a:latin typeface="Euclid Circular B" panose="020B0504000000000000" pitchFamily="34" charset="0"/>
+                <a:ea typeface="Euclid Circular B" panose="020B0504000000000000" pitchFamily="34" charset="0"/>
+              </a:rPr>
+              <a:t>A Typical Microservice Solution</a:t>
+            </a:r>
+            <a:endParaRPr lang="en-US" b="1" dirty="0">
+              <a:solidFill>
+                <a:srgbClr val="292D33"/>
+              </a:solidFill>
+              <a:latin typeface="Euclid Circular B" panose="020B0504000000000000" pitchFamily="34" charset="0"/>
+              <a:ea typeface="Euclid Circular B" panose="020B0504000000000000" pitchFamily="34" charset="0"/>
+            </a:endParaRPr>
+          </a:p>
+        </p:txBody>
+      </p:sp>
+      <p:sp>
+        <p:nvSpPr>
+          <p:cNvPr id="53" name="Rectangle 52">
+            <a:extLst>
+              <a:ext uri="{FF2B5EF4-FFF2-40B4-BE49-F238E27FC236}">
+                <a16:creationId xmlns:a16="http://schemas.microsoft.com/office/drawing/2014/main" id="{CD9F446E-30DD-E319-0078-22FFE0141F7D}"/>
+              </a:ext>
+            </a:extLst>
+          </p:cNvPr>
+          <p:cNvSpPr/>
+          <p:nvPr/>
+        </p:nvSpPr>
+        <p:spPr>
+          <a:xfrm>
+            <a:off x="1660850" y="4273982"/>
+            <a:ext cx="1526796" cy="553673"/>
+          </a:xfrm>
+          <a:prstGeom prst="rect">
+            <a:avLst/>
+          </a:prstGeom>
+        </p:spPr>
+        <p:style>
+          <a:lnRef idx="2">
+            <a:schemeClr val="accent2">
+              <a:shade val="50000"/>
+            </a:schemeClr>
+          </a:lnRef>
+          <a:fillRef idx="1">
+            <a:schemeClr val="accent2"/>
+          </a:fillRef>
+          <a:effectRef idx="0">
+            <a:schemeClr val="accent2"/>
+          </a:effectRef>
+          <a:fontRef idx="minor">
+            <a:schemeClr val="lt1"/>
+          </a:fontRef>
+        </p:style>
+        <p:txBody>
+          <a:bodyPr rtlCol="0" anchor="ctr"/>
+          <a:lstStyle/>
+          <a:p>
+            <a:pPr algn="ctr"/>
+            <a:r>
+              <a:rPr lang="en-US" sz="1600" dirty="0"/>
+              <a:t>Public Web Site</a:t>
+            </a:r>
+          </a:p>
+          <a:p>
+            <a:pPr algn="ctr"/>
+            <a:r>
+              <a:rPr lang="en-US" sz="1600" dirty="0"/>
+              <a:t>(MVC)</a:t>
+            </a:r>
+          </a:p>
+        </p:txBody>
+      </p:sp>
+      <p:sp>
+        <p:nvSpPr>
+          <p:cNvPr id="54" name="Rectangle 53">
+            <a:extLst>
+              <a:ext uri="{FF2B5EF4-FFF2-40B4-BE49-F238E27FC236}">
+                <a16:creationId xmlns:a16="http://schemas.microsoft.com/office/drawing/2014/main" id="{699F1BEC-4A7E-6E7D-4767-DD0E7A7281C8}"/>
+              </a:ext>
+            </a:extLst>
+          </p:cNvPr>
+          <p:cNvSpPr/>
+          <p:nvPr/>
+        </p:nvSpPr>
+        <p:spPr>
+          <a:xfrm>
+            <a:off x="1660850" y="3141800"/>
+            <a:ext cx="1526796" cy="553673"/>
+          </a:xfrm>
+          <a:prstGeom prst="rect">
+            <a:avLst/>
+          </a:prstGeom>
+        </p:spPr>
+        <p:style>
+          <a:lnRef idx="2">
+            <a:schemeClr val="accent2">
+              <a:shade val="50000"/>
+            </a:schemeClr>
+          </a:lnRef>
+          <a:fillRef idx="1">
+            <a:schemeClr val="accent2"/>
+          </a:fillRef>
+          <a:effectRef idx="0">
+            <a:schemeClr val="accent2"/>
+          </a:effectRef>
+          <a:fontRef idx="minor">
+            <a:schemeClr val="lt1"/>
+          </a:fontRef>
+        </p:style>
+        <p:txBody>
+          <a:bodyPr rtlCol="0" anchor="ctr"/>
+          <a:lstStyle/>
+          <a:p>
+            <a:pPr algn="ctr"/>
+            <a:r>
+              <a:rPr lang="en-US" sz="1400" dirty="0"/>
+              <a:t>Backend Admin Application (MVC)</a:t>
+            </a:r>
+          </a:p>
+        </p:txBody>
+      </p:sp>
+      <p:sp>
+        <p:nvSpPr>
+          <p:cNvPr id="55" name="Rectangle 54">
+            <a:extLst>
+              <a:ext uri="{FF2B5EF4-FFF2-40B4-BE49-F238E27FC236}">
+                <a16:creationId xmlns:a16="http://schemas.microsoft.com/office/drawing/2014/main" id="{7E524165-272C-FC6E-3DEF-6FA2FD8DE917}"/>
+              </a:ext>
+            </a:extLst>
+          </p:cNvPr>
+          <p:cNvSpPr/>
+          <p:nvPr/>
+        </p:nvSpPr>
+        <p:spPr>
+          <a:xfrm>
+            <a:off x="3717397" y="4270270"/>
+            <a:ext cx="1902690" cy="553673"/>
+          </a:xfrm>
+          <a:prstGeom prst="rect">
+            <a:avLst/>
+          </a:prstGeom>
+        </p:spPr>
+        <p:style>
+          <a:lnRef idx="2">
+            <a:schemeClr val="dk1">
+              <a:shade val="50000"/>
+            </a:schemeClr>
+          </a:lnRef>
+          <a:fillRef idx="1">
+            <a:schemeClr val="dk1"/>
+          </a:fillRef>
+          <a:effectRef idx="0">
+            <a:schemeClr val="dk1"/>
+          </a:effectRef>
+          <a:fontRef idx="minor">
+            <a:schemeClr val="lt1"/>
+          </a:fontRef>
+        </p:style>
+        <p:txBody>
+          <a:bodyPr rtlCol="0" anchor="ctr"/>
+          <a:lstStyle/>
+          <a:p>
+            <a:r>
+              <a:rPr lang="en-US" sz="1600" dirty="0"/>
+              <a:t>Public Web Site</a:t>
+            </a:r>
+          </a:p>
+          <a:p>
+            <a:r>
+              <a:rPr lang="tr-TR" sz="1600" dirty="0"/>
+              <a:t>API </a:t>
+            </a:r>
+            <a:r>
+              <a:rPr lang="en-US" sz="1600" dirty="0"/>
+              <a:t>Gateway</a:t>
+            </a:r>
+          </a:p>
+        </p:txBody>
+      </p:sp>
+      <p:sp>
+        <p:nvSpPr>
+          <p:cNvPr id="56" name="Rectangle 55">
+            <a:extLst>
+              <a:ext uri="{FF2B5EF4-FFF2-40B4-BE49-F238E27FC236}">
+                <a16:creationId xmlns:a16="http://schemas.microsoft.com/office/drawing/2014/main" id="{EEF6B298-9E72-C264-4EFA-3B15A49FA654}"/>
+              </a:ext>
+            </a:extLst>
+          </p:cNvPr>
+          <p:cNvSpPr/>
+          <p:nvPr/>
+        </p:nvSpPr>
+        <p:spPr>
+          <a:xfrm>
+            <a:off x="6153563" y="3697358"/>
+            <a:ext cx="2198613" cy="553673"/>
+          </a:xfrm>
+          <a:prstGeom prst="rect">
+            <a:avLst/>
+          </a:prstGeom>
+        </p:spPr>
+        <p:style>
+          <a:lnRef idx="2">
+            <a:schemeClr val="accent4">
+              <a:shade val="50000"/>
+            </a:schemeClr>
+          </a:lnRef>
+          <a:fillRef idx="1">
+            <a:schemeClr val="accent4"/>
+          </a:fillRef>
+          <a:effectRef idx="0">
+            <a:schemeClr val="accent4"/>
+          </a:effectRef>
+          <a:fontRef idx="minor">
+            <a:schemeClr val="lt1"/>
+          </a:fontRef>
+        </p:style>
+        <p:txBody>
+          <a:bodyPr rtlCol="0" anchor="ctr"/>
+          <a:lstStyle/>
+          <a:p>
+            <a:r>
+              <a:rPr lang="tr-TR" sz="1600" dirty="0">
+                <a:solidFill>
+                  <a:schemeClr val="tx1"/>
+                </a:solidFill>
+              </a:rPr>
+              <a:t>Customer</a:t>
+            </a:r>
+            <a:br>
+              <a:rPr lang="en-US" sz="1600" dirty="0">
+                <a:solidFill>
+                  <a:schemeClr val="tx1"/>
+                </a:solidFill>
+              </a:rPr>
+            </a:br>
+            <a:r>
+              <a:rPr lang="en-US" sz="1600" dirty="0">
+                <a:solidFill>
+                  <a:schemeClr val="tx1"/>
+                </a:solidFill>
+              </a:rPr>
+              <a:t>Microservice</a:t>
+            </a:r>
+          </a:p>
+        </p:txBody>
+      </p:sp>
+      <p:sp>
+        <p:nvSpPr>
+          <p:cNvPr id="57" name="Rectangle 56">
+            <a:extLst>
+              <a:ext uri="{FF2B5EF4-FFF2-40B4-BE49-F238E27FC236}">
+                <a16:creationId xmlns:a16="http://schemas.microsoft.com/office/drawing/2014/main" id="{0BAA008B-B233-597A-C9C6-3836AF12E023}"/>
+              </a:ext>
+            </a:extLst>
+          </p:cNvPr>
+          <p:cNvSpPr/>
+          <p:nvPr/>
+        </p:nvSpPr>
+        <p:spPr>
+          <a:xfrm>
+            <a:off x="6153564" y="2751500"/>
+            <a:ext cx="2198614" cy="553673"/>
+          </a:xfrm>
+          <a:prstGeom prst="rect">
+            <a:avLst/>
+          </a:prstGeom>
+        </p:spPr>
+        <p:style>
+          <a:lnRef idx="2">
+            <a:schemeClr val="accent4">
+              <a:shade val="50000"/>
+            </a:schemeClr>
+          </a:lnRef>
+          <a:fillRef idx="1">
+            <a:schemeClr val="accent4"/>
+          </a:fillRef>
+          <a:effectRef idx="0">
+            <a:schemeClr val="accent4"/>
+          </a:effectRef>
+          <a:fontRef idx="minor">
+            <a:schemeClr val="lt1"/>
+          </a:fontRef>
+        </p:style>
+        <p:txBody>
+          <a:bodyPr rtlCol="0" anchor="ctr"/>
+          <a:lstStyle/>
+          <a:p>
+            <a:r>
+              <a:rPr lang="tr-TR" sz="1600" dirty="0">
+                <a:solidFill>
+                  <a:schemeClr val="tx1"/>
+                </a:solidFill>
+              </a:rPr>
+              <a:t>Product</a:t>
+            </a:r>
+            <a:br>
+              <a:rPr lang="en-US" sz="1600" dirty="0">
+                <a:solidFill>
+                  <a:schemeClr val="tx1"/>
+                </a:solidFill>
+              </a:rPr>
+            </a:br>
+            <a:r>
+              <a:rPr lang="en-US" sz="1600" dirty="0">
+                <a:solidFill>
+                  <a:schemeClr val="tx1"/>
+                </a:solidFill>
+              </a:rPr>
+              <a:t>Microservice</a:t>
+            </a:r>
+          </a:p>
+        </p:txBody>
+      </p:sp>
+      <p:sp>
+        <p:nvSpPr>
+          <p:cNvPr id="58" name="Rectangle 57">
+            <a:extLst>
+              <a:ext uri="{FF2B5EF4-FFF2-40B4-BE49-F238E27FC236}">
+                <a16:creationId xmlns:a16="http://schemas.microsoft.com/office/drawing/2014/main" id="{F393389E-4960-1DDF-9BF1-EC13FB11713C}"/>
+              </a:ext>
+            </a:extLst>
+          </p:cNvPr>
+          <p:cNvSpPr/>
+          <p:nvPr/>
+        </p:nvSpPr>
+        <p:spPr>
+          <a:xfrm>
+            <a:off x="6153564" y="4620351"/>
+            <a:ext cx="2198614" cy="553673"/>
+          </a:xfrm>
+          <a:prstGeom prst="rect">
+            <a:avLst/>
+          </a:prstGeom>
+        </p:spPr>
+        <p:style>
+          <a:lnRef idx="2">
+            <a:schemeClr val="accent4">
+              <a:shade val="50000"/>
+            </a:schemeClr>
+          </a:lnRef>
+          <a:fillRef idx="1">
+            <a:schemeClr val="accent4"/>
+          </a:fillRef>
+          <a:effectRef idx="0">
+            <a:schemeClr val="accent4"/>
+          </a:effectRef>
+          <a:fontRef idx="minor">
+            <a:schemeClr val="lt1"/>
+          </a:fontRef>
+        </p:style>
+        <p:txBody>
+          <a:bodyPr rtlCol="0" anchor="ctr"/>
+          <a:lstStyle/>
+          <a:p>
+            <a:r>
+              <a:rPr lang="tr-TR" sz="1600" dirty="0">
+                <a:solidFill>
+                  <a:schemeClr val="tx1"/>
+                </a:solidFill>
+              </a:rPr>
+              <a:t>Order</a:t>
+            </a:r>
+            <a:br>
+              <a:rPr lang="en-US" sz="1600" dirty="0">
+                <a:solidFill>
+                  <a:schemeClr val="tx1"/>
+                </a:solidFill>
+              </a:rPr>
+            </a:br>
+            <a:r>
+              <a:rPr lang="en-US" sz="1600" dirty="0">
+                <a:solidFill>
+                  <a:schemeClr val="tx1"/>
+                </a:solidFill>
+              </a:rPr>
+              <a:t>Microservice</a:t>
+            </a:r>
+          </a:p>
+        </p:txBody>
+      </p:sp>
+      <p:sp>
+        <p:nvSpPr>
+          <p:cNvPr id="59" name="Rectangle 58">
+            <a:extLst>
+              <a:ext uri="{FF2B5EF4-FFF2-40B4-BE49-F238E27FC236}">
+                <a16:creationId xmlns:a16="http://schemas.microsoft.com/office/drawing/2014/main" id="{CFEEFE38-238F-812E-BE3D-569614C58D8C}"/>
+              </a:ext>
+            </a:extLst>
+          </p:cNvPr>
+          <p:cNvSpPr/>
+          <p:nvPr/>
+        </p:nvSpPr>
+        <p:spPr>
+          <a:xfrm>
+            <a:off x="3717397" y="1810700"/>
+            <a:ext cx="4634779" cy="553673"/>
+          </a:xfrm>
+          <a:prstGeom prst="rect">
+            <a:avLst/>
+          </a:prstGeom>
+          <a:solidFill>
+            <a:schemeClr val="accent1">
+              <a:lumMod val="40000"/>
+              <a:lumOff val="60000"/>
+            </a:schemeClr>
+          </a:solidFill>
+        </p:spPr>
+        <p:style>
+          <a:lnRef idx="2">
+            <a:schemeClr val="accent1">
+              <a:shade val="50000"/>
+            </a:schemeClr>
+          </a:lnRef>
+          <a:fillRef idx="1">
+            <a:schemeClr val="accent1"/>
+          </a:fillRef>
+          <a:effectRef idx="0">
+            <a:schemeClr val="accent1"/>
+          </a:effectRef>
+          <a:fontRef idx="minor">
+            <a:schemeClr val="lt1"/>
+          </a:fontRef>
+        </p:style>
+        <p:txBody>
+          <a:bodyPr rtlCol="0" anchor="ctr"/>
+          <a:lstStyle/>
+          <a:p>
+            <a:pPr algn="ctr"/>
+            <a:r>
+              <a:rPr lang="en-US" dirty="0">
+                <a:solidFill>
+                  <a:schemeClr val="tx1"/>
+                </a:solidFill>
+              </a:rPr>
+              <a:t>Authentication Server</a:t>
+            </a:r>
+          </a:p>
+        </p:txBody>
+      </p:sp>
+      <p:pic>
+        <p:nvPicPr>
+          <p:cNvPr id="60" name="Picture 6" descr="Image result for mongodb">
+            <a:extLst>
+              <a:ext uri="{FF2B5EF4-FFF2-40B4-BE49-F238E27FC236}">
+                <a16:creationId xmlns:a16="http://schemas.microsoft.com/office/drawing/2014/main" id="{503AB696-8B69-3D18-8549-71E556E3EE48}"/>
+              </a:ext>
+            </a:extLst>
+          </p:cNvPr>
+          <p:cNvPicPr>
+            <a:picLocks noChangeAspect="1" noChangeArrowheads="1"/>
+          </p:cNvPicPr>
+          <p:nvPr/>
+        </p:nvPicPr>
+        <p:blipFill>
+          <a:blip r:embed="rId3">
+            <a:extLst>
+              <a:ext uri="{28A0092B-C50C-407E-A947-70E740481C1C}">
+                <a14:useLocalDpi xmlns:a14="http://schemas.microsoft.com/office/drawing/2010/main" val="0"/>
+              </a:ext>
+            </a:extLst>
+          </a:blip>
+          <a:srcRect/>
+          <a:stretch>
+            <a:fillRect/>
+          </a:stretch>
+        </p:blipFill>
+        <p:spPr bwMode="auto">
+          <a:xfrm>
+            <a:off x="7446040" y="3551640"/>
+            <a:ext cx="881543" cy="881543"/>
+          </a:xfrm>
+          <a:prstGeom prst="rect">
+            <a:avLst/>
+          </a:prstGeom>
+          <a:noFill/>
+          <a:extLst>
+            <a:ext uri="{909E8E84-426E-40DD-AFC4-6F175D3DCCD1}">
+              <a14:hiddenFill xmlns:a14="http://schemas.microsoft.com/office/drawing/2010/main">
+                <a:solidFill>
+                  <a:srgbClr val="FFFFFF"/>
+                </a:solidFill>
+              </a14:hiddenFill>
+            </a:ext>
+          </a:extLst>
+        </p:spPr>
+      </p:pic>
+      <p:pic>
+        <p:nvPicPr>
+          <p:cNvPr id="61" name="Picture 4" descr="Image result for sql server">
+            <a:extLst>
+              <a:ext uri="{FF2B5EF4-FFF2-40B4-BE49-F238E27FC236}">
+                <a16:creationId xmlns:a16="http://schemas.microsoft.com/office/drawing/2014/main" id="{57D149FB-AC48-93ED-9F34-259F9D2B5D34}"/>
+              </a:ext>
+            </a:extLst>
+          </p:cNvPr>
+          <p:cNvPicPr>
+            <a:picLocks noChangeAspect="1" noChangeArrowheads="1"/>
+          </p:cNvPicPr>
+          <p:nvPr/>
+        </p:nvPicPr>
+        <p:blipFill>
+          <a:blip r:embed="rId4">
+            <a:extLst>
+              <a:ext uri="{28A0092B-C50C-407E-A947-70E740481C1C}">
+                <a14:useLocalDpi xmlns:a14="http://schemas.microsoft.com/office/drawing/2010/main" val="0"/>
+              </a:ext>
+            </a:extLst>
+          </a:blip>
+          <a:srcRect/>
+          <a:stretch>
+            <a:fillRect/>
+          </a:stretch>
+        </p:blipFill>
+        <p:spPr bwMode="auto">
+          <a:xfrm>
+            <a:off x="7662316" y="4609663"/>
+            <a:ext cx="640673" cy="517910"/>
+          </a:xfrm>
+          <a:prstGeom prst="rect">
+            <a:avLst/>
+          </a:prstGeom>
+          <a:noFill/>
+          <a:extLst>
+            <a:ext uri="{909E8E84-426E-40DD-AFC4-6F175D3DCCD1}">
+              <a14:hiddenFill xmlns:a14="http://schemas.microsoft.com/office/drawing/2010/main">
+                <a:solidFill>
+                  <a:srgbClr val="FFFFFF"/>
+                </a:solidFill>
+              </a14:hiddenFill>
+            </a:ext>
+          </a:extLst>
+        </p:spPr>
+      </p:pic>
+      <p:pic>
+        <p:nvPicPr>
+          <p:cNvPr id="62" name="Picture 4" descr="Image result for sql server">
+            <a:extLst>
+              <a:ext uri="{FF2B5EF4-FFF2-40B4-BE49-F238E27FC236}">
+                <a16:creationId xmlns:a16="http://schemas.microsoft.com/office/drawing/2014/main" id="{094AC15A-D530-E2F7-2DA2-56B36D817532}"/>
+              </a:ext>
+            </a:extLst>
+          </p:cNvPr>
+          <p:cNvPicPr>
+            <a:picLocks noChangeAspect="1" noChangeArrowheads="1"/>
+          </p:cNvPicPr>
+          <p:nvPr/>
+        </p:nvPicPr>
+        <p:blipFill>
+          <a:blip r:embed="rId4">
+            <a:extLst>
+              <a:ext uri="{28A0092B-C50C-407E-A947-70E740481C1C}">
+                <a14:useLocalDpi xmlns:a14="http://schemas.microsoft.com/office/drawing/2010/main" val="0"/>
+              </a:ext>
+            </a:extLst>
+          </a:blip>
+          <a:srcRect/>
+          <a:stretch>
+            <a:fillRect/>
+          </a:stretch>
+        </p:blipFill>
+        <p:spPr bwMode="auto">
+          <a:xfrm>
+            <a:off x="7662316" y="2758993"/>
+            <a:ext cx="665267" cy="537791"/>
+          </a:xfrm>
+          <a:prstGeom prst="rect">
+            <a:avLst/>
+          </a:prstGeom>
+          <a:noFill/>
+          <a:extLst>
+            <a:ext uri="{909E8E84-426E-40DD-AFC4-6F175D3DCCD1}">
+              <a14:hiddenFill xmlns:a14="http://schemas.microsoft.com/office/drawing/2010/main">
+                <a:solidFill>
+                  <a:srgbClr val="FFFFFF"/>
+                </a:solidFill>
+              </a14:hiddenFill>
+            </a:ext>
+          </a:extLst>
+        </p:spPr>
+      </p:pic>
+      <p:sp>
+        <p:nvSpPr>
+          <p:cNvPr id="63" name="Rectangle 62">
+            <a:extLst>
+              <a:ext uri="{FF2B5EF4-FFF2-40B4-BE49-F238E27FC236}">
+                <a16:creationId xmlns:a16="http://schemas.microsoft.com/office/drawing/2014/main" id="{FA699CE6-B957-4823-EBA4-2B7B5019091A}"/>
+              </a:ext>
+            </a:extLst>
+          </p:cNvPr>
+          <p:cNvSpPr/>
+          <p:nvPr/>
+        </p:nvSpPr>
+        <p:spPr>
+          <a:xfrm rot="5400000" flipH="1">
+            <a:off x="8034027" y="3599398"/>
+            <a:ext cx="2422524" cy="726728"/>
+          </a:xfrm>
+          <a:prstGeom prst="rect">
+            <a:avLst/>
+          </a:prstGeom>
+        </p:spPr>
+        <p:style>
+          <a:lnRef idx="2">
+            <a:schemeClr val="accent6">
+              <a:shade val="50000"/>
+            </a:schemeClr>
+          </a:lnRef>
+          <a:fillRef idx="1">
+            <a:schemeClr val="accent6"/>
+          </a:fillRef>
+          <a:effectRef idx="0">
+            <a:schemeClr val="accent6"/>
+          </a:effectRef>
+          <a:fontRef idx="minor">
+            <a:schemeClr val="lt1"/>
+          </a:fontRef>
+        </p:style>
+        <p:txBody>
+          <a:bodyPr rtlCol="0" anchor="ctr"/>
+          <a:lstStyle/>
+          <a:p>
+            <a:r>
+              <a:rPr lang="tr-TR" dirty="0"/>
+              <a:t>    </a:t>
+            </a:r>
+            <a:r>
+              <a:rPr lang="en-US" dirty="0"/>
+              <a:t>Event Bus</a:t>
+            </a:r>
+          </a:p>
+        </p:txBody>
+      </p:sp>
+      <p:pic>
+        <p:nvPicPr>
+          <p:cNvPr id="64" name="Picture 2" descr="Image result for rabbitmq logo">
+            <a:extLst>
+              <a:ext uri="{FF2B5EF4-FFF2-40B4-BE49-F238E27FC236}">
+                <a16:creationId xmlns:a16="http://schemas.microsoft.com/office/drawing/2014/main" id="{CA0212F7-2196-DC04-8D40-758EAB148846}"/>
+              </a:ext>
+            </a:extLst>
+          </p:cNvPr>
+          <p:cNvPicPr>
+            <a:picLocks noChangeAspect="1" noChangeArrowheads="1"/>
+          </p:cNvPicPr>
+          <p:nvPr/>
+        </p:nvPicPr>
+        <p:blipFill>
+          <a:blip r:embed="rId5">
+            <a:extLst>
+              <a:ext uri="{28A0092B-C50C-407E-A947-70E740481C1C}">
+                <a14:useLocalDpi xmlns:a14="http://schemas.microsoft.com/office/drawing/2010/main" val="0"/>
+              </a:ext>
+            </a:extLst>
+          </a:blip>
+          <a:srcRect/>
+          <a:stretch>
+            <a:fillRect/>
+          </a:stretch>
+        </p:blipFill>
+        <p:spPr bwMode="auto">
+          <a:xfrm>
+            <a:off x="8958676" y="4256888"/>
+            <a:ext cx="579284" cy="613059"/>
+          </a:xfrm>
+          <a:prstGeom prst="rect">
+            <a:avLst/>
+          </a:prstGeom>
+          <a:noFill/>
+          <a:extLst>
+            <a:ext uri="{909E8E84-426E-40DD-AFC4-6F175D3DCCD1}">
+              <a14:hiddenFill xmlns:a14="http://schemas.microsoft.com/office/drawing/2010/main">
+                <a:solidFill>
+                  <a:srgbClr val="FFFFFF"/>
+                </a:solidFill>
+              </a14:hiddenFill>
+            </a:ext>
+          </a:extLst>
+        </p:spPr>
+      </p:pic>
+      <p:sp>
+        <p:nvSpPr>
+          <p:cNvPr id="65" name="TextBox 64">
+            <a:extLst>
+              <a:ext uri="{FF2B5EF4-FFF2-40B4-BE49-F238E27FC236}">
+                <a16:creationId xmlns:a16="http://schemas.microsoft.com/office/drawing/2014/main" id="{778689D4-8E9B-EE6F-397E-5907F5E85918}"/>
+              </a:ext>
+            </a:extLst>
+          </p:cNvPr>
+          <p:cNvSpPr txBox="1"/>
+          <p:nvPr/>
+        </p:nvSpPr>
+        <p:spPr>
+          <a:xfrm>
+            <a:off x="8880629" y="4901631"/>
+            <a:ext cx="769763" cy="261610"/>
+          </a:xfrm>
+          <a:prstGeom prst="rect">
+            <a:avLst/>
+          </a:prstGeom>
+          <a:noFill/>
+        </p:spPr>
+        <p:txBody>
+          <a:bodyPr wrap="none" rtlCol="0">
+            <a:spAutoFit/>
+          </a:bodyPr>
+          <a:lstStyle/>
+          <a:p>
+            <a:r>
+              <a:rPr lang="en-US" sz="1100" dirty="0"/>
+              <a:t>RabbitMQ</a:t>
+            </a:r>
+          </a:p>
+        </p:txBody>
+      </p:sp>
+      <p:pic>
+        <p:nvPicPr>
+          <p:cNvPr id="67" name="Picture 6" descr="https://camo.githubusercontent.com/c2118a418c5805c899903bc34fcdf471c9edf0d5/687474703a2f2f74687265656d616d6d616c732e636f6d2f696d616765732f6f63656c6f745f6c6f676f2e706e67">
+            <a:extLst>
+              <a:ext uri="{FF2B5EF4-FFF2-40B4-BE49-F238E27FC236}">
+                <a16:creationId xmlns:a16="http://schemas.microsoft.com/office/drawing/2014/main" id="{CE3CD3D8-9CC5-A6C5-0B21-8774149B052E}"/>
+              </a:ext>
+            </a:extLst>
+          </p:cNvPr>
+          <p:cNvPicPr>
+            <a:picLocks noChangeAspect="1" noChangeArrowheads="1"/>
+          </p:cNvPicPr>
+          <p:nvPr/>
+        </p:nvPicPr>
+        <p:blipFill>
+          <a:blip r:embed="rId6">
+            <a:extLst>
+              <a:ext uri="{28A0092B-C50C-407E-A947-70E740481C1C}">
+                <a14:useLocalDpi xmlns:a14="http://schemas.microsoft.com/office/drawing/2010/main" val="0"/>
+              </a:ext>
+            </a:extLst>
+          </a:blip>
+          <a:srcRect/>
+          <a:stretch>
+            <a:fillRect/>
+          </a:stretch>
+        </p:blipFill>
+        <p:spPr bwMode="auto">
+          <a:xfrm>
+            <a:off x="5148589" y="4287257"/>
+            <a:ext cx="438647" cy="518799"/>
+          </a:xfrm>
+          <a:prstGeom prst="rect">
+            <a:avLst/>
+          </a:prstGeom>
+          <a:noFill/>
+          <a:extLst>
+            <a:ext uri="{909E8E84-426E-40DD-AFC4-6F175D3DCCD1}">
+              <a14:hiddenFill xmlns:a14="http://schemas.microsoft.com/office/drawing/2010/main">
+                <a:solidFill>
+                  <a:srgbClr val="FFFFFF"/>
+                </a:solidFill>
+              </a14:hiddenFill>
+            </a:ext>
+          </a:extLst>
+        </p:spPr>
+      </p:pic>
+      <p:sp>
+        <p:nvSpPr>
+          <p:cNvPr id="68" name="Rectangle 67">
+            <a:extLst>
+              <a:ext uri="{FF2B5EF4-FFF2-40B4-BE49-F238E27FC236}">
+                <a16:creationId xmlns:a16="http://schemas.microsoft.com/office/drawing/2014/main" id="{7D068772-3C24-4840-1183-0214EDD4B537}"/>
+              </a:ext>
+            </a:extLst>
+          </p:cNvPr>
+          <p:cNvSpPr/>
+          <p:nvPr/>
+        </p:nvSpPr>
+        <p:spPr>
+          <a:xfrm>
+            <a:off x="3717397" y="3138088"/>
+            <a:ext cx="1902690" cy="553673"/>
+          </a:xfrm>
+          <a:prstGeom prst="rect">
+            <a:avLst/>
+          </a:prstGeom>
+        </p:spPr>
+        <p:style>
+          <a:lnRef idx="2">
+            <a:schemeClr val="dk1">
+              <a:shade val="50000"/>
+            </a:schemeClr>
+          </a:lnRef>
+          <a:fillRef idx="1">
+            <a:schemeClr val="dk1"/>
+          </a:fillRef>
+          <a:effectRef idx="0">
+            <a:schemeClr val="dk1"/>
+          </a:effectRef>
+          <a:fontRef idx="minor">
+            <a:schemeClr val="lt1"/>
+          </a:fontRef>
+        </p:style>
+        <p:txBody>
+          <a:bodyPr rtlCol="0" anchor="ctr"/>
+          <a:lstStyle/>
+          <a:p>
+            <a:r>
+              <a:rPr lang="en-US" sz="1600" dirty="0"/>
+              <a:t>Backend App</a:t>
+            </a:r>
+          </a:p>
+          <a:p>
+            <a:r>
+              <a:rPr lang="tr-TR" sz="1600" dirty="0"/>
+              <a:t>API </a:t>
+            </a:r>
+            <a:r>
+              <a:rPr lang="en-US" sz="1600" dirty="0"/>
+              <a:t>Gateway</a:t>
+            </a:r>
+          </a:p>
+        </p:txBody>
+      </p:sp>
+      <p:pic>
+        <p:nvPicPr>
+          <p:cNvPr id="69" name="Picture 6" descr="https://camo.githubusercontent.com/c2118a418c5805c899903bc34fcdf471c9edf0d5/687474703a2f2f74687265656d616d6d616c732e636f6d2f696d616765732f6f63656c6f745f6c6f676f2e706e67">
+            <a:extLst>
+              <a:ext uri="{FF2B5EF4-FFF2-40B4-BE49-F238E27FC236}">
+                <a16:creationId xmlns:a16="http://schemas.microsoft.com/office/drawing/2014/main" id="{34A661D2-3D60-17CD-BC65-D878D968212E}"/>
+              </a:ext>
+            </a:extLst>
+          </p:cNvPr>
+          <p:cNvPicPr>
+            <a:picLocks noChangeAspect="1" noChangeArrowheads="1"/>
+          </p:cNvPicPr>
+          <p:nvPr/>
+        </p:nvPicPr>
+        <p:blipFill>
+          <a:blip r:embed="rId6">
+            <a:extLst>
+              <a:ext uri="{28A0092B-C50C-407E-A947-70E740481C1C}">
+                <a14:useLocalDpi xmlns:a14="http://schemas.microsoft.com/office/drawing/2010/main" val="0"/>
+              </a:ext>
+            </a:extLst>
+          </a:blip>
+          <a:srcRect/>
+          <a:stretch>
+            <a:fillRect/>
+          </a:stretch>
+        </p:blipFill>
+        <p:spPr bwMode="auto">
+          <a:xfrm>
+            <a:off x="5148589" y="3155075"/>
+            <a:ext cx="438647" cy="518799"/>
+          </a:xfrm>
+          <a:prstGeom prst="rect">
+            <a:avLst/>
+          </a:prstGeom>
+          <a:noFill/>
+          <a:extLst>
+            <a:ext uri="{909E8E84-426E-40DD-AFC4-6F175D3DCCD1}">
+              <a14:hiddenFill xmlns:a14="http://schemas.microsoft.com/office/drawing/2010/main">
+                <a:solidFill>
+                  <a:srgbClr val="FFFFFF"/>
+                </a:solidFill>
+              </a14:hiddenFill>
+            </a:ext>
+          </a:extLst>
+        </p:spPr>
+      </p:pic>
+      <p:sp>
+        <p:nvSpPr>
+          <p:cNvPr id="72" name="Rectangle 71">
+            <a:extLst>
+              <a:ext uri="{FF2B5EF4-FFF2-40B4-BE49-F238E27FC236}">
+                <a16:creationId xmlns:a16="http://schemas.microsoft.com/office/drawing/2014/main" id="{F255BC1C-5D6F-6546-E45B-1AA15785FB4D}"/>
+              </a:ext>
+            </a:extLst>
+          </p:cNvPr>
+          <p:cNvSpPr/>
+          <p:nvPr/>
+        </p:nvSpPr>
+        <p:spPr>
+          <a:xfrm>
+            <a:off x="5002194" y="5512269"/>
+            <a:ext cx="2198612" cy="690725"/>
+          </a:xfrm>
+          <a:prstGeom prst="rect">
+            <a:avLst/>
+          </a:prstGeom>
+        </p:spPr>
+        <p:style>
+          <a:lnRef idx="2">
+            <a:schemeClr val="accent6"/>
+          </a:lnRef>
+          <a:fillRef idx="1">
+            <a:schemeClr val="lt1"/>
+          </a:fillRef>
+          <a:effectRef idx="0">
+            <a:schemeClr val="accent6"/>
+          </a:effectRef>
+          <a:fontRef idx="minor">
+            <a:schemeClr val="dk1"/>
+          </a:fontRef>
+        </p:style>
+        <p:txBody>
+          <a:bodyPr rtlCol="0" anchor="b"/>
+          <a:lstStyle/>
+          <a:p>
+            <a:pPr algn="ctr"/>
+            <a:r>
+              <a:rPr lang="en-US" sz="1400" dirty="0"/>
+              <a:t>(Log Database)</a:t>
+            </a:r>
+          </a:p>
+        </p:txBody>
+      </p:sp>
+      <p:pic>
+        <p:nvPicPr>
+          <p:cNvPr id="73" name="Picture 8" descr="Image result for elasticsearch logo">
+            <a:extLst>
+              <a:ext uri="{FF2B5EF4-FFF2-40B4-BE49-F238E27FC236}">
+                <a16:creationId xmlns:a16="http://schemas.microsoft.com/office/drawing/2014/main" id="{1F3680A2-0DB2-3016-4F07-235AB475E84F}"/>
+              </a:ext>
+            </a:extLst>
+          </p:cNvPr>
+          <p:cNvPicPr>
+            <a:picLocks noChangeAspect="1" noChangeArrowheads="1"/>
+          </p:cNvPicPr>
+          <p:nvPr/>
+        </p:nvPicPr>
+        <p:blipFill>
+          <a:blip r:embed="rId7">
+            <a:extLst>
+              <a:ext uri="{28A0092B-C50C-407E-A947-70E740481C1C}">
+                <a14:useLocalDpi xmlns:a14="http://schemas.microsoft.com/office/drawing/2010/main" val="0"/>
+              </a:ext>
+            </a:extLst>
+          </a:blip>
+          <a:srcRect/>
+          <a:stretch>
+            <a:fillRect/>
+          </a:stretch>
+        </p:blipFill>
+        <p:spPr bwMode="auto">
+          <a:xfrm>
+            <a:off x="5251593" y="5517091"/>
+            <a:ext cx="1708727" cy="454993"/>
+          </a:xfrm>
+          <a:prstGeom prst="rect">
+            <a:avLst/>
+          </a:prstGeom>
+          <a:noFill/>
+          <a:extLst>
+            <a:ext uri="{909E8E84-426E-40DD-AFC4-6F175D3DCCD1}">
+              <a14:hiddenFill xmlns:a14="http://schemas.microsoft.com/office/drawing/2010/main">
+                <a:solidFill>
+                  <a:srgbClr val="FFFFFF"/>
+                </a:solidFill>
+              </a14:hiddenFill>
+            </a:ext>
+          </a:extLst>
+        </p:spPr>
+      </p:pic>
+      <p:sp>
+        <p:nvSpPr>
+          <p:cNvPr id="74" name="Rectangle 73">
+            <a:extLst>
+              <a:ext uri="{FF2B5EF4-FFF2-40B4-BE49-F238E27FC236}">
+                <a16:creationId xmlns:a16="http://schemas.microsoft.com/office/drawing/2014/main" id="{3B5A60B9-D381-A434-CBD7-253D3FC31428}"/>
+              </a:ext>
+            </a:extLst>
+          </p:cNvPr>
+          <p:cNvSpPr/>
+          <p:nvPr/>
+        </p:nvSpPr>
+        <p:spPr>
+          <a:xfrm>
+            <a:off x="7459229" y="5512269"/>
+            <a:ext cx="2149424" cy="690725"/>
+          </a:xfrm>
+          <a:prstGeom prst="rect">
+            <a:avLst/>
+          </a:prstGeom>
+        </p:spPr>
+        <p:style>
+          <a:lnRef idx="2">
+            <a:schemeClr val="accent5"/>
+          </a:lnRef>
+          <a:fillRef idx="1">
+            <a:schemeClr val="lt1"/>
+          </a:fillRef>
+          <a:effectRef idx="0">
+            <a:schemeClr val="accent5"/>
+          </a:effectRef>
+          <a:fontRef idx="minor">
+            <a:schemeClr val="dk1"/>
+          </a:fontRef>
+        </p:style>
+        <p:txBody>
+          <a:bodyPr rtlCol="0" anchor="b"/>
+          <a:lstStyle/>
+          <a:p>
+            <a:pPr algn="ctr"/>
+            <a:r>
+              <a:rPr lang="en-US" sz="1400" dirty="0"/>
+              <a:t>(Data Visualization)</a:t>
+            </a:r>
+          </a:p>
+        </p:txBody>
+      </p:sp>
+      <p:pic>
+        <p:nvPicPr>
+          <p:cNvPr id="75" name="Picture 10" descr="Image result for kibana logo">
+            <a:extLst>
+              <a:ext uri="{FF2B5EF4-FFF2-40B4-BE49-F238E27FC236}">
+                <a16:creationId xmlns:a16="http://schemas.microsoft.com/office/drawing/2014/main" id="{93B8E39C-5877-8B46-51A8-9706D6319783}"/>
+              </a:ext>
+            </a:extLst>
+          </p:cNvPr>
+          <p:cNvPicPr>
+            <a:picLocks noChangeAspect="1" noChangeArrowheads="1"/>
+          </p:cNvPicPr>
+          <p:nvPr/>
+        </p:nvPicPr>
+        <p:blipFill>
+          <a:blip r:embed="rId8">
+            <a:extLst>
+              <a:ext uri="{28A0092B-C50C-407E-A947-70E740481C1C}">
+                <a14:useLocalDpi xmlns:a14="http://schemas.microsoft.com/office/drawing/2010/main" val="0"/>
+              </a:ext>
+            </a:extLst>
+          </a:blip>
+          <a:srcRect/>
+          <a:stretch>
+            <a:fillRect/>
+          </a:stretch>
+        </p:blipFill>
+        <p:spPr bwMode="auto">
+          <a:xfrm>
+            <a:off x="7884060" y="5465207"/>
+            <a:ext cx="1217127" cy="555314"/>
+          </a:xfrm>
+          <a:prstGeom prst="rect">
+            <a:avLst/>
+          </a:prstGeom>
+          <a:noFill/>
+          <a:extLst>
+            <a:ext uri="{909E8E84-426E-40DD-AFC4-6F175D3DCCD1}">
+              <a14:hiddenFill xmlns:a14="http://schemas.microsoft.com/office/drawing/2010/main">
+                <a:solidFill>
+                  <a:srgbClr val="FFFFFF"/>
+                </a:solidFill>
+              </a14:hiddenFill>
+            </a:ext>
+          </a:extLst>
+        </p:spPr>
+      </p:pic>
+      <p:sp>
+        <p:nvSpPr>
+          <p:cNvPr id="76" name="Rectangle 75">
+            <a:extLst>
+              <a:ext uri="{FF2B5EF4-FFF2-40B4-BE49-F238E27FC236}">
+                <a16:creationId xmlns:a16="http://schemas.microsoft.com/office/drawing/2014/main" id="{47C4678A-BC8A-89F9-5CCA-2E376A9717EE}"/>
+              </a:ext>
+            </a:extLst>
+          </p:cNvPr>
+          <p:cNvSpPr/>
+          <p:nvPr/>
+        </p:nvSpPr>
+        <p:spPr>
+          <a:xfrm>
+            <a:off x="2569753" y="5512268"/>
+            <a:ext cx="2174018" cy="690725"/>
+          </a:xfrm>
+          <a:prstGeom prst="rect">
+            <a:avLst/>
+          </a:prstGeom>
+        </p:spPr>
+        <p:style>
+          <a:lnRef idx="2">
+            <a:schemeClr val="accent2"/>
+          </a:lnRef>
+          <a:fillRef idx="1">
+            <a:schemeClr val="lt1"/>
+          </a:fillRef>
+          <a:effectRef idx="0">
+            <a:schemeClr val="accent2"/>
+          </a:effectRef>
+          <a:fontRef idx="minor">
+            <a:schemeClr val="dk1"/>
+          </a:fontRef>
+        </p:style>
+        <p:txBody>
+          <a:bodyPr rtlCol="0" anchor="b"/>
+          <a:lstStyle/>
+          <a:p>
+            <a:pPr algn="ctr"/>
+            <a:r>
+              <a:rPr lang="en-US" sz="1400" dirty="0"/>
+              <a:t>(Distributed Cache)</a:t>
+            </a:r>
+          </a:p>
+        </p:txBody>
+      </p:sp>
+      <p:pic>
+        <p:nvPicPr>
+          <p:cNvPr id="77" name="Picture 12" descr="Image result for redis logo">
+            <a:extLst>
+              <a:ext uri="{FF2B5EF4-FFF2-40B4-BE49-F238E27FC236}">
+                <a16:creationId xmlns:a16="http://schemas.microsoft.com/office/drawing/2014/main" id="{86123CB2-EA3D-9CE8-FC1A-DC5F41F3C700}"/>
+              </a:ext>
+            </a:extLst>
+          </p:cNvPr>
+          <p:cNvPicPr>
+            <a:picLocks noChangeAspect="1" noChangeArrowheads="1"/>
+          </p:cNvPicPr>
+          <p:nvPr/>
+        </p:nvPicPr>
+        <p:blipFill>
+          <a:blip r:embed="rId9">
+            <a:extLst>
+              <a:ext uri="{28A0092B-C50C-407E-A947-70E740481C1C}">
+                <a14:useLocalDpi xmlns:a14="http://schemas.microsoft.com/office/drawing/2010/main" val="0"/>
+              </a:ext>
+            </a:extLst>
+          </a:blip>
+          <a:srcRect/>
+          <a:stretch>
+            <a:fillRect/>
+          </a:stretch>
+        </p:blipFill>
+        <p:spPr bwMode="auto">
+          <a:xfrm>
+            <a:off x="3130582" y="5574407"/>
+            <a:ext cx="1079501" cy="360733"/>
+          </a:xfrm>
+          <a:prstGeom prst="rect">
+            <a:avLst/>
+          </a:prstGeom>
+          <a:noFill/>
+          <a:extLst>
+            <a:ext uri="{909E8E84-426E-40DD-AFC4-6F175D3DCCD1}">
+              <a14:hiddenFill xmlns:a14="http://schemas.microsoft.com/office/drawing/2010/main">
+                <a:solidFill>
+                  <a:srgbClr val="FFFFFF"/>
+                </a:solidFill>
+              </a14:hiddenFill>
+            </a:ext>
+          </a:extLst>
+        </p:spPr>
+      </p:pic>
+      <p:cxnSp>
+        <p:nvCxnSpPr>
+          <p:cNvPr id="83" name="Straight Arrow Connector 82">
+            <a:extLst>
+              <a:ext uri="{FF2B5EF4-FFF2-40B4-BE49-F238E27FC236}">
+                <a16:creationId xmlns:a16="http://schemas.microsoft.com/office/drawing/2014/main" id="{A03F3886-F4C1-A038-AE4F-F8C2DE13176F}"/>
+              </a:ext>
+            </a:extLst>
+          </p:cNvPr>
+          <p:cNvCxnSpPr>
+            <a:cxnSpLocks/>
+          </p:cNvCxnSpPr>
+          <p:nvPr/>
+        </p:nvCxnSpPr>
+        <p:spPr>
+          <a:xfrm>
+            <a:off x="8352176" y="3145160"/>
+            <a:ext cx="553674" cy="0"/>
+          </a:xfrm>
+          <a:prstGeom prst="straightConnector1">
+            <a:avLst/>
+          </a:prstGeom>
+          <a:ln w="19050">
+            <a:solidFill>
+              <a:srgbClr val="00B050"/>
+            </a:solidFill>
+            <a:headEnd type="triangle"/>
+            <a:tailEnd type="triangle"/>
+          </a:ln>
+        </p:spPr>
+        <p:style>
+          <a:lnRef idx="1">
+            <a:schemeClr val="dk1"/>
+          </a:lnRef>
+          <a:fillRef idx="0">
+            <a:schemeClr val="dk1"/>
+          </a:fillRef>
+          <a:effectRef idx="0">
+            <a:schemeClr val="dk1"/>
+          </a:effectRef>
+          <a:fontRef idx="minor">
+            <a:schemeClr val="tx1"/>
+          </a:fontRef>
+        </p:style>
+      </p:cxnSp>
+      <p:cxnSp>
+        <p:nvCxnSpPr>
+          <p:cNvPr id="84" name="Straight Arrow Connector 83">
+            <a:extLst>
+              <a:ext uri="{FF2B5EF4-FFF2-40B4-BE49-F238E27FC236}">
+                <a16:creationId xmlns:a16="http://schemas.microsoft.com/office/drawing/2014/main" id="{C19C1B75-7F89-A7BD-C700-754EB5EC570F}"/>
+              </a:ext>
+            </a:extLst>
+          </p:cNvPr>
+          <p:cNvCxnSpPr>
+            <a:cxnSpLocks/>
+            <a:stCxn id="56" idx="3"/>
+            <a:endCxn id="63" idx="2"/>
+          </p:cNvCxnSpPr>
+          <p:nvPr/>
+        </p:nvCxnSpPr>
+        <p:spPr>
+          <a:xfrm flipV="1">
+            <a:off x="8352176" y="3962762"/>
+            <a:ext cx="529749" cy="11433"/>
+          </a:xfrm>
+          <a:prstGeom prst="straightConnector1">
+            <a:avLst/>
+          </a:prstGeom>
+          <a:ln w="19050">
+            <a:solidFill>
+              <a:srgbClr val="00B050"/>
+            </a:solidFill>
+            <a:headEnd type="triangle"/>
+            <a:tailEnd type="triangle"/>
+          </a:ln>
+        </p:spPr>
+        <p:style>
+          <a:lnRef idx="1">
+            <a:schemeClr val="dk1"/>
+          </a:lnRef>
+          <a:fillRef idx="0">
+            <a:schemeClr val="dk1"/>
+          </a:fillRef>
+          <a:effectRef idx="0">
+            <a:schemeClr val="dk1"/>
+          </a:effectRef>
+          <a:fontRef idx="minor">
+            <a:schemeClr val="tx1"/>
+          </a:fontRef>
+        </p:style>
+      </p:cxnSp>
+      <p:cxnSp>
+        <p:nvCxnSpPr>
+          <p:cNvPr id="85" name="Straight Arrow Connector 84">
+            <a:extLst>
+              <a:ext uri="{FF2B5EF4-FFF2-40B4-BE49-F238E27FC236}">
+                <a16:creationId xmlns:a16="http://schemas.microsoft.com/office/drawing/2014/main" id="{7A4F9FF5-98A2-B1F3-647D-9DC5A242529E}"/>
+              </a:ext>
+            </a:extLst>
+          </p:cNvPr>
+          <p:cNvCxnSpPr>
+            <a:cxnSpLocks/>
+            <a:stCxn id="58" idx="3"/>
+          </p:cNvCxnSpPr>
+          <p:nvPr/>
+        </p:nvCxnSpPr>
+        <p:spPr>
+          <a:xfrm>
+            <a:off x="8352178" y="4897188"/>
+            <a:ext cx="526017" cy="0"/>
+          </a:xfrm>
+          <a:prstGeom prst="straightConnector1">
+            <a:avLst/>
+          </a:prstGeom>
+          <a:ln w="19050">
+            <a:solidFill>
+              <a:srgbClr val="00B050"/>
+            </a:solidFill>
+            <a:headEnd type="triangle"/>
+            <a:tailEnd type="triangle"/>
+          </a:ln>
+        </p:spPr>
+        <p:style>
+          <a:lnRef idx="1">
+            <a:schemeClr val="dk1"/>
+          </a:lnRef>
+          <a:fillRef idx="0">
+            <a:schemeClr val="dk1"/>
+          </a:fillRef>
+          <a:effectRef idx="0">
+            <a:schemeClr val="dk1"/>
+          </a:effectRef>
+          <a:fontRef idx="minor">
+            <a:schemeClr val="tx1"/>
+          </a:fontRef>
+        </p:style>
+      </p:cxnSp>
+      <p:cxnSp>
+        <p:nvCxnSpPr>
+          <p:cNvPr id="86" name="Straight Arrow Connector 85">
+            <a:extLst>
+              <a:ext uri="{FF2B5EF4-FFF2-40B4-BE49-F238E27FC236}">
+                <a16:creationId xmlns:a16="http://schemas.microsoft.com/office/drawing/2014/main" id="{E5A7557B-408B-7B5E-E2CD-4E8B298B1DD2}"/>
+              </a:ext>
+            </a:extLst>
+          </p:cNvPr>
+          <p:cNvCxnSpPr>
+            <a:stCxn id="68" idx="3"/>
+            <a:endCxn id="57" idx="1"/>
+          </p:cNvCxnSpPr>
+          <p:nvPr/>
+        </p:nvCxnSpPr>
+        <p:spPr>
+          <a:xfrm flipV="1">
+            <a:off x="5620087" y="3028337"/>
+            <a:ext cx="533477" cy="386588"/>
+          </a:xfrm>
+          <a:prstGeom prst="straightConnector1">
+            <a:avLst/>
+          </a:prstGeom>
+          <a:ln w="19050">
+            <a:solidFill>
+              <a:schemeClr val="accent2"/>
+            </a:solidFill>
+            <a:tailEnd type="triangle"/>
+          </a:ln>
+        </p:spPr>
+        <p:style>
+          <a:lnRef idx="1">
+            <a:schemeClr val="accent1"/>
+          </a:lnRef>
+          <a:fillRef idx="0">
+            <a:schemeClr val="accent1"/>
+          </a:fillRef>
+          <a:effectRef idx="0">
+            <a:schemeClr val="accent1"/>
+          </a:effectRef>
+          <a:fontRef idx="minor">
+            <a:schemeClr val="tx1"/>
+          </a:fontRef>
+        </p:style>
+      </p:cxnSp>
+      <p:cxnSp>
+        <p:nvCxnSpPr>
+          <p:cNvPr id="87" name="Straight Arrow Connector 86">
+            <a:extLst>
+              <a:ext uri="{FF2B5EF4-FFF2-40B4-BE49-F238E27FC236}">
+                <a16:creationId xmlns:a16="http://schemas.microsoft.com/office/drawing/2014/main" id="{FE946841-896E-0256-766C-CBEE526683E3}"/>
+              </a:ext>
+            </a:extLst>
+          </p:cNvPr>
+          <p:cNvCxnSpPr>
+            <a:stCxn id="68" idx="3"/>
+            <a:endCxn id="58" idx="1"/>
+          </p:cNvCxnSpPr>
+          <p:nvPr/>
+        </p:nvCxnSpPr>
+        <p:spPr>
+          <a:xfrm>
+            <a:off x="5620087" y="3414925"/>
+            <a:ext cx="533477" cy="1482263"/>
+          </a:xfrm>
+          <a:prstGeom prst="straightConnector1">
+            <a:avLst/>
+          </a:prstGeom>
+          <a:ln w="19050">
+            <a:solidFill>
+              <a:schemeClr val="accent2"/>
+            </a:solidFill>
+            <a:tailEnd type="triangle"/>
+          </a:ln>
+        </p:spPr>
+        <p:style>
+          <a:lnRef idx="1">
+            <a:schemeClr val="accent1"/>
+          </a:lnRef>
+          <a:fillRef idx="0">
+            <a:schemeClr val="accent1"/>
+          </a:fillRef>
+          <a:effectRef idx="0">
+            <a:schemeClr val="accent1"/>
+          </a:effectRef>
+          <a:fontRef idx="minor">
+            <a:schemeClr val="tx1"/>
+          </a:fontRef>
+        </p:style>
+      </p:cxnSp>
+      <p:cxnSp>
+        <p:nvCxnSpPr>
+          <p:cNvPr id="88" name="Straight Arrow Connector 87">
+            <a:extLst>
+              <a:ext uri="{FF2B5EF4-FFF2-40B4-BE49-F238E27FC236}">
+                <a16:creationId xmlns:a16="http://schemas.microsoft.com/office/drawing/2014/main" id="{2D555C9D-B57C-803E-AC3F-5450013ED6B7}"/>
+              </a:ext>
+            </a:extLst>
+          </p:cNvPr>
+          <p:cNvCxnSpPr>
+            <a:stCxn id="55" idx="3"/>
+            <a:endCxn id="56" idx="1"/>
+          </p:cNvCxnSpPr>
+          <p:nvPr/>
+        </p:nvCxnSpPr>
+        <p:spPr>
+          <a:xfrm flipV="1">
+            <a:off x="5620087" y="3974195"/>
+            <a:ext cx="533476" cy="572912"/>
+          </a:xfrm>
+          <a:prstGeom prst="straightConnector1">
+            <a:avLst/>
+          </a:prstGeom>
+          <a:ln w="19050">
+            <a:solidFill>
+              <a:schemeClr val="accent2"/>
+            </a:solidFill>
+            <a:tailEnd type="triangle"/>
+          </a:ln>
+        </p:spPr>
+        <p:style>
+          <a:lnRef idx="1">
+            <a:schemeClr val="accent1"/>
+          </a:lnRef>
+          <a:fillRef idx="0">
+            <a:schemeClr val="accent1"/>
+          </a:fillRef>
+          <a:effectRef idx="0">
+            <a:schemeClr val="accent1"/>
+          </a:effectRef>
+          <a:fontRef idx="minor">
+            <a:schemeClr val="tx1"/>
+          </a:fontRef>
+        </p:style>
+      </p:cxnSp>
+      <p:cxnSp>
+        <p:nvCxnSpPr>
+          <p:cNvPr id="89" name="Straight Arrow Connector 88">
+            <a:extLst>
+              <a:ext uri="{FF2B5EF4-FFF2-40B4-BE49-F238E27FC236}">
+                <a16:creationId xmlns:a16="http://schemas.microsoft.com/office/drawing/2014/main" id="{C2C2C4BF-CF50-0AF7-67AE-699E1DB9E1AB}"/>
+              </a:ext>
+            </a:extLst>
+          </p:cNvPr>
+          <p:cNvCxnSpPr>
+            <a:cxnSpLocks/>
+            <a:stCxn id="55" idx="3"/>
+          </p:cNvCxnSpPr>
+          <p:nvPr/>
+        </p:nvCxnSpPr>
+        <p:spPr>
+          <a:xfrm>
+            <a:off x="5620087" y="4547107"/>
+            <a:ext cx="529747" cy="516166"/>
+          </a:xfrm>
+          <a:prstGeom prst="straightConnector1">
+            <a:avLst/>
+          </a:prstGeom>
+          <a:ln w="19050">
+            <a:solidFill>
+              <a:schemeClr val="accent2"/>
+            </a:solidFill>
+            <a:tailEnd type="triangle"/>
+          </a:ln>
+        </p:spPr>
+        <p:style>
+          <a:lnRef idx="1">
+            <a:schemeClr val="accent1"/>
+          </a:lnRef>
+          <a:fillRef idx="0">
+            <a:schemeClr val="accent1"/>
+          </a:fillRef>
+          <a:effectRef idx="0">
+            <a:schemeClr val="accent1"/>
+          </a:effectRef>
+          <a:fontRef idx="minor">
+            <a:schemeClr val="tx1"/>
+          </a:fontRef>
+        </p:style>
+      </p:cxnSp>
+      <p:cxnSp>
+        <p:nvCxnSpPr>
+          <p:cNvPr id="90" name="Straight Arrow Connector 89">
+            <a:extLst>
+              <a:ext uri="{FF2B5EF4-FFF2-40B4-BE49-F238E27FC236}">
+                <a16:creationId xmlns:a16="http://schemas.microsoft.com/office/drawing/2014/main" id="{EA6056DA-E5B9-28DF-2FB6-15FF2DDF4E14}"/>
+              </a:ext>
+            </a:extLst>
+          </p:cNvPr>
+          <p:cNvCxnSpPr>
+            <a:stCxn id="54" idx="3"/>
+            <a:endCxn id="68" idx="1"/>
+          </p:cNvCxnSpPr>
+          <p:nvPr/>
+        </p:nvCxnSpPr>
+        <p:spPr>
+          <a:xfrm flipV="1">
+            <a:off x="3187646" y="3414925"/>
+            <a:ext cx="529751" cy="3712"/>
+          </a:xfrm>
+          <a:prstGeom prst="straightConnector1">
+            <a:avLst/>
+          </a:prstGeom>
+          <a:ln w="19050">
+            <a:solidFill>
+              <a:schemeClr val="tx1"/>
+            </a:solidFill>
+            <a:tailEnd type="triangle"/>
+          </a:ln>
+        </p:spPr>
+        <p:style>
+          <a:lnRef idx="1">
+            <a:schemeClr val="accent1"/>
+          </a:lnRef>
+          <a:fillRef idx="0">
+            <a:schemeClr val="accent1"/>
+          </a:fillRef>
+          <a:effectRef idx="0">
+            <a:schemeClr val="accent1"/>
+          </a:effectRef>
+          <a:fontRef idx="minor">
+            <a:schemeClr val="tx1"/>
+          </a:fontRef>
+        </p:style>
+      </p:cxnSp>
+      <p:cxnSp>
+        <p:nvCxnSpPr>
+          <p:cNvPr id="91" name="Straight Arrow Connector 90">
+            <a:extLst>
+              <a:ext uri="{FF2B5EF4-FFF2-40B4-BE49-F238E27FC236}">
+                <a16:creationId xmlns:a16="http://schemas.microsoft.com/office/drawing/2014/main" id="{8646F2C8-73D9-3E16-C00E-B6289221912B}"/>
+              </a:ext>
+            </a:extLst>
+          </p:cNvPr>
+          <p:cNvCxnSpPr>
+            <a:stCxn id="53" idx="3"/>
+            <a:endCxn id="55" idx="1"/>
+          </p:cNvCxnSpPr>
+          <p:nvPr/>
+        </p:nvCxnSpPr>
+        <p:spPr>
+          <a:xfrm flipV="1">
+            <a:off x="3187646" y="4547107"/>
+            <a:ext cx="529751" cy="3712"/>
+          </a:xfrm>
+          <a:prstGeom prst="straightConnector1">
+            <a:avLst/>
+          </a:prstGeom>
+          <a:ln w="19050">
+            <a:solidFill>
+              <a:schemeClr val="tx1"/>
+            </a:solidFill>
+            <a:tailEnd type="triangle"/>
+          </a:ln>
+        </p:spPr>
+        <p:style>
+          <a:lnRef idx="1">
+            <a:schemeClr val="accent1"/>
+          </a:lnRef>
+          <a:fillRef idx="0">
+            <a:schemeClr val="accent1"/>
+          </a:fillRef>
+          <a:effectRef idx="0">
+            <a:schemeClr val="accent1"/>
+          </a:effectRef>
+          <a:fontRef idx="minor">
+            <a:schemeClr val="tx1"/>
+          </a:fontRef>
+        </p:style>
+      </p:cxnSp>
+    </p:spTree>
+    <p:extLst>
+      <p:ext uri="{BB962C8B-B14F-4D97-AF65-F5344CB8AC3E}">
+        <p14:creationId xmlns:p14="http://schemas.microsoft.com/office/powerpoint/2010/main" val="2632180067"/>
+      </p:ext>
+    </p:extLst>
+  </p:cSld>
+  <p:clrMapOvr>
+    <a:masterClrMapping/>
+  </p:clrMapOvr>
+  <p:timing>
+    <p:tnLst>
+      <p:par>
+        <p:cTn id="1" dur="indefinite" restart="never" nodeType="tmRoot">
+          <p:childTnLst>
+            <p:seq concurrent="1" nextAc="seek">
+              <p:cTn id="2" dur="indefinite" nodeType="mainSeq">
+                <p:childTnLst>
+                  <p:par>
+                    <p:cTn id="3" fill="hold">
+                      <p:stCondLst>
+                        <p:cond delay="indefinite"/>
+                      </p:stCondLst>
+                      <p:childTnLst>
+                        <p:par>
+                          <p:cTn id="4" fill="hold">
+                            <p:stCondLst>
+                              <p:cond delay="0"/>
+                            </p:stCondLst>
+                            <p:childTnLst>
+                              <p:par>
+                                <p:cTn id="5" presetID="10" presetClass="entr" presetSubtype="0" fill="hold" grpId="0" nodeType="clickEffect">
+                                  <p:stCondLst>
+                                    <p:cond delay="0"/>
+                                  </p:stCondLst>
+                                  <p:childTnLst>
+                                    <p:set>
+                                      <p:cBhvr>
+                                        <p:cTn id="6" dur="1" fill="hold">
+                                          <p:stCondLst>
+                                            <p:cond delay="0"/>
+                                          </p:stCondLst>
+                                        </p:cTn>
+                                        <p:tgtEl>
+                                          <p:spTgt spid="54"/>
+                                        </p:tgtEl>
+                                        <p:attrNameLst>
+                                          <p:attrName>style.visibility</p:attrName>
+                                        </p:attrNameLst>
+                                      </p:cBhvr>
+                                      <p:to>
+                                        <p:strVal val="visible"/>
+                                      </p:to>
+                                    </p:set>
+                                    <p:animEffect transition="in" filter="fade">
+                                      <p:cBhvr>
+                                        <p:cTn id="7" dur="500"/>
+                                        <p:tgtEl>
+                                          <p:spTgt spid="54"/>
+                                        </p:tgtEl>
+                                      </p:cBhvr>
+                                    </p:animEffect>
+                                  </p:childTnLst>
+                                </p:cTn>
+                              </p:par>
+                              <p:par>
+                                <p:cTn id="8" presetID="10" presetClass="entr" presetSubtype="0" fill="hold" grpId="0" nodeType="withEffect">
+                                  <p:stCondLst>
+                                    <p:cond delay="0"/>
+                                  </p:stCondLst>
+                                  <p:childTnLst>
+                                    <p:set>
+                                      <p:cBhvr>
+                                        <p:cTn id="9" dur="1" fill="hold">
+                                          <p:stCondLst>
+                                            <p:cond delay="0"/>
+                                          </p:stCondLst>
+                                        </p:cTn>
+                                        <p:tgtEl>
+                                          <p:spTgt spid="53"/>
+                                        </p:tgtEl>
+                                        <p:attrNameLst>
+                                          <p:attrName>style.visibility</p:attrName>
+                                        </p:attrNameLst>
+                                      </p:cBhvr>
+                                      <p:to>
+                                        <p:strVal val="visible"/>
+                                      </p:to>
+                                    </p:set>
+                                    <p:animEffect transition="in" filter="fade">
+                                      <p:cBhvr>
+                                        <p:cTn id="10" dur="500"/>
+                                        <p:tgtEl>
+                                          <p:spTgt spid="53"/>
+                                        </p:tgtEl>
+                                      </p:cBhvr>
+                                    </p:animEffect>
+                                  </p:childTnLst>
+                                </p:cTn>
+                              </p:par>
+                            </p:childTnLst>
+                          </p:cTn>
+                        </p:par>
+                      </p:childTnLst>
+                    </p:cTn>
+                  </p:par>
+                  <p:par>
+                    <p:cTn id="11" fill="hold">
+                      <p:stCondLst>
+                        <p:cond delay="indefinite"/>
+                      </p:stCondLst>
+                      <p:childTnLst>
+                        <p:par>
+                          <p:cTn id="12" fill="hold">
+                            <p:stCondLst>
+                              <p:cond delay="0"/>
+                            </p:stCondLst>
+                            <p:childTnLst>
+                              <p:par>
+                                <p:cTn id="13" presetID="10" presetClass="entr" presetSubtype="0" fill="hold" nodeType="clickEffect">
+                                  <p:stCondLst>
+                                    <p:cond delay="0"/>
+                                  </p:stCondLst>
+                                  <p:childTnLst>
+                                    <p:set>
+                                      <p:cBhvr>
+                                        <p:cTn id="14" dur="1" fill="hold">
+                                          <p:stCondLst>
+                                            <p:cond delay="0"/>
+                                          </p:stCondLst>
+                                        </p:cTn>
+                                        <p:tgtEl>
+                                          <p:spTgt spid="90"/>
+                                        </p:tgtEl>
+                                        <p:attrNameLst>
+                                          <p:attrName>style.visibility</p:attrName>
+                                        </p:attrNameLst>
+                                      </p:cBhvr>
+                                      <p:to>
+                                        <p:strVal val="visible"/>
+                                      </p:to>
+                                    </p:set>
+                                    <p:animEffect transition="in" filter="fade">
+                                      <p:cBhvr>
+                                        <p:cTn id="15" dur="500"/>
+                                        <p:tgtEl>
+                                          <p:spTgt spid="90"/>
+                                        </p:tgtEl>
+                                      </p:cBhvr>
+                                    </p:animEffect>
+                                  </p:childTnLst>
+                                </p:cTn>
+                              </p:par>
+                              <p:par>
+                                <p:cTn id="16" presetID="10" presetClass="entr" presetSubtype="0" fill="hold" nodeType="withEffect">
+                                  <p:stCondLst>
+                                    <p:cond delay="0"/>
+                                  </p:stCondLst>
+                                  <p:childTnLst>
+                                    <p:set>
+                                      <p:cBhvr>
+                                        <p:cTn id="17" dur="1" fill="hold">
+                                          <p:stCondLst>
+                                            <p:cond delay="0"/>
+                                          </p:stCondLst>
+                                        </p:cTn>
+                                        <p:tgtEl>
+                                          <p:spTgt spid="91"/>
+                                        </p:tgtEl>
+                                        <p:attrNameLst>
+                                          <p:attrName>style.visibility</p:attrName>
+                                        </p:attrNameLst>
+                                      </p:cBhvr>
+                                      <p:to>
+                                        <p:strVal val="visible"/>
+                                      </p:to>
+                                    </p:set>
+                                    <p:animEffect transition="in" filter="fade">
+                                      <p:cBhvr>
+                                        <p:cTn id="18" dur="500"/>
+                                        <p:tgtEl>
+                                          <p:spTgt spid="91"/>
+                                        </p:tgtEl>
+                                      </p:cBhvr>
+                                    </p:animEffect>
+                                  </p:childTnLst>
+                                </p:cTn>
+                              </p:par>
+                              <p:par>
+                                <p:cTn id="19" presetID="10" presetClass="entr" presetSubtype="0" fill="hold" grpId="0" nodeType="withEffect">
+                                  <p:stCondLst>
+                                    <p:cond delay="0"/>
+                                  </p:stCondLst>
+                                  <p:childTnLst>
+                                    <p:set>
+                                      <p:cBhvr>
+                                        <p:cTn id="20" dur="1" fill="hold">
+                                          <p:stCondLst>
+                                            <p:cond delay="0"/>
+                                          </p:stCondLst>
+                                        </p:cTn>
+                                        <p:tgtEl>
+                                          <p:spTgt spid="55"/>
+                                        </p:tgtEl>
+                                        <p:attrNameLst>
+                                          <p:attrName>style.visibility</p:attrName>
+                                        </p:attrNameLst>
+                                      </p:cBhvr>
+                                      <p:to>
+                                        <p:strVal val="visible"/>
+                                      </p:to>
+                                    </p:set>
+                                    <p:animEffect transition="in" filter="fade">
+                                      <p:cBhvr>
+                                        <p:cTn id="21" dur="500"/>
+                                        <p:tgtEl>
+                                          <p:spTgt spid="55"/>
+                                        </p:tgtEl>
+                                      </p:cBhvr>
+                                    </p:animEffect>
+                                  </p:childTnLst>
+                                </p:cTn>
+                              </p:par>
+                              <p:par>
+                                <p:cTn id="22" presetID="10" presetClass="entr" presetSubtype="0" fill="hold" grpId="0" nodeType="withEffect">
+                                  <p:stCondLst>
+                                    <p:cond delay="0"/>
+                                  </p:stCondLst>
+                                  <p:childTnLst>
+                                    <p:set>
+                                      <p:cBhvr>
+                                        <p:cTn id="23" dur="1" fill="hold">
+                                          <p:stCondLst>
+                                            <p:cond delay="0"/>
+                                          </p:stCondLst>
+                                        </p:cTn>
+                                        <p:tgtEl>
+                                          <p:spTgt spid="68"/>
+                                        </p:tgtEl>
+                                        <p:attrNameLst>
+                                          <p:attrName>style.visibility</p:attrName>
+                                        </p:attrNameLst>
+                                      </p:cBhvr>
+                                      <p:to>
+                                        <p:strVal val="visible"/>
+                                      </p:to>
+                                    </p:set>
+                                    <p:animEffect transition="in" filter="fade">
+                                      <p:cBhvr>
+                                        <p:cTn id="24" dur="500"/>
+                                        <p:tgtEl>
+                                          <p:spTgt spid="68"/>
+                                        </p:tgtEl>
+                                      </p:cBhvr>
+                                    </p:animEffect>
+                                  </p:childTnLst>
+                                </p:cTn>
+                              </p:par>
+                              <p:par>
+                                <p:cTn id="25" presetID="10" presetClass="entr" presetSubtype="0" fill="hold" grpId="0" nodeType="withEffect">
+                                  <p:stCondLst>
+                                    <p:cond delay="0"/>
+                                  </p:stCondLst>
+                                  <p:childTnLst>
+                                    <p:set>
+                                      <p:cBhvr>
+                                        <p:cTn id="26" dur="1" fill="hold">
+                                          <p:stCondLst>
+                                            <p:cond delay="0"/>
+                                          </p:stCondLst>
+                                        </p:cTn>
+                                        <p:tgtEl>
+                                          <p:spTgt spid="59"/>
+                                        </p:tgtEl>
+                                        <p:attrNameLst>
+                                          <p:attrName>style.visibility</p:attrName>
+                                        </p:attrNameLst>
+                                      </p:cBhvr>
+                                      <p:to>
+                                        <p:strVal val="visible"/>
+                                      </p:to>
+                                    </p:set>
+                                    <p:animEffect transition="in" filter="fade">
+                                      <p:cBhvr>
+                                        <p:cTn id="27" dur="500"/>
+                                        <p:tgtEl>
+                                          <p:spTgt spid="59"/>
+                                        </p:tgtEl>
+                                      </p:cBhvr>
+                                    </p:animEffect>
+                                  </p:childTnLst>
+                                </p:cTn>
+                              </p:par>
+                              <p:par>
+                                <p:cTn id="28" presetID="10" presetClass="entr" presetSubtype="0" fill="hold" nodeType="withEffect">
+                                  <p:stCondLst>
+                                    <p:cond delay="0"/>
+                                  </p:stCondLst>
+                                  <p:childTnLst>
+                                    <p:set>
+                                      <p:cBhvr>
+                                        <p:cTn id="29" dur="1" fill="hold">
+                                          <p:stCondLst>
+                                            <p:cond delay="0"/>
+                                          </p:stCondLst>
+                                        </p:cTn>
+                                        <p:tgtEl>
+                                          <p:spTgt spid="69"/>
+                                        </p:tgtEl>
+                                        <p:attrNameLst>
+                                          <p:attrName>style.visibility</p:attrName>
+                                        </p:attrNameLst>
+                                      </p:cBhvr>
+                                      <p:to>
+                                        <p:strVal val="visible"/>
+                                      </p:to>
+                                    </p:set>
+                                    <p:animEffect transition="in" filter="fade">
+                                      <p:cBhvr>
+                                        <p:cTn id="30" dur="500"/>
+                                        <p:tgtEl>
+                                          <p:spTgt spid="69"/>
+                                        </p:tgtEl>
+                                      </p:cBhvr>
+                                    </p:animEffect>
+                                  </p:childTnLst>
+                                </p:cTn>
+                              </p:par>
+                              <p:par>
+                                <p:cTn id="31" presetID="10" presetClass="entr" presetSubtype="0" fill="hold" nodeType="withEffect">
+                                  <p:stCondLst>
+                                    <p:cond delay="0"/>
+                                  </p:stCondLst>
+                                  <p:childTnLst>
+                                    <p:set>
+                                      <p:cBhvr>
+                                        <p:cTn id="32" dur="1" fill="hold">
+                                          <p:stCondLst>
+                                            <p:cond delay="0"/>
+                                          </p:stCondLst>
+                                        </p:cTn>
+                                        <p:tgtEl>
+                                          <p:spTgt spid="67"/>
+                                        </p:tgtEl>
+                                        <p:attrNameLst>
+                                          <p:attrName>style.visibility</p:attrName>
+                                        </p:attrNameLst>
+                                      </p:cBhvr>
+                                      <p:to>
+                                        <p:strVal val="visible"/>
+                                      </p:to>
+                                    </p:set>
+                                    <p:animEffect transition="in" filter="fade">
+                                      <p:cBhvr>
+                                        <p:cTn id="33" dur="500"/>
+                                        <p:tgtEl>
+                                          <p:spTgt spid="67"/>
+                                        </p:tgtEl>
+                                      </p:cBhvr>
+                                    </p:animEffect>
+                                  </p:childTnLst>
+                                </p:cTn>
+                              </p:par>
+                            </p:childTnLst>
+                          </p:cTn>
+                        </p:par>
+                      </p:childTnLst>
+                    </p:cTn>
+                  </p:par>
+                  <p:par>
+                    <p:cTn id="34" fill="hold">
+                      <p:stCondLst>
+                        <p:cond delay="indefinite"/>
+                      </p:stCondLst>
+                      <p:childTnLst>
+                        <p:par>
+                          <p:cTn id="35" fill="hold">
+                            <p:stCondLst>
+                              <p:cond delay="0"/>
+                            </p:stCondLst>
+                            <p:childTnLst>
+                              <p:par>
+                                <p:cTn id="36" presetID="10" presetClass="entr" presetSubtype="0" fill="hold" nodeType="clickEffect">
+                                  <p:stCondLst>
+                                    <p:cond delay="0"/>
+                                  </p:stCondLst>
+                                  <p:childTnLst>
+                                    <p:set>
+                                      <p:cBhvr>
+                                        <p:cTn id="37" dur="1" fill="hold">
+                                          <p:stCondLst>
+                                            <p:cond delay="0"/>
+                                          </p:stCondLst>
+                                        </p:cTn>
+                                        <p:tgtEl>
+                                          <p:spTgt spid="86"/>
+                                        </p:tgtEl>
+                                        <p:attrNameLst>
+                                          <p:attrName>style.visibility</p:attrName>
+                                        </p:attrNameLst>
+                                      </p:cBhvr>
+                                      <p:to>
+                                        <p:strVal val="visible"/>
+                                      </p:to>
+                                    </p:set>
+                                    <p:animEffect transition="in" filter="fade">
+                                      <p:cBhvr>
+                                        <p:cTn id="38" dur="500"/>
+                                        <p:tgtEl>
+                                          <p:spTgt spid="86"/>
+                                        </p:tgtEl>
+                                      </p:cBhvr>
+                                    </p:animEffect>
+                                  </p:childTnLst>
+                                </p:cTn>
+                              </p:par>
+                              <p:par>
+                                <p:cTn id="39" presetID="10" presetClass="entr" presetSubtype="0" fill="hold" nodeType="withEffect">
+                                  <p:stCondLst>
+                                    <p:cond delay="0"/>
+                                  </p:stCondLst>
+                                  <p:childTnLst>
+                                    <p:set>
+                                      <p:cBhvr>
+                                        <p:cTn id="40" dur="1" fill="hold">
+                                          <p:stCondLst>
+                                            <p:cond delay="0"/>
+                                          </p:stCondLst>
+                                        </p:cTn>
+                                        <p:tgtEl>
+                                          <p:spTgt spid="87"/>
+                                        </p:tgtEl>
+                                        <p:attrNameLst>
+                                          <p:attrName>style.visibility</p:attrName>
+                                        </p:attrNameLst>
+                                      </p:cBhvr>
+                                      <p:to>
+                                        <p:strVal val="visible"/>
+                                      </p:to>
+                                    </p:set>
+                                    <p:animEffect transition="in" filter="fade">
+                                      <p:cBhvr>
+                                        <p:cTn id="41" dur="500"/>
+                                        <p:tgtEl>
+                                          <p:spTgt spid="87"/>
+                                        </p:tgtEl>
+                                      </p:cBhvr>
+                                    </p:animEffect>
+                                  </p:childTnLst>
+                                </p:cTn>
+                              </p:par>
+                              <p:par>
+                                <p:cTn id="42" presetID="10" presetClass="entr" presetSubtype="0" fill="hold" nodeType="withEffect">
+                                  <p:stCondLst>
+                                    <p:cond delay="0"/>
+                                  </p:stCondLst>
+                                  <p:childTnLst>
+                                    <p:set>
+                                      <p:cBhvr>
+                                        <p:cTn id="43" dur="1" fill="hold">
+                                          <p:stCondLst>
+                                            <p:cond delay="0"/>
+                                          </p:stCondLst>
+                                        </p:cTn>
+                                        <p:tgtEl>
+                                          <p:spTgt spid="88"/>
+                                        </p:tgtEl>
+                                        <p:attrNameLst>
+                                          <p:attrName>style.visibility</p:attrName>
+                                        </p:attrNameLst>
+                                      </p:cBhvr>
+                                      <p:to>
+                                        <p:strVal val="visible"/>
+                                      </p:to>
+                                    </p:set>
+                                    <p:animEffect transition="in" filter="fade">
+                                      <p:cBhvr>
+                                        <p:cTn id="44" dur="500"/>
+                                        <p:tgtEl>
+                                          <p:spTgt spid="88"/>
+                                        </p:tgtEl>
+                                      </p:cBhvr>
+                                    </p:animEffect>
+                                  </p:childTnLst>
+                                </p:cTn>
+                              </p:par>
+                              <p:par>
+                                <p:cTn id="45" presetID="10" presetClass="entr" presetSubtype="0" fill="hold" nodeType="withEffect">
+                                  <p:stCondLst>
+                                    <p:cond delay="0"/>
+                                  </p:stCondLst>
+                                  <p:childTnLst>
+                                    <p:set>
+                                      <p:cBhvr>
+                                        <p:cTn id="46" dur="1" fill="hold">
+                                          <p:stCondLst>
+                                            <p:cond delay="0"/>
+                                          </p:stCondLst>
+                                        </p:cTn>
+                                        <p:tgtEl>
+                                          <p:spTgt spid="89"/>
+                                        </p:tgtEl>
+                                        <p:attrNameLst>
+                                          <p:attrName>style.visibility</p:attrName>
+                                        </p:attrNameLst>
+                                      </p:cBhvr>
+                                      <p:to>
+                                        <p:strVal val="visible"/>
+                                      </p:to>
+                                    </p:set>
+                                    <p:animEffect transition="in" filter="fade">
+                                      <p:cBhvr>
+                                        <p:cTn id="47" dur="500"/>
+                                        <p:tgtEl>
+                                          <p:spTgt spid="89"/>
+                                        </p:tgtEl>
+                                      </p:cBhvr>
+                                    </p:animEffect>
+                                  </p:childTnLst>
+                                </p:cTn>
+                              </p:par>
+                              <p:par>
+                                <p:cTn id="48" presetID="10" presetClass="entr" presetSubtype="0" fill="hold" grpId="0" nodeType="withEffect">
+                                  <p:stCondLst>
+                                    <p:cond delay="0"/>
+                                  </p:stCondLst>
+                                  <p:childTnLst>
+                                    <p:set>
+                                      <p:cBhvr>
+                                        <p:cTn id="49" dur="1" fill="hold">
+                                          <p:stCondLst>
+                                            <p:cond delay="0"/>
+                                          </p:stCondLst>
+                                        </p:cTn>
+                                        <p:tgtEl>
+                                          <p:spTgt spid="58"/>
+                                        </p:tgtEl>
+                                        <p:attrNameLst>
+                                          <p:attrName>style.visibility</p:attrName>
+                                        </p:attrNameLst>
+                                      </p:cBhvr>
+                                      <p:to>
+                                        <p:strVal val="visible"/>
+                                      </p:to>
+                                    </p:set>
+                                    <p:animEffect transition="in" filter="fade">
+                                      <p:cBhvr>
+                                        <p:cTn id="50" dur="500"/>
+                                        <p:tgtEl>
+                                          <p:spTgt spid="58"/>
+                                        </p:tgtEl>
+                                      </p:cBhvr>
+                                    </p:animEffect>
+                                  </p:childTnLst>
+                                </p:cTn>
+                              </p:par>
+                              <p:par>
+                                <p:cTn id="51" presetID="10" presetClass="entr" presetSubtype="0" fill="hold" grpId="0" nodeType="withEffect">
+                                  <p:stCondLst>
+                                    <p:cond delay="0"/>
+                                  </p:stCondLst>
+                                  <p:childTnLst>
+                                    <p:set>
+                                      <p:cBhvr>
+                                        <p:cTn id="52" dur="1" fill="hold">
+                                          <p:stCondLst>
+                                            <p:cond delay="0"/>
+                                          </p:stCondLst>
+                                        </p:cTn>
+                                        <p:tgtEl>
+                                          <p:spTgt spid="56"/>
+                                        </p:tgtEl>
+                                        <p:attrNameLst>
+                                          <p:attrName>style.visibility</p:attrName>
+                                        </p:attrNameLst>
+                                      </p:cBhvr>
+                                      <p:to>
+                                        <p:strVal val="visible"/>
+                                      </p:to>
+                                    </p:set>
+                                    <p:animEffect transition="in" filter="fade">
+                                      <p:cBhvr>
+                                        <p:cTn id="53" dur="500"/>
+                                        <p:tgtEl>
+                                          <p:spTgt spid="56"/>
+                                        </p:tgtEl>
+                                      </p:cBhvr>
+                                    </p:animEffect>
+                                  </p:childTnLst>
+                                </p:cTn>
+                              </p:par>
+                              <p:par>
+                                <p:cTn id="54" presetID="10" presetClass="entr" presetSubtype="0" fill="hold" grpId="0" nodeType="withEffect">
+                                  <p:stCondLst>
+                                    <p:cond delay="0"/>
+                                  </p:stCondLst>
+                                  <p:childTnLst>
+                                    <p:set>
+                                      <p:cBhvr>
+                                        <p:cTn id="55" dur="1" fill="hold">
+                                          <p:stCondLst>
+                                            <p:cond delay="0"/>
+                                          </p:stCondLst>
+                                        </p:cTn>
+                                        <p:tgtEl>
+                                          <p:spTgt spid="57"/>
+                                        </p:tgtEl>
+                                        <p:attrNameLst>
+                                          <p:attrName>style.visibility</p:attrName>
+                                        </p:attrNameLst>
+                                      </p:cBhvr>
+                                      <p:to>
+                                        <p:strVal val="visible"/>
+                                      </p:to>
+                                    </p:set>
+                                    <p:animEffect transition="in" filter="fade">
+                                      <p:cBhvr>
+                                        <p:cTn id="56" dur="500"/>
+                                        <p:tgtEl>
+                                          <p:spTgt spid="57"/>
+                                        </p:tgtEl>
+                                      </p:cBhvr>
+                                    </p:animEffect>
+                                  </p:childTnLst>
+                                </p:cTn>
+                              </p:par>
+                              <p:par>
+                                <p:cTn id="57" presetID="10" presetClass="entr" presetSubtype="0" fill="hold" nodeType="withEffect">
+                                  <p:stCondLst>
+                                    <p:cond delay="0"/>
+                                  </p:stCondLst>
+                                  <p:childTnLst>
+                                    <p:set>
+                                      <p:cBhvr>
+                                        <p:cTn id="58" dur="1" fill="hold">
+                                          <p:stCondLst>
+                                            <p:cond delay="0"/>
+                                          </p:stCondLst>
+                                        </p:cTn>
+                                        <p:tgtEl>
+                                          <p:spTgt spid="62"/>
+                                        </p:tgtEl>
+                                        <p:attrNameLst>
+                                          <p:attrName>style.visibility</p:attrName>
+                                        </p:attrNameLst>
+                                      </p:cBhvr>
+                                      <p:to>
+                                        <p:strVal val="visible"/>
+                                      </p:to>
+                                    </p:set>
+                                    <p:animEffect transition="in" filter="fade">
+                                      <p:cBhvr>
+                                        <p:cTn id="59" dur="500"/>
+                                        <p:tgtEl>
+                                          <p:spTgt spid="62"/>
+                                        </p:tgtEl>
+                                      </p:cBhvr>
+                                    </p:animEffect>
+                                  </p:childTnLst>
+                                </p:cTn>
+                              </p:par>
+                              <p:par>
+                                <p:cTn id="60" presetID="10" presetClass="entr" presetSubtype="0" fill="hold" nodeType="withEffect">
+                                  <p:stCondLst>
+                                    <p:cond delay="0"/>
+                                  </p:stCondLst>
+                                  <p:childTnLst>
+                                    <p:set>
+                                      <p:cBhvr>
+                                        <p:cTn id="61" dur="1" fill="hold">
+                                          <p:stCondLst>
+                                            <p:cond delay="0"/>
+                                          </p:stCondLst>
+                                        </p:cTn>
+                                        <p:tgtEl>
+                                          <p:spTgt spid="60"/>
+                                        </p:tgtEl>
+                                        <p:attrNameLst>
+                                          <p:attrName>style.visibility</p:attrName>
+                                        </p:attrNameLst>
+                                      </p:cBhvr>
+                                      <p:to>
+                                        <p:strVal val="visible"/>
+                                      </p:to>
+                                    </p:set>
+                                    <p:animEffect transition="in" filter="fade">
+                                      <p:cBhvr>
+                                        <p:cTn id="62" dur="500"/>
+                                        <p:tgtEl>
+                                          <p:spTgt spid="60"/>
+                                        </p:tgtEl>
+                                      </p:cBhvr>
+                                    </p:animEffect>
+                                  </p:childTnLst>
+                                </p:cTn>
+                              </p:par>
+                              <p:par>
+                                <p:cTn id="63" presetID="10" presetClass="entr" presetSubtype="0" fill="hold" nodeType="withEffect">
+                                  <p:stCondLst>
+                                    <p:cond delay="0"/>
+                                  </p:stCondLst>
+                                  <p:childTnLst>
+                                    <p:set>
+                                      <p:cBhvr>
+                                        <p:cTn id="64" dur="1" fill="hold">
+                                          <p:stCondLst>
+                                            <p:cond delay="0"/>
+                                          </p:stCondLst>
+                                        </p:cTn>
+                                        <p:tgtEl>
+                                          <p:spTgt spid="61"/>
+                                        </p:tgtEl>
+                                        <p:attrNameLst>
+                                          <p:attrName>style.visibility</p:attrName>
+                                        </p:attrNameLst>
+                                      </p:cBhvr>
+                                      <p:to>
+                                        <p:strVal val="visible"/>
+                                      </p:to>
+                                    </p:set>
+                                    <p:animEffect transition="in" filter="fade">
+                                      <p:cBhvr>
+                                        <p:cTn id="65" dur="500"/>
+                                        <p:tgtEl>
+                                          <p:spTgt spid="61"/>
+                                        </p:tgtEl>
+                                      </p:cBhvr>
+                                    </p:animEffect>
+                                  </p:childTnLst>
+                                </p:cTn>
+                              </p:par>
+                            </p:childTnLst>
+                          </p:cTn>
+                        </p:par>
+                      </p:childTnLst>
+                    </p:cTn>
+                  </p:par>
+                  <p:par>
+                    <p:cTn id="66" fill="hold">
+                      <p:stCondLst>
+                        <p:cond delay="indefinite"/>
+                      </p:stCondLst>
+                      <p:childTnLst>
+                        <p:par>
+                          <p:cTn id="67" fill="hold">
+                            <p:stCondLst>
+                              <p:cond delay="0"/>
+                            </p:stCondLst>
+                            <p:childTnLst>
+                              <p:par>
+                                <p:cTn id="68" presetID="10" presetClass="entr" presetSubtype="0" fill="hold" nodeType="clickEffect">
+                                  <p:stCondLst>
+                                    <p:cond delay="0"/>
+                                  </p:stCondLst>
+                                  <p:childTnLst>
+                                    <p:set>
+                                      <p:cBhvr>
+                                        <p:cTn id="69" dur="1" fill="hold">
+                                          <p:stCondLst>
+                                            <p:cond delay="0"/>
+                                          </p:stCondLst>
+                                        </p:cTn>
+                                        <p:tgtEl>
+                                          <p:spTgt spid="83"/>
+                                        </p:tgtEl>
+                                        <p:attrNameLst>
+                                          <p:attrName>style.visibility</p:attrName>
+                                        </p:attrNameLst>
+                                      </p:cBhvr>
+                                      <p:to>
+                                        <p:strVal val="visible"/>
+                                      </p:to>
+                                    </p:set>
+                                    <p:animEffect transition="in" filter="fade">
+                                      <p:cBhvr>
+                                        <p:cTn id="70" dur="500"/>
+                                        <p:tgtEl>
+                                          <p:spTgt spid="83"/>
+                                        </p:tgtEl>
+                                      </p:cBhvr>
+                                    </p:animEffect>
+                                  </p:childTnLst>
+                                </p:cTn>
+                              </p:par>
+                              <p:par>
+                                <p:cTn id="71" presetID="10" presetClass="entr" presetSubtype="0" fill="hold" nodeType="withEffect">
+                                  <p:stCondLst>
+                                    <p:cond delay="0"/>
+                                  </p:stCondLst>
+                                  <p:childTnLst>
+                                    <p:set>
+                                      <p:cBhvr>
+                                        <p:cTn id="72" dur="1" fill="hold">
+                                          <p:stCondLst>
+                                            <p:cond delay="0"/>
+                                          </p:stCondLst>
+                                        </p:cTn>
+                                        <p:tgtEl>
+                                          <p:spTgt spid="84"/>
+                                        </p:tgtEl>
+                                        <p:attrNameLst>
+                                          <p:attrName>style.visibility</p:attrName>
+                                        </p:attrNameLst>
+                                      </p:cBhvr>
+                                      <p:to>
+                                        <p:strVal val="visible"/>
+                                      </p:to>
+                                    </p:set>
+                                    <p:animEffect transition="in" filter="fade">
+                                      <p:cBhvr>
+                                        <p:cTn id="73" dur="500"/>
+                                        <p:tgtEl>
+                                          <p:spTgt spid="84"/>
+                                        </p:tgtEl>
+                                      </p:cBhvr>
+                                    </p:animEffect>
+                                  </p:childTnLst>
+                                </p:cTn>
+                              </p:par>
+                              <p:par>
+                                <p:cTn id="74" presetID="10" presetClass="entr" presetSubtype="0" fill="hold" nodeType="withEffect">
+                                  <p:stCondLst>
+                                    <p:cond delay="0"/>
+                                  </p:stCondLst>
+                                  <p:childTnLst>
+                                    <p:set>
+                                      <p:cBhvr>
+                                        <p:cTn id="75" dur="1" fill="hold">
+                                          <p:stCondLst>
+                                            <p:cond delay="0"/>
+                                          </p:stCondLst>
+                                        </p:cTn>
+                                        <p:tgtEl>
+                                          <p:spTgt spid="85"/>
+                                        </p:tgtEl>
+                                        <p:attrNameLst>
+                                          <p:attrName>style.visibility</p:attrName>
+                                        </p:attrNameLst>
+                                      </p:cBhvr>
+                                      <p:to>
+                                        <p:strVal val="visible"/>
+                                      </p:to>
+                                    </p:set>
+                                    <p:animEffect transition="in" filter="fade">
+                                      <p:cBhvr>
+                                        <p:cTn id="76" dur="500"/>
+                                        <p:tgtEl>
+                                          <p:spTgt spid="85"/>
+                                        </p:tgtEl>
+                                      </p:cBhvr>
+                                    </p:animEffect>
+                                  </p:childTnLst>
+                                </p:cTn>
+                              </p:par>
+                              <p:par>
+                                <p:cTn id="77" presetID="10" presetClass="entr" presetSubtype="0" fill="hold" grpId="0" nodeType="withEffect">
+                                  <p:stCondLst>
+                                    <p:cond delay="0"/>
+                                  </p:stCondLst>
+                                  <p:childTnLst>
+                                    <p:set>
+                                      <p:cBhvr>
+                                        <p:cTn id="78" dur="1" fill="hold">
+                                          <p:stCondLst>
+                                            <p:cond delay="0"/>
+                                          </p:stCondLst>
+                                        </p:cTn>
+                                        <p:tgtEl>
+                                          <p:spTgt spid="63"/>
+                                        </p:tgtEl>
+                                        <p:attrNameLst>
+                                          <p:attrName>style.visibility</p:attrName>
+                                        </p:attrNameLst>
+                                      </p:cBhvr>
+                                      <p:to>
+                                        <p:strVal val="visible"/>
+                                      </p:to>
+                                    </p:set>
+                                    <p:animEffect transition="in" filter="fade">
+                                      <p:cBhvr>
+                                        <p:cTn id="79" dur="500"/>
+                                        <p:tgtEl>
+                                          <p:spTgt spid="63"/>
+                                        </p:tgtEl>
+                                      </p:cBhvr>
+                                    </p:animEffect>
+                                  </p:childTnLst>
+                                </p:cTn>
+                              </p:par>
+                              <p:par>
+                                <p:cTn id="80" presetID="10" presetClass="entr" presetSubtype="0" fill="hold" nodeType="withEffect">
+                                  <p:stCondLst>
+                                    <p:cond delay="0"/>
+                                  </p:stCondLst>
+                                  <p:childTnLst>
+                                    <p:set>
+                                      <p:cBhvr>
+                                        <p:cTn id="81" dur="1" fill="hold">
+                                          <p:stCondLst>
+                                            <p:cond delay="0"/>
+                                          </p:stCondLst>
+                                        </p:cTn>
+                                        <p:tgtEl>
+                                          <p:spTgt spid="64"/>
+                                        </p:tgtEl>
+                                        <p:attrNameLst>
+                                          <p:attrName>style.visibility</p:attrName>
+                                        </p:attrNameLst>
+                                      </p:cBhvr>
+                                      <p:to>
+                                        <p:strVal val="visible"/>
+                                      </p:to>
+                                    </p:set>
+                                    <p:animEffect transition="in" filter="fade">
+                                      <p:cBhvr>
+                                        <p:cTn id="82" dur="500"/>
+                                        <p:tgtEl>
+                                          <p:spTgt spid="64"/>
+                                        </p:tgtEl>
+                                      </p:cBhvr>
+                                    </p:animEffect>
+                                  </p:childTnLst>
+                                </p:cTn>
+                              </p:par>
+                              <p:par>
+                                <p:cTn id="83" presetID="10" presetClass="entr" presetSubtype="0" fill="hold" grpId="0" nodeType="withEffect">
+                                  <p:stCondLst>
+                                    <p:cond delay="0"/>
+                                  </p:stCondLst>
+                                  <p:childTnLst>
+                                    <p:set>
+                                      <p:cBhvr>
+                                        <p:cTn id="84" dur="1" fill="hold">
+                                          <p:stCondLst>
+                                            <p:cond delay="0"/>
+                                          </p:stCondLst>
+                                        </p:cTn>
+                                        <p:tgtEl>
+                                          <p:spTgt spid="65"/>
+                                        </p:tgtEl>
+                                        <p:attrNameLst>
+                                          <p:attrName>style.visibility</p:attrName>
+                                        </p:attrNameLst>
+                                      </p:cBhvr>
+                                      <p:to>
+                                        <p:strVal val="visible"/>
+                                      </p:to>
+                                    </p:set>
+                                    <p:animEffect transition="in" filter="fade">
+                                      <p:cBhvr>
+                                        <p:cTn id="85" dur="500"/>
+                                        <p:tgtEl>
+                                          <p:spTgt spid="65"/>
+                                        </p:tgtEl>
+                                      </p:cBhvr>
+                                    </p:animEffect>
+                                  </p:childTnLst>
+                                </p:cTn>
+                              </p:par>
+                            </p:childTnLst>
+                          </p:cTn>
+                        </p:par>
+                      </p:childTnLst>
+                    </p:cTn>
+                  </p:par>
+                  <p:par>
+                    <p:cTn id="86" fill="hold">
+                      <p:stCondLst>
+                        <p:cond delay="indefinite"/>
+                      </p:stCondLst>
+                      <p:childTnLst>
+                        <p:par>
+                          <p:cTn id="87" fill="hold">
+                            <p:stCondLst>
+                              <p:cond delay="0"/>
+                            </p:stCondLst>
+                            <p:childTnLst>
+                              <p:par>
+                                <p:cTn id="88" presetID="10" presetClass="entr" presetSubtype="0" fill="hold" grpId="0" nodeType="clickEffect">
+                                  <p:stCondLst>
+                                    <p:cond delay="0"/>
+                                  </p:stCondLst>
+                                  <p:childTnLst>
+                                    <p:set>
+                                      <p:cBhvr>
+                                        <p:cTn id="89" dur="1" fill="hold">
+                                          <p:stCondLst>
+                                            <p:cond delay="0"/>
+                                          </p:stCondLst>
+                                        </p:cTn>
+                                        <p:tgtEl>
+                                          <p:spTgt spid="76"/>
+                                        </p:tgtEl>
+                                        <p:attrNameLst>
+                                          <p:attrName>style.visibility</p:attrName>
+                                        </p:attrNameLst>
+                                      </p:cBhvr>
+                                      <p:to>
+                                        <p:strVal val="visible"/>
+                                      </p:to>
+                                    </p:set>
+                                    <p:animEffect transition="in" filter="fade">
+                                      <p:cBhvr>
+                                        <p:cTn id="90" dur="500"/>
+                                        <p:tgtEl>
+                                          <p:spTgt spid="76"/>
+                                        </p:tgtEl>
+                                      </p:cBhvr>
+                                    </p:animEffect>
+                                  </p:childTnLst>
+                                </p:cTn>
+                              </p:par>
+                              <p:par>
+                                <p:cTn id="91" presetID="10" presetClass="entr" presetSubtype="0" fill="hold" nodeType="withEffect">
+                                  <p:stCondLst>
+                                    <p:cond delay="0"/>
+                                  </p:stCondLst>
+                                  <p:childTnLst>
+                                    <p:set>
+                                      <p:cBhvr>
+                                        <p:cTn id="92" dur="1" fill="hold">
+                                          <p:stCondLst>
+                                            <p:cond delay="0"/>
+                                          </p:stCondLst>
+                                        </p:cTn>
+                                        <p:tgtEl>
+                                          <p:spTgt spid="77"/>
+                                        </p:tgtEl>
+                                        <p:attrNameLst>
+                                          <p:attrName>style.visibility</p:attrName>
+                                        </p:attrNameLst>
+                                      </p:cBhvr>
+                                      <p:to>
+                                        <p:strVal val="visible"/>
+                                      </p:to>
+                                    </p:set>
+                                    <p:animEffect transition="in" filter="fade">
+                                      <p:cBhvr>
+                                        <p:cTn id="93" dur="500"/>
+                                        <p:tgtEl>
+                                          <p:spTgt spid="77"/>
+                                        </p:tgtEl>
+                                      </p:cBhvr>
+                                    </p:animEffect>
+                                  </p:childTnLst>
+                                </p:cTn>
+                              </p:par>
+                              <p:par>
+                                <p:cTn id="94" presetID="10" presetClass="entr" presetSubtype="0" fill="hold" grpId="0" nodeType="withEffect">
+                                  <p:stCondLst>
+                                    <p:cond delay="0"/>
+                                  </p:stCondLst>
+                                  <p:childTnLst>
+                                    <p:set>
+                                      <p:cBhvr>
+                                        <p:cTn id="95" dur="1" fill="hold">
+                                          <p:stCondLst>
+                                            <p:cond delay="0"/>
+                                          </p:stCondLst>
+                                        </p:cTn>
+                                        <p:tgtEl>
+                                          <p:spTgt spid="72"/>
+                                        </p:tgtEl>
+                                        <p:attrNameLst>
+                                          <p:attrName>style.visibility</p:attrName>
+                                        </p:attrNameLst>
+                                      </p:cBhvr>
+                                      <p:to>
+                                        <p:strVal val="visible"/>
+                                      </p:to>
+                                    </p:set>
+                                    <p:animEffect transition="in" filter="fade">
+                                      <p:cBhvr>
+                                        <p:cTn id="96" dur="500"/>
+                                        <p:tgtEl>
+                                          <p:spTgt spid="72"/>
+                                        </p:tgtEl>
+                                      </p:cBhvr>
+                                    </p:animEffect>
+                                  </p:childTnLst>
+                                </p:cTn>
+                              </p:par>
+                              <p:par>
+                                <p:cTn id="97" presetID="10" presetClass="entr" presetSubtype="0" fill="hold" nodeType="withEffect">
+                                  <p:stCondLst>
+                                    <p:cond delay="0"/>
+                                  </p:stCondLst>
+                                  <p:childTnLst>
+                                    <p:set>
+                                      <p:cBhvr>
+                                        <p:cTn id="98" dur="1" fill="hold">
+                                          <p:stCondLst>
+                                            <p:cond delay="0"/>
+                                          </p:stCondLst>
+                                        </p:cTn>
+                                        <p:tgtEl>
+                                          <p:spTgt spid="73"/>
+                                        </p:tgtEl>
+                                        <p:attrNameLst>
+                                          <p:attrName>style.visibility</p:attrName>
+                                        </p:attrNameLst>
+                                      </p:cBhvr>
+                                      <p:to>
+                                        <p:strVal val="visible"/>
+                                      </p:to>
+                                    </p:set>
+                                    <p:animEffect transition="in" filter="fade">
+                                      <p:cBhvr>
+                                        <p:cTn id="99" dur="500"/>
+                                        <p:tgtEl>
+                                          <p:spTgt spid="73"/>
+                                        </p:tgtEl>
+                                      </p:cBhvr>
+                                    </p:animEffect>
+                                  </p:childTnLst>
+                                </p:cTn>
+                              </p:par>
+                              <p:par>
+                                <p:cTn id="100" presetID="10" presetClass="entr" presetSubtype="0" fill="hold" nodeType="withEffect">
+                                  <p:stCondLst>
+                                    <p:cond delay="0"/>
+                                  </p:stCondLst>
+                                  <p:childTnLst>
+                                    <p:set>
+                                      <p:cBhvr>
+                                        <p:cTn id="101" dur="1" fill="hold">
+                                          <p:stCondLst>
+                                            <p:cond delay="0"/>
+                                          </p:stCondLst>
+                                        </p:cTn>
+                                        <p:tgtEl>
+                                          <p:spTgt spid="75"/>
+                                        </p:tgtEl>
+                                        <p:attrNameLst>
+                                          <p:attrName>style.visibility</p:attrName>
+                                        </p:attrNameLst>
+                                      </p:cBhvr>
+                                      <p:to>
+                                        <p:strVal val="visible"/>
+                                      </p:to>
+                                    </p:set>
+                                    <p:animEffect transition="in" filter="fade">
+                                      <p:cBhvr>
+                                        <p:cTn id="102" dur="500"/>
+                                        <p:tgtEl>
+                                          <p:spTgt spid="75"/>
+                                        </p:tgtEl>
+                                      </p:cBhvr>
+                                    </p:animEffect>
+                                  </p:childTnLst>
+                                </p:cTn>
+                              </p:par>
+                              <p:par>
+                                <p:cTn id="103" presetID="10" presetClass="entr" presetSubtype="0" fill="hold" grpId="0" nodeType="withEffect">
+                                  <p:stCondLst>
+                                    <p:cond delay="0"/>
+                                  </p:stCondLst>
+                                  <p:childTnLst>
+                                    <p:set>
+                                      <p:cBhvr>
+                                        <p:cTn id="104" dur="1" fill="hold">
+                                          <p:stCondLst>
+                                            <p:cond delay="0"/>
+                                          </p:stCondLst>
+                                        </p:cTn>
+                                        <p:tgtEl>
+                                          <p:spTgt spid="74"/>
+                                        </p:tgtEl>
+                                        <p:attrNameLst>
+                                          <p:attrName>style.visibility</p:attrName>
+                                        </p:attrNameLst>
+                                      </p:cBhvr>
+                                      <p:to>
+                                        <p:strVal val="visible"/>
+                                      </p:to>
+                                    </p:set>
+                                    <p:animEffect transition="in" filter="fade">
+                                      <p:cBhvr>
+                                        <p:cTn id="105" dur="500"/>
+                                        <p:tgtEl>
+                                          <p:spTgt spid="74"/>
+                                        </p:tgtEl>
+                                      </p:cBhvr>
+                                    </p:animEffect>
+                                  </p:childTnLst>
+                                </p:cTn>
+                              </p:par>
+                            </p:childTnLst>
+                          </p:cTn>
+                        </p:par>
+                      </p:childTnLst>
+                    </p:cTn>
+                  </p:par>
+                </p:childTnLst>
+              </p:cTn>
+              <p:prevCondLst>
+                <p:cond evt="onPrev" delay="0">
+                  <p:tgtEl>
+                    <p:sldTgt/>
+                  </p:tgtEl>
+                </p:cond>
+              </p:prevCondLst>
+              <p:nextCondLst>
+                <p:cond evt="onNext" delay="0">
+                  <p:tgtEl>
+                    <p:sldTgt/>
+                  </p:tgtEl>
+                </p:cond>
+              </p:nextCondLst>
+            </p:seq>
+          </p:childTnLst>
+        </p:cTn>
+      </p:par>
+    </p:tnLst>
+    <p:bldLst>
+      <p:bldP spid="53" grpId="0" animBg="1"/>
+      <p:bldP spid="54" grpId="0" animBg="1"/>
+      <p:bldP spid="55" grpId="0" animBg="1"/>
+      <p:bldP spid="56" grpId="0" animBg="1"/>
+      <p:bldP spid="57" grpId="0" animBg="1"/>
+      <p:bldP spid="58" grpId="0" animBg="1"/>
+      <p:bldP spid="59" grpId="0" animBg="1"/>
+      <p:bldP spid="63" grpId="0" animBg="1"/>
+      <p:bldP spid="65" grpId="0"/>
+      <p:bldP spid="68" grpId="0" animBg="1"/>
+      <p:bldP spid="72" grpId="0" animBg="1"/>
+      <p:bldP spid="74" grpId="0" animBg="1"/>
+      <p:bldP spid="76" grpId="0" animBg="1"/>
+    </p:bldLst>
+  </p:timing>
+</p:sld>
+</file>
+
+<file path=ppt/slides/slide6.xml><?xml version="1.0" encoding="utf-8"?>
+<p:sld xmlns:a="http://schemas.openxmlformats.org/drawingml/2006/main" xmlns:r="http://schemas.openxmlformats.org/officeDocument/2006/relationships" xmlns:p="http://schemas.openxmlformats.org/presentationml/2006/main">
+  <p:cSld>
+    <p:bg>
+      <p:bgPr>
+        <a:blipFill dpi="0" rotWithShape="1">
+          <a:blip r:embed="rId2">
+            <a:lum/>
+          </a:blip>
+          <a:srcRect/>
+          <a:stretch>
+            <a:fillRect/>
+          </a:stretch>
+        </a:blipFill>
+        <a:effectLst/>
+      </p:bgPr>
+    </p:bg>
+    <p:spTree>
+      <p:nvGrpSpPr>
+        <p:cNvPr id="1" name=""/>
+        <p:cNvGrpSpPr/>
+        <p:nvPr/>
+      </p:nvGrpSpPr>
+      <p:grpSpPr>
+        <a:xfrm>
+          <a:off x="0" y="0"/>
+          <a:ext cx="0" cy="0"/>
+          <a:chOff x="0" y="0"/>
+          <a:chExt cx="0" cy="0"/>
+        </a:xfrm>
+      </p:grpSpPr>
+      <p:sp>
+        <p:nvSpPr>
+          <p:cNvPr id="2" name="Title 1">
+            <a:extLst>
+              <a:ext uri="{FF2B5EF4-FFF2-40B4-BE49-F238E27FC236}">
+                <a16:creationId xmlns:a16="http://schemas.microsoft.com/office/drawing/2014/main" id="{55E11F08-6CA0-48F1-AD67-97430DDA07F0}"/>
+              </a:ext>
+            </a:extLst>
+          </p:cNvPr>
+          <p:cNvSpPr>
+            <a:spLocks noGrp="1"/>
+          </p:cNvSpPr>
+          <p:nvPr>
+            <p:ph type="title"/>
+          </p:nvPr>
+        </p:nvSpPr>
+        <p:spPr/>
+        <p:txBody>
+          <a:bodyPr/>
+          <a:lstStyle/>
+          <a:p>
+            <a:r>
+              <a:rPr lang="en-US" b="1" dirty="0">
+                <a:solidFill>
+                  <a:srgbClr val="292D33"/>
+                </a:solidFill>
+                <a:latin typeface="Euclid Circular B" panose="020B0504000000000000" pitchFamily="34" charset="0"/>
+                <a:ea typeface="Euclid Circular B" panose="020B0504000000000000" pitchFamily="34" charset="0"/>
+              </a:rPr>
+              <a:t>Topic title</a:t>
+            </a:r>
+          </a:p>
+        </p:txBody>
+      </p:sp>
+      <p:sp>
+        <p:nvSpPr>
+          <p:cNvPr id="3" name="Content Placeholder 2">
+            <a:extLst>
+              <a:ext uri="{FF2B5EF4-FFF2-40B4-BE49-F238E27FC236}">
+                <a16:creationId xmlns:a16="http://schemas.microsoft.com/office/drawing/2014/main" id="{891C7693-D3DF-4635-96F4-97F3B4136FDF}"/>
+              </a:ext>
+            </a:extLst>
+          </p:cNvPr>
+          <p:cNvSpPr>
+            <a:spLocks noGrp="1"/>
+          </p:cNvSpPr>
+          <p:nvPr>
+            <p:ph idx="1"/>
+          </p:nvPr>
+        </p:nvSpPr>
+        <p:spPr/>
+        <p:txBody>
+          <a:bodyPr/>
+          <a:lstStyle/>
+          <a:p>
+            <a:r>
+              <a:rPr lang="en-US" dirty="0">
+                <a:latin typeface="Euclid Circular B" panose="020B0504000000000000" pitchFamily="34" charset="0"/>
+                <a:ea typeface="Euclid Circular B" panose="020B0504000000000000" pitchFamily="34" charset="0"/>
+              </a:rPr>
+              <a:t>Content</a:t>
+            </a:r>
+          </a:p>
+        </p:txBody>
+      </p:sp>
+    </p:spTree>
+    <p:extLst>
+      <p:ext uri="{BB962C8B-B14F-4D97-AF65-F5344CB8AC3E}">
+        <p14:creationId xmlns:p14="http://schemas.microsoft.com/office/powerpoint/2010/main" val="1574806973"/>
+      </p:ext>
+    </p:extLst>
+  </p:cSld>
+  <p:clrMapOvr>
+    <a:masterClrMapping/>
+  </p:clrMapOvr>
+</p:sld>
+</file>
+
+<file path=ppt/slides/slide7.xml><?xml version="1.0" encoding="utf-8"?>
+<p:sld xmlns:a="http://schemas.openxmlformats.org/drawingml/2006/main" xmlns:r="http://schemas.openxmlformats.org/officeDocument/2006/relationships" xmlns:p="http://schemas.openxmlformats.org/presentationml/2006/main">
+  <p:cSld>
+    <p:bg>
+      <p:bgPr>
+        <a:blipFill dpi="0" rotWithShape="1">
+          <a:blip r:embed="rId2">
+            <a:lum/>
+          </a:blip>
+          <a:srcRect/>
+          <a:stretch>
+            <a:fillRect/>
+          </a:stretch>
+        </a:blipFill>
+        <a:effectLst/>
+      </p:bgPr>
+    </p:bg>
+    <p:spTree>
+      <p:nvGrpSpPr>
+        <p:cNvPr id="1" name=""/>
+        <p:cNvGrpSpPr/>
+        <p:nvPr/>
+      </p:nvGrpSpPr>
+      <p:grpSpPr>
+        <a:xfrm>
+          <a:off x="0" y="0"/>
+          <a:ext cx="0" cy="0"/>
+          <a:chOff x="0" y="0"/>
+          <a:chExt cx="0" cy="0"/>
+        </a:xfrm>
+      </p:grpSpPr>
+      <p:sp>
+        <p:nvSpPr>
+          <p:cNvPr id="2" name="Title 1">
+            <a:extLst>
+              <a:ext uri="{FF2B5EF4-FFF2-40B4-BE49-F238E27FC236}">
+                <a16:creationId xmlns:a16="http://schemas.microsoft.com/office/drawing/2014/main" id="{55E11F08-6CA0-48F1-AD67-97430DDA07F0}"/>
+              </a:ext>
+            </a:extLst>
+          </p:cNvPr>
+          <p:cNvSpPr>
+            <a:spLocks noGrp="1"/>
+          </p:cNvSpPr>
+          <p:nvPr>
+            <p:ph type="title"/>
+          </p:nvPr>
+        </p:nvSpPr>
+        <p:spPr/>
+        <p:txBody>
+          <a:bodyPr/>
+          <a:lstStyle/>
+          <a:p>
+            <a:r>
+              <a:rPr lang="en-US" b="1" dirty="0">
+                <a:solidFill>
+                  <a:srgbClr val="292D33"/>
+                </a:solidFill>
+                <a:latin typeface="Euclid Circular B" panose="020B0504000000000000" pitchFamily="34" charset="0"/>
+                <a:ea typeface="Euclid Circular B" panose="020B0504000000000000" pitchFamily="34" charset="0"/>
+              </a:rPr>
+              <a:t>Topic title</a:t>
+            </a:r>
+          </a:p>
+        </p:txBody>
+      </p:sp>
+      <p:sp>
+        <p:nvSpPr>
+          <p:cNvPr id="3" name="Content Placeholder 2">
+            <a:extLst>
+              <a:ext uri="{FF2B5EF4-FFF2-40B4-BE49-F238E27FC236}">
+                <a16:creationId xmlns:a16="http://schemas.microsoft.com/office/drawing/2014/main" id="{891C7693-D3DF-4635-96F4-97F3B4136FDF}"/>
+              </a:ext>
+            </a:extLst>
+          </p:cNvPr>
+          <p:cNvSpPr>
+            <a:spLocks noGrp="1"/>
+          </p:cNvSpPr>
+          <p:nvPr>
+            <p:ph idx="1"/>
+          </p:nvPr>
+        </p:nvSpPr>
+        <p:spPr/>
+        <p:txBody>
+          <a:bodyPr/>
+          <a:lstStyle/>
+          <a:p>
+            <a:r>
+              <a:rPr lang="en-US" dirty="0">
+                <a:latin typeface="Euclid Circular B" panose="020B0504000000000000" pitchFamily="34" charset="0"/>
+                <a:ea typeface="Euclid Circular B" panose="020B0504000000000000" pitchFamily="34" charset="0"/>
+              </a:rPr>
+              <a:t>Content</a:t>
+            </a:r>
+          </a:p>
+        </p:txBody>
+      </p:sp>
+    </p:spTree>
+    <p:extLst>
+      <p:ext uri="{BB962C8B-B14F-4D97-AF65-F5344CB8AC3E}">
+        <p14:creationId xmlns:p14="http://schemas.microsoft.com/office/powerpoint/2010/main" val="312526726"/>
+      </p:ext>
+    </p:extLst>
+  </p:cSld>
+  <p:clrMapOvr>
+    <a:masterClrMapping/>
+  </p:clrMapOvr>
+</p:sld>
+</file>
+
+<file path=ppt/slides/slide8.xml><?xml version="1.0" encoding="utf-8"?>
+<p:sld xmlns:a="http://schemas.openxmlformats.org/drawingml/2006/main" xmlns:r="http://schemas.openxmlformats.org/officeDocument/2006/relationships" xmlns:p="http://schemas.openxmlformats.org/presentationml/2006/main">
+  <p:cSld>
+    <p:bg>
+      <p:bgPr>
+        <a:blipFill dpi="0" rotWithShape="1">
+          <a:blip r:embed="rId2">
+            <a:lum/>
+          </a:blip>
+          <a:srcRect/>
+          <a:stretch>
+            <a:fillRect/>
+          </a:stretch>
+        </a:blipFill>
+        <a:effectLst/>
+      </p:bgPr>
+    </p:bg>
+    <p:spTree>
+      <p:nvGrpSpPr>
+        <p:cNvPr id="1" name=""/>
+        <p:cNvGrpSpPr/>
+        <p:nvPr/>
+      </p:nvGrpSpPr>
+      <p:grpSpPr>
+        <a:xfrm>
+          <a:off x="0" y="0"/>
+          <a:ext cx="0" cy="0"/>
+          <a:chOff x="0" y="0"/>
+          <a:chExt cx="0" cy="0"/>
+        </a:xfrm>
+      </p:grpSpPr>
+      <p:sp>
+        <p:nvSpPr>
+          <p:cNvPr id="2" name="Title 1">
+            <a:extLst>
+              <a:ext uri="{FF2B5EF4-FFF2-40B4-BE49-F238E27FC236}">
+                <a16:creationId xmlns:a16="http://schemas.microsoft.com/office/drawing/2014/main" id="{55E11F08-6CA0-48F1-AD67-97430DDA07F0}"/>
+              </a:ext>
+            </a:extLst>
+          </p:cNvPr>
+          <p:cNvSpPr>
+            <a:spLocks noGrp="1"/>
+          </p:cNvSpPr>
+          <p:nvPr>
+            <p:ph type="title"/>
+          </p:nvPr>
+        </p:nvSpPr>
+        <p:spPr/>
+        <p:txBody>
+          <a:bodyPr/>
+          <a:lstStyle/>
+          <a:p>
+            <a:r>
+              <a:rPr lang="en-US" b="1" dirty="0">
+                <a:solidFill>
+                  <a:srgbClr val="292D33"/>
+                </a:solidFill>
+                <a:latin typeface="Euclid Circular B" panose="020B0504000000000000" pitchFamily="34" charset="0"/>
+                <a:ea typeface="Euclid Circular B" panose="020B0504000000000000" pitchFamily="34" charset="0"/>
+              </a:rPr>
+              <a:t>Topic title</a:t>
+            </a:r>
+          </a:p>
+        </p:txBody>
+      </p:sp>
+      <p:sp>
+        <p:nvSpPr>
+          <p:cNvPr id="3" name="Content Placeholder 2">
+            <a:extLst>
+              <a:ext uri="{FF2B5EF4-FFF2-40B4-BE49-F238E27FC236}">
+                <a16:creationId xmlns:a16="http://schemas.microsoft.com/office/drawing/2014/main" id="{891C7693-D3DF-4635-96F4-97F3B4136FDF}"/>
+              </a:ext>
+            </a:extLst>
+          </p:cNvPr>
+          <p:cNvSpPr>
+            <a:spLocks noGrp="1"/>
+          </p:cNvSpPr>
+          <p:nvPr>
+            <p:ph idx="1"/>
+          </p:nvPr>
+        </p:nvSpPr>
+        <p:spPr/>
+        <p:txBody>
+          <a:bodyPr/>
+          <a:lstStyle/>
+          <a:p>
+            <a:r>
+              <a:rPr lang="en-US" dirty="0">
+                <a:latin typeface="Euclid Circular B" panose="020B0504000000000000" pitchFamily="34" charset="0"/>
+                <a:ea typeface="Euclid Circular B" panose="020B0504000000000000" pitchFamily="34" charset="0"/>
+              </a:rPr>
+              <a:t>Content</a:t>
+            </a:r>
+          </a:p>
+        </p:txBody>
+      </p:sp>
+    </p:spTree>
+    <p:extLst>
+      <p:ext uri="{BB962C8B-B14F-4D97-AF65-F5344CB8AC3E}">
+        <p14:creationId xmlns:p14="http://schemas.microsoft.com/office/powerpoint/2010/main" val="2741227699"/>
+      </p:ext>
+    </p:extLst>
+  </p:cSld>
+  <p:clrMapOvr>
+    <a:masterClrMapping/>
+  </p:clrMapOvr>
+</p:sld>
+</file>
+
+<file path=ppt/slides/slide9.xml><?xml version="1.0" encoding="utf-8"?>
+<p:sld xmlns:a="http://schemas.openxmlformats.org/drawingml/2006/main" xmlns:r="http://schemas.openxmlformats.org/officeDocument/2006/relationships" xmlns:p="http://schemas.openxmlformats.org/presentationml/2006/main">
+  <p:cSld>
+    <p:bg>
+      <p:bgPr>
+        <a:blipFill dpi="0" rotWithShape="1">
+          <a:blip r:embed="rId2">
+            <a:lum/>
+          </a:blip>
+          <a:srcRect/>
+          <a:stretch>
+            <a:fillRect/>
+          </a:stretch>
+        </a:blipFill>
+        <a:effectLst/>
+      </p:bgPr>
+    </p:bg>
+    <p:spTree>
+      <p:nvGrpSpPr>
+        <p:cNvPr id="1" name=""/>
+        <p:cNvGrpSpPr/>
+        <p:nvPr/>
+      </p:nvGrpSpPr>
+      <p:grpSpPr>
+        <a:xfrm>
+          <a:off x="0" y="0"/>
+          <a:ext cx="0" cy="0"/>
+          <a:chOff x="0" y="0"/>
+          <a:chExt cx="0" cy="0"/>
+        </a:xfrm>
+      </p:grpSpPr>
+      <p:sp>
+        <p:nvSpPr>
+          <p:cNvPr id="2" name="Title 1">
+            <a:extLst>
+              <a:ext uri="{FF2B5EF4-FFF2-40B4-BE49-F238E27FC236}">
+                <a16:creationId xmlns:a16="http://schemas.microsoft.com/office/drawing/2014/main" id="{55E11F08-6CA0-48F1-AD67-97430DDA07F0}"/>
+              </a:ext>
+            </a:extLst>
+          </p:cNvPr>
+          <p:cNvSpPr>
+            <a:spLocks noGrp="1"/>
+          </p:cNvSpPr>
+          <p:nvPr>
+            <p:ph type="title"/>
+          </p:nvPr>
+        </p:nvSpPr>
+        <p:spPr/>
+        <p:txBody>
+          <a:bodyPr/>
+          <a:lstStyle/>
+          <a:p>
+            <a:r>
+              <a:rPr lang="en-US" b="1" dirty="0">
+                <a:solidFill>
+                  <a:srgbClr val="292D33"/>
+                </a:solidFill>
+                <a:latin typeface="Euclid Circular B" panose="020B0504000000000000" pitchFamily="34" charset="0"/>
+                <a:ea typeface="Euclid Circular B" panose="020B0504000000000000" pitchFamily="34" charset="0"/>
+              </a:rPr>
+              <a:t>Topic title</a:t>
+            </a:r>
+          </a:p>
+        </p:txBody>
+      </p:sp>
+      <p:sp>
+        <p:nvSpPr>
+          <p:cNvPr id="3" name="Content Placeholder 2">
+            <a:extLst>
+              <a:ext uri="{FF2B5EF4-FFF2-40B4-BE49-F238E27FC236}">
+                <a16:creationId xmlns:a16="http://schemas.microsoft.com/office/drawing/2014/main" id="{891C7693-D3DF-4635-96F4-97F3B4136FDF}"/>
+              </a:ext>
+            </a:extLst>
+          </p:cNvPr>
+          <p:cNvSpPr>
+            <a:spLocks noGrp="1"/>
+          </p:cNvSpPr>
+          <p:nvPr>
+            <p:ph idx="1"/>
+          </p:nvPr>
+        </p:nvSpPr>
+        <p:spPr/>
+        <p:txBody>
+          <a:bodyPr/>
+          <a:lstStyle/>
+          <a:p>
+            <a:r>
+              <a:rPr lang="en-US" dirty="0">
+                <a:latin typeface="Euclid Circular B" panose="020B0504000000000000" pitchFamily="34" charset="0"/>
+                <a:ea typeface="Euclid Circular B" panose="020B0504000000000000" pitchFamily="34" charset="0"/>
+              </a:rPr>
+              <a:t>Content</a:t>
+            </a:r>
+          </a:p>
+        </p:txBody>
+      </p:sp>
+    </p:spTree>
+    <p:extLst>
+      <p:ext uri="{BB962C8B-B14F-4D97-AF65-F5344CB8AC3E}">
+        <p14:creationId xmlns:p14="http://schemas.microsoft.com/office/powerpoint/2010/main" val="2051334138"/>
       </p:ext>
     </p:extLst>
   </p:cSld>

--- a/2023-05-10 ABP Conf 2023 Developing with Kubernetes/Developing with Kubernetes.pptx
+++ b/2023-05-10 ABP Conf 2023 Developing with Kubernetes/Developing with Kubernetes.pptx
@@ -292,7 +292,7 @@
           <a:p>
             <a:fld id="{2A14C9FE-EBC3-45D3-899C-58AAF4F8AF71}" type="datetimeFigureOut">
               <a:rPr lang="en-US" smtClean="0"/>
-              <a:t>4/19/2023</a:t>
+              <a:t>4/20/2023</a:t>
             </a:fld>
             <a:endParaRPr lang="en-US"/>
           </a:p>
@@ -490,7 +490,7 @@
           <a:p>
             <a:fld id="{2A14C9FE-EBC3-45D3-899C-58AAF4F8AF71}" type="datetimeFigureOut">
               <a:rPr lang="en-US" smtClean="0"/>
-              <a:t>4/19/2023</a:t>
+              <a:t>4/20/2023</a:t>
             </a:fld>
             <a:endParaRPr lang="en-US"/>
           </a:p>
@@ -698,7 +698,7 @@
           <a:p>
             <a:fld id="{2A14C9FE-EBC3-45D3-899C-58AAF4F8AF71}" type="datetimeFigureOut">
               <a:rPr lang="en-US" smtClean="0"/>
-              <a:t>4/19/2023</a:t>
+              <a:t>4/20/2023</a:t>
             </a:fld>
             <a:endParaRPr lang="en-US"/>
           </a:p>
@@ -896,7 +896,7 @@
           <a:p>
             <a:fld id="{2A14C9FE-EBC3-45D3-899C-58AAF4F8AF71}" type="datetimeFigureOut">
               <a:rPr lang="en-US" smtClean="0"/>
-              <a:t>4/19/2023</a:t>
+              <a:t>4/20/2023</a:t>
             </a:fld>
             <a:endParaRPr lang="en-US"/>
           </a:p>
@@ -1171,7 +1171,7 @@
           <a:p>
             <a:fld id="{2A14C9FE-EBC3-45D3-899C-58AAF4F8AF71}" type="datetimeFigureOut">
               <a:rPr lang="en-US" smtClean="0"/>
-              <a:t>4/19/2023</a:t>
+              <a:t>4/20/2023</a:t>
             </a:fld>
             <a:endParaRPr lang="en-US"/>
           </a:p>
@@ -1436,7 +1436,7 @@
           <a:p>
             <a:fld id="{2A14C9FE-EBC3-45D3-899C-58AAF4F8AF71}" type="datetimeFigureOut">
               <a:rPr lang="en-US" smtClean="0"/>
-              <a:t>4/19/2023</a:t>
+              <a:t>4/20/2023</a:t>
             </a:fld>
             <a:endParaRPr lang="en-US"/>
           </a:p>
@@ -1848,7 +1848,7 @@
           <a:p>
             <a:fld id="{2A14C9FE-EBC3-45D3-899C-58AAF4F8AF71}" type="datetimeFigureOut">
               <a:rPr lang="en-US" smtClean="0"/>
-              <a:t>4/19/2023</a:t>
+              <a:t>4/20/2023</a:t>
             </a:fld>
             <a:endParaRPr lang="en-US"/>
           </a:p>
@@ -1989,7 +1989,7 @@
           <a:p>
             <a:fld id="{2A14C9FE-EBC3-45D3-899C-58AAF4F8AF71}" type="datetimeFigureOut">
               <a:rPr lang="en-US" smtClean="0"/>
-              <a:t>4/19/2023</a:t>
+              <a:t>4/20/2023</a:t>
             </a:fld>
             <a:endParaRPr lang="en-US"/>
           </a:p>
@@ -2102,7 +2102,7 @@
           <a:p>
             <a:fld id="{2A14C9FE-EBC3-45D3-899C-58AAF4F8AF71}" type="datetimeFigureOut">
               <a:rPr lang="en-US" smtClean="0"/>
-              <a:t>4/19/2023</a:t>
+              <a:t>4/20/2023</a:t>
             </a:fld>
             <a:endParaRPr lang="en-US"/>
           </a:p>
@@ -2413,7 +2413,7 @@
           <a:p>
             <a:fld id="{2A14C9FE-EBC3-45D3-899C-58AAF4F8AF71}" type="datetimeFigureOut">
               <a:rPr lang="en-US" smtClean="0"/>
-              <a:t>4/19/2023</a:t>
+              <a:t>4/20/2023</a:t>
             </a:fld>
             <a:endParaRPr lang="en-US"/>
           </a:p>
@@ -2701,7 +2701,7 @@
           <a:p>
             <a:fld id="{2A14C9FE-EBC3-45D3-899C-58AAF4F8AF71}" type="datetimeFigureOut">
               <a:rPr lang="en-US" smtClean="0"/>
-              <a:t>4/19/2023</a:t>
+              <a:t>4/20/2023</a:t>
             </a:fld>
             <a:endParaRPr lang="en-US"/>
           </a:p>
@@ -2942,7 +2942,7 @@
           <a:p>
             <a:fld id="{2A14C9FE-EBC3-45D3-899C-58AAF4F8AF71}" type="datetimeFigureOut">
               <a:rPr lang="en-US" smtClean="0"/>
-              <a:t>4/19/2023</a:t>
+              <a:t>4/20/2023</a:t>
             </a:fld>
             <a:endParaRPr lang="en-US"/>
           </a:p>
@@ -3404,26 +3404,7 @@
                 <a:latin typeface="Euclid Circular B" panose="020B0504000000000000" pitchFamily="34" charset="0"/>
                 <a:ea typeface="Euclid Circular B" panose="020B0504000000000000" pitchFamily="34" charset="0"/>
               </a:rPr>
-              <a:t>EFFICIENTLY DEVELOP</a:t>
-            </a:r>
-            <a:br>
-              <a:rPr lang="tr-TR" sz="4000" b="1" dirty="0">
-                <a:solidFill>
-                  <a:srgbClr val="292D33"/>
-                </a:solidFill>
-                <a:latin typeface="Euclid Circular B" panose="020B0504000000000000" pitchFamily="34" charset="0"/>
-                <a:ea typeface="Euclid Circular B" panose="020B0504000000000000" pitchFamily="34" charset="0"/>
-              </a:rPr>
-            </a:br>
-            <a:r>
-              <a:rPr lang="tr-TR" sz="4000" b="1" dirty="0">
-                <a:solidFill>
-                  <a:srgbClr val="292D33"/>
-                </a:solidFill>
-                <a:latin typeface="Euclid Circular B" panose="020B0504000000000000" pitchFamily="34" charset="0"/>
-                <a:ea typeface="Euclid Circular B" panose="020B0504000000000000" pitchFamily="34" charset="0"/>
-              </a:rPr>
-              <a:t>MICROSERVICES IN KUBERNETES</a:t>
+              <a:t>EFFICIENTLY INTEGRATE KUBERNETES TO YOUR DEVELOPMENT ENVIRONMENT</a:t>
             </a:r>
             <a:endParaRPr lang="en-US" sz="4000" b="1" dirty="0">
               <a:solidFill>
@@ -3465,7 +3446,20 @@
               </a:rPr>
               <a:t>Halil İbrahim Kalkan</a:t>
             </a:r>
-            <a:endParaRPr lang="en-US" sz="2800" dirty="0">
+            <a:br>
+              <a:rPr lang="tr-TR" sz="2800" dirty="0">
+                <a:latin typeface="Euclid Circular B" panose="020B0504000000000000" pitchFamily="34" charset="0"/>
+                <a:ea typeface="Euclid Circular B" panose="020B0504000000000000" pitchFamily="34" charset="0"/>
+              </a:rPr>
+            </a:br>
+            <a:r>
+              <a:rPr lang="tr-TR" i="1" dirty="0">
+                <a:latin typeface="Euclid Circular B" panose="020B0504000000000000" pitchFamily="34" charset="0"/>
+                <a:ea typeface="Euclid Circular B" panose="020B0504000000000000" pitchFamily="34" charset="0"/>
+              </a:rPr>
+              <a:t>Volosoft</a:t>
+            </a:r>
+            <a:endParaRPr lang="en-US" sz="2800" i="1" dirty="0">
               <a:latin typeface="Euclid Circular B" panose="020B0504000000000000" pitchFamily="34" charset="0"/>
               <a:ea typeface="Euclid Circular B" panose="020B0504000000000000" pitchFamily="34" charset="0"/>
             </a:endParaRPr>
@@ -4628,14 +4622,14 @@
           <a:lstStyle/>
           <a:p>
             <a:r>
-              <a:rPr lang="tr-TR" b="1" dirty="0">
+              <a:rPr lang="en-US" sz="4400" b="1" dirty="0">
                 <a:solidFill>
                   <a:srgbClr val="292D33"/>
                 </a:solidFill>
                 <a:latin typeface="Euclid Circular B" panose="020B0504000000000000" pitchFamily="34" charset="0"/>
                 <a:ea typeface="Euclid Circular B" panose="020B0504000000000000" pitchFamily="34" charset="0"/>
               </a:rPr>
-              <a:t>About me, ABP and Volosoft</a:t>
+              <a:t>About Me: Halil İbrahim Kalkan</a:t>
             </a:r>
             <a:endParaRPr lang="en-US" b="1" dirty="0">
               <a:solidFill>
@@ -4647,41 +4641,470 @@
           </a:p>
         </p:txBody>
       </p:sp>
-      <p:sp>
-        <p:nvSpPr>
-          <p:cNvPr id="3" name="Content Placeholder 2">
-            <a:extLst>
-              <a:ext uri="{FF2B5EF4-FFF2-40B4-BE49-F238E27FC236}">
-                <a16:creationId xmlns:a16="http://schemas.microsoft.com/office/drawing/2014/main" id="{891C7693-D3DF-4635-96F4-97F3B4136FDF}"/>
-              </a:ext>
-            </a:extLst>
-          </p:cNvPr>
-          <p:cNvSpPr>
-            <a:spLocks noGrp="1"/>
-          </p:cNvSpPr>
-          <p:nvPr>
-            <p:ph idx="1"/>
-          </p:nvPr>
-        </p:nvSpPr>
-        <p:spPr/>
-        <p:txBody>
-          <a:bodyPr/>
-          <a:lstStyle/>
-          <a:p>
-            <a:r>
-              <a:rPr lang="tr-TR" dirty="0">
-                <a:latin typeface="Euclid Circular B" panose="020B0504000000000000" pitchFamily="34" charset="0"/>
-                <a:ea typeface="Euclid Circular B" panose="020B0504000000000000" pitchFamily="34" charset="0"/>
-              </a:rPr>
-              <a:t>TODO...</a:t>
-            </a:r>
-            <a:endParaRPr lang="en-US" dirty="0">
-              <a:latin typeface="Euclid Circular B" panose="020B0504000000000000" pitchFamily="34" charset="0"/>
-              <a:ea typeface="Euclid Circular B" panose="020B0504000000000000" pitchFamily="34" charset="0"/>
-            </a:endParaRPr>
-          </a:p>
-        </p:txBody>
-      </p:sp>
+      <p:pic>
+        <p:nvPicPr>
+          <p:cNvPr id="6" name="Picture 5" descr="Logo&#10;&#10;Description automatically generated">
+            <a:extLst>
+              <a:ext uri="{FF2B5EF4-FFF2-40B4-BE49-F238E27FC236}">
+                <a16:creationId xmlns:a16="http://schemas.microsoft.com/office/drawing/2014/main" id="{C7EA17F0-F0DC-E07D-55A4-19A837F82E29}"/>
+              </a:ext>
+            </a:extLst>
+          </p:cNvPr>
+          <p:cNvPicPr>
+            <a:picLocks noChangeAspect="1"/>
+          </p:cNvPicPr>
+          <p:nvPr/>
+        </p:nvPicPr>
+        <p:blipFill>
+          <a:blip r:embed="rId3">
+            <a:extLst>
+              <a:ext uri="{28A0092B-C50C-407E-A947-70E740481C1C}">
+                <a14:useLocalDpi xmlns:a14="http://schemas.microsoft.com/office/drawing/2010/main" val="0"/>
+              </a:ext>
+            </a:extLst>
+          </a:blip>
+          <a:stretch>
+            <a:fillRect/>
+          </a:stretch>
+        </p:blipFill>
+        <p:spPr>
+          <a:xfrm>
+            <a:off x="838200" y="3299202"/>
+            <a:ext cx="2349905" cy="574845"/>
+          </a:xfrm>
+          <a:prstGeom prst="rect">
+            <a:avLst/>
+          </a:prstGeom>
+        </p:spPr>
+      </p:pic>
+      <p:pic>
+        <p:nvPicPr>
+          <p:cNvPr id="7" name="Picture 6" descr="Shape&#10;&#10;Description automatically generated with low confidence">
+            <a:extLst>
+              <a:ext uri="{FF2B5EF4-FFF2-40B4-BE49-F238E27FC236}">
+                <a16:creationId xmlns:a16="http://schemas.microsoft.com/office/drawing/2014/main" id="{2F89AF3B-EBD2-0423-64F3-4822FFF0C3B7}"/>
+              </a:ext>
+            </a:extLst>
+          </p:cNvPr>
+          <p:cNvPicPr>
+            <a:picLocks noChangeAspect="1"/>
+          </p:cNvPicPr>
+          <p:nvPr/>
+        </p:nvPicPr>
+        <p:blipFill>
+          <a:blip r:embed="rId4">
+            <a:extLst>
+              <a:ext uri="{28A0092B-C50C-407E-A947-70E740481C1C}">
+                <a14:useLocalDpi xmlns:a14="http://schemas.microsoft.com/office/drawing/2010/main" val="0"/>
+              </a:ext>
+            </a:extLst>
+          </a:blip>
+          <a:stretch>
+            <a:fillRect/>
+          </a:stretch>
+        </p:blipFill>
+        <p:spPr>
+          <a:xfrm>
+            <a:off x="838200" y="1690688"/>
+            <a:ext cx="574845" cy="574845"/>
+          </a:xfrm>
+          <a:prstGeom prst="rect">
+            <a:avLst/>
+          </a:prstGeom>
+        </p:spPr>
+      </p:pic>
+      <p:pic>
+        <p:nvPicPr>
+          <p:cNvPr id="8" name="Picture 7" descr="Graphical user interface&#10;&#10;Description automatically generated">
+            <a:extLst>
+              <a:ext uri="{FF2B5EF4-FFF2-40B4-BE49-F238E27FC236}">
+                <a16:creationId xmlns:a16="http://schemas.microsoft.com/office/drawing/2014/main" id="{6FE70F93-F185-2114-3B33-2DBF0B0AD686}"/>
+              </a:ext>
+            </a:extLst>
+          </p:cNvPr>
+          <p:cNvPicPr>
+            <a:picLocks noChangeAspect="1"/>
+          </p:cNvPicPr>
+          <p:nvPr/>
+        </p:nvPicPr>
+        <p:blipFill>
+          <a:blip r:embed="rId5">
+            <a:extLst>
+              <a:ext uri="{28A0092B-C50C-407E-A947-70E740481C1C}">
+                <a14:useLocalDpi xmlns:a14="http://schemas.microsoft.com/office/drawing/2010/main" val="0"/>
+              </a:ext>
+            </a:extLst>
+          </a:blip>
+          <a:stretch>
+            <a:fillRect/>
+          </a:stretch>
+        </p:blipFill>
+        <p:spPr>
+          <a:xfrm>
+            <a:off x="842521" y="2445727"/>
+            <a:ext cx="570524" cy="570524"/>
+          </a:xfrm>
+          <a:prstGeom prst="rect">
+            <a:avLst/>
+          </a:prstGeom>
+        </p:spPr>
+      </p:pic>
+      <p:sp>
+        <p:nvSpPr>
+          <p:cNvPr id="9" name="TextBox 8">
+            <a:extLst>
+              <a:ext uri="{FF2B5EF4-FFF2-40B4-BE49-F238E27FC236}">
+                <a16:creationId xmlns:a16="http://schemas.microsoft.com/office/drawing/2014/main" id="{EDB6F50F-0ACE-B34B-9C4B-4C382BA9B8CA}"/>
+              </a:ext>
+            </a:extLst>
+          </p:cNvPr>
+          <p:cNvSpPr txBox="1"/>
+          <p:nvPr/>
+        </p:nvSpPr>
+        <p:spPr>
+          <a:xfrm>
+            <a:off x="1593619" y="1793444"/>
+            <a:ext cx="6294076" cy="369332"/>
+          </a:xfrm>
+          <a:prstGeom prst="rect">
+            <a:avLst/>
+          </a:prstGeom>
+          <a:noFill/>
+        </p:spPr>
+        <p:txBody>
+          <a:bodyPr wrap="square" rtlCol="0">
+            <a:spAutoFit/>
+          </a:bodyPr>
+          <a:lstStyle/>
+          <a:p>
+            <a:r>
+              <a:rPr lang="en-US" dirty="0"/>
+              <a:t>2007, Computer Engineering, </a:t>
+            </a:r>
+            <a:r>
+              <a:rPr lang="en-US" dirty="0" err="1"/>
+              <a:t>Sakarya</a:t>
+            </a:r>
+            <a:r>
+              <a:rPr lang="en-US" dirty="0"/>
+              <a:t> University</a:t>
+            </a:r>
+          </a:p>
+        </p:txBody>
+      </p:sp>
+      <p:sp>
+        <p:nvSpPr>
+          <p:cNvPr id="10" name="TextBox 9">
+            <a:extLst>
+              <a:ext uri="{FF2B5EF4-FFF2-40B4-BE49-F238E27FC236}">
+                <a16:creationId xmlns:a16="http://schemas.microsoft.com/office/drawing/2014/main" id="{2B22F27A-60ED-6AED-27F0-2AAEF61BE66E}"/>
+              </a:ext>
+            </a:extLst>
+          </p:cNvPr>
+          <p:cNvSpPr txBox="1"/>
+          <p:nvPr/>
+        </p:nvSpPr>
+        <p:spPr>
+          <a:xfrm>
+            <a:off x="1593618" y="2546323"/>
+            <a:ext cx="7264135" cy="369332"/>
+          </a:xfrm>
+          <a:prstGeom prst="rect">
+            <a:avLst/>
+          </a:prstGeom>
+          <a:noFill/>
+        </p:spPr>
+        <p:txBody>
+          <a:bodyPr wrap="square" rtlCol="0">
+            <a:spAutoFit/>
+          </a:bodyPr>
+          <a:lstStyle/>
+          <a:p>
+            <a:r>
+              <a:rPr lang="en-US" dirty="0"/>
+              <a:t>2007 - 2015: Software developer, software architect, team leader</a:t>
+            </a:r>
+          </a:p>
+        </p:txBody>
+      </p:sp>
+      <p:sp>
+        <p:nvSpPr>
+          <p:cNvPr id="11" name="TextBox 10">
+            <a:extLst>
+              <a:ext uri="{FF2B5EF4-FFF2-40B4-BE49-F238E27FC236}">
+                <a16:creationId xmlns:a16="http://schemas.microsoft.com/office/drawing/2014/main" id="{43FA7E45-FD16-64DE-F20B-CA75D30D3E9A}"/>
+              </a:ext>
+            </a:extLst>
+          </p:cNvPr>
+          <p:cNvSpPr txBox="1"/>
+          <p:nvPr/>
+        </p:nvSpPr>
+        <p:spPr>
+          <a:xfrm>
+            <a:off x="3399890" y="3401958"/>
+            <a:ext cx="5569182" cy="369332"/>
+          </a:xfrm>
+          <a:prstGeom prst="rect">
+            <a:avLst/>
+          </a:prstGeom>
+          <a:noFill/>
+        </p:spPr>
+        <p:txBody>
+          <a:bodyPr wrap="square" rtlCol="0">
+            <a:spAutoFit/>
+          </a:bodyPr>
+          <a:lstStyle/>
+          <a:p>
+            <a:r>
+              <a:rPr lang="en-US" dirty="0"/>
+              <a:t>2016 - ∞: Co-founder, software architect</a:t>
+            </a:r>
+          </a:p>
+        </p:txBody>
+      </p:sp>
+      <p:sp>
+        <p:nvSpPr>
+          <p:cNvPr id="12" name="TextBox 11">
+            <a:extLst>
+              <a:ext uri="{FF2B5EF4-FFF2-40B4-BE49-F238E27FC236}">
+                <a16:creationId xmlns:a16="http://schemas.microsoft.com/office/drawing/2014/main" id="{4CBAEA4F-0156-9F75-A256-C1E38BB23E5C}"/>
+              </a:ext>
+            </a:extLst>
+          </p:cNvPr>
+          <p:cNvSpPr txBox="1"/>
+          <p:nvPr/>
+        </p:nvSpPr>
+        <p:spPr>
+          <a:xfrm>
+            <a:off x="2703444" y="4239531"/>
+            <a:ext cx="6154310" cy="369332"/>
+          </a:xfrm>
+          <a:prstGeom prst="rect">
+            <a:avLst/>
+          </a:prstGeom>
+          <a:noFill/>
+        </p:spPr>
+        <p:txBody>
+          <a:bodyPr wrap="square" rtlCol="0">
+            <a:spAutoFit/>
+          </a:bodyPr>
+          <a:lstStyle/>
+          <a:p>
+            <a:r>
+              <a:rPr lang="en-US" dirty="0"/>
+              <a:t>2013 - ∞: Lead developer of the open source ABP Framework</a:t>
+            </a:r>
+          </a:p>
+        </p:txBody>
+      </p:sp>
+      <p:pic>
+        <p:nvPicPr>
+          <p:cNvPr id="13" name="Picture 12">
+            <a:extLst>
+              <a:ext uri="{FF2B5EF4-FFF2-40B4-BE49-F238E27FC236}">
+                <a16:creationId xmlns:a16="http://schemas.microsoft.com/office/drawing/2014/main" id="{7EDE0B14-485A-9ED9-8F61-00E6F7BB36A2}"/>
+              </a:ext>
+            </a:extLst>
+          </p:cNvPr>
+          <p:cNvPicPr>
+            <a:picLocks noChangeAspect="1"/>
+          </p:cNvPicPr>
+          <p:nvPr/>
+        </p:nvPicPr>
+        <p:blipFill>
+          <a:blip r:embed="rId6">
+            <a:extLst>
+              <a:ext uri="{28A0092B-C50C-407E-A947-70E740481C1C}">
+                <a14:useLocalDpi xmlns:a14="http://schemas.microsoft.com/office/drawing/2010/main" val="0"/>
+              </a:ext>
+            </a:extLst>
+          </a:blip>
+          <a:stretch>
+            <a:fillRect/>
+          </a:stretch>
+        </p:blipFill>
+        <p:spPr>
+          <a:xfrm>
+            <a:off x="838200" y="4907716"/>
+            <a:ext cx="570524" cy="570524"/>
+          </a:xfrm>
+          <a:prstGeom prst="rect">
+            <a:avLst/>
+          </a:prstGeom>
+        </p:spPr>
+      </p:pic>
+      <p:sp>
+        <p:nvSpPr>
+          <p:cNvPr id="14" name="TextBox 13">
+            <a:extLst>
+              <a:ext uri="{FF2B5EF4-FFF2-40B4-BE49-F238E27FC236}">
+                <a16:creationId xmlns:a16="http://schemas.microsoft.com/office/drawing/2014/main" id="{CF4DEBBC-8835-939C-11E7-3B30C54E9CE4}"/>
+              </a:ext>
+            </a:extLst>
+          </p:cNvPr>
+          <p:cNvSpPr txBox="1"/>
+          <p:nvPr/>
+        </p:nvSpPr>
+        <p:spPr>
+          <a:xfrm>
+            <a:off x="1523382" y="5006151"/>
+            <a:ext cx="7445689" cy="369332"/>
+          </a:xfrm>
+          <a:prstGeom prst="rect">
+            <a:avLst/>
+          </a:prstGeom>
+          <a:noFill/>
+        </p:spPr>
+        <p:txBody>
+          <a:bodyPr wrap="square" rtlCol="0">
+            <a:spAutoFit/>
+          </a:bodyPr>
+          <a:lstStyle/>
+          <a:p>
+            <a:r>
+              <a:rPr lang="en-US" dirty="0"/>
+              <a:t>Multi-threading, distributed systems, OOP, DDD, software architectures.. etc.</a:t>
+            </a:r>
+          </a:p>
+        </p:txBody>
+      </p:sp>
+      <p:pic>
+        <p:nvPicPr>
+          <p:cNvPr id="15" name="Picture 14">
+            <a:extLst>
+              <a:ext uri="{FF2B5EF4-FFF2-40B4-BE49-F238E27FC236}">
+                <a16:creationId xmlns:a16="http://schemas.microsoft.com/office/drawing/2014/main" id="{F12FBA65-A644-1E60-CEC9-19A1C91C2497}"/>
+              </a:ext>
+            </a:extLst>
+          </p:cNvPr>
+          <p:cNvPicPr>
+            <a:picLocks noChangeAspect="1"/>
+          </p:cNvPicPr>
+          <p:nvPr/>
+        </p:nvPicPr>
+        <p:blipFill>
+          <a:blip r:embed="rId7"/>
+          <a:stretch>
+            <a:fillRect/>
+          </a:stretch>
+        </p:blipFill>
+        <p:spPr>
+          <a:xfrm>
+            <a:off x="8857753" y="390996"/>
+            <a:ext cx="3027844" cy="6177614"/>
+          </a:xfrm>
+          <a:prstGeom prst="rect">
+            <a:avLst/>
+          </a:prstGeom>
+        </p:spPr>
+      </p:pic>
+      <p:pic>
+        <p:nvPicPr>
+          <p:cNvPr id="16" name="Picture 15" descr="Shape&#10;&#10;Description automatically generated with low confidence">
+            <a:extLst>
+              <a:ext uri="{FF2B5EF4-FFF2-40B4-BE49-F238E27FC236}">
+                <a16:creationId xmlns:a16="http://schemas.microsoft.com/office/drawing/2014/main" id="{68C2DE39-FD60-342E-CB34-A01B8DA491CF}"/>
+              </a:ext>
+            </a:extLst>
+          </p:cNvPr>
+          <p:cNvPicPr>
+            <a:picLocks noChangeAspect="1"/>
+          </p:cNvPicPr>
+          <p:nvPr/>
+        </p:nvPicPr>
+        <p:blipFill>
+          <a:blip r:embed="rId8">
+            <a:extLst>
+              <a:ext uri="{28A0092B-C50C-407E-A947-70E740481C1C}">
+                <a14:useLocalDpi xmlns:a14="http://schemas.microsoft.com/office/drawing/2010/main" val="0"/>
+              </a:ext>
+            </a:extLst>
+          </a:blip>
+          <a:stretch>
+            <a:fillRect/>
+          </a:stretch>
+        </p:blipFill>
+        <p:spPr>
+          <a:xfrm>
+            <a:off x="838200" y="5662755"/>
+            <a:ext cx="570524" cy="570524"/>
+          </a:xfrm>
+          <a:prstGeom prst="rect">
+            <a:avLst/>
+          </a:prstGeom>
+        </p:spPr>
+      </p:pic>
+      <p:sp>
+        <p:nvSpPr>
+          <p:cNvPr id="17" name="TextBox 16">
+            <a:extLst>
+              <a:ext uri="{FF2B5EF4-FFF2-40B4-BE49-F238E27FC236}">
+                <a16:creationId xmlns:a16="http://schemas.microsoft.com/office/drawing/2014/main" id="{7B93B491-21EE-AC3B-FCE5-0C2803BA89AC}"/>
+              </a:ext>
+            </a:extLst>
+          </p:cNvPr>
+          <p:cNvSpPr txBox="1"/>
+          <p:nvPr/>
+        </p:nvSpPr>
+        <p:spPr>
+          <a:xfrm>
+            <a:off x="1523382" y="5763351"/>
+            <a:ext cx="6873196" cy="369332"/>
+          </a:xfrm>
+          <a:prstGeom prst="rect">
+            <a:avLst/>
+          </a:prstGeom>
+          <a:noFill/>
+        </p:spPr>
+        <p:txBody>
+          <a:bodyPr wrap="square" rtlCol="0">
+            <a:spAutoFit/>
+          </a:bodyPr>
+          <a:lstStyle/>
+          <a:p>
+            <a:r>
+              <a:rPr lang="en-US" dirty="0"/>
+              <a:t>Highly active coder, mostly open source.</a:t>
+            </a:r>
+          </a:p>
+        </p:txBody>
+      </p:sp>
+      <p:pic>
+        <p:nvPicPr>
+          <p:cNvPr id="18" name="Picture 17" descr="Icon&#10;&#10;Description automatically generated">
+            <a:extLst>
+              <a:ext uri="{FF2B5EF4-FFF2-40B4-BE49-F238E27FC236}">
+                <a16:creationId xmlns:a16="http://schemas.microsoft.com/office/drawing/2014/main" id="{67CD63F2-CF85-66B5-F6E9-9D827FC05E4E}"/>
+              </a:ext>
+            </a:extLst>
+          </p:cNvPr>
+          <p:cNvPicPr>
+            <a:picLocks noChangeAspect="1"/>
+          </p:cNvPicPr>
+          <p:nvPr/>
+        </p:nvPicPr>
+        <p:blipFill>
+          <a:blip r:embed="rId9">
+            <a:extLst>
+              <a:ext uri="{28A0092B-C50C-407E-A947-70E740481C1C}">
+                <a14:useLocalDpi xmlns:a14="http://schemas.microsoft.com/office/drawing/2010/main" val="0"/>
+              </a:ext>
+            </a:extLst>
+          </a:blip>
+          <a:stretch>
+            <a:fillRect/>
+          </a:stretch>
+        </p:blipFill>
+        <p:spPr>
+          <a:xfrm>
+            <a:off x="838200" y="4188110"/>
+            <a:ext cx="1776130" cy="476410"/>
+          </a:xfrm>
+          <a:prstGeom prst="rect">
+            <a:avLst/>
+          </a:prstGeom>
+        </p:spPr>
+      </p:pic>
     </p:spTree>
     <p:extLst>
       <p:ext uri="{BB962C8B-B14F-4D97-AF65-F5344CB8AC3E}">
@@ -4692,6 +5115,607 @@
   <p:clrMapOvr>
     <a:masterClrMapping/>
   </p:clrMapOvr>
+  <p:timing>
+    <p:tnLst>
+      <p:par>
+        <p:cTn id="1" dur="indefinite" restart="never" nodeType="tmRoot">
+          <p:childTnLst>
+            <p:seq concurrent="1" nextAc="seek">
+              <p:cTn id="2" dur="indefinite" nodeType="mainSeq">
+                <p:childTnLst>
+                  <p:par>
+                    <p:cTn id="3" fill="hold">
+                      <p:stCondLst>
+                        <p:cond delay="indefinite"/>
+                      </p:stCondLst>
+                      <p:childTnLst>
+                        <p:par>
+                          <p:cTn id="4" fill="hold">
+                            <p:stCondLst>
+                              <p:cond delay="0"/>
+                            </p:stCondLst>
+                            <p:childTnLst>
+                              <p:par>
+                                <p:cTn id="5" presetID="10" presetClass="entr" presetSubtype="0" fill="hold" nodeType="clickEffect">
+                                  <p:stCondLst>
+                                    <p:cond delay="0"/>
+                                  </p:stCondLst>
+                                  <p:childTnLst>
+                                    <p:set>
+                                      <p:cBhvr>
+                                        <p:cTn id="6" dur="1" fill="hold">
+                                          <p:stCondLst>
+                                            <p:cond delay="0"/>
+                                          </p:stCondLst>
+                                        </p:cTn>
+                                        <p:tgtEl>
+                                          <p:spTgt spid="7"/>
+                                        </p:tgtEl>
+                                        <p:attrNameLst>
+                                          <p:attrName>style.visibility</p:attrName>
+                                        </p:attrNameLst>
+                                      </p:cBhvr>
+                                      <p:to>
+                                        <p:strVal val="visible"/>
+                                      </p:to>
+                                    </p:set>
+                                    <p:animEffect transition="in" filter="fade">
+                                      <p:cBhvr>
+                                        <p:cTn id="7" dur="500"/>
+                                        <p:tgtEl>
+                                          <p:spTgt spid="7"/>
+                                        </p:tgtEl>
+                                      </p:cBhvr>
+                                    </p:animEffect>
+                                  </p:childTnLst>
+                                </p:cTn>
+                              </p:par>
+                              <p:par>
+                                <p:cTn id="8" presetID="10" presetClass="entr" presetSubtype="0" fill="hold" grpId="0" nodeType="withEffect">
+                                  <p:stCondLst>
+                                    <p:cond delay="0"/>
+                                  </p:stCondLst>
+                                  <p:childTnLst>
+                                    <p:set>
+                                      <p:cBhvr>
+                                        <p:cTn id="9" dur="1" fill="hold">
+                                          <p:stCondLst>
+                                            <p:cond delay="0"/>
+                                          </p:stCondLst>
+                                        </p:cTn>
+                                        <p:tgtEl>
+                                          <p:spTgt spid="9"/>
+                                        </p:tgtEl>
+                                        <p:attrNameLst>
+                                          <p:attrName>style.visibility</p:attrName>
+                                        </p:attrNameLst>
+                                      </p:cBhvr>
+                                      <p:to>
+                                        <p:strVal val="visible"/>
+                                      </p:to>
+                                    </p:set>
+                                    <p:animEffect transition="in" filter="fade">
+                                      <p:cBhvr>
+                                        <p:cTn id="10" dur="500"/>
+                                        <p:tgtEl>
+                                          <p:spTgt spid="9"/>
+                                        </p:tgtEl>
+                                      </p:cBhvr>
+                                    </p:animEffect>
+                                  </p:childTnLst>
+                                </p:cTn>
+                              </p:par>
+                            </p:childTnLst>
+                          </p:cTn>
+                        </p:par>
+                      </p:childTnLst>
+                    </p:cTn>
+                  </p:par>
+                  <p:par>
+                    <p:cTn id="11" fill="hold">
+                      <p:stCondLst>
+                        <p:cond delay="indefinite"/>
+                      </p:stCondLst>
+                      <p:childTnLst>
+                        <p:par>
+                          <p:cTn id="12" fill="hold">
+                            <p:stCondLst>
+                              <p:cond delay="0"/>
+                            </p:stCondLst>
+                            <p:childTnLst>
+                              <p:par>
+                                <p:cTn id="13" presetID="10" presetClass="entr" presetSubtype="0" fill="hold" nodeType="clickEffect">
+                                  <p:stCondLst>
+                                    <p:cond delay="0"/>
+                                  </p:stCondLst>
+                                  <p:childTnLst>
+                                    <p:set>
+                                      <p:cBhvr>
+                                        <p:cTn id="14" dur="1" fill="hold">
+                                          <p:stCondLst>
+                                            <p:cond delay="0"/>
+                                          </p:stCondLst>
+                                        </p:cTn>
+                                        <p:tgtEl>
+                                          <p:spTgt spid="8"/>
+                                        </p:tgtEl>
+                                        <p:attrNameLst>
+                                          <p:attrName>style.visibility</p:attrName>
+                                        </p:attrNameLst>
+                                      </p:cBhvr>
+                                      <p:to>
+                                        <p:strVal val="visible"/>
+                                      </p:to>
+                                    </p:set>
+                                    <p:animEffect transition="in" filter="fade">
+                                      <p:cBhvr>
+                                        <p:cTn id="15" dur="500"/>
+                                        <p:tgtEl>
+                                          <p:spTgt spid="8"/>
+                                        </p:tgtEl>
+                                      </p:cBhvr>
+                                    </p:animEffect>
+                                  </p:childTnLst>
+                                </p:cTn>
+                              </p:par>
+                              <p:par>
+                                <p:cTn id="16" presetID="10" presetClass="entr" presetSubtype="0" fill="hold" grpId="0" nodeType="withEffect">
+                                  <p:stCondLst>
+                                    <p:cond delay="0"/>
+                                  </p:stCondLst>
+                                  <p:childTnLst>
+                                    <p:set>
+                                      <p:cBhvr>
+                                        <p:cTn id="17" dur="1" fill="hold">
+                                          <p:stCondLst>
+                                            <p:cond delay="0"/>
+                                          </p:stCondLst>
+                                        </p:cTn>
+                                        <p:tgtEl>
+                                          <p:spTgt spid="10"/>
+                                        </p:tgtEl>
+                                        <p:attrNameLst>
+                                          <p:attrName>style.visibility</p:attrName>
+                                        </p:attrNameLst>
+                                      </p:cBhvr>
+                                      <p:to>
+                                        <p:strVal val="visible"/>
+                                      </p:to>
+                                    </p:set>
+                                    <p:animEffect transition="in" filter="fade">
+                                      <p:cBhvr>
+                                        <p:cTn id="18" dur="500"/>
+                                        <p:tgtEl>
+                                          <p:spTgt spid="10"/>
+                                        </p:tgtEl>
+                                      </p:cBhvr>
+                                    </p:animEffect>
+                                  </p:childTnLst>
+                                </p:cTn>
+                              </p:par>
+                            </p:childTnLst>
+                          </p:cTn>
+                        </p:par>
+                      </p:childTnLst>
+                    </p:cTn>
+                  </p:par>
+                  <p:par>
+                    <p:cTn id="19" fill="hold">
+                      <p:stCondLst>
+                        <p:cond delay="indefinite"/>
+                      </p:stCondLst>
+                      <p:childTnLst>
+                        <p:par>
+                          <p:cTn id="20" fill="hold">
+                            <p:stCondLst>
+                              <p:cond delay="0"/>
+                            </p:stCondLst>
+                            <p:childTnLst>
+                              <p:par>
+                                <p:cTn id="21" presetID="10" presetClass="entr" presetSubtype="0" fill="hold" grpId="0" nodeType="clickEffect">
+                                  <p:stCondLst>
+                                    <p:cond delay="0"/>
+                                  </p:stCondLst>
+                                  <p:childTnLst>
+                                    <p:set>
+                                      <p:cBhvr>
+                                        <p:cTn id="22" dur="1" fill="hold">
+                                          <p:stCondLst>
+                                            <p:cond delay="0"/>
+                                          </p:stCondLst>
+                                        </p:cTn>
+                                        <p:tgtEl>
+                                          <p:spTgt spid="11"/>
+                                        </p:tgtEl>
+                                        <p:attrNameLst>
+                                          <p:attrName>style.visibility</p:attrName>
+                                        </p:attrNameLst>
+                                      </p:cBhvr>
+                                      <p:to>
+                                        <p:strVal val="visible"/>
+                                      </p:to>
+                                    </p:set>
+                                    <p:animEffect transition="in" filter="fade">
+                                      <p:cBhvr>
+                                        <p:cTn id="23" dur="500"/>
+                                        <p:tgtEl>
+                                          <p:spTgt spid="11"/>
+                                        </p:tgtEl>
+                                      </p:cBhvr>
+                                    </p:animEffect>
+                                  </p:childTnLst>
+                                </p:cTn>
+                              </p:par>
+                              <p:par>
+                                <p:cTn id="24" presetID="10" presetClass="entr" presetSubtype="0" fill="hold" nodeType="withEffect">
+                                  <p:stCondLst>
+                                    <p:cond delay="0"/>
+                                  </p:stCondLst>
+                                  <p:childTnLst>
+                                    <p:set>
+                                      <p:cBhvr>
+                                        <p:cTn id="25" dur="1" fill="hold">
+                                          <p:stCondLst>
+                                            <p:cond delay="0"/>
+                                          </p:stCondLst>
+                                        </p:cTn>
+                                        <p:tgtEl>
+                                          <p:spTgt spid="6"/>
+                                        </p:tgtEl>
+                                        <p:attrNameLst>
+                                          <p:attrName>style.visibility</p:attrName>
+                                        </p:attrNameLst>
+                                      </p:cBhvr>
+                                      <p:to>
+                                        <p:strVal val="visible"/>
+                                      </p:to>
+                                    </p:set>
+                                    <p:animEffect transition="in" filter="fade">
+                                      <p:cBhvr>
+                                        <p:cTn id="26" dur="500"/>
+                                        <p:tgtEl>
+                                          <p:spTgt spid="6"/>
+                                        </p:tgtEl>
+                                      </p:cBhvr>
+                                    </p:animEffect>
+                                  </p:childTnLst>
+                                </p:cTn>
+                              </p:par>
+                            </p:childTnLst>
+                          </p:cTn>
+                        </p:par>
+                      </p:childTnLst>
+                    </p:cTn>
+                  </p:par>
+                  <p:par>
+                    <p:cTn id="27" fill="hold">
+                      <p:stCondLst>
+                        <p:cond delay="indefinite"/>
+                      </p:stCondLst>
+                      <p:childTnLst>
+                        <p:par>
+                          <p:cTn id="28" fill="hold">
+                            <p:stCondLst>
+                              <p:cond delay="0"/>
+                            </p:stCondLst>
+                            <p:childTnLst>
+                              <p:par>
+                                <p:cTn id="29" presetID="10" presetClass="entr" presetSubtype="0" fill="hold" nodeType="clickEffect">
+                                  <p:stCondLst>
+                                    <p:cond delay="0"/>
+                                  </p:stCondLst>
+                                  <p:childTnLst>
+                                    <p:set>
+                                      <p:cBhvr>
+                                        <p:cTn id="30" dur="1" fill="hold">
+                                          <p:stCondLst>
+                                            <p:cond delay="0"/>
+                                          </p:stCondLst>
+                                        </p:cTn>
+                                        <p:tgtEl>
+                                          <p:spTgt spid="18"/>
+                                        </p:tgtEl>
+                                        <p:attrNameLst>
+                                          <p:attrName>style.visibility</p:attrName>
+                                        </p:attrNameLst>
+                                      </p:cBhvr>
+                                      <p:to>
+                                        <p:strVal val="visible"/>
+                                      </p:to>
+                                    </p:set>
+                                    <p:animEffect transition="in" filter="fade">
+                                      <p:cBhvr>
+                                        <p:cTn id="31" dur="500"/>
+                                        <p:tgtEl>
+                                          <p:spTgt spid="18"/>
+                                        </p:tgtEl>
+                                      </p:cBhvr>
+                                    </p:animEffect>
+                                  </p:childTnLst>
+                                </p:cTn>
+                              </p:par>
+                              <p:par>
+                                <p:cTn id="32" presetID="10" presetClass="entr" presetSubtype="0" fill="hold" grpId="0" nodeType="withEffect">
+                                  <p:stCondLst>
+                                    <p:cond delay="0"/>
+                                  </p:stCondLst>
+                                  <p:childTnLst>
+                                    <p:set>
+                                      <p:cBhvr>
+                                        <p:cTn id="33" dur="1" fill="hold">
+                                          <p:stCondLst>
+                                            <p:cond delay="0"/>
+                                          </p:stCondLst>
+                                        </p:cTn>
+                                        <p:tgtEl>
+                                          <p:spTgt spid="12"/>
+                                        </p:tgtEl>
+                                        <p:attrNameLst>
+                                          <p:attrName>style.visibility</p:attrName>
+                                        </p:attrNameLst>
+                                      </p:cBhvr>
+                                      <p:to>
+                                        <p:strVal val="visible"/>
+                                      </p:to>
+                                    </p:set>
+                                    <p:animEffect transition="in" filter="fade">
+                                      <p:cBhvr>
+                                        <p:cTn id="34" dur="500"/>
+                                        <p:tgtEl>
+                                          <p:spTgt spid="12"/>
+                                        </p:tgtEl>
+                                      </p:cBhvr>
+                                    </p:animEffect>
+                                  </p:childTnLst>
+                                </p:cTn>
+                              </p:par>
+                            </p:childTnLst>
+                          </p:cTn>
+                        </p:par>
+                      </p:childTnLst>
+                    </p:cTn>
+                  </p:par>
+                  <p:par>
+                    <p:cTn id="35" fill="hold">
+                      <p:stCondLst>
+                        <p:cond delay="indefinite"/>
+                      </p:stCondLst>
+                      <p:childTnLst>
+                        <p:par>
+                          <p:cTn id="36" fill="hold">
+                            <p:stCondLst>
+                              <p:cond delay="0"/>
+                            </p:stCondLst>
+                            <p:childTnLst>
+                              <p:par>
+                                <p:cTn id="37" presetID="10" presetClass="entr" presetSubtype="0" fill="hold" grpId="0" nodeType="clickEffect">
+                                  <p:stCondLst>
+                                    <p:cond delay="0"/>
+                                  </p:stCondLst>
+                                  <p:childTnLst>
+                                    <p:set>
+                                      <p:cBhvr>
+                                        <p:cTn id="38" dur="1" fill="hold">
+                                          <p:stCondLst>
+                                            <p:cond delay="0"/>
+                                          </p:stCondLst>
+                                        </p:cTn>
+                                        <p:tgtEl>
+                                          <p:spTgt spid="14"/>
+                                        </p:tgtEl>
+                                        <p:attrNameLst>
+                                          <p:attrName>style.visibility</p:attrName>
+                                        </p:attrNameLst>
+                                      </p:cBhvr>
+                                      <p:to>
+                                        <p:strVal val="visible"/>
+                                      </p:to>
+                                    </p:set>
+                                    <p:animEffect transition="in" filter="fade">
+                                      <p:cBhvr>
+                                        <p:cTn id="39" dur="500"/>
+                                        <p:tgtEl>
+                                          <p:spTgt spid="14"/>
+                                        </p:tgtEl>
+                                      </p:cBhvr>
+                                    </p:animEffect>
+                                  </p:childTnLst>
+                                </p:cTn>
+                              </p:par>
+                              <p:par>
+                                <p:cTn id="40" presetID="10" presetClass="entr" presetSubtype="0" fill="hold" nodeType="withEffect">
+                                  <p:stCondLst>
+                                    <p:cond delay="0"/>
+                                  </p:stCondLst>
+                                  <p:childTnLst>
+                                    <p:set>
+                                      <p:cBhvr>
+                                        <p:cTn id="41" dur="1" fill="hold">
+                                          <p:stCondLst>
+                                            <p:cond delay="0"/>
+                                          </p:stCondLst>
+                                        </p:cTn>
+                                        <p:tgtEl>
+                                          <p:spTgt spid="13"/>
+                                        </p:tgtEl>
+                                        <p:attrNameLst>
+                                          <p:attrName>style.visibility</p:attrName>
+                                        </p:attrNameLst>
+                                      </p:cBhvr>
+                                      <p:to>
+                                        <p:strVal val="visible"/>
+                                      </p:to>
+                                    </p:set>
+                                    <p:animEffect transition="in" filter="fade">
+                                      <p:cBhvr>
+                                        <p:cTn id="42" dur="500"/>
+                                        <p:tgtEl>
+                                          <p:spTgt spid="13"/>
+                                        </p:tgtEl>
+                                      </p:cBhvr>
+                                    </p:animEffect>
+                                  </p:childTnLst>
+                                </p:cTn>
+                              </p:par>
+                            </p:childTnLst>
+                          </p:cTn>
+                        </p:par>
+                      </p:childTnLst>
+                    </p:cTn>
+                  </p:par>
+                  <p:par>
+                    <p:cTn id="43" fill="hold">
+                      <p:stCondLst>
+                        <p:cond delay="indefinite"/>
+                      </p:stCondLst>
+                      <p:childTnLst>
+                        <p:par>
+                          <p:cTn id="44" fill="hold">
+                            <p:stCondLst>
+                              <p:cond delay="0"/>
+                            </p:stCondLst>
+                            <p:childTnLst>
+                              <p:par>
+                                <p:cTn id="45" presetID="10" presetClass="entr" presetSubtype="0" fill="hold" grpId="0" nodeType="clickEffect">
+                                  <p:stCondLst>
+                                    <p:cond delay="0"/>
+                                  </p:stCondLst>
+                                  <p:childTnLst>
+                                    <p:set>
+                                      <p:cBhvr>
+                                        <p:cTn id="46" dur="1" fill="hold">
+                                          <p:stCondLst>
+                                            <p:cond delay="0"/>
+                                          </p:stCondLst>
+                                        </p:cTn>
+                                        <p:tgtEl>
+                                          <p:spTgt spid="17"/>
+                                        </p:tgtEl>
+                                        <p:attrNameLst>
+                                          <p:attrName>style.visibility</p:attrName>
+                                        </p:attrNameLst>
+                                      </p:cBhvr>
+                                      <p:to>
+                                        <p:strVal val="visible"/>
+                                      </p:to>
+                                    </p:set>
+                                    <p:animEffect transition="in" filter="fade">
+                                      <p:cBhvr>
+                                        <p:cTn id="47" dur="500"/>
+                                        <p:tgtEl>
+                                          <p:spTgt spid="17"/>
+                                        </p:tgtEl>
+                                      </p:cBhvr>
+                                    </p:animEffect>
+                                  </p:childTnLst>
+                                </p:cTn>
+                              </p:par>
+                              <p:par>
+                                <p:cTn id="48" presetID="10" presetClass="entr" presetSubtype="0" fill="hold" nodeType="withEffect">
+                                  <p:stCondLst>
+                                    <p:cond delay="0"/>
+                                  </p:stCondLst>
+                                  <p:childTnLst>
+                                    <p:set>
+                                      <p:cBhvr>
+                                        <p:cTn id="49" dur="1" fill="hold">
+                                          <p:stCondLst>
+                                            <p:cond delay="0"/>
+                                          </p:stCondLst>
+                                        </p:cTn>
+                                        <p:tgtEl>
+                                          <p:spTgt spid="16"/>
+                                        </p:tgtEl>
+                                        <p:attrNameLst>
+                                          <p:attrName>style.visibility</p:attrName>
+                                        </p:attrNameLst>
+                                      </p:cBhvr>
+                                      <p:to>
+                                        <p:strVal val="visible"/>
+                                      </p:to>
+                                    </p:set>
+                                    <p:animEffect transition="in" filter="fade">
+                                      <p:cBhvr>
+                                        <p:cTn id="50" dur="500"/>
+                                        <p:tgtEl>
+                                          <p:spTgt spid="16"/>
+                                        </p:tgtEl>
+                                      </p:cBhvr>
+                                    </p:animEffect>
+                                  </p:childTnLst>
+                                </p:cTn>
+                              </p:par>
+                              <p:par>
+                                <p:cTn id="51" presetID="10" presetClass="entr" presetSubtype="0" fill="hold" nodeType="withEffect">
+                                  <p:stCondLst>
+                                    <p:cond delay="0"/>
+                                  </p:stCondLst>
+                                  <p:childTnLst>
+                                    <p:set>
+                                      <p:cBhvr>
+                                        <p:cTn id="52" dur="1" fill="hold">
+                                          <p:stCondLst>
+                                            <p:cond delay="0"/>
+                                          </p:stCondLst>
+                                        </p:cTn>
+                                        <p:tgtEl>
+                                          <p:spTgt spid="15"/>
+                                        </p:tgtEl>
+                                        <p:attrNameLst>
+                                          <p:attrName>style.visibility</p:attrName>
+                                        </p:attrNameLst>
+                                      </p:cBhvr>
+                                      <p:to>
+                                        <p:strVal val="visible"/>
+                                      </p:to>
+                                    </p:set>
+                                    <p:animEffect transition="in" filter="fade">
+                                      <p:cBhvr>
+                                        <p:cTn id="53" dur="500"/>
+                                        <p:tgtEl>
+                                          <p:spTgt spid="15"/>
+                                        </p:tgtEl>
+                                      </p:cBhvr>
+                                    </p:animEffect>
+                                  </p:childTnLst>
+                                </p:cTn>
+                              </p:par>
+                            </p:childTnLst>
+                          </p:cTn>
+                        </p:par>
+                      </p:childTnLst>
+                    </p:cTn>
+                  </p:par>
+                </p:childTnLst>
+              </p:cTn>
+              <p:prevCondLst>
+                <p:cond evt="onPrev" delay="0">
+                  <p:tgtEl>
+                    <p:sldTgt/>
+                  </p:tgtEl>
+                </p:cond>
+              </p:prevCondLst>
+              <p:nextCondLst>
+                <p:cond evt="onNext" delay="0">
+                  <p:tgtEl>
+                    <p:sldTgt/>
+                  </p:tgtEl>
+                </p:cond>
+              </p:nextCondLst>
+            </p:seq>
+          </p:childTnLst>
+        </p:cTn>
+      </p:par>
+    </p:tnLst>
+    <p:bldLst>
+      <p:bldP spid="9" grpId="0"/>
+      <p:bldP spid="10" grpId="0"/>
+      <p:bldP spid="11" grpId="0"/>
+      <p:bldP spid="12" grpId="0"/>
+      <p:bldP spid="14" grpId="0"/>
+      <p:bldP spid="17" grpId="0"/>
+    </p:bldLst>
+  </p:timing>
 </p:sld>
 </file>
 
@@ -5883,7 +6907,7 @@
                 <a:latin typeface="Euclid Circular B" panose="020B0504000000000000" pitchFamily="34" charset="0"/>
                 <a:ea typeface="Euclid Circular B" panose="020B0504000000000000" pitchFamily="34" charset="0"/>
               </a:rPr>
-              <a:t>Challenges of developing microservice solutions</a:t>
+              <a:t>Difficuties of a microservice development environment</a:t>
             </a:r>
           </a:p>
           <a:p>
@@ -5894,6 +6918,13 @@
               </a:rPr>
               <a:t>The Project Tye</a:t>
             </a:r>
+            <a:r>
+              <a:rPr lang="tr-TR" i="1" dirty="0">
+                <a:latin typeface="Euclid Circular B" panose="020B0504000000000000" pitchFamily="34" charset="0"/>
+                <a:ea typeface="Euclid Circular B" panose="020B0504000000000000" pitchFamily="34" charset="0"/>
+              </a:rPr>
+              <a:t> (with demo)</a:t>
+            </a:r>
           </a:p>
           <a:p>
             <a:r>
@@ -5903,6 +6934,13 @@
               </a:rPr>
               <a:t>ABP Studio: Solution Runner</a:t>
             </a:r>
+            <a:r>
+              <a:rPr lang="tr-TR" i="1" dirty="0">
+                <a:latin typeface="Euclid Circular B" panose="020B0504000000000000" pitchFamily="34" charset="0"/>
+                <a:ea typeface="Euclid Circular B" panose="020B0504000000000000" pitchFamily="34" charset="0"/>
+              </a:rPr>
+              <a:t> (with demo)</a:t>
+            </a:r>
           </a:p>
           <a:p>
             <a:r>
@@ -5912,7 +6950,14 @@
               </a:rPr>
               <a:t>ABP Studio: Kubernetes Tunneling</a:t>
             </a:r>
-            <a:endParaRPr lang="en-US" dirty="0">
+            <a:r>
+              <a:rPr lang="tr-TR" i="1" dirty="0">
+                <a:latin typeface="Euclid Circular B" panose="020B0504000000000000" pitchFamily="34" charset="0"/>
+                <a:ea typeface="Euclid Circular B" panose="020B0504000000000000" pitchFamily="34" charset="0"/>
+              </a:rPr>
+              <a:t> (with demo)</a:t>
+            </a:r>
+            <a:endParaRPr lang="en-US" i="1" dirty="0">
               <a:latin typeface="Euclid Circular B" panose="020B0504000000000000" pitchFamily="34" charset="0"/>
               <a:ea typeface="Euclid Circular B" panose="020B0504000000000000" pitchFamily="34" charset="0"/>
             </a:endParaRPr>
@@ -5929,6 +6974,280 @@
   <p:clrMapOvr>
     <a:masterClrMapping/>
   </p:clrMapOvr>
+  <p:timing>
+    <p:tnLst>
+      <p:par>
+        <p:cTn id="1" dur="indefinite" restart="never" nodeType="tmRoot">
+          <p:childTnLst>
+            <p:seq concurrent="1" nextAc="seek">
+              <p:cTn id="2" dur="indefinite" nodeType="mainSeq">
+                <p:childTnLst>
+                  <p:par>
+                    <p:cTn id="3" fill="hold">
+                      <p:stCondLst>
+                        <p:cond delay="indefinite"/>
+                      </p:stCondLst>
+                      <p:childTnLst>
+                        <p:par>
+                          <p:cTn id="4" fill="hold">
+                            <p:stCondLst>
+                              <p:cond delay="0"/>
+                            </p:stCondLst>
+                            <p:childTnLst>
+                              <p:par>
+                                <p:cTn id="5" presetID="10" presetClass="entr" presetSubtype="0" fill="hold" nodeType="clickEffect">
+                                  <p:stCondLst>
+                                    <p:cond delay="0"/>
+                                  </p:stCondLst>
+                                  <p:childTnLst>
+                                    <p:set>
+                                      <p:cBhvr>
+                                        <p:cTn id="6" dur="1" fill="hold">
+                                          <p:stCondLst>
+                                            <p:cond delay="0"/>
+                                          </p:stCondLst>
+                                        </p:cTn>
+                                        <p:tgtEl>
+                                          <p:spTgt spid="3">
+                                            <p:txEl>
+                                              <p:pRg st="0" end="0"/>
+                                            </p:txEl>
+                                          </p:spTgt>
+                                        </p:tgtEl>
+                                        <p:attrNameLst>
+                                          <p:attrName>style.visibility</p:attrName>
+                                        </p:attrNameLst>
+                                      </p:cBhvr>
+                                      <p:to>
+                                        <p:strVal val="visible"/>
+                                      </p:to>
+                                    </p:set>
+                                    <p:animEffect transition="in" filter="fade">
+                                      <p:cBhvr>
+                                        <p:cTn id="7" dur="500"/>
+                                        <p:tgtEl>
+                                          <p:spTgt spid="3">
+                                            <p:txEl>
+                                              <p:pRg st="0" end="0"/>
+                                            </p:txEl>
+                                          </p:spTgt>
+                                        </p:tgtEl>
+                                      </p:cBhvr>
+                                    </p:animEffect>
+                                  </p:childTnLst>
+                                </p:cTn>
+                              </p:par>
+                            </p:childTnLst>
+                          </p:cTn>
+                        </p:par>
+                      </p:childTnLst>
+                    </p:cTn>
+                  </p:par>
+                  <p:par>
+                    <p:cTn id="8" fill="hold">
+                      <p:stCondLst>
+                        <p:cond delay="indefinite"/>
+                      </p:stCondLst>
+                      <p:childTnLst>
+                        <p:par>
+                          <p:cTn id="9" fill="hold">
+                            <p:stCondLst>
+                              <p:cond delay="0"/>
+                            </p:stCondLst>
+                            <p:childTnLst>
+                              <p:par>
+                                <p:cTn id="10" presetID="10" presetClass="entr" presetSubtype="0" fill="hold" nodeType="clickEffect">
+                                  <p:stCondLst>
+                                    <p:cond delay="0"/>
+                                  </p:stCondLst>
+                                  <p:childTnLst>
+                                    <p:set>
+                                      <p:cBhvr>
+                                        <p:cTn id="11" dur="1" fill="hold">
+                                          <p:stCondLst>
+                                            <p:cond delay="0"/>
+                                          </p:stCondLst>
+                                        </p:cTn>
+                                        <p:tgtEl>
+                                          <p:spTgt spid="3">
+                                            <p:txEl>
+                                              <p:pRg st="1" end="1"/>
+                                            </p:txEl>
+                                          </p:spTgt>
+                                        </p:tgtEl>
+                                        <p:attrNameLst>
+                                          <p:attrName>style.visibility</p:attrName>
+                                        </p:attrNameLst>
+                                      </p:cBhvr>
+                                      <p:to>
+                                        <p:strVal val="visible"/>
+                                      </p:to>
+                                    </p:set>
+                                    <p:animEffect transition="in" filter="fade">
+                                      <p:cBhvr>
+                                        <p:cTn id="12" dur="500"/>
+                                        <p:tgtEl>
+                                          <p:spTgt spid="3">
+                                            <p:txEl>
+                                              <p:pRg st="1" end="1"/>
+                                            </p:txEl>
+                                          </p:spTgt>
+                                        </p:tgtEl>
+                                      </p:cBhvr>
+                                    </p:animEffect>
+                                  </p:childTnLst>
+                                </p:cTn>
+                              </p:par>
+                            </p:childTnLst>
+                          </p:cTn>
+                        </p:par>
+                      </p:childTnLst>
+                    </p:cTn>
+                  </p:par>
+                  <p:par>
+                    <p:cTn id="13" fill="hold">
+                      <p:stCondLst>
+                        <p:cond delay="indefinite"/>
+                      </p:stCondLst>
+                      <p:childTnLst>
+                        <p:par>
+                          <p:cTn id="14" fill="hold">
+                            <p:stCondLst>
+                              <p:cond delay="0"/>
+                            </p:stCondLst>
+                            <p:childTnLst>
+                              <p:par>
+                                <p:cTn id="15" presetID="10" presetClass="entr" presetSubtype="0" fill="hold" nodeType="clickEffect">
+                                  <p:stCondLst>
+                                    <p:cond delay="0"/>
+                                  </p:stCondLst>
+                                  <p:childTnLst>
+                                    <p:set>
+                                      <p:cBhvr>
+                                        <p:cTn id="16" dur="1" fill="hold">
+                                          <p:stCondLst>
+                                            <p:cond delay="0"/>
+                                          </p:stCondLst>
+                                        </p:cTn>
+                                        <p:tgtEl>
+                                          <p:spTgt spid="3">
+                                            <p:txEl>
+                                              <p:pRg st="2" end="2"/>
+                                            </p:txEl>
+                                          </p:spTgt>
+                                        </p:tgtEl>
+                                        <p:attrNameLst>
+                                          <p:attrName>style.visibility</p:attrName>
+                                        </p:attrNameLst>
+                                      </p:cBhvr>
+                                      <p:to>
+                                        <p:strVal val="visible"/>
+                                      </p:to>
+                                    </p:set>
+                                    <p:animEffect transition="in" filter="fade">
+                                      <p:cBhvr>
+                                        <p:cTn id="17" dur="500"/>
+                                        <p:tgtEl>
+                                          <p:spTgt spid="3">
+                                            <p:txEl>
+                                              <p:pRg st="2" end="2"/>
+                                            </p:txEl>
+                                          </p:spTgt>
+                                        </p:tgtEl>
+                                      </p:cBhvr>
+                                    </p:animEffect>
+                                  </p:childTnLst>
+                                </p:cTn>
+                              </p:par>
+                            </p:childTnLst>
+                          </p:cTn>
+                        </p:par>
+                      </p:childTnLst>
+                    </p:cTn>
+                  </p:par>
+                  <p:par>
+                    <p:cTn id="18" fill="hold">
+                      <p:stCondLst>
+                        <p:cond delay="indefinite"/>
+                      </p:stCondLst>
+                      <p:childTnLst>
+                        <p:par>
+                          <p:cTn id="19" fill="hold">
+                            <p:stCondLst>
+                              <p:cond delay="0"/>
+                            </p:stCondLst>
+                            <p:childTnLst>
+                              <p:par>
+                                <p:cTn id="20" presetID="10" presetClass="entr" presetSubtype="0" fill="hold" nodeType="clickEffect">
+                                  <p:stCondLst>
+                                    <p:cond delay="0"/>
+                                  </p:stCondLst>
+                                  <p:childTnLst>
+                                    <p:set>
+                                      <p:cBhvr>
+                                        <p:cTn id="21" dur="1" fill="hold">
+                                          <p:stCondLst>
+                                            <p:cond delay="0"/>
+                                          </p:stCondLst>
+                                        </p:cTn>
+                                        <p:tgtEl>
+                                          <p:spTgt spid="3">
+                                            <p:txEl>
+                                              <p:pRg st="3" end="3"/>
+                                            </p:txEl>
+                                          </p:spTgt>
+                                        </p:tgtEl>
+                                        <p:attrNameLst>
+                                          <p:attrName>style.visibility</p:attrName>
+                                        </p:attrNameLst>
+                                      </p:cBhvr>
+                                      <p:to>
+                                        <p:strVal val="visible"/>
+                                      </p:to>
+                                    </p:set>
+                                    <p:animEffect transition="in" filter="fade">
+                                      <p:cBhvr>
+                                        <p:cTn id="22" dur="500"/>
+                                        <p:tgtEl>
+                                          <p:spTgt spid="3">
+                                            <p:txEl>
+                                              <p:pRg st="3" end="3"/>
+                                            </p:txEl>
+                                          </p:spTgt>
+                                        </p:tgtEl>
+                                      </p:cBhvr>
+                                    </p:animEffect>
+                                  </p:childTnLst>
+                                </p:cTn>
+                              </p:par>
+                            </p:childTnLst>
+                          </p:cTn>
+                        </p:par>
+                      </p:childTnLst>
+                    </p:cTn>
+                  </p:par>
+                </p:childTnLst>
+              </p:cTn>
+              <p:prevCondLst>
+                <p:cond evt="onPrev" delay="0">
+                  <p:tgtEl>
+                    <p:sldTgt/>
+                  </p:tgtEl>
+                </p:cond>
+              </p:prevCondLst>
+              <p:nextCondLst>
+                <p:cond evt="onNext" delay="0">
+                  <p:tgtEl>
+                    <p:sldTgt/>
+                  </p:tgtEl>
+                </p:cond>
+              </p:nextCondLst>
+            </p:seq>
+          </p:childTnLst>
+        </p:cTn>
+      </p:par>
+    </p:tnLst>
+  </p:timing>
 </p:sld>
 </file>
 
@@ -6539,26 +7858,7 @@
                 <a:latin typeface="Euclid Circular B" panose="020B0504000000000000" pitchFamily="34" charset="0"/>
                 <a:ea typeface="Euclid Circular B" panose="020B0504000000000000" pitchFamily="34" charset="0"/>
               </a:rPr>
-              <a:t>CHALLENGES OF</a:t>
-            </a:r>
-            <a:br>
-              <a:rPr lang="tr-TR" sz="4000" b="1" dirty="0">
-                <a:solidFill>
-                  <a:srgbClr val="292D33"/>
-                </a:solidFill>
-                <a:latin typeface="Euclid Circular B" panose="020B0504000000000000" pitchFamily="34" charset="0"/>
-                <a:ea typeface="Euclid Circular B" panose="020B0504000000000000" pitchFamily="34" charset="0"/>
-              </a:rPr>
-            </a:br>
-            <a:r>
-              <a:rPr lang="tr-TR" sz="4000" b="1" dirty="0">
-                <a:solidFill>
-                  <a:srgbClr val="292D33"/>
-                </a:solidFill>
-                <a:latin typeface="Euclid Circular B" panose="020B0504000000000000" pitchFamily="34" charset="0"/>
-                <a:ea typeface="Euclid Circular B" panose="020B0504000000000000" pitchFamily="34" charset="0"/>
-              </a:rPr>
-              <a:t>DEVELOPING MICROSERVICE SOLUTIONS</a:t>
+              <a:t>DIFFICULTIES OF A MICROSERVICE DEVELOPMENT ENVIRONMENT</a:t>
             </a:r>
             <a:endParaRPr lang="en-US" sz="4000" b="1" dirty="0">
               <a:solidFill>

--- a/2023-05-10 ABP Conf 2023 Developing with Kubernetes/Developing with Kubernetes.pptx
+++ b/2023-05-10 ABP Conf 2023 Developing with Kubernetes/Developing with Kubernetes.pptx
@@ -8055,8 +8055,17 @@
             <a:pPr algn="ctr"/>
             <a:r>
               <a:rPr lang="en-US" sz="1400" dirty="0"/>
-              <a:t>Backend Admin Application (MVC)</a:t>
-            </a:r>
+              <a:t>Backend Admin Application (</a:t>
+            </a:r>
+            <a:r>
+              <a:rPr lang="tr-TR" sz="1400"/>
+              <a:t>SPA</a:t>
+            </a:r>
+            <a:r>
+              <a:rPr lang="en-US" sz="1400"/>
+              <a:t>)</a:t>
+            </a:r>
+            <a:endParaRPr lang="en-US" sz="1400" dirty="0"/>
           </a:p>
         </p:txBody>
       </p:sp>

--- a/2023-05-10 ABP Conf 2023 Developing with Kubernetes/Developing with Kubernetes.pptx
+++ b/2023-05-10 ABP Conf 2023 Developing with Kubernetes/Developing with Kubernetes.pptx
@@ -292,7 +292,7 @@
           <a:p>
             <a:fld id="{2A14C9FE-EBC3-45D3-899C-58AAF4F8AF71}" type="datetimeFigureOut">
               <a:rPr lang="en-US" smtClean="0"/>
-              <a:t>4/20/2023</a:t>
+              <a:t>25-Apr-23</a:t>
             </a:fld>
             <a:endParaRPr lang="en-US"/>
           </a:p>
@@ -490,7 +490,7 @@
           <a:p>
             <a:fld id="{2A14C9FE-EBC3-45D3-899C-58AAF4F8AF71}" type="datetimeFigureOut">
               <a:rPr lang="en-US" smtClean="0"/>
-              <a:t>4/20/2023</a:t>
+              <a:t>25-Apr-23</a:t>
             </a:fld>
             <a:endParaRPr lang="en-US"/>
           </a:p>
@@ -698,7 +698,7 @@
           <a:p>
             <a:fld id="{2A14C9FE-EBC3-45D3-899C-58AAF4F8AF71}" type="datetimeFigureOut">
               <a:rPr lang="en-US" smtClean="0"/>
-              <a:t>4/20/2023</a:t>
+              <a:t>25-Apr-23</a:t>
             </a:fld>
             <a:endParaRPr lang="en-US"/>
           </a:p>
@@ -896,7 +896,7 @@
           <a:p>
             <a:fld id="{2A14C9FE-EBC3-45D3-899C-58AAF4F8AF71}" type="datetimeFigureOut">
               <a:rPr lang="en-US" smtClean="0"/>
-              <a:t>4/20/2023</a:t>
+              <a:t>25-Apr-23</a:t>
             </a:fld>
             <a:endParaRPr lang="en-US"/>
           </a:p>
@@ -1171,7 +1171,7 @@
           <a:p>
             <a:fld id="{2A14C9FE-EBC3-45D3-899C-58AAF4F8AF71}" type="datetimeFigureOut">
               <a:rPr lang="en-US" smtClean="0"/>
-              <a:t>4/20/2023</a:t>
+              <a:t>25-Apr-23</a:t>
             </a:fld>
             <a:endParaRPr lang="en-US"/>
           </a:p>
@@ -1436,7 +1436,7 @@
           <a:p>
             <a:fld id="{2A14C9FE-EBC3-45D3-899C-58AAF4F8AF71}" type="datetimeFigureOut">
               <a:rPr lang="en-US" smtClean="0"/>
-              <a:t>4/20/2023</a:t>
+              <a:t>25-Apr-23</a:t>
             </a:fld>
             <a:endParaRPr lang="en-US"/>
           </a:p>
@@ -1848,7 +1848,7 @@
           <a:p>
             <a:fld id="{2A14C9FE-EBC3-45D3-899C-58AAF4F8AF71}" type="datetimeFigureOut">
               <a:rPr lang="en-US" smtClean="0"/>
-              <a:t>4/20/2023</a:t>
+              <a:t>25-Apr-23</a:t>
             </a:fld>
             <a:endParaRPr lang="en-US"/>
           </a:p>
@@ -1989,7 +1989,7 @@
           <a:p>
             <a:fld id="{2A14C9FE-EBC3-45D3-899C-58AAF4F8AF71}" type="datetimeFigureOut">
               <a:rPr lang="en-US" smtClean="0"/>
-              <a:t>4/20/2023</a:t>
+              <a:t>25-Apr-23</a:t>
             </a:fld>
             <a:endParaRPr lang="en-US"/>
           </a:p>
@@ -2102,7 +2102,7 @@
           <a:p>
             <a:fld id="{2A14C9FE-EBC3-45D3-899C-58AAF4F8AF71}" type="datetimeFigureOut">
               <a:rPr lang="en-US" smtClean="0"/>
-              <a:t>4/20/2023</a:t>
+              <a:t>25-Apr-23</a:t>
             </a:fld>
             <a:endParaRPr lang="en-US"/>
           </a:p>
@@ -2413,7 +2413,7 @@
           <a:p>
             <a:fld id="{2A14C9FE-EBC3-45D3-899C-58AAF4F8AF71}" type="datetimeFigureOut">
               <a:rPr lang="en-US" smtClean="0"/>
-              <a:t>4/20/2023</a:t>
+              <a:t>25-Apr-23</a:t>
             </a:fld>
             <a:endParaRPr lang="en-US"/>
           </a:p>
@@ -2701,7 +2701,7 @@
           <a:p>
             <a:fld id="{2A14C9FE-EBC3-45D3-899C-58AAF4F8AF71}" type="datetimeFigureOut">
               <a:rPr lang="en-US" smtClean="0"/>
-              <a:t>4/20/2023</a:t>
+              <a:t>25-Apr-23</a:t>
             </a:fld>
             <a:endParaRPr lang="en-US"/>
           </a:p>
@@ -2942,7 +2942,7 @@
           <a:p>
             <a:fld id="{2A14C9FE-EBC3-45D3-899C-58AAF4F8AF71}" type="datetimeFigureOut">
               <a:rPr lang="en-US" smtClean="0"/>
-              <a:t>4/20/2023</a:t>
+              <a:t>25-Apr-23</a:t>
             </a:fld>
             <a:endParaRPr lang="en-US"/>
           </a:p>
@@ -3404,15 +3404,28 @@
                 <a:latin typeface="Euclid Circular B" panose="020B0504000000000000" pitchFamily="34" charset="0"/>
                 <a:ea typeface="Euclid Circular B" panose="020B0504000000000000" pitchFamily="34" charset="0"/>
               </a:rPr>
-              <a:t>EFFICIENTLY INTEGRATE KUBERNETES TO YOUR DEVELOPMENT ENVIRONMENT</a:t>
-            </a:r>
-            <a:endParaRPr lang="en-US" sz="4000" b="1" dirty="0">
-              <a:solidFill>
-                <a:srgbClr val="292D33"/>
-              </a:solidFill>
-              <a:latin typeface="Euclid Circular B" panose="020B0504000000000000" pitchFamily="34" charset="0"/>
-              <a:ea typeface="Euclid Circular B" panose="020B0504000000000000" pitchFamily="34" charset="0"/>
-            </a:endParaRPr>
+              <a:t>KUBERNETES INTEGRATE</a:t>
+            </a:r>
+            <a:r>
+              <a:rPr lang="en-US" sz="4000" b="1" dirty="0">
+                <a:solidFill>
+                  <a:srgbClr val="292D33"/>
+                </a:solidFill>
+                <a:latin typeface="Euclid Circular B" panose="020B0504000000000000" pitchFamily="34" charset="0"/>
+                <a:ea typeface="Euclid Circular B" panose="020B0504000000000000" pitchFamily="34" charset="0"/>
+              </a:rPr>
+              <a:t>D MICROSERVICE DEVELOPMENT </a:t>
+            </a:r>
+            <a:r>
+              <a:rPr lang="en-US" sz="4000" b="1" i="1" dirty="0">
+                <a:solidFill>
+                  <a:srgbClr val="292D33"/>
+                </a:solidFill>
+                <a:latin typeface="Euclid Circular B" panose="020B0504000000000000" pitchFamily="34" charset="0"/>
+                <a:ea typeface="Euclid Circular B" panose="020B0504000000000000" pitchFamily="34" charset="0"/>
+              </a:rPr>
+              <a:t>WITH ABP STUDIO</a:t>
+            </a:r>
           </a:p>
         </p:txBody>
       </p:sp>

--- a/2023-05-10 ABP Conf 2023 Developing with Kubernetes/Developing with Kubernetes.pptx
+++ b/2023-05-10 ABP Conf 2023 Developing with Kubernetes/Developing with Kubernetes.pptx
@@ -9517,6 +9517,236 @@
           </a:fontRef>
         </p:style>
       </p:cxnSp>
+      <p:pic>
+        <p:nvPicPr>
+          <p:cNvPr id="1026" name="Picture 2" descr="Multiple users silhouette - Free people icons">
+            <a:extLst>
+              <a:ext uri="{FF2B5EF4-FFF2-40B4-BE49-F238E27FC236}">
+                <a16:creationId xmlns:a16="http://schemas.microsoft.com/office/drawing/2014/main" id="{FDC4843E-5493-696B-7E6D-5D464F462E8C}"/>
+              </a:ext>
+            </a:extLst>
+          </p:cNvPr>
+          <p:cNvPicPr>
+            <a:picLocks noChangeAspect="1" noChangeArrowheads="1"/>
+          </p:cNvPicPr>
+          <p:nvPr/>
+        </p:nvPicPr>
+        <p:blipFill>
+          <a:blip r:embed="rId10">
+            <a:extLst>
+              <a:ext uri="{28A0092B-C50C-407E-A947-70E740481C1C}">
+                <a14:useLocalDpi xmlns:a14="http://schemas.microsoft.com/office/drawing/2010/main" val="0"/>
+              </a:ext>
+            </a:extLst>
+          </a:blip>
+          <a:srcRect/>
+          <a:stretch>
+            <a:fillRect/>
+          </a:stretch>
+        </p:blipFill>
+        <p:spPr bwMode="auto">
+          <a:xfrm>
+            <a:off x="516459" y="4298610"/>
+            <a:ext cx="643482" cy="643482"/>
+          </a:xfrm>
+          <a:prstGeom prst="rect">
+            <a:avLst/>
+          </a:prstGeom>
+          <a:noFill/>
+          <a:extLst>
+            <a:ext uri="{909E8E84-426E-40DD-AFC4-6F175D3DCCD1}">
+              <a14:hiddenFill xmlns:a14="http://schemas.microsoft.com/office/drawing/2010/main">
+                <a:solidFill>
+                  <a:srgbClr val="FFFFFF"/>
+                </a:solidFill>
+              </a14:hiddenFill>
+            </a:ext>
+          </a:extLst>
+        </p:spPr>
+      </p:pic>
+      <p:pic>
+        <p:nvPicPr>
+          <p:cNvPr id="1028" name="Picture 4" descr="User (computing) - Wikipedia">
+            <a:extLst>
+              <a:ext uri="{FF2B5EF4-FFF2-40B4-BE49-F238E27FC236}">
+                <a16:creationId xmlns:a16="http://schemas.microsoft.com/office/drawing/2014/main" id="{56C38037-978E-1523-304B-7C90759ED600}"/>
+              </a:ext>
+            </a:extLst>
+          </p:cNvPr>
+          <p:cNvPicPr>
+            <a:picLocks noChangeAspect="1" noChangeArrowheads="1"/>
+          </p:cNvPicPr>
+          <p:nvPr/>
+        </p:nvPicPr>
+        <p:blipFill>
+          <a:blip r:embed="rId11">
+            <a:extLst>
+              <a:ext uri="{28A0092B-C50C-407E-A947-70E740481C1C}">
+                <a14:useLocalDpi xmlns:a14="http://schemas.microsoft.com/office/drawing/2010/main" val="0"/>
+              </a:ext>
+            </a:extLst>
+          </a:blip>
+          <a:srcRect/>
+          <a:stretch>
+            <a:fillRect/>
+          </a:stretch>
+        </p:blipFill>
+        <p:spPr bwMode="auto">
+          <a:xfrm>
+            <a:off x="524555" y="3138088"/>
+            <a:ext cx="643482" cy="643482"/>
+          </a:xfrm>
+          <a:prstGeom prst="rect">
+            <a:avLst/>
+          </a:prstGeom>
+          <a:noFill/>
+          <a:extLst>
+            <a:ext uri="{909E8E84-426E-40DD-AFC4-6F175D3DCCD1}">
+              <a14:hiddenFill xmlns:a14="http://schemas.microsoft.com/office/drawing/2010/main">
+                <a:solidFill>
+                  <a:srgbClr val="FFFFFF"/>
+                </a:solidFill>
+              </a14:hiddenFill>
+            </a:ext>
+          </a:extLst>
+        </p:spPr>
+      </p:pic>
+      <p:cxnSp>
+        <p:nvCxnSpPr>
+          <p:cNvPr id="3" name="Straight Arrow Connector 2">
+            <a:extLst>
+              <a:ext uri="{FF2B5EF4-FFF2-40B4-BE49-F238E27FC236}">
+                <a16:creationId xmlns:a16="http://schemas.microsoft.com/office/drawing/2014/main" id="{684CD745-59CC-0470-1258-0789D0C08E24}"/>
+              </a:ext>
+            </a:extLst>
+          </p:cNvPr>
+          <p:cNvCxnSpPr>
+            <a:cxnSpLocks/>
+            <a:endCxn id="54" idx="1"/>
+          </p:cNvCxnSpPr>
+          <p:nvPr/>
+        </p:nvCxnSpPr>
+        <p:spPr>
+          <a:xfrm>
+            <a:off x="1162888" y="3418574"/>
+            <a:ext cx="497962" cy="63"/>
+          </a:xfrm>
+          <a:prstGeom prst="straightConnector1">
+            <a:avLst/>
+          </a:prstGeom>
+          <a:ln w="19050">
+            <a:solidFill>
+              <a:schemeClr val="tx1"/>
+            </a:solidFill>
+            <a:tailEnd type="triangle"/>
+          </a:ln>
+        </p:spPr>
+        <p:style>
+          <a:lnRef idx="1">
+            <a:schemeClr val="accent1"/>
+          </a:lnRef>
+          <a:fillRef idx="0">
+            <a:schemeClr val="accent1"/>
+          </a:fillRef>
+          <a:effectRef idx="0">
+            <a:schemeClr val="accent1"/>
+          </a:effectRef>
+          <a:fontRef idx="minor">
+            <a:schemeClr val="tx1"/>
+          </a:fontRef>
+        </p:style>
+      </p:cxnSp>
+      <p:cxnSp>
+        <p:nvCxnSpPr>
+          <p:cNvPr id="6" name="Straight Arrow Connector 5">
+            <a:extLst>
+              <a:ext uri="{FF2B5EF4-FFF2-40B4-BE49-F238E27FC236}">
+                <a16:creationId xmlns:a16="http://schemas.microsoft.com/office/drawing/2014/main" id="{E9696240-4086-1444-6F49-0323740BB048}"/>
+              </a:ext>
+            </a:extLst>
+          </p:cNvPr>
+          <p:cNvCxnSpPr>
+            <a:cxnSpLocks/>
+          </p:cNvCxnSpPr>
+          <p:nvPr/>
+        </p:nvCxnSpPr>
+        <p:spPr>
+          <a:xfrm>
+            <a:off x="1236692" y="4595588"/>
+            <a:ext cx="424158" cy="0"/>
+          </a:xfrm>
+          <a:prstGeom prst="straightConnector1">
+            <a:avLst/>
+          </a:prstGeom>
+          <a:ln w="19050">
+            <a:solidFill>
+              <a:schemeClr val="tx1"/>
+            </a:solidFill>
+            <a:tailEnd type="triangle"/>
+          </a:ln>
+        </p:spPr>
+        <p:style>
+          <a:lnRef idx="1">
+            <a:schemeClr val="accent1"/>
+          </a:lnRef>
+          <a:fillRef idx="0">
+            <a:schemeClr val="accent1"/>
+          </a:fillRef>
+          <a:effectRef idx="0">
+            <a:schemeClr val="accent1"/>
+          </a:effectRef>
+          <a:fontRef idx="minor">
+            <a:schemeClr val="tx1"/>
+          </a:fontRef>
+        </p:style>
+      </p:cxnSp>
+      <p:pic>
+        <p:nvPicPr>
+          <p:cNvPr id="1030" name="Picture 6" descr="Authentication icon PNG and SVG Vector Free Download">
+            <a:extLst>
+              <a:ext uri="{FF2B5EF4-FFF2-40B4-BE49-F238E27FC236}">
+                <a16:creationId xmlns:a16="http://schemas.microsoft.com/office/drawing/2014/main" id="{4793F706-867C-2C5B-F8C9-6BDAB486E87D}"/>
+              </a:ext>
+            </a:extLst>
+          </p:cNvPr>
+          <p:cNvPicPr>
+            <a:picLocks noChangeAspect="1" noChangeArrowheads="1"/>
+          </p:cNvPicPr>
+          <p:nvPr/>
+        </p:nvPicPr>
+        <p:blipFill>
+          <a:blip r:embed="rId12">
+            <a:extLst>
+              <a:ext uri="{28A0092B-C50C-407E-A947-70E740481C1C}">
+                <a14:useLocalDpi xmlns:a14="http://schemas.microsoft.com/office/drawing/2010/main" val="0"/>
+              </a:ext>
+            </a:extLst>
+          </a:blip>
+          <a:srcRect/>
+          <a:stretch>
+            <a:fillRect/>
+          </a:stretch>
+        </p:blipFill>
+        <p:spPr bwMode="auto">
+          <a:xfrm>
+            <a:off x="4471088" y="1866577"/>
+            <a:ext cx="395308" cy="441917"/>
+          </a:xfrm>
+          <a:prstGeom prst="rect">
+            <a:avLst/>
+          </a:prstGeom>
+          <a:noFill/>
+          <a:extLst>
+            <a:ext uri="{909E8E84-426E-40DD-AFC4-6F175D3DCCD1}">
+              <a14:hiddenFill xmlns:a14="http://schemas.microsoft.com/office/drawing/2010/main">
+                <a:solidFill>
+                  <a:srgbClr val="FFFFFF"/>
+                </a:solidFill>
+              </a14:hiddenFill>
+            </a:ext>
+          </a:extLst>
+        </p:spPr>
+      </p:pic>
     </p:spTree>
     <p:extLst>
       <p:ext uri="{BB962C8B-B14F-4D97-AF65-F5344CB8AC3E}">
@@ -9617,6 +9847,146 @@
                                   </p:childTnLst>
                                 </p:cTn>
                               </p:par>
+                              <p:par>
+                                <p:cTn id="11" presetID="10" presetClass="entr" presetSubtype="0" fill="hold" nodeType="withEffect">
+                                  <p:stCondLst>
+                                    <p:cond delay="0"/>
+                                  </p:stCondLst>
+                                  <p:childTnLst>
+                                    <p:set>
+                                      <p:cBhvr>
+                                        <p:cTn id="12" dur="1" fill="hold">
+                                          <p:stCondLst>
+                                            <p:cond delay="0"/>
+                                          </p:stCondLst>
+                                        </p:cTn>
+                                        <p:tgtEl>
+                                          <p:spTgt spid="1026"/>
+                                        </p:tgtEl>
+                                        <p:attrNameLst>
+                                          <p:attrName>style.visibility</p:attrName>
+                                        </p:attrNameLst>
+                                      </p:cBhvr>
+                                      <p:to>
+                                        <p:strVal val="visible"/>
+                                      </p:to>
+                                    </p:set>
+                                    <p:animEffect transition="in" filter="fade">
+                                      <p:cBhvr>
+                                        <p:cTn id="13" dur="500"/>
+                                        <p:tgtEl>
+                                          <p:spTgt spid="1026"/>
+                                        </p:tgtEl>
+                                      </p:cBhvr>
+                                    </p:animEffect>
+                                  </p:childTnLst>
+                                </p:cTn>
+                              </p:par>
+                              <p:par>
+                                <p:cTn id="14" presetID="10" presetClass="entr" presetSubtype="0" fill="hold" nodeType="withEffect">
+                                  <p:stCondLst>
+                                    <p:cond delay="0"/>
+                                  </p:stCondLst>
+                                  <p:childTnLst>
+                                    <p:set>
+                                      <p:cBhvr>
+                                        <p:cTn id="15" dur="1" fill="hold">
+                                          <p:stCondLst>
+                                            <p:cond delay="0"/>
+                                          </p:stCondLst>
+                                        </p:cTn>
+                                        <p:tgtEl>
+                                          <p:spTgt spid="1028"/>
+                                        </p:tgtEl>
+                                        <p:attrNameLst>
+                                          <p:attrName>style.visibility</p:attrName>
+                                        </p:attrNameLst>
+                                      </p:cBhvr>
+                                      <p:to>
+                                        <p:strVal val="visible"/>
+                                      </p:to>
+                                    </p:set>
+                                    <p:animEffect transition="in" filter="fade">
+                                      <p:cBhvr>
+                                        <p:cTn id="16" dur="500"/>
+                                        <p:tgtEl>
+                                          <p:spTgt spid="1028"/>
+                                        </p:tgtEl>
+                                      </p:cBhvr>
+                                    </p:animEffect>
+                                  </p:childTnLst>
+                                </p:cTn>
+                              </p:par>
+                              <p:par>
+                                <p:cTn id="17" presetID="10" presetClass="entr" presetSubtype="0" fill="hold" nodeType="withEffect">
+                                  <p:stCondLst>
+                                    <p:cond delay="0"/>
+                                  </p:stCondLst>
+                                  <p:childTnLst>
+                                    <p:set>
+                                      <p:cBhvr>
+                                        <p:cTn id="18" dur="1" fill="hold">
+                                          <p:stCondLst>
+                                            <p:cond delay="0"/>
+                                          </p:stCondLst>
+                                        </p:cTn>
+                                        <p:tgtEl>
+                                          <p:spTgt spid="3"/>
+                                        </p:tgtEl>
+                                        <p:attrNameLst>
+                                          <p:attrName>style.visibility</p:attrName>
+                                        </p:attrNameLst>
+                                      </p:cBhvr>
+                                      <p:to>
+                                        <p:strVal val="visible"/>
+                                      </p:to>
+                                    </p:set>
+                                    <p:animEffect transition="in" filter="fade">
+                                      <p:cBhvr>
+                                        <p:cTn id="19" dur="500"/>
+                                        <p:tgtEl>
+                                          <p:spTgt spid="3"/>
+                                        </p:tgtEl>
+                                      </p:cBhvr>
+                                    </p:animEffect>
+                                  </p:childTnLst>
+                                </p:cTn>
+                              </p:par>
+                              <p:par>
+                                <p:cTn id="20" presetID="10" presetClass="entr" presetSubtype="0" fill="hold" nodeType="withEffect">
+                                  <p:stCondLst>
+                                    <p:cond delay="0"/>
+                                  </p:stCondLst>
+                                  <p:childTnLst>
+                                    <p:set>
+                                      <p:cBhvr>
+                                        <p:cTn id="21" dur="1" fill="hold">
+                                          <p:stCondLst>
+                                            <p:cond delay="0"/>
+                                          </p:stCondLst>
+                                        </p:cTn>
+                                        <p:tgtEl>
+                                          <p:spTgt spid="6"/>
+                                        </p:tgtEl>
+                                        <p:attrNameLst>
+                                          <p:attrName>style.visibility</p:attrName>
+                                        </p:attrNameLst>
+                                      </p:cBhvr>
+                                      <p:to>
+                                        <p:strVal val="visible"/>
+                                      </p:to>
+                                    </p:set>
+                                    <p:animEffect transition="in" filter="fade">
+                                      <p:cBhvr>
+                                        <p:cTn id="22" dur="500"/>
+                                        <p:tgtEl>
+                                          <p:spTgt spid="6"/>
+                                        </p:tgtEl>
+                                      </p:cBhvr>
+                                    </p:animEffect>
+                                  </p:childTnLst>
+                                </p:cTn>
+                              </p:par>
                             </p:childTnLst>
                           </p:cTn>
                         </p:par>
@@ -9624,26 +9994,26 @@
                     </p:cTn>
                   </p:par>
                   <p:par>
-                    <p:cTn id="11" fill="hold">
+                    <p:cTn id="23" fill="hold">
                       <p:stCondLst>
                         <p:cond delay="indefinite"/>
                       </p:stCondLst>
                       <p:childTnLst>
                         <p:par>
-                          <p:cTn id="12" fill="hold">
+                          <p:cTn id="24" fill="hold">
                             <p:stCondLst>
                               <p:cond delay="0"/>
                             </p:stCondLst>
                             <p:childTnLst>
                               <p:par>
-                                <p:cTn id="13" presetID="10" presetClass="entr" presetSubtype="0" fill="hold" nodeType="clickEffect">
+                                <p:cTn id="25" presetID="10" presetClass="entr" presetSubtype="0" fill="hold" nodeType="clickEffect">
                                   <p:stCondLst>
                                     <p:cond delay="0"/>
                                   </p:stCondLst>
                                   <p:childTnLst>
                                     <p:set>
                                       <p:cBhvr>
-                                        <p:cTn id="14" dur="1" fill="hold">
+                                        <p:cTn id="26" dur="1" fill="hold">
                                           <p:stCondLst>
                                             <p:cond delay="0"/>
                                           </p:stCondLst>
@@ -9661,149 +10031,9 @@
                                     </p:set>
                                     <p:animEffect transition="in" filter="fade">
                                       <p:cBhvr>
-                                        <p:cTn id="15" dur="500"/>
+                                        <p:cTn id="27" dur="500"/>
                                         <p:tgtEl>
                                           <p:spTgt spid="90"/>
-                                        </p:tgtEl>
-                                      </p:cBhvr>
-                                    </p:animEffect>
-                                  </p:childTnLst>
-                                </p:cTn>
-                              </p:par>
-                              <p:par>
-                                <p:cTn id="16" presetID="10" presetClass="entr" presetSubtype="0" fill="hold" nodeType="withEffect">
-                                  <p:stCondLst>
-                                    <p:cond delay="0"/>
-                                  </p:stCondLst>
-                                  <p:childTnLst>
-                                    <p:set>
-                                      <p:cBhvr>
-                                        <p:cTn id="17" dur="1" fill="hold">
-                                          <p:stCondLst>
-                                            <p:cond delay="0"/>
-                                          </p:stCondLst>
-                                        </p:cTn>
-                                        <p:tgtEl>
-                                          <p:spTgt spid="91"/>
-                                        </p:tgtEl>
-                                        <p:attrNameLst>
-                                          <p:attrName>style.visibility</p:attrName>
-                                        </p:attrNameLst>
-                                      </p:cBhvr>
-                                      <p:to>
-                                        <p:strVal val="visible"/>
-                                      </p:to>
-                                    </p:set>
-                                    <p:animEffect transition="in" filter="fade">
-                                      <p:cBhvr>
-                                        <p:cTn id="18" dur="500"/>
-                                        <p:tgtEl>
-                                          <p:spTgt spid="91"/>
-                                        </p:tgtEl>
-                                      </p:cBhvr>
-                                    </p:animEffect>
-                                  </p:childTnLst>
-                                </p:cTn>
-                              </p:par>
-                              <p:par>
-                                <p:cTn id="19" presetID="10" presetClass="entr" presetSubtype="0" fill="hold" grpId="0" nodeType="withEffect">
-                                  <p:stCondLst>
-                                    <p:cond delay="0"/>
-                                  </p:stCondLst>
-                                  <p:childTnLst>
-                                    <p:set>
-                                      <p:cBhvr>
-                                        <p:cTn id="20" dur="1" fill="hold">
-                                          <p:stCondLst>
-                                            <p:cond delay="0"/>
-                                          </p:stCondLst>
-                                        </p:cTn>
-                                        <p:tgtEl>
-                                          <p:spTgt spid="55"/>
-                                        </p:tgtEl>
-                                        <p:attrNameLst>
-                                          <p:attrName>style.visibility</p:attrName>
-                                        </p:attrNameLst>
-                                      </p:cBhvr>
-                                      <p:to>
-                                        <p:strVal val="visible"/>
-                                      </p:to>
-                                    </p:set>
-                                    <p:animEffect transition="in" filter="fade">
-                                      <p:cBhvr>
-                                        <p:cTn id="21" dur="500"/>
-                                        <p:tgtEl>
-                                          <p:spTgt spid="55"/>
-                                        </p:tgtEl>
-                                      </p:cBhvr>
-                                    </p:animEffect>
-                                  </p:childTnLst>
-                                </p:cTn>
-                              </p:par>
-                              <p:par>
-                                <p:cTn id="22" presetID="10" presetClass="entr" presetSubtype="0" fill="hold" grpId="0" nodeType="withEffect">
-                                  <p:stCondLst>
-                                    <p:cond delay="0"/>
-                                  </p:stCondLst>
-                                  <p:childTnLst>
-                                    <p:set>
-                                      <p:cBhvr>
-                                        <p:cTn id="23" dur="1" fill="hold">
-                                          <p:stCondLst>
-                                            <p:cond delay="0"/>
-                                          </p:stCondLst>
-                                        </p:cTn>
-                                        <p:tgtEl>
-                                          <p:spTgt spid="68"/>
-                                        </p:tgtEl>
-                                        <p:attrNameLst>
-                                          <p:attrName>style.visibility</p:attrName>
-                                        </p:attrNameLst>
-                                      </p:cBhvr>
-                                      <p:to>
-                                        <p:strVal val="visible"/>
-                                      </p:to>
-                                    </p:set>
-                                    <p:animEffect transition="in" filter="fade">
-                                      <p:cBhvr>
-                                        <p:cTn id="24" dur="500"/>
-                                        <p:tgtEl>
-                                          <p:spTgt spid="68"/>
-                                        </p:tgtEl>
-                                      </p:cBhvr>
-                                    </p:animEffect>
-                                  </p:childTnLst>
-                                </p:cTn>
-                              </p:par>
-                              <p:par>
-                                <p:cTn id="25" presetID="10" presetClass="entr" presetSubtype="0" fill="hold" grpId="0" nodeType="withEffect">
-                                  <p:stCondLst>
-                                    <p:cond delay="0"/>
-                                  </p:stCondLst>
-                                  <p:childTnLst>
-                                    <p:set>
-                                      <p:cBhvr>
-                                        <p:cTn id="26" dur="1" fill="hold">
-                                          <p:stCondLst>
-                                            <p:cond delay="0"/>
-                                          </p:stCondLst>
-                                        </p:cTn>
-                                        <p:tgtEl>
-                                          <p:spTgt spid="59"/>
-                                        </p:tgtEl>
-                                        <p:attrNameLst>
-                                          <p:attrName>style.visibility</p:attrName>
-                                        </p:attrNameLst>
-                                      </p:cBhvr>
-                                      <p:to>
-                                        <p:strVal val="visible"/>
-                                      </p:to>
-                                    </p:set>
-                                    <p:animEffect transition="in" filter="fade">
-                                      <p:cBhvr>
-                                        <p:cTn id="27" dur="500"/>
-                                        <p:tgtEl>
-                                          <p:spTgt spid="59"/>
                                         </p:tgtEl>
                                       </p:cBhvr>
                                     </p:animEffect>
@@ -9824,7 +10054,7 @@
                                           </p:stCondLst>
                                         </p:cTn>
                                         <p:tgtEl>
-                                          <p:spTgt spid="69"/>
+                                          <p:spTgt spid="91"/>
                                         </p:tgtEl>
                                         <p:attrNameLst>
                                           <p:attrName>style.visibility</p:attrName>
@@ -9838,6 +10068,146 @@
                                       <p:cBhvr>
                                         <p:cTn id="30" dur="500"/>
                                         <p:tgtEl>
+                                          <p:spTgt spid="91"/>
+                                        </p:tgtEl>
+                                      </p:cBhvr>
+                                    </p:animEffect>
+                                  </p:childTnLst>
+                                </p:cTn>
+                              </p:par>
+                              <p:par>
+                                <p:cTn id="31" presetID="10" presetClass="entr" presetSubtype="0" fill="hold" grpId="0" nodeType="withEffect">
+                                  <p:stCondLst>
+                                    <p:cond delay="0"/>
+                                  </p:stCondLst>
+                                  <p:childTnLst>
+                                    <p:set>
+                                      <p:cBhvr>
+                                        <p:cTn id="32" dur="1" fill="hold">
+                                          <p:stCondLst>
+                                            <p:cond delay="0"/>
+                                          </p:stCondLst>
+                                        </p:cTn>
+                                        <p:tgtEl>
+                                          <p:spTgt spid="55"/>
+                                        </p:tgtEl>
+                                        <p:attrNameLst>
+                                          <p:attrName>style.visibility</p:attrName>
+                                        </p:attrNameLst>
+                                      </p:cBhvr>
+                                      <p:to>
+                                        <p:strVal val="visible"/>
+                                      </p:to>
+                                    </p:set>
+                                    <p:animEffect transition="in" filter="fade">
+                                      <p:cBhvr>
+                                        <p:cTn id="33" dur="500"/>
+                                        <p:tgtEl>
+                                          <p:spTgt spid="55"/>
+                                        </p:tgtEl>
+                                      </p:cBhvr>
+                                    </p:animEffect>
+                                  </p:childTnLst>
+                                </p:cTn>
+                              </p:par>
+                              <p:par>
+                                <p:cTn id="34" presetID="10" presetClass="entr" presetSubtype="0" fill="hold" grpId="0" nodeType="withEffect">
+                                  <p:stCondLst>
+                                    <p:cond delay="0"/>
+                                  </p:stCondLst>
+                                  <p:childTnLst>
+                                    <p:set>
+                                      <p:cBhvr>
+                                        <p:cTn id="35" dur="1" fill="hold">
+                                          <p:stCondLst>
+                                            <p:cond delay="0"/>
+                                          </p:stCondLst>
+                                        </p:cTn>
+                                        <p:tgtEl>
+                                          <p:spTgt spid="68"/>
+                                        </p:tgtEl>
+                                        <p:attrNameLst>
+                                          <p:attrName>style.visibility</p:attrName>
+                                        </p:attrNameLst>
+                                      </p:cBhvr>
+                                      <p:to>
+                                        <p:strVal val="visible"/>
+                                      </p:to>
+                                    </p:set>
+                                    <p:animEffect transition="in" filter="fade">
+                                      <p:cBhvr>
+                                        <p:cTn id="36" dur="500"/>
+                                        <p:tgtEl>
+                                          <p:spTgt spid="68"/>
+                                        </p:tgtEl>
+                                      </p:cBhvr>
+                                    </p:animEffect>
+                                  </p:childTnLst>
+                                </p:cTn>
+                              </p:par>
+                              <p:par>
+                                <p:cTn id="37" presetID="10" presetClass="entr" presetSubtype="0" fill="hold" grpId="0" nodeType="withEffect">
+                                  <p:stCondLst>
+                                    <p:cond delay="0"/>
+                                  </p:stCondLst>
+                                  <p:childTnLst>
+                                    <p:set>
+                                      <p:cBhvr>
+                                        <p:cTn id="38" dur="1" fill="hold">
+                                          <p:stCondLst>
+                                            <p:cond delay="0"/>
+                                          </p:stCondLst>
+                                        </p:cTn>
+                                        <p:tgtEl>
+                                          <p:spTgt spid="59"/>
+                                        </p:tgtEl>
+                                        <p:attrNameLst>
+                                          <p:attrName>style.visibility</p:attrName>
+                                        </p:attrNameLst>
+                                      </p:cBhvr>
+                                      <p:to>
+                                        <p:strVal val="visible"/>
+                                      </p:to>
+                                    </p:set>
+                                    <p:animEffect transition="in" filter="fade">
+                                      <p:cBhvr>
+                                        <p:cTn id="39" dur="500"/>
+                                        <p:tgtEl>
+                                          <p:spTgt spid="59"/>
+                                        </p:tgtEl>
+                                      </p:cBhvr>
+                                    </p:animEffect>
+                                  </p:childTnLst>
+                                </p:cTn>
+                              </p:par>
+                              <p:par>
+                                <p:cTn id="40" presetID="10" presetClass="entr" presetSubtype="0" fill="hold" nodeType="withEffect">
+                                  <p:stCondLst>
+                                    <p:cond delay="0"/>
+                                  </p:stCondLst>
+                                  <p:childTnLst>
+                                    <p:set>
+                                      <p:cBhvr>
+                                        <p:cTn id="41" dur="1" fill="hold">
+                                          <p:stCondLst>
+                                            <p:cond delay="0"/>
+                                          </p:stCondLst>
+                                        </p:cTn>
+                                        <p:tgtEl>
+                                          <p:spTgt spid="69"/>
+                                        </p:tgtEl>
+                                        <p:attrNameLst>
+                                          <p:attrName>style.visibility</p:attrName>
+                                        </p:attrNameLst>
+                                      </p:cBhvr>
+                                      <p:to>
+                                        <p:strVal val="visible"/>
+                                      </p:to>
+                                    </p:set>
+                                    <p:animEffect transition="in" filter="fade">
+                                      <p:cBhvr>
+                                        <p:cTn id="42" dur="500"/>
+                                        <p:tgtEl>
                                           <p:spTgt spid="69"/>
                                         </p:tgtEl>
                                       </p:cBhvr>
@@ -9846,14 +10216,14 @@
                                 </p:cTn>
                               </p:par>
                               <p:par>
-                                <p:cTn id="31" presetID="10" presetClass="entr" presetSubtype="0" fill="hold" nodeType="withEffect">
+                                <p:cTn id="43" presetID="10" presetClass="entr" presetSubtype="0" fill="hold" nodeType="withEffect">
                                   <p:stCondLst>
                                     <p:cond delay="0"/>
                                   </p:stCondLst>
                                   <p:childTnLst>
                                     <p:set>
                                       <p:cBhvr>
-                                        <p:cTn id="32" dur="1" fill="hold">
+                                        <p:cTn id="44" dur="1" fill="hold">
                                           <p:stCondLst>
                                             <p:cond delay="0"/>
                                           </p:stCondLst>
@@ -9871,9 +10241,44 @@
                                     </p:set>
                                     <p:animEffect transition="in" filter="fade">
                                       <p:cBhvr>
-                                        <p:cTn id="33" dur="500"/>
+                                        <p:cTn id="45" dur="500"/>
                                         <p:tgtEl>
                                           <p:spTgt spid="67"/>
+                                        </p:tgtEl>
+                                      </p:cBhvr>
+                                    </p:animEffect>
+                                  </p:childTnLst>
+                                </p:cTn>
+                              </p:par>
+                              <p:par>
+                                <p:cTn id="46" presetID="10" presetClass="entr" presetSubtype="0" fill="hold" nodeType="withEffect">
+                                  <p:stCondLst>
+                                    <p:cond delay="0"/>
+                                  </p:stCondLst>
+                                  <p:childTnLst>
+                                    <p:set>
+                                      <p:cBhvr>
+                                        <p:cTn id="47" dur="1" fill="hold">
+                                          <p:stCondLst>
+                                            <p:cond delay="0"/>
+                                          </p:stCondLst>
+                                        </p:cTn>
+                                        <p:tgtEl>
+                                          <p:spTgt spid="1030"/>
+                                        </p:tgtEl>
+                                        <p:attrNameLst>
+                                          <p:attrName>style.visibility</p:attrName>
+                                        </p:attrNameLst>
+                                      </p:cBhvr>
+                                      <p:to>
+                                        <p:strVal val="visible"/>
+                                      </p:to>
+                                    </p:set>
+                                    <p:animEffect transition="in" filter="fade">
+                                      <p:cBhvr>
+                                        <p:cTn id="48" dur="500"/>
+                                        <p:tgtEl>
+                                          <p:spTgt spid="1030"/>
                                         </p:tgtEl>
                                       </p:cBhvr>
                                     </p:animEffect>
@@ -9887,26 +10292,26 @@
                     </p:cTn>
                   </p:par>
                   <p:par>
-                    <p:cTn id="34" fill="hold">
+                    <p:cTn id="49" fill="hold">
                       <p:stCondLst>
                         <p:cond delay="indefinite"/>
                       </p:stCondLst>
                       <p:childTnLst>
                         <p:par>
-                          <p:cTn id="35" fill="hold">
+                          <p:cTn id="50" fill="hold">
                             <p:stCondLst>
                               <p:cond delay="0"/>
                             </p:stCondLst>
                             <p:childTnLst>
                               <p:par>
-                                <p:cTn id="36" presetID="10" presetClass="entr" presetSubtype="0" fill="hold" nodeType="clickEffect">
+                                <p:cTn id="51" presetID="10" presetClass="entr" presetSubtype="0" fill="hold" nodeType="clickEffect">
                                   <p:stCondLst>
                                     <p:cond delay="0"/>
                                   </p:stCondLst>
                                   <p:childTnLst>
                                     <p:set>
                                       <p:cBhvr>
-                                        <p:cTn id="37" dur="1" fill="hold">
+                                        <p:cTn id="52" dur="1" fill="hold">
                                           <p:stCondLst>
                                             <p:cond delay="0"/>
                                           </p:stCondLst>
@@ -9924,7 +10329,7 @@
                                     </p:set>
                                     <p:animEffect transition="in" filter="fade">
                                       <p:cBhvr>
-                                        <p:cTn id="38" dur="500"/>
+                                        <p:cTn id="53" dur="500"/>
                                         <p:tgtEl>
                                           <p:spTgt spid="86"/>
                                         </p:tgtEl>
@@ -9934,14 +10339,14 @@
                                 </p:cTn>
                               </p:par>
                               <p:par>
-                                <p:cTn id="39" presetID="10" presetClass="entr" presetSubtype="0" fill="hold" nodeType="withEffect">
+                                <p:cTn id="54" presetID="10" presetClass="entr" presetSubtype="0" fill="hold" nodeType="withEffect">
                                   <p:stCondLst>
                                     <p:cond delay="0"/>
                                   </p:stCondLst>
                                   <p:childTnLst>
                                     <p:set>
                                       <p:cBhvr>
-                                        <p:cTn id="40" dur="1" fill="hold">
+                                        <p:cTn id="55" dur="1" fill="hold">
                                           <p:stCondLst>
                                             <p:cond delay="0"/>
                                           </p:stCondLst>
@@ -9959,184 +10364,9 @@
                                     </p:set>
                                     <p:animEffect transition="in" filter="fade">
                                       <p:cBhvr>
-                                        <p:cTn id="41" dur="500"/>
+                                        <p:cTn id="56" dur="500"/>
                                         <p:tgtEl>
                                           <p:spTgt spid="87"/>
-                                        </p:tgtEl>
-                                      </p:cBhvr>
-                                    </p:animEffect>
-                                  </p:childTnLst>
-                                </p:cTn>
-                              </p:par>
-                              <p:par>
-                                <p:cTn id="42" presetID="10" presetClass="entr" presetSubtype="0" fill="hold" nodeType="withEffect">
-                                  <p:stCondLst>
-                                    <p:cond delay="0"/>
-                                  </p:stCondLst>
-                                  <p:childTnLst>
-                                    <p:set>
-                                      <p:cBhvr>
-                                        <p:cTn id="43" dur="1" fill="hold">
-                                          <p:stCondLst>
-                                            <p:cond delay="0"/>
-                                          </p:stCondLst>
-                                        </p:cTn>
-                                        <p:tgtEl>
-                                          <p:spTgt spid="88"/>
-                                        </p:tgtEl>
-                                        <p:attrNameLst>
-                                          <p:attrName>style.visibility</p:attrName>
-                                        </p:attrNameLst>
-                                      </p:cBhvr>
-                                      <p:to>
-                                        <p:strVal val="visible"/>
-                                      </p:to>
-                                    </p:set>
-                                    <p:animEffect transition="in" filter="fade">
-                                      <p:cBhvr>
-                                        <p:cTn id="44" dur="500"/>
-                                        <p:tgtEl>
-                                          <p:spTgt spid="88"/>
-                                        </p:tgtEl>
-                                      </p:cBhvr>
-                                    </p:animEffect>
-                                  </p:childTnLst>
-                                </p:cTn>
-                              </p:par>
-                              <p:par>
-                                <p:cTn id="45" presetID="10" presetClass="entr" presetSubtype="0" fill="hold" nodeType="withEffect">
-                                  <p:stCondLst>
-                                    <p:cond delay="0"/>
-                                  </p:stCondLst>
-                                  <p:childTnLst>
-                                    <p:set>
-                                      <p:cBhvr>
-                                        <p:cTn id="46" dur="1" fill="hold">
-                                          <p:stCondLst>
-                                            <p:cond delay="0"/>
-                                          </p:stCondLst>
-                                        </p:cTn>
-                                        <p:tgtEl>
-                                          <p:spTgt spid="89"/>
-                                        </p:tgtEl>
-                                        <p:attrNameLst>
-                                          <p:attrName>style.visibility</p:attrName>
-                                        </p:attrNameLst>
-                                      </p:cBhvr>
-                                      <p:to>
-                                        <p:strVal val="visible"/>
-                                      </p:to>
-                                    </p:set>
-                                    <p:animEffect transition="in" filter="fade">
-                                      <p:cBhvr>
-                                        <p:cTn id="47" dur="500"/>
-                                        <p:tgtEl>
-                                          <p:spTgt spid="89"/>
-                                        </p:tgtEl>
-                                      </p:cBhvr>
-                                    </p:animEffect>
-                                  </p:childTnLst>
-                                </p:cTn>
-                              </p:par>
-                              <p:par>
-                                <p:cTn id="48" presetID="10" presetClass="entr" presetSubtype="0" fill="hold" grpId="0" nodeType="withEffect">
-                                  <p:stCondLst>
-                                    <p:cond delay="0"/>
-                                  </p:stCondLst>
-                                  <p:childTnLst>
-                                    <p:set>
-                                      <p:cBhvr>
-                                        <p:cTn id="49" dur="1" fill="hold">
-                                          <p:stCondLst>
-                                            <p:cond delay="0"/>
-                                          </p:stCondLst>
-                                        </p:cTn>
-                                        <p:tgtEl>
-                                          <p:spTgt spid="58"/>
-                                        </p:tgtEl>
-                                        <p:attrNameLst>
-                                          <p:attrName>style.visibility</p:attrName>
-                                        </p:attrNameLst>
-                                      </p:cBhvr>
-                                      <p:to>
-                                        <p:strVal val="visible"/>
-                                      </p:to>
-                                    </p:set>
-                                    <p:animEffect transition="in" filter="fade">
-                                      <p:cBhvr>
-                                        <p:cTn id="50" dur="500"/>
-                                        <p:tgtEl>
-                                          <p:spTgt spid="58"/>
-                                        </p:tgtEl>
-                                      </p:cBhvr>
-                                    </p:animEffect>
-                                  </p:childTnLst>
-                                </p:cTn>
-                              </p:par>
-                              <p:par>
-                                <p:cTn id="51" presetID="10" presetClass="entr" presetSubtype="0" fill="hold" grpId="0" nodeType="withEffect">
-                                  <p:stCondLst>
-                                    <p:cond delay="0"/>
-                                  </p:stCondLst>
-                                  <p:childTnLst>
-                                    <p:set>
-                                      <p:cBhvr>
-                                        <p:cTn id="52" dur="1" fill="hold">
-                                          <p:stCondLst>
-                                            <p:cond delay="0"/>
-                                          </p:stCondLst>
-                                        </p:cTn>
-                                        <p:tgtEl>
-                                          <p:spTgt spid="56"/>
-                                        </p:tgtEl>
-                                        <p:attrNameLst>
-                                          <p:attrName>style.visibility</p:attrName>
-                                        </p:attrNameLst>
-                                      </p:cBhvr>
-                                      <p:to>
-                                        <p:strVal val="visible"/>
-                                      </p:to>
-                                    </p:set>
-                                    <p:animEffect transition="in" filter="fade">
-                                      <p:cBhvr>
-                                        <p:cTn id="53" dur="500"/>
-                                        <p:tgtEl>
-                                          <p:spTgt spid="56"/>
-                                        </p:tgtEl>
-                                      </p:cBhvr>
-                                    </p:animEffect>
-                                  </p:childTnLst>
-                                </p:cTn>
-                              </p:par>
-                              <p:par>
-                                <p:cTn id="54" presetID="10" presetClass="entr" presetSubtype="0" fill="hold" grpId="0" nodeType="withEffect">
-                                  <p:stCondLst>
-                                    <p:cond delay="0"/>
-                                  </p:stCondLst>
-                                  <p:childTnLst>
-                                    <p:set>
-                                      <p:cBhvr>
-                                        <p:cTn id="55" dur="1" fill="hold">
-                                          <p:stCondLst>
-                                            <p:cond delay="0"/>
-                                          </p:stCondLst>
-                                        </p:cTn>
-                                        <p:tgtEl>
-                                          <p:spTgt spid="57"/>
-                                        </p:tgtEl>
-                                        <p:attrNameLst>
-                                          <p:attrName>style.visibility</p:attrName>
-                                        </p:attrNameLst>
-                                      </p:cBhvr>
-                                      <p:to>
-                                        <p:strVal val="visible"/>
-                                      </p:to>
-                                    </p:set>
-                                    <p:animEffect transition="in" filter="fade">
-                                      <p:cBhvr>
-                                        <p:cTn id="56" dur="500"/>
-                                        <p:tgtEl>
-                                          <p:spTgt spid="57"/>
                                         </p:tgtEl>
                                       </p:cBhvr>
                                     </p:animEffect>
@@ -10157,7 +10387,7 @@
                                           </p:stCondLst>
                                         </p:cTn>
                                         <p:tgtEl>
-                                          <p:spTgt spid="62"/>
+                                          <p:spTgt spid="88"/>
                                         </p:tgtEl>
                                         <p:attrNameLst>
                                           <p:attrName>style.visibility</p:attrName>
@@ -10171,7 +10401,7 @@
                                       <p:cBhvr>
                                         <p:cTn id="59" dur="500"/>
                                         <p:tgtEl>
-                                          <p:spTgt spid="62"/>
+                                          <p:spTgt spid="88"/>
                                         </p:tgtEl>
                                       </p:cBhvr>
                                     </p:animEffect>
@@ -10192,7 +10422,7 @@
                                           </p:stCondLst>
                                         </p:cTn>
                                         <p:tgtEl>
-                                          <p:spTgt spid="60"/>
+                                          <p:spTgt spid="89"/>
                                         </p:tgtEl>
                                         <p:attrNameLst>
                                           <p:attrName>style.visibility</p:attrName>
@@ -10206,6 +10436,181 @@
                                       <p:cBhvr>
                                         <p:cTn id="62" dur="500"/>
                                         <p:tgtEl>
+                                          <p:spTgt spid="89"/>
+                                        </p:tgtEl>
+                                      </p:cBhvr>
+                                    </p:animEffect>
+                                  </p:childTnLst>
+                                </p:cTn>
+                              </p:par>
+                              <p:par>
+                                <p:cTn id="63" presetID="10" presetClass="entr" presetSubtype="0" fill="hold" grpId="0" nodeType="withEffect">
+                                  <p:stCondLst>
+                                    <p:cond delay="0"/>
+                                  </p:stCondLst>
+                                  <p:childTnLst>
+                                    <p:set>
+                                      <p:cBhvr>
+                                        <p:cTn id="64" dur="1" fill="hold">
+                                          <p:stCondLst>
+                                            <p:cond delay="0"/>
+                                          </p:stCondLst>
+                                        </p:cTn>
+                                        <p:tgtEl>
+                                          <p:spTgt spid="58"/>
+                                        </p:tgtEl>
+                                        <p:attrNameLst>
+                                          <p:attrName>style.visibility</p:attrName>
+                                        </p:attrNameLst>
+                                      </p:cBhvr>
+                                      <p:to>
+                                        <p:strVal val="visible"/>
+                                      </p:to>
+                                    </p:set>
+                                    <p:animEffect transition="in" filter="fade">
+                                      <p:cBhvr>
+                                        <p:cTn id="65" dur="500"/>
+                                        <p:tgtEl>
+                                          <p:spTgt spid="58"/>
+                                        </p:tgtEl>
+                                      </p:cBhvr>
+                                    </p:animEffect>
+                                  </p:childTnLst>
+                                </p:cTn>
+                              </p:par>
+                              <p:par>
+                                <p:cTn id="66" presetID="10" presetClass="entr" presetSubtype="0" fill="hold" grpId="0" nodeType="withEffect">
+                                  <p:stCondLst>
+                                    <p:cond delay="0"/>
+                                  </p:stCondLst>
+                                  <p:childTnLst>
+                                    <p:set>
+                                      <p:cBhvr>
+                                        <p:cTn id="67" dur="1" fill="hold">
+                                          <p:stCondLst>
+                                            <p:cond delay="0"/>
+                                          </p:stCondLst>
+                                        </p:cTn>
+                                        <p:tgtEl>
+                                          <p:spTgt spid="56"/>
+                                        </p:tgtEl>
+                                        <p:attrNameLst>
+                                          <p:attrName>style.visibility</p:attrName>
+                                        </p:attrNameLst>
+                                      </p:cBhvr>
+                                      <p:to>
+                                        <p:strVal val="visible"/>
+                                      </p:to>
+                                    </p:set>
+                                    <p:animEffect transition="in" filter="fade">
+                                      <p:cBhvr>
+                                        <p:cTn id="68" dur="500"/>
+                                        <p:tgtEl>
+                                          <p:spTgt spid="56"/>
+                                        </p:tgtEl>
+                                      </p:cBhvr>
+                                    </p:animEffect>
+                                  </p:childTnLst>
+                                </p:cTn>
+                              </p:par>
+                              <p:par>
+                                <p:cTn id="69" presetID="10" presetClass="entr" presetSubtype="0" fill="hold" grpId="0" nodeType="withEffect">
+                                  <p:stCondLst>
+                                    <p:cond delay="0"/>
+                                  </p:stCondLst>
+                                  <p:childTnLst>
+                                    <p:set>
+                                      <p:cBhvr>
+                                        <p:cTn id="70" dur="1" fill="hold">
+                                          <p:stCondLst>
+                                            <p:cond delay="0"/>
+                                          </p:stCondLst>
+                                        </p:cTn>
+                                        <p:tgtEl>
+                                          <p:spTgt spid="57"/>
+                                        </p:tgtEl>
+                                        <p:attrNameLst>
+                                          <p:attrName>style.visibility</p:attrName>
+                                        </p:attrNameLst>
+                                      </p:cBhvr>
+                                      <p:to>
+                                        <p:strVal val="visible"/>
+                                      </p:to>
+                                    </p:set>
+                                    <p:animEffect transition="in" filter="fade">
+                                      <p:cBhvr>
+                                        <p:cTn id="71" dur="500"/>
+                                        <p:tgtEl>
+                                          <p:spTgt spid="57"/>
+                                        </p:tgtEl>
+                                      </p:cBhvr>
+                                    </p:animEffect>
+                                  </p:childTnLst>
+                                </p:cTn>
+                              </p:par>
+                              <p:par>
+                                <p:cTn id="72" presetID="10" presetClass="entr" presetSubtype="0" fill="hold" nodeType="withEffect">
+                                  <p:stCondLst>
+                                    <p:cond delay="0"/>
+                                  </p:stCondLst>
+                                  <p:childTnLst>
+                                    <p:set>
+                                      <p:cBhvr>
+                                        <p:cTn id="73" dur="1" fill="hold">
+                                          <p:stCondLst>
+                                            <p:cond delay="0"/>
+                                          </p:stCondLst>
+                                        </p:cTn>
+                                        <p:tgtEl>
+                                          <p:spTgt spid="62"/>
+                                        </p:tgtEl>
+                                        <p:attrNameLst>
+                                          <p:attrName>style.visibility</p:attrName>
+                                        </p:attrNameLst>
+                                      </p:cBhvr>
+                                      <p:to>
+                                        <p:strVal val="visible"/>
+                                      </p:to>
+                                    </p:set>
+                                    <p:animEffect transition="in" filter="fade">
+                                      <p:cBhvr>
+                                        <p:cTn id="74" dur="500"/>
+                                        <p:tgtEl>
+                                          <p:spTgt spid="62"/>
+                                        </p:tgtEl>
+                                      </p:cBhvr>
+                                    </p:animEffect>
+                                  </p:childTnLst>
+                                </p:cTn>
+                              </p:par>
+                              <p:par>
+                                <p:cTn id="75" presetID="10" presetClass="entr" presetSubtype="0" fill="hold" nodeType="withEffect">
+                                  <p:stCondLst>
+                                    <p:cond delay="0"/>
+                                  </p:stCondLst>
+                                  <p:childTnLst>
+                                    <p:set>
+                                      <p:cBhvr>
+                                        <p:cTn id="76" dur="1" fill="hold">
+                                          <p:stCondLst>
+                                            <p:cond delay="0"/>
+                                          </p:stCondLst>
+                                        </p:cTn>
+                                        <p:tgtEl>
+                                          <p:spTgt spid="60"/>
+                                        </p:tgtEl>
+                                        <p:attrNameLst>
+                                          <p:attrName>style.visibility</p:attrName>
+                                        </p:attrNameLst>
+                                      </p:cBhvr>
+                                      <p:to>
+                                        <p:strVal val="visible"/>
+                                      </p:to>
+                                    </p:set>
+                                    <p:animEffect transition="in" filter="fade">
+                                      <p:cBhvr>
+                                        <p:cTn id="77" dur="500"/>
+                                        <p:tgtEl>
                                           <p:spTgt spid="60"/>
                                         </p:tgtEl>
                                       </p:cBhvr>
@@ -10214,14 +10619,14 @@
                                 </p:cTn>
                               </p:par>
                               <p:par>
-                                <p:cTn id="63" presetID="10" presetClass="entr" presetSubtype="0" fill="hold" nodeType="withEffect">
+                                <p:cTn id="78" presetID="10" presetClass="entr" presetSubtype="0" fill="hold" nodeType="withEffect">
                                   <p:stCondLst>
                                     <p:cond delay="0"/>
                                   </p:stCondLst>
                                   <p:childTnLst>
                                     <p:set>
                                       <p:cBhvr>
-                                        <p:cTn id="64" dur="1" fill="hold">
+                                        <p:cTn id="79" dur="1" fill="hold">
                                           <p:stCondLst>
                                             <p:cond delay="0"/>
                                           </p:stCondLst>
@@ -10239,7 +10644,7 @@
                                     </p:set>
                                     <p:animEffect transition="in" filter="fade">
                                       <p:cBhvr>
-                                        <p:cTn id="65" dur="500"/>
+                                        <p:cTn id="80" dur="500"/>
                                         <p:tgtEl>
                                           <p:spTgt spid="61"/>
                                         </p:tgtEl>
@@ -10255,26 +10660,26 @@
                     </p:cTn>
                   </p:par>
                   <p:par>
-                    <p:cTn id="66" fill="hold">
+                    <p:cTn id="81" fill="hold">
                       <p:stCondLst>
                         <p:cond delay="indefinite"/>
                       </p:stCondLst>
                       <p:childTnLst>
                         <p:par>
-                          <p:cTn id="67" fill="hold">
+                          <p:cTn id="82" fill="hold">
                             <p:stCondLst>
                               <p:cond delay="0"/>
                             </p:stCondLst>
                             <p:childTnLst>
                               <p:par>
-                                <p:cTn id="68" presetID="10" presetClass="entr" presetSubtype="0" fill="hold" nodeType="clickEffect">
+                                <p:cTn id="83" presetID="10" presetClass="entr" presetSubtype="0" fill="hold" nodeType="clickEffect">
                                   <p:stCondLst>
                                     <p:cond delay="0"/>
                                   </p:stCondLst>
                                   <p:childTnLst>
                                     <p:set>
                                       <p:cBhvr>
-                                        <p:cTn id="69" dur="1" fill="hold">
+                                        <p:cTn id="84" dur="1" fill="hold">
                                           <p:stCondLst>
                                             <p:cond delay="0"/>
                                           </p:stCondLst>
@@ -10292,7 +10697,7 @@
                                     </p:set>
                                     <p:animEffect transition="in" filter="fade">
                                       <p:cBhvr>
-                                        <p:cTn id="70" dur="500"/>
+                                        <p:cTn id="85" dur="500"/>
                                         <p:tgtEl>
                                           <p:spTgt spid="83"/>
                                         </p:tgtEl>
@@ -10302,14 +10707,14 @@
                                 </p:cTn>
                               </p:par>
                               <p:par>
-                                <p:cTn id="71" presetID="10" presetClass="entr" presetSubtype="0" fill="hold" nodeType="withEffect">
+                                <p:cTn id="86" presetID="10" presetClass="entr" presetSubtype="0" fill="hold" nodeType="withEffect">
                                   <p:stCondLst>
                                     <p:cond delay="0"/>
                                   </p:stCondLst>
                                   <p:childTnLst>
                                     <p:set>
                                       <p:cBhvr>
-                                        <p:cTn id="72" dur="1" fill="hold">
+                                        <p:cTn id="87" dur="1" fill="hold">
                                           <p:stCondLst>
                                             <p:cond delay="0"/>
                                           </p:stCondLst>
@@ -10327,7 +10732,7 @@
                                     </p:set>
                                     <p:animEffect transition="in" filter="fade">
                                       <p:cBhvr>
-                                        <p:cTn id="73" dur="500"/>
+                                        <p:cTn id="88" dur="500"/>
                                         <p:tgtEl>
                                           <p:spTgt spid="84"/>
                                         </p:tgtEl>
@@ -10337,14 +10742,14 @@
                                 </p:cTn>
                               </p:par>
                               <p:par>
-                                <p:cTn id="74" presetID="10" presetClass="entr" presetSubtype="0" fill="hold" nodeType="withEffect">
+                                <p:cTn id="89" presetID="10" presetClass="entr" presetSubtype="0" fill="hold" nodeType="withEffect">
                                   <p:stCondLst>
                                     <p:cond delay="0"/>
                                   </p:stCondLst>
                                   <p:childTnLst>
                                     <p:set>
                                       <p:cBhvr>
-                                        <p:cTn id="75" dur="1" fill="hold">
+                                        <p:cTn id="90" dur="1" fill="hold">
                                           <p:stCondLst>
                                             <p:cond delay="0"/>
                                           </p:stCondLst>
@@ -10362,7 +10767,7 @@
                                     </p:set>
                                     <p:animEffect transition="in" filter="fade">
                                       <p:cBhvr>
-                                        <p:cTn id="76" dur="500"/>
+                                        <p:cTn id="91" dur="500"/>
                                         <p:tgtEl>
                                           <p:spTgt spid="85"/>
                                         </p:tgtEl>
@@ -10372,14 +10777,14 @@
                                 </p:cTn>
                               </p:par>
                               <p:par>
-                                <p:cTn id="77" presetID="10" presetClass="entr" presetSubtype="0" fill="hold" grpId="0" nodeType="withEffect">
+                                <p:cTn id="92" presetID="10" presetClass="entr" presetSubtype="0" fill="hold" grpId="0" nodeType="withEffect">
                                   <p:stCondLst>
                                     <p:cond delay="0"/>
                                   </p:stCondLst>
                                   <p:childTnLst>
                                     <p:set>
                                       <p:cBhvr>
-                                        <p:cTn id="78" dur="1" fill="hold">
+                                        <p:cTn id="93" dur="1" fill="hold">
                                           <p:stCondLst>
                                             <p:cond delay="0"/>
                                           </p:stCondLst>
@@ -10397,7 +10802,7 @@
                                     </p:set>
                                     <p:animEffect transition="in" filter="fade">
                                       <p:cBhvr>
-                                        <p:cTn id="79" dur="500"/>
+                                        <p:cTn id="94" dur="500"/>
                                         <p:tgtEl>
                                           <p:spTgt spid="63"/>
                                         </p:tgtEl>
@@ -10407,14 +10812,14 @@
                                 </p:cTn>
                               </p:par>
                               <p:par>
-                                <p:cTn id="80" presetID="10" presetClass="entr" presetSubtype="0" fill="hold" nodeType="withEffect">
+                                <p:cTn id="95" presetID="10" presetClass="entr" presetSubtype="0" fill="hold" nodeType="withEffect">
                                   <p:stCondLst>
                                     <p:cond delay="0"/>
                                   </p:stCondLst>
                                   <p:childTnLst>
                                     <p:set>
                                       <p:cBhvr>
-                                        <p:cTn id="81" dur="1" fill="hold">
+                                        <p:cTn id="96" dur="1" fill="hold">
                                           <p:stCondLst>
                                             <p:cond delay="0"/>
                                           </p:stCondLst>
@@ -10432,7 +10837,7 @@
                                     </p:set>
                                     <p:animEffect transition="in" filter="fade">
                                       <p:cBhvr>
-                                        <p:cTn id="82" dur="500"/>
+                                        <p:cTn id="97" dur="500"/>
                                         <p:tgtEl>
                                           <p:spTgt spid="64"/>
                                         </p:tgtEl>
@@ -10442,14 +10847,14 @@
                                 </p:cTn>
                               </p:par>
                               <p:par>
-                                <p:cTn id="83" presetID="10" presetClass="entr" presetSubtype="0" fill="hold" grpId="0" nodeType="withEffect">
+                                <p:cTn id="98" presetID="10" presetClass="entr" presetSubtype="0" fill="hold" grpId="0" nodeType="withEffect">
                                   <p:stCondLst>
                                     <p:cond delay="0"/>
                                   </p:stCondLst>
                                   <p:childTnLst>
                                     <p:set>
                                       <p:cBhvr>
-                                        <p:cTn id="84" dur="1" fill="hold">
+                                        <p:cTn id="99" dur="1" fill="hold">
                                           <p:stCondLst>
                                             <p:cond delay="0"/>
                                           </p:stCondLst>
@@ -10467,7 +10872,7 @@
                                     </p:set>
                                     <p:animEffect transition="in" filter="fade">
                                       <p:cBhvr>
-                                        <p:cTn id="85" dur="500"/>
+                                        <p:cTn id="100" dur="500"/>
                                         <p:tgtEl>
                                           <p:spTgt spid="65"/>
                                         </p:tgtEl>
@@ -10483,26 +10888,26 @@
                     </p:cTn>
                   </p:par>
                   <p:par>
-                    <p:cTn id="86" fill="hold">
+                    <p:cTn id="101" fill="hold">
                       <p:stCondLst>
                         <p:cond delay="indefinite"/>
                       </p:stCondLst>
                       <p:childTnLst>
                         <p:par>
-                          <p:cTn id="87" fill="hold">
+                          <p:cTn id="102" fill="hold">
                             <p:stCondLst>
                               <p:cond delay="0"/>
                             </p:stCondLst>
                             <p:childTnLst>
                               <p:par>
-                                <p:cTn id="88" presetID="10" presetClass="entr" presetSubtype="0" fill="hold" grpId="0" nodeType="clickEffect">
+                                <p:cTn id="103" presetID="10" presetClass="entr" presetSubtype="0" fill="hold" grpId="0" nodeType="clickEffect">
                                   <p:stCondLst>
                                     <p:cond delay="0"/>
                                   </p:stCondLst>
                                   <p:childTnLst>
                                     <p:set>
                                       <p:cBhvr>
-                                        <p:cTn id="89" dur="1" fill="hold">
+                                        <p:cTn id="104" dur="1" fill="hold">
                                           <p:stCondLst>
                                             <p:cond delay="0"/>
                                           </p:stCondLst>
@@ -10520,7 +10925,7 @@
                                     </p:set>
                                     <p:animEffect transition="in" filter="fade">
                                       <p:cBhvr>
-                                        <p:cTn id="90" dur="500"/>
+                                        <p:cTn id="105" dur="500"/>
                                         <p:tgtEl>
                                           <p:spTgt spid="76"/>
                                         </p:tgtEl>
@@ -10530,14 +10935,14 @@
                                 </p:cTn>
                               </p:par>
                               <p:par>
-                                <p:cTn id="91" presetID="10" presetClass="entr" presetSubtype="0" fill="hold" nodeType="withEffect">
+                                <p:cTn id="106" presetID="10" presetClass="entr" presetSubtype="0" fill="hold" nodeType="withEffect">
                                   <p:stCondLst>
                                     <p:cond delay="0"/>
                                   </p:stCondLst>
                                   <p:childTnLst>
                                     <p:set>
                                       <p:cBhvr>
-                                        <p:cTn id="92" dur="1" fill="hold">
+                                        <p:cTn id="107" dur="1" fill="hold">
                                           <p:stCondLst>
                                             <p:cond delay="0"/>
                                           </p:stCondLst>
@@ -10555,7 +10960,7 @@
                                     </p:set>
                                     <p:animEffect transition="in" filter="fade">
                                       <p:cBhvr>
-                                        <p:cTn id="93" dur="500"/>
+                                        <p:cTn id="108" dur="500"/>
                                         <p:tgtEl>
                                           <p:spTgt spid="77"/>
                                         </p:tgtEl>
@@ -10565,14 +10970,14 @@
                                 </p:cTn>
                               </p:par>
                               <p:par>
-                                <p:cTn id="94" presetID="10" presetClass="entr" presetSubtype="0" fill="hold" grpId="0" nodeType="withEffect">
+                                <p:cTn id="109" presetID="10" presetClass="entr" presetSubtype="0" fill="hold" grpId="0" nodeType="withEffect">
                                   <p:stCondLst>
                                     <p:cond delay="0"/>
                                   </p:stCondLst>
                                   <p:childTnLst>
                                     <p:set>
                                       <p:cBhvr>
-                                        <p:cTn id="95" dur="1" fill="hold">
+                                        <p:cTn id="110" dur="1" fill="hold">
                                           <p:stCondLst>
                                             <p:cond delay="0"/>
                                           </p:stCondLst>
@@ -10590,7 +10995,7 @@
                                     </p:set>
                                     <p:animEffect transition="in" filter="fade">
                                       <p:cBhvr>
-                                        <p:cTn id="96" dur="500"/>
+                                        <p:cTn id="111" dur="500"/>
                                         <p:tgtEl>
                                           <p:spTgt spid="72"/>
                                         </p:tgtEl>
@@ -10600,14 +11005,14 @@
                                 </p:cTn>
                               </p:par>
                               <p:par>
-                                <p:cTn id="97" presetID="10" presetClass="entr" presetSubtype="0" fill="hold" nodeType="withEffect">
+                                <p:cTn id="112" presetID="10" presetClass="entr" presetSubtype="0" fill="hold" nodeType="withEffect">
                                   <p:stCondLst>
                                     <p:cond delay="0"/>
                                   </p:stCondLst>
                                   <p:childTnLst>
                                     <p:set>
                                       <p:cBhvr>
-                                        <p:cTn id="98" dur="1" fill="hold">
+                                        <p:cTn id="113" dur="1" fill="hold">
                                           <p:stCondLst>
                                             <p:cond delay="0"/>
                                           </p:stCondLst>
@@ -10625,7 +11030,7 @@
                                     </p:set>
                                     <p:animEffect transition="in" filter="fade">
                                       <p:cBhvr>
-                                        <p:cTn id="99" dur="500"/>
+                                        <p:cTn id="114" dur="500"/>
                                         <p:tgtEl>
                                           <p:spTgt spid="73"/>
                                         </p:tgtEl>
@@ -10635,14 +11040,14 @@
                                 </p:cTn>
                               </p:par>
                               <p:par>
-                                <p:cTn id="100" presetID="10" presetClass="entr" presetSubtype="0" fill="hold" nodeType="withEffect">
+                                <p:cTn id="115" presetID="10" presetClass="entr" presetSubtype="0" fill="hold" nodeType="withEffect">
                                   <p:stCondLst>
                                     <p:cond delay="0"/>
                                   </p:stCondLst>
                                   <p:childTnLst>
                                     <p:set>
                                       <p:cBhvr>
-                                        <p:cTn id="101" dur="1" fill="hold">
+                                        <p:cTn id="116" dur="1" fill="hold">
                                           <p:stCondLst>
                                             <p:cond delay="0"/>
                                           </p:stCondLst>
@@ -10660,7 +11065,7 @@
                                     </p:set>
                                     <p:animEffect transition="in" filter="fade">
                                       <p:cBhvr>
-                                        <p:cTn id="102" dur="500"/>
+                                        <p:cTn id="117" dur="500"/>
                                         <p:tgtEl>
                                           <p:spTgt spid="75"/>
                                         </p:tgtEl>
@@ -10670,14 +11075,14 @@
                                 </p:cTn>
                               </p:par>
                               <p:par>
-                                <p:cTn id="103" presetID="10" presetClass="entr" presetSubtype="0" fill="hold" grpId="0" nodeType="withEffect">
+                                <p:cTn id="118" presetID="10" presetClass="entr" presetSubtype="0" fill="hold" grpId="0" nodeType="withEffect">
                                   <p:stCondLst>
                                     <p:cond delay="0"/>
                                   </p:stCondLst>
                                   <p:childTnLst>
                                     <p:set>
                                       <p:cBhvr>
-                                        <p:cTn id="104" dur="1" fill="hold">
+                                        <p:cTn id="119" dur="1" fill="hold">
                                           <p:stCondLst>
                                             <p:cond delay="0"/>
                                           </p:stCondLst>
@@ -10695,7 +11100,7 @@
                                     </p:set>
                                     <p:animEffect transition="in" filter="fade">
                                       <p:cBhvr>
-                                        <p:cTn id="105" dur="500"/>
+                                        <p:cTn id="120" dur="500"/>
                                         <p:tgtEl>
                                           <p:spTgt spid="74"/>
                                         </p:tgtEl>

--- a/2023-05-10 ABP Conf 2023 Developing with Kubernetes/Developing with Kubernetes.pptx
+++ b/2023-05-10 ABP Conf 2023 Developing with Kubernetes/Developing with Kubernetes.pptx
@@ -292,7 +292,7 @@
           <a:p>
             <a:fld id="{2A14C9FE-EBC3-45D3-899C-58AAF4F8AF71}" type="datetimeFigureOut">
               <a:rPr lang="en-US" smtClean="0"/>
-              <a:t>25-Apr-23</a:t>
+              <a:t>4/26/2023</a:t>
             </a:fld>
             <a:endParaRPr lang="en-US"/>
           </a:p>
@@ -490,7 +490,7 @@
           <a:p>
             <a:fld id="{2A14C9FE-EBC3-45D3-899C-58AAF4F8AF71}" type="datetimeFigureOut">
               <a:rPr lang="en-US" smtClean="0"/>
-              <a:t>25-Apr-23</a:t>
+              <a:t>4/26/2023</a:t>
             </a:fld>
             <a:endParaRPr lang="en-US"/>
           </a:p>
@@ -698,7 +698,7 @@
           <a:p>
             <a:fld id="{2A14C9FE-EBC3-45D3-899C-58AAF4F8AF71}" type="datetimeFigureOut">
               <a:rPr lang="en-US" smtClean="0"/>
-              <a:t>25-Apr-23</a:t>
+              <a:t>4/26/2023</a:t>
             </a:fld>
             <a:endParaRPr lang="en-US"/>
           </a:p>
@@ -896,7 +896,7 @@
           <a:p>
             <a:fld id="{2A14C9FE-EBC3-45D3-899C-58AAF4F8AF71}" type="datetimeFigureOut">
               <a:rPr lang="en-US" smtClean="0"/>
-              <a:t>25-Apr-23</a:t>
+              <a:t>4/26/2023</a:t>
             </a:fld>
             <a:endParaRPr lang="en-US"/>
           </a:p>
@@ -1171,7 +1171,7 @@
           <a:p>
             <a:fld id="{2A14C9FE-EBC3-45D3-899C-58AAF4F8AF71}" type="datetimeFigureOut">
               <a:rPr lang="en-US" smtClean="0"/>
-              <a:t>25-Apr-23</a:t>
+              <a:t>4/26/2023</a:t>
             </a:fld>
             <a:endParaRPr lang="en-US"/>
           </a:p>
@@ -1436,7 +1436,7 @@
           <a:p>
             <a:fld id="{2A14C9FE-EBC3-45D3-899C-58AAF4F8AF71}" type="datetimeFigureOut">
               <a:rPr lang="en-US" smtClean="0"/>
-              <a:t>25-Apr-23</a:t>
+              <a:t>4/26/2023</a:t>
             </a:fld>
             <a:endParaRPr lang="en-US"/>
           </a:p>
@@ -1848,7 +1848,7 @@
           <a:p>
             <a:fld id="{2A14C9FE-EBC3-45D3-899C-58AAF4F8AF71}" type="datetimeFigureOut">
               <a:rPr lang="en-US" smtClean="0"/>
-              <a:t>25-Apr-23</a:t>
+              <a:t>4/26/2023</a:t>
             </a:fld>
             <a:endParaRPr lang="en-US"/>
           </a:p>
@@ -1989,7 +1989,7 @@
           <a:p>
             <a:fld id="{2A14C9FE-EBC3-45D3-899C-58AAF4F8AF71}" type="datetimeFigureOut">
               <a:rPr lang="en-US" smtClean="0"/>
-              <a:t>25-Apr-23</a:t>
+              <a:t>4/26/2023</a:t>
             </a:fld>
             <a:endParaRPr lang="en-US"/>
           </a:p>
@@ -2102,7 +2102,7 @@
           <a:p>
             <a:fld id="{2A14C9FE-EBC3-45D3-899C-58AAF4F8AF71}" type="datetimeFigureOut">
               <a:rPr lang="en-US" smtClean="0"/>
-              <a:t>25-Apr-23</a:t>
+              <a:t>4/26/2023</a:t>
             </a:fld>
             <a:endParaRPr lang="en-US"/>
           </a:p>
@@ -2413,7 +2413,7 @@
           <a:p>
             <a:fld id="{2A14C9FE-EBC3-45D3-899C-58AAF4F8AF71}" type="datetimeFigureOut">
               <a:rPr lang="en-US" smtClean="0"/>
-              <a:t>25-Apr-23</a:t>
+              <a:t>4/26/2023</a:t>
             </a:fld>
             <a:endParaRPr lang="en-US"/>
           </a:p>
@@ -2701,7 +2701,7 @@
           <a:p>
             <a:fld id="{2A14C9FE-EBC3-45D3-899C-58AAF4F8AF71}" type="datetimeFigureOut">
               <a:rPr lang="en-US" smtClean="0"/>
-              <a:t>25-Apr-23</a:t>
+              <a:t>4/26/2023</a:t>
             </a:fld>
             <a:endParaRPr lang="en-US"/>
           </a:p>
@@ -2942,7 +2942,7 @@
           <a:p>
             <a:fld id="{2A14C9FE-EBC3-45D3-899C-58AAF4F8AF71}" type="datetimeFigureOut">
               <a:rPr lang="en-US" smtClean="0"/>
-              <a:t>25-Apr-23</a:t>
+              <a:t>4/26/2023</a:t>
             </a:fld>
             <a:endParaRPr lang="en-US"/>
           </a:p>
@@ -11188,6 +11188,98 @@
       </p:grpSpPr>
       <p:sp>
         <p:nvSpPr>
+          <p:cNvPr id="23" name="Rectangle 22">
+            <a:extLst>
+              <a:ext uri="{FF2B5EF4-FFF2-40B4-BE49-F238E27FC236}">
+                <a16:creationId xmlns:a16="http://schemas.microsoft.com/office/drawing/2014/main" id="{236DA10C-99A7-DA8D-B3E9-53FC19E260BE}"/>
+              </a:ext>
+            </a:extLst>
+          </p:cNvPr>
+          <p:cNvSpPr/>
+          <p:nvPr/>
+        </p:nvSpPr>
+        <p:spPr>
+          <a:xfrm>
+            <a:off x="6217608" y="1614542"/>
+            <a:ext cx="2836630" cy="4802187"/>
+          </a:xfrm>
+          <a:prstGeom prst="rect">
+            <a:avLst/>
+          </a:prstGeom>
+        </p:spPr>
+        <p:style>
+          <a:lnRef idx="2">
+            <a:schemeClr val="accent6">
+              <a:shade val="50000"/>
+            </a:schemeClr>
+          </a:lnRef>
+          <a:fillRef idx="1">
+            <a:schemeClr val="accent6"/>
+          </a:fillRef>
+          <a:effectRef idx="0">
+            <a:schemeClr val="accent6"/>
+          </a:effectRef>
+          <a:fontRef idx="minor">
+            <a:schemeClr val="lt1"/>
+          </a:fontRef>
+        </p:style>
+        <p:txBody>
+          <a:bodyPr rtlCol="0" anchor="ctr"/>
+          <a:lstStyle/>
+          <a:p>
+            <a:pPr algn="ctr"/>
+            <a:endParaRPr lang="en-US"/>
+          </a:p>
+        </p:txBody>
+      </p:sp>
+      <p:sp>
+        <p:nvSpPr>
+          <p:cNvPr id="22" name="Rectangle 21">
+            <a:extLst>
+              <a:ext uri="{FF2B5EF4-FFF2-40B4-BE49-F238E27FC236}">
+                <a16:creationId xmlns:a16="http://schemas.microsoft.com/office/drawing/2014/main" id="{D90CE1E9-B6BD-7005-B620-1EDC0D728316}"/>
+              </a:ext>
+            </a:extLst>
+          </p:cNvPr>
+          <p:cNvSpPr/>
+          <p:nvPr/>
+        </p:nvSpPr>
+        <p:spPr>
+          <a:xfrm>
+            <a:off x="838200" y="1615272"/>
+            <a:ext cx="2951898" cy="4802187"/>
+          </a:xfrm>
+          <a:prstGeom prst="rect">
+            <a:avLst/>
+          </a:prstGeom>
+        </p:spPr>
+        <p:style>
+          <a:lnRef idx="2">
+            <a:schemeClr val="accent1">
+              <a:shade val="50000"/>
+            </a:schemeClr>
+          </a:lnRef>
+          <a:fillRef idx="1">
+            <a:schemeClr val="accent1"/>
+          </a:fillRef>
+          <a:effectRef idx="0">
+            <a:schemeClr val="accent1"/>
+          </a:effectRef>
+          <a:fontRef idx="minor">
+            <a:schemeClr val="lt1"/>
+          </a:fontRef>
+        </p:style>
+        <p:txBody>
+          <a:bodyPr rtlCol="0" anchor="ctr"/>
+          <a:lstStyle/>
+          <a:p>
+            <a:pPr algn="ctr"/>
+            <a:endParaRPr lang="en-US"/>
+          </a:p>
+        </p:txBody>
+      </p:sp>
+      <p:sp>
+        <p:nvSpPr>
           <p:cNvPr id="2" name="Title 1">
             <a:extLst>
               <a:ext uri="{FF2B5EF4-FFF2-40B4-BE49-F238E27FC236}">
@@ -11208,46 +11300,740 @@
           <a:lstStyle/>
           <a:p>
             <a:r>
-              <a:rPr lang="en-US" b="1" dirty="0">
+              <a:rPr lang="tr-TR" b="1" dirty="0">
                 <a:solidFill>
                   <a:srgbClr val="292D33"/>
                 </a:solidFill>
                 <a:latin typeface="Euclid Circular B" panose="020B0504000000000000" pitchFamily="34" charset="0"/>
                 <a:ea typeface="Euclid Circular B" panose="020B0504000000000000" pitchFamily="34" charset="0"/>
               </a:rPr>
-              <a:t>Topic title</a:t>
-            </a:r>
-          </a:p>
-        </p:txBody>
-      </p:sp>
-      <p:sp>
-        <p:nvSpPr>
-          <p:cNvPr id="3" name="Content Placeholder 2">
-            <a:extLst>
-              <a:ext uri="{FF2B5EF4-FFF2-40B4-BE49-F238E27FC236}">
-                <a16:creationId xmlns:a16="http://schemas.microsoft.com/office/drawing/2014/main" id="{891C7693-D3DF-4635-96F4-97F3B4136FDF}"/>
-              </a:ext>
-            </a:extLst>
-          </p:cNvPr>
-          <p:cNvSpPr>
-            <a:spLocks noGrp="1"/>
-          </p:cNvSpPr>
-          <p:nvPr>
-            <p:ph idx="1"/>
-          </p:nvPr>
-        </p:nvSpPr>
-        <p:spPr/>
-        <p:txBody>
-          <a:bodyPr/>
-          <a:lstStyle/>
-          <a:p>
-            <a:r>
-              <a:rPr lang="en-US" dirty="0">
-                <a:latin typeface="Euclid Circular B" panose="020B0504000000000000" pitchFamily="34" charset="0"/>
-                <a:ea typeface="Euclid Circular B" panose="020B0504000000000000" pitchFamily="34" charset="0"/>
+              <a:t>How to run a single service locally?</a:t>
+            </a:r>
+            <a:endParaRPr lang="en-US" b="1" dirty="0">
+              <a:solidFill>
+                <a:srgbClr val="292D33"/>
+              </a:solidFill>
+              <a:latin typeface="Euclid Circular B" panose="020B0504000000000000" pitchFamily="34" charset="0"/>
+              <a:ea typeface="Euclid Circular B" panose="020B0504000000000000" pitchFamily="34" charset="0"/>
+            </a:endParaRPr>
+          </a:p>
+        </p:txBody>
+      </p:sp>
+      <p:pic>
+        <p:nvPicPr>
+          <p:cNvPr id="7" name="Picture 6">
+            <a:extLst>
+              <a:ext uri="{FF2B5EF4-FFF2-40B4-BE49-F238E27FC236}">
+                <a16:creationId xmlns:a16="http://schemas.microsoft.com/office/drawing/2014/main" id="{11B0FA39-1E6D-A2EB-D3A2-92361A5E84F2}"/>
+              </a:ext>
+            </a:extLst>
+          </p:cNvPr>
+          <p:cNvPicPr>
+            <a:picLocks noChangeAspect="1"/>
+          </p:cNvPicPr>
+          <p:nvPr/>
+        </p:nvPicPr>
+        <p:blipFill>
+          <a:blip r:embed="rId3"/>
+          <a:stretch>
+            <a:fillRect/>
+          </a:stretch>
+        </p:blipFill>
+        <p:spPr>
+          <a:xfrm>
+            <a:off x="960360" y="2151479"/>
+            <a:ext cx="2707578" cy="1792986"/>
+          </a:xfrm>
+          <a:prstGeom prst="rect">
+            <a:avLst/>
+          </a:prstGeom>
+        </p:spPr>
+      </p:pic>
+      <p:pic>
+        <p:nvPicPr>
+          <p:cNvPr id="8" name="Picture 4" descr="Image result for sql server">
+            <a:extLst>
+              <a:ext uri="{FF2B5EF4-FFF2-40B4-BE49-F238E27FC236}">
+                <a16:creationId xmlns:a16="http://schemas.microsoft.com/office/drawing/2014/main" id="{16E2F506-F280-6A01-7448-DE6CB6F40ACA}"/>
+              </a:ext>
+            </a:extLst>
+          </p:cNvPr>
+          <p:cNvPicPr>
+            <a:picLocks noChangeAspect="1" noChangeArrowheads="1"/>
+          </p:cNvPicPr>
+          <p:nvPr/>
+        </p:nvPicPr>
+        <p:blipFill>
+          <a:blip r:embed="rId4">
+            <a:extLst>
+              <a:ext uri="{28A0092B-C50C-407E-A947-70E740481C1C}">
+                <a14:useLocalDpi xmlns:a14="http://schemas.microsoft.com/office/drawing/2010/main" val="0"/>
+              </a:ext>
+            </a:extLst>
+          </a:blip>
+          <a:srcRect/>
+          <a:stretch>
+            <a:fillRect/>
+          </a:stretch>
+        </p:blipFill>
+        <p:spPr bwMode="auto">
+          <a:xfrm>
+            <a:off x="6345872" y="5047200"/>
+            <a:ext cx="640673" cy="517910"/>
+          </a:xfrm>
+          <a:prstGeom prst="rect">
+            <a:avLst/>
+          </a:prstGeom>
+          <a:noFill/>
+          <a:extLst>
+            <a:ext uri="{909E8E84-426E-40DD-AFC4-6F175D3DCCD1}">
+              <a14:hiddenFill xmlns:a14="http://schemas.microsoft.com/office/drawing/2010/main">
+                <a:solidFill>
+                  <a:srgbClr val="FFFFFF"/>
+                </a:solidFill>
+              </a14:hiddenFill>
+            </a:ext>
+          </a:extLst>
+        </p:spPr>
+      </p:pic>
+      <p:pic>
+        <p:nvPicPr>
+          <p:cNvPr id="9" name="Picture 2" descr="Image result for rabbitmq logo">
+            <a:extLst>
+              <a:ext uri="{FF2B5EF4-FFF2-40B4-BE49-F238E27FC236}">
+                <a16:creationId xmlns:a16="http://schemas.microsoft.com/office/drawing/2014/main" id="{0E375C1B-63D8-3A19-0DB1-02BB9B4B1F10}"/>
+              </a:ext>
+            </a:extLst>
+          </p:cNvPr>
+          <p:cNvPicPr>
+            <a:picLocks noChangeAspect="1" noChangeArrowheads="1"/>
+          </p:cNvPicPr>
+          <p:nvPr/>
+        </p:nvPicPr>
+        <p:blipFill>
+          <a:blip r:embed="rId5">
+            <a:extLst>
+              <a:ext uri="{28A0092B-C50C-407E-A947-70E740481C1C}">
+                <a14:useLocalDpi xmlns:a14="http://schemas.microsoft.com/office/drawing/2010/main" val="0"/>
+              </a:ext>
+            </a:extLst>
+          </a:blip>
+          <a:srcRect/>
+          <a:stretch>
+            <a:fillRect/>
+          </a:stretch>
+        </p:blipFill>
+        <p:spPr bwMode="auto">
+          <a:xfrm>
+            <a:off x="6376567" y="4118140"/>
+            <a:ext cx="579284" cy="613059"/>
+          </a:xfrm>
+          <a:prstGeom prst="rect">
+            <a:avLst/>
+          </a:prstGeom>
+          <a:noFill/>
+          <a:extLst>
+            <a:ext uri="{909E8E84-426E-40DD-AFC4-6F175D3DCCD1}">
+              <a14:hiddenFill xmlns:a14="http://schemas.microsoft.com/office/drawing/2010/main">
+                <a:solidFill>
+                  <a:srgbClr val="FFFFFF"/>
+                </a:solidFill>
+              </a14:hiddenFill>
+            </a:ext>
+          </a:extLst>
+        </p:spPr>
+      </p:pic>
+      <p:pic>
+        <p:nvPicPr>
+          <p:cNvPr id="10" name="Picture 8" descr="Image result for elasticsearch logo">
+            <a:extLst>
+              <a:ext uri="{FF2B5EF4-FFF2-40B4-BE49-F238E27FC236}">
+                <a16:creationId xmlns:a16="http://schemas.microsoft.com/office/drawing/2014/main" id="{957D11BC-2593-67D9-64BB-0186ABD75F09}"/>
+              </a:ext>
+            </a:extLst>
+          </p:cNvPr>
+          <p:cNvPicPr>
+            <a:picLocks noChangeAspect="1" noChangeArrowheads="1"/>
+          </p:cNvPicPr>
+          <p:nvPr/>
+        </p:nvPicPr>
+        <p:blipFill>
+          <a:blip r:embed="rId6">
+            <a:extLst>
+              <a:ext uri="{28A0092B-C50C-407E-A947-70E740481C1C}">
+                <a14:useLocalDpi xmlns:a14="http://schemas.microsoft.com/office/drawing/2010/main" val="0"/>
+              </a:ext>
+            </a:extLst>
+          </a:blip>
+          <a:srcRect/>
+          <a:stretch>
+            <a:fillRect/>
+          </a:stretch>
+        </p:blipFill>
+        <p:spPr bwMode="auto">
+          <a:xfrm>
+            <a:off x="7297464" y="4061521"/>
+            <a:ext cx="1708727" cy="454993"/>
+          </a:xfrm>
+          <a:prstGeom prst="rect">
+            <a:avLst/>
+          </a:prstGeom>
+          <a:noFill/>
+          <a:extLst>
+            <a:ext uri="{909E8E84-426E-40DD-AFC4-6F175D3DCCD1}">
+              <a14:hiddenFill xmlns:a14="http://schemas.microsoft.com/office/drawing/2010/main">
+                <a:solidFill>
+                  <a:srgbClr val="FFFFFF"/>
+                </a:solidFill>
+              </a14:hiddenFill>
+            </a:ext>
+          </a:extLst>
+        </p:spPr>
+      </p:pic>
+      <p:pic>
+        <p:nvPicPr>
+          <p:cNvPr id="11" name="Picture 10" descr="Image result for kibana logo">
+            <a:extLst>
+              <a:ext uri="{FF2B5EF4-FFF2-40B4-BE49-F238E27FC236}">
+                <a16:creationId xmlns:a16="http://schemas.microsoft.com/office/drawing/2014/main" id="{0F30A177-8AB7-1153-8666-33C9E5B64690}"/>
+              </a:ext>
+            </a:extLst>
+          </p:cNvPr>
+          <p:cNvPicPr>
+            <a:picLocks noChangeAspect="1" noChangeArrowheads="1"/>
+          </p:cNvPicPr>
+          <p:nvPr/>
+        </p:nvPicPr>
+        <p:blipFill>
+          <a:blip r:embed="rId7">
+            <a:extLst>
+              <a:ext uri="{28A0092B-C50C-407E-A947-70E740481C1C}">
+                <a14:useLocalDpi xmlns:a14="http://schemas.microsoft.com/office/drawing/2010/main" val="0"/>
+              </a:ext>
+            </a:extLst>
+          </a:blip>
+          <a:srcRect/>
+          <a:stretch>
+            <a:fillRect/>
+          </a:stretch>
+        </p:blipFill>
+        <p:spPr bwMode="auto">
+          <a:xfrm>
+            <a:off x="7297464" y="4552887"/>
+            <a:ext cx="1217127" cy="555314"/>
+          </a:xfrm>
+          <a:prstGeom prst="rect">
+            <a:avLst/>
+          </a:prstGeom>
+          <a:noFill/>
+          <a:extLst>
+            <a:ext uri="{909E8E84-426E-40DD-AFC4-6F175D3DCCD1}">
+              <a14:hiddenFill xmlns:a14="http://schemas.microsoft.com/office/drawing/2010/main">
+                <a:solidFill>
+                  <a:srgbClr val="FFFFFF"/>
+                </a:solidFill>
+              </a14:hiddenFill>
+            </a:ext>
+          </a:extLst>
+        </p:spPr>
+      </p:pic>
+      <p:pic>
+        <p:nvPicPr>
+          <p:cNvPr id="12" name="Picture 12" descr="Image result for redis logo">
+            <a:extLst>
+              <a:ext uri="{FF2B5EF4-FFF2-40B4-BE49-F238E27FC236}">
+                <a16:creationId xmlns:a16="http://schemas.microsoft.com/office/drawing/2014/main" id="{0C015E5A-90BE-4551-0DC6-CB920A3A89B9}"/>
+              </a:ext>
+            </a:extLst>
+          </p:cNvPr>
+          <p:cNvPicPr>
+            <a:picLocks noChangeAspect="1" noChangeArrowheads="1"/>
+          </p:cNvPicPr>
+          <p:nvPr/>
+        </p:nvPicPr>
+        <p:blipFill>
+          <a:blip r:embed="rId8">
+            <a:extLst>
+              <a:ext uri="{28A0092B-C50C-407E-A947-70E740481C1C}">
+                <a14:useLocalDpi xmlns:a14="http://schemas.microsoft.com/office/drawing/2010/main" val="0"/>
+              </a:ext>
+            </a:extLst>
+          </a:blip>
+          <a:srcRect/>
+          <a:stretch>
+            <a:fillRect/>
+          </a:stretch>
+        </p:blipFill>
+        <p:spPr bwMode="auto">
+          <a:xfrm>
+            <a:off x="7366276" y="5219399"/>
+            <a:ext cx="1079501" cy="360733"/>
+          </a:xfrm>
+          <a:prstGeom prst="rect">
+            <a:avLst/>
+          </a:prstGeom>
+          <a:noFill/>
+          <a:extLst>
+            <a:ext uri="{909E8E84-426E-40DD-AFC4-6F175D3DCCD1}">
+              <a14:hiddenFill xmlns:a14="http://schemas.microsoft.com/office/drawing/2010/main">
+                <a:solidFill>
+                  <a:srgbClr val="FFFFFF"/>
+                </a:solidFill>
+              </a14:hiddenFill>
+            </a:ext>
+          </a:extLst>
+        </p:spPr>
+      </p:pic>
+      <p:sp>
+        <p:nvSpPr>
+          <p:cNvPr id="13" name="Rectangle 12">
+            <a:extLst>
+              <a:ext uri="{FF2B5EF4-FFF2-40B4-BE49-F238E27FC236}">
+                <a16:creationId xmlns:a16="http://schemas.microsoft.com/office/drawing/2014/main" id="{7AA27E7A-0C4B-26D9-E83C-6A4215C96A15}"/>
+              </a:ext>
+            </a:extLst>
+          </p:cNvPr>
+          <p:cNvSpPr/>
+          <p:nvPr/>
+        </p:nvSpPr>
+        <p:spPr>
+          <a:xfrm>
+            <a:off x="6345872" y="2352002"/>
+            <a:ext cx="2588534" cy="343241"/>
+          </a:xfrm>
+          <a:prstGeom prst="rect">
+            <a:avLst/>
+          </a:prstGeom>
+          <a:solidFill>
+            <a:schemeClr val="accent1">
+              <a:lumMod val="40000"/>
+              <a:lumOff val="60000"/>
+            </a:schemeClr>
+          </a:solidFill>
+        </p:spPr>
+        <p:style>
+          <a:lnRef idx="2">
+            <a:schemeClr val="accent1">
+              <a:shade val="50000"/>
+            </a:schemeClr>
+          </a:lnRef>
+          <a:fillRef idx="1">
+            <a:schemeClr val="accent1"/>
+          </a:fillRef>
+          <a:effectRef idx="0">
+            <a:schemeClr val="accent1"/>
+          </a:effectRef>
+          <a:fontRef idx="minor">
+            <a:schemeClr val="lt1"/>
+          </a:fontRef>
+        </p:style>
+        <p:txBody>
+          <a:bodyPr rtlCol="0" anchor="ctr"/>
+          <a:lstStyle/>
+          <a:p>
+            <a:pPr algn="ctr"/>
+            <a:r>
+              <a:rPr lang="en-US" sz="1400" dirty="0">
+                <a:solidFill>
+                  <a:schemeClr val="tx1"/>
+                </a:solidFill>
               </a:rPr>
-              <a:t>Content</a:t>
-            </a:r>
+              <a:t>Authentication Server</a:t>
+            </a:r>
+          </a:p>
+        </p:txBody>
+      </p:sp>
+      <p:sp>
+        <p:nvSpPr>
+          <p:cNvPr id="15" name="Rectangle 14">
+            <a:extLst>
+              <a:ext uri="{FF2B5EF4-FFF2-40B4-BE49-F238E27FC236}">
+                <a16:creationId xmlns:a16="http://schemas.microsoft.com/office/drawing/2014/main" id="{73F874DF-6316-73F8-3F72-2C37EE9742B9}"/>
+              </a:ext>
+            </a:extLst>
+          </p:cNvPr>
+          <p:cNvSpPr/>
+          <p:nvPr/>
+        </p:nvSpPr>
+        <p:spPr>
+          <a:xfrm>
+            <a:off x="6345872" y="3226138"/>
+            <a:ext cx="2588534" cy="343241"/>
+          </a:xfrm>
+          <a:prstGeom prst="rect">
+            <a:avLst/>
+          </a:prstGeom>
+        </p:spPr>
+        <p:style>
+          <a:lnRef idx="2">
+            <a:schemeClr val="accent4">
+              <a:shade val="50000"/>
+            </a:schemeClr>
+          </a:lnRef>
+          <a:fillRef idx="1">
+            <a:schemeClr val="accent4"/>
+          </a:fillRef>
+          <a:effectRef idx="0">
+            <a:schemeClr val="accent4"/>
+          </a:effectRef>
+          <a:fontRef idx="minor">
+            <a:schemeClr val="lt1"/>
+          </a:fontRef>
+        </p:style>
+        <p:txBody>
+          <a:bodyPr rtlCol="0" anchor="ctr"/>
+          <a:lstStyle/>
+          <a:p>
+            <a:pPr algn="ctr"/>
+            <a:r>
+              <a:rPr lang="tr-TR" sz="1400" dirty="0">
+                <a:solidFill>
+                  <a:schemeClr val="tx1"/>
+                </a:solidFill>
+              </a:rPr>
+              <a:t>Customer </a:t>
+            </a:r>
+            <a:r>
+              <a:rPr lang="en-US" sz="1400" dirty="0">
+                <a:solidFill>
+                  <a:schemeClr val="tx1"/>
+                </a:solidFill>
+              </a:rPr>
+              <a:t>Microservice</a:t>
+            </a:r>
+          </a:p>
+        </p:txBody>
+      </p:sp>
+      <p:sp>
+        <p:nvSpPr>
+          <p:cNvPr id="16" name="Rectangle 15">
+            <a:extLst>
+              <a:ext uri="{FF2B5EF4-FFF2-40B4-BE49-F238E27FC236}">
+                <a16:creationId xmlns:a16="http://schemas.microsoft.com/office/drawing/2014/main" id="{919F1B91-5D0D-D6E8-AED8-DA8C7982A414}"/>
+              </a:ext>
+            </a:extLst>
+          </p:cNvPr>
+          <p:cNvSpPr/>
+          <p:nvPr/>
+        </p:nvSpPr>
+        <p:spPr>
+          <a:xfrm>
+            <a:off x="6345872" y="2789070"/>
+            <a:ext cx="2588534" cy="343241"/>
+          </a:xfrm>
+          <a:prstGeom prst="rect">
+            <a:avLst/>
+          </a:prstGeom>
+        </p:spPr>
+        <p:style>
+          <a:lnRef idx="2">
+            <a:schemeClr val="accent4">
+              <a:shade val="50000"/>
+            </a:schemeClr>
+          </a:lnRef>
+          <a:fillRef idx="1">
+            <a:schemeClr val="accent4"/>
+          </a:fillRef>
+          <a:effectRef idx="0">
+            <a:schemeClr val="accent4"/>
+          </a:effectRef>
+          <a:fontRef idx="minor">
+            <a:schemeClr val="lt1"/>
+          </a:fontRef>
+        </p:style>
+        <p:txBody>
+          <a:bodyPr rtlCol="0" anchor="ctr"/>
+          <a:lstStyle/>
+          <a:p>
+            <a:pPr algn="ctr"/>
+            <a:r>
+              <a:rPr lang="tr-TR" sz="1400" dirty="0">
+                <a:solidFill>
+                  <a:schemeClr val="tx1"/>
+                </a:solidFill>
+              </a:rPr>
+              <a:t>Product </a:t>
+            </a:r>
+            <a:r>
+              <a:rPr lang="en-US" sz="1400" dirty="0">
+                <a:solidFill>
+                  <a:schemeClr val="tx1"/>
+                </a:solidFill>
+              </a:rPr>
+              <a:t>Microservice</a:t>
+            </a:r>
+          </a:p>
+        </p:txBody>
+      </p:sp>
+      <p:pic>
+        <p:nvPicPr>
+          <p:cNvPr id="1026" name="Picture 2" descr="how to Sort API methods in Swagger-UI · Issue #647 · nestjs/swagger · GitHub">
+            <a:extLst>
+              <a:ext uri="{FF2B5EF4-FFF2-40B4-BE49-F238E27FC236}">
+                <a16:creationId xmlns:a16="http://schemas.microsoft.com/office/drawing/2014/main" id="{29D19B5D-0D91-E39B-D115-D2021128810E}"/>
+              </a:ext>
+            </a:extLst>
+          </p:cNvPr>
+          <p:cNvPicPr>
+            <a:picLocks noChangeAspect="1" noChangeArrowheads="1"/>
+          </p:cNvPicPr>
+          <p:nvPr/>
+        </p:nvPicPr>
+        <p:blipFill>
+          <a:blip r:embed="rId9">
+            <a:extLst>
+              <a:ext uri="{28A0092B-C50C-407E-A947-70E740481C1C}">
+                <a14:useLocalDpi xmlns:a14="http://schemas.microsoft.com/office/drawing/2010/main" val="0"/>
+              </a:ext>
+            </a:extLst>
+          </a:blip>
+          <a:srcRect/>
+          <a:stretch>
+            <a:fillRect/>
+          </a:stretch>
+        </p:blipFill>
+        <p:spPr bwMode="auto">
+          <a:xfrm>
+            <a:off x="960360" y="4485037"/>
+            <a:ext cx="2707578" cy="1814291"/>
+          </a:xfrm>
+          <a:prstGeom prst="rect">
+            <a:avLst/>
+          </a:prstGeom>
+          <a:noFill/>
+          <a:extLst>
+            <a:ext uri="{909E8E84-426E-40DD-AFC4-6F175D3DCCD1}">
+              <a14:hiddenFill xmlns:a14="http://schemas.microsoft.com/office/drawing/2010/main">
+                <a:solidFill>
+                  <a:srgbClr val="FFFFFF"/>
+                </a:solidFill>
+              </a14:hiddenFill>
+            </a:ext>
+          </a:extLst>
+        </p:spPr>
+      </p:pic>
+      <p:sp>
+        <p:nvSpPr>
+          <p:cNvPr id="17" name="TextBox 16">
+            <a:extLst>
+              <a:ext uri="{FF2B5EF4-FFF2-40B4-BE49-F238E27FC236}">
+                <a16:creationId xmlns:a16="http://schemas.microsoft.com/office/drawing/2014/main" id="{CF65365A-0A2B-7109-062E-DDA5D4BC0B24}"/>
+              </a:ext>
+            </a:extLst>
+          </p:cNvPr>
+          <p:cNvSpPr txBox="1"/>
+          <p:nvPr/>
+        </p:nvSpPr>
+        <p:spPr>
+          <a:xfrm>
+            <a:off x="838200" y="1635680"/>
+            <a:ext cx="2951898" cy="369332"/>
+          </a:xfrm>
+          <a:prstGeom prst="rect">
+            <a:avLst/>
+          </a:prstGeom>
+          <a:noFill/>
+        </p:spPr>
+        <p:txBody>
+          <a:bodyPr wrap="none" rtlCol="0">
+            <a:spAutoFit/>
+          </a:bodyPr>
+          <a:lstStyle/>
+          <a:p>
+            <a:r>
+              <a:rPr lang="tr-TR" b="1" dirty="0">
+                <a:solidFill>
+                  <a:schemeClr val="bg1"/>
+                </a:solidFill>
+              </a:rPr>
+              <a:t>LOCAL DEVELOPER MACHINE</a:t>
+            </a:r>
+            <a:endParaRPr lang="en-US" b="1" dirty="0">
+              <a:solidFill>
+                <a:schemeClr val="bg1"/>
+              </a:solidFill>
+            </a:endParaRPr>
+          </a:p>
+        </p:txBody>
+      </p:sp>
+      <p:sp>
+        <p:nvSpPr>
+          <p:cNvPr id="18" name="TextBox 17">
+            <a:extLst>
+              <a:ext uri="{FF2B5EF4-FFF2-40B4-BE49-F238E27FC236}">
+                <a16:creationId xmlns:a16="http://schemas.microsoft.com/office/drawing/2014/main" id="{8C46E9ED-E185-E824-74E6-551C00AEC7F2}"/>
+              </a:ext>
+            </a:extLst>
+          </p:cNvPr>
+          <p:cNvSpPr txBox="1"/>
+          <p:nvPr/>
+        </p:nvSpPr>
+        <p:spPr>
+          <a:xfrm>
+            <a:off x="6263269" y="1716905"/>
+            <a:ext cx="1642757" cy="369332"/>
+          </a:xfrm>
+          <a:prstGeom prst="rect">
+            <a:avLst/>
+          </a:prstGeom>
+          <a:noFill/>
+        </p:spPr>
+        <p:txBody>
+          <a:bodyPr wrap="none" rtlCol="0">
+            <a:spAutoFit/>
+          </a:bodyPr>
+          <a:lstStyle/>
+          <a:p>
+            <a:r>
+              <a:rPr lang="tr-TR" b="1" dirty="0">
+                <a:solidFill>
+                  <a:schemeClr val="bg1"/>
+                </a:solidFill>
+              </a:rPr>
+              <a:t>DEPENDENCIES</a:t>
+            </a:r>
+            <a:endParaRPr lang="en-US" b="1" dirty="0">
+              <a:solidFill>
+                <a:schemeClr val="bg1"/>
+              </a:solidFill>
+            </a:endParaRPr>
+          </a:p>
+        </p:txBody>
+      </p:sp>
+      <p:cxnSp>
+        <p:nvCxnSpPr>
+          <p:cNvPr id="20" name="Straight Arrow Connector 19">
+            <a:extLst>
+              <a:ext uri="{FF2B5EF4-FFF2-40B4-BE49-F238E27FC236}">
+                <a16:creationId xmlns:a16="http://schemas.microsoft.com/office/drawing/2014/main" id="{E53C699D-58F0-88EA-6EFC-A565370D8D35}"/>
+              </a:ext>
+            </a:extLst>
+          </p:cNvPr>
+          <p:cNvCxnSpPr>
+            <a:stCxn id="7" idx="2"/>
+            <a:endCxn id="1026" idx="0"/>
+          </p:cNvCxnSpPr>
+          <p:nvPr/>
+        </p:nvCxnSpPr>
+        <p:spPr>
+          <a:xfrm>
+            <a:off x="2314149" y="3944465"/>
+            <a:ext cx="0" cy="540572"/>
+          </a:xfrm>
+          <a:prstGeom prst="straightConnector1">
+            <a:avLst/>
+          </a:prstGeom>
+          <a:ln w="38100">
+            <a:solidFill>
+              <a:schemeClr val="bg2">
+                <a:lumMod val="90000"/>
+              </a:schemeClr>
+            </a:solidFill>
+            <a:tailEnd type="triangle"/>
+          </a:ln>
+        </p:spPr>
+        <p:style>
+          <a:lnRef idx="1">
+            <a:schemeClr val="accent1"/>
+          </a:lnRef>
+          <a:fillRef idx="0">
+            <a:schemeClr val="accent1"/>
+          </a:fillRef>
+          <a:effectRef idx="0">
+            <a:schemeClr val="accent1"/>
+          </a:effectRef>
+          <a:fontRef idx="minor">
+            <a:schemeClr val="tx1"/>
+          </a:fontRef>
+        </p:style>
+      </p:cxnSp>
+      <p:sp>
+        <p:nvSpPr>
+          <p:cNvPr id="21" name="TextBox 20">
+            <a:extLst>
+              <a:ext uri="{FF2B5EF4-FFF2-40B4-BE49-F238E27FC236}">
+                <a16:creationId xmlns:a16="http://schemas.microsoft.com/office/drawing/2014/main" id="{219EB6BE-206A-4CBF-C6B0-3B2BDA38052C}"/>
+              </a:ext>
+            </a:extLst>
+          </p:cNvPr>
+          <p:cNvSpPr txBox="1"/>
+          <p:nvPr/>
+        </p:nvSpPr>
+        <p:spPr>
+          <a:xfrm>
+            <a:off x="2379210" y="4015636"/>
+            <a:ext cx="1223668" cy="369332"/>
+          </a:xfrm>
+          <a:prstGeom prst="rect">
+            <a:avLst/>
+          </a:prstGeom>
+          <a:noFill/>
+        </p:spPr>
+        <p:txBody>
+          <a:bodyPr wrap="none" rtlCol="0">
+            <a:spAutoFit/>
+          </a:bodyPr>
+          <a:lstStyle/>
+          <a:p>
+            <a:r>
+              <a:rPr lang="tr-TR" b="1" dirty="0">
+                <a:solidFill>
+                  <a:schemeClr val="bg1"/>
+                </a:solidFill>
+              </a:rPr>
+              <a:t>Run locally</a:t>
+            </a:r>
+            <a:endParaRPr lang="en-US" b="1" dirty="0">
+              <a:solidFill>
+                <a:schemeClr val="bg1"/>
+              </a:solidFill>
+            </a:endParaRPr>
+          </a:p>
+        </p:txBody>
+      </p:sp>
+      <p:sp>
+        <p:nvSpPr>
+          <p:cNvPr id="24" name="Arrow: Left-Right 23">
+            <a:extLst>
+              <a:ext uri="{FF2B5EF4-FFF2-40B4-BE49-F238E27FC236}">
+                <a16:creationId xmlns:a16="http://schemas.microsoft.com/office/drawing/2014/main" id="{D6E7B940-7E2B-F2B8-C49E-DDCE3D500D5A}"/>
+              </a:ext>
+            </a:extLst>
+          </p:cNvPr>
+          <p:cNvSpPr/>
+          <p:nvPr/>
+        </p:nvSpPr>
+        <p:spPr>
+          <a:xfrm>
+            <a:off x="3808043" y="2693792"/>
+            <a:ext cx="2390711" cy="540572"/>
+          </a:xfrm>
+          <a:prstGeom prst="leftRightArrow">
+            <a:avLst/>
+          </a:prstGeom>
+        </p:spPr>
+        <p:style>
+          <a:lnRef idx="2">
+            <a:schemeClr val="accent2">
+              <a:shade val="50000"/>
+            </a:schemeClr>
+          </a:lnRef>
+          <a:fillRef idx="1">
+            <a:schemeClr val="accent2"/>
+          </a:fillRef>
+          <a:effectRef idx="0">
+            <a:schemeClr val="accent2"/>
+          </a:effectRef>
+          <a:fontRef idx="minor">
+            <a:schemeClr val="lt1"/>
+          </a:fontRef>
+        </p:style>
+        <p:txBody>
+          <a:bodyPr rtlCol="0" anchor="ctr"/>
+          <a:lstStyle/>
+          <a:p>
+            <a:pPr algn="ctr"/>
+            <a:endParaRPr lang="en-US"/>
           </a:p>
         </p:txBody>
       </p:sp>
@@ -11261,6 +12047,342 @@
   <p:clrMapOvr>
     <a:masterClrMapping/>
   </p:clrMapOvr>
+  <p:timing>
+    <p:tnLst>
+      <p:par>
+        <p:cTn id="1" dur="indefinite" restart="never" nodeType="tmRoot">
+          <p:childTnLst>
+            <p:seq concurrent="1" nextAc="seek">
+              <p:cTn id="2" dur="indefinite" nodeType="mainSeq">
+                <p:childTnLst>
+                  <p:par>
+                    <p:cTn id="3" fill="hold">
+                      <p:stCondLst>
+                        <p:cond delay="indefinite"/>
+                        <p:cond evt="onBegin" delay="0">
+                          <p:tn val="2"/>
+                        </p:cond>
+                      </p:stCondLst>
+                      <p:childTnLst>
+                        <p:par>
+                          <p:cTn id="4" fill="hold">
+                            <p:stCondLst>
+                              <p:cond delay="0"/>
+                            </p:stCondLst>
+                            <p:childTnLst>
+                              <p:par>
+                                <p:cTn id="5" presetID="10" presetClass="entr" presetSubtype="0" fill="hold" nodeType="withEffect">
+                                  <p:stCondLst>
+                                    <p:cond delay="0"/>
+                                  </p:stCondLst>
+                                  <p:childTnLst>
+                                    <p:set>
+                                      <p:cBhvr>
+                                        <p:cTn id="6" dur="1" fill="hold">
+                                          <p:stCondLst>
+                                            <p:cond delay="0"/>
+                                          </p:stCondLst>
+                                        </p:cTn>
+                                        <p:tgtEl>
+                                          <p:spTgt spid="8"/>
+                                        </p:tgtEl>
+                                        <p:attrNameLst>
+                                          <p:attrName>style.visibility</p:attrName>
+                                        </p:attrNameLst>
+                                      </p:cBhvr>
+                                      <p:to>
+                                        <p:strVal val="visible"/>
+                                      </p:to>
+                                    </p:set>
+                                    <p:animEffect transition="in" filter="fade">
+                                      <p:cBhvr>
+                                        <p:cTn id="7" dur="500"/>
+                                        <p:tgtEl>
+                                          <p:spTgt spid="8"/>
+                                        </p:tgtEl>
+                                      </p:cBhvr>
+                                    </p:animEffect>
+                                  </p:childTnLst>
+                                </p:cTn>
+                              </p:par>
+                              <p:par>
+                                <p:cTn id="8" presetID="10" presetClass="entr" presetSubtype="0" fill="hold" nodeType="withEffect">
+                                  <p:stCondLst>
+                                    <p:cond delay="0"/>
+                                  </p:stCondLst>
+                                  <p:childTnLst>
+                                    <p:set>
+                                      <p:cBhvr>
+                                        <p:cTn id="9" dur="1" fill="hold">
+                                          <p:stCondLst>
+                                            <p:cond delay="0"/>
+                                          </p:stCondLst>
+                                        </p:cTn>
+                                        <p:tgtEl>
+                                          <p:spTgt spid="9"/>
+                                        </p:tgtEl>
+                                        <p:attrNameLst>
+                                          <p:attrName>style.visibility</p:attrName>
+                                        </p:attrNameLst>
+                                      </p:cBhvr>
+                                      <p:to>
+                                        <p:strVal val="visible"/>
+                                      </p:to>
+                                    </p:set>
+                                    <p:animEffect transition="in" filter="fade">
+                                      <p:cBhvr>
+                                        <p:cTn id="10" dur="500"/>
+                                        <p:tgtEl>
+                                          <p:spTgt spid="9"/>
+                                        </p:tgtEl>
+                                      </p:cBhvr>
+                                    </p:animEffect>
+                                  </p:childTnLst>
+                                </p:cTn>
+                              </p:par>
+                              <p:par>
+                                <p:cTn id="11" presetID="10" presetClass="entr" presetSubtype="0" fill="hold" nodeType="withEffect">
+                                  <p:stCondLst>
+                                    <p:cond delay="0"/>
+                                  </p:stCondLst>
+                                  <p:childTnLst>
+                                    <p:set>
+                                      <p:cBhvr>
+                                        <p:cTn id="12" dur="1" fill="hold">
+                                          <p:stCondLst>
+                                            <p:cond delay="0"/>
+                                          </p:stCondLst>
+                                        </p:cTn>
+                                        <p:tgtEl>
+                                          <p:spTgt spid="12"/>
+                                        </p:tgtEl>
+                                        <p:attrNameLst>
+                                          <p:attrName>style.visibility</p:attrName>
+                                        </p:attrNameLst>
+                                      </p:cBhvr>
+                                      <p:to>
+                                        <p:strVal val="visible"/>
+                                      </p:to>
+                                    </p:set>
+                                    <p:animEffect transition="in" filter="fade">
+                                      <p:cBhvr>
+                                        <p:cTn id="13" dur="500"/>
+                                        <p:tgtEl>
+                                          <p:spTgt spid="12"/>
+                                        </p:tgtEl>
+                                      </p:cBhvr>
+                                    </p:animEffect>
+                                  </p:childTnLst>
+                                </p:cTn>
+                              </p:par>
+                              <p:par>
+                                <p:cTn id="14" presetID="10" presetClass="entr" presetSubtype="0" fill="hold" nodeType="withEffect">
+                                  <p:stCondLst>
+                                    <p:cond delay="0"/>
+                                  </p:stCondLst>
+                                  <p:childTnLst>
+                                    <p:set>
+                                      <p:cBhvr>
+                                        <p:cTn id="15" dur="1" fill="hold">
+                                          <p:stCondLst>
+                                            <p:cond delay="0"/>
+                                          </p:stCondLst>
+                                        </p:cTn>
+                                        <p:tgtEl>
+                                          <p:spTgt spid="10"/>
+                                        </p:tgtEl>
+                                        <p:attrNameLst>
+                                          <p:attrName>style.visibility</p:attrName>
+                                        </p:attrNameLst>
+                                      </p:cBhvr>
+                                      <p:to>
+                                        <p:strVal val="visible"/>
+                                      </p:to>
+                                    </p:set>
+                                    <p:animEffect transition="in" filter="fade">
+                                      <p:cBhvr>
+                                        <p:cTn id="16" dur="500"/>
+                                        <p:tgtEl>
+                                          <p:spTgt spid="10"/>
+                                        </p:tgtEl>
+                                      </p:cBhvr>
+                                    </p:animEffect>
+                                  </p:childTnLst>
+                                </p:cTn>
+                              </p:par>
+                              <p:par>
+                                <p:cTn id="17" presetID="10" presetClass="entr" presetSubtype="0" fill="hold" nodeType="withEffect">
+                                  <p:stCondLst>
+                                    <p:cond delay="0"/>
+                                  </p:stCondLst>
+                                  <p:childTnLst>
+                                    <p:set>
+                                      <p:cBhvr>
+                                        <p:cTn id="18" dur="1" fill="hold">
+                                          <p:stCondLst>
+                                            <p:cond delay="0"/>
+                                          </p:stCondLst>
+                                        </p:cTn>
+                                        <p:tgtEl>
+                                          <p:spTgt spid="11"/>
+                                        </p:tgtEl>
+                                        <p:attrNameLst>
+                                          <p:attrName>style.visibility</p:attrName>
+                                        </p:attrNameLst>
+                                      </p:cBhvr>
+                                      <p:to>
+                                        <p:strVal val="visible"/>
+                                      </p:to>
+                                    </p:set>
+                                    <p:animEffect transition="in" filter="fade">
+                                      <p:cBhvr>
+                                        <p:cTn id="19" dur="500"/>
+                                        <p:tgtEl>
+                                          <p:spTgt spid="11"/>
+                                        </p:tgtEl>
+                                      </p:cBhvr>
+                                    </p:animEffect>
+                                  </p:childTnLst>
+                                </p:cTn>
+                              </p:par>
+                              <p:par>
+                                <p:cTn id="20" presetID="10" presetClass="entr" presetSubtype="0" fill="hold" grpId="0" nodeType="withEffect">
+                                  <p:stCondLst>
+                                    <p:cond delay="0"/>
+                                  </p:stCondLst>
+                                  <p:childTnLst>
+                                    <p:set>
+                                      <p:cBhvr>
+                                        <p:cTn id="21" dur="1" fill="hold">
+                                          <p:stCondLst>
+                                            <p:cond delay="0"/>
+                                          </p:stCondLst>
+                                        </p:cTn>
+                                        <p:tgtEl>
+                                          <p:spTgt spid="13"/>
+                                        </p:tgtEl>
+                                        <p:attrNameLst>
+                                          <p:attrName>style.visibility</p:attrName>
+                                        </p:attrNameLst>
+                                      </p:cBhvr>
+                                      <p:to>
+                                        <p:strVal val="visible"/>
+                                      </p:to>
+                                    </p:set>
+                                    <p:animEffect transition="in" filter="fade">
+                                      <p:cBhvr>
+                                        <p:cTn id="22" dur="500"/>
+                                        <p:tgtEl>
+                                          <p:spTgt spid="13"/>
+                                        </p:tgtEl>
+                                      </p:cBhvr>
+                                    </p:animEffect>
+                                  </p:childTnLst>
+                                </p:cTn>
+                              </p:par>
+                              <p:par>
+                                <p:cTn id="23" presetID="10" presetClass="entr" presetSubtype="0" fill="hold" grpId="0" nodeType="withEffect">
+                                  <p:stCondLst>
+                                    <p:cond delay="0"/>
+                                  </p:stCondLst>
+                                  <p:childTnLst>
+                                    <p:set>
+                                      <p:cBhvr>
+                                        <p:cTn id="24" dur="1" fill="hold">
+                                          <p:stCondLst>
+                                            <p:cond delay="0"/>
+                                          </p:stCondLst>
+                                        </p:cTn>
+                                        <p:tgtEl>
+                                          <p:spTgt spid="15"/>
+                                        </p:tgtEl>
+                                        <p:attrNameLst>
+                                          <p:attrName>style.visibility</p:attrName>
+                                        </p:attrNameLst>
+                                      </p:cBhvr>
+                                      <p:to>
+                                        <p:strVal val="visible"/>
+                                      </p:to>
+                                    </p:set>
+                                    <p:animEffect transition="in" filter="fade">
+                                      <p:cBhvr>
+                                        <p:cTn id="25" dur="500"/>
+                                        <p:tgtEl>
+                                          <p:spTgt spid="15"/>
+                                        </p:tgtEl>
+                                      </p:cBhvr>
+                                    </p:animEffect>
+                                  </p:childTnLst>
+                                </p:cTn>
+                              </p:par>
+                              <p:par>
+                                <p:cTn id="26" presetID="10" presetClass="entr" presetSubtype="0" fill="hold" grpId="0" nodeType="withEffect">
+                                  <p:stCondLst>
+                                    <p:cond delay="0"/>
+                                  </p:stCondLst>
+                                  <p:childTnLst>
+                                    <p:set>
+                                      <p:cBhvr>
+                                        <p:cTn id="27" dur="1" fill="hold">
+                                          <p:stCondLst>
+                                            <p:cond delay="0"/>
+                                          </p:stCondLst>
+                                        </p:cTn>
+                                        <p:tgtEl>
+                                          <p:spTgt spid="16"/>
+                                        </p:tgtEl>
+                                        <p:attrNameLst>
+                                          <p:attrName>style.visibility</p:attrName>
+                                        </p:attrNameLst>
+                                      </p:cBhvr>
+                                      <p:to>
+                                        <p:strVal val="visible"/>
+                                      </p:to>
+                                    </p:set>
+                                    <p:animEffect transition="in" filter="fade">
+                                      <p:cBhvr>
+                                        <p:cTn id="28" dur="500"/>
+                                        <p:tgtEl>
+                                          <p:spTgt spid="16"/>
+                                        </p:tgtEl>
+                                      </p:cBhvr>
+                                    </p:animEffect>
+                                  </p:childTnLst>
+                                </p:cTn>
+                              </p:par>
+                            </p:childTnLst>
+                          </p:cTn>
+                        </p:par>
+                      </p:childTnLst>
+                    </p:cTn>
+                  </p:par>
+                </p:childTnLst>
+              </p:cTn>
+              <p:prevCondLst>
+                <p:cond evt="onPrev" delay="0">
+                  <p:tgtEl>
+                    <p:sldTgt/>
+                  </p:tgtEl>
+                </p:cond>
+              </p:prevCondLst>
+              <p:nextCondLst>
+                <p:cond evt="onNext" delay="0">
+                  <p:tgtEl>
+                    <p:sldTgt/>
+                  </p:tgtEl>
+                </p:cond>
+              </p:nextCondLst>
+            </p:seq>
+          </p:childTnLst>
+        </p:cTn>
+      </p:par>
+    </p:tnLst>
+    <p:bldLst>
+      <p:bldP spid="13" grpId="0" animBg="1"/>
+      <p:bldP spid="15" grpId="0" animBg="1"/>
+      <p:bldP spid="16" grpId="0" animBg="1"/>
+    </p:bldLst>
+  </p:timing>
 </p:sld>
 </file>
 

--- a/2023-05-10 ABP Conf 2023 Developing with Kubernetes/Developing with Kubernetes.pptx
+++ b/2023-05-10 ABP Conf 2023 Developing with Kubernetes/Developing with Kubernetes.pptx
@@ -292,7 +292,7 @@
           <a:p>
             <a:fld id="{2A14C9FE-EBC3-45D3-899C-58AAF4F8AF71}" type="datetimeFigureOut">
               <a:rPr lang="en-US" smtClean="0"/>
-              <a:t>4/26/2023</a:t>
+              <a:t>4/28/2023</a:t>
             </a:fld>
             <a:endParaRPr lang="en-US"/>
           </a:p>
@@ -490,7 +490,7 @@
           <a:p>
             <a:fld id="{2A14C9FE-EBC3-45D3-899C-58AAF4F8AF71}" type="datetimeFigureOut">
               <a:rPr lang="en-US" smtClean="0"/>
-              <a:t>4/26/2023</a:t>
+              <a:t>4/28/2023</a:t>
             </a:fld>
             <a:endParaRPr lang="en-US"/>
           </a:p>
@@ -698,7 +698,7 @@
           <a:p>
             <a:fld id="{2A14C9FE-EBC3-45D3-899C-58AAF4F8AF71}" type="datetimeFigureOut">
               <a:rPr lang="en-US" smtClean="0"/>
-              <a:t>4/26/2023</a:t>
+              <a:t>4/28/2023</a:t>
             </a:fld>
             <a:endParaRPr lang="en-US"/>
           </a:p>
@@ -896,7 +896,7 @@
           <a:p>
             <a:fld id="{2A14C9FE-EBC3-45D3-899C-58AAF4F8AF71}" type="datetimeFigureOut">
               <a:rPr lang="en-US" smtClean="0"/>
-              <a:t>4/26/2023</a:t>
+              <a:t>4/28/2023</a:t>
             </a:fld>
             <a:endParaRPr lang="en-US"/>
           </a:p>
@@ -1171,7 +1171,7 @@
           <a:p>
             <a:fld id="{2A14C9FE-EBC3-45D3-899C-58AAF4F8AF71}" type="datetimeFigureOut">
               <a:rPr lang="en-US" smtClean="0"/>
-              <a:t>4/26/2023</a:t>
+              <a:t>4/28/2023</a:t>
             </a:fld>
             <a:endParaRPr lang="en-US"/>
           </a:p>
@@ -1436,7 +1436,7 @@
           <a:p>
             <a:fld id="{2A14C9FE-EBC3-45D3-899C-58AAF4F8AF71}" type="datetimeFigureOut">
               <a:rPr lang="en-US" smtClean="0"/>
-              <a:t>4/26/2023</a:t>
+              <a:t>4/28/2023</a:t>
             </a:fld>
             <a:endParaRPr lang="en-US"/>
           </a:p>
@@ -1848,7 +1848,7 @@
           <a:p>
             <a:fld id="{2A14C9FE-EBC3-45D3-899C-58AAF4F8AF71}" type="datetimeFigureOut">
               <a:rPr lang="en-US" smtClean="0"/>
-              <a:t>4/26/2023</a:t>
+              <a:t>4/28/2023</a:t>
             </a:fld>
             <a:endParaRPr lang="en-US"/>
           </a:p>
@@ -1989,7 +1989,7 @@
           <a:p>
             <a:fld id="{2A14C9FE-EBC3-45D3-899C-58AAF4F8AF71}" type="datetimeFigureOut">
               <a:rPr lang="en-US" smtClean="0"/>
-              <a:t>4/26/2023</a:t>
+              <a:t>4/28/2023</a:t>
             </a:fld>
             <a:endParaRPr lang="en-US"/>
           </a:p>
@@ -2102,7 +2102,7 @@
           <a:p>
             <a:fld id="{2A14C9FE-EBC3-45D3-899C-58AAF4F8AF71}" type="datetimeFigureOut">
               <a:rPr lang="en-US" smtClean="0"/>
-              <a:t>4/26/2023</a:t>
+              <a:t>4/28/2023</a:t>
             </a:fld>
             <a:endParaRPr lang="en-US"/>
           </a:p>
@@ -2413,7 +2413,7 @@
           <a:p>
             <a:fld id="{2A14C9FE-EBC3-45D3-899C-58AAF4F8AF71}" type="datetimeFigureOut">
               <a:rPr lang="en-US" smtClean="0"/>
-              <a:t>4/26/2023</a:t>
+              <a:t>4/28/2023</a:t>
             </a:fld>
             <a:endParaRPr lang="en-US"/>
           </a:p>
@@ -2701,7 +2701,7 @@
           <a:p>
             <a:fld id="{2A14C9FE-EBC3-45D3-899C-58AAF4F8AF71}" type="datetimeFigureOut">
               <a:rPr lang="en-US" smtClean="0"/>
-              <a:t>4/26/2023</a:t>
+              <a:t>4/28/2023</a:t>
             </a:fld>
             <a:endParaRPr lang="en-US"/>
           </a:p>
@@ -2942,7 +2942,7 @@
           <a:p>
             <a:fld id="{2A14C9FE-EBC3-45D3-899C-58AAF4F8AF71}" type="datetimeFigureOut">
               <a:rPr lang="en-US" smtClean="0"/>
-              <a:t>4/26/2023</a:t>
+              <a:t>4/28/2023</a:t>
             </a:fld>
             <a:endParaRPr lang="en-US"/>
           </a:p>
@@ -11378,7 +11378,7 @@
         </p:blipFill>
         <p:spPr bwMode="auto">
           <a:xfrm>
-            <a:off x="6345872" y="5047200"/>
+            <a:off x="6345872" y="5731013"/>
             <a:ext cx="640673" cy="517910"/>
           </a:xfrm>
           <a:prstGeom prst="rect">
@@ -11425,7 +11425,7 @@
         </p:blipFill>
         <p:spPr bwMode="auto">
           <a:xfrm>
-            <a:off x="6376567" y="4118140"/>
+            <a:off x="6376567" y="4801953"/>
             <a:ext cx="579284" cy="613059"/>
           </a:xfrm>
           <a:prstGeom prst="rect">
@@ -11472,7 +11472,7 @@
         </p:blipFill>
         <p:spPr bwMode="auto">
           <a:xfrm>
-            <a:off x="7297464" y="4061521"/>
+            <a:off x="7297464" y="4745334"/>
             <a:ext cx="1708727" cy="454993"/>
           </a:xfrm>
           <a:prstGeom prst="rect">
@@ -11519,7 +11519,7 @@
         </p:blipFill>
         <p:spPr bwMode="auto">
           <a:xfrm>
-            <a:off x="7297464" y="4552887"/>
+            <a:off x="7297464" y="5236700"/>
             <a:ext cx="1217127" cy="555314"/>
           </a:xfrm>
           <a:prstGeom prst="rect">
@@ -11566,7 +11566,7 @@
         </p:blipFill>
         <p:spPr bwMode="auto">
           <a:xfrm>
-            <a:off x="7366276" y="5219399"/>
+            <a:off x="7366276" y="5903212"/>
             <a:ext cx="1079501" cy="360733"/>
           </a:xfrm>
           <a:prstGeom prst="rect">
@@ -11598,7 +11598,7 @@
         </p:nvSpPr>
         <p:spPr>
           <a:xfrm>
-            <a:off x="6345872" y="2352002"/>
+            <a:off x="6345872" y="2391757"/>
             <a:ext cx="2588534" cy="343241"/>
           </a:xfrm>
           <a:prstGeom prst="rect">
@@ -11657,7 +11657,7 @@
         </p:nvSpPr>
         <p:spPr>
           <a:xfrm>
-            <a:off x="6345872" y="3226138"/>
+            <a:off x="6345872" y="3265893"/>
             <a:ext cx="2588534" cy="343241"/>
           </a:xfrm>
           <a:prstGeom prst="rect">
@@ -11718,7 +11718,7 @@
         </p:nvSpPr>
         <p:spPr>
           <a:xfrm>
-            <a:off x="6345872" y="2789070"/>
+            <a:off x="6345872" y="2828825"/>
             <a:ext cx="2588534" cy="343241"/>
           </a:xfrm>
           <a:prstGeom prst="rect">
@@ -11840,6 +11840,7 @@
           </a:bodyPr>
           <a:lstStyle/>
           <a:p>
+            <a:pPr algn="ctr"/>
             <a:r>
               <a:rPr lang="tr-TR" b="1" dirty="0">
                 <a:solidFill>
@@ -11870,8 +11871,8 @@
         </p:nvSpPr>
         <p:spPr>
           <a:xfrm>
-            <a:off x="6263269" y="1716905"/>
-            <a:ext cx="1642757" cy="369332"/>
+            <a:off x="6321218" y="1633713"/>
+            <a:ext cx="2588534" cy="369332"/>
           </a:xfrm>
           <a:prstGeom prst="rect">
             <a:avLst/>
@@ -11879,11 +11880,12 @@
           <a:noFill/>
         </p:spPr>
         <p:txBody>
-          <a:bodyPr wrap="none" rtlCol="0">
+          <a:bodyPr wrap="square" rtlCol="0">
             <a:spAutoFit/>
           </a:bodyPr>
           <a:lstStyle/>
           <a:p>
+            <a:pPr algn="ctr"/>
             <a:r>
               <a:rPr lang="tr-TR" b="1" dirty="0">
                 <a:solidFill>
@@ -12034,6 +12036,128 @@
           <a:p>
             <a:pPr algn="ctr"/>
             <a:endParaRPr lang="en-US"/>
+          </a:p>
+        </p:txBody>
+      </p:sp>
+      <p:sp>
+        <p:nvSpPr>
+          <p:cNvPr id="3" name="Rectangle 2">
+            <a:extLst>
+              <a:ext uri="{FF2B5EF4-FFF2-40B4-BE49-F238E27FC236}">
+                <a16:creationId xmlns:a16="http://schemas.microsoft.com/office/drawing/2014/main" id="{30C5DB98-3CC0-75FC-B1D2-832671CFFEA3}"/>
+              </a:ext>
+            </a:extLst>
+          </p:cNvPr>
+          <p:cNvSpPr/>
+          <p:nvPr/>
+        </p:nvSpPr>
+        <p:spPr>
+          <a:xfrm>
+            <a:off x="6345872" y="4140029"/>
+            <a:ext cx="2588534" cy="343241"/>
+          </a:xfrm>
+          <a:prstGeom prst="rect">
+            <a:avLst/>
+          </a:prstGeom>
+        </p:spPr>
+        <p:style>
+          <a:lnRef idx="2">
+            <a:schemeClr val="accent4">
+              <a:shade val="50000"/>
+            </a:schemeClr>
+          </a:lnRef>
+          <a:fillRef idx="1">
+            <a:schemeClr val="accent4"/>
+          </a:fillRef>
+          <a:effectRef idx="0">
+            <a:schemeClr val="accent4"/>
+          </a:effectRef>
+          <a:fontRef idx="minor">
+            <a:schemeClr val="lt1"/>
+          </a:fontRef>
+        </p:style>
+        <p:txBody>
+          <a:bodyPr rtlCol="0" anchor="ctr"/>
+          <a:lstStyle/>
+          <a:p>
+            <a:pPr algn="ctr"/>
+            <a:r>
+              <a:rPr lang="tr-TR" sz="1400" dirty="0">
+                <a:solidFill>
+                  <a:schemeClr val="tx1"/>
+                </a:solidFill>
+              </a:rPr>
+              <a:t>Identity </a:t>
+            </a:r>
+            <a:r>
+              <a:rPr lang="en-US" sz="1400" dirty="0">
+                <a:solidFill>
+                  <a:schemeClr val="tx1"/>
+                </a:solidFill>
+              </a:rPr>
+              <a:t>Microservice</a:t>
+            </a:r>
+          </a:p>
+        </p:txBody>
+      </p:sp>
+      <p:sp>
+        <p:nvSpPr>
+          <p:cNvPr id="4" name="Rectangle 3">
+            <a:extLst>
+              <a:ext uri="{FF2B5EF4-FFF2-40B4-BE49-F238E27FC236}">
+                <a16:creationId xmlns:a16="http://schemas.microsoft.com/office/drawing/2014/main" id="{32D44C74-A394-3332-9FDB-056059AE25A5}"/>
+              </a:ext>
+            </a:extLst>
+          </p:cNvPr>
+          <p:cNvSpPr/>
+          <p:nvPr/>
+        </p:nvSpPr>
+        <p:spPr>
+          <a:xfrm>
+            <a:off x="6345872" y="3702961"/>
+            <a:ext cx="2588534" cy="343241"/>
+          </a:xfrm>
+          <a:prstGeom prst="rect">
+            <a:avLst/>
+          </a:prstGeom>
+        </p:spPr>
+        <p:style>
+          <a:lnRef idx="2">
+            <a:schemeClr val="accent4">
+              <a:shade val="50000"/>
+            </a:schemeClr>
+          </a:lnRef>
+          <a:fillRef idx="1">
+            <a:schemeClr val="accent4"/>
+          </a:fillRef>
+          <a:effectRef idx="0">
+            <a:schemeClr val="accent4"/>
+          </a:effectRef>
+          <a:fontRef idx="minor">
+            <a:schemeClr val="lt1"/>
+          </a:fontRef>
+        </p:style>
+        <p:txBody>
+          <a:bodyPr rtlCol="0" anchor="ctr"/>
+          <a:lstStyle/>
+          <a:p>
+            <a:pPr algn="ctr"/>
+            <a:r>
+              <a:rPr lang="tr-TR" sz="1400" dirty="0">
+                <a:solidFill>
+                  <a:schemeClr val="tx1"/>
+                </a:solidFill>
+              </a:rPr>
+              <a:t>SAAS </a:t>
+            </a:r>
+            <a:r>
+              <a:rPr lang="en-US" sz="1400" dirty="0">
+                <a:solidFill>
+                  <a:schemeClr val="tx1"/>
+                </a:solidFill>
+              </a:rPr>
+              <a:t>Microservice</a:t>
+            </a:r>
           </a:p>
         </p:txBody>
       </p:sp>
@@ -12350,6 +12474,76 @@
                                   </p:childTnLst>
                                 </p:cTn>
                               </p:par>
+                              <p:par>
+                                <p:cTn id="29" presetID="10" presetClass="entr" presetSubtype="0" fill="hold" grpId="0" nodeType="withEffect">
+                                  <p:stCondLst>
+                                    <p:cond delay="0"/>
+                                  </p:stCondLst>
+                                  <p:childTnLst>
+                                    <p:set>
+                                      <p:cBhvr>
+                                        <p:cTn id="30" dur="1" fill="hold">
+                                          <p:stCondLst>
+                                            <p:cond delay="0"/>
+                                          </p:stCondLst>
+                                        </p:cTn>
+                                        <p:tgtEl>
+                                          <p:spTgt spid="3"/>
+                                        </p:tgtEl>
+                                        <p:attrNameLst>
+                                          <p:attrName>style.visibility</p:attrName>
+                                        </p:attrNameLst>
+                                      </p:cBhvr>
+                                      <p:to>
+                                        <p:strVal val="visible"/>
+                                      </p:to>
+                                    </p:set>
+                                    <p:animEffect transition="in" filter="fade">
+                                      <p:cBhvr>
+                                        <p:cTn id="31" dur="500"/>
+                                        <p:tgtEl>
+                                          <p:spTgt spid="3"/>
+                                        </p:tgtEl>
+                                      </p:cBhvr>
+                                    </p:animEffect>
+                                  </p:childTnLst>
+                                </p:cTn>
+                              </p:par>
+                              <p:par>
+                                <p:cTn id="32" presetID="10" presetClass="entr" presetSubtype="0" fill="hold" grpId="0" nodeType="withEffect">
+                                  <p:stCondLst>
+                                    <p:cond delay="0"/>
+                                  </p:stCondLst>
+                                  <p:childTnLst>
+                                    <p:set>
+                                      <p:cBhvr>
+                                        <p:cTn id="33" dur="1" fill="hold">
+                                          <p:stCondLst>
+                                            <p:cond delay="0"/>
+                                          </p:stCondLst>
+                                        </p:cTn>
+                                        <p:tgtEl>
+                                          <p:spTgt spid="4"/>
+                                        </p:tgtEl>
+                                        <p:attrNameLst>
+                                          <p:attrName>style.visibility</p:attrName>
+                                        </p:attrNameLst>
+                                      </p:cBhvr>
+                                      <p:to>
+                                        <p:strVal val="visible"/>
+                                      </p:to>
+                                    </p:set>
+                                    <p:animEffect transition="in" filter="fade">
+                                      <p:cBhvr>
+                                        <p:cTn id="34" dur="500"/>
+                                        <p:tgtEl>
+                                          <p:spTgt spid="4"/>
+                                        </p:tgtEl>
+                                      </p:cBhvr>
+                                    </p:animEffect>
+                                  </p:childTnLst>
+                                </p:cTn>
+                              </p:par>
                             </p:childTnLst>
                           </p:cTn>
                         </p:par>
@@ -12381,6 +12575,8 @@
       <p:bldP spid="13" grpId="0" animBg="1"/>
       <p:bldP spid="15" grpId="0" animBg="1"/>
       <p:bldP spid="16" grpId="0" animBg="1"/>
+      <p:bldP spid="3" grpId="0" animBg="1"/>
+      <p:bldP spid="4" grpId="0" animBg="1"/>
     </p:bldLst>
   </p:timing>
 </p:sld>

--- a/2023-05-10 ABP Conf 2023 Developing with Kubernetes/Developing with Kubernetes.pptx
+++ b/2023-05-10 ABP Conf 2023 Developing with Kubernetes/Developing with Kubernetes.pptx
@@ -292,7 +292,7 @@
           <a:p>
             <a:fld id="{2A14C9FE-EBC3-45D3-899C-58AAF4F8AF71}" type="datetimeFigureOut">
               <a:rPr lang="en-US" smtClean="0"/>
-              <a:t>4/28/2023</a:t>
+              <a:t>4/29/2023</a:t>
             </a:fld>
             <a:endParaRPr lang="en-US"/>
           </a:p>
@@ -490,7 +490,7 @@
           <a:p>
             <a:fld id="{2A14C9FE-EBC3-45D3-899C-58AAF4F8AF71}" type="datetimeFigureOut">
               <a:rPr lang="en-US" smtClean="0"/>
-              <a:t>4/28/2023</a:t>
+              <a:t>4/29/2023</a:t>
             </a:fld>
             <a:endParaRPr lang="en-US"/>
           </a:p>
@@ -698,7 +698,7 @@
           <a:p>
             <a:fld id="{2A14C9FE-EBC3-45D3-899C-58AAF4F8AF71}" type="datetimeFigureOut">
               <a:rPr lang="en-US" smtClean="0"/>
-              <a:t>4/28/2023</a:t>
+              <a:t>4/29/2023</a:t>
             </a:fld>
             <a:endParaRPr lang="en-US"/>
           </a:p>
@@ -896,7 +896,7 @@
           <a:p>
             <a:fld id="{2A14C9FE-EBC3-45D3-899C-58AAF4F8AF71}" type="datetimeFigureOut">
               <a:rPr lang="en-US" smtClean="0"/>
-              <a:t>4/28/2023</a:t>
+              <a:t>4/29/2023</a:t>
             </a:fld>
             <a:endParaRPr lang="en-US"/>
           </a:p>
@@ -1171,7 +1171,7 @@
           <a:p>
             <a:fld id="{2A14C9FE-EBC3-45D3-899C-58AAF4F8AF71}" type="datetimeFigureOut">
               <a:rPr lang="en-US" smtClean="0"/>
-              <a:t>4/28/2023</a:t>
+              <a:t>4/29/2023</a:t>
             </a:fld>
             <a:endParaRPr lang="en-US"/>
           </a:p>
@@ -1436,7 +1436,7 @@
           <a:p>
             <a:fld id="{2A14C9FE-EBC3-45D3-899C-58AAF4F8AF71}" type="datetimeFigureOut">
               <a:rPr lang="en-US" smtClean="0"/>
-              <a:t>4/28/2023</a:t>
+              <a:t>4/29/2023</a:t>
             </a:fld>
             <a:endParaRPr lang="en-US"/>
           </a:p>
@@ -1848,7 +1848,7 @@
           <a:p>
             <a:fld id="{2A14C9FE-EBC3-45D3-899C-58AAF4F8AF71}" type="datetimeFigureOut">
               <a:rPr lang="en-US" smtClean="0"/>
-              <a:t>4/28/2023</a:t>
+              <a:t>4/29/2023</a:t>
             </a:fld>
             <a:endParaRPr lang="en-US"/>
           </a:p>
@@ -1989,7 +1989,7 @@
           <a:p>
             <a:fld id="{2A14C9FE-EBC3-45D3-899C-58AAF4F8AF71}" type="datetimeFigureOut">
               <a:rPr lang="en-US" smtClean="0"/>
-              <a:t>4/28/2023</a:t>
+              <a:t>4/29/2023</a:t>
             </a:fld>
             <a:endParaRPr lang="en-US"/>
           </a:p>
@@ -2102,7 +2102,7 @@
           <a:p>
             <a:fld id="{2A14C9FE-EBC3-45D3-899C-58AAF4F8AF71}" type="datetimeFigureOut">
               <a:rPr lang="en-US" smtClean="0"/>
-              <a:t>4/28/2023</a:t>
+              <a:t>4/29/2023</a:t>
             </a:fld>
             <a:endParaRPr lang="en-US"/>
           </a:p>
@@ -2413,7 +2413,7 @@
           <a:p>
             <a:fld id="{2A14C9FE-EBC3-45D3-899C-58AAF4F8AF71}" type="datetimeFigureOut">
               <a:rPr lang="en-US" smtClean="0"/>
-              <a:t>4/28/2023</a:t>
+              <a:t>4/29/2023</a:t>
             </a:fld>
             <a:endParaRPr lang="en-US"/>
           </a:p>
@@ -2701,7 +2701,7 @@
           <a:p>
             <a:fld id="{2A14C9FE-EBC3-45D3-899C-58AAF4F8AF71}" type="datetimeFigureOut">
               <a:rPr lang="en-US" smtClean="0"/>
-              <a:t>4/28/2023</a:t>
+              <a:t>4/29/2023</a:t>
             </a:fld>
             <a:endParaRPr lang="en-US"/>
           </a:p>
@@ -2942,7 +2942,7 @@
           <a:p>
             <a:fld id="{2A14C9FE-EBC3-45D3-899C-58AAF4F8AF71}" type="datetimeFigureOut">
               <a:rPr lang="en-US" smtClean="0"/>
-              <a:t>4/28/2023</a:t>
+              <a:t>4/29/2023</a:t>
             </a:fld>
             <a:endParaRPr lang="en-US"/>
           </a:p>
@@ -11200,8 +11200,8 @@
         </p:nvSpPr>
         <p:spPr>
           <a:xfrm>
-            <a:off x="6217608" y="1614542"/>
-            <a:ext cx="2836630" cy="4802187"/>
+            <a:off x="7311118" y="1610192"/>
+            <a:ext cx="2836630" cy="4938515"/>
           </a:xfrm>
           <a:prstGeom prst="rect">
             <a:avLst/>
@@ -11246,8 +11246,8 @@
         </p:nvSpPr>
         <p:spPr>
           <a:xfrm>
-            <a:off x="838200" y="1615272"/>
-            <a:ext cx="2951898" cy="4802187"/>
+            <a:off x="838200" y="1610922"/>
+            <a:ext cx="2951898" cy="4938516"/>
           </a:xfrm>
           <a:prstGeom prst="rect">
             <a:avLst/>
@@ -11341,7 +11341,7 @@
         </p:blipFill>
         <p:spPr>
           <a:xfrm>
-            <a:off x="960360" y="2151479"/>
+            <a:off x="960360" y="2482241"/>
             <a:ext cx="2707578" cy="1792986"/>
           </a:xfrm>
           <a:prstGeom prst="rect">
@@ -11378,7 +11378,7 @@
         </p:blipFill>
         <p:spPr bwMode="auto">
           <a:xfrm>
-            <a:off x="6345872" y="5731013"/>
+            <a:off x="7439382" y="5862991"/>
             <a:ext cx="640673" cy="517910"/>
           </a:xfrm>
           <a:prstGeom prst="rect">
@@ -11425,7 +11425,7 @@
         </p:blipFill>
         <p:spPr bwMode="auto">
           <a:xfrm>
-            <a:off x="6376567" y="4801953"/>
+            <a:off x="7470077" y="4933931"/>
             <a:ext cx="579284" cy="613059"/>
           </a:xfrm>
           <a:prstGeom prst="rect">
@@ -11472,7 +11472,7 @@
         </p:blipFill>
         <p:spPr bwMode="auto">
           <a:xfrm>
-            <a:off x="7297464" y="4745334"/>
+            <a:off x="8390974" y="4877312"/>
             <a:ext cx="1708727" cy="454993"/>
           </a:xfrm>
           <a:prstGeom prst="rect">
@@ -11519,7 +11519,7 @@
         </p:blipFill>
         <p:spPr bwMode="auto">
           <a:xfrm>
-            <a:off x="7297464" y="5236700"/>
+            <a:off x="8390974" y="5368678"/>
             <a:ext cx="1217127" cy="555314"/>
           </a:xfrm>
           <a:prstGeom prst="rect">
@@ -11566,7 +11566,7 @@
         </p:blipFill>
         <p:spPr bwMode="auto">
           <a:xfrm>
-            <a:off x="7366276" y="5903212"/>
+            <a:off x="8459786" y="6035190"/>
             <a:ext cx="1079501" cy="360733"/>
           </a:xfrm>
           <a:prstGeom prst="rect">
@@ -11598,7 +11598,7 @@
         </p:nvSpPr>
         <p:spPr>
           <a:xfrm>
-            <a:off x="6345872" y="2391757"/>
+            <a:off x="7439382" y="2087610"/>
             <a:ext cx="2588534" cy="343241"/>
           </a:xfrm>
           <a:prstGeom prst="rect">
@@ -11657,7 +11657,7 @@
         </p:nvSpPr>
         <p:spPr>
           <a:xfrm>
-            <a:off x="6345872" y="3265893"/>
+            <a:off x="7439382" y="2961746"/>
             <a:ext cx="2588534" cy="343241"/>
           </a:xfrm>
           <a:prstGeom prst="rect">
@@ -11718,7 +11718,7 @@
         </p:nvSpPr>
         <p:spPr>
           <a:xfrm>
-            <a:off x="6345872" y="2828825"/>
+            <a:off x="7439382" y="2524678"/>
             <a:ext cx="2588534" cy="343241"/>
           </a:xfrm>
           <a:prstGeom prst="rect">
@@ -11765,53 +11765,6 @@
           </a:p>
         </p:txBody>
       </p:sp>
-      <p:pic>
-        <p:nvPicPr>
-          <p:cNvPr id="1026" name="Picture 2" descr="how to Sort API methods in Swagger-UI · Issue #647 · nestjs/swagger · GitHub">
-            <a:extLst>
-              <a:ext uri="{FF2B5EF4-FFF2-40B4-BE49-F238E27FC236}">
-                <a16:creationId xmlns:a16="http://schemas.microsoft.com/office/drawing/2014/main" id="{29D19B5D-0D91-E39B-D115-D2021128810E}"/>
-              </a:ext>
-            </a:extLst>
-          </p:cNvPr>
-          <p:cNvPicPr>
-            <a:picLocks noChangeAspect="1" noChangeArrowheads="1"/>
-          </p:cNvPicPr>
-          <p:nvPr/>
-        </p:nvPicPr>
-        <p:blipFill>
-          <a:blip r:embed="rId9">
-            <a:extLst>
-              <a:ext uri="{28A0092B-C50C-407E-A947-70E740481C1C}">
-                <a14:useLocalDpi xmlns:a14="http://schemas.microsoft.com/office/drawing/2010/main" val="0"/>
-              </a:ext>
-            </a:extLst>
-          </a:blip>
-          <a:srcRect/>
-          <a:stretch>
-            <a:fillRect/>
-          </a:stretch>
-        </p:blipFill>
-        <p:spPr bwMode="auto">
-          <a:xfrm>
-            <a:off x="960360" y="4485037"/>
-            <a:ext cx="2707578" cy="1814291"/>
-          </a:xfrm>
-          <a:prstGeom prst="rect">
-            <a:avLst/>
-          </a:prstGeom>
-          <a:noFill/>
-          <a:extLst>
-            <a:ext uri="{909E8E84-426E-40DD-AFC4-6F175D3DCCD1}">
-              <a14:hiddenFill xmlns:a14="http://schemas.microsoft.com/office/drawing/2010/main">
-                <a:solidFill>
-                  <a:srgbClr val="FFFFFF"/>
-                </a:solidFill>
-              </a14:hiddenFill>
-            </a:ext>
-          </a:extLst>
-        </p:spPr>
-      </p:pic>
       <p:sp>
         <p:nvSpPr>
           <p:cNvPr id="17" name="TextBox 16">
@@ -11826,7 +11779,7 @@
         </p:nvSpPr>
         <p:spPr>
           <a:xfrm>
-            <a:off x="838200" y="1635680"/>
+            <a:off x="838200" y="1638000"/>
             <a:ext cx="2951898" cy="369332"/>
           </a:xfrm>
           <a:prstGeom prst="rect">
@@ -11842,14 +11795,14 @@
           <a:p>
             <a:pPr algn="ctr"/>
             <a:r>
-              <a:rPr lang="tr-TR" b="1" dirty="0">
+              <a:rPr lang="tr-TR" dirty="0">
                 <a:solidFill>
                   <a:schemeClr val="bg1"/>
                 </a:solidFill>
               </a:rPr>
               <a:t>LOCAL DEVELOPER MACHINE</a:t>
             </a:r>
-            <a:endParaRPr lang="en-US" b="1" dirty="0">
+            <a:endParaRPr lang="en-US" dirty="0">
               <a:solidFill>
                 <a:schemeClr val="bg1"/>
               </a:solidFill>
@@ -11871,7 +11824,7 @@
         </p:nvSpPr>
         <p:spPr>
           <a:xfrm>
-            <a:off x="6321218" y="1633713"/>
+            <a:off x="7414728" y="1627658"/>
             <a:ext cx="2588534" cy="369332"/>
           </a:xfrm>
           <a:prstGeom prst="rect">
@@ -11887,14 +11840,14 @@
           <a:p>
             <a:pPr algn="ctr"/>
             <a:r>
-              <a:rPr lang="tr-TR" b="1" dirty="0">
+              <a:rPr lang="tr-TR" dirty="0">
                 <a:solidFill>
                   <a:schemeClr val="bg1"/>
                 </a:solidFill>
               </a:rPr>
               <a:t>DEPENDENCIES</a:t>
             </a:r>
-            <a:endParaRPr lang="en-US" b="1" dirty="0">
+            <a:endParaRPr lang="en-US" dirty="0">
               <a:solidFill>
                 <a:schemeClr val="bg1"/>
               </a:solidFill>
@@ -11913,13 +11866,12 @@
           </p:cNvPr>
           <p:cNvCxnSpPr>
             <a:stCxn id="7" idx="2"/>
-            <a:endCxn id="1026" idx="0"/>
           </p:cNvCxnSpPr>
           <p:nvPr/>
         </p:nvCxnSpPr>
         <p:spPr>
           <a:xfrm>
-            <a:off x="2314149" y="3944465"/>
+            <a:off x="2314149" y="4275227"/>
             <a:ext cx="0" cy="540572"/>
           </a:xfrm>
           <a:prstGeom prst="straightConnector1">
@@ -11963,7 +11915,7 @@
         </p:nvSpPr>
         <p:spPr>
           <a:xfrm>
-            <a:off x="2379210" y="4015636"/>
+            <a:off x="2379210" y="4346398"/>
             <a:ext cx="1223668" cy="369332"/>
           </a:xfrm>
           <a:prstGeom prst="rect">
@@ -11995,10 +11947,10 @@
       </p:sp>
       <p:sp>
         <p:nvSpPr>
-          <p:cNvPr id="24" name="Arrow: Left-Right 23">
-            <a:extLst>
-              <a:ext uri="{FF2B5EF4-FFF2-40B4-BE49-F238E27FC236}">
-                <a16:creationId xmlns:a16="http://schemas.microsoft.com/office/drawing/2014/main" id="{D6E7B940-7E2B-F2B8-C49E-DDCE3D500D5A}"/>
+          <p:cNvPr id="3" name="Rectangle 2">
+            <a:extLst>
+              <a:ext uri="{FF2B5EF4-FFF2-40B4-BE49-F238E27FC236}">
+                <a16:creationId xmlns:a16="http://schemas.microsoft.com/office/drawing/2014/main" id="{30C5DB98-3CC0-75FC-B1D2-832671CFFEA3}"/>
               </a:ext>
             </a:extLst>
           </p:cNvPr>
@@ -12007,53 +11959,7 @@
         </p:nvSpPr>
         <p:spPr>
           <a:xfrm>
-            <a:off x="3808043" y="2693792"/>
-            <a:ext cx="2390711" cy="540572"/>
-          </a:xfrm>
-          <a:prstGeom prst="leftRightArrow">
-            <a:avLst/>
-          </a:prstGeom>
-        </p:spPr>
-        <p:style>
-          <a:lnRef idx="2">
-            <a:schemeClr val="accent2">
-              <a:shade val="50000"/>
-            </a:schemeClr>
-          </a:lnRef>
-          <a:fillRef idx="1">
-            <a:schemeClr val="accent2"/>
-          </a:fillRef>
-          <a:effectRef idx="0">
-            <a:schemeClr val="accent2"/>
-          </a:effectRef>
-          <a:fontRef idx="minor">
-            <a:schemeClr val="lt1"/>
-          </a:fontRef>
-        </p:style>
-        <p:txBody>
-          <a:bodyPr rtlCol="0" anchor="ctr"/>
-          <a:lstStyle/>
-          <a:p>
-            <a:pPr algn="ctr"/>
-            <a:endParaRPr lang="en-US"/>
-          </a:p>
-        </p:txBody>
-      </p:sp>
-      <p:sp>
-        <p:nvSpPr>
-          <p:cNvPr id="3" name="Rectangle 2">
-            <a:extLst>
-              <a:ext uri="{FF2B5EF4-FFF2-40B4-BE49-F238E27FC236}">
-                <a16:creationId xmlns:a16="http://schemas.microsoft.com/office/drawing/2014/main" id="{30C5DB98-3CC0-75FC-B1D2-832671CFFEA3}"/>
-              </a:ext>
-            </a:extLst>
-          </p:cNvPr>
-          <p:cNvSpPr/>
-          <p:nvPr/>
-        </p:nvSpPr>
-        <p:spPr>
-          <a:xfrm>
-            <a:off x="6345872" y="4140029"/>
+            <a:off x="7439382" y="3835882"/>
             <a:ext cx="2588534" cy="343241"/>
           </a:xfrm>
           <a:prstGeom prst="rect">
@@ -12114,7 +12020,7 @@
         </p:nvSpPr>
         <p:spPr>
           <a:xfrm>
-            <a:off x="6345872" y="3702961"/>
+            <a:off x="7439382" y="3398814"/>
             <a:ext cx="2588534" cy="343241"/>
           </a:xfrm>
           <a:prstGeom prst="rect">
@@ -12148,7 +12054,7 @@
                   <a:schemeClr val="tx1"/>
                 </a:solidFill>
               </a:rPr>
-              <a:t>SAAS </a:t>
+              <a:t>Saas </a:t>
             </a:r>
             <a:r>
               <a:rPr lang="en-US" sz="1400" dirty="0">
@@ -12158,6 +12064,185 @@
               </a:rPr>
               <a:t>Microservice</a:t>
             </a:r>
+          </a:p>
+        </p:txBody>
+      </p:sp>
+      <p:pic>
+        <p:nvPicPr>
+          <p:cNvPr id="6" name="Picture 5">
+            <a:extLst>
+              <a:ext uri="{FF2B5EF4-FFF2-40B4-BE49-F238E27FC236}">
+                <a16:creationId xmlns:a16="http://schemas.microsoft.com/office/drawing/2014/main" id="{DA1B41EF-0FB0-422E-7E61-9996E97963FD}"/>
+              </a:ext>
+            </a:extLst>
+          </p:cNvPr>
+          <p:cNvPicPr>
+            <a:picLocks noChangeAspect="1"/>
+          </p:cNvPicPr>
+          <p:nvPr/>
+        </p:nvPicPr>
+        <p:blipFill>
+          <a:blip r:embed="rId9"/>
+          <a:stretch>
+            <a:fillRect/>
+          </a:stretch>
+        </p:blipFill>
+        <p:spPr>
+          <a:xfrm>
+            <a:off x="960357" y="4812699"/>
+            <a:ext cx="2707575" cy="1568202"/>
+          </a:xfrm>
+          <a:prstGeom prst="rect">
+            <a:avLst/>
+          </a:prstGeom>
+        </p:spPr>
+      </p:pic>
+      <p:sp>
+        <p:nvSpPr>
+          <p:cNvPr id="14" name="TextBox 13">
+            <a:extLst>
+              <a:ext uri="{FF2B5EF4-FFF2-40B4-BE49-F238E27FC236}">
+                <a16:creationId xmlns:a16="http://schemas.microsoft.com/office/drawing/2014/main" id="{AF13872B-F2D9-7522-D6DC-D3AEEAD19396}"/>
+              </a:ext>
+            </a:extLst>
+          </p:cNvPr>
+          <p:cNvSpPr txBox="1"/>
+          <p:nvPr/>
+        </p:nvSpPr>
+        <p:spPr>
+          <a:xfrm>
+            <a:off x="978151" y="1996990"/>
+            <a:ext cx="2676758" cy="461665"/>
+          </a:xfrm>
+          <a:prstGeom prst="rect">
+            <a:avLst/>
+          </a:prstGeom>
+          <a:noFill/>
+        </p:spPr>
+        <p:txBody>
+          <a:bodyPr wrap="none" rtlCol="0">
+            <a:spAutoFit/>
+          </a:bodyPr>
+          <a:lstStyle/>
+          <a:p>
+            <a:pPr algn="ctr"/>
+            <a:r>
+              <a:rPr lang="tr-TR" sz="2400" b="1" dirty="0">
+                <a:solidFill>
+                  <a:schemeClr val="bg1"/>
+                </a:solidFill>
+              </a:rPr>
+              <a:t>ORDERING SERVICE</a:t>
+            </a:r>
+            <a:endParaRPr lang="en-US" sz="2400" b="1" dirty="0">
+              <a:solidFill>
+                <a:schemeClr val="bg1"/>
+              </a:solidFill>
+            </a:endParaRPr>
+          </a:p>
+        </p:txBody>
+      </p:sp>
+      <p:sp>
+        <p:nvSpPr>
+          <p:cNvPr id="19" name="Rectangle 18">
+            <a:extLst>
+              <a:ext uri="{FF2B5EF4-FFF2-40B4-BE49-F238E27FC236}">
+                <a16:creationId xmlns:a16="http://schemas.microsoft.com/office/drawing/2014/main" id="{DBB4E4C8-8AC8-1EA7-07E1-F96AE5C919BF}"/>
+              </a:ext>
+            </a:extLst>
+          </p:cNvPr>
+          <p:cNvSpPr/>
+          <p:nvPr/>
+        </p:nvSpPr>
+        <p:spPr>
+          <a:xfrm>
+            <a:off x="7440874" y="4268623"/>
+            <a:ext cx="2588534" cy="343241"/>
+          </a:xfrm>
+          <a:prstGeom prst="rect">
+            <a:avLst/>
+          </a:prstGeom>
+        </p:spPr>
+        <p:style>
+          <a:lnRef idx="2">
+            <a:schemeClr val="accent4">
+              <a:shade val="50000"/>
+            </a:schemeClr>
+          </a:lnRef>
+          <a:fillRef idx="1">
+            <a:schemeClr val="accent4"/>
+          </a:fillRef>
+          <a:effectRef idx="0">
+            <a:schemeClr val="accent4"/>
+          </a:effectRef>
+          <a:fontRef idx="minor">
+            <a:schemeClr val="lt1"/>
+          </a:fontRef>
+        </p:style>
+        <p:txBody>
+          <a:bodyPr rtlCol="0" anchor="ctr"/>
+          <a:lstStyle/>
+          <a:p>
+            <a:pPr algn="ctr"/>
+            <a:r>
+              <a:rPr lang="tr-TR" sz="1400" i="1" dirty="0">
+                <a:solidFill>
+                  <a:schemeClr val="tx1"/>
+                </a:solidFill>
+              </a:rPr>
+              <a:t>...other services...</a:t>
+            </a:r>
+            <a:endParaRPr lang="en-US" sz="1400" i="1" dirty="0">
+              <a:solidFill>
+                <a:schemeClr val="tx1"/>
+              </a:solidFill>
+            </a:endParaRPr>
+          </a:p>
+        </p:txBody>
+      </p:sp>
+      <p:sp>
+        <p:nvSpPr>
+          <p:cNvPr id="25" name="Arrow: Right 24">
+            <a:extLst>
+              <a:ext uri="{FF2B5EF4-FFF2-40B4-BE49-F238E27FC236}">
+                <a16:creationId xmlns:a16="http://schemas.microsoft.com/office/drawing/2014/main" id="{CAF21B91-921D-5535-0667-6CA3C16ADD86}"/>
+              </a:ext>
+            </a:extLst>
+          </p:cNvPr>
+          <p:cNvSpPr/>
+          <p:nvPr/>
+        </p:nvSpPr>
+        <p:spPr>
+          <a:xfrm>
+            <a:off x="3799525" y="1655961"/>
+            <a:ext cx="3502166" cy="385678"/>
+          </a:xfrm>
+          <a:prstGeom prst="rightArrow">
+            <a:avLst/>
+          </a:prstGeom>
+        </p:spPr>
+        <p:style>
+          <a:lnRef idx="2">
+            <a:schemeClr val="accent2">
+              <a:shade val="50000"/>
+            </a:schemeClr>
+          </a:lnRef>
+          <a:fillRef idx="1">
+            <a:schemeClr val="accent2"/>
+          </a:fillRef>
+          <a:effectRef idx="0">
+            <a:schemeClr val="accent2"/>
+          </a:effectRef>
+          <a:fontRef idx="minor">
+            <a:schemeClr val="lt1"/>
+          </a:fontRef>
+        </p:style>
+        <p:txBody>
+          <a:bodyPr rtlCol="0" anchor="ctr"/>
+          <a:lstStyle/>
+          <a:p>
+            <a:pPr algn="ctr"/>
+            <a:endParaRPr lang="en-US"/>
           </a:p>
         </p:txBody>
       </p:sp>
@@ -12183,9 +12268,6 @@
                     <p:cTn id="3" fill="hold">
                       <p:stCondLst>
                         <p:cond delay="indefinite"/>
-                        <p:cond evt="onBegin" delay="0">
-                          <p:tn val="2"/>
-                        </p:cond>
                       </p:stCondLst>
                       <p:childTnLst>
                         <p:par>
@@ -12195,7 +12277,7 @@
                             </p:stCondLst>
                             <p:childTnLst>
                               <p:par>
-                                <p:cTn id="5" presetID="10" presetClass="entr" presetSubtype="0" fill="hold" nodeType="withEffect">
+                                <p:cTn id="5" presetID="10" presetClass="entr" presetSubtype="0" fill="hold" grpId="0" nodeType="clickEffect">
                                   <p:stCondLst>
                                     <p:cond delay="0"/>
                                   </p:stCondLst>
@@ -12208,7 +12290,7 @@
                                           </p:stCondLst>
                                         </p:cTn>
                                         <p:tgtEl>
-                                          <p:spTgt spid="8"/>
+                                          <p:spTgt spid="22"/>
                                         </p:tgtEl>
                                         <p:attrNameLst>
                                           <p:attrName>style.visibility</p:attrName>
@@ -12222,7 +12304,7 @@
                                       <p:cBhvr>
                                         <p:cTn id="7" dur="500"/>
                                         <p:tgtEl>
-                                          <p:spTgt spid="8"/>
+                                          <p:spTgt spid="22"/>
                                         </p:tgtEl>
                                       </p:cBhvr>
                                     </p:animEffect>
@@ -12243,7 +12325,7 @@
                                           </p:stCondLst>
                                         </p:cTn>
                                         <p:tgtEl>
-                                          <p:spTgt spid="9"/>
+                                          <p:spTgt spid="7"/>
                                         </p:tgtEl>
                                         <p:attrNameLst>
                                           <p:attrName>style.visibility</p:attrName>
@@ -12257,7 +12339,7 @@
                                       <p:cBhvr>
                                         <p:cTn id="10" dur="500"/>
                                         <p:tgtEl>
-                                          <p:spTgt spid="9"/>
+                                          <p:spTgt spid="7"/>
                                         </p:tgtEl>
                                       </p:cBhvr>
                                     </p:animEffect>
@@ -12265,7 +12347,7 @@
                                 </p:cTn>
                               </p:par>
                               <p:par>
-                                <p:cTn id="11" presetID="10" presetClass="entr" presetSubtype="0" fill="hold" nodeType="withEffect">
+                                <p:cTn id="11" presetID="10" presetClass="entr" presetSubtype="0" fill="hold" grpId="0" nodeType="withEffect">
                                   <p:stCondLst>
                                     <p:cond delay="0"/>
                                   </p:stCondLst>
@@ -12278,7 +12360,7 @@
                                           </p:stCondLst>
                                         </p:cTn>
                                         <p:tgtEl>
-                                          <p:spTgt spid="12"/>
+                                          <p:spTgt spid="17"/>
                                         </p:tgtEl>
                                         <p:attrNameLst>
                                           <p:attrName>style.visibility</p:attrName>
@@ -12292,7 +12374,7 @@
                                       <p:cBhvr>
                                         <p:cTn id="13" dur="500"/>
                                         <p:tgtEl>
-                                          <p:spTgt spid="12"/>
+                                          <p:spTgt spid="17"/>
                                         </p:tgtEl>
                                       </p:cBhvr>
                                     </p:animEffect>
@@ -12300,7 +12382,7 @@
                                 </p:cTn>
                               </p:par>
                               <p:par>
-                                <p:cTn id="14" presetID="10" presetClass="entr" presetSubtype="0" fill="hold" nodeType="withEffect">
+                                <p:cTn id="14" presetID="10" presetClass="entr" presetSubtype="0" fill="hold" grpId="0" nodeType="withEffect">
                                   <p:stCondLst>
                                     <p:cond delay="0"/>
                                   </p:stCondLst>
@@ -12313,7 +12395,7 @@
                                           </p:stCondLst>
                                         </p:cTn>
                                         <p:tgtEl>
-                                          <p:spTgt spid="10"/>
+                                          <p:spTgt spid="14"/>
                                         </p:tgtEl>
                                         <p:attrNameLst>
                                           <p:attrName>style.visibility</p:attrName>
@@ -12327,28 +12409,46 @@
                                       <p:cBhvr>
                                         <p:cTn id="16" dur="500"/>
                                         <p:tgtEl>
-                                          <p:spTgt spid="10"/>
+                                          <p:spTgt spid="14"/>
                                         </p:tgtEl>
                                       </p:cBhvr>
                                     </p:animEffect>
                                   </p:childTnLst>
                                 </p:cTn>
                               </p:par>
+                            </p:childTnLst>
+                          </p:cTn>
+                        </p:par>
+                      </p:childTnLst>
+                    </p:cTn>
+                  </p:par>
+                  <p:par>
+                    <p:cTn id="17" fill="hold">
+                      <p:stCondLst>
+                        <p:cond delay="indefinite"/>
+                      </p:stCondLst>
+                      <p:childTnLst>
+                        <p:par>
+                          <p:cTn id="18" fill="hold">
+                            <p:stCondLst>
+                              <p:cond delay="0"/>
+                            </p:stCondLst>
+                            <p:childTnLst>
                               <p:par>
-                                <p:cTn id="17" presetID="10" presetClass="entr" presetSubtype="0" fill="hold" nodeType="withEffect">
+                                <p:cTn id="19" presetID="10" presetClass="entr" presetSubtype="0" fill="hold" nodeType="clickEffect">
                                   <p:stCondLst>
                                     <p:cond delay="0"/>
                                   </p:stCondLst>
                                   <p:childTnLst>
                                     <p:set>
                                       <p:cBhvr>
-                                        <p:cTn id="18" dur="1" fill="hold">
+                                        <p:cTn id="20" dur="1" fill="hold">
                                           <p:stCondLst>
                                             <p:cond delay="0"/>
                                           </p:stCondLst>
                                         </p:cTn>
                                         <p:tgtEl>
-                                          <p:spTgt spid="11"/>
+                                          <p:spTgt spid="20"/>
                                         </p:tgtEl>
                                         <p:attrNameLst>
                                           <p:attrName>style.visibility</p:attrName>
@@ -12360,9 +12460,9 @@
                                     </p:set>
                                     <p:animEffect transition="in" filter="fade">
                                       <p:cBhvr>
-                                        <p:cTn id="19" dur="500"/>
+                                        <p:cTn id="21" dur="500"/>
                                         <p:tgtEl>
-                                          <p:spTgt spid="11"/>
+                                          <p:spTgt spid="20"/>
                                         </p:tgtEl>
                                       </p:cBhvr>
                                     </p:animEffect>
@@ -12370,20 +12470,20 @@
                                 </p:cTn>
                               </p:par>
                               <p:par>
-                                <p:cTn id="20" presetID="10" presetClass="entr" presetSubtype="0" fill="hold" grpId="0" nodeType="withEffect">
+                                <p:cTn id="22" presetID="10" presetClass="entr" presetSubtype="0" fill="hold" grpId="0" nodeType="withEffect">
                                   <p:stCondLst>
                                     <p:cond delay="0"/>
                                   </p:stCondLst>
                                   <p:childTnLst>
                                     <p:set>
                                       <p:cBhvr>
-                                        <p:cTn id="21" dur="1" fill="hold">
+                                        <p:cTn id="23" dur="1" fill="hold">
                                           <p:stCondLst>
                                             <p:cond delay="0"/>
                                           </p:stCondLst>
                                         </p:cTn>
                                         <p:tgtEl>
-                                          <p:spTgt spid="13"/>
+                                          <p:spTgt spid="21"/>
                                         </p:tgtEl>
                                         <p:attrNameLst>
                                           <p:attrName>style.visibility</p:attrName>
@@ -12395,9 +12495,9 @@
                                     </p:set>
                                     <p:animEffect transition="in" filter="fade">
                                       <p:cBhvr>
-                                        <p:cTn id="22" dur="500"/>
+                                        <p:cTn id="24" dur="500"/>
                                         <p:tgtEl>
-                                          <p:spTgt spid="13"/>
+                                          <p:spTgt spid="21"/>
                                         </p:tgtEl>
                                       </p:cBhvr>
                                     </p:animEffect>
@@ -12405,20 +12505,20 @@
                                 </p:cTn>
                               </p:par>
                               <p:par>
-                                <p:cTn id="23" presetID="10" presetClass="entr" presetSubtype="0" fill="hold" grpId="0" nodeType="withEffect">
+                                <p:cTn id="25" presetID="10" presetClass="entr" presetSubtype="0" fill="hold" nodeType="withEffect">
                                   <p:stCondLst>
                                     <p:cond delay="0"/>
                                   </p:stCondLst>
                                   <p:childTnLst>
                                     <p:set>
                                       <p:cBhvr>
-                                        <p:cTn id="24" dur="1" fill="hold">
+                                        <p:cTn id="26" dur="1" fill="hold">
                                           <p:stCondLst>
                                             <p:cond delay="0"/>
                                           </p:stCondLst>
                                         </p:cTn>
                                         <p:tgtEl>
-                                          <p:spTgt spid="15"/>
+                                          <p:spTgt spid="6"/>
                                         </p:tgtEl>
                                         <p:attrNameLst>
                                           <p:attrName>style.visibility</p:attrName>
@@ -12430,114 +12530,9 @@
                                     </p:set>
                                     <p:animEffect transition="in" filter="fade">
                                       <p:cBhvr>
-                                        <p:cTn id="25" dur="500"/>
+                                        <p:cTn id="27" dur="500"/>
                                         <p:tgtEl>
-                                          <p:spTgt spid="15"/>
-                                        </p:tgtEl>
-                                      </p:cBhvr>
-                                    </p:animEffect>
-                                  </p:childTnLst>
-                                </p:cTn>
-                              </p:par>
-                              <p:par>
-                                <p:cTn id="26" presetID="10" presetClass="entr" presetSubtype="0" fill="hold" grpId="0" nodeType="withEffect">
-                                  <p:stCondLst>
-                                    <p:cond delay="0"/>
-                                  </p:stCondLst>
-                                  <p:childTnLst>
-                                    <p:set>
-                                      <p:cBhvr>
-                                        <p:cTn id="27" dur="1" fill="hold">
-                                          <p:stCondLst>
-                                            <p:cond delay="0"/>
-                                          </p:stCondLst>
-                                        </p:cTn>
-                                        <p:tgtEl>
-                                          <p:spTgt spid="16"/>
-                                        </p:tgtEl>
-                                        <p:attrNameLst>
-                                          <p:attrName>style.visibility</p:attrName>
-                                        </p:attrNameLst>
-                                      </p:cBhvr>
-                                      <p:to>
-                                        <p:strVal val="visible"/>
-                                      </p:to>
-                                    </p:set>
-                                    <p:animEffect transition="in" filter="fade">
-                                      <p:cBhvr>
-                                        <p:cTn id="28" dur="500"/>
-                                        <p:tgtEl>
-                                          <p:spTgt spid="16"/>
-                                        </p:tgtEl>
-                                      </p:cBhvr>
-                                    </p:animEffect>
-                                  </p:childTnLst>
-                                </p:cTn>
-                              </p:par>
-                              <p:par>
-                                <p:cTn id="29" presetID="10" presetClass="entr" presetSubtype="0" fill="hold" grpId="0" nodeType="withEffect">
-                                  <p:stCondLst>
-                                    <p:cond delay="0"/>
-                                  </p:stCondLst>
-                                  <p:childTnLst>
-                                    <p:set>
-                                      <p:cBhvr>
-                                        <p:cTn id="30" dur="1" fill="hold">
-                                          <p:stCondLst>
-                                            <p:cond delay="0"/>
-                                          </p:stCondLst>
-                                        </p:cTn>
-                                        <p:tgtEl>
-                                          <p:spTgt spid="3"/>
-                                        </p:tgtEl>
-                                        <p:attrNameLst>
-                                          <p:attrName>style.visibility</p:attrName>
-                                        </p:attrNameLst>
-                                      </p:cBhvr>
-                                      <p:to>
-                                        <p:strVal val="visible"/>
-                                      </p:to>
-                                    </p:set>
-                                    <p:animEffect transition="in" filter="fade">
-                                      <p:cBhvr>
-                                        <p:cTn id="31" dur="500"/>
-                                        <p:tgtEl>
-                                          <p:spTgt spid="3"/>
-                                        </p:tgtEl>
-                                      </p:cBhvr>
-                                    </p:animEffect>
-                                  </p:childTnLst>
-                                </p:cTn>
-                              </p:par>
-                              <p:par>
-                                <p:cTn id="32" presetID="10" presetClass="entr" presetSubtype="0" fill="hold" grpId="0" nodeType="withEffect">
-                                  <p:stCondLst>
-                                    <p:cond delay="0"/>
-                                  </p:stCondLst>
-                                  <p:childTnLst>
-                                    <p:set>
-                                      <p:cBhvr>
-                                        <p:cTn id="33" dur="1" fill="hold">
-                                          <p:stCondLst>
-                                            <p:cond delay="0"/>
-                                          </p:stCondLst>
-                                        </p:cTn>
-                                        <p:tgtEl>
-                                          <p:spTgt spid="4"/>
-                                        </p:tgtEl>
-                                        <p:attrNameLst>
-                                          <p:attrName>style.visibility</p:attrName>
-                                        </p:attrNameLst>
-                                      </p:cBhvr>
-                                      <p:to>
-                                        <p:strVal val="visible"/>
-                                      </p:to>
-                                    </p:set>
-                                    <p:animEffect transition="in" filter="fade">
-                                      <p:cBhvr>
-                                        <p:cTn id="34" dur="500"/>
-                                        <p:tgtEl>
-                                          <p:spTgt spid="4"/>
+                                          <p:spTgt spid="6"/>
                                         </p:tgtEl>
                                       </p:cBhvr>
                                     </p:animEffect>
@@ -12572,11 +12567,10 @@
       </p:par>
     </p:tnLst>
     <p:bldLst>
-      <p:bldP spid="13" grpId="0" animBg="1"/>
-      <p:bldP spid="15" grpId="0" animBg="1"/>
-      <p:bldP spid="16" grpId="0" animBg="1"/>
-      <p:bldP spid="3" grpId="0" animBg="1"/>
-      <p:bldP spid="4" grpId="0" animBg="1"/>
+      <p:bldP spid="22" grpId="0" animBg="1"/>
+      <p:bldP spid="17" grpId="0"/>
+      <p:bldP spid="21" grpId="0"/>
+      <p:bldP spid="14" grpId="0"/>
     </p:bldLst>
   </p:timing>
 </p:sld>

--- a/2023-05-10 ABP Conf 2023 Developing with Kubernetes/Developing with Kubernetes.pptx
+++ b/2023-05-10 ABP Conf 2023 Developing with Kubernetes/Developing with Kubernetes.pptx
@@ -12129,14 +12129,14 @@
             <a:r>
               <a:rPr lang="tr-TR" sz="2400" b="1" dirty="0">
                 <a:solidFill>
-                  <a:schemeClr val="bg1"/>
+                  <a:srgbClr val="FFFF00"/>
                 </a:solidFill>
               </a:rPr>
               <a:t>ORDERING SERVICE</a:t>
             </a:r>
             <a:endParaRPr lang="en-US" sz="2400" b="1" dirty="0">
               <a:solidFill>
-                <a:schemeClr val="bg1"/>
+                <a:srgbClr val="FFFF00"/>
               </a:solidFill>
             </a:endParaRPr>
           </a:p>
@@ -12243,6 +12243,68 @@
           <a:p>
             <a:pPr algn="ctr"/>
             <a:endParaRPr lang="en-US"/>
+          </a:p>
+        </p:txBody>
+      </p:sp>
+      <p:sp>
+        <p:nvSpPr>
+          <p:cNvPr id="26" name="Content Placeholder 2">
+            <a:extLst>
+              <a:ext uri="{FF2B5EF4-FFF2-40B4-BE49-F238E27FC236}">
+                <a16:creationId xmlns:a16="http://schemas.microsoft.com/office/drawing/2014/main" id="{C36456CB-B5F9-00B4-CC25-F2138D3DAB26}"/>
+              </a:ext>
+            </a:extLst>
+          </p:cNvPr>
+          <p:cNvSpPr>
+            <a:spLocks noGrp="1"/>
+          </p:cNvSpPr>
+          <p:nvPr>
+            <p:ph idx="1"/>
+          </p:nvPr>
+        </p:nvSpPr>
+        <p:spPr>
+          <a:xfrm>
+            <a:off x="4006496" y="2458655"/>
+            <a:ext cx="3088223" cy="2321172"/>
+          </a:xfrm>
+        </p:spPr>
+        <p:txBody>
+          <a:bodyPr>
+            <a:normAutofit/>
+          </a:bodyPr>
+          <a:lstStyle/>
+          <a:p>
+            <a:pPr marL="0" indent="0">
+              <a:buNone/>
+            </a:pPr>
+            <a:r>
+              <a:rPr lang="tr-TR" sz="3200" dirty="0">
+                <a:latin typeface="Euclid Circular B" panose="020B0504000000000000" pitchFamily="34" charset="0"/>
+                <a:ea typeface="Euclid Circular B" panose="020B0504000000000000" pitchFamily="34" charset="0"/>
+              </a:rPr>
+              <a:t>How to make all these running </a:t>
+            </a:r>
+            <a:r>
+              <a:rPr lang="tr-TR" sz="3200" b="1" dirty="0">
+                <a:solidFill>
+                  <a:srgbClr val="C00000"/>
+                </a:solidFill>
+                <a:latin typeface="Euclid Circular B" panose="020B0504000000000000" pitchFamily="34" charset="0"/>
+                <a:ea typeface="Euclid Circular B" panose="020B0504000000000000" pitchFamily="34" charset="0"/>
+              </a:rPr>
+              <a:t>easily</a:t>
+            </a:r>
+            <a:r>
+              <a:rPr lang="tr-TR" sz="3200" dirty="0">
+                <a:latin typeface="Euclid Circular B" panose="020B0504000000000000" pitchFamily="34" charset="0"/>
+                <a:ea typeface="Euclid Circular B" panose="020B0504000000000000" pitchFamily="34" charset="0"/>
+              </a:rPr>
+              <a:t>...?</a:t>
+            </a:r>
+            <a:endParaRPr lang="en-US" sz="3200" dirty="0">
+              <a:latin typeface="Euclid Circular B" panose="020B0504000000000000" pitchFamily="34" charset="0"/>
+              <a:ea typeface="Euclid Circular B" panose="020B0504000000000000" pitchFamily="34" charset="0"/>
+            </a:endParaRPr>
           </a:p>
         </p:txBody>
       </p:sp>
@@ -12545,6 +12607,575 @@
                       </p:childTnLst>
                     </p:cTn>
                   </p:par>
+                  <p:par>
+                    <p:cTn id="28" fill="hold">
+                      <p:stCondLst>
+                        <p:cond delay="indefinite"/>
+                      </p:stCondLst>
+                      <p:childTnLst>
+                        <p:par>
+                          <p:cTn id="29" fill="hold">
+                            <p:stCondLst>
+                              <p:cond delay="0"/>
+                            </p:stCondLst>
+                            <p:childTnLst>
+                              <p:par>
+                                <p:cTn id="30" presetID="10" presetClass="entr" presetSubtype="0" fill="hold" grpId="0" nodeType="clickEffect">
+                                  <p:stCondLst>
+                                    <p:cond delay="0"/>
+                                  </p:stCondLst>
+                                  <p:childTnLst>
+                                    <p:set>
+                                      <p:cBhvr>
+                                        <p:cTn id="31" dur="1" fill="hold">
+                                          <p:stCondLst>
+                                            <p:cond delay="0"/>
+                                          </p:stCondLst>
+                                        </p:cTn>
+                                        <p:tgtEl>
+                                          <p:spTgt spid="23"/>
+                                        </p:tgtEl>
+                                        <p:attrNameLst>
+                                          <p:attrName>style.visibility</p:attrName>
+                                        </p:attrNameLst>
+                                      </p:cBhvr>
+                                      <p:to>
+                                        <p:strVal val="visible"/>
+                                      </p:to>
+                                    </p:set>
+                                    <p:animEffect transition="in" filter="fade">
+                                      <p:cBhvr>
+                                        <p:cTn id="32" dur="500"/>
+                                        <p:tgtEl>
+                                          <p:spTgt spid="23"/>
+                                        </p:tgtEl>
+                                      </p:cBhvr>
+                                    </p:animEffect>
+                                  </p:childTnLst>
+                                </p:cTn>
+                              </p:par>
+                              <p:par>
+                                <p:cTn id="33" presetID="10" presetClass="entr" presetSubtype="0" fill="hold" nodeType="withEffect">
+                                  <p:stCondLst>
+                                    <p:cond delay="0"/>
+                                  </p:stCondLst>
+                                  <p:childTnLst>
+                                    <p:set>
+                                      <p:cBhvr>
+                                        <p:cTn id="34" dur="1" fill="hold">
+                                          <p:stCondLst>
+                                            <p:cond delay="0"/>
+                                          </p:stCondLst>
+                                        </p:cTn>
+                                        <p:tgtEl>
+                                          <p:spTgt spid="8"/>
+                                        </p:tgtEl>
+                                        <p:attrNameLst>
+                                          <p:attrName>style.visibility</p:attrName>
+                                        </p:attrNameLst>
+                                      </p:cBhvr>
+                                      <p:to>
+                                        <p:strVal val="visible"/>
+                                      </p:to>
+                                    </p:set>
+                                    <p:animEffect transition="in" filter="fade">
+                                      <p:cBhvr>
+                                        <p:cTn id="35" dur="500"/>
+                                        <p:tgtEl>
+                                          <p:spTgt spid="8"/>
+                                        </p:tgtEl>
+                                      </p:cBhvr>
+                                    </p:animEffect>
+                                  </p:childTnLst>
+                                </p:cTn>
+                              </p:par>
+                              <p:par>
+                                <p:cTn id="36" presetID="10" presetClass="entr" presetSubtype="0" fill="hold" nodeType="withEffect">
+                                  <p:stCondLst>
+                                    <p:cond delay="0"/>
+                                  </p:stCondLst>
+                                  <p:childTnLst>
+                                    <p:set>
+                                      <p:cBhvr>
+                                        <p:cTn id="37" dur="1" fill="hold">
+                                          <p:stCondLst>
+                                            <p:cond delay="0"/>
+                                          </p:stCondLst>
+                                        </p:cTn>
+                                        <p:tgtEl>
+                                          <p:spTgt spid="9"/>
+                                        </p:tgtEl>
+                                        <p:attrNameLst>
+                                          <p:attrName>style.visibility</p:attrName>
+                                        </p:attrNameLst>
+                                      </p:cBhvr>
+                                      <p:to>
+                                        <p:strVal val="visible"/>
+                                      </p:to>
+                                    </p:set>
+                                    <p:animEffect transition="in" filter="fade">
+                                      <p:cBhvr>
+                                        <p:cTn id="38" dur="500"/>
+                                        <p:tgtEl>
+                                          <p:spTgt spid="9"/>
+                                        </p:tgtEl>
+                                      </p:cBhvr>
+                                    </p:animEffect>
+                                  </p:childTnLst>
+                                </p:cTn>
+                              </p:par>
+                              <p:par>
+                                <p:cTn id="39" presetID="10" presetClass="entr" presetSubtype="0" fill="hold" nodeType="withEffect">
+                                  <p:stCondLst>
+                                    <p:cond delay="0"/>
+                                  </p:stCondLst>
+                                  <p:childTnLst>
+                                    <p:set>
+                                      <p:cBhvr>
+                                        <p:cTn id="40" dur="1" fill="hold">
+                                          <p:stCondLst>
+                                            <p:cond delay="0"/>
+                                          </p:stCondLst>
+                                        </p:cTn>
+                                        <p:tgtEl>
+                                          <p:spTgt spid="10"/>
+                                        </p:tgtEl>
+                                        <p:attrNameLst>
+                                          <p:attrName>style.visibility</p:attrName>
+                                        </p:attrNameLst>
+                                      </p:cBhvr>
+                                      <p:to>
+                                        <p:strVal val="visible"/>
+                                      </p:to>
+                                    </p:set>
+                                    <p:animEffect transition="in" filter="fade">
+                                      <p:cBhvr>
+                                        <p:cTn id="41" dur="500"/>
+                                        <p:tgtEl>
+                                          <p:spTgt spid="10"/>
+                                        </p:tgtEl>
+                                      </p:cBhvr>
+                                    </p:animEffect>
+                                  </p:childTnLst>
+                                </p:cTn>
+                              </p:par>
+                              <p:par>
+                                <p:cTn id="42" presetID="10" presetClass="entr" presetSubtype="0" fill="hold" nodeType="withEffect">
+                                  <p:stCondLst>
+                                    <p:cond delay="0"/>
+                                  </p:stCondLst>
+                                  <p:childTnLst>
+                                    <p:set>
+                                      <p:cBhvr>
+                                        <p:cTn id="43" dur="1" fill="hold">
+                                          <p:stCondLst>
+                                            <p:cond delay="0"/>
+                                          </p:stCondLst>
+                                        </p:cTn>
+                                        <p:tgtEl>
+                                          <p:spTgt spid="11"/>
+                                        </p:tgtEl>
+                                        <p:attrNameLst>
+                                          <p:attrName>style.visibility</p:attrName>
+                                        </p:attrNameLst>
+                                      </p:cBhvr>
+                                      <p:to>
+                                        <p:strVal val="visible"/>
+                                      </p:to>
+                                    </p:set>
+                                    <p:animEffect transition="in" filter="fade">
+                                      <p:cBhvr>
+                                        <p:cTn id="44" dur="500"/>
+                                        <p:tgtEl>
+                                          <p:spTgt spid="11"/>
+                                        </p:tgtEl>
+                                      </p:cBhvr>
+                                    </p:animEffect>
+                                  </p:childTnLst>
+                                </p:cTn>
+                              </p:par>
+                              <p:par>
+                                <p:cTn id="45" presetID="10" presetClass="entr" presetSubtype="0" fill="hold" nodeType="withEffect">
+                                  <p:stCondLst>
+                                    <p:cond delay="0"/>
+                                  </p:stCondLst>
+                                  <p:childTnLst>
+                                    <p:set>
+                                      <p:cBhvr>
+                                        <p:cTn id="46" dur="1" fill="hold">
+                                          <p:stCondLst>
+                                            <p:cond delay="0"/>
+                                          </p:stCondLst>
+                                        </p:cTn>
+                                        <p:tgtEl>
+                                          <p:spTgt spid="12"/>
+                                        </p:tgtEl>
+                                        <p:attrNameLst>
+                                          <p:attrName>style.visibility</p:attrName>
+                                        </p:attrNameLst>
+                                      </p:cBhvr>
+                                      <p:to>
+                                        <p:strVal val="visible"/>
+                                      </p:to>
+                                    </p:set>
+                                    <p:animEffect transition="in" filter="fade">
+                                      <p:cBhvr>
+                                        <p:cTn id="47" dur="500"/>
+                                        <p:tgtEl>
+                                          <p:spTgt spid="12"/>
+                                        </p:tgtEl>
+                                      </p:cBhvr>
+                                    </p:animEffect>
+                                  </p:childTnLst>
+                                </p:cTn>
+                              </p:par>
+                              <p:par>
+                                <p:cTn id="48" presetID="10" presetClass="entr" presetSubtype="0" fill="hold" grpId="0" nodeType="withEffect">
+                                  <p:stCondLst>
+                                    <p:cond delay="0"/>
+                                  </p:stCondLst>
+                                  <p:childTnLst>
+                                    <p:set>
+                                      <p:cBhvr>
+                                        <p:cTn id="49" dur="1" fill="hold">
+                                          <p:stCondLst>
+                                            <p:cond delay="0"/>
+                                          </p:stCondLst>
+                                        </p:cTn>
+                                        <p:tgtEl>
+                                          <p:spTgt spid="13"/>
+                                        </p:tgtEl>
+                                        <p:attrNameLst>
+                                          <p:attrName>style.visibility</p:attrName>
+                                        </p:attrNameLst>
+                                      </p:cBhvr>
+                                      <p:to>
+                                        <p:strVal val="visible"/>
+                                      </p:to>
+                                    </p:set>
+                                    <p:animEffect transition="in" filter="fade">
+                                      <p:cBhvr>
+                                        <p:cTn id="50" dur="500"/>
+                                        <p:tgtEl>
+                                          <p:spTgt spid="13"/>
+                                        </p:tgtEl>
+                                      </p:cBhvr>
+                                    </p:animEffect>
+                                  </p:childTnLst>
+                                </p:cTn>
+                              </p:par>
+                              <p:par>
+                                <p:cTn id="51" presetID="10" presetClass="entr" presetSubtype="0" fill="hold" grpId="0" nodeType="withEffect">
+                                  <p:stCondLst>
+                                    <p:cond delay="0"/>
+                                  </p:stCondLst>
+                                  <p:childTnLst>
+                                    <p:set>
+                                      <p:cBhvr>
+                                        <p:cTn id="52" dur="1" fill="hold">
+                                          <p:stCondLst>
+                                            <p:cond delay="0"/>
+                                          </p:stCondLst>
+                                        </p:cTn>
+                                        <p:tgtEl>
+                                          <p:spTgt spid="15"/>
+                                        </p:tgtEl>
+                                        <p:attrNameLst>
+                                          <p:attrName>style.visibility</p:attrName>
+                                        </p:attrNameLst>
+                                      </p:cBhvr>
+                                      <p:to>
+                                        <p:strVal val="visible"/>
+                                      </p:to>
+                                    </p:set>
+                                    <p:animEffect transition="in" filter="fade">
+                                      <p:cBhvr>
+                                        <p:cTn id="53" dur="500"/>
+                                        <p:tgtEl>
+                                          <p:spTgt spid="15"/>
+                                        </p:tgtEl>
+                                      </p:cBhvr>
+                                    </p:animEffect>
+                                  </p:childTnLst>
+                                </p:cTn>
+                              </p:par>
+                              <p:par>
+                                <p:cTn id="54" presetID="10" presetClass="entr" presetSubtype="0" fill="hold" grpId="0" nodeType="withEffect">
+                                  <p:stCondLst>
+                                    <p:cond delay="0"/>
+                                  </p:stCondLst>
+                                  <p:childTnLst>
+                                    <p:set>
+                                      <p:cBhvr>
+                                        <p:cTn id="55" dur="1" fill="hold">
+                                          <p:stCondLst>
+                                            <p:cond delay="0"/>
+                                          </p:stCondLst>
+                                        </p:cTn>
+                                        <p:tgtEl>
+                                          <p:spTgt spid="16"/>
+                                        </p:tgtEl>
+                                        <p:attrNameLst>
+                                          <p:attrName>style.visibility</p:attrName>
+                                        </p:attrNameLst>
+                                      </p:cBhvr>
+                                      <p:to>
+                                        <p:strVal val="visible"/>
+                                      </p:to>
+                                    </p:set>
+                                    <p:animEffect transition="in" filter="fade">
+                                      <p:cBhvr>
+                                        <p:cTn id="56" dur="500"/>
+                                        <p:tgtEl>
+                                          <p:spTgt spid="16"/>
+                                        </p:tgtEl>
+                                      </p:cBhvr>
+                                    </p:animEffect>
+                                  </p:childTnLst>
+                                </p:cTn>
+                              </p:par>
+                              <p:par>
+                                <p:cTn id="57" presetID="10" presetClass="entr" presetSubtype="0" fill="hold" grpId="0" nodeType="withEffect">
+                                  <p:stCondLst>
+                                    <p:cond delay="0"/>
+                                  </p:stCondLst>
+                                  <p:childTnLst>
+                                    <p:set>
+                                      <p:cBhvr>
+                                        <p:cTn id="58" dur="1" fill="hold">
+                                          <p:stCondLst>
+                                            <p:cond delay="0"/>
+                                          </p:stCondLst>
+                                        </p:cTn>
+                                        <p:tgtEl>
+                                          <p:spTgt spid="18"/>
+                                        </p:tgtEl>
+                                        <p:attrNameLst>
+                                          <p:attrName>style.visibility</p:attrName>
+                                        </p:attrNameLst>
+                                      </p:cBhvr>
+                                      <p:to>
+                                        <p:strVal val="visible"/>
+                                      </p:to>
+                                    </p:set>
+                                    <p:animEffect transition="in" filter="fade">
+                                      <p:cBhvr>
+                                        <p:cTn id="59" dur="500"/>
+                                        <p:tgtEl>
+                                          <p:spTgt spid="18"/>
+                                        </p:tgtEl>
+                                      </p:cBhvr>
+                                    </p:animEffect>
+                                  </p:childTnLst>
+                                </p:cTn>
+                              </p:par>
+                              <p:par>
+                                <p:cTn id="60" presetID="10" presetClass="entr" presetSubtype="0" fill="hold" grpId="0" nodeType="withEffect">
+                                  <p:stCondLst>
+                                    <p:cond delay="0"/>
+                                  </p:stCondLst>
+                                  <p:childTnLst>
+                                    <p:set>
+                                      <p:cBhvr>
+                                        <p:cTn id="61" dur="1" fill="hold">
+                                          <p:stCondLst>
+                                            <p:cond delay="0"/>
+                                          </p:stCondLst>
+                                        </p:cTn>
+                                        <p:tgtEl>
+                                          <p:spTgt spid="3"/>
+                                        </p:tgtEl>
+                                        <p:attrNameLst>
+                                          <p:attrName>style.visibility</p:attrName>
+                                        </p:attrNameLst>
+                                      </p:cBhvr>
+                                      <p:to>
+                                        <p:strVal val="visible"/>
+                                      </p:to>
+                                    </p:set>
+                                    <p:animEffect transition="in" filter="fade">
+                                      <p:cBhvr>
+                                        <p:cTn id="62" dur="500"/>
+                                        <p:tgtEl>
+                                          <p:spTgt spid="3"/>
+                                        </p:tgtEl>
+                                      </p:cBhvr>
+                                    </p:animEffect>
+                                  </p:childTnLst>
+                                </p:cTn>
+                              </p:par>
+                              <p:par>
+                                <p:cTn id="63" presetID="10" presetClass="entr" presetSubtype="0" fill="hold" grpId="0" nodeType="withEffect">
+                                  <p:stCondLst>
+                                    <p:cond delay="0"/>
+                                  </p:stCondLst>
+                                  <p:childTnLst>
+                                    <p:set>
+                                      <p:cBhvr>
+                                        <p:cTn id="64" dur="1" fill="hold">
+                                          <p:stCondLst>
+                                            <p:cond delay="0"/>
+                                          </p:stCondLst>
+                                        </p:cTn>
+                                        <p:tgtEl>
+                                          <p:spTgt spid="4"/>
+                                        </p:tgtEl>
+                                        <p:attrNameLst>
+                                          <p:attrName>style.visibility</p:attrName>
+                                        </p:attrNameLst>
+                                      </p:cBhvr>
+                                      <p:to>
+                                        <p:strVal val="visible"/>
+                                      </p:to>
+                                    </p:set>
+                                    <p:animEffect transition="in" filter="fade">
+                                      <p:cBhvr>
+                                        <p:cTn id="65" dur="500"/>
+                                        <p:tgtEl>
+                                          <p:spTgt spid="4"/>
+                                        </p:tgtEl>
+                                      </p:cBhvr>
+                                    </p:animEffect>
+                                  </p:childTnLst>
+                                </p:cTn>
+                              </p:par>
+                              <p:par>
+                                <p:cTn id="66" presetID="10" presetClass="entr" presetSubtype="0" fill="hold" grpId="0" nodeType="withEffect">
+                                  <p:stCondLst>
+                                    <p:cond delay="0"/>
+                                  </p:stCondLst>
+                                  <p:childTnLst>
+                                    <p:set>
+                                      <p:cBhvr>
+                                        <p:cTn id="67" dur="1" fill="hold">
+                                          <p:stCondLst>
+                                            <p:cond delay="0"/>
+                                          </p:stCondLst>
+                                        </p:cTn>
+                                        <p:tgtEl>
+                                          <p:spTgt spid="19"/>
+                                        </p:tgtEl>
+                                        <p:attrNameLst>
+                                          <p:attrName>style.visibility</p:attrName>
+                                        </p:attrNameLst>
+                                      </p:cBhvr>
+                                      <p:to>
+                                        <p:strVal val="visible"/>
+                                      </p:to>
+                                    </p:set>
+                                    <p:animEffect transition="in" filter="fade">
+                                      <p:cBhvr>
+                                        <p:cTn id="68" dur="500"/>
+                                        <p:tgtEl>
+                                          <p:spTgt spid="19"/>
+                                        </p:tgtEl>
+                                      </p:cBhvr>
+                                    </p:animEffect>
+                                  </p:childTnLst>
+                                </p:cTn>
+                              </p:par>
+                              <p:par>
+                                <p:cTn id="69" presetID="10" presetClass="entr" presetSubtype="0" fill="hold" grpId="0" nodeType="withEffect">
+                                  <p:stCondLst>
+                                    <p:cond delay="0"/>
+                                  </p:stCondLst>
+                                  <p:childTnLst>
+                                    <p:set>
+                                      <p:cBhvr>
+                                        <p:cTn id="70" dur="1" fill="hold">
+                                          <p:stCondLst>
+                                            <p:cond delay="0"/>
+                                          </p:stCondLst>
+                                        </p:cTn>
+                                        <p:tgtEl>
+                                          <p:spTgt spid="25"/>
+                                        </p:tgtEl>
+                                        <p:attrNameLst>
+                                          <p:attrName>style.visibility</p:attrName>
+                                        </p:attrNameLst>
+                                      </p:cBhvr>
+                                      <p:to>
+                                        <p:strVal val="visible"/>
+                                      </p:to>
+                                    </p:set>
+                                    <p:animEffect transition="in" filter="fade">
+                                      <p:cBhvr>
+                                        <p:cTn id="71" dur="500"/>
+                                        <p:tgtEl>
+                                          <p:spTgt spid="25"/>
+                                        </p:tgtEl>
+                                      </p:cBhvr>
+                                    </p:animEffect>
+                                  </p:childTnLst>
+                                </p:cTn>
+                              </p:par>
+                            </p:childTnLst>
+                          </p:cTn>
+                        </p:par>
+                      </p:childTnLst>
+                    </p:cTn>
+                  </p:par>
+                  <p:par>
+                    <p:cTn id="72" fill="hold">
+                      <p:stCondLst>
+                        <p:cond delay="indefinite"/>
+                      </p:stCondLst>
+                      <p:childTnLst>
+                        <p:par>
+                          <p:cTn id="73" fill="hold">
+                            <p:stCondLst>
+                              <p:cond delay="0"/>
+                            </p:stCondLst>
+                            <p:childTnLst>
+                              <p:par>
+                                <p:cTn id="74" presetID="10" presetClass="entr" presetSubtype="0" fill="hold" grpId="0" nodeType="clickEffect">
+                                  <p:stCondLst>
+                                    <p:cond delay="0"/>
+                                  </p:stCondLst>
+                                  <p:childTnLst>
+                                    <p:set>
+                                      <p:cBhvr>
+                                        <p:cTn id="75" dur="1" fill="hold">
+                                          <p:stCondLst>
+                                            <p:cond delay="0"/>
+                                          </p:stCondLst>
+                                        </p:cTn>
+                                        <p:tgtEl>
+                                          <p:spTgt spid="26">
+                                            <p:txEl>
+                                              <p:pRg st="0" end="0"/>
+                                            </p:txEl>
+                                          </p:spTgt>
+                                        </p:tgtEl>
+                                        <p:attrNameLst>
+                                          <p:attrName>style.visibility</p:attrName>
+                                        </p:attrNameLst>
+                                      </p:cBhvr>
+                                      <p:to>
+                                        <p:strVal val="visible"/>
+                                      </p:to>
+                                    </p:set>
+                                    <p:animEffect transition="in" filter="fade">
+                                      <p:cBhvr>
+                                        <p:cTn id="76" dur="500"/>
+                                        <p:tgtEl>
+                                          <p:spTgt spid="26">
+                                            <p:txEl>
+                                              <p:pRg st="0" end="0"/>
+                                            </p:txEl>
+                                          </p:spTgt>
+                                        </p:tgtEl>
+                                      </p:cBhvr>
+                                    </p:animEffect>
+                                  </p:childTnLst>
+                                </p:cTn>
+                              </p:par>
+                            </p:childTnLst>
+                          </p:cTn>
+                        </p:par>
+                      </p:childTnLst>
+                    </p:cTn>
+                  </p:par>
                 </p:childTnLst>
               </p:cTn>
               <p:prevCondLst>
@@ -12567,10 +13198,20 @@
       </p:par>
     </p:tnLst>
     <p:bldLst>
+      <p:bldP spid="23" grpId="0" animBg="1"/>
       <p:bldP spid="22" grpId="0" animBg="1"/>
+      <p:bldP spid="13" grpId="0" animBg="1"/>
+      <p:bldP spid="15" grpId="0" animBg="1"/>
+      <p:bldP spid="16" grpId="0" animBg="1"/>
       <p:bldP spid="17" grpId="0"/>
+      <p:bldP spid="18" grpId="0"/>
       <p:bldP spid="21" grpId="0"/>
+      <p:bldP spid="3" grpId="0" animBg="1"/>
+      <p:bldP spid="4" grpId="0" animBg="1"/>
       <p:bldP spid="14" grpId="0"/>
+      <p:bldP spid="19" grpId="0" animBg="1"/>
+      <p:bldP spid="25" grpId="0" animBg="1"/>
+      <p:bldP spid="26" grpId="0" build="p"/>
     </p:bldLst>
   </p:timing>
 </p:sld>
@@ -12629,15 +13270,32 @@
           <a:lstStyle/>
           <a:p>
             <a:r>
-              <a:rPr lang="en-US" b="1" dirty="0">
+              <a:rPr lang="tr-TR" b="1" dirty="0">
                 <a:solidFill>
                   <a:srgbClr val="292D33"/>
                 </a:solidFill>
                 <a:latin typeface="Euclid Circular B" panose="020B0504000000000000" pitchFamily="34" charset="0"/>
                 <a:ea typeface="Euclid Circular B" panose="020B0504000000000000" pitchFamily="34" charset="0"/>
               </a:rPr>
-              <a:t>Topic title</a:t>
-            </a:r>
+              <a:t>The </a:t>
+            </a:r>
+            <a:r>
+              <a:rPr lang="tr-TR" b="1" i="1" dirty="0">
+                <a:solidFill>
+                  <a:srgbClr val="292D33"/>
+                </a:solidFill>
+                <a:latin typeface="Euclid Circular B" panose="020B0504000000000000" pitchFamily="34" charset="0"/>
+                <a:ea typeface="Euclid Circular B" panose="020B0504000000000000" pitchFamily="34" charset="0"/>
+              </a:rPr>
+              <a:t>Project Tye</a:t>
+            </a:r>
+            <a:endParaRPr lang="en-US" b="1" i="1" dirty="0">
+              <a:solidFill>
+                <a:srgbClr val="292D33"/>
+              </a:solidFill>
+              <a:latin typeface="Euclid Circular B" panose="020B0504000000000000" pitchFamily="34" charset="0"/>
+              <a:ea typeface="Euclid Circular B" panose="020B0504000000000000" pitchFamily="34" charset="0"/>
+            </a:endParaRPr>
           </a:p>
         </p:txBody>
       </p:sp>

--- a/2023-05-10 ABP Conf 2023 Developing with Kubernetes/Developing with Kubernetes.pptx
+++ b/2023-05-10 ABP Conf 2023 Developing with Kubernetes/Developing with Kubernetes.pptx
@@ -13266,7 +13266,9 @@
         </p:nvSpPr>
         <p:spPr/>
         <p:txBody>
-          <a:bodyPr/>
+          <a:bodyPr>
+            <a:normAutofit/>
+          </a:bodyPr>
           <a:lstStyle/>
           <a:p>
             <a:r>
@@ -13289,6 +13291,30 @@
               </a:rPr>
               <a:t>Project Tye</a:t>
             </a:r>
+            <a:br>
+              <a:rPr lang="tr-TR" b="1" i="1" dirty="0">
+                <a:solidFill>
+                  <a:srgbClr val="292D33"/>
+                </a:solidFill>
+                <a:latin typeface="Euclid Circular B" panose="020B0504000000000000" pitchFamily="34" charset="0"/>
+                <a:ea typeface="Euclid Circular B" panose="020B0504000000000000" pitchFamily="34" charset="0"/>
+              </a:rPr>
+            </a:br>
+            <a:r>
+              <a:rPr lang="tr-TR" sz="2800" i="1" dirty="0">
+                <a:latin typeface="Euclid Circular B" panose="020B0504000000000000" pitchFamily="34" charset="0"/>
+                <a:ea typeface="Euclid Circular B" panose="020B0504000000000000" pitchFamily="34" charset="0"/>
+                <a:hlinkClick r:id="rId3"/>
+              </a:rPr>
+              <a:t>https://github.com/dotnet/tye</a:t>
+            </a:r>
+            <a:r>
+              <a:rPr lang="tr-TR" sz="2800" i="1" dirty="0">
+                <a:latin typeface="Euclid Circular B" panose="020B0504000000000000" pitchFamily="34" charset="0"/>
+                <a:ea typeface="Euclid Circular B" panose="020B0504000000000000" pitchFamily="34" charset="0"/>
+              </a:rPr>
+              <a:t> </a:t>
+            </a:r>
             <a:endParaRPr lang="en-US" b="1" i="1" dirty="0">
               <a:solidFill>
                 <a:srgbClr val="292D33"/>
@@ -13317,16 +13343,275 @@
         </p:nvSpPr>
         <p:spPr/>
         <p:txBody>
-          <a:bodyPr/>
+          <a:bodyPr>
+            <a:normAutofit/>
+          </a:bodyPr>
           <a:lstStyle/>
           <a:p>
+            <a:pPr marL="0" indent="0">
+              <a:buNone/>
+            </a:pPr>
+            <a:r>
+              <a:rPr lang="tr-TR" dirty="0">
+                <a:latin typeface="Euclid Circular B" panose="020B0504000000000000" pitchFamily="34" charset="0"/>
+                <a:ea typeface="Euclid Circular B" panose="020B0504000000000000" pitchFamily="34" charset="0"/>
+              </a:rPr>
+              <a:t>«</a:t>
+            </a:r>
+            <a:r>
+              <a:rPr lang="en-US" dirty="0" err="1">
+                <a:latin typeface="Euclid Circular B" panose="020B0504000000000000" pitchFamily="34" charset="0"/>
+                <a:ea typeface="Euclid Circular B" panose="020B0504000000000000" pitchFamily="34" charset="0"/>
+              </a:rPr>
+              <a:t>Tye</a:t>
+            </a:r>
             <a:r>
               <a:rPr lang="en-US" dirty="0">
                 <a:latin typeface="Euclid Circular B" panose="020B0504000000000000" pitchFamily="34" charset="0"/>
                 <a:ea typeface="Euclid Circular B" panose="020B0504000000000000" pitchFamily="34" charset="0"/>
               </a:rPr>
-              <a:t>Content</a:t>
-            </a:r>
+              <a:t> is a tool that makes developing, testing, and deploying microservices and distributed applications easier.</a:t>
+            </a:r>
+            <a:r>
+              <a:rPr lang="tr-TR" dirty="0">
+                <a:latin typeface="Euclid Circular B" panose="020B0504000000000000" pitchFamily="34" charset="0"/>
+                <a:ea typeface="Euclid Circular B" panose="020B0504000000000000" pitchFamily="34" charset="0"/>
+              </a:rPr>
+              <a:t>»</a:t>
+            </a:r>
+          </a:p>
+          <a:p>
+            <a:pPr marL="0" indent="0">
+              <a:buNone/>
+            </a:pPr>
+            <a:r>
+              <a:rPr lang="tr-TR" b="1" u="sng" dirty="0">
+                <a:latin typeface="Euclid Circular B" panose="020B0504000000000000" pitchFamily="34" charset="0"/>
+                <a:ea typeface="Euclid Circular B" panose="020B0504000000000000" pitchFamily="34" charset="0"/>
+              </a:rPr>
+              <a:t>Tye Can:</a:t>
+            </a:r>
+          </a:p>
+          <a:p>
+            <a:pPr algn="l">
+              <a:buFont typeface="Arial" panose="020B0604020202020204" pitchFamily="34" charset="0"/>
+              <a:buChar char="•"/>
+            </a:pPr>
+            <a:r>
+              <a:rPr lang="en-US" sz="2400" b="1" i="0" dirty="0">
+                <a:solidFill>
+                  <a:srgbClr val="292D33"/>
+                </a:solidFill>
+                <a:effectLst/>
+                <a:latin typeface="Euclid Circular B" panose="020B0504000000000000"/>
+              </a:rPr>
+              <a:t>Simplify microservices development </a:t>
+            </a:r>
+            <a:r>
+              <a:rPr lang="en-US" sz="2400" b="0" i="0" dirty="0">
+                <a:solidFill>
+                  <a:srgbClr val="292D33"/>
+                </a:solidFill>
+                <a:effectLst/>
+                <a:latin typeface="Euclid Circular B" panose="020B0504000000000000"/>
+              </a:rPr>
+              <a:t>by making it easy to:</a:t>
+            </a:r>
+          </a:p>
+          <a:p>
+            <a:pPr marL="742950" lvl="1" indent="-285750" algn="l">
+              <a:buFont typeface="Arial" panose="020B0604020202020204" pitchFamily="34" charset="0"/>
+              <a:buChar char="•"/>
+            </a:pPr>
+            <a:r>
+              <a:rPr lang="en-US" b="1" i="0" dirty="0">
+                <a:solidFill>
+                  <a:srgbClr val="292D33"/>
+                </a:solidFill>
+                <a:effectLst/>
+                <a:latin typeface="Euclid Circular B" panose="020B0504000000000000"/>
+              </a:rPr>
+              <a:t>Run many services </a:t>
+            </a:r>
+            <a:r>
+              <a:rPr lang="en-US" i="0" dirty="0">
+                <a:solidFill>
+                  <a:srgbClr val="292D33"/>
+                </a:solidFill>
+                <a:effectLst/>
+                <a:latin typeface="Euclid Circular B" panose="020B0504000000000000"/>
+              </a:rPr>
+              <a:t>with one command</a:t>
+            </a:r>
+          </a:p>
+          <a:p>
+            <a:pPr marL="742950" lvl="1" indent="-285750" algn="l">
+              <a:buFont typeface="Arial" panose="020B0604020202020204" pitchFamily="34" charset="0"/>
+              <a:buChar char="•"/>
+            </a:pPr>
+            <a:r>
+              <a:rPr lang="en-US" b="0" i="0" dirty="0">
+                <a:solidFill>
+                  <a:srgbClr val="292D33"/>
+                </a:solidFill>
+                <a:effectLst/>
+                <a:latin typeface="Euclid Circular B" panose="020B0504000000000000"/>
+              </a:rPr>
+              <a:t>Use </a:t>
+            </a:r>
+            <a:r>
+              <a:rPr lang="en-US" b="1" i="0" dirty="0">
+                <a:solidFill>
+                  <a:srgbClr val="292D33"/>
+                </a:solidFill>
+                <a:effectLst/>
+                <a:latin typeface="Euclid Circular B" panose="020B0504000000000000"/>
+              </a:rPr>
+              <a:t>dependencies </a:t>
+            </a:r>
+            <a:r>
+              <a:rPr lang="en-US" b="0" i="0" dirty="0">
+                <a:solidFill>
+                  <a:srgbClr val="292D33"/>
+                </a:solidFill>
+                <a:effectLst/>
+                <a:latin typeface="Euclid Circular B" panose="020B0504000000000000"/>
+              </a:rPr>
+              <a:t>in containers</a:t>
+            </a:r>
+          </a:p>
+          <a:p>
+            <a:pPr marL="742950" lvl="1" indent="-285750" algn="l">
+              <a:buFont typeface="Arial" panose="020B0604020202020204" pitchFamily="34" charset="0"/>
+              <a:buChar char="•"/>
+            </a:pPr>
+            <a:r>
+              <a:rPr lang="en-US" b="1" i="0" dirty="0">
+                <a:solidFill>
+                  <a:srgbClr val="292D33"/>
+                </a:solidFill>
+                <a:effectLst/>
+                <a:latin typeface="Euclid Circular B" panose="020B0504000000000000"/>
+              </a:rPr>
+              <a:t>Discover addresses</a:t>
+            </a:r>
+            <a:r>
+              <a:rPr lang="en-US" b="0" i="0" dirty="0">
+                <a:solidFill>
+                  <a:srgbClr val="292D33"/>
+                </a:solidFill>
+                <a:effectLst/>
+                <a:latin typeface="Euclid Circular B" panose="020B0504000000000000"/>
+              </a:rPr>
+              <a:t> of other services using simple conventions</a:t>
+            </a:r>
+          </a:p>
+          <a:p>
+            <a:pPr algn="l">
+              <a:buFont typeface="Arial" panose="020B0604020202020204" pitchFamily="34" charset="0"/>
+              <a:buChar char="•"/>
+            </a:pPr>
+            <a:r>
+              <a:rPr lang="en-US" sz="2400" b="1" i="0" dirty="0">
+                <a:solidFill>
+                  <a:srgbClr val="292D33"/>
+                </a:solidFill>
+                <a:effectLst/>
+                <a:latin typeface="Euclid Circular B" panose="020B0504000000000000"/>
+              </a:rPr>
+              <a:t>Deploy </a:t>
+            </a:r>
+            <a:r>
+              <a:rPr lang="en-US" sz="2400" b="0" i="0" dirty="0">
+                <a:solidFill>
+                  <a:srgbClr val="292D33"/>
+                </a:solidFill>
+                <a:effectLst/>
+                <a:latin typeface="Euclid Circular B" panose="020B0504000000000000"/>
+              </a:rPr>
+              <a:t>.NET applications </a:t>
+            </a:r>
+            <a:r>
+              <a:rPr lang="en-US" sz="2400" b="1" i="0" dirty="0">
+                <a:solidFill>
+                  <a:srgbClr val="292D33"/>
+                </a:solidFill>
+                <a:effectLst/>
+                <a:latin typeface="Euclid Circular B" panose="020B0504000000000000"/>
+              </a:rPr>
+              <a:t>to Kubernetes</a:t>
+            </a:r>
+            <a:r>
+              <a:rPr lang="en-US" sz="2400" b="0" i="0" dirty="0">
+                <a:solidFill>
+                  <a:srgbClr val="292D33"/>
+                </a:solidFill>
+                <a:effectLst/>
+                <a:latin typeface="Euclid Circular B" panose="020B0504000000000000"/>
+              </a:rPr>
+              <a:t> by:</a:t>
+            </a:r>
+          </a:p>
+          <a:p>
+            <a:pPr marL="742950" lvl="1" indent="-285750" algn="l">
+              <a:buFont typeface="Arial" panose="020B0604020202020204" pitchFamily="34" charset="0"/>
+              <a:buChar char="•"/>
+            </a:pPr>
+            <a:r>
+              <a:rPr lang="en-US" b="0" i="0" dirty="0">
+                <a:solidFill>
+                  <a:srgbClr val="292D33"/>
+                </a:solidFill>
+                <a:effectLst/>
+                <a:latin typeface="Euclid Circular B" panose="020B0504000000000000"/>
+              </a:rPr>
+              <a:t>Automatically </a:t>
+            </a:r>
+            <a:r>
+              <a:rPr lang="en-US" b="1" i="0" dirty="0">
+                <a:solidFill>
+                  <a:srgbClr val="292D33"/>
+                </a:solidFill>
+                <a:effectLst/>
+                <a:latin typeface="Euclid Circular B" panose="020B0504000000000000"/>
+              </a:rPr>
+              <a:t>containerizing .NET applications</a:t>
+            </a:r>
+          </a:p>
+          <a:p>
+            <a:pPr marL="742950" lvl="1" indent="-285750" algn="l">
+              <a:buFont typeface="Arial" panose="020B0604020202020204" pitchFamily="34" charset="0"/>
+              <a:buChar char="•"/>
+            </a:pPr>
+            <a:r>
+              <a:rPr lang="en-US" b="1" i="0" dirty="0">
+                <a:solidFill>
+                  <a:srgbClr val="292D33"/>
+                </a:solidFill>
+                <a:effectLst/>
+                <a:latin typeface="Euclid Circular B" panose="020B0504000000000000"/>
+              </a:rPr>
+              <a:t>Generating Kubernetes manifests </a:t>
+            </a:r>
+            <a:r>
+              <a:rPr lang="en-US" b="0" i="0" dirty="0">
+                <a:solidFill>
+                  <a:srgbClr val="292D33"/>
+                </a:solidFill>
+                <a:effectLst/>
+                <a:latin typeface="Euclid Circular B" panose="020B0504000000000000"/>
+              </a:rPr>
+              <a:t>with minimal knowledge or configuration</a:t>
+            </a:r>
+          </a:p>
+          <a:p>
+            <a:pPr marL="0" indent="0">
+              <a:buNone/>
+            </a:pPr>
+            <a:endParaRPr lang="en-US" dirty="0">
+              <a:latin typeface="Euclid Circular B" panose="020B0504000000000000" pitchFamily="34" charset="0"/>
+              <a:ea typeface="Euclid Circular B" panose="020B0504000000000000" pitchFamily="34" charset="0"/>
+            </a:endParaRPr>
           </a:p>
         </p:txBody>
       </p:sp>
@@ -13340,6 +13625,477 @@
   <p:clrMapOvr>
     <a:masterClrMapping/>
   </p:clrMapOvr>
+  <p:timing>
+    <p:tnLst>
+      <p:par>
+        <p:cTn id="1" dur="indefinite" restart="never" nodeType="tmRoot">
+          <p:childTnLst>
+            <p:seq concurrent="1" nextAc="seek">
+              <p:cTn id="2" dur="indefinite" nodeType="mainSeq">
+                <p:childTnLst>
+                  <p:par>
+                    <p:cTn id="3" fill="hold">
+                      <p:stCondLst>
+                        <p:cond delay="indefinite"/>
+                      </p:stCondLst>
+                      <p:childTnLst>
+                        <p:par>
+                          <p:cTn id="4" fill="hold">
+                            <p:stCondLst>
+                              <p:cond delay="0"/>
+                            </p:stCondLst>
+                            <p:childTnLst>
+                              <p:par>
+                                <p:cTn id="5" presetID="10" presetClass="entr" presetSubtype="0" fill="hold" nodeType="clickEffect">
+                                  <p:stCondLst>
+                                    <p:cond delay="0"/>
+                                  </p:stCondLst>
+                                  <p:childTnLst>
+                                    <p:set>
+                                      <p:cBhvr>
+                                        <p:cTn id="6" dur="1" fill="hold">
+                                          <p:stCondLst>
+                                            <p:cond delay="0"/>
+                                          </p:stCondLst>
+                                        </p:cTn>
+                                        <p:tgtEl>
+                                          <p:spTgt spid="3">
+                                            <p:txEl>
+                                              <p:pRg st="0" end="0"/>
+                                            </p:txEl>
+                                          </p:spTgt>
+                                        </p:tgtEl>
+                                        <p:attrNameLst>
+                                          <p:attrName>style.visibility</p:attrName>
+                                        </p:attrNameLst>
+                                      </p:cBhvr>
+                                      <p:to>
+                                        <p:strVal val="visible"/>
+                                      </p:to>
+                                    </p:set>
+                                    <p:animEffect transition="in" filter="fade">
+                                      <p:cBhvr>
+                                        <p:cTn id="7" dur="500"/>
+                                        <p:tgtEl>
+                                          <p:spTgt spid="3">
+                                            <p:txEl>
+                                              <p:pRg st="0" end="0"/>
+                                            </p:txEl>
+                                          </p:spTgt>
+                                        </p:tgtEl>
+                                      </p:cBhvr>
+                                    </p:animEffect>
+                                  </p:childTnLst>
+                                </p:cTn>
+                              </p:par>
+                            </p:childTnLst>
+                          </p:cTn>
+                        </p:par>
+                      </p:childTnLst>
+                    </p:cTn>
+                  </p:par>
+                  <p:par>
+                    <p:cTn id="8" fill="hold">
+                      <p:stCondLst>
+                        <p:cond delay="indefinite"/>
+                      </p:stCondLst>
+                      <p:childTnLst>
+                        <p:par>
+                          <p:cTn id="9" fill="hold">
+                            <p:stCondLst>
+                              <p:cond delay="0"/>
+                            </p:stCondLst>
+                            <p:childTnLst>
+                              <p:par>
+                                <p:cTn id="10" presetID="10" presetClass="entr" presetSubtype="0" fill="hold" nodeType="clickEffect">
+                                  <p:stCondLst>
+                                    <p:cond delay="0"/>
+                                  </p:stCondLst>
+                                  <p:childTnLst>
+                                    <p:set>
+                                      <p:cBhvr>
+                                        <p:cTn id="11" dur="1" fill="hold">
+                                          <p:stCondLst>
+                                            <p:cond delay="0"/>
+                                          </p:stCondLst>
+                                        </p:cTn>
+                                        <p:tgtEl>
+                                          <p:spTgt spid="3">
+                                            <p:txEl>
+                                              <p:pRg st="1" end="1"/>
+                                            </p:txEl>
+                                          </p:spTgt>
+                                        </p:tgtEl>
+                                        <p:attrNameLst>
+                                          <p:attrName>style.visibility</p:attrName>
+                                        </p:attrNameLst>
+                                      </p:cBhvr>
+                                      <p:to>
+                                        <p:strVal val="visible"/>
+                                      </p:to>
+                                    </p:set>
+                                    <p:animEffect transition="in" filter="fade">
+                                      <p:cBhvr>
+                                        <p:cTn id="12" dur="500"/>
+                                        <p:tgtEl>
+                                          <p:spTgt spid="3">
+                                            <p:txEl>
+                                              <p:pRg st="1" end="1"/>
+                                            </p:txEl>
+                                          </p:spTgt>
+                                        </p:tgtEl>
+                                      </p:cBhvr>
+                                    </p:animEffect>
+                                  </p:childTnLst>
+                                </p:cTn>
+                              </p:par>
+                              <p:par>
+                                <p:cTn id="13" presetID="10" presetClass="entr" presetSubtype="0" fill="hold" nodeType="withEffect">
+                                  <p:stCondLst>
+                                    <p:cond delay="0"/>
+                                  </p:stCondLst>
+                                  <p:childTnLst>
+                                    <p:set>
+                                      <p:cBhvr>
+                                        <p:cTn id="14" dur="1" fill="hold">
+                                          <p:stCondLst>
+                                            <p:cond delay="0"/>
+                                          </p:stCondLst>
+                                        </p:cTn>
+                                        <p:tgtEl>
+                                          <p:spTgt spid="3">
+                                            <p:txEl>
+                                              <p:pRg st="2" end="2"/>
+                                            </p:txEl>
+                                          </p:spTgt>
+                                        </p:tgtEl>
+                                        <p:attrNameLst>
+                                          <p:attrName>style.visibility</p:attrName>
+                                        </p:attrNameLst>
+                                      </p:cBhvr>
+                                      <p:to>
+                                        <p:strVal val="visible"/>
+                                      </p:to>
+                                    </p:set>
+                                    <p:animEffect transition="in" filter="fade">
+                                      <p:cBhvr>
+                                        <p:cTn id="15" dur="500"/>
+                                        <p:tgtEl>
+                                          <p:spTgt spid="3">
+                                            <p:txEl>
+                                              <p:pRg st="2" end="2"/>
+                                            </p:txEl>
+                                          </p:spTgt>
+                                        </p:tgtEl>
+                                      </p:cBhvr>
+                                    </p:animEffect>
+                                  </p:childTnLst>
+                                </p:cTn>
+                              </p:par>
+                              <p:par>
+                                <p:cTn id="16" presetID="10" presetClass="entr" presetSubtype="0" fill="hold" nodeType="withEffect">
+                                  <p:stCondLst>
+                                    <p:cond delay="0"/>
+                                  </p:stCondLst>
+                                  <p:childTnLst>
+                                    <p:set>
+                                      <p:cBhvr>
+                                        <p:cTn id="17" dur="1" fill="hold">
+                                          <p:stCondLst>
+                                            <p:cond delay="0"/>
+                                          </p:stCondLst>
+                                        </p:cTn>
+                                        <p:tgtEl>
+                                          <p:spTgt spid="3">
+                                            <p:txEl>
+                                              <p:pRg st="3" end="3"/>
+                                            </p:txEl>
+                                          </p:spTgt>
+                                        </p:tgtEl>
+                                        <p:attrNameLst>
+                                          <p:attrName>style.visibility</p:attrName>
+                                        </p:attrNameLst>
+                                      </p:cBhvr>
+                                      <p:to>
+                                        <p:strVal val="visible"/>
+                                      </p:to>
+                                    </p:set>
+                                    <p:animEffect transition="in" filter="fade">
+                                      <p:cBhvr>
+                                        <p:cTn id="18" dur="500"/>
+                                        <p:tgtEl>
+                                          <p:spTgt spid="3">
+                                            <p:txEl>
+                                              <p:pRg st="3" end="3"/>
+                                            </p:txEl>
+                                          </p:spTgt>
+                                        </p:tgtEl>
+                                      </p:cBhvr>
+                                    </p:animEffect>
+                                  </p:childTnLst>
+                                </p:cTn>
+                              </p:par>
+                              <p:par>
+                                <p:cTn id="19" presetID="10" presetClass="entr" presetSubtype="0" fill="hold" nodeType="withEffect">
+                                  <p:stCondLst>
+                                    <p:cond delay="0"/>
+                                  </p:stCondLst>
+                                  <p:childTnLst>
+                                    <p:set>
+                                      <p:cBhvr>
+                                        <p:cTn id="20" dur="1" fill="hold">
+                                          <p:stCondLst>
+                                            <p:cond delay="0"/>
+                                          </p:stCondLst>
+                                        </p:cTn>
+                                        <p:tgtEl>
+                                          <p:spTgt spid="3">
+                                            <p:txEl>
+                                              <p:pRg st="4" end="4"/>
+                                            </p:txEl>
+                                          </p:spTgt>
+                                        </p:tgtEl>
+                                        <p:attrNameLst>
+                                          <p:attrName>style.visibility</p:attrName>
+                                        </p:attrNameLst>
+                                      </p:cBhvr>
+                                      <p:to>
+                                        <p:strVal val="visible"/>
+                                      </p:to>
+                                    </p:set>
+                                    <p:animEffect transition="in" filter="fade">
+                                      <p:cBhvr>
+                                        <p:cTn id="21" dur="500"/>
+                                        <p:tgtEl>
+                                          <p:spTgt spid="3">
+                                            <p:txEl>
+                                              <p:pRg st="4" end="4"/>
+                                            </p:txEl>
+                                          </p:spTgt>
+                                        </p:tgtEl>
+                                      </p:cBhvr>
+                                    </p:animEffect>
+                                  </p:childTnLst>
+                                </p:cTn>
+                              </p:par>
+                              <p:par>
+                                <p:cTn id="22" presetID="10" presetClass="entr" presetSubtype="0" fill="hold" nodeType="withEffect">
+                                  <p:stCondLst>
+                                    <p:cond delay="0"/>
+                                  </p:stCondLst>
+                                  <p:childTnLst>
+                                    <p:set>
+                                      <p:cBhvr>
+                                        <p:cTn id="23" dur="1" fill="hold">
+                                          <p:stCondLst>
+                                            <p:cond delay="0"/>
+                                          </p:stCondLst>
+                                        </p:cTn>
+                                        <p:tgtEl>
+                                          <p:spTgt spid="3">
+                                            <p:txEl>
+                                              <p:pRg st="5" end="5"/>
+                                            </p:txEl>
+                                          </p:spTgt>
+                                        </p:tgtEl>
+                                        <p:attrNameLst>
+                                          <p:attrName>style.visibility</p:attrName>
+                                        </p:attrNameLst>
+                                      </p:cBhvr>
+                                      <p:to>
+                                        <p:strVal val="visible"/>
+                                      </p:to>
+                                    </p:set>
+                                    <p:animEffect transition="in" filter="fade">
+                                      <p:cBhvr>
+                                        <p:cTn id="24" dur="500"/>
+                                        <p:tgtEl>
+                                          <p:spTgt spid="3">
+                                            <p:txEl>
+                                              <p:pRg st="5" end="5"/>
+                                            </p:txEl>
+                                          </p:spTgt>
+                                        </p:tgtEl>
+                                      </p:cBhvr>
+                                    </p:animEffect>
+                                  </p:childTnLst>
+                                </p:cTn>
+                              </p:par>
+                            </p:childTnLst>
+                          </p:cTn>
+                        </p:par>
+                      </p:childTnLst>
+                    </p:cTn>
+                  </p:par>
+                  <p:par>
+                    <p:cTn id="25" fill="hold">
+                      <p:stCondLst>
+                        <p:cond delay="indefinite"/>
+                      </p:stCondLst>
+                      <p:childTnLst>
+                        <p:par>
+                          <p:cTn id="26" fill="hold">
+                            <p:stCondLst>
+                              <p:cond delay="0"/>
+                            </p:stCondLst>
+                            <p:childTnLst>
+                              <p:par>
+                                <p:cTn id="27" presetID="10" presetClass="entr" presetSubtype="0" fill="hold" nodeType="clickEffect">
+                                  <p:stCondLst>
+                                    <p:cond delay="0"/>
+                                  </p:stCondLst>
+                                  <p:childTnLst>
+                                    <p:set>
+                                      <p:cBhvr>
+                                        <p:cTn id="28" dur="1" fill="hold">
+                                          <p:stCondLst>
+                                            <p:cond delay="0"/>
+                                          </p:stCondLst>
+                                        </p:cTn>
+                                        <p:tgtEl>
+                                          <p:spTgt spid="3">
+                                            <p:txEl>
+                                              <p:pRg st="6" end="6"/>
+                                            </p:txEl>
+                                          </p:spTgt>
+                                        </p:tgtEl>
+                                        <p:attrNameLst>
+                                          <p:attrName>style.visibility</p:attrName>
+                                        </p:attrNameLst>
+                                      </p:cBhvr>
+                                      <p:to>
+                                        <p:strVal val="visible"/>
+                                      </p:to>
+                                    </p:set>
+                                    <p:animEffect transition="in" filter="fade">
+                                      <p:cBhvr>
+                                        <p:cTn id="29" dur="500"/>
+                                        <p:tgtEl>
+                                          <p:spTgt spid="3">
+                                            <p:txEl>
+                                              <p:pRg st="6" end="6"/>
+                                            </p:txEl>
+                                          </p:spTgt>
+                                        </p:tgtEl>
+                                      </p:cBhvr>
+                                    </p:animEffect>
+                                  </p:childTnLst>
+                                </p:cTn>
+                              </p:par>
+                              <p:par>
+                                <p:cTn id="30" presetID="10" presetClass="entr" presetSubtype="0" fill="hold" nodeType="withEffect">
+                                  <p:stCondLst>
+                                    <p:cond delay="0"/>
+                                  </p:stCondLst>
+                                  <p:childTnLst>
+                                    <p:set>
+                                      <p:cBhvr>
+                                        <p:cTn id="31" dur="1" fill="hold">
+                                          <p:stCondLst>
+                                            <p:cond delay="0"/>
+                                          </p:stCondLst>
+                                        </p:cTn>
+                                        <p:tgtEl>
+                                          <p:spTgt spid="3">
+                                            <p:txEl>
+                                              <p:pRg st="7" end="7"/>
+                                            </p:txEl>
+                                          </p:spTgt>
+                                        </p:tgtEl>
+                                        <p:attrNameLst>
+                                          <p:attrName>style.visibility</p:attrName>
+                                        </p:attrNameLst>
+                                      </p:cBhvr>
+                                      <p:to>
+                                        <p:strVal val="visible"/>
+                                      </p:to>
+                                    </p:set>
+                                    <p:animEffect transition="in" filter="fade">
+                                      <p:cBhvr>
+                                        <p:cTn id="32" dur="500"/>
+                                        <p:tgtEl>
+                                          <p:spTgt spid="3">
+                                            <p:txEl>
+                                              <p:pRg st="7" end="7"/>
+                                            </p:txEl>
+                                          </p:spTgt>
+                                        </p:tgtEl>
+                                      </p:cBhvr>
+                                    </p:animEffect>
+                                  </p:childTnLst>
+                                </p:cTn>
+                              </p:par>
+                              <p:par>
+                                <p:cTn id="33" presetID="10" presetClass="entr" presetSubtype="0" fill="hold" nodeType="withEffect">
+                                  <p:stCondLst>
+                                    <p:cond delay="0"/>
+                                  </p:stCondLst>
+                                  <p:childTnLst>
+                                    <p:set>
+                                      <p:cBhvr>
+                                        <p:cTn id="34" dur="1" fill="hold">
+                                          <p:stCondLst>
+                                            <p:cond delay="0"/>
+                                          </p:stCondLst>
+                                        </p:cTn>
+                                        <p:tgtEl>
+                                          <p:spTgt spid="3">
+                                            <p:txEl>
+                                              <p:pRg st="8" end="8"/>
+                                            </p:txEl>
+                                          </p:spTgt>
+                                        </p:tgtEl>
+                                        <p:attrNameLst>
+                                          <p:attrName>style.visibility</p:attrName>
+                                        </p:attrNameLst>
+                                      </p:cBhvr>
+                                      <p:to>
+                                        <p:strVal val="visible"/>
+                                      </p:to>
+                                    </p:set>
+                                    <p:animEffect transition="in" filter="fade">
+                                      <p:cBhvr>
+                                        <p:cTn id="35" dur="500"/>
+                                        <p:tgtEl>
+                                          <p:spTgt spid="3">
+                                            <p:txEl>
+                                              <p:pRg st="8" end="8"/>
+                                            </p:txEl>
+                                          </p:spTgt>
+                                        </p:tgtEl>
+                                      </p:cBhvr>
+                                    </p:animEffect>
+                                  </p:childTnLst>
+                                </p:cTn>
+                              </p:par>
+                            </p:childTnLst>
+                          </p:cTn>
+                        </p:par>
+                      </p:childTnLst>
+                    </p:cTn>
+                  </p:par>
+                </p:childTnLst>
+              </p:cTn>
+              <p:prevCondLst>
+                <p:cond evt="onPrev" delay="0">
+                  <p:tgtEl>
+                    <p:sldTgt/>
+                  </p:tgtEl>
+                </p:cond>
+              </p:prevCondLst>
+              <p:nextCondLst>
+                <p:cond evt="onNext" delay="0">
+                  <p:tgtEl>
+                    <p:sldTgt/>
+                  </p:tgtEl>
+                </p:cond>
+              </p:nextCondLst>
+            </p:seq>
+          </p:childTnLst>
+        </p:cTn>
+      </p:par>
+    </p:tnLst>
+  </p:timing>
 </p:sld>
 </file>
 

--- a/2023-05-10 ABP Conf 2023 Developing with Kubernetes/Developing with Kubernetes.pptx
+++ b/2023-05-10 ABP Conf 2023 Developing with Kubernetes/Developing with Kubernetes.pptx
@@ -3545,49 +3545,85 @@
           <a:lstStyle/>
           <a:p>
             <a:r>
-              <a:rPr lang="en-US" b="1" dirty="0">
+              <a:rPr lang="tr-TR" b="1" dirty="0">
                 <a:solidFill>
                   <a:srgbClr val="292D33"/>
                 </a:solidFill>
                 <a:latin typeface="Euclid Circular B" panose="020B0504000000000000" pitchFamily="34" charset="0"/>
                 <a:ea typeface="Euclid Circular B" panose="020B0504000000000000" pitchFamily="34" charset="0"/>
               </a:rPr>
-              <a:t>Topic title</a:t>
-            </a:r>
-          </a:p>
-        </p:txBody>
-      </p:sp>
-      <p:sp>
-        <p:nvSpPr>
-          <p:cNvPr id="3" name="Content Placeholder 2">
-            <a:extLst>
-              <a:ext uri="{FF2B5EF4-FFF2-40B4-BE49-F238E27FC236}">
-                <a16:creationId xmlns:a16="http://schemas.microsoft.com/office/drawing/2014/main" id="{891C7693-D3DF-4635-96F4-97F3B4136FDF}"/>
-              </a:ext>
-            </a:extLst>
-          </p:cNvPr>
-          <p:cNvSpPr>
-            <a:spLocks noGrp="1"/>
-          </p:cNvSpPr>
-          <p:nvPr>
-            <p:ph idx="1"/>
-          </p:nvPr>
-        </p:nvSpPr>
-        <p:spPr/>
-        <p:txBody>
-          <a:bodyPr/>
-          <a:lstStyle/>
-          <a:p>
-            <a:r>
-              <a:rPr lang="en-US" dirty="0">
+              <a:t>Tye Dashboard</a:t>
+            </a:r>
+            <a:br>
+              <a:rPr lang="tr-TR" b="1" dirty="0">
+                <a:solidFill>
+                  <a:srgbClr val="292D33"/>
+                </a:solidFill>
                 <a:latin typeface="Euclid Circular B" panose="020B0504000000000000" pitchFamily="34" charset="0"/>
                 <a:ea typeface="Euclid Circular B" panose="020B0504000000000000" pitchFamily="34" charset="0"/>
               </a:rPr>
-              <a:t>Content</a:t>
-            </a:r>
-          </a:p>
-        </p:txBody>
-      </p:sp>
+            </a:br>
+            <a:r>
+              <a:rPr lang="tr-TR" sz="2000" b="1" dirty="0">
+                <a:solidFill>
+                  <a:srgbClr val="292D33"/>
+                </a:solidFill>
+                <a:latin typeface="Euclid Circular B" panose="020B0504000000000000" pitchFamily="34" charset="0"/>
+                <a:ea typeface="Euclid Circular B" panose="020B0504000000000000" pitchFamily="34" charset="0"/>
+                <a:hlinkClick r:id="rId3"/>
+              </a:rPr>
+              <a:t>http://localhost:8000</a:t>
+            </a:r>
+            <a:r>
+              <a:rPr lang="tr-TR" sz="2000" b="1" dirty="0">
+                <a:solidFill>
+                  <a:srgbClr val="292D33"/>
+                </a:solidFill>
+                <a:latin typeface="Euclid Circular B" panose="020B0504000000000000" pitchFamily="34" charset="0"/>
+                <a:ea typeface="Euclid Circular B" panose="020B0504000000000000" pitchFamily="34" charset="0"/>
+              </a:rPr>
+              <a:t> </a:t>
+            </a:r>
+            <a:endParaRPr lang="en-US" b="1" dirty="0">
+              <a:solidFill>
+                <a:srgbClr val="292D33"/>
+              </a:solidFill>
+              <a:latin typeface="Euclid Circular B" panose="020B0504000000000000" pitchFamily="34" charset="0"/>
+              <a:ea typeface="Euclid Circular B" panose="020B0504000000000000" pitchFamily="34" charset="0"/>
+            </a:endParaRPr>
+          </a:p>
+        </p:txBody>
+      </p:sp>
+      <p:pic>
+        <p:nvPicPr>
+          <p:cNvPr id="7" name="Picture 6">
+            <a:extLst>
+              <a:ext uri="{FF2B5EF4-FFF2-40B4-BE49-F238E27FC236}">
+                <a16:creationId xmlns:a16="http://schemas.microsoft.com/office/drawing/2014/main" id="{964585C5-7CEC-9549-0975-E56EF31D178C}"/>
+              </a:ext>
+            </a:extLst>
+          </p:cNvPr>
+          <p:cNvPicPr>
+            <a:picLocks noChangeAspect="1"/>
+          </p:cNvPicPr>
+          <p:nvPr/>
+        </p:nvPicPr>
+        <p:blipFill>
+          <a:blip r:embed="rId4"/>
+          <a:stretch>
+            <a:fillRect/>
+          </a:stretch>
+        </p:blipFill>
+        <p:spPr>
+          <a:xfrm>
+            <a:off x="647369" y="1824797"/>
+            <a:ext cx="9845842" cy="4668078"/>
+          </a:xfrm>
+          <a:prstGeom prst="rect">
+            <a:avLst/>
+          </a:prstGeom>
+        </p:spPr>
+      </p:pic>
     </p:spTree>
     <p:extLst>
       <p:ext uri="{BB962C8B-B14F-4D97-AF65-F5344CB8AC3E}">
@@ -14152,49 +14188,209 @@
           <a:lstStyle/>
           <a:p>
             <a:r>
-              <a:rPr lang="en-US" b="1" dirty="0">
+              <a:rPr lang="tr-TR" b="1" dirty="0">
                 <a:solidFill>
                   <a:srgbClr val="292D33"/>
                 </a:solidFill>
                 <a:latin typeface="Euclid Circular B" panose="020B0504000000000000" pitchFamily="34" charset="0"/>
                 <a:ea typeface="Euclid Circular B" panose="020B0504000000000000" pitchFamily="34" charset="0"/>
               </a:rPr>
-              <a:t>Topic title</a:t>
-            </a:r>
-          </a:p>
-        </p:txBody>
-      </p:sp>
-      <p:sp>
-        <p:nvSpPr>
-          <p:cNvPr id="3" name="Content Placeholder 2">
-            <a:extLst>
-              <a:ext uri="{FF2B5EF4-FFF2-40B4-BE49-F238E27FC236}">
-                <a16:creationId xmlns:a16="http://schemas.microsoft.com/office/drawing/2014/main" id="{891C7693-D3DF-4635-96F4-97F3B4136FDF}"/>
-              </a:ext>
-            </a:extLst>
-          </p:cNvPr>
-          <p:cNvSpPr>
-            <a:spLocks noGrp="1"/>
-          </p:cNvSpPr>
-          <p:nvPr>
-            <p:ph idx="1"/>
-          </p:nvPr>
-        </p:nvSpPr>
-        <p:spPr/>
-        <p:txBody>
-          <a:bodyPr/>
+              <a:t>tye.yaml</a:t>
+            </a:r>
+            <a:endParaRPr lang="en-US" b="1" dirty="0">
+              <a:solidFill>
+                <a:srgbClr val="292D33"/>
+              </a:solidFill>
+              <a:latin typeface="Euclid Circular B" panose="020B0504000000000000" pitchFamily="34" charset="0"/>
+              <a:ea typeface="Euclid Circular B" panose="020B0504000000000000" pitchFamily="34" charset="0"/>
+            </a:endParaRPr>
+          </a:p>
+        </p:txBody>
+      </p:sp>
+      <p:pic>
+        <p:nvPicPr>
+          <p:cNvPr id="9" name="Picture 8">
+            <a:extLst>
+              <a:ext uri="{FF2B5EF4-FFF2-40B4-BE49-F238E27FC236}">
+                <a16:creationId xmlns:a16="http://schemas.microsoft.com/office/drawing/2014/main" id="{92276000-7FC7-206F-AACC-48B28E7A3B8B}"/>
+              </a:ext>
+            </a:extLst>
+          </p:cNvPr>
+          <p:cNvPicPr>
+            <a:picLocks noChangeAspect="1"/>
+          </p:cNvPicPr>
+          <p:nvPr/>
+        </p:nvPicPr>
+        <p:blipFill>
+          <a:blip r:embed="rId3"/>
+          <a:stretch>
+            <a:fillRect/>
+          </a:stretch>
+        </p:blipFill>
+        <p:spPr>
+          <a:xfrm>
+            <a:off x="838199" y="1468895"/>
+            <a:ext cx="4659889" cy="5305616"/>
+          </a:xfrm>
+          <a:prstGeom prst="rect">
+            <a:avLst/>
+          </a:prstGeom>
+        </p:spPr>
+      </p:pic>
+      <p:sp>
+        <p:nvSpPr>
+          <p:cNvPr id="10" name="TextBox 9">
+            <a:extLst>
+              <a:ext uri="{FF2B5EF4-FFF2-40B4-BE49-F238E27FC236}">
+                <a16:creationId xmlns:a16="http://schemas.microsoft.com/office/drawing/2014/main" id="{75EB0729-86A3-B5AD-EAD7-4851E4F6AE31}"/>
+              </a:ext>
+            </a:extLst>
+          </p:cNvPr>
+          <p:cNvSpPr txBox="1"/>
+          <p:nvPr/>
+        </p:nvSpPr>
+        <p:spPr>
+          <a:xfrm>
+            <a:off x="6313085" y="2074646"/>
+            <a:ext cx="2112117" cy="523220"/>
+          </a:xfrm>
+          <a:prstGeom prst="rect">
+            <a:avLst/>
+          </a:prstGeom>
+          <a:noFill/>
+        </p:spPr>
+        <p:txBody>
+          <a:bodyPr wrap="none" rtlCol="0">
+            <a:spAutoFit/>
+          </a:bodyPr>
           <a:lstStyle/>
           <a:p>
             <a:r>
-              <a:rPr lang="en-US" dirty="0">
-                <a:latin typeface="Euclid Circular B" panose="020B0504000000000000" pitchFamily="34" charset="0"/>
-                <a:ea typeface="Euclid Circular B" panose="020B0504000000000000" pitchFamily="34" charset="0"/>
-              </a:rPr>
-              <a:t>Content</a:t>
-            </a:r>
-          </a:p>
-        </p:txBody>
-      </p:sp>
+              <a:rPr lang="tr-TR" sz="2800" dirty="0"/>
+              <a:t>.NET Projects</a:t>
+            </a:r>
+            <a:endParaRPr lang="en-US" sz="2800" dirty="0"/>
+          </a:p>
+        </p:txBody>
+      </p:sp>
+      <p:sp>
+        <p:nvSpPr>
+          <p:cNvPr id="11" name="TextBox 10">
+            <a:extLst>
+              <a:ext uri="{FF2B5EF4-FFF2-40B4-BE49-F238E27FC236}">
+                <a16:creationId xmlns:a16="http://schemas.microsoft.com/office/drawing/2014/main" id="{0DFA7B93-F590-0123-A643-F8F71857AE01}"/>
+              </a:ext>
+            </a:extLst>
+          </p:cNvPr>
+          <p:cNvSpPr txBox="1"/>
+          <p:nvPr/>
+        </p:nvSpPr>
+        <p:spPr>
+          <a:xfrm>
+            <a:off x="6313085" y="5781280"/>
+            <a:ext cx="3758080" cy="523220"/>
+          </a:xfrm>
+          <a:prstGeom prst="rect">
+            <a:avLst/>
+          </a:prstGeom>
+          <a:noFill/>
+        </p:spPr>
+        <p:txBody>
+          <a:bodyPr wrap="none" rtlCol="0">
+            <a:spAutoFit/>
+          </a:bodyPr>
+          <a:lstStyle/>
+          <a:p>
+            <a:r>
+              <a:rPr lang="tr-TR" sz="2800" dirty="0"/>
+              <a:t>Container Dependencies</a:t>
+            </a:r>
+            <a:endParaRPr lang="en-US" sz="2800" dirty="0"/>
+          </a:p>
+        </p:txBody>
+      </p:sp>
+      <p:cxnSp>
+        <p:nvCxnSpPr>
+          <p:cNvPr id="13" name="Straight Connector 12">
+            <a:extLst>
+              <a:ext uri="{FF2B5EF4-FFF2-40B4-BE49-F238E27FC236}">
+                <a16:creationId xmlns:a16="http://schemas.microsoft.com/office/drawing/2014/main" id="{73657D85-9E89-ECE3-5CB1-C88A048CD3A0}"/>
+              </a:ext>
+            </a:extLst>
+          </p:cNvPr>
+          <p:cNvCxnSpPr/>
+          <p:nvPr/>
+        </p:nvCxnSpPr>
+        <p:spPr>
+          <a:xfrm>
+            <a:off x="5438692" y="2328306"/>
+            <a:ext cx="906449" cy="0"/>
+          </a:xfrm>
+          <a:prstGeom prst="line">
+            <a:avLst/>
+          </a:prstGeom>
+          <a:ln w="38100">
+            <a:solidFill>
+              <a:schemeClr val="accent6"/>
+            </a:solidFill>
+          </a:ln>
+        </p:spPr>
+        <p:style>
+          <a:lnRef idx="1">
+            <a:schemeClr val="accent1"/>
+          </a:lnRef>
+          <a:fillRef idx="0">
+            <a:schemeClr val="accent1"/>
+          </a:fillRef>
+          <a:effectRef idx="0">
+            <a:schemeClr val="accent1"/>
+          </a:effectRef>
+          <a:fontRef idx="minor">
+            <a:schemeClr val="tx1"/>
+          </a:fontRef>
+        </p:style>
+      </p:cxnSp>
+      <p:cxnSp>
+        <p:nvCxnSpPr>
+          <p:cNvPr id="14" name="Straight Connector 13">
+            <a:extLst>
+              <a:ext uri="{FF2B5EF4-FFF2-40B4-BE49-F238E27FC236}">
+                <a16:creationId xmlns:a16="http://schemas.microsoft.com/office/drawing/2014/main" id="{9F6A3D0D-B1B2-DF15-CBD5-69F00333AC06}"/>
+              </a:ext>
+            </a:extLst>
+          </p:cNvPr>
+          <p:cNvCxnSpPr/>
+          <p:nvPr/>
+        </p:nvCxnSpPr>
+        <p:spPr>
+          <a:xfrm>
+            <a:off x="5430322" y="6044980"/>
+            <a:ext cx="906449" cy="0"/>
+          </a:xfrm>
+          <a:prstGeom prst="line">
+            <a:avLst/>
+          </a:prstGeom>
+          <a:ln w="38100">
+            <a:solidFill>
+              <a:schemeClr val="accent1"/>
+            </a:solidFill>
+          </a:ln>
+        </p:spPr>
+        <p:style>
+          <a:lnRef idx="1">
+            <a:schemeClr val="accent1"/>
+          </a:lnRef>
+          <a:fillRef idx="0">
+            <a:schemeClr val="accent1"/>
+          </a:fillRef>
+          <a:effectRef idx="0">
+            <a:schemeClr val="accent1"/>
+          </a:effectRef>
+          <a:fontRef idx="minor">
+            <a:schemeClr val="tx1"/>
+          </a:fontRef>
+        </p:style>
+      </p:cxnSp>
     </p:spTree>
     <p:extLst>
       <p:ext uri="{BB962C8B-B14F-4D97-AF65-F5344CB8AC3E}">
@@ -14261,15 +14457,22 @@
           <a:lstStyle/>
           <a:p>
             <a:r>
-              <a:rPr lang="en-US" b="1" dirty="0">
+              <a:rPr lang="tr-TR" b="1" dirty="0">
                 <a:solidFill>
                   <a:srgbClr val="292D33"/>
                 </a:solidFill>
                 <a:latin typeface="Euclid Circular B" panose="020B0504000000000000" pitchFamily="34" charset="0"/>
                 <a:ea typeface="Euclid Circular B" panose="020B0504000000000000" pitchFamily="34" charset="0"/>
               </a:rPr>
-              <a:t>Topic title</a:t>
-            </a:r>
+              <a:t>Tye CLI</a:t>
+            </a:r>
+            <a:endParaRPr lang="en-US" b="1" dirty="0">
+              <a:solidFill>
+                <a:srgbClr val="292D33"/>
+              </a:solidFill>
+              <a:latin typeface="Euclid Circular B" panose="020B0504000000000000" pitchFamily="34" charset="0"/>
+              <a:ea typeface="Euclid Circular B" panose="020B0504000000000000" pitchFamily="34" charset="0"/>
+            </a:endParaRPr>
           </a:p>
         </p:txBody>
       </p:sp>
@@ -14291,15 +14494,57 @@
         </p:nvSpPr>
         <p:spPr/>
         <p:txBody>
-          <a:bodyPr/>
+          <a:bodyPr anchor="t">
+            <a:normAutofit/>
+          </a:bodyPr>
           <a:lstStyle/>
           <a:p>
-            <a:r>
-              <a:rPr lang="en-US" dirty="0">
-                <a:latin typeface="Euclid Circular B" panose="020B0504000000000000" pitchFamily="34" charset="0"/>
+            <a:pPr marL="0" indent="0" algn="ctr">
+              <a:buNone/>
+            </a:pPr>
+            <a:endParaRPr lang="tr-TR" sz="4400" dirty="0">
+              <a:latin typeface="Courier New" panose="02070309020205020404" pitchFamily="49" charset="0"/>
+              <a:ea typeface="Euclid Circular B" panose="020B0504000000000000" pitchFamily="34" charset="0"/>
+              <a:cs typeface="Courier New" panose="02070309020205020404" pitchFamily="49" charset="0"/>
+            </a:endParaRPr>
+          </a:p>
+          <a:p>
+            <a:pPr marL="0" indent="0" algn="ctr">
+              <a:buNone/>
+            </a:pPr>
+            <a:endParaRPr lang="tr-TR" sz="4400" dirty="0">
+              <a:latin typeface="Courier New" panose="02070309020205020404" pitchFamily="49" charset="0"/>
+              <a:ea typeface="Euclid Circular B" panose="020B0504000000000000" pitchFamily="34" charset="0"/>
+              <a:cs typeface="Courier New" panose="02070309020205020404" pitchFamily="49" charset="0"/>
+            </a:endParaRPr>
+          </a:p>
+          <a:p>
+            <a:pPr marL="0" indent="0" algn="ctr">
+              <a:buNone/>
+            </a:pPr>
+            <a:r>
+              <a:rPr lang="tr-TR" sz="4400" dirty="0">
+                <a:latin typeface="Courier New" panose="02070309020205020404" pitchFamily="49" charset="0"/>
                 <a:ea typeface="Euclid Circular B" panose="020B0504000000000000" pitchFamily="34" charset="0"/>
+                <a:cs typeface="Courier New" panose="02070309020205020404" pitchFamily="49" charset="0"/>
               </a:rPr>
-              <a:t>Content</a:t>
+              <a:t>&gt; </a:t>
+            </a:r>
+            <a:r>
+              <a:rPr lang="en-US" sz="4400" dirty="0" err="1">
+                <a:latin typeface="Courier New" panose="02070309020205020404" pitchFamily="49" charset="0"/>
+                <a:ea typeface="Euclid Circular B" panose="020B0504000000000000" pitchFamily="34" charset="0"/>
+                <a:cs typeface="Courier New" panose="02070309020205020404" pitchFamily="49" charset="0"/>
+              </a:rPr>
+              <a:t>tye</a:t>
+            </a:r>
+            <a:r>
+              <a:rPr lang="en-US" sz="4400" dirty="0">
+                <a:latin typeface="Courier New" panose="02070309020205020404" pitchFamily="49" charset="0"/>
+                <a:ea typeface="Euclid Circular B" panose="020B0504000000000000" pitchFamily="34" charset="0"/>
+                <a:cs typeface="Courier New" panose="02070309020205020404" pitchFamily="49" charset="0"/>
+              </a:rPr>
+              <a:t> run --watch</a:t>
             </a:r>
           </a:p>
         </p:txBody>

--- a/2023-05-10 ABP Conf 2023 Developing with Kubernetes/Developing with Kubernetes.pptx
+++ b/2023-05-10 ABP Conf 2023 Developing with Kubernetes/Developing with Kubernetes.pptx
@@ -12,33 +12,35 @@
     <p:sldId id="259" r:id="rId6"/>
     <p:sldId id="260" r:id="rId7"/>
     <p:sldId id="261" r:id="rId8"/>
-    <p:sldId id="262" r:id="rId9"/>
-    <p:sldId id="263" r:id="rId10"/>
-    <p:sldId id="264" r:id="rId11"/>
-    <p:sldId id="265" r:id="rId12"/>
-    <p:sldId id="266" r:id="rId13"/>
-    <p:sldId id="267" r:id="rId14"/>
-    <p:sldId id="268" r:id="rId15"/>
-    <p:sldId id="269" r:id="rId16"/>
-    <p:sldId id="270" r:id="rId17"/>
-    <p:sldId id="271" r:id="rId18"/>
-    <p:sldId id="272" r:id="rId19"/>
-    <p:sldId id="273" r:id="rId20"/>
-    <p:sldId id="274" r:id="rId21"/>
-    <p:sldId id="275" r:id="rId22"/>
-    <p:sldId id="276" r:id="rId23"/>
-    <p:sldId id="277" r:id="rId24"/>
-    <p:sldId id="278" r:id="rId25"/>
-    <p:sldId id="279" r:id="rId26"/>
-    <p:sldId id="280" r:id="rId27"/>
-    <p:sldId id="281" r:id="rId28"/>
-    <p:sldId id="282" r:id="rId29"/>
-    <p:sldId id="283" r:id="rId30"/>
-    <p:sldId id="284" r:id="rId31"/>
-    <p:sldId id="285" r:id="rId32"/>
-    <p:sldId id="286" r:id="rId33"/>
-    <p:sldId id="287" r:id="rId34"/>
-    <p:sldId id="288" r:id="rId35"/>
+    <p:sldId id="291" r:id="rId9"/>
+    <p:sldId id="262" r:id="rId10"/>
+    <p:sldId id="263" r:id="rId11"/>
+    <p:sldId id="264" r:id="rId12"/>
+    <p:sldId id="265" r:id="rId13"/>
+    <p:sldId id="268" r:id="rId14"/>
+    <p:sldId id="266" r:id="rId15"/>
+    <p:sldId id="267" r:id="rId16"/>
+    <p:sldId id="290" r:id="rId17"/>
+    <p:sldId id="269" r:id="rId18"/>
+    <p:sldId id="270" r:id="rId19"/>
+    <p:sldId id="271" r:id="rId20"/>
+    <p:sldId id="272" r:id="rId21"/>
+    <p:sldId id="273" r:id="rId22"/>
+    <p:sldId id="274" r:id="rId23"/>
+    <p:sldId id="275" r:id="rId24"/>
+    <p:sldId id="276" r:id="rId25"/>
+    <p:sldId id="277" r:id="rId26"/>
+    <p:sldId id="278" r:id="rId27"/>
+    <p:sldId id="279" r:id="rId28"/>
+    <p:sldId id="280" r:id="rId29"/>
+    <p:sldId id="281" r:id="rId30"/>
+    <p:sldId id="282" r:id="rId31"/>
+    <p:sldId id="283" r:id="rId32"/>
+    <p:sldId id="284" r:id="rId33"/>
+    <p:sldId id="285" r:id="rId34"/>
+    <p:sldId id="286" r:id="rId35"/>
+    <p:sldId id="287" r:id="rId36"/>
+    <p:sldId id="288" r:id="rId37"/>
   </p:sldIdLst>
   <p:sldSz cx="12192000" cy="6858000"/>
   <p:notesSz cx="6858000" cy="9144000"/>
@@ -292,7 +294,7 @@
           <a:p>
             <a:fld id="{2A14C9FE-EBC3-45D3-899C-58AAF4F8AF71}" type="datetimeFigureOut">
               <a:rPr lang="en-US" smtClean="0"/>
-              <a:t>4/29/2023</a:t>
+              <a:t>4/30/2023</a:t>
             </a:fld>
             <a:endParaRPr lang="en-US"/>
           </a:p>
@@ -490,7 +492,7 @@
           <a:p>
             <a:fld id="{2A14C9FE-EBC3-45D3-899C-58AAF4F8AF71}" type="datetimeFigureOut">
               <a:rPr lang="en-US" smtClean="0"/>
-              <a:t>4/29/2023</a:t>
+              <a:t>4/30/2023</a:t>
             </a:fld>
             <a:endParaRPr lang="en-US"/>
           </a:p>
@@ -698,7 +700,7 @@
           <a:p>
             <a:fld id="{2A14C9FE-EBC3-45D3-899C-58AAF4F8AF71}" type="datetimeFigureOut">
               <a:rPr lang="en-US" smtClean="0"/>
-              <a:t>4/29/2023</a:t>
+              <a:t>4/30/2023</a:t>
             </a:fld>
             <a:endParaRPr lang="en-US"/>
           </a:p>
@@ -896,7 +898,7 @@
           <a:p>
             <a:fld id="{2A14C9FE-EBC3-45D3-899C-58AAF4F8AF71}" type="datetimeFigureOut">
               <a:rPr lang="en-US" smtClean="0"/>
-              <a:t>4/29/2023</a:t>
+              <a:t>4/30/2023</a:t>
             </a:fld>
             <a:endParaRPr lang="en-US"/>
           </a:p>
@@ -1171,7 +1173,7 @@
           <a:p>
             <a:fld id="{2A14C9FE-EBC3-45D3-899C-58AAF4F8AF71}" type="datetimeFigureOut">
               <a:rPr lang="en-US" smtClean="0"/>
-              <a:t>4/29/2023</a:t>
+              <a:t>4/30/2023</a:t>
             </a:fld>
             <a:endParaRPr lang="en-US"/>
           </a:p>
@@ -1436,7 +1438,7 @@
           <a:p>
             <a:fld id="{2A14C9FE-EBC3-45D3-899C-58AAF4F8AF71}" type="datetimeFigureOut">
               <a:rPr lang="en-US" smtClean="0"/>
-              <a:t>4/29/2023</a:t>
+              <a:t>4/30/2023</a:t>
             </a:fld>
             <a:endParaRPr lang="en-US"/>
           </a:p>
@@ -1848,7 +1850,7 @@
           <a:p>
             <a:fld id="{2A14C9FE-EBC3-45D3-899C-58AAF4F8AF71}" type="datetimeFigureOut">
               <a:rPr lang="en-US" smtClean="0"/>
-              <a:t>4/29/2023</a:t>
+              <a:t>4/30/2023</a:t>
             </a:fld>
             <a:endParaRPr lang="en-US"/>
           </a:p>
@@ -1989,7 +1991,7 @@
           <a:p>
             <a:fld id="{2A14C9FE-EBC3-45D3-899C-58AAF4F8AF71}" type="datetimeFigureOut">
               <a:rPr lang="en-US" smtClean="0"/>
-              <a:t>4/29/2023</a:t>
+              <a:t>4/30/2023</a:t>
             </a:fld>
             <a:endParaRPr lang="en-US"/>
           </a:p>
@@ -2102,7 +2104,7 @@
           <a:p>
             <a:fld id="{2A14C9FE-EBC3-45D3-899C-58AAF4F8AF71}" type="datetimeFigureOut">
               <a:rPr lang="en-US" smtClean="0"/>
-              <a:t>4/29/2023</a:t>
+              <a:t>4/30/2023</a:t>
             </a:fld>
             <a:endParaRPr lang="en-US"/>
           </a:p>
@@ -2413,7 +2415,7 @@
           <a:p>
             <a:fld id="{2A14C9FE-EBC3-45D3-899C-58AAF4F8AF71}" type="datetimeFigureOut">
               <a:rPr lang="en-US" smtClean="0"/>
-              <a:t>4/29/2023</a:t>
+              <a:t>4/30/2023</a:t>
             </a:fld>
             <a:endParaRPr lang="en-US"/>
           </a:p>
@@ -2701,7 +2703,7 @@
           <a:p>
             <a:fld id="{2A14C9FE-EBC3-45D3-899C-58AAF4F8AF71}" type="datetimeFigureOut">
               <a:rPr lang="en-US" smtClean="0"/>
-              <a:t>4/29/2023</a:t>
+              <a:t>4/30/2023</a:t>
             </a:fld>
             <a:endParaRPr lang="en-US"/>
           </a:p>
@@ -2942,7 +2944,7 @@
           <a:p>
             <a:fld id="{2A14C9FE-EBC3-45D3-899C-58AAF4F8AF71}" type="datetimeFigureOut">
               <a:rPr lang="en-US" smtClean="0"/>
-              <a:t>4/29/2023</a:t>
+              <a:t>4/30/2023</a:t>
             </a:fld>
             <a:endParaRPr lang="en-US"/>
           </a:p>
@@ -3552,37 +3554,7 @@
                 <a:latin typeface="Euclid Circular B" panose="020B0504000000000000" pitchFamily="34" charset="0"/>
                 <a:ea typeface="Euclid Circular B" panose="020B0504000000000000" pitchFamily="34" charset="0"/>
               </a:rPr>
-              <a:t>Tye Dashboard</a:t>
-            </a:r>
-            <a:br>
-              <a:rPr lang="tr-TR" b="1" dirty="0">
-                <a:solidFill>
-                  <a:srgbClr val="292D33"/>
-                </a:solidFill>
-                <a:latin typeface="Euclid Circular B" panose="020B0504000000000000" pitchFamily="34" charset="0"/>
-                <a:ea typeface="Euclid Circular B" panose="020B0504000000000000" pitchFamily="34" charset="0"/>
-              </a:rPr>
-            </a:br>
-            <a:r>
-              <a:rPr lang="tr-TR" sz="2000" b="1" dirty="0">
-                <a:solidFill>
-                  <a:srgbClr val="292D33"/>
-                </a:solidFill>
-                <a:latin typeface="Euclid Circular B" panose="020B0504000000000000" pitchFamily="34" charset="0"/>
-                <a:ea typeface="Euclid Circular B" panose="020B0504000000000000" pitchFamily="34" charset="0"/>
-                <a:hlinkClick r:id="rId3"/>
-              </a:rPr>
-              <a:t>http://localhost:8000</a:t>
-            </a:r>
-            <a:r>
-              <a:rPr lang="tr-TR" sz="2000" b="1" dirty="0">
-                <a:solidFill>
-                  <a:srgbClr val="292D33"/>
-                </a:solidFill>
-                <a:latin typeface="Euclid Circular B" panose="020B0504000000000000" pitchFamily="34" charset="0"/>
-                <a:ea typeface="Euclid Circular B" panose="020B0504000000000000" pitchFamily="34" charset="0"/>
-              </a:rPr>
-              <a:t> </a:t>
+              <a:t>Tye: CLI</a:t>
             </a:r>
             <a:endParaRPr lang="en-US" b="1" dirty="0">
               <a:solidFill>
@@ -3594,46 +3566,216 @@
           </a:p>
         </p:txBody>
       </p:sp>
-      <p:pic>
-        <p:nvPicPr>
-          <p:cNvPr id="7" name="Picture 6">
-            <a:extLst>
-              <a:ext uri="{FF2B5EF4-FFF2-40B4-BE49-F238E27FC236}">
-                <a16:creationId xmlns:a16="http://schemas.microsoft.com/office/drawing/2014/main" id="{964585C5-7CEC-9549-0975-E56EF31D178C}"/>
-              </a:ext>
-            </a:extLst>
-          </p:cNvPr>
-          <p:cNvPicPr>
-            <a:picLocks noChangeAspect="1"/>
-          </p:cNvPicPr>
-          <p:nvPr/>
-        </p:nvPicPr>
-        <p:blipFill>
-          <a:blip r:embed="rId4"/>
-          <a:stretch>
-            <a:fillRect/>
-          </a:stretch>
-        </p:blipFill>
-        <p:spPr>
-          <a:xfrm>
-            <a:off x="647369" y="1824797"/>
-            <a:ext cx="9845842" cy="4668078"/>
-          </a:xfrm>
-          <a:prstGeom prst="rect">
-            <a:avLst/>
-          </a:prstGeom>
-        </p:spPr>
-      </p:pic>
+      <p:sp>
+        <p:nvSpPr>
+          <p:cNvPr id="3" name="Content Placeholder 2">
+            <a:extLst>
+              <a:ext uri="{FF2B5EF4-FFF2-40B4-BE49-F238E27FC236}">
+                <a16:creationId xmlns:a16="http://schemas.microsoft.com/office/drawing/2014/main" id="{891C7693-D3DF-4635-96F4-97F3B4136FDF}"/>
+              </a:ext>
+            </a:extLst>
+          </p:cNvPr>
+          <p:cNvSpPr>
+            <a:spLocks noGrp="1"/>
+          </p:cNvSpPr>
+          <p:nvPr>
+            <p:ph idx="1"/>
+          </p:nvPr>
+        </p:nvSpPr>
+        <p:spPr/>
+        <p:txBody>
+          <a:bodyPr anchor="t">
+            <a:normAutofit/>
+          </a:bodyPr>
+          <a:lstStyle/>
+          <a:p>
+            <a:pPr marL="0" indent="0" algn="ctr">
+              <a:buNone/>
+            </a:pPr>
+            <a:endParaRPr lang="tr-TR" sz="4400" dirty="0">
+              <a:latin typeface="Courier New" panose="02070309020205020404" pitchFamily="49" charset="0"/>
+              <a:ea typeface="Euclid Circular B" panose="020B0504000000000000" pitchFamily="34" charset="0"/>
+              <a:cs typeface="Courier New" panose="02070309020205020404" pitchFamily="49" charset="0"/>
+            </a:endParaRPr>
+          </a:p>
+          <a:p>
+            <a:pPr marL="0" indent="0" algn="ctr">
+              <a:buNone/>
+            </a:pPr>
+            <a:r>
+              <a:rPr lang="tr-TR" sz="4400" dirty="0">
+                <a:latin typeface="Courier New" panose="02070309020205020404" pitchFamily="49" charset="0"/>
+                <a:ea typeface="Euclid Circular B" panose="020B0504000000000000" pitchFamily="34" charset="0"/>
+                <a:cs typeface="Courier New" panose="02070309020205020404" pitchFamily="49" charset="0"/>
+              </a:rPr>
+              <a:t>&gt; </a:t>
+            </a:r>
+            <a:r>
+              <a:rPr lang="en-US" sz="4400" b="1" dirty="0" err="1">
+                <a:latin typeface="Courier New" panose="02070309020205020404" pitchFamily="49" charset="0"/>
+                <a:ea typeface="Euclid Circular B" panose="020B0504000000000000" pitchFamily="34" charset="0"/>
+                <a:cs typeface="Courier New" panose="02070309020205020404" pitchFamily="49" charset="0"/>
+              </a:rPr>
+              <a:t>tye</a:t>
+            </a:r>
+            <a:r>
+              <a:rPr lang="en-US" sz="4400" b="1" dirty="0">
+                <a:latin typeface="Courier New" panose="02070309020205020404" pitchFamily="49" charset="0"/>
+                <a:ea typeface="Euclid Circular B" panose="020B0504000000000000" pitchFamily="34" charset="0"/>
+                <a:cs typeface="Courier New" panose="02070309020205020404" pitchFamily="49" charset="0"/>
+              </a:rPr>
+              <a:t> run --watch</a:t>
+            </a:r>
+            <a:endParaRPr lang="tr-TR" sz="4400" b="1" dirty="0">
+              <a:latin typeface="Courier New" panose="02070309020205020404" pitchFamily="49" charset="0"/>
+              <a:ea typeface="Euclid Circular B" panose="020B0504000000000000" pitchFamily="34" charset="0"/>
+              <a:cs typeface="Courier New" panose="02070309020205020404" pitchFamily="49" charset="0"/>
+            </a:endParaRPr>
+          </a:p>
+          <a:p>
+            <a:pPr marL="0" indent="0" algn="ctr">
+              <a:buNone/>
+            </a:pPr>
+            <a:endParaRPr lang="tr-TR" sz="4400" dirty="0">
+              <a:latin typeface="Courier New" panose="02070309020205020404" pitchFamily="49" charset="0"/>
+              <a:ea typeface="Euclid Circular B" panose="020B0504000000000000" pitchFamily="34" charset="0"/>
+              <a:cs typeface="Courier New" panose="02070309020205020404" pitchFamily="49" charset="0"/>
+            </a:endParaRPr>
+          </a:p>
+          <a:p>
+            <a:pPr marL="0" indent="0" algn="ctr">
+              <a:buNone/>
+            </a:pPr>
+            <a:r>
+              <a:rPr lang="tr-TR" sz="2400" u="sng" dirty="0">
+                <a:ea typeface="Euclid Circular B" panose="020B0504000000000000" pitchFamily="34" charset="0"/>
+                <a:cs typeface="Courier New" panose="02070309020205020404" pitchFamily="49" charset="0"/>
+              </a:rPr>
+              <a:t>other commands:</a:t>
+            </a:r>
+            <a:br>
+              <a:rPr lang="tr-TR" sz="2400" dirty="0">
+                <a:ea typeface="Euclid Circular B" panose="020B0504000000000000" pitchFamily="34" charset="0"/>
+                <a:cs typeface="Courier New" panose="02070309020205020404" pitchFamily="49" charset="0"/>
+              </a:rPr>
+            </a:br>
+            <a:r>
+              <a:rPr lang="tr-TR" sz="2400" b="1" dirty="0">
+                <a:latin typeface="Courier New" panose="02070309020205020404" pitchFamily="49" charset="0"/>
+                <a:ea typeface="Euclid Circular B" panose="020B0504000000000000" pitchFamily="34" charset="0"/>
+                <a:cs typeface="Courier New" panose="02070309020205020404" pitchFamily="49" charset="0"/>
+              </a:rPr>
+              <a:t>init, build, push, deploy, undeploy</a:t>
+            </a:r>
+            <a:endParaRPr lang="en-US" sz="2400" b="1" dirty="0">
+              <a:latin typeface="Courier New" panose="02070309020205020404" pitchFamily="49" charset="0"/>
+              <a:ea typeface="Euclid Circular B" panose="020B0504000000000000" pitchFamily="34" charset="0"/>
+              <a:cs typeface="Courier New" panose="02070309020205020404" pitchFamily="49" charset="0"/>
+            </a:endParaRPr>
+          </a:p>
+        </p:txBody>
+      </p:sp>
     </p:spTree>
     <p:extLst>
       <p:ext uri="{BB962C8B-B14F-4D97-AF65-F5344CB8AC3E}">
-        <p14:creationId xmlns:p14="http://schemas.microsoft.com/office/powerpoint/2010/main" val="992001038"/>
+        <p14:creationId xmlns:p14="http://schemas.microsoft.com/office/powerpoint/2010/main" val="2051334138"/>
       </p:ext>
     </p:extLst>
   </p:cSld>
   <p:clrMapOvr>
     <a:masterClrMapping/>
   </p:clrMapOvr>
+  <p:timing>
+    <p:tnLst>
+      <p:par>
+        <p:cTn id="1" dur="indefinite" restart="never" nodeType="tmRoot">
+          <p:childTnLst>
+            <p:seq concurrent="1" nextAc="seek">
+              <p:cTn id="2" dur="indefinite" nodeType="mainSeq">
+                <p:childTnLst>
+                  <p:par>
+                    <p:cTn id="3" fill="hold">
+                      <p:stCondLst>
+                        <p:cond delay="indefinite"/>
+                      </p:stCondLst>
+                      <p:childTnLst>
+                        <p:par>
+                          <p:cTn id="4" fill="hold">
+                            <p:stCondLst>
+                              <p:cond delay="0"/>
+                            </p:stCondLst>
+                            <p:childTnLst>
+                              <p:par>
+                                <p:cTn id="5" presetID="10" presetClass="entr" presetSubtype="0" fill="hold" nodeType="clickEffect">
+                                  <p:stCondLst>
+                                    <p:cond delay="0"/>
+                                  </p:stCondLst>
+                                  <p:childTnLst>
+                                    <p:set>
+                                      <p:cBhvr>
+                                        <p:cTn id="6" dur="1" fill="hold">
+                                          <p:stCondLst>
+                                            <p:cond delay="0"/>
+                                          </p:stCondLst>
+                                        </p:cTn>
+                                        <p:tgtEl>
+                                          <p:spTgt spid="3">
+                                            <p:txEl>
+                                              <p:pRg st="3" end="3"/>
+                                            </p:txEl>
+                                          </p:spTgt>
+                                        </p:tgtEl>
+                                        <p:attrNameLst>
+                                          <p:attrName>style.visibility</p:attrName>
+                                        </p:attrNameLst>
+                                      </p:cBhvr>
+                                      <p:to>
+                                        <p:strVal val="visible"/>
+                                      </p:to>
+                                    </p:set>
+                                    <p:animEffect transition="in" filter="fade">
+                                      <p:cBhvr>
+                                        <p:cTn id="7" dur="500"/>
+                                        <p:tgtEl>
+                                          <p:spTgt spid="3">
+                                            <p:txEl>
+                                              <p:pRg st="3" end="3"/>
+                                            </p:txEl>
+                                          </p:spTgt>
+                                        </p:tgtEl>
+                                      </p:cBhvr>
+                                    </p:animEffect>
+                                  </p:childTnLst>
+                                </p:cTn>
+                              </p:par>
+                            </p:childTnLst>
+                          </p:cTn>
+                        </p:par>
+                      </p:childTnLst>
+                    </p:cTn>
+                  </p:par>
+                </p:childTnLst>
+              </p:cTn>
+              <p:prevCondLst>
+                <p:cond evt="onPrev" delay="0">
+                  <p:tgtEl>
+                    <p:sldTgt/>
+                  </p:tgtEl>
+                </p:cond>
+              </p:prevCondLst>
+              <p:nextCondLst>
+                <p:cond evt="onNext" delay="0">
+                  <p:tgtEl>
+                    <p:sldTgt/>
+                  </p:tgtEl>
+                </p:cond>
+              </p:nextCondLst>
+            </p:seq>
+          </p:childTnLst>
+        </p:cTn>
+      </p:par>
+    </p:tnLst>
+  </p:timing>
 </p:sld>
 </file>
 
@@ -3690,53 +3832,89 @@
           <a:lstStyle/>
           <a:p>
             <a:r>
-              <a:rPr lang="en-US" b="1" dirty="0">
+              <a:rPr lang="tr-TR" b="1" dirty="0">
                 <a:solidFill>
                   <a:srgbClr val="292D33"/>
                 </a:solidFill>
                 <a:latin typeface="Euclid Circular B" panose="020B0504000000000000" pitchFamily="34" charset="0"/>
                 <a:ea typeface="Euclid Circular B" panose="020B0504000000000000" pitchFamily="34" charset="0"/>
               </a:rPr>
-              <a:t>Topic title</a:t>
-            </a:r>
-          </a:p>
-        </p:txBody>
-      </p:sp>
-      <p:sp>
-        <p:nvSpPr>
-          <p:cNvPr id="3" name="Content Placeholder 2">
-            <a:extLst>
-              <a:ext uri="{FF2B5EF4-FFF2-40B4-BE49-F238E27FC236}">
-                <a16:creationId xmlns:a16="http://schemas.microsoft.com/office/drawing/2014/main" id="{891C7693-D3DF-4635-96F4-97F3B4136FDF}"/>
-              </a:ext>
-            </a:extLst>
-          </p:cNvPr>
-          <p:cNvSpPr>
-            <a:spLocks noGrp="1"/>
-          </p:cNvSpPr>
-          <p:nvPr>
-            <p:ph idx="1"/>
-          </p:nvPr>
-        </p:nvSpPr>
-        <p:spPr/>
-        <p:txBody>
-          <a:bodyPr/>
-          <a:lstStyle/>
-          <a:p>
-            <a:r>
-              <a:rPr lang="en-US" dirty="0">
+              <a:t>Tye: Dashboard</a:t>
+            </a:r>
+            <a:br>
+              <a:rPr lang="tr-TR" b="1" dirty="0">
+                <a:solidFill>
+                  <a:srgbClr val="292D33"/>
+                </a:solidFill>
                 <a:latin typeface="Euclid Circular B" panose="020B0504000000000000" pitchFamily="34" charset="0"/>
                 <a:ea typeface="Euclid Circular B" panose="020B0504000000000000" pitchFamily="34" charset="0"/>
               </a:rPr>
-              <a:t>Content</a:t>
-            </a:r>
-          </a:p>
-        </p:txBody>
-      </p:sp>
+            </a:br>
+            <a:r>
+              <a:rPr lang="tr-TR" sz="2000" b="1" dirty="0">
+                <a:solidFill>
+                  <a:srgbClr val="292D33"/>
+                </a:solidFill>
+                <a:latin typeface="Euclid Circular B" panose="020B0504000000000000" pitchFamily="34" charset="0"/>
+                <a:ea typeface="Euclid Circular B" panose="020B0504000000000000" pitchFamily="34" charset="0"/>
+                <a:hlinkClick r:id="rId3"/>
+              </a:rPr>
+              <a:t>http://localhost:8000</a:t>
+            </a:r>
+            <a:r>
+              <a:rPr lang="tr-TR" sz="2000" b="1" dirty="0">
+                <a:solidFill>
+                  <a:srgbClr val="292D33"/>
+                </a:solidFill>
+                <a:latin typeface="Euclid Circular B" panose="020B0504000000000000" pitchFamily="34" charset="0"/>
+                <a:ea typeface="Euclid Circular B" panose="020B0504000000000000" pitchFamily="34" charset="0"/>
+              </a:rPr>
+              <a:t> </a:t>
+            </a:r>
+            <a:endParaRPr lang="en-US" b="1" dirty="0">
+              <a:solidFill>
+                <a:srgbClr val="292D33"/>
+              </a:solidFill>
+              <a:latin typeface="Euclid Circular B" panose="020B0504000000000000" pitchFamily="34" charset="0"/>
+              <a:ea typeface="Euclid Circular B" panose="020B0504000000000000" pitchFamily="34" charset="0"/>
+            </a:endParaRPr>
+          </a:p>
+        </p:txBody>
+      </p:sp>
+      <p:pic>
+        <p:nvPicPr>
+          <p:cNvPr id="7" name="Picture 6">
+            <a:extLst>
+              <a:ext uri="{FF2B5EF4-FFF2-40B4-BE49-F238E27FC236}">
+                <a16:creationId xmlns:a16="http://schemas.microsoft.com/office/drawing/2014/main" id="{964585C5-7CEC-9549-0975-E56EF31D178C}"/>
+              </a:ext>
+            </a:extLst>
+          </p:cNvPr>
+          <p:cNvPicPr>
+            <a:picLocks noChangeAspect="1"/>
+          </p:cNvPicPr>
+          <p:nvPr/>
+        </p:nvPicPr>
+        <p:blipFill>
+          <a:blip r:embed="rId4"/>
+          <a:stretch>
+            <a:fillRect/>
+          </a:stretch>
+        </p:blipFill>
+        <p:spPr>
+          <a:xfrm>
+            <a:off x="647369" y="1824797"/>
+            <a:ext cx="9845842" cy="4668078"/>
+          </a:xfrm>
+          <a:prstGeom prst="rect">
+            <a:avLst/>
+          </a:prstGeom>
+        </p:spPr>
+      </p:pic>
     </p:spTree>
     <p:extLst>
       <p:ext uri="{BB962C8B-B14F-4D97-AF65-F5344CB8AC3E}">
-        <p14:creationId xmlns:p14="http://schemas.microsoft.com/office/powerpoint/2010/main" val="1267065647"/>
+        <p14:creationId xmlns:p14="http://schemas.microsoft.com/office/powerpoint/2010/main" val="992001038"/>
       </p:ext>
     </p:extLst>
   </p:cSld>
@@ -3799,15 +3977,22 @@
           <a:lstStyle/>
           <a:p>
             <a:r>
-              <a:rPr lang="en-US" b="1" dirty="0">
+              <a:rPr lang="tr-TR" b="1" dirty="0">
                 <a:solidFill>
                   <a:srgbClr val="292D33"/>
                 </a:solidFill>
                 <a:latin typeface="Euclid Circular B" panose="020B0504000000000000" pitchFamily="34" charset="0"/>
                 <a:ea typeface="Euclid Circular B" panose="020B0504000000000000" pitchFamily="34" charset="0"/>
               </a:rPr>
-              <a:t>Topic title</a:t>
-            </a:r>
+              <a:t>Tye: Demo</a:t>
+            </a:r>
+            <a:endParaRPr lang="en-US" b="1" dirty="0">
+              <a:solidFill>
+                <a:srgbClr val="292D33"/>
+              </a:solidFill>
+              <a:latin typeface="Euclid Circular B" panose="020B0504000000000000" pitchFamily="34" charset="0"/>
+              <a:ea typeface="Euclid Circular B" panose="020B0504000000000000" pitchFamily="34" charset="0"/>
+            </a:endParaRPr>
           </a:p>
         </p:txBody>
       </p:sp>
@@ -3829,23 +4014,50 @@
         </p:nvSpPr>
         <p:spPr/>
         <p:txBody>
-          <a:bodyPr/>
+          <a:bodyPr>
+            <a:normAutofit/>
+          </a:bodyPr>
           <a:lstStyle/>
           <a:p>
-            <a:r>
-              <a:rPr lang="en-US" dirty="0">
+            <a:pPr marL="0" indent="0" algn="ctr">
+              <a:buNone/>
+            </a:pPr>
+            <a:endParaRPr lang="tr-TR" sz="4800" i="1" dirty="0">
+              <a:solidFill>
+                <a:srgbClr val="C00000"/>
+              </a:solidFill>
+              <a:latin typeface="Euclid Circular B" panose="020B0504000000000000" pitchFamily="34" charset="0"/>
+              <a:ea typeface="Euclid Circular B" panose="020B0504000000000000" pitchFamily="34" charset="0"/>
+            </a:endParaRPr>
+          </a:p>
+          <a:p>
+            <a:pPr marL="0" indent="0" algn="ctr">
+              <a:buNone/>
+            </a:pPr>
+            <a:r>
+              <a:rPr lang="tr-TR" sz="12000" i="1" dirty="0">
+                <a:solidFill>
+                  <a:srgbClr val="C00000"/>
+                </a:solidFill>
                 <a:latin typeface="Euclid Circular B" panose="020B0504000000000000" pitchFamily="34" charset="0"/>
                 <a:ea typeface="Euclid Circular B" panose="020B0504000000000000" pitchFamily="34" charset="0"/>
               </a:rPr>
-              <a:t>Content</a:t>
-            </a:r>
+              <a:t>DEMO..!</a:t>
+            </a:r>
+            <a:endParaRPr lang="en-US" sz="12000" i="1" dirty="0">
+              <a:solidFill>
+                <a:srgbClr val="C00000"/>
+              </a:solidFill>
+              <a:latin typeface="Euclid Circular B" panose="020B0504000000000000" pitchFamily="34" charset="0"/>
+              <a:ea typeface="Euclid Circular B" panose="020B0504000000000000" pitchFamily="34" charset="0"/>
+            </a:endParaRPr>
           </a:p>
         </p:txBody>
       </p:sp>
     </p:spTree>
     <p:extLst>
       <p:ext uri="{BB962C8B-B14F-4D97-AF65-F5344CB8AC3E}">
-        <p14:creationId xmlns:p14="http://schemas.microsoft.com/office/powerpoint/2010/main" val="1222627661"/>
+        <p14:creationId xmlns:p14="http://schemas.microsoft.com/office/powerpoint/2010/main" val="1267065647"/>
       </p:ext>
     </p:extLst>
   </p:cSld>
@@ -3908,15 +4120,22 @@
           <a:lstStyle/>
           <a:p>
             <a:r>
-              <a:rPr lang="en-US" b="1" dirty="0">
+              <a:rPr lang="tr-TR" b="1" dirty="0">
                 <a:solidFill>
                   <a:srgbClr val="292D33"/>
                 </a:solidFill>
                 <a:latin typeface="Euclid Circular B" panose="020B0504000000000000" pitchFamily="34" charset="0"/>
                 <a:ea typeface="Euclid Circular B" panose="020B0504000000000000" pitchFamily="34" charset="0"/>
               </a:rPr>
-              <a:t>Topic title</a:t>
-            </a:r>
+              <a:t>Tye: Shortcomings</a:t>
+            </a:r>
+            <a:endParaRPr lang="en-US" b="1" dirty="0">
+              <a:solidFill>
+                <a:srgbClr val="292D33"/>
+              </a:solidFill>
+              <a:latin typeface="Euclid Circular B" panose="020B0504000000000000" pitchFamily="34" charset="0"/>
+              <a:ea typeface="Euclid Circular B" panose="020B0504000000000000" pitchFamily="34" charset="0"/>
+            </a:endParaRPr>
           </a:p>
         </p:txBody>
       </p:sp>
@@ -3936,17 +4155,152 @@
             <p:ph idx="1"/>
           </p:nvPr>
         </p:nvSpPr>
-        <p:spPr/>
+        <p:spPr>
+          <a:xfrm>
+            <a:off x="838199" y="1825625"/>
+            <a:ext cx="10826363" cy="4351338"/>
+          </a:xfrm>
+        </p:spPr>
         <p:txBody>
           <a:bodyPr/>
           <a:lstStyle/>
           <a:p>
             <a:r>
-              <a:rPr lang="en-US" dirty="0">
+              <a:rPr lang="tr-TR" b="1" dirty="0">
                 <a:latin typeface="Euclid Circular B" panose="020B0504000000000000" pitchFamily="34" charset="0"/>
                 <a:ea typeface="Euclid Circular B" panose="020B0504000000000000" pitchFamily="34" charset="0"/>
               </a:rPr>
-              <a:t>Content</a:t>
+              <a:t>Slow start </a:t>
+            </a:r>
+            <a:r>
+              <a:rPr lang="tr-TR" dirty="0">
+                <a:latin typeface="Euclid Circular B" panose="020B0504000000000000" pitchFamily="34" charset="0"/>
+                <a:ea typeface="Euclid Circular B" panose="020B0504000000000000" pitchFamily="34" charset="0"/>
+              </a:rPr>
+              <a:t>(every time builds all): 60-70 seconds to run 10 applications</a:t>
+            </a:r>
+          </a:p>
+          <a:p>
+            <a:r>
+              <a:rPr lang="tr-TR" dirty="0">
+                <a:latin typeface="Euclid Circular B" panose="020B0504000000000000" pitchFamily="34" charset="0"/>
+                <a:ea typeface="Euclid Circular B" panose="020B0504000000000000" pitchFamily="34" charset="0"/>
+              </a:rPr>
+              <a:t>Can only run </a:t>
+            </a:r>
+            <a:r>
+              <a:rPr lang="tr-TR" b="1" dirty="0">
+                <a:latin typeface="Euclid Circular B" panose="020B0504000000000000" pitchFamily="34" charset="0"/>
+                <a:ea typeface="Euclid Circular B" panose="020B0504000000000000" pitchFamily="34" charset="0"/>
+              </a:rPr>
+              <a:t>all locally</a:t>
+            </a:r>
+            <a:endParaRPr lang="en-US" b="1" dirty="0">
+              <a:latin typeface="Euclid Circular B" panose="020B0504000000000000" pitchFamily="34" charset="0"/>
+              <a:ea typeface="Euclid Circular B" panose="020B0504000000000000" pitchFamily="34" charset="0"/>
+            </a:endParaRPr>
+          </a:p>
+          <a:p>
+            <a:r>
+              <a:rPr lang="tr-TR" b="1" dirty="0">
+                <a:latin typeface="Euclid Circular B" panose="020B0504000000000000" pitchFamily="34" charset="0"/>
+                <a:ea typeface="Euclid Circular B" panose="020B0504000000000000" pitchFamily="34" charset="0"/>
+              </a:rPr>
+              <a:t>Simple UI</a:t>
+            </a:r>
+            <a:r>
+              <a:rPr lang="tr-TR" dirty="0">
+                <a:latin typeface="Euclid Circular B" panose="020B0504000000000000" pitchFamily="34" charset="0"/>
+                <a:ea typeface="Euclid Circular B" panose="020B0504000000000000" pitchFamily="34" charset="0"/>
+              </a:rPr>
+              <a:t>: No control on services</a:t>
+            </a:r>
+          </a:p>
+          <a:p>
+            <a:pPr lvl="1"/>
+            <a:r>
+              <a:rPr lang="tr-TR" dirty="0">
+                <a:latin typeface="Euclid Circular B" panose="020B0504000000000000" pitchFamily="34" charset="0"/>
+                <a:ea typeface="Euclid Circular B" panose="020B0504000000000000" pitchFamily="34" charset="0"/>
+              </a:rPr>
+              <a:t>No way to </a:t>
+            </a:r>
+            <a:r>
+              <a:rPr lang="tr-TR" b="1" dirty="0">
+                <a:latin typeface="Euclid Circular B" panose="020B0504000000000000" pitchFamily="34" charset="0"/>
+                <a:ea typeface="Euclid Circular B" panose="020B0504000000000000" pitchFamily="34" charset="0"/>
+              </a:rPr>
+              <a:t>stop / restart a single service </a:t>
+            </a:r>
+            <a:r>
+              <a:rPr lang="tr-TR" dirty="0">
+                <a:latin typeface="Euclid Circular B" panose="020B0504000000000000" pitchFamily="34" charset="0"/>
+                <a:ea typeface="Euclid Circular B" panose="020B0504000000000000" pitchFamily="34" charset="0"/>
+              </a:rPr>
+              <a:t>manually (only stop all)</a:t>
+            </a:r>
+          </a:p>
+          <a:p>
+            <a:pPr lvl="1"/>
+            <a:r>
+              <a:rPr lang="tr-TR" dirty="0">
+                <a:latin typeface="Euclid Circular B" panose="020B0504000000000000" pitchFamily="34" charset="0"/>
+                <a:ea typeface="Euclid Circular B" panose="020B0504000000000000" pitchFamily="34" charset="0"/>
+              </a:rPr>
+              <a:t>No information about </a:t>
+            </a:r>
+            <a:r>
+              <a:rPr lang="tr-TR" b="1" dirty="0">
+                <a:latin typeface="Euclid Circular B" panose="020B0504000000000000" pitchFamily="34" charset="0"/>
+                <a:ea typeface="Euclid Circular B" panose="020B0504000000000000" pitchFamily="34" charset="0"/>
+              </a:rPr>
+              <a:t>internals </a:t>
+            </a:r>
+            <a:r>
+              <a:rPr lang="tr-TR" dirty="0">
+                <a:latin typeface="Euclid Circular B" panose="020B0504000000000000" pitchFamily="34" charset="0"/>
+                <a:ea typeface="Euclid Circular B" panose="020B0504000000000000" pitchFamily="34" charset="0"/>
+              </a:rPr>
+              <a:t>of services</a:t>
+            </a:r>
+          </a:p>
+          <a:p>
+            <a:r>
+              <a:rPr lang="tr-TR" dirty="0">
+                <a:latin typeface="Euclid Circular B" panose="020B0504000000000000" pitchFamily="34" charset="0"/>
+                <a:ea typeface="Euclid Circular B" panose="020B0504000000000000" pitchFamily="34" charset="0"/>
+              </a:rPr>
+              <a:t>Lack of </a:t>
+            </a:r>
+            <a:r>
+              <a:rPr lang="tr-TR" b="1" dirty="0">
+                <a:latin typeface="Euclid Circular B" panose="020B0504000000000000" pitchFamily="34" charset="0"/>
+                <a:ea typeface="Euclid Circular B" panose="020B0504000000000000" pitchFamily="34" charset="0"/>
+              </a:rPr>
+              <a:t>documentation</a:t>
+            </a:r>
+          </a:p>
+          <a:p>
+            <a:r>
+              <a:rPr lang="tr-TR" dirty="0">
+                <a:latin typeface="Euclid Circular B" panose="020B0504000000000000" pitchFamily="34" charset="0"/>
+                <a:ea typeface="Euclid Circular B" panose="020B0504000000000000" pitchFamily="34" charset="0"/>
+              </a:rPr>
+              <a:t>No </a:t>
+            </a:r>
+            <a:r>
+              <a:rPr lang="tr-TR" b="1" dirty="0">
+                <a:latin typeface="Euclid Circular B" panose="020B0504000000000000" pitchFamily="34" charset="0"/>
+                <a:ea typeface="Euclid Circular B" panose="020B0504000000000000" pitchFamily="34" charset="0"/>
+              </a:rPr>
+              <a:t>active development</a:t>
+            </a:r>
+            <a:r>
+              <a:rPr lang="tr-TR" dirty="0">
+                <a:latin typeface="Euclid Circular B" panose="020B0504000000000000" pitchFamily="34" charset="0"/>
+                <a:ea typeface="Euclid Circular B" panose="020B0504000000000000" pitchFamily="34" charset="0"/>
+              </a:rPr>
+              <a:t> on GitHub</a:t>
             </a:r>
           </a:p>
         </p:txBody>
@@ -3954,7 +4308,7 @@
     </p:spTree>
     <p:extLst>
       <p:ext uri="{BB962C8B-B14F-4D97-AF65-F5344CB8AC3E}">
-        <p14:creationId xmlns:p14="http://schemas.microsoft.com/office/powerpoint/2010/main" val="667745699"/>
+        <p14:creationId xmlns:p14="http://schemas.microsoft.com/office/powerpoint/2010/main" val="709605694"/>
       </p:ext>
     </p:extLst>
   </p:cSld>
@@ -4017,15 +4371,22 @@
           <a:lstStyle/>
           <a:p>
             <a:r>
-              <a:rPr lang="en-US" b="1" dirty="0">
+              <a:rPr lang="tr-TR" b="1" dirty="0">
                 <a:solidFill>
                   <a:srgbClr val="292D33"/>
                 </a:solidFill>
                 <a:latin typeface="Euclid Circular B" panose="020B0504000000000000" pitchFamily="34" charset="0"/>
                 <a:ea typeface="Euclid Circular B" panose="020B0504000000000000" pitchFamily="34" charset="0"/>
               </a:rPr>
-              <a:t>Topic title</a:t>
-            </a:r>
+              <a:t>ABP Studio</a:t>
+            </a:r>
+            <a:endParaRPr lang="en-US" b="1" dirty="0">
+              <a:solidFill>
+                <a:srgbClr val="292D33"/>
+              </a:solidFill>
+              <a:latin typeface="Euclid Circular B" panose="020B0504000000000000" pitchFamily="34" charset="0"/>
+              <a:ea typeface="Euclid Circular B" panose="020B0504000000000000" pitchFamily="34" charset="0"/>
+            </a:endParaRPr>
           </a:p>
         </p:txBody>
       </p:sp>
@@ -4063,7 +4424,7 @@
     </p:spTree>
     <p:extLst>
       <p:ext uri="{BB962C8B-B14F-4D97-AF65-F5344CB8AC3E}">
-        <p14:creationId xmlns:p14="http://schemas.microsoft.com/office/powerpoint/2010/main" val="709605694"/>
+        <p14:creationId xmlns:p14="http://schemas.microsoft.com/office/powerpoint/2010/main" val="1222627661"/>
       </p:ext>
     </p:extLst>
   </p:cSld>
@@ -4126,15 +4487,22 @@
           <a:lstStyle/>
           <a:p>
             <a:r>
-              <a:rPr lang="en-US" b="1" dirty="0">
+              <a:rPr lang="tr-TR" b="1" dirty="0">
                 <a:solidFill>
                   <a:srgbClr val="292D33"/>
                 </a:solidFill>
                 <a:latin typeface="Euclid Circular B" panose="020B0504000000000000" pitchFamily="34" charset="0"/>
                 <a:ea typeface="Euclid Circular B" panose="020B0504000000000000" pitchFamily="34" charset="0"/>
               </a:rPr>
-              <a:t>Topic title</a:t>
-            </a:r>
+              <a:t>ABP Studio: Solution Runner</a:t>
+            </a:r>
+            <a:endParaRPr lang="en-US" b="1" dirty="0">
+              <a:solidFill>
+                <a:srgbClr val="292D33"/>
+              </a:solidFill>
+              <a:latin typeface="Euclid Circular B" panose="020B0504000000000000" pitchFamily="34" charset="0"/>
+              <a:ea typeface="Euclid Circular B" panose="020B0504000000000000" pitchFamily="34" charset="0"/>
+            </a:endParaRPr>
           </a:p>
         </p:txBody>
       </p:sp>
@@ -4172,7 +4540,7 @@
     </p:spTree>
     <p:extLst>
       <p:ext uri="{BB962C8B-B14F-4D97-AF65-F5344CB8AC3E}">
-        <p14:creationId xmlns:p14="http://schemas.microsoft.com/office/powerpoint/2010/main" val="3906135550"/>
+        <p14:creationId xmlns:p14="http://schemas.microsoft.com/office/powerpoint/2010/main" val="667745699"/>
       </p:ext>
     </p:extLst>
   </p:cSld>
@@ -4235,24 +4603,31 @@
           <a:lstStyle/>
           <a:p>
             <a:r>
-              <a:rPr lang="en-US" b="1" dirty="0">
+              <a:rPr lang="tr-TR" b="1" dirty="0">
                 <a:solidFill>
                   <a:srgbClr val="292D33"/>
                 </a:solidFill>
                 <a:latin typeface="Euclid Circular B" panose="020B0504000000000000" pitchFamily="34" charset="0"/>
                 <a:ea typeface="Euclid Circular B" panose="020B0504000000000000" pitchFamily="34" charset="0"/>
               </a:rPr>
-              <a:t>Topic title</a:t>
-            </a:r>
-          </a:p>
-        </p:txBody>
-      </p:sp>
-      <p:sp>
-        <p:nvSpPr>
-          <p:cNvPr id="3" name="Content Placeholder 2">
-            <a:extLst>
-              <a:ext uri="{FF2B5EF4-FFF2-40B4-BE49-F238E27FC236}">
-                <a16:creationId xmlns:a16="http://schemas.microsoft.com/office/drawing/2014/main" id="{891C7693-D3DF-4635-96F4-97F3B4136FDF}"/>
+              <a:t>ABP Studio: Solution Runner</a:t>
+            </a:r>
+            <a:endParaRPr lang="en-US" b="1" dirty="0">
+              <a:solidFill>
+                <a:srgbClr val="292D33"/>
+              </a:solidFill>
+              <a:latin typeface="Euclid Circular B" panose="020B0504000000000000" pitchFamily="34" charset="0"/>
+              <a:ea typeface="Euclid Circular B" panose="020B0504000000000000" pitchFamily="34" charset="0"/>
+            </a:endParaRPr>
+          </a:p>
+        </p:txBody>
+      </p:sp>
+      <p:sp>
+        <p:nvSpPr>
+          <p:cNvPr id="6" name="Content Placeholder 2">
+            <a:extLst>
+              <a:ext uri="{FF2B5EF4-FFF2-40B4-BE49-F238E27FC236}">
+                <a16:creationId xmlns:a16="http://schemas.microsoft.com/office/drawing/2014/main" id="{435D6ABC-AF7E-3211-9BCA-2A12F2A2B5DD}"/>
               </a:ext>
             </a:extLst>
           </p:cNvPr>
@@ -4263,25 +4638,57 @@
             <p:ph idx="1"/>
           </p:nvPr>
         </p:nvSpPr>
-        <p:spPr/>
-        <p:txBody>
-          <a:bodyPr/>
+        <p:spPr>
+          <a:xfrm>
+            <a:off x="838200" y="1825625"/>
+            <a:ext cx="10515600" cy="4351338"/>
+          </a:xfrm>
+        </p:spPr>
+        <p:txBody>
+          <a:bodyPr>
+            <a:normAutofit/>
+          </a:bodyPr>
           <a:lstStyle/>
           <a:p>
-            <a:r>
-              <a:rPr lang="en-US" dirty="0">
+            <a:pPr marL="0" indent="0" algn="ctr">
+              <a:buNone/>
+            </a:pPr>
+            <a:endParaRPr lang="tr-TR" sz="4800" i="1" dirty="0">
+              <a:solidFill>
+                <a:srgbClr val="C00000"/>
+              </a:solidFill>
+              <a:latin typeface="Euclid Circular B" panose="020B0504000000000000" pitchFamily="34" charset="0"/>
+              <a:ea typeface="Euclid Circular B" panose="020B0504000000000000" pitchFamily="34" charset="0"/>
+            </a:endParaRPr>
+          </a:p>
+          <a:p>
+            <a:pPr marL="0" indent="0" algn="ctr">
+              <a:buNone/>
+            </a:pPr>
+            <a:r>
+              <a:rPr lang="tr-TR" sz="12000" i="1" dirty="0">
+                <a:solidFill>
+                  <a:srgbClr val="C00000"/>
+                </a:solidFill>
                 <a:latin typeface="Euclid Circular B" panose="020B0504000000000000" pitchFamily="34" charset="0"/>
                 <a:ea typeface="Euclid Circular B" panose="020B0504000000000000" pitchFamily="34" charset="0"/>
               </a:rPr>
-              <a:t>Content</a:t>
-            </a:r>
+              <a:t>DEMO..!</a:t>
+            </a:r>
+            <a:endParaRPr lang="en-US" sz="12000" i="1" dirty="0">
+              <a:solidFill>
+                <a:srgbClr val="C00000"/>
+              </a:solidFill>
+              <a:latin typeface="Euclid Circular B" panose="020B0504000000000000" pitchFamily="34" charset="0"/>
+              <a:ea typeface="Euclid Circular B" panose="020B0504000000000000" pitchFamily="34" charset="0"/>
+            </a:endParaRPr>
           </a:p>
         </p:txBody>
       </p:sp>
     </p:spTree>
     <p:extLst>
       <p:ext uri="{BB962C8B-B14F-4D97-AF65-F5344CB8AC3E}">
-        <p14:creationId xmlns:p14="http://schemas.microsoft.com/office/powerpoint/2010/main" val="1647554329"/>
+        <p14:creationId xmlns:p14="http://schemas.microsoft.com/office/powerpoint/2010/main" val="228551560"/>
       </p:ext>
     </p:extLst>
   </p:cSld>
@@ -4390,7 +4797,7 @@
     </p:spTree>
     <p:extLst>
       <p:ext uri="{BB962C8B-B14F-4D97-AF65-F5344CB8AC3E}">
-        <p14:creationId xmlns:p14="http://schemas.microsoft.com/office/powerpoint/2010/main" val="2126704615"/>
+        <p14:creationId xmlns:p14="http://schemas.microsoft.com/office/powerpoint/2010/main" val="3906135550"/>
       </p:ext>
     </p:extLst>
   </p:cSld>
@@ -4499,7 +4906,7 @@
     </p:spTree>
     <p:extLst>
       <p:ext uri="{BB962C8B-B14F-4D97-AF65-F5344CB8AC3E}">
-        <p14:creationId xmlns:p14="http://schemas.microsoft.com/office/powerpoint/2010/main" val="927134514"/>
+        <p14:creationId xmlns:p14="http://schemas.microsoft.com/office/powerpoint/2010/main" val="1647554329"/>
       </p:ext>
     </p:extLst>
   </p:cSld>
@@ -4608,7 +5015,7 @@
     </p:spTree>
     <p:extLst>
       <p:ext uri="{BB962C8B-B14F-4D97-AF65-F5344CB8AC3E}">
-        <p14:creationId xmlns:p14="http://schemas.microsoft.com/office/powerpoint/2010/main" val="641461654"/>
+        <p14:creationId xmlns:p14="http://schemas.microsoft.com/office/powerpoint/2010/main" val="2126704615"/>
       </p:ext>
     </p:extLst>
   </p:cSld>
@@ -5867,7 +6274,7 @@
     </p:spTree>
     <p:extLst>
       <p:ext uri="{BB962C8B-B14F-4D97-AF65-F5344CB8AC3E}">
-        <p14:creationId xmlns:p14="http://schemas.microsoft.com/office/powerpoint/2010/main" val="2810211328"/>
+        <p14:creationId xmlns:p14="http://schemas.microsoft.com/office/powerpoint/2010/main" val="927134514"/>
       </p:ext>
     </p:extLst>
   </p:cSld>
@@ -5976,7 +6383,7 @@
     </p:spTree>
     <p:extLst>
       <p:ext uri="{BB962C8B-B14F-4D97-AF65-F5344CB8AC3E}">
-        <p14:creationId xmlns:p14="http://schemas.microsoft.com/office/powerpoint/2010/main" val="895767816"/>
+        <p14:creationId xmlns:p14="http://schemas.microsoft.com/office/powerpoint/2010/main" val="641461654"/>
       </p:ext>
     </p:extLst>
   </p:cSld>
@@ -6085,7 +6492,7 @@
     </p:spTree>
     <p:extLst>
       <p:ext uri="{BB962C8B-B14F-4D97-AF65-F5344CB8AC3E}">
-        <p14:creationId xmlns:p14="http://schemas.microsoft.com/office/powerpoint/2010/main" val="1363764961"/>
+        <p14:creationId xmlns:p14="http://schemas.microsoft.com/office/powerpoint/2010/main" val="2810211328"/>
       </p:ext>
     </p:extLst>
   </p:cSld>
@@ -6194,7 +6601,7 @@
     </p:spTree>
     <p:extLst>
       <p:ext uri="{BB962C8B-B14F-4D97-AF65-F5344CB8AC3E}">
-        <p14:creationId xmlns:p14="http://schemas.microsoft.com/office/powerpoint/2010/main" val="2960361966"/>
+        <p14:creationId xmlns:p14="http://schemas.microsoft.com/office/powerpoint/2010/main" val="895767816"/>
       </p:ext>
     </p:extLst>
   </p:cSld>
@@ -6303,7 +6710,7 @@
     </p:spTree>
     <p:extLst>
       <p:ext uri="{BB962C8B-B14F-4D97-AF65-F5344CB8AC3E}">
-        <p14:creationId xmlns:p14="http://schemas.microsoft.com/office/powerpoint/2010/main" val="1720385134"/>
+        <p14:creationId xmlns:p14="http://schemas.microsoft.com/office/powerpoint/2010/main" val="1363764961"/>
       </p:ext>
     </p:extLst>
   </p:cSld>
@@ -6412,7 +6819,7 @@
     </p:spTree>
     <p:extLst>
       <p:ext uri="{BB962C8B-B14F-4D97-AF65-F5344CB8AC3E}">
-        <p14:creationId xmlns:p14="http://schemas.microsoft.com/office/powerpoint/2010/main" val="48548191"/>
+        <p14:creationId xmlns:p14="http://schemas.microsoft.com/office/powerpoint/2010/main" val="2960361966"/>
       </p:ext>
     </p:extLst>
   </p:cSld>
@@ -6521,7 +6928,7 @@
     </p:spTree>
     <p:extLst>
       <p:ext uri="{BB962C8B-B14F-4D97-AF65-F5344CB8AC3E}">
-        <p14:creationId xmlns:p14="http://schemas.microsoft.com/office/powerpoint/2010/main" val="235997505"/>
+        <p14:creationId xmlns:p14="http://schemas.microsoft.com/office/powerpoint/2010/main" val="1720385134"/>
       </p:ext>
     </p:extLst>
   </p:cSld>
@@ -6630,7 +7037,7 @@
     </p:spTree>
     <p:extLst>
       <p:ext uri="{BB962C8B-B14F-4D97-AF65-F5344CB8AC3E}">
-        <p14:creationId xmlns:p14="http://schemas.microsoft.com/office/powerpoint/2010/main" val="90997006"/>
+        <p14:creationId xmlns:p14="http://schemas.microsoft.com/office/powerpoint/2010/main" val="48548191"/>
       </p:ext>
     </p:extLst>
   </p:cSld>
@@ -6739,7 +7146,7 @@
     </p:spTree>
     <p:extLst>
       <p:ext uri="{BB962C8B-B14F-4D97-AF65-F5344CB8AC3E}">
-        <p14:creationId xmlns:p14="http://schemas.microsoft.com/office/powerpoint/2010/main" val="1732381805"/>
+        <p14:creationId xmlns:p14="http://schemas.microsoft.com/office/powerpoint/2010/main" val="235997505"/>
       </p:ext>
     </p:extLst>
   </p:cSld>
@@ -6848,7 +7255,7 @@
     </p:spTree>
     <p:extLst>
       <p:ext uri="{BB962C8B-B14F-4D97-AF65-F5344CB8AC3E}">
-        <p14:creationId xmlns:p14="http://schemas.microsoft.com/office/powerpoint/2010/main" val="3392842696"/>
+        <p14:creationId xmlns:p14="http://schemas.microsoft.com/office/powerpoint/2010/main" val="90997006"/>
       </p:ext>
     </p:extLst>
   </p:cSld>
@@ -7399,7 +7806,7 @@
     </p:spTree>
     <p:extLst>
       <p:ext uri="{BB962C8B-B14F-4D97-AF65-F5344CB8AC3E}">
-        <p14:creationId xmlns:p14="http://schemas.microsoft.com/office/powerpoint/2010/main" val="1311148505"/>
+        <p14:creationId xmlns:p14="http://schemas.microsoft.com/office/powerpoint/2010/main" val="1732381805"/>
       </p:ext>
     </p:extLst>
   </p:cSld>
@@ -7508,7 +7915,7 @@
     </p:spTree>
     <p:extLst>
       <p:ext uri="{BB962C8B-B14F-4D97-AF65-F5344CB8AC3E}">
-        <p14:creationId xmlns:p14="http://schemas.microsoft.com/office/powerpoint/2010/main" val="1245847436"/>
+        <p14:creationId xmlns:p14="http://schemas.microsoft.com/office/powerpoint/2010/main" val="3392842696"/>
       </p:ext>
     </p:extLst>
   </p:cSld>
@@ -7617,7 +8024,7 @@
     </p:spTree>
     <p:extLst>
       <p:ext uri="{BB962C8B-B14F-4D97-AF65-F5344CB8AC3E}">
-        <p14:creationId xmlns:p14="http://schemas.microsoft.com/office/powerpoint/2010/main" val="1918954769"/>
+        <p14:creationId xmlns:p14="http://schemas.microsoft.com/office/powerpoint/2010/main" val="1311148505"/>
       </p:ext>
     </p:extLst>
   </p:cSld>
@@ -7726,6 +8133,224 @@
     </p:spTree>
     <p:extLst>
       <p:ext uri="{BB962C8B-B14F-4D97-AF65-F5344CB8AC3E}">
+        <p14:creationId xmlns:p14="http://schemas.microsoft.com/office/powerpoint/2010/main" val="1245847436"/>
+      </p:ext>
+    </p:extLst>
+  </p:cSld>
+  <p:clrMapOvr>
+    <a:masterClrMapping/>
+  </p:clrMapOvr>
+</p:sld>
+</file>
+
+<file path=ppt/slides/slide34.xml><?xml version="1.0" encoding="utf-8"?>
+<p:sld xmlns:a="http://schemas.openxmlformats.org/drawingml/2006/main" xmlns:r="http://schemas.openxmlformats.org/officeDocument/2006/relationships" xmlns:p="http://schemas.openxmlformats.org/presentationml/2006/main">
+  <p:cSld>
+    <p:bg>
+      <p:bgPr>
+        <a:blipFill dpi="0" rotWithShape="1">
+          <a:blip r:embed="rId2">
+            <a:lum/>
+          </a:blip>
+          <a:srcRect/>
+          <a:stretch>
+            <a:fillRect/>
+          </a:stretch>
+        </a:blipFill>
+        <a:effectLst/>
+      </p:bgPr>
+    </p:bg>
+    <p:spTree>
+      <p:nvGrpSpPr>
+        <p:cNvPr id="1" name=""/>
+        <p:cNvGrpSpPr/>
+        <p:nvPr/>
+      </p:nvGrpSpPr>
+      <p:grpSpPr>
+        <a:xfrm>
+          <a:off x="0" y="0"/>
+          <a:ext cx="0" cy="0"/>
+          <a:chOff x="0" y="0"/>
+          <a:chExt cx="0" cy="0"/>
+        </a:xfrm>
+      </p:grpSpPr>
+      <p:sp>
+        <p:nvSpPr>
+          <p:cNvPr id="2" name="Title 1">
+            <a:extLst>
+              <a:ext uri="{FF2B5EF4-FFF2-40B4-BE49-F238E27FC236}">
+                <a16:creationId xmlns:a16="http://schemas.microsoft.com/office/drawing/2014/main" id="{55E11F08-6CA0-48F1-AD67-97430DDA07F0}"/>
+              </a:ext>
+            </a:extLst>
+          </p:cNvPr>
+          <p:cNvSpPr>
+            <a:spLocks noGrp="1"/>
+          </p:cNvSpPr>
+          <p:nvPr>
+            <p:ph type="title"/>
+          </p:nvPr>
+        </p:nvSpPr>
+        <p:spPr/>
+        <p:txBody>
+          <a:bodyPr/>
+          <a:lstStyle/>
+          <a:p>
+            <a:r>
+              <a:rPr lang="en-US" b="1" dirty="0">
+                <a:solidFill>
+                  <a:srgbClr val="292D33"/>
+                </a:solidFill>
+                <a:latin typeface="Euclid Circular B" panose="020B0504000000000000" pitchFamily="34" charset="0"/>
+                <a:ea typeface="Euclid Circular B" panose="020B0504000000000000" pitchFamily="34" charset="0"/>
+              </a:rPr>
+              <a:t>Topic title</a:t>
+            </a:r>
+          </a:p>
+        </p:txBody>
+      </p:sp>
+      <p:sp>
+        <p:nvSpPr>
+          <p:cNvPr id="3" name="Content Placeholder 2">
+            <a:extLst>
+              <a:ext uri="{FF2B5EF4-FFF2-40B4-BE49-F238E27FC236}">
+                <a16:creationId xmlns:a16="http://schemas.microsoft.com/office/drawing/2014/main" id="{891C7693-D3DF-4635-96F4-97F3B4136FDF}"/>
+              </a:ext>
+            </a:extLst>
+          </p:cNvPr>
+          <p:cNvSpPr>
+            <a:spLocks noGrp="1"/>
+          </p:cNvSpPr>
+          <p:nvPr>
+            <p:ph idx="1"/>
+          </p:nvPr>
+        </p:nvSpPr>
+        <p:spPr/>
+        <p:txBody>
+          <a:bodyPr/>
+          <a:lstStyle/>
+          <a:p>
+            <a:r>
+              <a:rPr lang="en-US" dirty="0">
+                <a:latin typeface="Euclid Circular B" panose="020B0504000000000000" pitchFamily="34" charset="0"/>
+                <a:ea typeface="Euclid Circular B" panose="020B0504000000000000" pitchFamily="34" charset="0"/>
+              </a:rPr>
+              <a:t>Content</a:t>
+            </a:r>
+          </a:p>
+        </p:txBody>
+      </p:sp>
+    </p:spTree>
+    <p:extLst>
+      <p:ext uri="{BB962C8B-B14F-4D97-AF65-F5344CB8AC3E}">
+        <p14:creationId xmlns:p14="http://schemas.microsoft.com/office/powerpoint/2010/main" val="1918954769"/>
+      </p:ext>
+    </p:extLst>
+  </p:cSld>
+  <p:clrMapOvr>
+    <a:masterClrMapping/>
+  </p:clrMapOvr>
+</p:sld>
+</file>
+
+<file path=ppt/slides/slide35.xml><?xml version="1.0" encoding="utf-8"?>
+<p:sld xmlns:a="http://schemas.openxmlformats.org/drawingml/2006/main" xmlns:r="http://schemas.openxmlformats.org/officeDocument/2006/relationships" xmlns:p="http://schemas.openxmlformats.org/presentationml/2006/main">
+  <p:cSld>
+    <p:bg>
+      <p:bgPr>
+        <a:blipFill dpi="0" rotWithShape="1">
+          <a:blip r:embed="rId2">
+            <a:lum/>
+          </a:blip>
+          <a:srcRect/>
+          <a:stretch>
+            <a:fillRect/>
+          </a:stretch>
+        </a:blipFill>
+        <a:effectLst/>
+      </p:bgPr>
+    </p:bg>
+    <p:spTree>
+      <p:nvGrpSpPr>
+        <p:cNvPr id="1" name=""/>
+        <p:cNvGrpSpPr/>
+        <p:nvPr/>
+      </p:nvGrpSpPr>
+      <p:grpSpPr>
+        <a:xfrm>
+          <a:off x="0" y="0"/>
+          <a:ext cx="0" cy="0"/>
+          <a:chOff x="0" y="0"/>
+          <a:chExt cx="0" cy="0"/>
+        </a:xfrm>
+      </p:grpSpPr>
+      <p:sp>
+        <p:nvSpPr>
+          <p:cNvPr id="2" name="Title 1">
+            <a:extLst>
+              <a:ext uri="{FF2B5EF4-FFF2-40B4-BE49-F238E27FC236}">
+                <a16:creationId xmlns:a16="http://schemas.microsoft.com/office/drawing/2014/main" id="{55E11F08-6CA0-48F1-AD67-97430DDA07F0}"/>
+              </a:ext>
+            </a:extLst>
+          </p:cNvPr>
+          <p:cNvSpPr>
+            <a:spLocks noGrp="1"/>
+          </p:cNvSpPr>
+          <p:nvPr>
+            <p:ph type="title"/>
+          </p:nvPr>
+        </p:nvSpPr>
+        <p:spPr/>
+        <p:txBody>
+          <a:bodyPr/>
+          <a:lstStyle/>
+          <a:p>
+            <a:r>
+              <a:rPr lang="en-US" b="1" dirty="0">
+                <a:solidFill>
+                  <a:srgbClr val="292D33"/>
+                </a:solidFill>
+                <a:latin typeface="Euclid Circular B" panose="020B0504000000000000" pitchFamily="34" charset="0"/>
+                <a:ea typeface="Euclid Circular B" panose="020B0504000000000000" pitchFamily="34" charset="0"/>
+              </a:rPr>
+              <a:t>Topic title</a:t>
+            </a:r>
+          </a:p>
+        </p:txBody>
+      </p:sp>
+      <p:sp>
+        <p:nvSpPr>
+          <p:cNvPr id="3" name="Content Placeholder 2">
+            <a:extLst>
+              <a:ext uri="{FF2B5EF4-FFF2-40B4-BE49-F238E27FC236}">
+                <a16:creationId xmlns:a16="http://schemas.microsoft.com/office/drawing/2014/main" id="{891C7693-D3DF-4635-96F4-97F3B4136FDF}"/>
+              </a:ext>
+            </a:extLst>
+          </p:cNvPr>
+          <p:cNvSpPr>
+            <a:spLocks noGrp="1"/>
+          </p:cNvSpPr>
+          <p:nvPr>
+            <p:ph idx="1"/>
+          </p:nvPr>
+        </p:nvSpPr>
+        <p:spPr/>
+        <p:txBody>
+          <a:bodyPr/>
+          <a:lstStyle/>
+          <a:p>
+            <a:r>
+              <a:rPr lang="en-US" dirty="0">
+                <a:latin typeface="Euclid Circular B" panose="020B0504000000000000" pitchFamily="34" charset="0"/>
+                <a:ea typeface="Euclid Circular B" panose="020B0504000000000000" pitchFamily="34" charset="0"/>
+              </a:rPr>
+              <a:t>Content</a:t>
+            </a:r>
+          </a:p>
+        </p:txBody>
+      </p:sp>
+    </p:spTree>
+    <p:extLst>
+      <p:ext uri="{BB962C8B-B14F-4D97-AF65-F5344CB8AC3E}">
         <p14:creationId xmlns:p14="http://schemas.microsoft.com/office/powerpoint/2010/main" val="829924890"/>
       </p:ext>
     </p:extLst>
@@ -7736,7 +8361,7 @@
 </p:sld>
 </file>
 
-<file path=ppt/slides/slide34.xml><?xml version="1.0" encoding="utf-8"?>
+<file path=ppt/slides/slide36.xml><?xml version="1.0" encoding="utf-8"?>
 <p:sld xmlns:a="http://schemas.openxmlformats.org/drawingml/2006/main" xmlns:r="http://schemas.openxmlformats.org/officeDocument/2006/relationships" xmlns:p="http://schemas.openxmlformats.org/presentationml/2006/main">
   <p:cSld>
     <p:bg>
@@ -13327,6 +13952,16 @@
               </a:rPr>
               <a:t>Project Tye</a:t>
             </a:r>
+            <a:r>
+              <a:rPr lang="tr-TR" i="1" dirty="0">
+                <a:solidFill>
+                  <a:srgbClr val="292D33"/>
+                </a:solidFill>
+                <a:latin typeface="Euclid Circular B" panose="020B0504000000000000" pitchFamily="34" charset="0"/>
+                <a:ea typeface="Euclid Circular B" panose="020B0504000000000000" pitchFamily="34" charset="0"/>
+              </a:rPr>
+              <a:t> (by Microsoft)</a:t>
+            </a:r>
             <a:br>
               <a:rPr lang="tr-TR" b="1" i="1" dirty="0">
                 <a:solidFill>
@@ -14195,7 +14830,7 @@
                 <a:latin typeface="Euclid Circular B" panose="020B0504000000000000" pitchFamily="34" charset="0"/>
                 <a:ea typeface="Euclid Circular B" panose="020B0504000000000000" pitchFamily="34" charset="0"/>
               </a:rPr>
-              <a:t>tye.yaml</a:t>
+              <a:t>Tye: Components</a:t>
             </a:r>
             <a:endParaRPr lang="en-US" b="1" dirty="0">
               <a:solidFill>
@@ -14207,194 +14842,64 @@
           </a:p>
         </p:txBody>
       </p:sp>
-      <p:pic>
-        <p:nvPicPr>
-          <p:cNvPr id="9" name="Picture 8">
-            <a:extLst>
-              <a:ext uri="{FF2B5EF4-FFF2-40B4-BE49-F238E27FC236}">
-                <a16:creationId xmlns:a16="http://schemas.microsoft.com/office/drawing/2014/main" id="{92276000-7FC7-206F-AACC-48B28E7A3B8B}"/>
-              </a:ext>
-            </a:extLst>
-          </p:cNvPr>
-          <p:cNvPicPr>
-            <a:picLocks noChangeAspect="1"/>
-          </p:cNvPicPr>
-          <p:nvPr/>
-        </p:nvPicPr>
-        <p:blipFill>
-          <a:blip r:embed="rId3"/>
-          <a:stretch>
-            <a:fillRect/>
-          </a:stretch>
-        </p:blipFill>
+      <p:sp>
+        <p:nvSpPr>
+          <p:cNvPr id="3" name="Content Placeholder 2">
+            <a:extLst>
+              <a:ext uri="{FF2B5EF4-FFF2-40B4-BE49-F238E27FC236}">
+                <a16:creationId xmlns:a16="http://schemas.microsoft.com/office/drawing/2014/main" id="{891C7693-D3DF-4635-96F4-97F3B4136FDF}"/>
+              </a:ext>
+            </a:extLst>
+          </p:cNvPr>
+          <p:cNvSpPr>
+            <a:spLocks noGrp="1"/>
+          </p:cNvSpPr>
+          <p:nvPr>
+            <p:ph idx="1"/>
+          </p:nvPr>
+        </p:nvSpPr>
         <p:spPr>
           <a:xfrm>
-            <a:off x="838199" y="1468895"/>
-            <a:ext cx="4659889" cy="5305616"/>
+            <a:off x="838199" y="1825625"/>
+            <a:ext cx="10826363" cy="4351338"/>
           </a:xfrm>
-          <a:prstGeom prst="rect">
-            <a:avLst/>
-          </a:prstGeom>
         </p:spPr>
-      </p:pic>
-      <p:sp>
-        <p:nvSpPr>
-          <p:cNvPr id="10" name="TextBox 9">
-            <a:extLst>
-              <a:ext uri="{FF2B5EF4-FFF2-40B4-BE49-F238E27FC236}">
-                <a16:creationId xmlns:a16="http://schemas.microsoft.com/office/drawing/2014/main" id="{75EB0729-86A3-B5AD-EAD7-4851E4F6AE31}"/>
-              </a:ext>
-            </a:extLst>
-          </p:cNvPr>
-          <p:cNvSpPr txBox="1"/>
-          <p:nvPr/>
-        </p:nvSpPr>
-        <p:spPr>
-          <a:xfrm>
-            <a:off x="6313085" y="2074646"/>
-            <a:ext cx="2112117" cy="523220"/>
-          </a:xfrm>
-          <a:prstGeom prst="rect">
-            <a:avLst/>
-          </a:prstGeom>
-          <a:noFill/>
-        </p:spPr>
-        <p:txBody>
-          <a:bodyPr wrap="none" rtlCol="0">
-            <a:spAutoFit/>
-          </a:bodyPr>
+        <p:txBody>
+          <a:bodyPr/>
           <a:lstStyle/>
           <a:p>
             <a:r>
-              <a:rPr lang="tr-TR" sz="2800" dirty="0"/>
-              <a:t>.NET Projects</a:t>
-            </a:r>
-            <a:endParaRPr lang="en-US" sz="2800" dirty="0"/>
-          </a:p>
-        </p:txBody>
-      </p:sp>
-      <p:sp>
-        <p:nvSpPr>
-          <p:cNvPr id="11" name="TextBox 10">
-            <a:extLst>
-              <a:ext uri="{FF2B5EF4-FFF2-40B4-BE49-F238E27FC236}">
-                <a16:creationId xmlns:a16="http://schemas.microsoft.com/office/drawing/2014/main" id="{0DFA7B93-F590-0123-A643-F8F71857AE01}"/>
-              </a:ext>
-            </a:extLst>
-          </p:cNvPr>
-          <p:cNvSpPr txBox="1"/>
-          <p:nvPr/>
-        </p:nvSpPr>
-        <p:spPr>
-          <a:xfrm>
-            <a:off x="6313085" y="5781280"/>
-            <a:ext cx="3758080" cy="523220"/>
-          </a:xfrm>
-          <a:prstGeom prst="rect">
-            <a:avLst/>
-          </a:prstGeom>
-          <a:noFill/>
-        </p:spPr>
-        <p:txBody>
-          <a:bodyPr wrap="none" rtlCol="0">
-            <a:spAutoFit/>
-          </a:bodyPr>
-          <a:lstStyle/>
-          <a:p>
-            <a:r>
-              <a:rPr lang="tr-TR" sz="2800" dirty="0"/>
-              <a:t>Container Dependencies</a:t>
-            </a:r>
-            <a:endParaRPr lang="en-US" sz="2800" dirty="0"/>
-          </a:p>
-        </p:txBody>
-      </p:sp>
-      <p:cxnSp>
-        <p:nvCxnSpPr>
-          <p:cNvPr id="13" name="Straight Connector 12">
-            <a:extLst>
-              <a:ext uri="{FF2B5EF4-FFF2-40B4-BE49-F238E27FC236}">
-                <a16:creationId xmlns:a16="http://schemas.microsoft.com/office/drawing/2014/main" id="{73657D85-9E89-ECE3-5CB1-C88A048CD3A0}"/>
-              </a:ext>
-            </a:extLst>
-          </p:cNvPr>
-          <p:cNvCxnSpPr/>
-          <p:nvPr/>
-        </p:nvCxnSpPr>
-        <p:spPr>
-          <a:xfrm>
-            <a:off x="5438692" y="2328306"/>
-            <a:ext cx="906449" cy="0"/>
-          </a:xfrm>
-          <a:prstGeom prst="line">
-            <a:avLst/>
-          </a:prstGeom>
-          <a:ln w="38100">
-            <a:solidFill>
-              <a:schemeClr val="accent6"/>
-            </a:solidFill>
-          </a:ln>
-        </p:spPr>
-        <p:style>
-          <a:lnRef idx="1">
-            <a:schemeClr val="accent1"/>
-          </a:lnRef>
-          <a:fillRef idx="0">
-            <a:schemeClr val="accent1"/>
-          </a:fillRef>
-          <a:effectRef idx="0">
-            <a:schemeClr val="accent1"/>
-          </a:effectRef>
-          <a:fontRef idx="minor">
-            <a:schemeClr val="tx1"/>
-          </a:fontRef>
-        </p:style>
-      </p:cxnSp>
-      <p:cxnSp>
-        <p:nvCxnSpPr>
-          <p:cNvPr id="14" name="Straight Connector 13">
-            <a:extLst>
-              <a:ext uri="{FF2B5EF4-FFF2-40B4-BE49-F238E27FC236}">
-                <a16:creationId xmlns:a16="http://schemas.microsoft.com/office/drawing/2014/main" id="{9F6A3D0D-B1B2-DF15-CBD5-69F00333AC06}"/>
-              </a:ext>
-            </a:extLst>
-          </p:cNvPr>
-          <p:cNvCxnSpPr/>
-          <p:nvPr/>
-        </p:nvCxnSpPr>
-        <p:spPr>
-          <a:xfrm>
-            <a:off x="5430322" y="6044980"/>
-            <a:ext cx="906449" cy="0"/>
-          </a:xfrm>
-          <a:prstGeom prst="line">
-            <a:avLst/>
-          </a:prstGeom>
-          <a:ln w="38100">
-            <a:solidFill>
-              <a:schemeClr val="accent1"/>
-            </a:solidFill>
-          </a:ln>
-        </p:spPr>
-        <p:style>
-          <a:lnRef idx="1">
-            <a:schemeClr val="accent1"/>
-          </a:lnRef>
-          <a:fillRef idx="0">
-            <a:schemeClr val="accent1"/>
-          </a:fillRef>
-          <a:effectRef idx="0">
-            <a:schemeClr val="accent1"/>
-          </a:effectRef>
-          <a:fontRef idx="minor">
-            <a:schemeClr val="tx1"/>
-          </a:fontRef>
-        </p:style>
-      </p:cxnSp>
+              <a:rPr lang="tr-TR" dirty="0">
+                <a:latin typeface="Euclid Circular B" panose="020B0504000000000000" pitchFamily="34" charset="0"/>
+                <a:ea typeface="Euclid Circular B" panose="020B0504000000000000" pitchFamily="34" charset="0"/>
+              </a:rPr>
+              <a:t>tye.yaml file</a:t>
+            </a:r>
+          </a:p>
+          <a:p>
+            <a:r>
+              <a:rPr lang="tr-TR" dirty="0">
+                <a:latin typeface="Euclid Circular B" panose="020B0504000000000000" pitchFamily="34" charset="0"/>
+                <a:ea typeface="Euclid Circular B" panose="020B0504000000000000" pitchFamily="34" charset="0"/>
+              </a:rPr>
+              <a:t>Tye CLI (Command-Line Interface)</a:t>
+            </a:r>
+          </a:p>
+          <a:p>
+            <a:r>
+              <a:rPr lang="tr-TR" dirty="0">
+                <a:latin typeface="Euclid Circular B" panose="020B0504000000000000" pitchFamily="34" charset="0"/>
+                <a:ea typeface="Euclid Circular B" panose="020B0504000000000000" pitchFamily="34" charset="0"/>
+              </a:rPr>
+              <a:t>Tye Dashboard</a:t>
+            </a:r>
+          </a:p>
+        </p:txBody>
+      </p:sp>
     </p:spTree>
     <p:extLst>
       <p:ext uri="{BB962C8B-B14F-4D97-AF65-F5344CB8AC3E}">
-        <p14:creationId xmlns:p14="http://schemas.microsoft.com/office/powerpoint/2010/main" val="2741227699"/>
+        <p14:creationId xmlns:p14="http://schemas.microsoft.com/office/powerpoint/2010/main" val="4169746366"/>
       </p:ext>
     </p:extLst>
   </p:cSld>
@@ -14464,7 +14969,7 @@
                 <a:latin typeface="Euclid Circular B" panose="020B0504000000000000" pitchFamily="34" charset="0"/>
                 <a:ea typeface="Euclid Circular B" panose="020B0504000000000000" pitchFamily="34" charset="0"/>
               </a:rPr>
-              <a:t>Tye CLI</a:t>
+              <a:t>tye.yaml</a:t>
             </a:r>
             <a:endParaRPr lang="en-US" b="1" dirty="0">
               <a:solidFill>
@@ -14476,12 +14981,224 @@
           </a:p>
         </p:txBody>
       </p:sp>
+      <p:pic>
+        <p:nvPicPr>
+          <p:cNvPr id="9" name="Picture 8">
+            <a:extLst>
+              <a:ext uri="{FF2B5EF4-FFF2-40B4-BE49-F238E27FC236}">
+                <a16:creationId xmlns:a16="http://schemas.microsoft.com/office/drawing/2014/main" id="{92276000-7FC7-206F-AACC-48B28E7A3B8B}"/>
+              </a:ext>
+            </a:extLst>
+          </p:cNvPr>
+          <p:cNvPicPr>
+            <a:picLocks noChangeAspect="1"/>
+          </p:cNvPicPr>
+          <p:nvPr/>
+        </p:nvPicPr>
+        <p:blipFill>
+          <a:blip r:embed="rId3"/>
+          <a:stretch>
+            <a:fillRect/>
+          </a:stretch>
+        </p:blipFill>
+        <p:spPr>
+          <a:xfrm>
+            <a:off x="623514" y="1437089"/>
+            <a:ext cx="4659889" cy="5305616"/>
+          </a:xfrm>
+          <a:prstGeom prst="rect">
+            <a:avLst/>
+          </a:prstGeom>
+        </p:spPr>
+      </p:pic>
+      <p:sp>
+        <p:nvSpPr>
+          <p:cNvPr id="10" name="TextBox 9">
+            <a:extLst>
+              <a:ext uri="{FF2B5EF4-FFF2-40B4-BE49-F238E27FC236}">
+                <a16:creationId xmlns:a16="http://schemas.microsoft.com/office/drawing/2014/main" id="{75EB0729-86A3-B5AD-EAD7-4851E4F6AE31}"/>
+              </a:ext>
+            </a:extLst>
+          </p:cNvPr>
+          <p:cNvSpPr txBox="1"/>
+          <p:nvPr/>
+        </p:nvSpPr>
+        <p:spPr>
+          <a:xfrm>
+            <a:off x="5215637" y="2296500"/>
+            <a:ext cx="2112117" cy="523220"/>
+          </a:xfrm>
+          <a:prstGeom prst="rect">
+            <a:avLst/>
+          </a:prstGeom>
+          <a:noFill/>
+        </p:spPr>
+        <p:txBody>
+          <a:bodyPr wrap="none" rtlCol="0">
+            <a:spAutoFit/>
+          </a:bodyPr>
+          <a:lstStyle/>
+          <a:p>
+            <a:r>
+              <a:rPr lang="tr-TR" sz="2800" dirty="0">
+                <a:solidFill>
+                  <a:schemeClr val="accent6">
+                    <a:lumMod val="75000"/>
+                  </a:schemeClr>
+                </a:solidFill>
+              </a:rPr>
+              <a:t>.NET Projects</a:t>
+            </a:r>
+            <a:endParaRPr lang="en-US" sz="2800" dirty="0">
+              <a:solidFill>
+                <a:schemeClr val="accent6">
+                  <a:lumMod val="75000"/>
+                </a:schemeClr>
+              </a:solidFill>
+            </a:endParaRPr>
+          </a:p>
+        </p:txBody>
+      </p:sp>
+      <p:sp>
+        <p:nvSpPr>
+          <p:cNvPr id="11" name="TextBox 10">
+            <a:extLst>
+              <a:ext uri="{FF2B5EF4-FFF2-40B4-BE49-F238E27FC236}">
+                <a16:creationId xmlns:a16="http://schemas.microsoft.com/office/drawing/2014/main" id="{0DFA7B93-F590-0123-A643-F8F71857AE01}"/>
+              </a:ext>
+            </a:extLst>
+          </p:cNvPr>
+          <p:cNvSpPr txBox="1"/>
+          <p:nvPr/>
+        </p:nvSpPr>
+        <p:spPr>
+          <a:xfrm>
+            <a:off x="5283403" y="6013174"/>
+            <a:ext cx="1746568" cy="523220"/>
+          </a:xfrm>
+          <a:prstGeom prst="rect">
+            <a:avLst/>
+          </a:prstGeom>
+          <a:noFill/>
+        </p:spPr>
+        <p:txBody>
+          <a:bodyPr wrap="none" rtlCol="0">
+            <a:spAutoFit/>
+          </a:bodyPr>
+          <a:lstStyle/>
+          <a:p>
+            <a:r>
+              <a:rPr lang="tr-TR" sz="2800" dirty="0">
+                <a:solidFill>
+                  <a:schemeClr val="accent5">
+                    <a:lumMod val="75000"/>
+                  </a:schemeClr>
+                </a:solidFill>
+              </a:rPr>
+              <a:t>Containers</a:t>
+            </a:r>
+            <a:endParaRPr lang="en-US" sz="2800" dirty="0">
+              <a:solidFill>
+                <a:schemeClr val="accent5">
+                  <a:lumMod val="75000"/>
+                </a:schemeClr>
+              </a:solidFill>
+            </a:endParaRPr>
+          </a:p>
+        </p:txBody>
+      </p:sp>
+      <p:cxnSp>
+        <p:nvCxnSpPr>
+          <p:cNvPr id="13" name="Straight Connector 12">
+            <a:extLst>
+              <a:ext uri="{FF2B5EF4-FFF2-40B4-BE49-F238E27FC236}">
+                <a16:creationId xmlns:a16="http://schemas.microsoft.com/office/drawing/2014/main" id="{73657D85-9E89-ECE3-5CB1-C88A048CD3A0}"/>
+              </a:ext>
+            </a:extLst>
+          </p:cNvPr>
+          <p:cNvCxnSpPr>
+            <a:cxnSpLocks/>
+          </p:cNvCxnSpPr>
+          <p:nvPr/>
+        </p:nvCxnSpPr>
+        <p:spPr>
+          <a:xfrm>
+            <a:off x="5224007" y="2296500"/>
+            <a:ext cx="2103747" cy="0"/>
+          </a:xfrm>
+          <a:prstGeom prst="line">
+            <a:avLst/>
+          </a:prstGeom>
+          <a:ln w="38100">
+            <a:solidFill>
+              <a:schemeClr val="accent6"/>
+            </a:solidFill>
+          </a:ln>
+        </p:spPr>
+        <p:style>
+          <a:lnRef idx="1">
+            <a:schemeClr val="accent1"/>
+          </a:lnRef>
+          <a:fillRef idx="0">
+            <a:schemeClr val="accent1"/>
+          </a:fillRef>
+          <a:effectRef idx="0">
+            <a:schemeClr val="accent1"/>
+          </a:effectRef>
+          <a:fontRef idx="minor">
+            <a:schemeClr val="tx1"/>
+          </a:fontRef>
+        </p:style>
+      </p:cxnSp>
+      <p:cxnSp>
+        <p:nvCxnSpPr>
+          <p:cNvPr id="14" name="Straight Connector 13">
+            <a:extLst>
+              <a:ext uri="{FF2B5EF4-FFF2-40B4-BE49-F238E27FC236}">
+                <a16:creationId xmlns:a16="http://schemas.microsoft.com/office/drawing/2014/main" id="{9F6A3D0D-B1B2-DF15-CBD5-69F00333AC06}"/>
+              </a:ext>
+            </a:extLst>
+          </p:cNvPr>
+          <p:cNvCxnSpPr>
+            <a:cxnSpLocks/>
+          </p:cNvCxnSpPr>
+          <p:nvPr/>
+        </p:nvCxnSpPr>
+        <p:spPr>
+          <a:xfrm>
+            <a:off x="5215637" y="6013174"/>
+            <a:ext cx="1814334" cy="0"/>
+          </a:xfrm>
+          <a:prstGeom prst="line">
+            <a:avLst/>
+          </a:prstGeom>
+          <a:ln w="38100">
+            <a:solidFill>
+              <a:schemeClr val="accent1"/>
+            </a:solidFill>
+          </a:ln>
+        </p:spPr>
+        <p:style>
+          <a:lnRef idx="1">
+            <a:schemeClr val="accent1"/>
+          </a:lnRef>
+          <a:fillRef idx="0">
+            <a:schemeClr val="accent1"/>
+          </a:fillRef>
+          <a:effectRef idx="0">
+            <a:schemeClr val="accent1"/>
+          </a:effectRef>
+          <a:fontRef idx="minor">
+            <a:schemeClr val="tx1"/>
+          </a:fontRef>
+        </p:style>
+      </p:cxnSp>
       <p:sp>
         <p:nvSpPr>
           <p:cNvPr id="3" name="Content Placeholder 2">
             <a:extLst>
               <a:ext uri="{FF2B5EF4-FFF2-40B4-BE49-F238E27FC236}">
-                <a16:creationId xmlns:a16="http://schemas.microsoft.com/office/drawing/2014/main" id="{891C7693-D3DF-4635-96F4-97F3B4136FDF}"/>
+                <a16:creationId xmlns:a16="http://schemas.microsoft.com/office/drawing/2014/main" id="{381F50EC-4A51-F864-599A-8F62C1087F19}"/>
               </a:ext>
             </a:extLst>
           </p:cNvPr>
@@ -14492,73 +15209,490 @@
             <p:ph idx="1"/>
           </p:nvPr>
         </p:nvSpPr>
-        <p:spPr/>
-        <p:txBody>
-          <a:bodyPr anchor="t">
+        <p:spPr>
+          <a:xfrm>
+            <a:off x="7914862" y="3118898"/>
+            <a:ext cx="3113598" cy="2526525"/>
+          </a:xfrm>
+        </p:spPr>
+        <p:txBody>
+          <a:bodyPr>
             <a:normAutofit/>
           </a:bodyPr>
           <a:lstStyle/>
           <a:p>
-            <a:pPr marL="0" indent="0" algn="ctr">
+            <a:pPr marL="0" indent="0">
               <a:buNone/>
             </a:pPr>
-            <a:endParaRPr lang="tr-TR" sz="4400" dirty="0">
-              <a:latin typeface="Courier New" panose="02070309020205020404" pitchFamily="49" charset="0"/>
+            <a:r>
+              <a:rPr lang="tr-TR" u="sng" dirty="0">
+                <a:latin typeface="Euclid Circular B" panose="020B0504000000000000" pitchFamily="34" charset="0"/>
+                <a:ea typeface="Euclid Circular B" panose="020B0504000000000000" pitchFamily="34" charset="0"/>
+              </a:rPr>
+              <a:t>Service Types:</a:t>
+            </a:r>
+          </a:p>
+          <a:p>
+            <a:r>
+              <a:rPr lang="tr-TR" dirty="0">
+                <a:latin typeface="Euclid Circular B" panose="020B0504000000000000" pitchFamily="34" charset="0"/>
+                <a:ea typeface="Euclid Circular B" panose="020B0504000000000000" pitchFamily="34" charset="0"/>
+              </a:rPr>
+              <a:t>.NET Project</a:t>
+            </a:r>
+          </a:p>
+          <a:p>
+            <a:r>
+              <a:rPr lang="tr-TR" dirty="0">
+                <a:latin typeface="Euclid Circular B" panose="020B0504000000000000" pitchFamily="34" charset="0"/>
+                <a:ea typeface="Euclid Circular B" panose="020B0504000000000000" pitchFamily="34" charset="0"/>
+              </a:rPr>
+              <a:t>Container</a:t>
+            </a:r>
+          </a:p>
+          <a:p>
+            <a:r>
+              <a:rPr lang="tr-TR" dirty="0">
+                <a:latin typeface="Euclid Circular B" panose="020B0504000000000000" pitchFamily="34" charset="0"/>
+                <a:ea typeface="Euclid Circular B" panose="020B0504000000000000" pitchFamily="34" charset="0"/>
+              </a:rPr>
+              <a:t>Executable</a:t>
+            </a:r>
+            <a:endParaRPr lang="en-US" dirty="0">
+              <a:latin typeface="Euclid Circular B" panose="020B0504000000000000" pitchFamily="34" charset="0"/>
               <a:ea typeface="Euclid Circular B" panose="020B0504000000000000" pitchFamily="34" charset="0"/>
-              <a:cs typeface="Courier New" panose="02070309020205020404" pitchFamily="49" charset="0"/>
             </a:endParaRPr>
-          </a:p>
-          <a:p>
-            <a:pPr marL="0" indent="0" algn="ctr">
-              <a:buNone/>
-            </a:pPr>
-            <a:endParaRPr lang="tr-TR" sz="4400" dirty="0">
-              <a:latin typeface="Courier New" panose="02070309020205020404" pitchFamily="49" charset="0"/>
-              <a:ea typeface="Euclid Circular B" panose="020B0504000000000000" pitchFamily="34" charset="0"/>
-              <a:cs typeface="Courier New" panose="02070309020205020404" pitchFamily="49" charset="0"/>
-            </a:endParaRPr>
-          </a:p>
-          <a:p>
-            <a:pPr marL="0" indent="0" algn="ctr">
-              <a:buNone/>
-            </a:pPr>
-            <a:r>
-              <a:rPr lang="tr-TR" sz="4400" dirty="0">
-                <a:latin typeface="Courier New" panose="02070309020205020404" pitchFamily="49" charset="0"/>
-                <a:ea typeface="Euclid Circular B" panose="020B0504000000000000" pitchFamily="34" charset="0"/>
-                <a:cs typeface="Courier New" panose="02070309020205020404" pitchFamily="49" charset="0"/>
-              </a:rPr>
-              <a:t>&gt; </a:t>
-            </a:r>
-            <a:r>
-              <a:rPr lang="en-US" sz="4400" dirty="0" err="1">
-                <a:latin typeface="Courier New" panose="02070309020205020404" pitchFamily="49" charset="0"/>
-                <a:ea typeface="Euclid Circular B" panose="020B0504000000000000" pitchFamily="34" charset="0"/>
-                <a:cs typeface="Courier New" panose="02070309020205020404" pitchFamily="49" charset="0"/>
-              </a:rPr>
-              <a:t>tye</a:t>
-            </a:r>
-            <a:r>
-              <a:rPr lang="en-US" sz="4400" dirty="0">
-                <a:latin typeface="Courier New" panose="02070309020205020404" pitchFamily="49" charset="0"/>
-                <a:ea typeface="Euclid Circular B" panose="020B0504000000000000" pitchFamily="34" charset="0"/>
-                <a:cs typeface="Courier New" panose="02070309020205020404" pitchFamily="49" charset="0"/>
-              </a:rPr>
-              <a:t> run --watch</a:t>
-            </a:r>
           </a:p>
         </p:txBody>
       </p:sp>
     </p:spTree>
     <p:extLst>
       <p:ext uri="{BB962C8B-B14F-4D97-AF65-F5344CB8AC3E}">
-        <p14:creationId xmlns:p14="http://schemas.microsoft.com/office/powerpoint/2010/main" val="2051334138"/>
+        <p14:creationId xmlns:p14="http://schemas.microsoft.com/office/powerpoint/2010/main" val="2741227699"/>
       </p:ext>
     </p:extLst>
   </p:cSld>
   <p:clrMapOvr>
     <a:masterClrMapping/>
   </p:clrMapOvr>
+  <p:timing>
+    <p:tnLst>
+      <p:par>
+        <p:cTn id="1" dur="indefinite" restart="never" nodeType="tmRoot">
+          <p:childTnLst>
+            <p:seq concurrent="1" nextAc="seek">
+              <p:cTn id="2" dur="indefinite" nodeType="mainSeq">
+                <p:childTnLst>
+                  <p:par>
+                    <p:cTn id="3" fill="hold">
+                      <p:stCondLst>
+                        <p:cond delay="indefinite"/>
+                      </p:stCondLst>
+                      <p:childTnLst>
+                        <p:par>
+                          <p:cTn id="4" fill="hold">
+                            <p:stCondLst>
+                              <p:cond delay="0"/>
+                            </p:stCondLst>
+                            <p:childTnLst>
+                              <p:par>
+                                <p:cTn id="5" presetID="10" presetClass="entr" presetSubtype="0" fill="hold" nodeType="clickEffect">
+                                  <p:stCondLst>
+                                    <p:cond delay="0"/>
+                                  </p:stCondLst>
+                                  <p:childTnLst>
+                                    <p:set>
+                                      <p:cBhvr>
+                                        <p:cTn id="6" dur="1" fill="hold">
+                                          <p:stCondLst>
+                                            <p:cond delay="0"/>
+                                          </p:stCondLst>
+                                        </p:cTn>
+                                        <p:tgtEl>
+                                          <p:spTgt spid="3">
+                                            <p:txEl>
+                                              <p:pRg st="0" end="0"/>
+                                            </p:txEl>
+                                          </p:spTgt>
+                                        </p:tgtEl>
+                                        <p:attrNameLst>
+                                          <p:attrName>style.visibility</p:attrName>
+                                        </p:attrNameLst>
+                                      </p:cBhvr>
+                                      <p:to>
+                                        <p:strVal val="visible"/>
+                                      </p:to>
+                                    </p:set>
+                                    <p:animEffect transition="in" filter="fade">
+                                      <p:cBhvr>
+                                        <p:cTn id="7" dur="500"/>
+                                        <p:tgtEl>
+                                          <p:spTgt spid="3">
+                                            <p:txEl>
+                                              <p:pRg st="0" end="0"/>
+                                            </p:txEl>
+                                          </p:spTgt>
+                                        </p:tgtEl>
+                                      </p:cBhvr>
+                                    </p:animEffect>
+                                  </p:childTnLst>
+                                </p:cTn>
+                              </p:par>
+                            </p:childTnLst>
+                          </p:cTn>
+                        </p:par>
+                      </p:childTnLst>
+                    </p:cTn>
+                  </p:par>
+                  <p:par>
+                    <p:cTn id="8" fill="hold">
+                      <p:stCondLst>
+                        <p:cond delay="indefinite"/>
+                      </p:stCondLst>
+                      <p:childTnLst>
+                        <p:par>
+                          <p:cTn id="9" fill="hold">
+                            <p:stCondLst>
+                              <p:cond delay="0"/>
+                            </p:stCondLst>
+                            <p:childTnLst>
+                              <p:par>
+                                <p:cTn id="10" presetID="10" presetClass="entr" presetSubtype="0" fill="hold" nodeType="clickEffect">
+                                  <p:stCondLst>
+                                    <p:cond delay="0"/>
+                                  </p:stCondLst>
+                                  <p:childTnLst>
+                                    <p:set>
+                                      <p:cBhvr>
+                                        <p:cTn id="11" dur="1" fill="hold">
+                                          <p:stCondLst>
+                                            <p:cond delay="0"/>
+                                          </p:stCondLst>
+                                        </p:cTn>
+                                        <p:tgtEl>
+                                          <p:spTgt spid="3">
+                                            <p:txEl>
+                                              <p:pRg st="1" end="1"/>
+                                            </p:txEl>
+                                          </p:spTgt>
+                                        </p:tgtEl>
+                                        <p:attrNameLst>
+                                          <p:attrName>style.visibility</p:attrName>
+                                        </p:attrNameLst>
+                                      </p:cBhvr>
+                                      <p:to>
+                                        <p:strVal val="visible"/>
+                                      </p:to>
+                                    </p:set>
+                                    <p:animEffect transition="in" filter="fade">
+                                      <p:cBhvr>
+                                        <p:cTn id="12" dur="500"/>
+                                        <p:tgtEl>
+                                          <p:spTgt spid="3">
+                                            <p:txEl>
+                                              <p:pRg st="1" end="1"/>
+                                            </p:txEl>
+                                          </p:spTgt>
+                                        </p:tgtEl>
+                                      </p:cBhvr>
+                                    </p:animEffect>
+                                  </p:childTnLst>
+                                </p:cTn>
+                              </p:par>
+                              <p:par>
+                                <p:cTn id="13" presetID="10" presetClass="entr" presetSubtype="0" fill="hold" grpId="0" nodeType="withEffect">
+                                  <p:stCondLst>
+                                    <p:cond delay="0"/>
+                                  </p:stCondLst>
+                                  <p:childTnLst>
+                                    <p:set>
+                                      <p:cBhvr>
+                                        <p:cTn id="14" dur="1" fill="hold">
+                                          <p:stCondLst>
+                                            <p:cond delay="0"/>
+                                          </p:stCondLst>
+                                        </p:cTn>
+                                        <p:tgtEl>
+                                          <p:spTgt spid="10"/>
+                                        </p:tgtEl>
+                                        <p:attrNameLst>
+                                          <p:attrName>style.visibility</p:attrName>
+                                        </p:attrNameLst>
+                                      </p:cBhvr>
+                                      <p:to>
+                                        <p:strVal val="visible"/>
+                                      </p:to>
+                                    </p:set>
+                                    <p:animEffect transition="in" filter="fade">
+                                      <p:cBhvr>
+                                        <p:cTn id="15" dur="500"/>
+                                        <p:tgtEl>
+                                          <p:spTgt spid="10"/>
+                                        </p:tgtEl>
+                                      </p:cBhvr>
+                                    </p:animEffect>
+                                  </p:childTnLst>
+                                </p:cTn>
+                              </p:par>
+                              <p:par>
+                                <p:cTn id="16" presetID="10" presetClass="entr" presetSubtype="0" fill="hold" nodeType="withEffect">
+                                  <p:stCondLst>
+                                    <p:cond delay="0"/>
+                                  </p:stCondLst>
+                                  <p:childTnLst>
+                                    <p:set>
+                                      <p:cBhvr>
+                                        <p:cTn id="17" dur="1" fill="hold">
+                                          <p:stCondLst>
+                                            <p:cond delay="0"/>
+                                          </p:stCondLst>
+                                        </p:cTn>
+                                        <p:tgtEl>
+                                          <p:spTgt spid="13"/>
+                                        </p:tgtEl>
+                                        <p:attrNameLst>
+                                          <p:attrName>style.visibility</p:attrName>
+                                        </p:attrNameLst>
+                                      </p:cBhvr>
+                                      <p:to>
+                                        <p:strVal val="visible"/>
+                                      </p:to>
+                                    </p:set>
+                                    <p:animEffect transition="in" filter="fade">
+                                      <p:cBhvr>
+                                        <p:cTn id="18" dur="500"/>
+                                        <p:tgtEl>
+                                          <p:spTgt spid="13"/>
+                                        </p:tgtEl>
+                                      </p:cBhvr>
+                                    </p:animEffect>
+                                  </p:childTnLst>
+                                </p:cTn>
+                              </p:par>
+                            </p:childTnLst>
+                          </p:cTn>
+                        </p:par>
+                      </p:childTnLst>
+                    </p:cTn>
+                  </p:par>
+                  <p:par>
+                    <p:cTn id="19" fill="hold">
+                      <p:stCondLst>
+                        <p:cond delay="indefinite"/>
+                      </p:stCondLst>
+                      <p:childTnLst>
+                        <p:par>
+                          <p:cTn id="20" fill="hold">
+                            <p:stCondLst>
+                              <p:cond delay="0"/>
+                            </p:stCondLst>
+                            <p:childTnLst>
+                              <p:par>
+                                <p:cTn id="21" presetID="10" presetClass="entr" presetSubtype="0" fill="hold" nodeType="clickEffect">
+                                  <p:stCondLst>
+                                    <p:cond delay="0"/>
+                                  </p:stCondLst>
+                                  <p:childTnLst>
+                                    <p:set>
+                                      <p:cBhvr>
+                                        <p:cTn id="22" dur="1" fill="hold">
+                                          <p:stCondLst>
+                                            <p:cond delay="0"/>
+                                          </p:stCondLst>
+                                        </p:cTn>
+                                        <p:tgtEl>
+                                          <p:spTgt spid="3">
+                                            <p:txEl>
+                                              <p:pRg st="2" end="2"/>
+                                            </p:txEl>
+                                          </p:spTgt>
+                                        </p:tgtEl>
+                                        <p:attrNameLst>
+                                          <p:attrName>style.visibility</p:attrName>
+                                        </p:attrNameLst>
+                                      </p:cBhvr>
+                                      <p:to>
+                                        <p:strVal val="visible"/>
+                                      </p:to>
+                                    </p:set>
+                                    <p:animEffect transition="in" filter="fade">
+                                      <p:cBhvr>
+                                        <p:cTn id="23" dur="500"/>
+                                        <p:tgtEl>
+                                          <p:spTgt spid="3">
+                                            <p:txEl>
+                                              <p:pRg st="2" end="2"/>
+                                            </p:txEl>
+                                          </p:spTgt>
+                                        </p:tgtEl>
+                                      </p:cBhvr>
+                                    </p:animEffect>
+                                  </p:childTnLst>
+                                </p:cTn>
+                              </p:par>
+                              <p:par>
+                                <p:cTn id="24" presetID="10" presetClass="entr" presetSubtype="0" fill="hold" grpId="0" nodeType="withEffect">
+                                  <p:stCondLst>
+                                    <p:cond delay="0"/>
+                                  </p:stCondLst>
+                                  <p:childTnLst>
+                                    <p:set>
+                                      <p:cBhvr>
+                                        <p:cTn id="25" dur="1" fill="hold">
+                                          <p:stCondLst>
+                                            <p:cond delay="0"/>
+                                          </p:stCondLst>
+                                        </p:cTn>
+                                        <p:tgtEl>
+                                          <p:spTgt spid="11"/>
+                                        </p:tgtEl>
+                                        <p:attrNameLst>
+                                          <p:attrName>style.visibility</p:attrName>
+                                        </p:attrNameLst>
+                                      </p:cBhvr>
+                                      <p:to>
+                                        <p:strVal val="visible"/>
+                                      </p:to>
+                                    </p:set>
+                                    <p:animEffect transition="in" filter="fade">
+                                      <p:cBhvr>
+                                        <p:cTn id="26" dur="500"/>
+                                        <p:tgtEl>
+                                          <p:spTgt spid="11"/>
+                                        </p:tgtEl>
+                                      </p:cBhvr>
+                                    </p:animEffect>
+                                  </p:childTnLst>
+                                </p:cTn>
+                              </p:par>
+                              <p:par>
+                                <p:cTn id="27" presetID="10" presetClass="entr" presetSubtype="0" fill="hold" nodeType="withEffect">
+                                  <p:stCondLst>
+                                    <p:cond delay="0"/>
+                                  </p:stCondLst>
+                                  <p:childTnLst>
+                                    <p:set>
+                                      <p:cBhvr>
+                                        <p:cTn id="28" dur="1" fill="hold">
+                                          <p:stCondLst>
+                                            <p:cond delay="0"/>
+                                          </p:stCondLst>
+                                        </p:cTn>
+                                        <p:tgtEl>
+                                          <p:spTgt spid="14"/>
+                                        </p:tgtEl>
+                                        <p:attrNameLst>
+                                          <p:attrName>style.visibility</p:attrName>
+                                        </p:attrNameLst>
+                                      </p:cBhvr>
+                                      <p:to>
+                                        <p:strVal val="visible"/>
+                                      </p:to>
+                                    </p:set>
+                                    <p:animEffect transition="in" filter="fade">
+                                      <p:cBhvr>
+                                        <p:cTn id="29" dur="500"/>
+                                        <p:tgtEl>
+                                          <p:spTgt spid="14"/>
+                                        </p:tgtEl>
+                                      </p:cBhvr>
+                                    </p:animEffect>
+                                  </p:childTnLst>
+                                </p:cTn>
+                              </p:par>
+                            </p:childTnLst>
+                          </p:cTn>
+                        </p:par>
+                      </p:childTnLst>
+                    </p:cTn>
+                  </p:par>
+                  <p:par>
+                    <p:cTn id="30" fill="hold">
+                      <p:stCondLst>
+                        <p:cond delay="indefinite"/>
+                      </p:stCondLst>
+                      <p:childTnLst>
+                        <p:par>
+                          <p:cTn id="31" fill="hold">
+                            <p:stCondLst>
+                              <p:cond delay="0"/>
+                            </p:stCondLst>
+                            <p:childTnLst>
+                              <p:par>
+                                <p:cTn id="32" presetID="10" presetClass="entr" presetSubtype="0" fill="hold" nodeType="clickEffect">
+                                  <p:stCondLst>
+                                    <p:cond delay="0"/>
+                                  </p:stCondLst>
+                                  <p:childTnLst>
+                                    <p:set>
+                                      <p:cBhvr>
+                                        <p:cTn id="33" dur="1" fill="hold">
+                                          <p:stCondLst>
+                                            <p:cond delay="0"/>
+                                          </p:stCondLst>
+                                        </p:cTn>
+                                        <p:tgtEl>
+                                          <p:spTgt spid="3">
+                                            <p:txEl>
+                                              <p:pRg st="3" end="3"/>
+                                            </p:txEl>
+                                          </p:spTgt>
+                                        </p:tgtEl>
+                                        <p:attrNameLst>
+                                          <p:attrName>style.visibility</p:attrName>
+                                        </p:attrNameLst>
+                                      </p:cBhvr>
+                                      <p:to>
+                                        <p:strVal val="visible"/>
+                                      </p:to>
+                                    </p:set>
+                                    <p:animEffect transition="in" filter="fade">
+                                      <p:cBhvr>
+                                        <p:cTn id="34" dur="500"/>
+                                        <p:tgtEl>
+                                          <p:spTgt spid="3">
+                                            <p:txEl>
+                                              <p:pRg st="3" end="3"/>
+                                            </p:txEl>
+                                          </p:spTgt>
+                                        </p:tgtEl>
+                                      </p:cBhvr>
+                                    </p:animEffect>
+                                  </p:childTnLst>
+                                </p:cTn>
+                              </p:par>
+                            </p:childTnLst>
+                          </p:cTn>
+                        </p:par>
+                      </p:childTnLst>
+                    </p:cTn>
+                  </p:par>
+                </p:childTnLst>
+              </p:cTn>
+              <p:prevCondLst>
+                <p:cond evt="onPrev" delay="0">
+                  <p:tgtEl>
+                    <p:sldTgt/>
+                  </p:tgtEl>
+                </p:cond>
+              </p:prevCondLst>
+              <p:nextCondLst>
+                <p:cond evt="onNext" delay="0">
+                  <p:tgtEl>
+                    <p:sldTgt/>
+                  </p:tgtEl>
+                </p:cond>
+              </p:nextCondLst>
+            </p:seq>
+          </p:childTnLst>
+        </p:cTn>
+      </p:par>
+    </p:tnLst>
+    <p:bldLst>
+      <p:bldP spid="10" grpId="0"/>
+      <p:bldP spid="11" grpId="0"/>
+    </p:bldLst>
+  </p:timing>
 </p:sld>
 </file>
 

--- a/2023-05-10 ABP Conf 2023 Developing with Kubernetes/Developing with Kubernetes.pptx
+++ b/2023-05-10 ABP Conf 2023 Developing with Kubernetes/Developing with Kubernetes.pptx
@@ -11,36 +11,39 @@
     <p:sldId id="289" r:id="rId5"/>
     <p:sldId id="259" r:id="rId6"/>
     <p:sldId id="260" r:id="rId7"/>
-    <p:sldId id="261" r:id="rId8"/>
-    <p:sldId id="291" r:id="rId9"/>
-    <p:sldId id="262" r:id="rId10"/>
-    <p:sldId id="263" r:id="rId11"/>
-    <p:sldId id="264" r:id="rId12"/>
-    <p:sldId id="265" r:id="rId13"/>
-    <p:sldId id="268" r:id="rId14"/>
-    <p:sldId id="266" r:id="rId15"/>
-    <p:sldId id="267" r:id="rId16"/>
-    <p:sldId id="290" r:id="rId17"/>
-    <p:sldId id="269" r:id="rId18"/>
-    <p:sldId id="270" r:id="rId19"/>
-    <p:sldId id="271" r:id="rId20"/>
-    <p:sldId id="272" r:id="rId21"/>
-    <p:sldId id="273" r:id="rId22"/>
-    <p:sldId id="274" r:id="rId23"/>
-    <p:sldId id="275" r:id="rId24"/>
-    <p:sldId id="276" r:id="rId25"/>
-    <p:sldId id="277" r:id="rId26"/>
-    <p:sldId id="278" r:id="rId27"/>
-    <p:sldId id="279" r:id="rId28"/>
-    <p:sldId id="280" r:id="rId29"/>
-    <p:sldId id="281" r:id="rId30"/>
-    <p:sldId id="282" r:id="rId31"/>
-    <p:sldId id="283" r:id="rId32"/>
-    <p:sldId id="284" r:id="rId33"/>
-    <p:sldId id="285" r:id="rId34"/>
-    <p:sldId id="286" r:id="rId35"/>
-    <p:sldId id="287" r:id="rId36"/>
-    <p:sldId id="288" r:id="rId37"/>
+    <p:sldId id="294" r:id="rId8"/>
+    <p:sldId id="261" r:id="rId9"/>
+    <p:sldId id="291" r:id="rId10"/>
+    <p:sldId id="262" r:id="rId11"/>
+    <p:sldId id="263" r:id="rId12"/>
+    <p:sldId id="264" r:id="rId13"/>
+    <p:sldId id="292" r:id="rId14"/>
+    <p:sldId id="265" r:id="rId15"/>
+    <p:sldId id="268" r:id="rId16"/>
+    <p:sldId id="293" r:id="rId17"/>
+    <p:sldId id="266" r:id="rId18"/>
+    <p:sldId id="267" r:id="rId19"/>
+    <p:sldId id="290" r:id="rId20"/>
+    <p:sldId id="269" r:id="rId21"/>
+    <p:sldId id="270" r:id="rId22"/>
+    <p:sldId id="271" r:id="rId23"/>
+    <p:sldId id="272" r:id="rId24"/>
+    <p:sldId id="273" r:id="rId25"/>
+    <p:sldId id="274" r:id="rId26"/>
+    <p:sldId id="275" r:id="rId27"/>
+    <p:sldId id="276" r:id="rId28"/>
+    <p:sldId id="277" r:id="rId29"/>
+    <p:sldId id="278" r:id="rId30"/>
+    <p:sldId id="279" r:id="rId31"/>
+    <p:sldId id="280" r:id="rId32"/>
+    <p:sldId id="281" r:id="rId33"/>
+    <p:sldId id="282" r:id="rId34"/>
+    <p:sldId id="283" r:id="rId35"/>
+    <p:sldId id="284" r:id="rId36"/>
+    <p:sldId id="285" r:id="rId37"/>
+    <p:sldId id="286" r:id="rId38"/>
+    <p:sldId id="287" r:id="rId39"/>
+    <p:sldId id="288" r:id="rId40"/>
   </p:sldIdLst>
   <p:sldSz cx="12192000" cy="6858000"/>
   <p:notesSz cx="6858000" cy="9144000"/>
@@ -3554,6 +3557,793 @@
                 <a:latin typeface="Euclid Circular B" panose="020B0504000000000000" pitchFamily="34" charset="0"/>
                 <a:ea typeface="Euclid Circular B" panose="020B0504000000000000" pitchFamily="34" charset="0"/>
               </a:rPr>
+              <a:t>tye.yaml</a:t>
+            </a:r>
+            <a:endParaRPr lang="en-US" b="1" dirty="0">
+              <a:solidFill>
+                <a:srgbClr val="292D33"/>
+              </a:solidFill>
+              <a:latin typeface="Euclid Circular B" panose="020B0504000000000000" pitchFamily="34" charset="0"/>
+              <a:ea typeface="Euclid Circular B" panose="020B0504000000000000" pitchFamily="34" charset="0"/>
+            </a:endParaRPr>
+          </a:p>
+        </p:txBody>
+      </p:sp>
+      <p:pic>
+        <p:nvPicPr>
+          <p:cNvPr id="9" name="Picture 8">
+            <a:extLst>
+              <a:ext uri="{FF2B5EF4-FFF2-40B4-BE49-F238E27FC236}">
+                <a16:creationId xmlns:a16="http://schemas.microsoft.com/office/drawing/2014/main" id="{92276000-7FC7-206F-AACC-48B28E7A3B8B}"/>
+              </a:ext>
+            </a:extLst>
+          </p:cNvPr>
+          <p:cNvPicPr>
+            <a:picLocks noChangeAspect="1"/>
+          </p:cNvPicPr>
+          <p:nvPr/>
+        </p:nvPicPr>
+        <p:blipFill>
+          <a:blip r:embed="rId3"/>
+          <a:stretch>
+            <a:fillRect/>
+          </a:stretch>
+        </p:blipFill>
+        <p:spPr>
+          <a:xfrm>
+            <a:off x="623514" y="1437089"/>
+            <a:ext cx="4659889" cy="5305616"/>
+          </a:xfrm>
+          <a:prstGeom prst="rect">
+            <a:avLst/>
+          </a:prstGeom>
+        </p:spPr>
+      </p:pic>
+      <p:sp>
+        <p:nvSpPr>
+          <p:cNvPr id="10" name="TextBox 9">
+            <a:extLst>
+              <a:ext uri="{FF2B5EF4-FFF2-40B4-BE49-F238E27FC236}">
+                <a16:creationId xmlns:a16="http://schemas.microsoft.com/office/drawing/2014/main" id="{75EB0729-86A3-B5AD-EAD7-4851E4F6AE31}"/>
+              </a:ext>
+            </a:extLst>
+          </p:cNvPr>
+          <p:cNvSpPr txBox="1"/>
+          <p:nvPr/>
+        </p:nvSpPr>
+        <p:spPr>
+          <a:xfrm>
+            <a:off x="5215637" y="2296500"/>
+            <a:ext cx="2112117" cy="523220"/>
+          </a:xfrm>
+          <a:prstGeom prst="rect">
+            <a:avLst/>
+          </a:prstGeom>
+          <a:noFill/>
+        </p:spPr>
+        <p:txBody>
+          <a:bodyPr wrap="none" rtlCol="0">
+            <a:spAutoFit/>
+          </a:bodyPr>
+          <a:lstStyle/>
+          <a:p>
+            <a:r>
+              <a:rPr lang="tr-TR" sz="2800" dirty="0">
+                <a:solidFill>
+                  <a:schemeClr val="accent6">
+                    <a:lumMod val="75000"/>
+                  </a:schemeClr>
+                </a:solidFill>
+              </a:rPr>
+              <a:t>.NET Projects</a:t>
+            </a:r>
+            <a:endParaRPr lang="en-US" sz="2800" dirty="0">
+              <a:solidFill>
+                <a:schemeClr val="accent6">
+                  <a:lumMod val="75000"/>
+                </a:schemeClr>
+              </a:solidFill>
+            </a:endParaRPr>
+          </a:p>
+        </p:txBody>
+      </p:sp>
+      <p:sp>
+        <p:nvSpPr>
+          <p:cNvPr id="11" name="TextBox 10">
+            <a:extLst>
+              <a:ext uri="{FF2B5EF4-FFF2-40B4-BE49-F238E27FC236}">
+                <a16:creationId xmlns:a16="http://schemas.microsoft.com/office/drawing/2014/main" id="{0DFA7B93-F590-0123-A643-F8F71857AE01}"/>
+              </a:ext>
+            </a:extLst>
+          </p:cNvPr>
+          <p:cNvSpPr txBox="1"/>
+          <p:nvPr/>
+        </p:nvSpPr>
+        <p:spPr>
+          <a:xfrm>
+            <a:off x="5283403" y="6013174"/>
+            <a:ext cx="1746568" cy="523220"/>
+          </a:xfrm>
+          <a:prstGeom prst="rect">
+            <a:avLst/>
+          </a:prstGeom>
+          <a:noFill/>
+        </p:spPr>
+        <p:txBody>
+          <a:bodyPr wrap="none" rtlCol="0">
+            <a:spAutoFit/>
+          </a:bodyPr>
+          <a:lstStyle/>
+          <a:p>
+            <a:r>
+              <a:rPr lang="tr-TR" sz="2800" dirty="0">
+                <a:solidFill>
+                  <a:schemeClr val="accent5">
+                    <a:lumMod val="75000"/>
+                  </a:schemeClr>
+                </a:solidFill>
+              </a:rPr>
+              <a:t>Containers</a:t>
+            </a:r>
+            <a:endParaRPr lang="en-US" sz="2800" dirty="0">
+              <a:solidFill>
+                <a:schemeClr val="accent5">
+                  <a:lumMod val="75000"/>
+                </a:schemeClr>
+              </a:solidFill>
+            </a:endParaRPr>
+          </a:p>
+        </p:txBody>
+      </p:sp>
+      <p:cxnSp>
+        <p:nvCxnSpPr>
+          <p:cNvPr id="13" name="Straight Connector 12">
+            <a:extLst>
+              <a:ext uri="{FF2B5EF4-FFF2-40B4-BE49-F238E27FC236}">
+                <a16:creationId xmlns:a16="http://schemas.microsoft.com/office/drawing/2014/main" id="{73657D85-9E89-ECE3-5CB1-C88A048CD3A0}"/>
+              </a:ext>
+            </a:extLst>
+          </p:cNvPr>
+          <p:cNvCxnSpPr>
+            <a:cxnSpLocks/>
+          </p:cNvCxnSpPr>
+          <p:nvPr/>
+        </p:nvCxnSpPr>
+        <p:spPr>
+          <a:xfrm>
+            <a:off x="5224007" y="2296500"/>
+            <a:ext cx="2103747" cy="0"/>
+          </a:xfrm>
+          <a:prstGeom prst="line">
+            <a:avLst/>
+          </a:prstGeom>
+          <a:ln w="38100">
+            <a:solidFill>
+              <a:schemeClr val="accent6"/>
+            </a:solidFill>
+          </a:ln>
+        </p:spPr>
+        <p:style>
+          <a:lnRef idx="1">
+            <a:schemeClr val="accent1"/>
+          </a:lnRef>
+          <a:fillRef idx="0">
+            <a:schemeClr val="accent1"/>
+          </a:fillRef>
+          <a:effectRef idx="0">
+            <a:schemeClr val="accent1"/>
+          </a:effectRef>
+          <a:fontRef idx="minor">
+            <a:schemeClr val="tx1"/>
+          </a:fontRef>
+        </p:style>
+      </p:cxnSp>
+      <p:cxnSp>
+        <p:nvCxnSpPr>
+          <p:cNvPr id="14" name="Straight Connector 13">
+            <a:extLst>
+              <a:ext uri="{FF2B5EF4-FFF2-40B4-BE49-F238E27FC236}">
+                <a16:creationId xmlns:a16="http://schemas.microsoft.com/office/drawing/2014/main" id="{9F6A3D0D-B1B2-DF15-CBD5-69F00333AC06}"/>
+              </a:ext>
+            </a:extLst>
+          </p:cNvPr>
+          <p:cNvCxnSpPr>
+            <a:cxnSpLocks/>
+          </p:cNvCxnSpPr>
+          <p:nvPr/>
+        </p:nvCxnSpPr>
+        <p:spPr>
+          <a:xfrm>
+            <a:off x="5215637" y="6013174"/>
+            <a:ext cx="1814334" cy="0"/>
+          </a:xfrm>
+          <a:prstGeom prst="line">
+            <a:avLst/>
+          </a:prstGeom>
+          <a:ln w="38100">
+            <a:solidFill>
+              <a:schemeClr val="accent1"/>
+            </a:solidFill>
+          </a:ln>
+        </p:spPr>
+        <p:style>
+          <a:lnRef idx="1">
+            <a:schemeClr val="accent1"/>
+          </a:lnRef>
+          <a:fillRef idx="0">
+            <a:schemeClr val="accent1"/>
+          </a:fillRef>
+          <a:effectRef idx="0">
+            <a:schemeClr val="accent1"/>
+          </a:effectRef>
+          <a:fontRef idx="minor">
+            <a:schemeClr val="tx1"/>
+          </a:fontRef>
+        </p:style>
+      </p:cxnSp>
+      <p:sp>
+        <p:nvSpPr>
+          <p:cNvPr id="3" name="Content Placeholder 2">
+            <a:extLst>
+              <a:ext uri="{FF2B5EF4-FFF2-40B4-BE49-F238E27FC236}">
+                <a16:creationId xmlns:a16="http://schemas.microsoft.com/office/drawing/2014/main" id="{381F50EC-4A51-F864-599A-8F62C1087F19}"/>
+              </a:ext>
+            </a:extLst>
+          </p:cNvPr>
+          <p:cNvSpPr>
+            <a:spLocks noGrp="1"/>
+          </p:cNvSpPr>
+          <p:nvPr>
+            <p:ph idx="1"/>
+          </p:nvPr>
+        </p:nvSpPr>
+        <p:spPr>
+          <a:xfrm>
+            <a:off x="7914862" y="3118898"/>
+            <a:ext cx="3113598" cy="2526525"/>
+          </a:xfrm>
+        </p:spPr>
+        <p:txBody>
+          <a:bodyPr>
+            <a:normAutofit/>
+          </a:bodyPr>
+          <a:lstStyle/>
+          <a:p>
+            <a:pPr marL="0" indent="0">
+              <a:buNone/>
+            </a:pPr>
+            <a:r>
+              <a:rPr lang="tr-TR" u="sng" dirty="0">
+                <a:latin typeface="Euclid Circular B" panose="020B0504000000000000" pitchFamily="34" charset="0"/>
+                <a:ea typeface="Euclid Circular B" panose="020B0504000000000000" pitchFamily="34" charset="0"/>
+              </a:rPr>
+              <a:t>Service Types:</a:t>
+            </a:r>
+          </a:p>
+          <a:p>
+            <a:r>
+              <a:rPr lang="tr-TR" dirty="0">
+                <a:latin typeface="Euclid Circular B" panose="020B0504000000000000" pitchFamily="34" charset="0"/>
+                <a:ea typeface="Euclid Circular B" panose="020B0504000000000000" pitchFamily="34" charset="0"/>
+              </a:rPr>
+              <a:t>.NET Project</a:t>
+            </a:r>
+          </a:p>
+          <a:p>
+            <a:r>
+              <a:rPr lang="tr-TR" dirty="0">
+                <a:latin typeface="Euclid Circular B" panose="020B0504000000000000" pitchFamily="34" charset="0"/>
+                <a:ea typeface="Euclid Circular B" panose="020B0504000000000000" pitchFamily="34" charset="0"/>
+              </a:rPr>
+              <a:t>Container</a:t>
+            </a:r>
+          </a:p>
+          <a:p>
+            <a:r>
+              <a:rPr lang="tr-TR" dirty="0">
+                <a:latin typeface="Euclid Circular B" panose="020B0504000000000000" pitchFamily="34" charset="0"/>
+                <a:ea typeface="Euclid Circular B" panose="020B0504000000000000" pitchFamily="34" charset="0"/>
+              </a:rPr>
+              <a:t>Executable</a:t>
+            </a:r>
+            <a:endParaRPr lang="en-US" dirty="0">
+              <a:latin typeface="Euclid Circular B" panose="020B0504000000000000" pitchFamily="34" charset="0"/>
+              <a:ea typeface="Euclid Circular B" panose="020B0504000000000000" pitchFamily="34" charset="0"/>
+            </a:endParaRPr>
+          </a:p>
+        </p:txBody>
+      </p:sp>
+    </p:spTree>
+    <p:extLst>
+      <p:ext uri="{BB962C8B-B14F-4D97-AF65-F5344CB8AC3E}">
+        <p14:creationId xmlns:p14="http://schemas.microsoft.com/office/powerpoint/2010/main" val="2741227699"/>
+      </p:ext>
+    </p:extLst>
+  </p:cSld>
+  <p:clrMapOvr>
+    <a:masterClrMapping/>
+  </p:clrMapOvr>
+  <p:timing>
+    <p:tnLst>
+      <p:par>
+        <p:cTn id="1" dur="indefinite" restart="never" nodeType="tmRoot">
+          <p:childTnLst>
+            <p:seq concurrent="1" nextAc="seek">
+              <p:cTn id="2" dur="indefinite" nodeType="mainSeq">
+                <p:childTnLst>
+                  <p:par>
+                    <p:cTn id="3" fill="hold">
+                      <p:stCondLst>
+                        <p:cond delay="indefinite"/>
+                      </p:stCondLst>
+                      <p:childTnLst>
+                        <p:par>
+                          <p:cTn id="4" fill="hold">
+                            <p:stCondLst>
+                              <p:cond delay="0"/>
+                            </p:stCondLst>
+                            <p:childTnLst>
+                              <p:par>
+                                <p:cTn id="5" presetID="10" presetClass="entr" presetSubtype="0" fill="hold" nodeType="clickEffect">
+                                  <p:stCondLst>
+                                    <p:cond delay="0"/>
+                                  </p:stCondLst>
+                                  <p:childTnLst>
+                                    <p:set>
+                                      <p:cBhvr>
+                                        <p:cTn id="6" dur="1" fill="hold">
+                                          <p:stCondLst>
+                                            <p:cond delay="0"/>
+                                          </p:stCondLst>
+                                        </p:cTn>
+                                        <p:tgtEl>
+                                          <p:spTgt spid="3">
+                                            <p:txEl>
+                                              <p:pRg st="0" end="0"/>
+                                            </p:txEl>
+                                          </p:spTgt>
+                                        </p:tgtEl>
+                                        <p:attrNameLst>
+                                          <p:attrName>style.visibility</p:attrName>
+                                        </p:attrNameLst>
+                                      </p:cBhvr>
+                                      <p:to>
+                                        <p:strVal val="visible"/>
+                                      </p:to>
+                                    </p:set>
+                                    <p:animEffect transition="in" filter="fade">
+                                      <p:cBhvr>
+                                        <p:cTn id="7" dur="500"/>
+                                        <p:tgtEl>
+                                          <p:spTgt spid="3">
+                                            <p:txEl>
+                                              <p:pRg st="0" end="0"/>
+                                            </p:txEl>
+                                          </p:spTgt>
+                                        </p:tgtEl>
+                                      </p:cBhvr>
+                                    </p:animEffect>
+                                  </p:childTnLst>
+                                </p:cTn>
+                              </p:par>
+                            </p:childTnLst>
+                          </p:cTn>
+                        </p:par>
+                      </p:childTnLst>
+                    </p:cTn>
+                  </p:par>
+                  <p:par>
+                    <p:cTn id="8" fill="hold">
+                      <p:stCondLst>
+                        <p:cond delay="indefinite"/>
+                      </p:stCondLst>
+                      <p:childTnLst>
+                        <p:par>
+                          <p:cTn id="9" fill="hold">
+                            <p:stCondLst>
+                              <p:cond delay="0"/>
+                            </p:stCondLst>
+                            <p:childTnLst>
+                              <p:par>
+                                <p:cTn id="10" presetID="10" presetClass="entr" presetSubtype="0" fill="hold" nodeType="clickEffect">
+                                  <p:stCondLst>
+                                    <p:cond delay="0"/>
+                                  </p:stCondLst>
+                                  <p:childTnLst>
+                                    <p:set>
+                                      <p:cBhvr>
+                                        <p:cTn id="11" dur="1" fill="hold">
+                                          <p:stCondLst>
+                                            <p:cond delay="0"/>
+                                          </p:stCondLst>
+                                        </p:cTn>
+                                        <p:tgtEl>
+                                          <p:spTgt spid="3">
+                                            <p:txEl>
+                                              <p:pRg st="1" end="1"/>
+                                            </p:txEl>
+                                          </p:spTgt>
+                                        </p:tgtEl>
+                                        <p:attrNameLst>
+                                          <p:attrName>style.visibility</p:attrName>
+                                        </p:attrNameLst>
+                                      </p:cBhvr>
+                                      <p:to>
+                                        <p:strVal val="visible"/>
+                                      </p:to>
+                                    </p:set>
+                                    <p:animEffect transition="in" filter="fade">
+                                      <p:cBhvr>
+                                        <p:cTn id="12" dur="500"/>
+                                        <p:tgtEl>
+                                          <p:spTgt spid="3">
+                                            <p:txEl>
+                                              <p:pRg st="1" end="1"/>
+                                            </p:txEl>
+                                          </p:spTgt>
+                                        </p:tgtEl>
+                                      </p:cBhvr>
+                                    </p:animEffect>
+                                  </p:childTnLst>
+                                </p:cTn>
+                              </p:par>
+                              <p:par>
+                                <p:cTn id="13" presetID="10" presetClass="entr" presetSubtype="0" fill="hold" grpId="0" nodeType="withEffect">
+                                  <p:stCondLst>
+                                    <p:cond delay="0"/>
+                                  </p:stCondLst>
+                                  <p:childTnLst>
+                                    <p:set>
+                                      <p:cBhvr>
+                                        <p:cTn id="14" dur="1" fill="hold">
+                                          <p:stCondLst>
+                                            <p:cond delay="0"/>
+                                          </p:stCondLst>
+                                        </p:cTn>
+                                        <p:tgtEl>
+                                          <p:spTgt spid="10"/>
+                                        </p:tgtEl>
+                                        <p:attrNameLst>
+                                          <p:attrName>style.visibility</p:attrName>
+                                        </p:attrNameLst>
+                                      </p:cBhvr>
+                                      <p:to>
+                                        <p:strVal val="visible"/>
+                                      </p:to>
+                                    </p:set>
+                                    <p:animEffect transition="in" filter="fade">
+                                      <p:cBhvr>
+                                        <p:cTn id="15" dur="500"/>
+                                        <p:tgtEl>
+                                          <p:spTgt spid="10"/>
+                                        </p:tgtEl>
+                                      </p:cBhvr>
+                                    </p:animEffect>
+                                  </p:childTnLst>
+                                </p:cTn>
+                              </p:par>
+                              <p:par>
+                                <p:cTn id="16" presetID="10" presetClass="entr" presetSubtype="0" fill="hold" nodeType="withEffect">
+                                  <p:stCondLst>
+                                    <p:cond delay="0"/>
+                                  </p:stCondLst>
+                                  <p:childTnLst>
+                                    <p:set>
+                                      <p:cBhvr>
+                                        <p:cTn id="17" dur="1" fill="hold">
+                                          <p:stCondLst>
+                                            <p:cond delay="0"/>
+                                          </p:stCondLst>
+                                        </p:cTn>
+                                        <p:tgtEl>
+                                          <p:spTgt spid="13"/>
+                                        </p:tgtEl>
+                                        <p:attrNameLst>
+                                          <p:attrName>style.visibility</p:attrName>
+                                        </p:attrNameLst>
+                                      </p:cBhvr>
+                                      <p:to>
+                                        <p:strVal val="visible"/>
+                                      </p:to>
+                                    </p:set>
+                                    <p:animEffect transition="in" filter="fade">
+                                      <p:cBhvr>
+                                        <p:cTn id="18" dur="500"/>
+                                        <p:tgtEl>
+                                          <p:spTgt spid="13"/>
+                                        </p:tgtEl>
+                                      </p:cBhvr>
+                                    </p:animEffect>
+                                  </p:childTnLst>
+                                </p:cTn>
+                              </p:par>
+                            </p:childTnLst>
+                          </p:cTn>
+                        </p:par>
+                      </p:childTnLst>
+                    </p:cTn>
+                  </p:par>
+                  <p:par>
+                    <p:cTn id="19" fill="hold">
+                      <p:stCondLst>
+                        <p:cond delay="indefinite"/>
+                      </p:stCondLst>
+                      <p:childTnLst>
+                        <p:par>
+                          <p:cTn id="20" fill="hold">
+                            <p:stCondLst>
+                              <p:cond delay="0"/>
+                            </p:stCondLst>
+                            <p:childTnLst>
+                              <p:par>
+                                <p:cTn id="21" presetID="10" presetClass="entr" presetSubtype="0" fill="hold" nodeType="clickEffect">
+                                  <p:stCondLst>
+                                    <p:cond delay="0"/>
+                                  </p:stCondLst>
+                                  <p:childTnLst>
+                                    <p:set>
+                                      <p:cBhvr>
+                                        <p:cTn id="22" dur="1" fill="hold">
+                                          <p:stCondLst>
+                                            <p:cond delay="0"/>
+                                          </p:stCondLst>
+                                        </p:cTn>
+                                        <p:tgtEl>
+                                          <p:spTgt spid="3">
+                                            <p:txEl>
+                                              <p:pRg st="2" end="2"/>
+                                            </p:txEl>
+                                          </p:spTgt>
+                                        </p:tgtEl>
+                                        <p:attrNameLst>
+                                          <p:attrName>style.visibility</p:attrName>
+                                        </p:attrNameLst>
+                                      </p:cBhvr>
+                                      <p:to>
+                                        <p:strVal val="visible"/>
+                                      </p:to>
+                                    </p:set>
+                                    <p:animEffect transition="in" filter="fade">
+                                      <p:cBhvr>
+                                        <p:cTn id="23" dur="500"/>
+                                        <p:tgtEl>
+                                          <p:spTgt spid="3">
+                                            <p:txEl>
+                                              <p:pRg st="2" end="2"/>
+                                            </p:txEl>
+                                          </p:spTgt>
+                                        </p:tgtEl>
+                                      </p:cBhvr>
+                                    </p:animEffect>
+                                  </p:childTnLst>
+                                </p:cTn>
+                              </p:par>
+                              <p:par>
+                                <p:cTn id="24" presetID="10" presetClass="entr" presetSubtype="0" fill="hold" grpId="0" nodeType="withEffect">
+                                  <p:stCondLst>
+                                    <p:cond delay="0"/>
+                                  </p:stCondLst>
+                                  <p:childTnLst>
+                                    <p:set>
+                                      <p:cBhvr>
+                                        <p:cTn id="25" dur="1" fill="hold">
+                                          <p:stCondLst>
+                                            <p:cond delay="0"/>
+                                          </p:stCondLst>
+                                        </p:cTn>
+                                        <p:tgtEl>
+                                          <p:spTgt spid="11"/>
+                                        </p:tgtEl>
+                                        <p:attrNameLst>
+                                          <p:attrName>style.visibility</p:attrName>
+                                        </p:attrNameLst>
+                                      </p:cBhvr>
+                                      <p:to>
+                                        <p:strVal val="visible"/>
+                                      </p:to>
+                                    </p:set>
+                                    <p:animEffect transition="in" filter="fade">
+                                      <p:cBhvr>
+                                        <p:cTn id="26" dur="500"/>
+                                        <p:tgtEl>
+                                          <p:spTgt spid="11"/>
+                                        </p:tgtEl>
+                                      </p:cBhvr>
+                                    </p:animEffect>
+                                  </p:childTnLst>
+                                </p:cTn>
+                              </p:par>
+                              <p:par>
+                                <p:cTn id="27" presetID="10" presetClass="entr" presetSubtype="0" fill="hold" nodeType="withEffect">
+                                  <p:stCondLst>
+                                    <p:cond delay="0"/>
+                                  </p:stCondLst>
+                                  <p:childTnLst>
+                                    <p:set>
+                                      <p:cBhvr>
+                                        <p:cTn id="28" dur="1" fill="hold">
+                                          <p:stCondLst>
+                                            <p:cond delay="0"/>
+                                          </p:stCondLst>
+                                        </p:cTn>
+                                        <p:tgtEl>
+                                          <p:spTgt spid="14"/>
+                                        </p:tgtEl>
+                                        <p:attrNameLst>
+                                          <p:attrName>style.visibility</p:attrName>
+                                        </p:attrNameLst>
+                                      </p:cBhvr>
+                                      <p:to>
+                                        <p:strVal val="visible"/>
+                                      </p:to>
+                                    </p:set>
+                                    <p:animEffect transition="in" filter="fade">
+                                      <p:cBhvr>
+                                        <p:cTn id="29" dur="500"/>
+                                        <p:tgtEl>
+                                          <p:spTgt spid="14"/>
+                                        </p:tgtEl>
+                                      </p:cBhvr>
+                                    </p:animEffect>
+                                  </p:childTnLst>
+                                </p:cTn>
+                              </p:par>
+                            </p:childTnLst>
+                          </p:cTn>
+                        </p:par>
+                      </p:childTnLst>
+                    </p:cTn>
+                  </p:par>
+                  <p:par>
+                    <p:cTn id="30" fill="hold">
+                      <p:stCondLst>
+                        <p:cond delay="indefinite"/>
+                      </p:stCondLst>
+                      <p:childTnLst>
+                        <p:par>
+                          <p:cTn id="31" fill="hold">
+                            <p:stCondLst>
+                              <p:cond delay="0"/>
+                            </p:stCondLst>
+                            <p:childTnLst>
+                              <p:par>
+                                <p:cTn id="32" presetID="10" presetClass="entr" presetSubtype="0" fill="hold" nodeType="clickEffect">
+                                  <p:stCondLst>
+                                    <p:cond delay="0"/>
+                                  </p:stCondLst>
+                                  <p:childTnLst>
+                                    <p:set>
+                                      <p:cBhvr>
+                                        <p:cTn id="33" dur="1" fill="hold">
+                                          <p:stCondLst>
+                                            <p:cond delay="0"/>
+                                          </p:stCondLst>
+                                        </p:cTn>
+                                        <p:tgtEl>
+                                          <p:spTgt spid="3">
+                                            <p:txEl>
+                                              <p:pRg st="3" end="3"/>
+                                            </p:txEl>
+                                          </p:spTgt>
+                                        </p:tgtEl>
+                                        <p:attrNameLst>
+                                          <p:attrName>style.visibility</p:attrName>
+                                        </p:attrNameLst>
+                                      </p:cBhvr>
+                                      <p:to>
+                                        <p:strVal val="visible"/>
+                                      </p:to>
+                                    </p:set>
+                                    <p:animEffect transition="in" filter="fade">
+                                      <p:cBhvr>
+                                        <p:cTn id="34" dur="500"/>
+                                        <p:tgtEl>
+                                          <p:spTgt spid="3">
+                                            <p:txEl>
+                                              <p:pRg st="3" end="3"/>
+                                            </p:txEl>
+                                          </p:spTgt>
+                                        </p:tgtEl>
+                                      </p:cBhvr>
+                                    </p:animEffect>
+                                  </p:childTnLst>
+                                </p:cTn>
+                              </p:par>
+                            </p:childTnLst>
+                          </p:cTn>
+                        </p:par>
+                      </p:childTnLst>
+                    </p:cTn>
+                  </p:par>
+                </p:childTnLst>
+              </p:cTn>
+              <p:prevCondLst>
+                <p:cond evt="onPrev" delay="0">
+                  <p:tgtEl>
+                    <p:sldTgt/>
+                  </p:tgtEl>
+                </p:cond>
+              </p:prevCondLst>
+              <p:nextCondLst>
+                <p:cond evt="onNext" delay="0">
+                  <p:tgtEl>
+                    <p:sldTgt/>
+                  </p:tgtEl>
+                </p:cond>
+              </p:nextCondLst>
+            </p:seq>
+          </p:childTnLst>
+        </p:cTn>
+      </p:par>
+    </p:tnLst>
+    <p:bldLst>
+      <p:bldP spid="10" grpId="0"/>
+      <p:bldP spid="11" grpId="0"/>
+    </p:bldLst>
+  </p:timing>
+</p:sld>
+</file>
+
+<file path=ppt/slides/slide11.xml><?xml version="1.0" encoding="utf-8"?>
+<p:sld xmlns:a="http://schemas.openxmlformats.org/drawingml/2006/main" xmlns:r="http://schemas.openxmlformats.org/officeDocument/2006/relationships" xmlns:p="http://schemas.openxmlformats.org/presentationml/2006/main">
+  <p:cSld>
+    <p:bg>
+      <p:bgPr>
+        <a:blipFill dpi="0" rotWithShape="1">
+          <a:blip r:embed="rId2">
+            <a:lum/>
+          </a:blip>
+          <a:srcRect/>
+          <a:stretch>
+            <a:fillRect/>
+          </a:stretch>
+        </a:blipFill>
+        <a:effectLst/>
+      </p:bgPr>
+    </p:bg>
+    <p:spTree>
+      <p:nvGrpSpPr>
+        <p:cNvPr id="1" name=""/>
+        <p:cNvGrpSpPr/>
+        <p:nvPr/>
+      </p:nvGrpSpPr>
+      <p:grpSpPr>
+        <a:xfrm>
+          <a:off x="0" y="0"/>
+          <a:ext cx="0" cy="0"/>
+          <a:chOff x="0" y="0"/>
+          <a:chExt cx="0" cy="0"/>
+        </a:xfrm>
+      </p:grpSpPr>
+      <p:sp>
+        <p:nvSpPr>
+          <p:cNvPr id="2" name="Title 1">
+            <a:extLst>
+              <a:ext uri="{FF2B5EF4-FFF2-40B4-BE49-F238E27FC236}">
+                <a16:creationId xmlns:a16="http://schemas.microsoft.com/office/drawing/2014/main" id="{55E11F08-6CA0-48F1-AD67-97430DDA07F0}"/>
+              </a:ext>
+            </a:extLst>
+          </p:cNvPr>
+          <p:cNvSpPr>
+            <a:spLocks noGrp="1"/>
+          </p:cNvSpPr>
+          <p:nvPr>
+            <p:ph type="title"/>
+          </p:nvPr>
+        </p:nvSpPr>
+        <p:spPr/>
+        <p:txBody>
+          <a:bodyPr/>
+          <a:lstStyle/>
+          <a:p>
+            <a:r>
+              <a:rPr lang="tr-TR" b="1" dirty="0">
+                <a:solidFill>
+                  <a:srgbClr val="292D33"/>
+                </a:solidFill>
+                <a:latin typeface="Euclid Circular B" panose="020B0504000000000000" pitchFamily="34" charset="0"/>
+                <a:ea typeface="Euclid Circular B" panose="020B0504000000000000" pitchFamily="34" charset="0"/>
+              </a:rPr>
               <a:t>Tye: CLI</a:t>
             </a:r>
             <a:endParaRPr lang="en-US" b="1" dirty="0">
@@ -3779,151 +4569,6 @@
 </p:sld>
 </file>
 
-<file path=ppt/slides/slide11.xml><?xml version="1.0" encoding="utf-8"?>
-<p:sld xmlns:a="http://schemas.openxmlformats.org/drawingml/2006/main" xmlns:r="http://schemas.openxmlformats.org/officeDocument/2006/relationships" xmlns:p="http://schemas.openxmlformats.org/presentationml/2006/main">
-  <p:cSld>
-    <p:bg>
-      <p:bgPr>
-        <a:blipFill dpi="0" rotWithShape="1">
-          <a:blip r:embed="rId2">
-            <a:lum/>
-          </a:blip>
-          <a:srcRect/>
-          <a:stretch>
-            <a:fillRect/>
-          </a:stretch>
-        </a:blipFill>
-        <a:effectLst/>
-      </p:bgPr>
-    </p:bg>
-    <p:spTree>
-      <p:nvGrpSpPr>
-        <p:cNvPr id="1" name=""/>
-        <p:cNvGrpSpPr/>
-        <p:nvPr/>
-      </p:nvGrpSpPr>
-      <p:grpSpPr>
-        <a:xfrm>
-          <a:off x="0" y="0"/>
-          <a:ext cx="0" cy="0"/>
-          <a:chOff x="0" y="0"/>
-          <a:chExt cx="0" cy="0"/>
-        </a:xfrm>
-      </p:grpSpPr>
-      <p:sp>
-        <p:nvSpPr>
-          <p:cNvPr id="2" name="Title 1">
-            <a:extLst>
-              <a:ext uri="{FF2B5EF4-FFF2-40B4-BE49-F238E27FC236}">
-                <a16:creationId xmlns:a16="http://schemas.microsoft.com/office/drawing/2014/main" id="{55E11F08-6CA0-48F1-AD67-97430DDA07F0}"/>
-              </a:ext>
-            </a:extLst>
-          </p:cNvPr>
-          <p:cNvSpPr>
-            <a:spLocks noGrp="1"/>
-          </p:cNvSpPr>
-          <p:nvPr>
-            <p:ph type="title"/>
-          </p:nvPr>
-        </p:nvSpPr>
-        <p:spPr/>
-        <p:txBody>
-          <a:bodyPr/>
-          <a:lstStyle/>
-          <a:p>
-            <a:r>
-              <a:rPr lang="tr-TR" b="1" dirty="0">
-                <a:solidFill>
-                  <a:srgbClr val="292D33"/>
-                </a:solidFill>
-                <a:latin typeface="Euclid Circular B" panose="020B0504000000000000" pitchFamily="34" charset="0"/>
-                <a:ea typeface="Euclid Circular B" panose="020B0504000000000000" pitchFamily="34" charset="0"/>
-              </a:rPr>
-              <a:t>Tye: Dashboard</a:t>
-            </a:r>
-            <a:br>
-              <a:rPr lang="tr-TR" b="1" dirty="0">
-                <a:solidFill>
-                  <a:srgbClr val="292D33"/>
-                </a:solidFill>
-                <a:latin typeface="Euclid Circular B" panose="020B0504000000000000" pitchFamily="34" charset="0"/>
-                <a:ea typeface="Euclid Circular B" panose="020B0504000000000000" pitchFamily="34" charset="0"/>
-              </a:rPr>
-            </a:br>
-            <a:r>
-              <a:rPr lang="tr-TR" sz="2000" b="1" dirty="0">
-                <a:solidFill>
-                  <a:srgbClr val="292D33"/>
-                </a:solidFill>
-                <a:latin typeface="Euclid Circular B" panose="020B0504000000000000" pitchFamily="34" charset="0"/>
-                <a:ea typeface="Euclid Circular B" panose="020B0504000000000000" pitchFamily="34" charset="0"/>
-                <a:hlinkClick r:id="rId3"/>
-              </a:rPr>
-              <a:t>http://localhost:8000</a:t>
-            </a:r>
-            <a:r>
-              <a:rPr lang="tr-TR" sz="2000" b="1" dirty="0">
-                <a:solidFill>
-                  <a:srgbClr val="292D33"/>
-                </a:solidFill>
-                <a:latin typeface="Euclid Circular B" panose="020B0504000000000000" pitchFamily="34" charset="0"/>
-                <a:ea typeface="Euclid Circular B" panose="020B0504000000000000" pitchFamily="34" charset="0"/>
-              </a:rPr>
-              <a:t> </a:t>
-            </a:r>
-            <a:endParaRPr lang="en-US" b="1" dirty="0">
-              <a:solidFill>
-                <a:srgbClr val="292D33"/>
-              </a:solidFill>
-              <a:latin typeface="Euclid Circular B" panose="020B0504000000000000" pitchFamily="34" charset="0"/>
-              <a:ea typeface="Euclid Circular B" panose="020B0504000000000000" pitchFamily="34" charset="0"/>
-            </a:endParaRPr>
-          </a:p>
-        </p:txBody>
-      </p:sp>
-      <p:pic>
-        <p:nvPicPr>
-          <p:cNvPr id="7" name="Picture 6">
-            <a:extLst>
-              <a:ext uri="{FF2B5EF4-FFF2-40B4-BE49-F238E27FC236}">
-                <a16:creationId xmlns:a16="http://schemas.microsoft.com/office/drawing/2014/main" id="{964585C5-7CEC-9549-0975-E56EF31D178C}"/>
-              </a:ext>
-            </a:extLst>
-          </p:cNvPr>
-          <p:cNvPicPr>
-            <a:picLocks noChangeAspect="1"/>
-          </p:cNvPicPr>
-          <p:nvPr/>
-        </p:nvPicPr>
-        <p:blipFill>
-          <a:blip r:embed="rId4"/>
-          <a:stretch>
-            <a:fillRect/>
-          </a:stretch>
-        </p:blipFill>
-        <p:spPr>
-          <a:xfrm>
-            <a:off x="647369" y="1824797"/>
-            <a:ext cx="9845842" cy="4668078"/>
-          </a:xfrm>
-          <a:prstGeom prst="rect">
-            <a:avLst/>
-          </a:prstGeom>
-        </p:spPr>
-      </p:pic>
-    </p:spTree>
-    <p:extLst>
-      <p:ext uri="{BB962C8B-B14F-4D97-AF65-F5344CB8AC3E}">
-        <p14:creationId xmlns:p14="http://schemas.microsoft.com/office/powerpoint/2010/main" val="992001038"/>
-      </p:ext>
-    </p:extLst>
-  </p:cSld>
-  <p:clrMapOvr>
-    <a:masterClrMapping/>
-  </p:clrMapOvr>
-</p:sld>
-</file>
-
 <file path=ppt/slides/slide12.xml><?xml version="1.0" encoding="utf-8"?>
 <p:sld xmlns:a="http://schemas.openxmlformats.org/drawingml/2006/main" xmlns:r="http://schemas.openxmlformats.org/officeDocument/2006/relationships" xmlns:p="http://schemas.openxmlformats.org/presentationml/2006/main">
   <p:cSld>
@@ -3984,7 +4629,37 @@
                 <a:latin typeface="Euclid Circular B" panose="020B0504000000000000" pitchFamily="34" charset="0"/>
                 <a:ea typeface="Euclid Circular B" panose="020B0504000000000000" pitchFamily="34" charset="0"/>
               </a:rPr>
-              <a:t>Tye: Demo</a:t>
+              <a:t>Tye: Dashboard</a:t>
+            </a:r>
+            <a:br>
+              <a:rPr lang="tr-TR" b="1" dirty="0">
+                <a:solidFill>
+                  <a:srgbClr val="292D33"/>
+                </a:solidFill>
+                <a:latin typeface="Euclid Circular B" panose="020B0504000000000000" pitchFamily="34" charset="0"/>
+                <a:ea typeface="Euclid Circular B" panose="020B0504000000000000" pitchFamily="34" charset="0"/>
+              </a:rPr>
+            </a:br>
+            <a:r>
+              <a:rPr lang="tr-TR" sz="2000" b="1" dirty="0">
+                <a:solidFill>
+                  <a:srgbClr val="292D33"/>
+                </a:solidFill>
+                <a:latin typeface="Euclid Circular B" panose="020B0504000000000000" pitchFamily="34" charset="0"/>
+                <a:ea typeface="Euclid Circular B" panose="020B0504000000000000" pitchFamily="34" charset="0"/>
+                <a:hlinkClick r:id="rId3"/>
+              </a:rPr>
+              <a:t>http://localhost:8000</a:t>
+            </a:r>
+            <a:r>
+              <a:rPr lang="tr-TR" sz="2000" b="1" dirty="0">
+                <a:solidFill>
+                  <a:srgbClr val="292D33"/>
+                </a:solidFill>
+                <a:latin typeface="Euclid Circular B" panose="020B0504000000000000" pitchFamily="34" charset="0"/>
+                <a:ea typeface="Euclid Circular B" panose="020B0504000000000000" pitchFamily="34" charset="0"/>
+              </a:rPr>
+              <a:t> </a:t>
             </a:r>
             <a:endParaRPr lang="en-US" b="1" dirty="0">
               <a:solidFill>
@@ -3996,68 +4671,40 @@
           </a:p>
         </p:txBody>
       </p:sp>
-      <p:sp>
-        <p:nvSpPr>
-          <p:cNvPr id="3" name="Content Placeholder 2">
-            <a:extLst>
-              <a:ext uri="{FF2B5EF4-FFF2-40B4-BE49-F238E27FC236}">
-                <a16:creationId xmlns:a16="http://schemas.microsoft.com/office/drawing/2014/main" id="{891C7693-D3DF-4635-96F4-97F3B4136FDF}"/>
-              </a:ext>
-            </a:extLst>
-          </p:cNvPr>
-          <p:cNvSpPr>
-            <a:spLocks noGrp="1"/>
-          </p:cNvSpPr>
-          <p:nvPr>
-            <p:ph idx="1"/>
-          </p:nvPr>
-        </p:nvSpPr>
-        <p:spPr/>
-        <p:txBody>
-          <a:bodyPr>
-            <a:normAutofit/>
-          </a:bodyPr>
-          <a:lstStyle/>
-          <a:p>
-            <a:pPr marL="0" indent="0" algn="ctr">
-              <a:buNone/>
-            </a:pPr>
-            <a:endParaRPr lang="tr-TR" sz="4800" i="1" dirty="0">
-              <a:solidFill>
-                <a:srgbClr val="C00000"/>
-              </a:solidFill>
-              <a:latin typeface="Euclid Circular B" panose="020B0504000000000000" pitchFamily="34" charset="0"/>
-              <a:ea typeface="Euclid Circular B" panose="020B0504000000000000" pitchFamily="34" charset="0"/>
-            </a:endParaRPr>
-          </a:p>
-          <a:p>
-            <a:pPr marL="0" indent="0" algn="ctr">
-              <a:buNone/>
-            </a:pPr>
-            <a:r>
-              <a:rPr lang="tr-TR" sz="12000" i="1" dirty="0">
-                <a:solidFill>
-                  <a:srgbClr val="C00000"/>
-                </a:solidFill>
-                <a:latin typeface="Euclid Circular B" panose="020B0504000000000000" pitchFamily="34" charset="0"/>
-                <a:ea typeface="Euclid Circular B" panose="020B0504000000000000" pitchFamily="34" charset="0"/>
-              </a:rPr>
-              <a:t>DEMO..!</a:t>
-            </a:r>
-            <a:endParaRPr lang="en-US" sz="12000" i="1" dirty="0">
-              <a:solidFill>
-                <a:srgbClr val="C00000"/>
-              </a:solidFill>
-              <a:latin typeface="Euclid Circular B" panose="020B0504000000000000" pitchFamily="34" charset="0"/>
-              <a:ea typeface="Euclid Circular B" panose="020B0504000000000000" pitchFamily="34" charset="0"/>
-            </a:endParaRPr>
-          </a:p>
-        </p:txBody>
-      </p:sp>
+      <p:pic>
+        <p:nvPicPr>
+          <p:cNvPr id="7" name="Picture 6">
+            <a:extLst>
+              <a:ext uri="{FF2B5EF4-FFF2-40B4-BE49-F238E27FC236}">
+                <a16:creationId xmlns:a16="http://schemas.microsoft.com/office/drawing/2014/main" id="{964585C5-7CEC-9549-0975-E56EF31D178C}"/>
+              </a:ext>
+            </a:extLst>
+          </p:cNvPr>
+          <p:cNvPicPr>
+            <a:picLocks noChangeAspect="1"/>
+          </p:cNvPicPr>
+          <p:nvPr/>
+        </p:nvPicPr>
+        <p:blipFill>
+          <a:blip r:embed="rId4"/>
+          <a:stretch>
+            <a:fillRect/>
+          </a:stretch>
+        </p:blipFill>
+        <p:spPr>
+          <a:xfrm>
+            <a:off x="647369" y="1824797"/>
+            <a:ext cx="9845842" cy="4668078"/>
+          </a:xfrm>
+          <a:prstGeom prst="rect">
+            <a:avLst/>
+          </a:prstGeom>
+        </p:spPr>
+      </p:pic>
     </p:spTree>
     <p:extLst>
       <p:ext uri="{BB962C8B-B14F-4D97-AF65-F5344CB8AC3E}">
-        <p14:creationId xmlns:p14="http://schemas.microsoft.com/office/powerpoint/2010/main" val="1267065647"/>
+        <p14:creationId xmlns:p14="http://schemas.microsoft.com/office/powerpoint/2010/main" val="992001038"/>
       </p:ext>
     </p:extLst>
   </p:cSld>
@@ -4127,7 +4774,7 @@
                 <a:latin typeface="Euclid Circular B" panose="020B0504000000000000" pitchFamily="34" charset="0"/>
                 <a:ea typeface="Euclid Circular B" panose="020B0504000000000000" pitchFamily="34" charset="0"/>
               </a:rPr>
-              <a:t>Tye: Shortcomings</a:t>
+              <a:t>Demo: The Example Microservice Solution</a:t>
             </a:r>
             <a:endParaRPr lang="en-US" b="1" dirty="0">
               <a:solidFill>
@@ -4141,174 +4788,1786 @@
       </p:sp>
       <p:sp>
         <p:nvSpPr>
-          <p:cNvPr id="3" name="Content Placeholder 2">
-            <a:extLst>
-              <a:ext uri="{FF2B5EF4-FFF2-40B4-BE49-F238E27FC236}">
-                <a16:creationId xmlns:a16="http://schemas.microsoft.com/office/drawing/2014/main" id="{891C7693-D3DF-4635-96F4-97F3B4136FDF}"/>
-              </a:ext>
-            </a:extLst>
-          </p:cNvPr>
-          <p:cNvSpPr>
-            <a:spLocks noGrp="1"/>
-          </p:cNvSpPr>
-          <p:nvPr>
-            <p:ph idx="1"/>
-          </p:nvPr>
+          <p:cNvPr id="53" name="Rectangle 52">
+            <a:extLst>
+              <a:ext uri="{FF2B5EF4-FFF2-40B4-BE49-F238E27FC236}">
+                <a16:creationId xmlns:a16="http://schemas.microsoft.com/office/drawing/2014/main" id="{CD9F446E-30DD-E319-0078-22FFE0141F7D}"/>
+              </a:ext>
+            </a:extLst>
+          </p:cNvPr>
+          <p:cNvSpPr/>
+          <p:nvPr/>
         </p:nvSpPr>
         <p:spPr>
           <a:xfrm>
-            <a:off x="838199" y="1825625"/>
-            <a:ext cx="10826363" cy="4351338"/>
+            <a:off x="1660850" y="4273982"/>
+            <a:ext cx="1526796" cy="553673"/>
           </a:xfrm>
+          <a:prstGeom prst="rect">
+            <a:avLst/>
+          </a:prstGeom>
+        </p:spPr>
+        <p:style>
+          <a:lnRef idx="2">
+            <a:schemeClr val="accent2">
+              <a:shade val="50000"/>
+            </a:schemeClr>
+          </a:lnRef>
+          <a:fillRef idx="1">
+            <a:schemeClr val="accent2"/>
+          </a:fillRef>
+          <a:effectRef idx="0">
+            <a:schemeClr val="accent2"/>
+          </a:effectRef>
+          <a:fontRef idx="minor">
+            <a:schemeClr val="lt1"/>
+          </a:fontRef>
+        </p:style>
+        <p:txBody>
+          <a:bodyPr rtlCol="0" anchor="ctr"/>
+          <a:lstStyle/>
+          <a:p>
+            <a:pPr algn="ctr"/>
+            <a:r>
+              <a:rPr lang="en-US" sz="1600" dirty="0"/>
+              <a:t>Public Web Site</a:t>
+            </a:r>
+          </a:p>
+          <a:p>
+            <a:pPr algn="ctr"/>
+            <a:r>
+              <a:rPr lang="en-US" sz="1600" dirty="0"/>
+              <a:t>(MVC)</a:t>
+            </a:r>
+          </a:p>
+        </p:txBody>
+      </p:sp>
+      <p:sp>
+        <p:nvSpPr>
+          <p:cNvPr id="54" name="Rectangle 53">
+            <a:extLst>
+              <a:ext uri="{FF2B5EF4-FFF2-40B4-BE49-F238E27FC236}">
+                <a16:creationId xmlns:a16="http://schemas.microsoft.com/office/drawing/2014/main" id="{699F1BEC-4A7E-6E7D-4767-DD0E7A7281C8}"/>
+              </a:ext>
+            </a:extLst>
+          </p:cNvPr>
+          <p:cNvSpPr/>
+          <p:nvPr/>
+        </p:nvSpPr>
+        <p:spPr>
+          <a:xfrm>
+            <a:off x="1660850" y="3141800"/>
+            <a:ext cx="1526796" cy="553673"/>
+          </a:xfrm>
+          <a:prstGeom prst="rect">
+            <a:avLst/>
+          </a:prstGeom>
+        </p:spPr>
+        <p:style>
+          <a:lnRef idx="2">
+            <a:schemeClr val="accent2">
+              <a:shade val="50000"/>
+            </a:schemeClr>
+          </a:lnRef>
+          <a:fillRef idx="1">
+            <a:schemeClr val="accent2"/>
+          </a:fillRef>
+          <a:effectRef idx="0">
+            <a:schemeClr val="accent2"/>
+          </a:effectRef>
+          <a:fontRef idx="minor">
+            <a:schemeClr val="lt1"/>
+          </a:fontRef>
+        </p:style>
+        <p:txBody>
+          <a:bodyPr rtlCol="0" anchor="ctr"/>
+          <a:lstStyle/>
+          <a:p>
+            <a:pPr algn="ctr"/>
+            <a:r>
+              <a:rPr lang="en-US" sz="1400" dirty="0"/>
+              <a:t>Backend Admin Application (</a:t>
+            </a:r>
+            <a:r>
+              <a:rPr lang="tr-TR" sz="1400" dirty="0"/>
+              <a:t>MVC</a:t>
+            </a:r>
+            <a:r>
+              <a:rPr lang="en-US" sz="1400" dirty="0"/>
+              <a:t>)</a:t>
+            </a:r>
+          </a:p>
+        </p:txBody>
+      </p:sp>
+      <p:sp>
+        <p:nvSpPr>
+          <p:cNvPr id="55" name="Rectangle 54">
+            <a:extLst>
+              <a:ext uri="{FF2B5EF4-FFF2-40B4-BE49-F238E27FC236}">
+                <a16:creationId xmlns:a16="http://schemas.microsoft.com/office/drawing/2014/main" id="{7E524165-272C-FC6E-3DEF-6FA2FD8DE917}"/>
+              </a:ext>
+            </a:extLst>
+          </p:cNvPr>
+          <p:cNvSpPr/>
+          <p:nvPr/>
+        </p:nvSpPr>
+        <p:spPr>
+          <a:xfrm>
+            <a:off x="3717397" y="4270270"/>
+            <a:ext cx="1902690" cy="553673"/>
+          </a:xfrm>
+          <a:prstGeom prst="rect">
+            <a:avLst/>
+          </a:prstGeom>
+        </p:spPr>
+        <p:style>
+          <a:lnRef idx="2">
+            <a:schemeClr val="dk1">
+              <a:shade val="50000"/>
+            </a:schemeClr>
+          </a:lnRef>
+          <a:fillRef idx="1">
+            <a:schemeClr val="dk1"/>
+          </a:fillRef>
+          <a:effectRef idx="0">
+            <a:schemeClr val="dk1"/>
+          </a:effectRef>
+          <a:fontRef idx="minor">
+            <a:schemeClr val="lt1"/>
+          </a:fontRef>
+        </p:style>
+        <p:txBody>
+          <a:bodyPr rtlCol="0" anchor="ctr"/>
+          <a:lstStyle/>
+          <a:p>
+            <a:r>
+              <a:rPr lang="en-US" sz="1600" dirty="0"/>
+              <a:t>Public Web Site</a:t>
+            </a:r>
+          </a:p>
+          <a:p>
+            <a:r>
+              <a:rPr lang="tr-TR" sz="1600" dirty="0"/>
+              <a:t>API </a:t>
+            </a:r>
+            <a:r>
+              <a:rPr lang="en-US" sz="1600" dirty="0"/>
+              <a:t>Gateway</a:t>
+            </a:r>
+          </a:p>
+        </p:txBody>
+      </p:sp>
+      <p:sp>
+        <p:nvSpPr>
+          <p:cNvPr id="56" name="Rectangle 55">
+            <a:extLst>
+              <a:ext uri="{FF2B5EF4-FFF2-40B4-BE49-F238E27FC236}">
+                <a16:creationId xmlns:a16="http://schemas.microsoft.com/office/drawing/2014/main" id="{EEF6B298-9E72-C264-4EFA-3B15A49FA654}"/>
+              </a:ext>
+            </a:extLst>
+          </p:cNvPr>
+          <p:cNvSpPr/>
+          <p:nvPr/>
+        </p:nvSpPr>
+        <p:spPr>
+          <a:xfrm>
+            <a:off x="6153563" y="3697358"/>
+            <a:ext cx="2198613" cy="553673"/>
+          </a:xfrm>
+          <a:prstGeom prst="rect">
+            <a:avLst/>
+          </a:prstGeom>
+        </p:spPr>
+        <p:style>
+          <a:lnRef idx="2">
+            <a:schemeClr val="accent4">
+              <a:shade val="50000"/>
+            </a:schemeClr>
+          </a:lnRef>
+          <a:fillRef idx="1">
+            <a:schemeClr val="accent4"/>
+          </a:fillRef>
+          <a:effectRef idx="0">
+            <a:schemeClr val="accent4"/>
+          </a:effectRef>
+          <a:fontRef idx="minor">
+            <a:schemeClr val="lt1"/>
+          </a:fontRef>
+        </p:style>
+        <p:txBody>
+          <a:bodyPr rtlCol="0" anchor="ctr"/>
+          <a:lstStyle/>
+          <a:p>
+            <a:r>
+              <a:rPr lang="tr-TR" sz="1600" dirty="0">
+                <a:solidFill>
+                  <a:schemeClr val="tx1"/>
+                </a:solidFill>
+              </a:rPr>
+              <a:t>Ordering</a:t>
+            </a:r>
+            <a:br>
+              <a:rPr lang="en-US" sz="1600" dirty="0">
+                <a:solidFill>
+                  <a:schemeClr val="tx1"/>
+                </a:solidFill>
+              </a:rPr>
+            </a:br>
+            <a:r>
+              <a:rPr lang="en-US" sz="1600" dirty="0">
+                <a:solidFill>
+                  <a:schemeClr val="tx1"/>
+                </a:solidFill>
+              </a:rPr>
+              <a:t>Microservice</a:t>
+            </a:r>
+          </a:p>
+        </p:txBody>
+      </p:sp>
+      <p:sp>
+        <p:nvSpPr>
+          <p:cNvPr id="57" name="Rectangle 56">
+            <a:extLst>
+              <a:ext uri="{FF2B5EF4-FFF2-40B4-BE49-F238E27FC236}">
+                <a16:creationId xmlns:a16="http://schemas.microsoft.com/office/drawing/2014/main" id="{0BAA008B-B233-597A-C9C6-3836AF12E023}"/>
+              </a:ext>
+            </a:extLst>
+          </p:cNvPr>
+          <p:cNvSpPr/>
+          <p:nvPr/>
+        </p:nvSpPr>
+        <p:spPr>
+          <a:xfrm>
+            <a:off x="6153564" y="2751500"/>
+            <a:ext cx="2198614" cy="553673"/>
+          </a:xfrm>
+          <a:prstGeom prst="rect">
+            <a:avLst/>
+          </a:prstGeom>
+        </p:spPr>
+        <p:style>
+          <a:lnRef idx="2">
+            <a:schemeClr val="accent4">
+              <a:shade val="50000"/>
+            </a:schemeClr>
+          </a:lnRef>
+          <a:fillRef idx="1">
+            <a:schemeClr val="accent4"/>
+          </a:fillRef>
+          <a:effectRef idx="0">
+            <a:schemeClr val="accent4"/>
+          </a:effectRef>
+          <a:fontRef idx="minor">
+            <a:schemeClr val="lt1"/>
+          </a:fontRef>
+        </p:style>
+        <p:txBody>
+          <a:bodyPr rtlCol="0" anchor="ctr"/>
+          <a:lstStyle/>
+          <a:p>
+            <a:r>
+              <a:rPr lang="tr-TR" sz="1600" dirty="0">
+                <a:solidFill>
+                  <a:schemeClr val="tx1"/>
+                </a:solidFill>
+              </a:rPr>
+              <a:t>Product</a:t>
+            </a:r>
+            <a:br>
+              <a:rPr lang="en-US" sz="1600" dirty="0">
+                <a:solidFill>
+                  <a:schemeClr val="tx1"/>
+                </a:solidFill>
+              </a:rPr>
+            </a:br>
+            <a:r>
+              <a:rPr lang="en-US" sz="1600" dirty="0">
+                <a:solidFill>
+                  <a:schemeClr val="tx1"/>
+                </a:solidFill>
+              </a:rPr>
+              <a:t>Microservice</a:t>
+            </a:r>
+          </a:p>
+        </p:txBody>
+      </p:sp>
+      <p:sp>
+        <p:nvSpPr>
+          <p:cNvPr id="58" name="Rectangle 57">
+            <a:extLst>
+              <a:ext uri="{FF2B5EF4-FFF2-40B4-BE49-F238E27FC236}">
+                <a16:creationId xmlns:a16="http://schemas.microsoft.com/office/drawing/2014/main" id="{F393389E-4960-1DDF-9BF1-EC13FB11713C}"/>
+              </a:ext>
+            </a:extLst>
+          </p:cNvPr>
+          <p:cNvSpPr/>
+          <p:nvPr/>
+        </p:nvSpPr>
+        <p:spPr>
+          <a:xfrm>
+            <a:off x="6153564" y="4620351"/>
+            <a:ext cx="2198614" cy="553673"/>
+          </a:xfrm>
+          <a:prstGeom prst="rect">
+            <a:avLst/>
+          </a:prstGeom>
+        </p:spPr>
+        <p:style>
+          <a:lnRef idx="2">
+            <a:schemeClr val="accent4">
+              <a:shade val="50000"/>
+            </a:schemeClr>
+          </a:lnRef>
+          <a:fillRef idx="1">
+            <a:schemeClr val="accent4"/>
+          </a:fillRef>
+          <a:effectRef idx="0">
+            <a:schemeClr val="accent4"/>
+          </a:effectRef>
+          <a:fontRef idx="minor">
+            <a:schemeClr val="lt1"/>
+          </a:fontRef>
+        </p:style>
+        <p:txBody>
+          <a:bodyPr rtlCol="0" anchor="ctr"/>
+          <a:lstStyle/>
+          <a:p>
+            <a:r>
+              <a:rPr lang="tr-TR" sz="1600" dirty="0">
+                <a:solidFill>
+                  <a:schemeClr val="tx1"/>
+                </a:solidFill>
+              </a:rPr>
+              <a:t>Identity</a:t>
+            </a:r>
+            <a:br>
+              <a:rPr lang="en-US" sz="1600" dirty="0">
+                <a:solidFill>
+                  <a:schemeClr val="tx1"/>
+                </a:solidFill>
+              </a:rPr>
+            </a:br>
+            <a:r>
+              <a:rPr lang="en-US" sz="1600" dirty="0">
+                <a:solidFill>
+                  <a:schemeClr val="tx1"/>
+                </a:solidFill>
+              </a:rPr>
+              <a:t>Microservice</a:t>
+            </a:r>
+          </a:p>
+        </p:txBody>
+      </p:sp>
+      <p:sp>
+        <p:nvSpPr>
+          <p:cNvPr id="59" name="Rectangle 58">
+            <a:extLst>
+              <a:ext uri="{FF2B5EF4-FFF2-40B4-BE49-F238E27FC236}">
+                <a16:creationId xmlns:a16="http://schemas.microsoft.com/office/drawing/2014/main" id="{CFEEFE38-238F-812E-BE3D-569614C58D8C}"/>
+              </a:ext>
+            </a:extLst>
+          </p:cNvPr>
+          <p:cNvSpPr/>
+          <p:nvPr/>
+        </p:nvSpPr>
+        <p:spPr>
+          <a:xfrm>
+            <a:off x="3717397" y="1810700"/>
+            <a:ext cx="4634779" cy="553673"/>
+          </a:xfrm>
+          <a:prstGeom prst="rect">
+            <a:avLst/>
+          </a:prstGeom>
+          <a:solidFill>
+            <a:schemeClr val="accent1">
+              <a:lumMod val="40000"/>
+              <a:lumOff val="60000"/>
+            </a:schemeClr>
+          </a:solidFill>
+        </p:spPr>
+        <p:style>
+          <a:lnRef idx="2">
+            <a:schemeClr val="accent1">
+              <a:shade val="50000"/>
+            </a:schemeClr>
+          </a:lnRef>
+          <a:fillRef idx="1">
+            <a:schemeClr val="accent1"/>
+          </a:fillRef>
+          <a:effectRef idx="0">
+            <a:schemeClr val="accent1"/>
+          </a:effectRef>
+          <a:fontRef idx="minor">
+            <a:schemeClr val="lt1"/>
+          </a:fontRef>
+        </p:style>
+        <p:txBody>
+          <a:bodyPr rtlCol="0" anchor="ctr"/>
+          <a:lstStyle/>
+          <a:p>
+            <a:pPr algn="ctr"/>
+            <a:r>
+              <a:rPr lang="en-US" dirty="0">
+                <a:solidFill>
+                  <a:schemeClr val="tx1"/>
+                </a:solidFill>
+              </a:rPr>
+              <a:t>Authentication Server</a:t>
+            </a:r>
+          </a:p>
+        </p:txBody>
+      </p:sp>
+      <p:pic>
+        <p:nvPicPr>
+          <p:cNvPr id="61" name="Picture 4" descr="Image result for sql server">
+            <a:extLst>
+              <a:ext uri="{FF2B5EF4-FFF2-40B4-BE49-F238E27FC236}">
+                <a16:creationId xmlns:a16="http://schemas.microsoft.com/office/drawing/2014/main" id="{57D149FB-AC48-93ED-9F34-259F9D2B5D34}"/>
+              </a:ext>
+            </a:extLst>
+          </p:cNvPr>
+          <p:cNvPicPr>
+            <a:picLocks noChangeAspect="1" noChangeArrowheads="1"/>
+          </p:cNvPicPr>
+          <p:nvPr/>
+        </p:nvPicPr>
+        <p:blipFill>
+          <a:blip r:embed="rId3">
+            <a:extLst>
+              <a:ext uri="{28A0092B-C50C-407E-A947-70E740481C1C}">
+                <a14:useLocalDpi xmlns:a14="http://schemas.microsoft.com/office/drawing/2010/main" val="0"/>
+              </a:ext>
+            </a:extLst>
+          </a:blip>
+          <a:srcRect/>
+          <a:stretch>
+            <a:fillRect/>
+          </a:stretch>
+        </p:blipFill>
+        <p:spPr bwMode="auto">
+          <a:xfrm>
+            <a:off x="7662316" y="4609663"/>
+            <a:ext cx="640673" cy="517910"/>
+          </a:xfrm>
+          <a:prstGeom prst="rect">
+            <a:avLst/>
+          </a:prstGeom>
+          <a:noFill/>
+          <a:extLst>
+            <a:ext uri="{909E8E84-426E-40DD-AFC4-6F175D3DCCD1}">
+              <a14:hiddenFill xmlns:a14="http://schemas.microsoft.com/office/drawing/2010/main">
+                <a:solidFill>
+                  <a:srgbClr val="FFFFFF"/>
+                </a:solidFill>
+              </a14:hiddenFill>
+            </a:ext>
+          </a:extLst>
+        </p:spPr>
+      </p:pic>
+      <p:pic>
+        <p:nvPicPr>
+          <p:cNvPr id="62" name="Picture 4" descr="Image result for sql server">
+            <a:extLst>
+              <a:ext uri="{FF2B5EF4-FFF2-40B4-BE49-F238E27FC236}">
+                <a16:creationId xmlns:a16="http://schemas.microsoft.com/office/drawing/2014/main" id="{094AC15A-D530-E2F7-2DA2-56B36D817532}"/>
+              </a:ext>
+            </a:extLst>
+          </p:cNvPr>
+          <p:cNvPicPr>
+            <a:picLocks noChangeAspect="1" noChangeArrowheads="1"/>
+          </p:cNvPicPr>
+          <p:nvPr/>
+        </p:nvPicPr>
+        <p:blipFill>
+          <a:blip r:embed="rId3">
+            <a:extLst>
+              <a:ext uri="{28A0092B-C50C-407E-A947-70E740481C1C}">
+                <a14:useLocalDpi xmlns:a14="http://schemas.microsoft.com/office/drawing/2010/main" val="0"/>
+              </a:ext>
+            </a:extLst>
+          </a:blip>
+          <a:srcRect/>
+          <a:stretch>
+            <a:fillRect/>
+          </a:stretch>
+        </p:blipFill>
+        <p:spPr bwMode="auto">
+          <a:xfrm>
+            <a:off x="7662316" y="2758993"/>
+            <a:ext cx="665267" cy="537791"/>
+          </a:xfrm>
+          <a:prstGeom prst="rect">
+            <a:avLst/>
+          </a:prstGeom>
+          <a:noFill/>
+          <a:extLst>
+            <a:ext uri="{909E8E84-426E-40DD-AFC4-6F175D3DCCD1}">
+              <a14:hiddenFill xmlns:a14="http://schemas.microsoft.com/office/drawing/2010/main">
+                <a:solidFill>
+                  <a:srgbClr val="FFFFFF"/>
+                </a:solidFill>
+              </a14:hiddenFill>
+            </a:ext>
+          </a:extLst>
+        </p:spPr>
+      </p:pic>
+      <p:sp>
+        <p:nvSpPr>
+          <p:cNvPr id="63" name="Rectangle 62">
+            <a:extLst>
+              <a:ext uri="{FF2B5EF4-FFF2-40B4-BE49-F238E27FC236}">
+                <a16:creationId xmlns:a16="http://schemas.microsoft.com/office/drawing/2014/main" id="{FA699CE6-B957-4823-EBA4-2B7B5019091A}"/>
+              </a:ext>
+            </a:extLst>
+          </p:cNvPr>
+          <p:cNvSpPr/>
+          <p:nvPr/>
+        </p:nvSpPr>
+        <p:spPr>
+          <a:xfrm rot="5400000" flipH="1">
+            <a:off x="8034027" y="3599398"/>
+            <a:ext cx="2422524" cy="726728"/>
+          </a:xfrm>
+          <a:prstGeom prst="rect">
+            <a:avLst/>
+          </a:prstGeom>
+        </p:spPr>
+        <p:style>
+          <a:lnRef idx="2">
+            <a:schemeClr val="accent6">
+              <a:shade val="50000"/>
+            </a:schemeClr>
+          </a:lnRef>
+          <a:fillRef idx="1">
+            <a:schemeClr val="accent6"/>
+          </a:fillRef>
+          <a:effectRef idx="0">
+            <a:schemeClr val="accent6"/>
+          </a:effectRef>
+          <a:fontRef idx="minor">
+            <a:schemeClr val="lt1"/>
+          </a:fontRef>
+        </p:style>
+        <p:txBody>
+          <a:bodyPr rtlCol="0" anchor="ctr"/>
+          <a:lstStyle/>
+          <a:p>
+            <a:r>
+              <a:rPr lang="tr-TR" dirty="0"/>
+              <a:t>    </a:t>
+            </a:r>
+            <a:r>
+              <a:rPr lang="en-US" dirty="0"/>
+              <a:t>Event Bus</a:t>
+            </a:r>
+          </a:p>
+        </p:txBody>
+      </p:sp>
+      <p:pic>
+        <p:nvPicPr>
+          <p:cNvPr id="64" name="Picture 2" descr="Image result for rabbitmq logo">
+            <a:extLst>
+              <a:ext uri="{FF2B5EF4-FFF2-40B4-BE49-F238E27FC236}">
+                <a16:creationId xmlns:a16="http://schemas.microsoft.com/office/drawing/2014/main" id="{CA0212F7-2196-DC04-8D40-758EAB148846}"/>
+              </a:ext>
+            </a:extLst>
+          </p:cNvPr>
+          <p:cNvPicPr>
+            <a:picLocks noChangeAspect="1" noChangeArrowheads="1"/>
+          </p:cNvPicPr>
+          <p:nvPr/>
+        </p:nvPicPr>
+        <p:blipFill>
+          <a:blip r:embed="rId4">
+            <a:extLst>
+              <a:ext uri="{28A0092B-C50C-407E-A947-70E740481C1C}">
+                <a14:useLocalDpi xmlns:a14="http://schemas.microsoft.com/office/drawing/2010/main" val="0"/>
+              </a:ext>
+            </a:extLst>
+          </a:blip>
+          <a:srcRect/>
+          <a:stretch>
+            <a:fillRect/>
+          </a:stretch>
+        </p:blipFill>
+        <p:spPr bwMode="auto">
+          <a:xfrm>
+            <a:off x="8958676" y="4256888"/>
+            <a:ext cx="579284" cy="613059"/>
+          </a:xfrm>
+          <a:prstGeom prst="rect">
+            <a:avLst/>
+          </a:prstGeom>
+          <a:noFill/>
+          <a:extLst>
+            <a:ext uri="{909E8E84-426E-40DD-AFC4-6F175D3DCCD1}">
+              <a14:hiddenFill xmlns:a14="http://schemas.microsoft.com/office/drawing/2010/main">
+                <a:solidFill>
+                  <a:srgbClr val="FFFFFF"/>
+                </a:solidFill>
+              </a14:hiddenFill>
+            </a:ext>
+          </a:extLst>
+        </p:spPr>
+      </p:pic>
+      <p:sp>
+        <p:nvSpPr>
+          <p:cNvPr id="65" name="TextBox 64">
+            <a:extLst>
+              <a:ext uri="{FF2B5EF4-FFF2-40B4-BE49-F238E27FC236}">
+                <a16:creationId xmlns:a16="http://schemas.microsoft.com/office/drawing/2014/main" id="{778689D4-8E9B-EE6F-397E-5907F5E85918}"/>
+              </a:ext>
+            </a:extLst>
+          </p:cNvPr>
+          <p:cNvSpPr txBox="1"/>
+          <p:nvPr/>
+        </p:nvSpPr>
+        <p:spPr>
+          <a:xfrm>
+            <a:off x="8880629" y="4901631"/>
+            <a:ext cx="769763" cy="261610"/>
+          </a:xfrm>
+          <a:prstGeom prst="rect">
+            <a:avLst/>
+          </a:prstGeom>
+          <a:noFill/>
         </p:spPr>
         <p:txBody>
-          <a:bodyPr/>
+          <a:bodyPr wrap="none" rtlCol="0">
+            <a:spAutoFit/>
+          </a:bodyPr>
           <a:lstStyle/>
           <a:p>
             <a:r>
-              <a:rPr lang="tr-TR" b="1" dirty="0">
-                <a:latin typeface="Euclid Circular B" panose="020B0504000000000000" pitchFamily="34" charset="0"/>
-                <a:ea typeface="Euclid Circular B" panose="020B0504000000000000" pitchFamily="34" charset="0"/>
-              </a:rPr>
-              <a:t>Slow start </a:t>
-            </a:r>
-            <a:r>
-              <a:rPr lang="tr-TR" dirty="0">
-                <a:latin typeface="Euclid Circular B" panose="020B0504000000000000" pitchFamily="34" charset="0"/>
-                <a:ea typeface="Euclid Circular B" panose="020B0504000000000000" pitchFamily="34" charset="0"/>
-              </a:rPr>
-              <a:t>(every time builds all): 60-70 seconds to run 10 applications</a:t>
-            </a:r>
-          </a:p>
-          <a:p>
-            <a:r>
-              <a:rPr lang="tr-TR" dirty="0">
-                <a:latin typeface="Euclid Circular B" panose="020B0504000000000000" pitchFamily="34" charset="0"/>
-                <a:ea typeface="Euclid Circular B" panose="020B0504000000000000" pitchFamily="34" charset="0"/>
-              </a:rPr>
-              <a:t>Can only run </a:t>
-            </a:r>
-            <a:r>
-              <a:rPr lang="tr-TR" b="1" dirty="0">
-                <a:latin typeface="Euclid Circular B" panose="020B0504000000000000" pitchFamily="34" charset="0"/>
-                <a:ea typeface="Euclid Circular B" panose="020B0504000000000000" pitchFamily="34" charset="0"/>
-              </a:rPr>
-              <a:t>all locally</a:t>
-            </a:r>
-            <a:endParaRPr lang="en-US" b="1" dirty="0">
-              <a:latin typeface="Euclid Circular B" panose="020B0504000000000000" pitchFamily="34" charset="0"/>
-              <a:ea typeface="Euclid Circular B" panose="020B0504000000000000" pitchFamily="34" charset="0"/>
-            </a:endParaRPr>
-          </a:p>
-          <a:p>
-            <a:r>
-              <a:rPr lang="tr-TR" b="1" dirty="0">
-                <a:latin typeface="Euclid Circular B" panose="020B0504000000000000" pitchFamily="34" charset="0"/>
-                <a:ea typeface="Euclid Circular B" panose="020B0504000000000000" pitchFamily="34" charset="0"/>
-              </a:rPr>
-              <a:t>Simple UI</a:t>
-            </a:r>
-            <a:r>
-              <a:rPr lang="tr-TR" dirty="0">
-                <a:latin typeface="Euclid Circular B" panose="020B0504000000000000" pitchFamily="34" charset="0"/>
-                <a:ea typeface="Euclid Circular B" panose="020B0504000000000000" pitchFamily="34" charset="0"/>
-              </a:rPr>
-              <a:t>: No control on services</a:t>
-            </a:r>
-          </a:p>
-          <a:p>
-            <a:pPr lvl="1"/>
-            <a:r>
-              <a:rPr lang="tr-TR" dirty="0">
-                <a:latin typeface="Euclid Circular B" panose="020B0504000000000000" pitchFamily="34" charset="0"/>
-                <a:ea typeface="Euclid Circular B" panose="020B0504000000000000" pitchFamily="34" charset="0"/>
-              </a:rPr>
-              <a:t>No way to </a:t>
-            </a:r>
-            <a:r>
-              <a:rPr lang="tr-TR" b="1" dirty="0">
-                <a:latin typeface="Euclid Circular B" panose="020B0504000000000000" pitchFamily="34" charset="0"/>
-                <a:ea typeface="Euclid Circular B" panose="020B0504000000000000" pitchFamily="34" charset="0"/>
-              </a:rPr>
-              <a:t>stop / restart a single service </a:t>
-            </a:r>
-            <a:r>
-              <a:rPr lang="tr-TR" dirty="0">
-                <a:latin typeface="Euclid Circular B" panose="020B0504000000000000" pitchFamily="34" charset="0"/>
-                <a:ea typeface="Euclid Circular B" panose="020B0504000000000000" pitchFamily="34" charset="0"/>
-              </a:rPr>
-              <a:t>manually (only stop all)</a:t>
-            </a:r>
-          </a:p>
-          <a:p>
-            <a:pPr lvl="1"/>
-            <a:r>
-              <a:rPr lang="tr-TR" dirty="0">
-                <a:latin typeface="Euclid Circular B" panose="020B0504000000000000" pitchFamily="34" charset="0"/>
-                <a:ea typeface="Euclid Circular B" panose="020B0504000000000000" pitchFamily="34" charset="0"/>
-              </a:rPr>
-              <a:t>No information about </a:t>
-            </a:r>
-            <a:r>
-              <a:rPr lang="tr-TR" b="1" dirty="0">
-                <a:latin typeface="Euclid Circular B" panose="020B0504000000000000" pitchFamily="34" charset="0"/>
-                <a:ea typeface="Euclid Circular B" panose="020B0504000000000000" pitchFamily="34" charset="0"/>
-              </a:rPr>
-              <a:t>internals </a:t>
-            </a:r>
-            <a:r>
-              <a:rPr lang="tr-TR" dirty="0">
-                <a:latin typeface="Euclid Circular B" panose="020B0504000000000000" pitchFamily="34" charset="0"/>
-                <a:ea typeface="Euclid Circular B" panose="020B0504000000000000" pitchFamily="34" charset="0"/>
-              </a:rPr>
-              <a:t>of services</a:t>
-            </a:r>
-          </a:p>
-          <a:p>
-            <a:r>
-              <a:rPr lang="tr-TR" dirty="0">
-                <a:latin typeface="Euclid Circular B" panose="020B0504000000000000" pitchFamily="34" charset="0"/>
-                <a:ea typeface="Euclid Circular B" panose="020B0504000000000000" pitchFamily="34" charset="0"/>
-              </a:rPr>
-              <a:t>Lack of </a:t>
-            </a:r>
-            <a:r>
-              <a:rPr lang="tr-TR" b="1" dirty="0">
-                <a:latin typeface="Euclid Circular B" panose="020B0504000000000000" pitchFamily="34" charset="0"/>
-                <a:ea typeface="Euclid Circular B" panose="020B0504000000000000" pitchFamily="34" charset="0"/>
-              </a:rPr>
-              <a:t>documentation</a:t>
-            </a:r>
-          </a:p>
-          <a:p>
-            <a:r>
-              <a:rPr lang="tr-TR" dirty="0">
-                <a:latin typeface="Euclid Circular B" panose="020B0504000000000000" pitchFamily="34" charset="0"/>
-                <a:ea typeface="Euclid Circular B" panose="020B0504000000000000" pitchFamily="34" charset="0"/>
-              </a:rPr>
-              <a:t>No </a:t>
-            </a:r>
-            <a:r>
-              <a:rPr lang="tr-TR" b="1" dirty="0">
-                <a:latin typeface="Euclid Circular B" panose="020B0504000000000000" pitchFamily="34" charset="0"/>
-                <a:ea typeface="Euclid Circular B" panose="020B0504000000000000" pitchFamily="34" charset="0"/>
-              </a:rPr>
-              <a:t>active development</a:t>
-            </a:r>
-            <a:r>
-              <a:rPr lang="tr-TR" dirty="0">
-                <a:latin typeface="Euclid Circular B" panose="020B0504000000000000" pitchFamily="34" charset="0"/>
-                <a:ea typeface="Euclid Circular B" panose="020B0504000000000000" pitchFamily="34" charset="0"/>
-              </a:rPr>
-              <a:t> on GitHub</a:t>
+              <a:rPr lang="en-US" sz="1100" dirty="0"/>
+              <a:t>RabbitMQ</a:t>
             </a:r>
           </a:p>
         </p:txBody>
       </p:sp>
+      <p:pic>
+        <p:nvPicPr>
+          <p:cNvPr id="67" name="Picture 6" descr="https://camo.githubusercontent.com/c2118a418c5805c899903bc34fcdf471c9edf0d5/687474703a2f2f74687265656d616d6d616c732e636f6d2f696d616765732f6f63656c6f745f6c6f676f2e706e67">
+            <a:extLst>
+              <a:ext uri="{FF2B5EF4-FFF2-40B4-BE49-F238E27FC236}">
+                <a16:creationId xmlns:a16="http://schemas.microsoft.com/office/drawing/2014/main" id="{CE3CD3D8-9CC5-A6C5-0B21-8774149B052E}"/>
+              </a:ext>
+            </a:extLst>
+          </p:cNvPr>
+          <p:cNvPicPr>
+            <a:picLocks noChangeAspect="1" noChangeArrowheads="1"/>
+          </p:cNvPicPr>
+          <p:nvPr/>
+        </p:nvPicPr>
+        <p:blipFill>
+          <a:blip r:embed="rId5">
+            <a:extLst>
+              <a:ext uri="{28A0092B-C50C-407E-A947-70E740481C1C}">
+                <a14:useLocalDpi xmlns:a14="http://schemas.microsoft.com/office/drawing/2010/main" val="0"/>
+              </a:ext>
+            </a:extLst>
+          </a:blip>
+          <a:srcRect/>
+          <a:stretch>
+            <a:fillRect/>
+          </a:stretch>
+        </p:blipFill>
+        <p:spPr bwMode="auto">
+          <a:xfrm>
+            <a:off x="5148589" y="4287257"/>
+            <a:ext cx="438647" cy="518799"/>
+          </a:xfrm>
+          <a:prstGeom prst="rect">
+            <a:avLst/>
+          </a:prstGeom>
+          <a:noFill/>
+          <a:extLst>
+            <a:ext uri="{909E8E84-426E-40DD-AFC4-6F175D3DCCD1}">
+              <a14:hiddenFill xmlns:a14="http://schemas.microsoft.com/office/drawing/2010/main">
+                <a:solidFill>
+                  <a:srgbClr val="FFFFFF"/>
+                </a:solidFill>
+              </a14:hiddenFill>
+            </a:ext>
+          </a:extLst>
+        </p:spPr>
+      </p:pic>
+      <p:sp>
+        <p:nvSpPr>
+          <p:cNvPr id="68" name="Rectangle 67">
+            <a:extLst>
+              <a:ext uri="{FF2B5EF4-FFF2-40B4-BE49-F238E27FC236}">
+                <a16:creationId xmlns:a16="http://schemas.microsoft.com/office/drawing/2014/main" id="{7D068772-3C24-4840-1183-0214EDD4B537}"/>
+              </a:ext>
+            </a:extLst>
+          </p:cNvPr>
+          <p:cNvSpPr/>
+          <p:nvPr/>
+        </p:nvSpPr>
+        <p:spPr>
+          <a:xfrm>
+            <a:off x="3717397" y="3138088"/>
+            <a:ext cx="1902690" cy="553673"/>
+          </a:xfrm>
+          <a:prstGeom prst="rect">
+            <a:avLst/>
+          </a:prstGeom>
+        </p:spPr>
+        <p:style>
+          <a:lnRef idx="2">
+            <a:schemeClr val="dk1">
+              <a:shade val="50000"/>
+            </a:schemeClr>
+          </a:lnRef>
+          <a:fillRef idx="1">
+            <a:schemeClr val="dk1"/>
+          </a:fillRef>
+          <a:effectRef idx="0">
+            <a:schemeClr val="dk1"/>
+          </a:effectRef>
+          <a:fontRef idx="minor">
+            <a:schemeClr val="lt1"/>
+          </a:fontRef>
+        </p:style>
+        <p:txBody>
+          <a:bodyPr rtlCol="0" anchor="ctr"/>
+          <a:lstStyle/>
+          <a:p>
+            <a:r>
+              <a:rPr lang="en-US" sz="1600" dirty="0"/>
+              <a:t>Backend App</a:t>
+            </a:r>
+          </a:p>
+          <a:p>
+            <a:r>
+              <a:rPr lang="tr-TR" sz="1600" dirty="0"/>
+              <a:t>API </a:t>
+            </a:r>
+            <a:r>
+              <a:rPr lang="en-US" sz="1600" dirty="0"/>
+              <a:t>Gateway</a:t>
+            </a:r>
+          </a:p>
+        </p:txBody>
+      </p:sp>
+      <p:pic>
+        <p:nvPicPr>
+          <p:cNvPr id="69" name="Picture 6" descr="https://camo.githubusercontent.com/c2118a418c5805c899903bc34fcdf471c9edf0d5/687474703a2f2f74687265656d616d6d616c732e636f6d2f696d616765732f6f63656c6f745f6c6f676f2e706e67">
+            <a:extLst>
+              <a:ext uri="{FF2B5EF4-FFF2-40B4-BE49-F238E27FC236}">
+                <a16:creationId xmlns:a16="http://schemas.microsoft.com/office/drawing/2014/main" id="{34A661D2-3D60-17CD-BC65-D878D968212E}"/>
+              </a:ext>
+            </a:extLst>
+          </p:cNvPr>
+          <p:cNvPicPr>
+            <a:picLocks noChangeAspect="1" noChangeArrowheads="1"/>
+          </p:cNvPicPr>
+          <p:nvPr/>
+        </p:nvPicPr>
+        <p:blipFill>
+          <a:blip r:embed="rId5">
+            <a:extLst>
+              <a:ext uri="{28A0092B-C50C-407E-A947-70E740481C1C}">
+                <a14:useLocalDpi xmlns:a14="http://schemas.microsoft.com/office/drawing/2010/main" val="0"/>
+              </a:ext>
+            </a:extLst>
+          </a:blip>
+          <a:srcRect/>
+          <a:stretch>
+            <a:fillRect/>
+          </a:stretch>
+        </p:blipFill>
+        <p:spPr bwMode="auto">
+          <a:xfrm>
+            <a:off x="5148589" y="3155075"/>
+            <a:ext cx="438647" cy="518799"/>
+          </a:xfrm>
+          <a:prstGeom prst="rect">
+            <a:avLst/>
+          </a:prstGeom>
+          <a:noFill/>
+          <a:extLst>
+            <a:ext uri="{909E8E84-426E-40DD-AFC4-6F175D3DCCD1}">
+              <a14:hiddenFill xmlns:a14="http://schemas.microsoft.com/office/drawing/2010/main">
+                <a:solidFill>
+                  <a:srgbClr val="FFFFFF"/>
+                </a:solidFill>
+              </a14:hiddenFill>
+            </a:ext>
+          </a:extLst>
+        </p:spPr>
+      </p:pic>
+      <p:sp>
+        <p:nvSpPr>
+          <p:cNvPr id="72" name="Rectangle 71">
+            <a:extLst>
+              <a:ext uri="{FF2B5EF4-FFF2-40B4-BE49-F238E27FC236}">
+                <a16:creationId xmlns:a16="http://schemas.microsoft.com/office/drawing/2014/main" id="{F255BC1C-5D6F-6546-E45B-1AA15785FB4D}"/>
+              </a:ext>
+            </a:extLst>
+          </p:cNvPr>
+          <p:cNvSpPr/>
+          <p:nvPr/>
+        </p:nvSpPr>
+        <p:spPr>
+          <a:xfrm>
+            <a:off x="5002194" y="5512269"/>
+            <a:ext cx="2198612" cy="690725"/>
+          </a:xfrm>
+          <a:prstGeom prst="rect">
+            <a:avLst/>
+          </a:prstGeom>
+        </p:spPr>
+        <p:style>
+          <a:lnRef idx="2">
+            <a:schemeClr val="accent6"/>
+          </a:lnRef>
+          <a:fillRef idx="1">
+            <a:schemeClr val="lt1"/>
+          </a:fillRef>
+          <a:effectRef idx="0">
+            <a:schemeClr val="accent6"/>
+          </a:effectRef>
+          <a:fontRef idx="minor">
+            <a:schemeClr val="dk1"/>
+          </a:fontRef>
+        </p:style>
+        <p:txBody>
+          <a:bodyPr rtlCol="0" anchor="b"/>
+          <a:lstStyle/>
+          <a:p>
+            <a:pPr algn="ctr"/>
+            <a:r>
+              <a:rPr lang="en-US" sz="1400" dirty="0"/>
+              <a:t>(Log Database)</a:t>
+            </a:r>
+          </a:p>
+        </p:txBody>
+      </p:sp>
+      <p:pic>
+        <p:nvPicPr>
+          <p:cNvPr id="73" name="Picture 8" descr="Image result for elasticsearch logo">
+            <a:extLst>
+              <a:ext uri="{FF2B5EF4-FFF2-40B4-BE49-F238E27FC236}">
+                <a16:creationId xmlns:a16="http://schemas.microsoft.com/office/drawing/2014/main" id="{1F3680A2-0DB2-3016-4F07-235AB475E84F}"/>
+              </a:ext>
+            </a:extLst>
+          </p:cNvPr>
+          <p:cNvPicPr>
+            <a:picLocks noChangeAspect="1" noChangeArrowheads="1"/>
+          </p:cNvPicPr>
+          <p:nvPr/>
+        </p:nvPicPr>
+        <p:blipFill>
+          <a:blip r:embed="rId6">
+            <a:extLst>
+              <a:ext uri="{28A0092B-C50C-407E-A947-70E740481C1C}">
+                <a14:useLocalDpi xmlns:a14="http://schemas.microsoft.com/office/drawing/2010/main" val="0"/>
+              </a:ext>
+            </a:extLst>
+          </a:blip>
+          <a:srcRect/>
+          <a:stretch>
+            <a:fillRect/>
+          </a:stretch>
+        </p:blipFill>
+        <p:spPr bwMode="auto">
+          <a:xfrm>
+            <a:off x="5251593" y="5517091"/>
+            <a:ext cx="1708727" cy="454993"/>
+          </a:xfrm>
+          <a:prstGeom prst="rect">
+            <a:avLst/>
+          </a:prstGeom>
+          <a:noFill/>
+          <a:extLst>
+            <a:ext uri="{909E8E84-426E-40DD-AFC4-6F175D3DCCD1}">
+              <a14:hiddenFill xmlns:a14="http://schemas.microsoft.com/office/drawing/2010/main">
+                <a:solidFill>
+                  <a:srgbClr val="FFFFFF"/>
+                </a:solidFill>
+              </a14:hiddenFill>
+            </a:ext>
+          </a:extLst>
+        </p:spPr>
+      </p:pic>
+      <p:sp>
+        <p:nvSpPr>
+          <p:cNvPr id="74" name="Rectangle 73">
+            <a:extLst>
+              <a:ext uri="{FF2B5EF4-FFF2-40B4-BE49-F238E27FC236}">
+                <a16:creationId xmlns:a16="http://schemas.microsoft.com/office/drawing/2014/main" id="{3B5A60B9-D381-A434-CBD7-253D3FC31428}"/>
+              </a:ext>
+            </a:extLst>
+          </p:cNvPr>
+          <p:cNvSpPr/>
+          <p:nvPr/>
+        </p:nvSpPr>
+        <p:spPr>
+          <a:xfrm>
+            <a:off x="7459229" y="5512269"/>
+            <a:ext cx="2149424" cy="690725"/>
+          </a:xfrm>
+          <a:prstGeom prst="rect">
+            <a:avLst/>
+          </a:prstGeom>
+        </p:spPr>
+        <p:style>
+          <a:lnRef idx="2">
+            <a:schemeClr val="accent5"/>
+          </a:lnRef>
+          <a:fillRef idx="1">
+            <a:schemeClr val="lt1"/>
+          </a:fillRef>
+          <a:effectRef idx="0">
+            <a:schemeClr val="accent5"/>
+          </a:effectRef>
+          <a:fontRef idx="minor">
+            <a:schemeClr val="dk1"/>
+          </a:fontRef>
+        </p:style>
+        <p:txBody>
+          <a:bodyPr rtlCol="0" anchor="b"/>
+          <a:lstStyle/>
+          <a:p>
+            <a:pPr algn="ctr"/>
+            <a:r>
+              <a:rPr lang="en-US" sz="1400" dirty="0"/>
+              <a:t>(Data Visualization)</a:t>
+            </a:r>
+          </a:p>
+        </p:txBody>
+      </p:sp>
+      <p:pic>
+        <p:nvPicPr>
+          <p:cNvPr id="75" name="Picture 10" descr="Image result for kibana logo">
+            <a:extLst>
+              <a:ext uri="{FF2B5EF4-FFF2-40B4-BE49-F238E27FC236}">
+                <a16:creationId xmlns:a16="http://schemas.microsoft.com/office/drawing/2014/main" id="{93B8E39C-5877-8B46-51A8-9706D6319783}"/>
+              </a:ext>
+            </a:extLst>
+          </p:cNvPr>
+          <p:cNvPicPr>
+            <a:picLocks noChangeAspect="1" noChangeArrowheads="1"/>
+          </p:cNvPicPr>
+          <p:nvPr/>
+        </p:nvPicPr>
+        <p:blipFill>
+          <a:blip r:embed="rId7">
+            <a:extLst>
+              <a:ext uri="{28A0092B-C50C-407E-A947-70E740481C1C}">
+                <a14:useLocalDpi xmlns:a14="http://schemas.microsoft.com/office/drawing/2010/main" val="0"/>
+              </a:ext>
+            </a:extLst>
+          </a:blip>
+          <a:srcRect/>
+          <a:stretch>
+            <a:fillRect/>
+          </a:stretch>
+        </p:blipFill>
+        <p:spPr bwMode="auto">
+          <a:xfrm>
+            <a:off x="7884060" y="5465207"/>
+            <a:ext cx="1217127" cy="555314"/>
+          </a:xfrm>
+          <a:prstGeom prst="rect">
+            <a:avLst/>
+          </a:prstGeom>
+          <a:noFill/>
+          <a:extLst>
+            <a:ext uri="{909E8E84-426E-40DD-AFC4-6F175D3DCCD1}">
+              <a14:hiddenFill xmlns:a14="http://schemas.microsoft.com/office/drawing/2010/main">
+                <a:solidFill>
+                  <a:srgbClr val="FFFFFF"/>
+                </a:solidFill>
+              </a14:hiddenFill>
+            </a:ext>
+          </a:extLst>
+        </p:spPr>
+      </p:pic>
+      <p:sp>
+        <p:nvSpPr>
+          <p:cNvPr id="76" name="Rectangle 75">
+            <a:extLst>
+              <a:ext uri="{FF2B5EF4-FFF2-40B4-BE49-F238E27FC236}">
+                <a16:creationId xmlns:a16="http://schemas.microsoft.com/office/drawing/2014/main" id="{47C4678A-BC8A-89F9-5CCA-2E376A9717EE}"/>
+              </a:ext>
+            </a:extLst>
+          </p:cNvPr>
+          <p:cNvSpPr/>
+          <p:nvPr/>
+        </p:nvSpPr>
+        <p:spPr>
+          <a:xfrm>
+            <a:off x="2569753" y="5512268"/>
+            <a:ext cx="2174018" cy="690725"/>
+          </a:xfrm>
+          <a:prstGeom prst="rect">
+            <a:avLst/>
+          </a:prstGeom>
+        </p:spPr>
+        <p:style>
+          <a:lnRef idx="2">
+            <a:schemeClr val="accent2"/>
+          </a:lnRef>
+          <a:fillRef idx="1">
+            <a:schemeClr val="lt1"/>
+          </a:fillRef>
+          <a:effectRef idx="0">
+            <a:schemeClr val="accent2"/>
+          </a:effectRef>
+          <a:fontRef idx="minor">
+            <a:schemeClr val="dk1"/>
+          </a:fontRef>
+        </p:style>
+        <p:txBody>
+          <a:bodyPr rtlCol="0" anchor="b"/>
+          <a:lstStyle/>
+          <a:p>
+            <a:pPr algn="ctr"/>
+            <a:r>
+              <a:rPr lang="en-US" sz="1400" dirty="0"/>
+              <a:t>(Distributed Cache)</a:t>
+            </a:r>
+          </a:p>
+        </p:txBody>
+      </p:sp>
+      <p:pic>
+        <p:nvPicPr>
+          <p:cNvPr id="77" name="Picture 12" descr="Image result for redis logo">
+            <a:extLst>
+              <a:ext uri="{FF2B5EF4-FFF2-40B4-BE49-F238E27FC236}">
+                <a16:creationId xmlns:a16="http://schemas.microsoft.com/office/drawing/2014/main" id="{86123CB2-EA3D-9CE8-FC1A-DC5F41F3C700}"/>
+              </a:ext>
+            </a:extLst>
+          </p:cNvPr>
+          <p:cNvPicPr>
+            <a:picLocks noChangeAspect="1" noChangeArrowheads="1"/>
+          </p:cNvPicPr>
+          <p:nvPr/>
+        </p:nvPicPr>
+        <p:blipFill>
+          <a:blip r:embed="rId8">
+            <a:extLst>
+              <a:ext uri="{28A0092B-C50C-407E-A947-70E740481C1C}">
+                <a14:useLocalDpi xmlns:a14="http://schemas.microsoft.com/office/drawing/2010/main" val="0"/>
+              </a:ext>
+            </a:extLst>
+          </a:blip>
+          <a:srcRect/>
+          <a:stretch>
+            <a:fillRect/>
+          </a:stretch>
+        </p:blipFill>
+        <p:spPr bwMode="auto">
+          <a:xfrm>
+            <a:off x="3130582" y="5574407"/>
+            <a:ext cx="1079501" cy="360733"/>
+          </a:xfrm>
+          <a:prstGeom prst="rect">
+            <a:avLst/>
+          </a:prstGeom>
+          <a:noFill/>
+          <a:extLst>
+            <a:ext uri="{909E8E84-426E-40DD-AFC4-6F175D3DCCD1}">
+              <a14:hiddenFill xmlns:a14="http://schemas.microsoft.com/office/drawing/2010/main">
+                <a:solidFill>
+                  <a:srgbClr val="FFFFFF"/>
+                </a:solidFill>
+              </a14:hiddenFill>
+            </a:ext>
+          </a:extLst>
+        </p:spPr>
+      </p:pic>
+      <p:cxnSp>
+        <p:nvCxnSpPr>
+          <p:cNvPr id="83" name="Straight Arrow Connector 82">
+            <a:extLst>
+              <a:ext uri="{FF2B5EF4-FFF2-40B4-BE49-F238E27FC236}">
+                <a16:creationId xmlns:a16="http://schemas.microsoft.com/office/drawing/2014/main" id="{A03F3886-F4C1-A038-AE4F-F8C2DE13176F}"/>
+              </a:ext>
+            </a:extLst>
+          </p:cNvPr>
+          <p:cNvCxnSpPr>
+            <a:cxnSpLocks/>
+          </p:cNvCxnSpPr>
+          <p:nvPr/>
+        </p:nvCxnSpPr>
+        <p:spPr>
+          <a:xfrm>
+            <a:off x="8352176" y="3145160"/>
+            <a:ext cx="553674" cy="0"/>
+          </a:xfrm>
+          <a:prstGeom prst="straightConnector1">
+            <a:avLst/>
+          </a:prstGeom>
+          <a:ln w="19050">
+            <a:solidFill>
+              <a:srgbClr val="00B050"/>
+            </a:solidFill>
+            <a:headEnd type="triangle"/>
+            <a:tailEnd type="triangle"/>
+          </a:ln>
+        </p:spPr>
+        <p:style>
+          <a:lnRef idx="1">
+            <a:schemeClr val="dk1"/>
+          </a:lnRef>
+          <a:fillRef idx="0">
+            <a:schemeClr val="dk1"/>
+          </a:fillRef>
+          <a:effectRef idx="0">
+            <a:schemeClr val="dk1"/>
+          </a:effectRef>
+          <a:fontRef idx="minor">
+            <a:schemeClr val="tx1"/>
+          </a:fontRef>
+        </p:style>
+      </p:cxnSp>
+      <p:cxnSp>
+        <p:nvCxnSpPr>
+          <p:cNvPr id="84" name="Straight Arrow Connector 83">
+            <a:extLst>
+              <a:ext uri="{FF2B5EF4-FFF2-40B4-BE49-F238E27FC236}">
+                <a16:creationId xmlns:a16="http://schemas.microsoft.com/office/drawing/2014/main" id="{C19C1B75-7F89-A7BD-C700-754EB5EC570F}"/>
+              </a:ext>
+            </a:extLst>
+          </p:cNvPr>
+          <p:cNvCxnSpPr>
+            <a:cxnSpLocks/>
+            <a:stCxn id="56" idx="3"/>
+            <a:endCxn id="63" idx="2"/>
+          </p:cNvCxnSpPr>
+          <p:nvPr/>
+        </p:nvCxnSpPr>
+        <p:spPr>
+          <a:xfrm flipV="1">
+            <a:off x="8352176" y="3962762"/>
+            <a:ext cx="529749" cy="11433"/>
+          </a:xfrm>
+          <a:prstGeom prst="straightConnector1">
+            <a:avLst/>
+          </a:prstGeom>
+          <a:ln w="19050">
+            <a:solidFill>
+              <a:srgbClr val="00B050"/>
+            </a:solidFill>
+            <a:headEnd type="triangle"/>
+            <a:tailEnd type="triangle"/>
+          </a:ln>
+        </p:spPr>
+        <p:style>
+          <a:lnRef idx="1">
+            <a:schemeClr val="dk1"/>
+          </a:lnRef>
+          <a:fillRef idx="0">
+            <a:schemeClr val="dk1"/>
+          </a:fillRef>
+          <a:effectRef idx="0">
+            <a:schemeClr val="dk1"/>
+          </a:effectRef>
+          <a:fontRef idx="minor">
+            <a:schemeClr val="tx1"/>
+          </a:fontRef>
+        </p:style>
+      </p:cxnSp>
+      <p:cxnSp>
+        <p:nvCxnSpPr>
+          <p:cNvPr id="85" name="Straight Arrow Connector 84">
+            <a:extLst>
+              <a:ext uri="{FF2B5EF4-FFF2-40B4-BE49-F238E27FC236}">
+                <a16:creationId xmlns:a16="http://schemas.microsoft.com/office/drawing/2014/main" id="{7A4F9FF5-98A2-B1F3-647D-9DC5A242529E}"/>
+              </a:ext>
+            </a:extLst>
+          </p:cNvPr>
+          <p:cNvCxnSpPr>
+            <a:cxnSpLocks/>
+            <a:stCxn id="58" idx="3"/>
+          </p:cNvCxnSpPr>
+          <p:nvPr/>
+        </p:nvCxnSpPr>
+        <p:spPr>
+          <a:xfrm>
+            <a:off x="8352178" y="4897188"/>
+            <a:ext cx="526017" cy="0"/>
+          </a:xfrm>
+          <a:prstGeom prst="straightConnector1">
+            <a:avLst/>
+          </a:prstGeom>
+          <a:ln w="19050">
+            <a:solidFill>
+              <a:srgbClr val="00B050"/>
+            </a:solidFill>
+            <a:headEnd type="triangle"/>
+            <a:tailEnd type="triangle"/>
+          </a:ln>
+        </p:spPr>
+        <p:style>
+          <a:lnRef idx="1">
+            <a:schemeClr val="dk1"/>
+          </a:lnRef>
+          <a:fillRef idx="0">
+            <a:schemeClr val="dk1"/>
+          </a:fillRef>
+          <a:effectRef idx="0">
+            <a:schemeClr val="dk1"/>
+          </a:effectRef>
+          <a:fontRef idx="minor">
+            <a:schemeClr val="tx1"/>
+          </a:fontRef>
+        </p:style>
+      </p:cxnSp>
+      <p:cxnSp>
+        <p:nvCxnSpPr>
+          <p:cNvPr id="86" name="Straight Arrow Connector 85">
+            <a:extLst>
+              <a:ext uri="{FF2B5EF4-FFF2-40B4-BE49-F238E27FC236}">
+                <a16:creationId xmlns:a16="http://schemas.microsoft.com/office/drawing/2014/main" id="{E5A7557B-408B-7B5E-E2CD-4E8B298B1DD2}"/>
+              </a:ext>
+            </a:extLst>
+          </p:cNvPr>
+          <p:cNvCxnSpPr>
+            <a:stCxn id="68" idx="3"/>
+            <a:endCxn id="57" idx="1"/>
+          </p:cNvCxnSpPr>
+          <p:nvPr/>
+        </p:nvCxnSpPr>
+        <p:spPr>
+          <a:xfrm flipV="1">
+            <a:off x="5620087" y="3028337"/>
+            <a:ext cx="533477" cy="386588"/>
+          </a:xfrm>
+          <a:prstGeom prst="straightConnector1">
+            <a:avLst/>
+          </a:prstGeom>
+          <a:ln w="19050">
+            <a:solidFill>
+              <a:schemeClr val="accent2"/>
+            </a:solidFill>
+            <a:tailEnd type="triangle"/>
+          </a:ln>
+        </p:spPr>
+        <p:style>
+          <a:lnRef idx="1">
+            <a:schemeClr val="accent1"/>
+          </a:lnRef>
+          <a:fillRef idx="0">
+            <a:schemeClr val="accent1"/>
+          </a:fillRef>
+          <a:effectRef idx="0">
+            <a:schemeClr val="accent1"/>
+          </a:effectRef>
+          <a:fontRef idx="minor">
+            <a:schemeClr val="tx1"/>
+          </a:fontRef>
+        </p:style>
+      </p:cxnSp>
+      <p:cxnSp>
+        <p:nvCxnSpPr>
+          <p:cNvPr id="87" name="Straight Arrow Connector 86">
+            <a:extLst>
+              <a:ext uri="{FF2B5EF4-FFF2-40B4-BE49-F238E27FC236}">
+                <a16:creationId xmlns:a16="http://schemas.microsoft.com/office/drawing/2014/main" id="{FE946841-896E-0256-766C-CBEE526683E3}"/>
+              </a:ext>
+            </a:extLst>
+          </p:cNvPr>
+          <p:cNvCxnSpPr>
+            <a:stCxn id="68" idx="3"/>
+            <a:endCxn id="58" idx="1"/>
+          </p:cNvCxnSpPr>
+          <p:nvPr/>
+        </p:nvCxnSpPr>
+        <p:spPr>
+          <a:xfrm>
+            <a:off x="5620087" y="3414925"/>
+            <a:ext cx="533477" cy="1482263"/>
+          </a:xfrm>
+          <a:prstGeom prst="straightConnector1">
+            <a:avLst/>
+          </a:prstGeom>
+          <a:ln w="19050">
+            <a:solidFill>
+              <a:schemeClr val="accent2"/>
+            </a:solidFill>
+            <a:tailEnd type="triangle"/>
+          </a:ln>
+        </p:spPr>
+        <p:style>
+          <a:lnRef idx="1">
+            <a:schemeClr val="accent1"/>
+          </a:lnRef>
+          <a:fillRef idx="0">
+            <a:schemeClr val="accent1"/>
+          </a:fillRef>
+          <a:effectRef idx="0">
+            <a:schemeClr val="accent1"/>
+          </a:effectRef>
+          <a:fontRef idx="minor">
+            <a:schemeClr val="tx1"/>
+          </a:fontRef>
+        </p:style>
+      </p:cxnSp>
+      <p:cxnSp>
+        <p:nvCxnSpPr>
+          <p:cNvPr id="88" name="Straight Arrow Connector 87">
+            <a:extLst>
+              <a:ext uri="{FF2B5EF4-FFF2-40B4-BE49-F238E27FC236}">
+                <a16:creationId xmlns:a16="http://schemas.microsoft.com/office/drawing/2014/main" id="{2D555C9D-B57C-803E-AC3F-5450013ED6B7}"/>
+              </a:ext>
+            </a:extLst>
+          </p:cNvPr>
+          <p:cNvCxnSpPr>
+            <a:stCxn id="55" idx="3"/>
+            <a:endCxn id="56" idx="1"/>
+          </p:cNvCxnSpPr>
+          <p:nvPr/>
+        </p:nvCxnSpPr>
+        <p:spPr>
+          <a:xfrm flipV="1">
+            <a:off x="5620087" y="3974195"/>
+            <a:ext cx="533476" cy="572912"/>
+          </a:xfrm>
+          <a:prstGeom prst="straightConnector1">
+            <a:avLst/>
+          </a:prstGeom>
+          <a:ln w="19050">
+            <a:solidFill>
+              <a:schemeClr val="accent2"/>
+            </a:solidFill>
+            <a:tailEnd type="triangle"/>
+          </a:ln>
+        </p:spPr>
+        <p:style>
+          <a:lnRef idx="1">
+            <a:schemeClr val="accent1"/>
+          </a:lnRef>
+          <a:fillRef idx="0">
+            <a:schemeClr val="accent1"/>
+          </a:fillRef>
+          <a:effectRef idx="0">
+            <a:schemeClr val="accent1"/>
+          </a:effectRef>
+          <a:fontRef idx="minor">
+            <a:schemeClr val="tx1"/>
+          </a:fontRef>
+        </p:style>
+      </p:cxnSp>
+      <p:cxnSp>
+        <p:nvCxnSpPr>
+          <p:cNvPr id="89" name="Straight Arrow Connector 88">
+            <a:extLst>
+              <a:ext uri="{FF2B5EF4-FFF2-40B4-BE49-F238E27FC236}">
+                <a16:creationId xmlns:a16="http://schemas.microsoft.com/office/drawing/2014/main" id="{C2C2C4BF-CF50-0AF7-67AE-699E1DB9E1AB}"/>
+              </a:ext>
+            </a:extLst>
+          </p:cNvPr>
+          <p:cNvCxnSpPr>
+            <a:cxnSpLocks/>
+            <a:stCxn id="55" idx="3"/>
+          </p:cNvCxnSpPr>
+          <p:nvPr/>
+        </p:nvCxnSpPr>
+        <p:spPr>
+          <a:xfrm>
+            <a:off x="5620087" y="4547107"/>
+            <a:ext cx="529747" cy="516166"/>
+          </a:xfrm>
+          <a:prstGeom prst="straightConnector1">
+            <a:avLst/>
+          </a:prstGeom>
+          <a:ln w="19050">
+            <a:solidFill>
+              <a:schemeClr val="accent2"/>
+            </a:solidFill>
+            <a:tailEnd type="triangle"/>
+          </a:ln>
+        </p:spPr>
+        <p:style>
+          <a:lnRef idx="1">
+            <a:schemeClr val="accent1"/>
+          </a:lnRef>
+          <a:fillRef idx="0">
+            <a:schemeClr val="accent1"/>
+          </a:fillRef>
+          <a:effectRef idx="0">
+            <a:schemeClr val="accent1"/>
+          </a:effectRef>
+          <a:fontRef idx="minor">
+            <a:schemeClr val="tx1"/>
+          </a:fontRef>
+        </p:style>
+      </p:cxnSp>
+      <p:cxnSp>
+        <p:nvCxnSpPr>
+          <p:cNvPr id="90" name="Straight Arrow Connector 89">
+            <a:extLst>
+              <a:ext uri="{FF2B5EF4-FFF2-40B4-BE49-F238E27FC236}">
+                <a16:creationId xmlns:a16="http://schemas.microsoft.com/office/drawing/2014/main" id="{EA6056DA-E5B9-28DF-2FB6-15FF2DDF4E14}"/>
+              </a:ext>
+            </a:extLst>
+          </p:cNvPr>
+          <p:cNvCxnSpPr>
+            <a:stCxn id="54" idx="3"/>
+            <a:endCxn id="68" idx="1"/>
+          </p:cNvCxnSpPr>
+          <p:nvPr/>
+        </p:nvCxnSpPr>
+        <p:spPr>
+          <a:xfrm flipV="1">
+            <a:off x="3187646" y="3414925"/>
+            <a:ext cx="529751" cy="3712"/>
+          </a:xfrm>
+          <a:prstGeom prst="straightConnector1">
+            <a:avLst/>
+          </a:prstGeom>
+          <a:ln w="19050">
+            <a:solidFill>
+              <a:schemeClr val="tx1"/>
+            </a:solidFill>
+            <a:tailEnd type="triangle"/>
+          </a:ln>
+        </p:spPr>
+        <p:style>
+          <a:lnRef idx="1">
+            <a:schemeClr val="accent1"/>
+          </a:lnRef>
+          <a:fillRef idx="0">
+            <a:schemeClr val="accent1"/>
+          </a:fillRef>
+          <a:effectRef idx="0">
+            <a:schemeClr val="accent1"/>
+          </a:effectRef>
+          <a:fontRef idx="minor">
+            <a:schemeClr val="tx1"/>
+          </a:fontRef>
+        </p:style>
+      </p:cxnSp>
+      <p:cxnSp>
+        <p:nvCxnSpPr>
+          <p:cNvPr id="91" name="Straight Arrow Connector 90">
+            <a:extLst>
+              <a:ext uri="{FF2B5EF4-FFF2-40B4-BE49-F238E27FC236}">
+                <a16:creationId xmlns:a16="http://schemas.microsoft.com/office/drawing/2014/main" id="{8646F2C8-73D9-3E16-C00E-B6289221912B}"/>
+              </a:ext>
+            </a:extLst>
+          </p:cNvPr>
+          <p:cNvCxnSpPr>
+            <a:stCxn id="53" idx="3"/>
+            <a:endCxn id="55" idx="1"/>
+          </p:cNvCxnSpPr>
+          <p:nvPr/>
+        </p:nvCxnSpPr>
+        <p:spPr>
+          <a:xfrm flipV="1">
+            <a:off x="3187646" y="4547107"/>
+            <a:ext cx="529751" cy="3712"/>
+          </a:xfrm>
+          <a:prstGeom prst="straightConnector1">
+            <a:avLst/>
+          </a:prstGeom>
+          <a:ln w="19050">
+            <a:solidFill>
+              <a:schemeClr val="tx1"/>
+            </a:solidFill>
+            <a:tailEnd type="triangle"/>
+          </a:ln>
+        </p:spPr>
+        <p:style>
+          <a:lnRef idx="1">
+            <a:schemeClr val="accent1"/>
+          </a:lnRef>
+          <a:fillRef idx="0">
+            <a:schemeClr val="accent1"/>
+          </a:fillRef>
+          <a:effectRef idx="0">
+            <a:schemeClr val="accent1"/>
+          </a:effectRef>
+          <a:fontRef idx="minor">
+            <a:schemeClr val="tx1"/>
+          </a:fontRef>
+        </p:style>
+      </p:cxnSp>
+      <p:pic>
+        <p:nvPicPr>
+          <p:cNvPr id="1026" name="Picture 2" descr="Multiple users silhouette - Free people icons">
+            <a:extLst>
+              <a:ext uri="{FF2B5EF4-FFF2-40B4-BE49-F238E27FC236}">
+                <a16:creationId xmlns:a16="http://schemas.microsoft.com/office/drawing/2014/main" id="{FDC4843E-5493-696B-7E6D-5D464F462E8C}"/>
+              </a:ext>
+            </a:extLst>
+          </p:cNvPr>
+          <p:cNvPicPr>
+            <a:picLocks noChangeAspect="1" noChangeArrowheads="1"/>
+          </p:cNvPicPr>
+          <p:nvPr/>
+        </p:nvPicPr>
+        <p:blipFill>
+          <a:blip r:embed="rId9">
+            <a:extLst>
+              <a:ext uri="{28A0092B-C50C-407E-A947-70E740481C1C}">
+                <a14:useLocalDpi xmlns:a14="http://schemas.microsoft.com/office/drawing/2010/main" val="0"/>
+              </a:ext>
+            </a:extLst>
+          </a:blip>
+          <a:srcRect/>
+          <a:stretch>
+            <a:fillRect/>
+          </a:stretch>
+        </p:blipFill>
+        <p:spPr bwMode="auto">
+          <a:xfrm>
+            <a:off x="516459" y="4298610"/>
+            <a:ext cx="643482" cy="643482"/>
+          </a:xfrm>
+          <a:prstGeom prst="rect">
+            <a:avLst/>
+          </a:prstGeom>
+          <a:noFill/>
+          <a:extLst>
+            <a:ext uri="{909E8E84-426E-40DD-AFC4-6F175D3DCCD1}">
+              <a14:hiddenFill xmlns:a14="http://schemas.microsoft.com/office/drawing/2010/main">
+                <a:solidFill>
+                  <a:srgbClr val="FFFFFF"/>
+                </a:solidFill>
+              </a14:hiddenFill>
+            </a:ext>
+          </a:extLst>
+        </p:spPr>
+      </p:pic>
+      <p:pic>
+        <p:nvPicPr>
+          <p:cNvPr id="1028" name="Picture 4" descr="User (computing) - Wikipedia">
+            <a:extLst>
+              <a:ext uri="{FF2B5EF4-FFF2-40B4-BE49-F238E27FC236}">
+                <a16:creationId xmlns:a16="http://schemas.microsoft.com/office/drawing/2014/main" id="{56C38037-978E-1523-304B-7C90759ED600}"/>
+              </a:ext>
+            </a:extLst>
+          </p:cNvPr>
+          <p:cNvPicPr>
+            <a:picLocks noChangeAspect="1" noChangeArrowheads="1"/>
+          </p:cNvPicPr>
+          <p:nvPr/>
+        </p:nvPicPr>
+        <p:blipFill>
+          <a:blip r:embed="rId10">
+            <a:extLst>
+              <a:ext uri="{28A0092B-C50C-407E-A947-70E740481C1C}">
+                <a14:useLocalDpi xmlns:a14="http://schemas.microsoft.com/office/drawing/2010/main" val="0"/>
+              </a:ext>
+            </a:extLst>
+          </a:blip>
+          <a:srcRect/>
+          <a:stretch>
+            <a:fillRect/>
+          </a:stretch>
+        </p:blipFill>
+        <p:spPr bwMode="auto">
+          <a:xfrm>
+            <a:off x="524555" y="3138088"/>
+            <a:ext cx="643482" cy="643482"/>
+          </a:xfrm>
+          <a:prstGeom prst="rect">
+            <a:avLst/>
+          </a:prstGeom>
+          <a:noFill/>
+          <a:extLst>
+            <a:ext uri="{909E8E84-426E-40DD-AFC4-6F175D3DCCD1}">
+              <a14:hiddenFill xmlns:a14="http://schemas.microsoft.com/office/drawing/2010/main">
+                <a:solidFill>
+                  <a:srgbClr val="FFFFFF"/>
+                </a:solidFill>
+              </a14:hiddenFill>
+            </a:ext>
+          </a:extLst>
+        </p:spPr>
+      </p:pic>
+      <p:cxnSp>
+        <p:nvCxnSpPr>
+          <p:cNvPr id="3" name="Straight Arrow Connector 2">
+            <a:extLst>
+              <a:ext uri="{FF2B5EF4-FFF2-40B4-BE49-F238E27FC236}">
+                <a16:creationId xmlns:a16="http://schemas.microsoft.com/office/drawing/2014/main" id="{684CD745-59CC-0470-1258-0789D0C08E24}"/>
+              </a:ext>
+            </a:extLst>
+          </p:cNvPr>
+          <p:cNvCxnSpPr>
+            <a:cxnSpLocks/>
+            <a:endCxn id="54" idx="1"/>
+          </p:cNvCxnSpPr>
+          <p:nvPr/>
+        </p:nvCxnSpPr>
+        <p:spPr>
+          <a:xfrm>
+            <a:off x="1162888" y="3418574"/>
+            <a:ext cx="497962" cy="63"/>
+          </a:xfrm>
+          <a:prstGeom prst="straightConnector1">
+            <a:avLst/>
+          </a:prstGeom>
+          <a:ln w="19050">
+            <a:solidFill>
+              <a:schemeClr val="tx1"/>
+            </a:solidFill>
+            <a:tailEnd type="triangle"/>
+          </a:ln>
+        </p:spPr>
+        <p:style>
+          <a:lnRef idx="1">
+            <a:schemeClr val="accent1"/>
+          </a:lnRef>
+          <a:fillRef idx="0">
+            <a:schemeClr val="accent1"/>
+          </a:fillRef>
+          <a:effectRef idx="0">
+            <a:schemeClr val="accent1"/>
+          </a:effectRef>
+          <a:fontRef idx="minor">
+            <a:schemeClr val="tx1"/>
+          </a:fontRef>
+        </p:style>
+      </p:cxnSp>
+      <p:cxnSp>
+        <p:nvCxnSpPr>
+          <p:cNvPr id="6" name="Straight Arrow Connector 5">
+            <a:extLst>
+              <a:ext uri="{FF2B5EF4-FFF2-40B4-BE49-F238E27FC236}">
+                <a16:creationId xmlns:a16="http://schemas.microsoft.com/office/drawing/2014/main" id="{E9696240-4086-1444-6F49-0323740BB048}"/>
+              </a:ext>
+            </a:extLst>
+          </p:cNvPr>
+          <p:cNvCxnSpPr>
+            <a:cxnSpLocks/>
+          </p:cNvCxnSpPr>
+          <p:nvPr/>
+        </p:nvCxnSpPr>
+        <p:spPr>
+          <a:xfrm>
+            <a:off x="1236692" y="4595588"/>
+            <a:ext cx="424158" cy="0"/>
+          </a:xfrm>
+          <a:prstGeom prst="straightConnector1">
+            <a:avLst/>
+          </a:prstGeom>
+          <a:ln w="19050">
+            <a:solidFill>
+              <a:schemeClr val="tx1"/>
+            </a:solidFill>
+            <a:tailEnd type="triangle"/>
+          </a:ln>
+        </p:spPr>
+        <p:style>
+          <a:lnRef idx="1">
+            <a:schemeClr val="accent1"/>
+          </a:lnRef>
+          <a:fillRef idx="0">
+            <a:schemeClr val="accent1"/>
+          </a:fillRef>
+          <a:effectRef idx="0">
+            <a:schemeClr val="accent1"/>
+          </a:effectRef>
+          <a:fontRef idx="minor">
+            <a:schemeClr val="tx1"/>
+          </a:fontRef>
+        </p:style>
+      </p:cxnSp>
+      <p:pic>
+        <p:nvPicPr>
+          <p:cNvPr id="1030" name="Picture 6" descr="Authentication icon PNG and SVG Vector Free Download">
+            <a:extLst>
+              <a:ext uri="{FF2B5EF4-FFF2-40B4-BE49-F238E27FC236}">
+                <a16:creationId xmlns:a16="http://schemas.microsoft.com/office/drawing/2014/main" id="{4793F706-867C-2C5B-F8C9-6BDAB486E87D}"/>
+              </a:ext>
+            </a:extLst>
+          </p:cNvPr>
+          <p:cNvPicPr>
+            <a:picLocks noChangeAspect="1" noChangeArrowheads="1"/>
+          </p:cNvPicPr>
+          <p:nvPr/>
+        </p:nvPicPr>
+        <p:blipFill>
+          <a:blip r:embed="rId11">
+            <a:extLst>
+              <a:ext uri="{28A0092B-C50C-407E-A947-70E740481C1C}">
+                <a14:useLocalDpi xmlns:a14="http://schemas.microsoft.com/office/drawing/2010/main" val="0"/>
+              </a:ext>
+            </a:extLst>
+          </a:blip>
+          <a:srcRect/>
+          <a:stretch>
+            <a:fillRect/>
+          </a:stretch>
+        </p:blipFill>
+        <p:spPr bwMode="auto">
+          <a:xfrm>
+            <a:off x="4471088" y="1866577"/>
+            <a:ext cx="395308" cy="441917"/>
+          </a:xfrm>
+          <a:prstGeom prst="rect">
+            <a:avLst/>
+          </a:prstGeom>
+          <a:noFill/>
+          <a:extLst>
+            <a:ext uri="{909E8E84-426E-40DD-AFC4-6F175D3DCCD1}">
+              <a14:hiddenFill xmlns:a14="http://schemas.microsoft.com/office/drawing/2010/main">
+                <a:solidFill>
+                  <a:srgbClr val="FFFFFF"/>
+                </a:solidFill>
+              </a14:hiddenFill>
+            </a:ext>
+          </a:extLst>
+        </p:spPr>
+      </p:pic>
+      <p:pic>
+        <p:nvPicPr>
+          <p:cNvPr id="4" name="Picture 4" descr="Image result for sql server">
+            <a:extLst>
+              <a:ext uri="{FF2B5EF4-FFF2-40B4-BE49-F238E27FC236}">
+                <a16:creationId xmlns:a16="http://schemas.microsoft.com/office/drawing/2014/main" id="{BF0179D8-C105-BC7C-A48A-CEA4654369FB}"/>
+              </a:ext>
+            </a:extLst>
+          </p:cNvPr>
+          <p:cNvPicPr>
+            <a:picLocks noChangeAspect="1" noChangeArrowheads="1"/>
+          </p:cNvPicPr>
+          <p:nvPr/>
+        </p:nvPicPr>
+        <p:blipFill>
+          <a:blip r:embed="rId3">
+            <a:extLst>
+              <a:ext uri="{28A0092B-C50C-407E-A947-70E740481C1C}">
+                <a14:useLocalDpi xmlns:a14="http://schemas.microsoft.com/office/drawing/2010/main" val="0"/>
+              </a:ext>
+            </a:extLst>
+          </a:blip>
+          <a:srcRect/>
+          <a:stretch>
+            <a:fillRect/>
+          </a:stretch>
+        </p:blipFill>
+        <p:spPr bwMode="auto">
+          <a:xfrm>
+            <a:off x="7650018" y="3688969"/>
+            <a:ext cx="665267" cy="537791"/>
+          </a:xfrm>
+          <a:prstGeom prst="rect">
+            <a:avLst/>
+          </a:prstGeom>
+          <a:noFill/>
+          <a:extLst>
+            <a:ext uri="{909E8E84-426E-40DD-AFC4-6F175D3DCCD1}">
+              <a14:hiddenFill xmlns:a14="http://schemas.microsoft.com/office/drawing/2010/main">
+                <a:solidFill>
+                  <a:srgbClr val="FFFFFF"/>
+                </a:solidFill>
+              </a14:hiddenFill>
+            </a:ext>
+          </a:extLst>
+        </p:spPr>
+      </p:pic>
     </p:spTree>
     <p:extLst>
       <p:ext uri="{BB962C8B-B14F-4D97-AF65-F5344CB8AC3E}">
-        <p14:creationId xmlns:p14="http://schemas.microsoft.com/office/powerpoint/2010/main" val="709605694"/>
+        <p14:creationId xmlns:p14="http://schemas.microsoft.com/office/powerpoint/2010/main" val="1987770555"/>
       </p:ext>
     </p:extLst>
   </p:cSld>
@@ -4378,7 +6637,7 @@
                 <a:latin typeface="Euclid Circular B" panose="020B0504000000000000" pitchFamily="34" charset="0"/>
                 <a:ea typeface="Euclid Circular B" panose="020B0504000000000000" pitchFamily="34" charset="0"/>
               </a:rPr>
-              <a:t>ABP Studio</a:t>
+              <a:t>Tye: Demo</a:t>
             </a:r>
             <a:endParaRPr lang="en-US" b="1" dirty="0">
               <a:solidFill>
@@ -4408,23 +6667,50 @@
         </p:nvSpPr>
         <p:spPr/>
         <p:txBody>
-          <a:bodyPr/>
+          <a:bodyPr>
+            <a:normAutofit/>
+          </a:bodyPr>
           <a:lstStyle/>
           <a:p>
-            <a:r>
-              <a:rPr lang="en-US" dirty="0">
+            <a:pPr marL="0" indent="0" algn="ctr">
+              <a:buNone/>
+            </a:pPr>
+            <a:endParaRPr lang="tr-TR" sz="4800" i="1" dirty="0">
+              <a:solidFill>
+                <a:srgbClr val="C00000"/>
+              </a:solidFill>
+              <a:latin typeface="Euclid Circular B" panose="020B0504000000000000" pitchFamily="34" charset="0"/>
+              <a:ea typeface="Euclid Circular B" panose="020B0504000000000000" pitchFamily="34" charset="0"/>
+            </a:endParaRPr>
+          </a:p>
+          <a:p>
+            <a:pPr marL="0" indent="0" algn="ctr">
+              <a:buNone/>
+            </a:pPr>
+            <a:r>
+              <a:rPr lang="tr-TR" sz="12000" i="1" dirty="0">
+                <a:solidFill>
+                  <a:srgbClr val="C00000"/>
+                </a:solidFill>
                 <a:latin typeface="Euclid Circular B" panose="020B0504000000000000" pitchFamily="34" charset="0"/>
                 <a:ea typeface="Euclid Circular B" panose="020B0504000000000000" pitchFamily="34" charset="0"/>
               </a:rPr>
-              <a:t>Content</a:t>
-            </a:r>
+              <a:t>DEMO..!</a:t>
+            </a:r>
+            <a:endParaRPr lang="en-US" sz="12000" i="1" dirty="0">
+              <a:solidFill>
+                <a:srgbClr val="C00000"/>
+              </a:solidFill>
+              <a:latin typeface="Euclid Circular B" panose="020B0504000000000000" pitchFamily="34" charset="0"/>
+              <a:ea typeface="Euclid Circular B" panose="020B0504000000000000" pitchFamily="34" charset="0"/>
+            </a:endParaRPr>
           </a:p>
         </p:txBody>
       </p:sp>
     </p:spTree>
     <p:extLst>
       <p:ext uri="{BB962C8B-B14F-4D97-AF65-F5344CB8AC3E}">
-        <p14:creationId xmlns:p14="http://schemas.microsoft.com/office/powerpoint/2010/main" val="1222627661"/>
+        <p14:creationId xmlns:p14="http://schemas.microsoft.com/office/powerpoint/2010/main" val="1267065647"/>
       </p:ext>
     </p:extLst>
   </p:cSld>
@@ -4494,7 +6780,7 @@
                 <a:latin typeface="Euclid Circular B" panose="020B0504000000000000" pitchFamily="34" charset="0"/>
                 <a:ea typeface="Euclid Circular B" panose="020B0504000000000000" pitchFamily="34" charset="0"/>
               </a:rPr>
-              <a:t>ABP Studio: Solution Runner</a:t>
+              <a:t>Tye: Shortcomings</a:t>
             </a:r>
             <a:endParaRPr lang="en-US" b="1" dirty="0">
               <a:solidFill>
@@ -4522,31 +6808,543 @@
             <p:ph idx="1"/>
           </p:nvPr>
         </p:nvSpPr>
-        <p:spPr/>
+        <p:spPr>
+          <a:xfrm>
+            <a:off x="838199" y="1825625"/>
+            <a:ext cx="10826363" cy="4351338"/>
+          </a:xfrm>
+        </p:spPr>
         <p:txBody>
           <a:bodyPr/>
           <a:lstStyle/>
           <a:p>
             <a:r>
-              <a:rPr lang="en-US" dirty="0">
+              <a:rPr lang="tr-TR" b="1" dirty="0">
                 <a:latin typeface="Euclid Circular B" panose="020B0504000000000000" pitchFamily="34" charset="0"/>
                 <a:ea typeface="Euclid Circular B" panose="020B0504000000000000" pitchFamily="34" charset="0"/>
               </a:rPr>
-              <a:t>Content</a:t>
-            </a:r>
+              <a:t>Slow start </a:t>
+            </a:r>
+            <a:r>
+              <a:rPr lang="tr-TR" dirty="0">
+                <a:latin typeface="Euclid Circular B" panose="020B0504000000000000" pitchFamily="34" charset="0"/>
+                <a:ea typeface="Euclid Circular B" panose="020B0504000000000000" pitchFamily="34" charset="0"/>
+              </a:rPr>
+              <a:t>(every time builds all): 60-70 seconds to run 10 services</a:t>
+            </a:r>
+          </a:p>
+          <a:p>
+            <a:r>
+              <a:rPr lang="tr-TR" dirty="0">
+                <a:latin typeface="Euclid Circular B" panose="020B0504000000000000" pitchFamily="34" charset="0"/>
+                <a:ea typeface="Euclid Circular B" panose="020B0504000000000000" pitchFamily="34" charset="0"/>
+              </a:rPr>
+              <a:t>Can only run </a:t>
+            </a:r>
+            <a:r>
+              <a:rPr lang="tr-TR" b="1" dirty="0">
+                <a:latin typeface="Euclid Circular B" panose="020B0504000000000000" pitchFamily="34" charset="0"/>
+                <a:ea typeface="Euclid Circular B" panose="020B0504000000000000" pitchFamily="34" charset="0"/>
+              </a:rPr>
+              <a:t>all locally</a:t>
+            </a:r>
+            <a:endParaRPr lang="en-US" b="1" dirty="0">
+              <a:latin typeface="Euclid Circular B" panose="020B0504000000000000" pitchFamily="34" charset="0"/>
+              <a:ea typeface="Euclid Circular B" panose="020B0504000000000000" pitchFamily="34" charset="0"/>
+            </a:endParaRPr>
+          </a:p>
+          <a:p>
+            <a:r>
+              <a:rPr lang="tr-TR" b="1" dirty="0">
+                <a:latin typeface="Euclid Circular B" panose="020B0504000000000000" pitchFamily="34" charset="0"/>
+                <a:ea typeface="Euclid Circular B" panose="020B0504000000000000" pitchFamily="34" charset="0"/>
+              </a:rPr>
+              <a:t>Simple UI</a:t>
+            </a:r>
+            <a:r>
+              <a:rPr lang="tr-TR" dirty="0">
+                <a:latin typeface="Euclid Circular B" panose="020B0504000000000000" pitchFamily="34" charset="0"/>
+                <a:ea typeface="Euclid Circular B" panose="020B0504000000000000" pitchFamily="34" charset="0"/>
+              </a:rPr>
+              <a:t>: No control on services</a:t>
+            </a:r>
+          </a:p>
+          <a:p>
+            <a:pPr lvl="1"/>
+            <a:r>
+              <a:rPr lang="tr-TR" dirty="0">
+                <a:latin typeface="Euclid Circular B" panose="020B0504000000000000" pitchFamily="34" charset="0"/>
+                <a:ea typeface="Euclid Circular B" panose="020B0504000000000000" pitchFamily="34" charset="0"/>
+              </a:rPr>
+              <a:t>No way to </a:t>
+            </a:r>
+            <a:r>
+              <a:rPr lang="tr-TR" b="1" dirty="0">
+                <a:latin typeface="Euclid Circular B" panose="020B0504000000000000" pitchFamily="34" charset="0"/>
+                <a:ea typeface="Euclid Circular B" panose="020B0504000000000000" pitchFamily="34" charset="0"/>
+              </a:rPr>
+              <a:t>stop / restart a single service </a:t>
+            </a:r>
+            <a:r>
+              <a:rPr lang="tr-TR" dirty="0">
+                <a:latin typeface="Euclid Circular B" panose="020B0504000000000000" pitchFamily="34" charset="0"/>
+                <a:ea typeface="Euclid Circular B" panose="020B0504000000000000" pitchFamily="34" charset="0"/>
+              </a:rPr>
+              <a:t>manually (only stop all)</a:t>
+            </a:r>
+          </a:p>
+          <a:p>
+            <a:pPr lvl="1"/>
+            <a:r>
+              <a:rPr lang="tr-TR" dirty="0">
+                <a:latin typeface="Euclid Circular B" panose="020B0504000000000000" pitchFamily="34" charset="0"/>
+                <a:ea typeface="Euclid Circular B" panose="020B0504000000000000" pitchFamily="34" charset="0"/>
+              </a:rPr>
+              <a:t>No information about </a:t>
+            </a:r>
+            <a:r>
+              <a:rPr lang="tr-TR" b="1" dirty="0">
+                <a:latin typeface="Euclid Circular B" panose="020B0504000000000000" pitchFamily="34" charset="0"/>
+                <a:ea typeface="Euclid Circular B" panose="020B0504000000000000" pitchFamily="34" charset="0"/>
+              </a:rPr>
+              <a:t>internals </a:t>
+            </a:r>
+            <a:r>
+              <a:rPr lang="tr-TR" dirty="0">
+                <a:latin typeface="Euclid Circular B" panose="020B0504000000000000" pitchFamily="34" charset="0"/>
+                <a:ea typeface="Euclid Circular B" panose="020B0504000000000000" pitchFamily="34" charset="0"/>
+              </a:rPr>
+              <a:t>of services</a:t>
+            </a:r>
+          </a:p>
+          <a:p>
+            <a:r>
+              <a:rPr lang="tr-TR" dirty="0">
+                <a:latin typeface="Euclid Circular B" panose="020B0504000000000000" pitchFamily="34" charset="0"/>
+                <a:ea typeface="Euclid Circular B" panose="020B0504000000000000" pitchFamily="34" charset="0"/>
+              </a:rPr>
+              <a:t>Lack of </a:t>
+            </a:r>
+            <a:r>
+              <a:rPr lang="tr-TR" b="1" dirty="0">
+                <a:latin typeface="Euclid Circular B" panose="020B0504000000000000" pitchFamily="34" charset="0"/>
+                <a:ea typeface="Euclid Circular B" panose="020B0504000000000000" pitchFamily="34" charset="0"/>
+              </a:rPr>
+              <a:t>documentation</a:t>
+            </a:r>
+            <a:endParaRPr lang="tr-TR" dirty="0">
+              <a:latin typeface="Euclid Circular B" panose="020B0504000000000000" pitchFamily="34" charset="0"/>
+              <a:ea typeface="Euclid Circular B" panose="020B0504000000000000" pitchFamily="34" charset="0"/>
+            </a:endParaRPr>
           </a:p>
         </p:txBody>
       </p:sp>
     </p:spTree>
     <p:extLst>
       <p:ext uri="{BB962C8B-B14F-4D97-AF65-F5344CB8AC3E}">
-        <p14:creationId xmlns:p14="http://schemas.microsoft.com/office/powerpoint/2010/main" val="667745699"/>
+        <p14:creationId xmlns:p14="http://schemas.microsoft.com/office/powerpoint/2010/main" val="709605694"/>
       </p:ext>
     </p:extLst>
   </p:cSld>
   <p:clrMapOvr>
     <a:masterClrMapping/>
   </p:clrMapOvr>
+  <p:timing>
+    <p:tnLst>
+      <p:par>
+        <p:cTn id="1" dur="indefinite" restart="never" nodeType="tmRoot">
+          <p:childTnLst>
+            <p:seq concurrent="1" nextAc="seek">
+              <p:cTn id="2" dur="indefinite" nodeType="mainSeq">
+                <p:childTnLst>
+                  <p:par>
+                    <p:cTn id="3" fill="hold">
+                      <p:stCondLst>
+                        <p:cond delay="indefinite"/>
+                      </p:stCondLst>
+                      <p:childTnLst>
+                        <p:par>
+                          <p:cTn id="4" fill="hold">
+                            <p:stCondLst>
+                              <p:cond delay="0"/>
+                            </p:stCondLst>
+                            <p:childTnLst>
+                              <p:par>
+                                <p:cTn id="5" presetID="10" presetClass="entr" presetSubtype="0" fill="hold" nodeType="clickEffect">
+                                  <p:stCondLst>
+                                    <p:cond delay="0"/>
+                                  </p:stCondLst>
+                                  <p:childTnLst>
+                                    <p:set>
+                                      <p:cBhvr>
+                                        <p:cTn id="6" dur="1" fill="hold">
+                                          <p:stCondLst>
+                                            <p:cond delay="0"/>
+                                          </p:stCondLst>
+                                        </p:cTn>
+                                        <p:tgtEl>
+                                          <p:spTgt spid="3">
+                                            <p:txEl>
+                                              <p:pRg st="0" end="0"/>
+                                            </p:txEl>
+                                          </p:spTgt>
+                                        </p:tgtEl>
+                                        <p:attrNameLst>
+                                          <p:attrName>style.visibility</p:attrName>
+                                        </p:attrNameLst>
+                                      </p:cBhvr>
+                                      <p:to>
+                                        <p:strVal val="visible"/>
+                                      </p:to>
+                                    </p:set>
+                                    <p:animEffect transition="in" filter="fade">
+                                      <p:cBhvr>
+                                        <p:cTn id="7" dur="500"/>
+                                        <p:tgtEl>
+                                          <p:spTgt spid="3">
+                                            <p:txEl>
+                                              <p:pRg st="0" end="0"/>
+                                            </p:txEl>
+                                          </p:spTgt>
+                                        </p:tgtEl>
+                                      </p:cBhvr>
+                                    </p:animEffect>
+                                  </p:childTnLst>
+                                </p:cTn>
+                              </p:par>
+                            </p:childTnLst>
+                          </p:cTn>
+                        </p:par>
+                      </p:childTnLst>
+                    </p:cTn>
+                  </p:par>
+                  <p:par>
+                    <p:cTn id="8" fill="hold">
+                      <p:stCondLst>
+                        <p:cond delay="indefinite"/>
+                      </p:stCondLst>
+                      <p:childTnLst>
+                        <p:par>
+                          <p:cTn id="9" fill="hold">
+                            <p:stCondLst>
+                              <p:cond delay="0"/>
+                            </p:stCondLst>
+                            <p:childTnLst>
+                              <p:par>
+                                <p:cTn id="10" presetID="10" presetClass="entr" presetSubtype="0" fill="hold" nodeType="clickEffect">
+                                  <p:stCondLst>
+                                    <p:cond delay="0"/>
+                                  </p:stCondLst>
+                                  <p:childTnLst>
+                                    <p:set>
+                                      <p:cBhvr>
+                                        <p:cTn id="11" dur="1" fill="hold">
+                                          <p:stCondLst>
+                                            <p:cond delay="0"/>
+                                          </p:stCondLst>
+                                        </p:cTn>
+                                        <p:tgtEl>
+                                          <p:spTgt spid="3">
+                                            <p:txEl>
+                                              <p:pRg st="1" end="1"/>
+                                            </p:txEl>
+                                          </p:spTgt>
+                                        </p:tgtEl>
+                                        <p:attrNameLst>
+                                          <p:attrName>style.visibility</p:attrName>
+                                        </p:attrNameLst>
+                                      </p:cBhvr>
+                                      <p:to>
+                                        <p:strVal val="visible"/>
+                                      </p:to>
+                                    </p:set>
+                                    <p:animEffect transition="in" filter="fade">
+                                      <p:cBhvr>
+                                        <p:cTn id="12" dur="500"/>
+                                        <p:tgtEl>
+                                          <p:spTgt spid="3">
+                                            <p:txEl>
+                                              <p:pRg st="1" end="1"/>
+                                            </p:txEl>
+                                          </p:spTgt>
+                                        </p:tgtEl>
+                                      </p:cBhvr>
+                                    </p:animEffect>
+                                  </p:childTnLst>
+                                </p:cTn>
+                              </p:par>
+                            </p:childTnLst>
+                          </p:cTn>
+                        </p:par>
+                      </p:childTnLst>
+                    </p:cTn>
+                  </p:par>
+                  <p:par>
+                    <p:cTn id="13" fill="hold">
+                      <p:stCondLst>
+                        <p:cond delay="indefinite"/>
+                      </p:stCondLst>
+                      <p:childTnLst>
+                        <p:par>
+                          <p:cTn id="14" fill="hold">
+                            <p:stCondLst>
+                              <p:cond delay="0"/>
+                            </p:stCondLst>
+                            <p:childTnLst>
+                              <p:par>
+                                <p:cTn id="15" presetID="10" presetClass="entr" presetSubtype="0" fill="hold" nodeType="clickEffect">
+                                  <p:stCondLst>
+                                    <p:cond delay="0"/>
+                                  </p:stCondLst>
+                                  <p:childTnLst>
+                                    <p:set>
+                                      <p:cBhvr>
+                                        <p:cTn id="16" dur="1" fill="hold">
+                                          <p:stCondLst>
+                                            <p:cond delay="0"/>
+                                          </p:stCondLst>
+                                        </p:cTn>
+                                        <p:tgtEl>
+                                          <p:spTgt spid="3">
+                                            <p:txEl>
+                                              <p:pRg st="2" end="2"/>
+                                            </p:txEl>
+                                          </p:spTgt>
+                                        </p:tgtEl>
+                                        <p:attrNameLst>
+                                          <p:attrName>style.visibility</p:attrName>
+                                        </p:attrNameLst>
+                                      </p:cBhvr>
+                                      <p:to>
+                                        <p:strVal val="visible"/>
+                                      </p:to>
+                                    </p:set>
+                                    <p:animEffect transition="in" filter="fade">
+                                      <p:cBhvr>
+                                        <p:cTn id="17" dur="500"/>
+                                        <p:tgtEl>
+                                          <p:spTgt spid="3">
+                                            <p:txEl>
+                                              <p:pRg st="2" end="2"/>
+                                            </p:txEl>
+                                          </p:spTgt>
+                                        </p:tgtEl>
+                                      </p:cBhvr>
+                                    </p:animEffect>
+                                  </p:childTnLst>
+                                </p:cTn>
+                              </p:par>
+                            </p:childTnLst>
+                          </p:cTn>
+                        </p:par>
+                      </p:childTnLst>
+                    </p:cTn>
+                  </p:par>
+                  <p:par>
+                    <p:cTn id="18" fill="hold">
+                      <p:stCondLst>
+                        <p:cond delay="indefinite"/>
+                      </p:stCondLst>
+                      <p:childTnLst>
+                        <p:par>
+                          <p:cTn id="19" fill="hold">
+                            <p:stCondLst>
+                              <p:cond delay="0"/>
+                            </p:stCondLst>
+                            <p:childTnLst>
+                              <p:par>
+                                <p:cTn id="20" presetID="10" presetClass="entr" presetSubtype="0" fill="hold" nodeType="clickEffect">
+                                  <p:stCondLst>
+                                    <p:cond delay="0"/>
+                                  </p:stCondLst>
+                                  <p:childTnLst>
+                                    <p:set>
+                                      <p:cBhvr>
+                                        <p:cTn id="21" dur="1" fill="hold">
+                                          <p:stCondLst>
+                                            <p:cond delay="0"/>
+                                          </p:stCondLst>
+                                        </p:cTn>
+                                        <p:tgtEl>
+                                          <p:spTgt spid="3">
+                                            <p:txEl>
+                                              <p:pRg st="3" end="3"/>
+                                            </p:txEl>
+                                          </p:spTgt>
+                                        </p:tgtEl>
+                                        <p:attrNameLst>
+                                          <p:attrName>style.visibility</p:attrName>
+                                        </p:attrNameLst>
+                                      </p:cBhvr>
+                                      <p:to>
+                                        <p:strVal val="visible"/>
+                                      </p:to>
+                                    </p:set>
+                                    <p:animEffect transition="in" filter="fade">
+                                      <p:cBhvr>
+                                        <p:cTn id="22" dur="500"/>
+                                        <p:tgtEl>
+                                          <p:spTgt spid="3">
+                                            <p:txEl>
+                                              <p:pRg st="3" end="3"/>
+                                            </p:txEl>
+                                          </p:spTgt>
+                                        </p:tgtEl>
+                                      </p:cBhvr>
+                                    </p:animEffect>
+                                  </p:childTnLst>
+                                </p:cTn>
+                              </p:par>
+                            </p:childTnLst>
+                          </p:cTn>
+                        </p:par>
+                      </p:childTnLst>
+                    </p:cTn>
+                  </p:par>
+                  <p:par>
+                    <p:cTn id="23" fill="hold">
+                      <p:stCondLst>
+                        <p:cond delay="indefinite"/>
+                      </p:stCondLst>
+                      <p:childTnLst>
+                        <p:par>
+                          <p:cTn id="24" fill="hold">
+                            <p:stCondLst>
+                              <p:cond delay="0"/>
+                            </p:stCondLst>
+                            <p:childTnLst>
+                              <p:par>
+                                <p:cTn id="25" presetID="10" presetClass="entr" presetSubtype="0" fill="hold" nodeType="clickEffect">
+                                  <p:stCondLst>
+                                    <p:cond delay="0"/>
+                                  </p:stCondLst>
+                                  <p:childTnLst>
+                                    <p:set>
+                                      <p:cBhvr>
+                                        <p:cTn id="26" dur="1" fill="hold">
+                                          <p:stCondLst>
+                                            <p:cond delay="0"/>
+                                          </p:stCondLst>
+                                        </p:cTn>
+                                        <p:tgtEl>
+                                          <p:spTgt spid="3">
+                                            <p:txEl>
+                                              <p:pRg st="4" end="4"/>
+                                            </p:txEl>
+                                          </p:spTgt>
+                                        </p:tgtEl>
+                                        <p:attrNameLst>
+                                          <p:attrName>style.visibility</p:attrName>
+                                        </p:attrNameLst>
+                                      </p:cBhvr>
+                                      <p:to>
+                                        <p:strVal val="visible"/>
+                                      </p:to>
+                                    </p:set>
+                                    <p:animEffect transition="in" filter="fade">
+                                      <p:cBhvr>
+                                        <p:cTn id="27" dur="500"/>
+                                        <p:tgtEl>
+                                          <p:spTgt spid="3">
+                                            <p:txEl>
+                                              <p:pRg st="4" end="4"/>
+                                            </p:txEl>
+                                          </p:spTgt>
+                                        </p:tgtEl>
+                                      </p:cBhvr>
+                                    </p:animEffect>
+                                  </p:childTnLst>
+                                </p:cTn>
+                              </p:par>
+                            </p:childTnLst>
+                          </p:cTn>
+                        </p:par>
+                      </p:childTnLst>
+                    </p:cTn>
+                  </p:par>
+                  <p:par>
+                    <p:cTn id="28" fill="hold">
+                      <p:stCondLst>
+                        <p:cond delay="indefinite"/>
+                      </p:stCondLst>
+                      <p:childTnLst>
+                        <p:par>
+                          <p:cTn id="29" fill="hold">
+                            <p:stCondLst>
+                              <p:cond delay="0"/>
+                            </p:stCondLst>
+                            <p:childTnLst>
+                              <p:par>
+                                <p:cTn id="30" presetID="10" presetClass="entr" presetSubtype="0" fill="hold" nodeType="clickEffect">
+                                  <p:stCondLst>
+                                    <p:cond delay="0"/>
+                                  </p:stCondLst>
+                                  <p:childTnLst>
+                                    <p:set>
+                                      <p:cBhvr>
+                                        <p:cTn id="31" dur="1" fill="hold">
+                                          <p:stCondLst>
+                                            <p:cond delay="0"/>
+                                          </p:stCondLst>
+                                        </p:cTn>
+                                        <p:tgtEl>
+                                          <p:spTgt spid="3">
+                                            <p:txEl>
+                                              <p:pRg st="5" end="5"/>
+                                            </p:txEl>
+                                          </p:spTgt>
+                                        </p:tgtEl>
+                                        <p:attrNameLst>
+                                          <p:attrName>style.visibility</p:attrName>
+                                        </p:attrNameLst>
+                                      </p:cBhvr>
+                                      <p:to>
+                                        <p:strVal val="visible"/>
+                                      </p:to>
+                                    </p:set>
+                                    <p:animEffect transition="in" filter="fade">
+                                      <p:cBhvr>
+                                        <p:cTn id="32" dur="500"/>
+                                        <p:tgtEl>
+                                          <p:spTgt spid="3">
+                                            <p:txEl>
+                                              <p:pRg st="5" end="5"/>
+                                            </p:txEl>
+                                          </p:spTgt>
+                                        </p:tgtEl>
+                                      </p:cBhvr>
+                                    </p:animEffect>
+                                  </p:childTnLst>
+                                </p:cTn>
+                              </p:par>
+                            </p:childTnLst>
+                          </p:cTn>
+                        </p:par>
+                      </p:childTnLst>
+                    </p:cTn>
+                  </p:par>
+                </p:childTnLst>
+              </p:cTn>
+              <p:prevCondLst>
+                <p:cond evt="onPrev" delay="0">
+                  <p:tgtEl>
+                    <p:sldTgt/>
+                  </p:tgtEl>
+                </p:cond>
+              </p:prevCondLst>
+              <p:nextCondLst>
+                <p:cond evt="onNext" delay="0">
+                  <p:tgtEl>
+                    <p:sldTgt/>
+                  </p:tgtEl>
+                </p:cond>
+              </p:nextCondLst>
+            </p:seq>
+          </p:childTnLst>
+        </p:cTn>
+      </p:par>
+    </p:tnLst>
+  </p:timing>
 </p:sld>
 </file>
 
@@ -4610,7 +7408,7 @@
                 <a:latin typeface="Euclid Circular B" panose="020B0504000000000000" pitchFamily="34" charset="0"/>
                 <a:ea typeface="Euclid Circular B" panose="020B0504000000000000" pitchFamily="34" charset="0"/>
               </a:rPr>
-              <a:t>ABP Studio: Solution Runner</a:t>
+              <a:t>Tye: Shortcomings</a:t>
             </a:r>
             <a:endParaRPr lang="en-US" b="1" dirty="0">
               <a:solidFill>
@@ -4622,73 +7420,99 @@
           </a:p>
         </p:txBody>
       </p:sp>
+      <p:pic>
+        <p:nvPicPr>
+          <p:cNvPr id="7" name="Picture 6">
+            <a:extLst>
+              <a:ext uri="{FF2B5EF4-FFF2-40B4-BE49-F238E27FC236}">
+                <a16:creationId xmlns:a16="http://schemas.microsoft.com/office/drawing/2014/main" id="{9E434890-F5D9-3BD8-2C5D-E62B38E20E31}"/>
+              </a:ext>
+            </a:extLst>
+          </p:cNvPr>
+          <p:cNvPicPr>
+            <a:picLocks noChangeAspect="1"/>
+          </p:cNvPicPr>
+          <p:nvPr/>
+        </p:nvPicPr>
+        <p:blipFill>
+          <a:blip r:embed="rId3"/>
+          <a:stretch>
+            <a:fillRect/>
+          </a:stretch>
+        </p:blipFill>
+        <p:spPr>
+          <a:xfrm>
+            <a:off x="838200" y="1690688"/>
+            <a:ext cx="4919049" cy="4940696"/>
+          </a:xfrm>
+          <a:prstGeom prst="rect">
+            <a:avLst/>
+          </a:prstGeom>
+        </p:spPr>
+      </p:pic>
       <p:sp>
         <p:nvSpPr>
-          <p:cNvPr id="6" name="Content Placeholder 2">
-            <a:extLst>
-              <a:ext uri="{FF2B5EF4-FFF2-40B4-BE49-F238E27FC236}">
-                <a16:creationId xmlns:a16="http://schemas.microsoft.com/office/drawing/2014/main" id="{435D6ABC-AF7E-3211-9BCA-2A12F2A2B5DD}"/>
-              </a:ext>
-            </a:extLst>
-          </p:cNvPr>
-          <p:cNvSpPr>
-            <a:spLocks noGrp="1"/>
-          </p:cNvSpPr>
-          <p:nvPr>
-            <p:ph idx="1"/>
-          </p:nvPr>
+          <p:cNvPr id="9" name="TextBox 8">
+            <a:extLst>
+              <a:ext uri="{FF2B5EF4-FFF2-40B4-BE49-F238E27FC236}">
+                <a16:creationId xmlns:a16="http://schemas.microsoft.com/office/drawing/2014/main" id="{1D62CB1E-08B1-6BA7-0A54-ACEE88C2628C}"/>
+              </a:ext>
+            </a:extLst>
+          </p:cNvPr>
+          <p:cNvSpPr txBox="1"/>
+          <p:nvPr/>
         </p:nvSpPr>
         <p:spPr>
           <a:xfrm>
-            <a:off x="838200" y="1825625"/>
-            <a:ext cx="10515600" cy="4351338"/>
+            <a:off x="6434752" y="3429000"/>
+            <a:ext cx="5389075" cy="523220"/>
           </a:xfrm>
+          <a:prstGeom prst="rect">
+            <a:avLst/>
+          </a:prstGeom>
+          <a:noFill/>
         </p:spPr>
         <p:txBody>
-          <a:bodyPr>
-            <a:normAutofit/>
+          <a:bodyPr wrap="square">
+            <a:spAutoFit/>
           </a:bodyPr>
           <a:lstStyle/>
           <a:p>
-            <a:pPr marL="0" indent="0" algn="ctr">
-              <a:buNone/>
-            </a:pPr>
-            <a:endParaRPr lang="tr-TR" sz="4800" i="1" dirty="0">
-              <a:solidFill>
-                <a:srgbClr val="C00000"/>
-              </a:solidFill>
-              <a:latin typeface="Euclid Circular B" panose="020B0504000000000000" pitchFamily="34" charset="0"/>
-              <a:ea typeface="Euclid Circular B" panose="020B0504000000000000" pitchFamily="34" charset="0"/>
-            </a:endParaRPr>
-          </a:p>
-          <a:p>
-            <a:pPr marL="0" indent="0" algn="ctr">
-              <a:buNone/>
-            </a:pPr>
-            <a:r>
-              <a:rPr lang="tr-TR" sz="12000" i="1" dirty="0">
+            <a:r>
+              <a:rPr lang="tr-TR" sz="2800" dirty="0">
                 <a:solidFill>
-                  <a:srgbClr val="C00000"/>
+                  <a:srgbClr val="FF0000"/>
                 </a:solidFill>
                 <a:latin typeface="Euclid Circular B" panose="020B0504000000000000" pitchFamily="34" charset="0"/>
                 <a:ea typeface="Euclid Circular B" panose="020B0504000000000000" pitchFamily="34" charset="0"/>
               </a:rPr>
-              <a:t>DEMO..!</a:t>
-            </a:r>
-            <a:endParaRPr lang="en-US" sz="12000" i="1" dirty="0">
-              <a:solidFill>
-                <a:srgbClr val="C00000"/>
-              </a:solidFill>
-              <a:latin typeface="Euclid Circular B" panose="020B0504000000000000" pitchFamily="34" charset="0"/>
-              <a:ea typeface="Euclid Circular B" panose="020B0504000000000000" pitchFamily="34" charset="0"/>
-            </a:endParaRPr>
+              <a:t>No </a:t>
+            </a:r>
+            <a:r>
+              <a:rPr lang="tr-TR" sz="2800" b="1" dirty="0">
+                <a:solidFill>
+                  <a:srgbClr val="FF0000"/>
+                </a:solidFill>
+                <a:latin typeface="Euclid Circular B" panose="020B0504000000000000" pitchFamily="34" charset="0"/>
+                <a:ea typeface="Euclid Circular B" panose="020B0504000000000000" pitchFamily="34" charset="0"/>
+              </a:rPr>
+              <a:t>active development</a:t>
+            </a:r>
+            <a:r>
+              <a:rPr lang="tr-TR" sz="2800" dirty="0">
+                <a:latin typeface="Euclid Circular B" panose="020B0504000000000000" pitchFamily="34" charset="0"/>
+                <a:ea typeface="Euclid Circular B" panose="020B0504000000000000" pitchFamily="34" charset="0"/>
+              </a:rPr>
+              <a:t> on GitHub</a:t>
+            </a:r>
+            <a:endParaRPr lang="en-US" sz="2800" dirty="0"/>
           </a:p>
         </p:txBody>
       </p:sp>
     </p:spTree>
     <p:extLst>
       <p:ext uri="{BB962C8B-B14F-4D97-AF65-F5344CB8AC3E}">
-        <p14:creationId xmlns:p14="http://schemas.microsoft.com/office/powerpoint/2010/main" val="228551560"/>
+        <p14:creationId xmlns:p14="http://schemas.microsoft.com/office/powerpoint/2010/main" val="2217404418"/>
       </p:ext>
     </p:extLst>
   </p:cSld>
@@ -4751,15 +7575,22 @@
           <a:lstStyle/>
           <a:p>
             <a:r>
-              <a:rPr lang="en-US" b="1" dirty="0">
+              <a:rPr lang="tr-TR" b="1" dirty="0">
                 <a:solidFill>
                   <a:srgbClr val="292D33"/>
                 </a:solidFill>
                 <a:latin typeface="Euclid Circular B" panose="020B0504000000000000" pitchFamily="34" charset="0"/>
                 <a:ea typeface="Euclid Circular B" panose="020B0504000000000000" pitchFamily="34" charset="0"/>
               </a:rPr>
-              <a:t>Topic title</a:t>
-            </a:r>
+              <a:t>ABP Studio</a:t>
+            </a:r>
+            <a:endParaRPr lang="en-US" b="1" dirty="0">
+              <a:solidFill>
+                <a:srgbClr val="292D33"/>
+              </a:solidFill>
+              <a:latin typeface="Euclid Circular B" panose="020B0504000000000000" pitchFamily="34" charset="0"/>
+              <a:ea typeface="Euclid Circular B" panose="020B0504000000000000" pitchFamily="34" charset="0"/>
+            </a:endParaRPr>
           </a:p>
         </p:txBody>
       </p:sp>
@@ -4797,7 +7628,7 @@
     </p:spTree>
     <p:extLst>
       <p:ext uri="{BB962C8B-B14F-4D97-AF65-F5344CB8AC3E}">
-        <p14:creationId xmlns:p14="http://schemas.microsoft.com/office/powerpoint/2010/main" val="3906135550"/>
+        <p14:creationId xmlns:p14="http://schemas.microsoft.com/office/powerpoint/2010/main" val="1222627661"/>
       </p:ext>
     </p:extLst>
   </p:cSld>
@@ -4860,15 +7691,22 @@
           <a:lstStyle/>
           <a:p>
             <a:r>
-              <a:rPr lang="en-US" b="1" dirty="0">
+              <a:rPr lang="tr-TR" b="1" dirty="0">
                 <a:solidFill>
                   <a:srgbClr val="292D33"/>
                 </a:solidFill>
                 <a:latin typeface="Euclid Circular B" panose="020B0504000000000000" pitchFamily="34" charset="0"/>
                 <a:ea typeface="Euclid Circular B" panose="020B0504000000000000" pitchFamily="34" charset="0"/>
               </a:rPr>
-              <a:t>Topic title</a:t>
-            </a:r>
+              <a:t>ABP Studio: Solution Runner</a:t>
+            </a:r>
+            <a:endParaRPr lang="en-US" b="1" dirty="0">
+              <a:solidFill>
+                <a:srgbClr val="292D33"/>
+              </a:solidFill>
+              <a:latin typeface="Euclid Circular B" panose="020B0504000000000000" pitchFamily="34" charset="0"/>
+              <a:ea typeface="Euclid Circular B" panose="020B0504000000000000" pitchFamily="34" charset="0"/>
+            </a:endParaRPr>
           </a:p>
         </p:txBody>
       </p:sp>
@@ -4906,7 +7744,7 @@
     </p:spTree>
     <p:extLst>
       <p:ext uri="{BB962C8B-B14F-4D97-AF65-F5344CB8AC3E}">
-        <p14:creationId xmlns:p14="http://schemas.microsoft.com/office/powerpoint/2010/main" val="1647554329"/>
+        <p14:creationId xmlns:p14="http://schemas.microsoft.com/office/powerpoint/2010/main" val="667745699"/>
       </p:ext>
     </p:extLst>
   </p:cSld>
@@ -4969,24 +7807,31 @@
           <a:lstStyle/>
           <a:p>
             <a:r>
-              <a:rPr lang="en-US" b="1" dirty="0">
+              <a:rPr lang="tr-TR" b="1" dirty="0">
                 <a:solidFill>
                   <a:srgbClr val="292D33"/>
                 </a:solidFill>
                 <a:latin typeface="Euclid Circular B" panose="020B0504000000000000" pitchFamily="34" charset="0"/>
                 <a:ea typeface="Euclid Circular B" panose="020B0504000000000000" pitchFamily="34" charset="0"/>
               </a:rPr>
-              <a:t>Topic title</a:t>
-            </a:r>
+              <a:t>ABP Studio: Solution Runner</a:t>
+            </a:r>
+            <a:endParaRPr lang="en-US" b="1" dirty="0">
+              <a:solidFill>
+                <a:srgbClr val="292D33"/>
+              </a:solidFill>
+              <a:latin typeface="Euclid Circular B" panose="020B0504000000000000" pitchFamily="34" charset="0"/>
+              <a:ea typeface="Euclid Circular B" panose="020B0504000000000000" pitchFamily="34" charset="0"/>
+            </a:endParaRPr>
           </a:p>
         </p:txBody>
       </p:sp>
       <p:sp>
         <p:nvSpPr>
-          <p:cNvPr id="3" name="Content Placeholder 2">
-            <a:extLst>
-              <a:ext uri="{FF2B5EF4-FFF2-40B4-BE49-F238E27FC236}">
-                <a16:creationId xmlns:a16="http://schemas.microsoft.com/office/drawing/2014/main" id="{891C7693-D3DF-4635-96F4-97F3B4136FDF}"/>
+          <p:cNvPr id="6" name="Content Placeholder 2">
+            <a:extLst>
+              <a:ext uri="{FF2B5EF4-FFF2-40B4-BE49-F238E27FC236}">
+                <a16:creationId xmlns:a16="http://schemas.microsoft.com/office/drawing/2014/main" id="{435D6ABC-AF7E-3211-9BCA-2A12F2A2B5DD}"/>
               </a:ext>
             </a:extLst>
           </p:cNvPr>
@@ -4997,25 +7842,57 @@
             <p:ph idx="1"/>
           </p:nvPr>
         </p:nvSpPr>
-        <p:spPr/>
+        <p:spPr>
+          <a:xfrm>
+            <a:off x="838200" y="1825625"/>
+            <a:ext cx="10515600" cy="4351338"/>
+          </a:xfrm>
+        </p:spPr>
         <p:txBody>
-          <a:bodyPr/>
+          <a:bodyPr>
+            <a:normAutofit/>
+          </a:bodyPr>
           <a:lstStyle/>
           <a:p>
-            <a:r>
-              <a:rPr lang="en-US" dirty="0">
+            <a:pPr marL="0" indent="0" algn="ctr">
+              <a:buNone/>
+            </a:pPr>
+            <a:endParaRPr lang="tr-TR" sz="4800" i="1" dirty="0">
+              <a:solidFill>
+                <a:srgbClr val="C00000"/>
+              </a:solidFill>
+              <a:latin typeface="Euclid Circular B" panose="020B0504000000000000" pitchFamily="34" charset="0"/>
+              <a:ea typeface="Euclid Circular B" panose="020B0504000000000000" pitchFamily="34" charset="0"/>
+            </a:endParaRPr>
+          </a:p>
+          <a:p>
+            <a:pPr marL="0" indent="0" algn="ctr">
+              <a:buNone/>
+            </a:pPr>
+            <a:r>
+              <a:rPr lang="tr-TR" sz="12000" i="1" dirty="0">
+                <a:solidFill>
+                  <a:srgbClr val="C00000"/>
+                </a:solidFill>
                 <a:latin typeface="Euclid Circular B" panose="020B0504000000000000" pitchFamily="34" charset="0"/>
                 <a:ea typeface="Euclid Circular B" panose="020B0504000000000000" pitchFamily="34" charset="0"/>
               </a:rPr>
-              <a:t>Content</a:t>
-            </a:r>
+              <a:t>DEMO..!</a:t>
+            </a:r>
+            <a:endParaRPr lang="en-US" sz="12000" i="1" dirty="0">
+              <a:solidFill>
+                <a:srgbClr val="C00000"/>
+              </a:solidFill>
+              <a:latin typeface="Euclid Circular B" panose="020B0504000000000000" pitchFamily="34" charset="0"/>
+              <a:ea typeface="Euclid Circular B" panose="020B0504000000000000" pitchFamily="34" charset="0"/>
+            </a:endParaRPr>
           </a:p>
         </p:txBody>
       </p:sp>
     </p:spTree>
     <p:extLst>
       <p:ext uri="{BB962C8B-B14F-4D97-AF65-F5344CB8AC3E}">
-        <p14:creationId xmlns:p14="http://schemas.microsoft.com/office/powerpoint/2010/main" val="2126704615"/>
+        <p14:creationId xmlns:p14="http://schemas.microsoft.com/office/powerpoint/2010/main" val="228551560"/>
       </p:ext>
     </p:extLst>
   </p:cSld>
@@ -6274,7 +9151,7 @@
     </p:spTree>
     <p:extLst>
       <p:ext uri="{BB962C8B-B14F-4D97-AF65-F5344CB8AC3E}">
-        <p14:creationId xmlns:p14="http://schemas.microsoft.com/office/powerpoint/2010/main" val="927134514"/>
+        <p14:creationId xmlns:p14="http://schemas.microsoft.com/office/powerpoint/2010/main" val="3906135550"/>
       </p:ext>
     </p:extLst>
   </p:cSld>
@@ -6383,7 +9260,7 @@
     </p:spTree>
     <p:extLst>
       <p:ext uri="{BB962C8B-B14F-4D97-AF65-F5344CB8AC3E}">
-        <p14:creationId xmlns:p14="http://schemas.microsoft.com/office/powerpoint/2010/main" val="641461654"/>
+        <p14:creationId xmlns:p14="http://schemas.microsoft.com/office/powerpoint/2010/main" val="1647554329"/>
       </p:ext>
     </p:extLst>
   </p:cSld>
@@ -6492,7 +9369,7 @@
     </p:spTree>
     <p:extLst>
       <p:ext uri="{BB962C8B-B14F-4D97-AF65-F5344CB8AC3E}">
-        <p14:creationId xmlns:p14="http://schemas.microsoft.com/office/powerpoint/2010/main" val="2810211328"/>
+        <p14:creationId xmlns:p14="http://schemas.microsoft.com/office/powerpoint/2010/main" val="2126704615"/>
       </p:ext>
     </p:extLst>
   </p:cSld>
@@ -6601,7 +9478,7 @@
     </p:spTree>
     <p:extLst>
       <p:ext uri="{BB962C8B-B14F-4D97-AF65-F5344CB8AC3E}">
-        <p14:creationId xmlns:p14="http://schemas.microsoft.com/office/powerpoint/2010/main" val="895767816"/>
+        <p14:creationId xmlns:p14="http://schemas.microsoft.com/office/powerpoint/2010/main" val="927134514"/>
       </p:ext>
     </p:extLst>
   </p:cSld>
@@ -6710,7 +9587,7 @@
     </p:spTree>
     <p:extLst>
       <p:ext uri="{BB962C8B-B14F-4D97-AF65-F5344CB8AC3E}">
-        <p14:creationId xmlns:p14="http://schemas.microsoft.com/office/powerpoint/2010/main" val="1363764961"/>
+        <p14:creationId xmlns:p14="http://schemas.microsoft.com/office/powerpoint/2010/main" val="641461654"/>
       </p:ext>
     </p:extLst>
   </p:cSld>
@@ -6819,7 +9696,7 @@
     </p:spTree>
     <p:extLst>
       <p:ext uri="{BB962C8B-B14F-4D97-AF65-F5344CB8AC3E}">
-        <p14:creationId xmlns:p14="http://schemas.microsoft.com/office/powerpoint/2010/main" val="2960361966"/>
+        <p14:creationId xmlns:p14="http://schemas.microsoft.com/office/powerpoint/2010/main" val="2810211328"/>
       </p:ext>
     </p:extLst>
   </p:cSld>
@@ -6928,7 +9805,7 @@
     </p:spTree>
     <p:extLst>
       <p:ext uri="{BB962C8B-B14F-4D97-AF65-F5344CB8AC3E}">
-        <p14:creationId xmlns:p14="http://schemas.microsoft.com/office/powerpoint/2010/main" val="1720385134"/>
+        <p14:creationId xmlns:p14="http://schemas.microsoft.com/office/powerpoint/2010/main" val="895767816"/>
       </p:ext>
     </p:extLst>
   </p:cSld>
@@ -7037,7 +9914,7 @@
     </p:spTree>
     <p:extLst>
       <p:ext uri="{BB962C8B-B14F-4D97-AF65-F5344CB8AC3E}">
-        <p14:creationId xmlns:p14="http://schemas.microsoft.com/office/powerpoint/2010/main" val="48548191"/>
+        <p14:creationId xmlns:p14="http://schemas.microsoft.com/office/powerpoint/2010/main" val="1363764961"/>
       </p:ext>
     </p:extLst>
   </p:cSld>
@@ -7146,7 +10023,7 @@
     </p:spTree>
     <p:extLst>
       <p:ext uri="{BB962C8B-B14F-4D97-AF65-F5344CB8AC3E}">
-        <p14:creationId xmlns:p14="http://schemas.microsoft.com/office/powerpoint/2010/main" val="235997505"/>
+        <p14:creationId xmlns:p14="http://schemas.microsoft.com/office/powerpoint/2010/main" val="2960361966"/>
       </p:ext>
     </p:extLst>
   </p:cSld>
@@ -7255,7 +10132,7 @@
     </p:spTree>
     <p:extLst>
       <p:ext uri="{BB962C8B-B14F-4D97-AF65-F5344CB8AC3E}">
-        <p14:creationId xmlns:p14="http://schemas.microsoft.com/office/powerpoint/2010/main" val="90997006"/>
+        <p14:creationId xmlns:p14="http://schemas.microsoft.com/office/powerpoint/2010/main" val="1720385134"/>
       </p:ext>
     </p:extLst>
   </p:cSld>
@@ -7806,7 +10683,7 @@
     </p:spTree>
     <p:extLst>
       <p:ext uri="{BB962C8B-B14F-4D97-AF65-F5344CB8AC3E}">
-        <p14:creationId xmlns:p14="http://schemas.microsoft.com/office/powerpoint/2010/main" val="1732381805"/>
+        <p14:creationId xmlns:p14="http://schemas.microsoft.com/office/powerpoint/2010/main" val="48548191"/>
       </p:ext>
     </p:extLst>
   </p:cSld>
@@ -7915,7 +10792,7 @@
     </p:spTree>
     <p:extLst>
       <p:ext uri="{BB962C8B-B14F-4D97-AF65-F5344CB8AC3E}">
-        <p14:creationId xmlns:p14="http://schemas.microsoft.com/office/powerpoint/2010/main" val="3392842696"/>
+        <p14:creationId xmlns:p14="http://schemas.microsoft.com/office/powerpoint/2010/main" val="235997505"/>
       </p:ext>
     </p:extLst>
   </p:cSld>
@@ -8024,7 +10901,7 @@
     </p:spTree>
     <p:extLst>
       <p:ext uri="{BB962C8B-B14F-4D97-AF65-F5344CB8AC3E}">
-        <p14:creationId xmlns:p14="http://schemas.microsoft.com/office/powerpoint/2010/main" val="1311148505"/>
+        <p14:creationId xmlns:p14="http://schemas.microsoft.com/office/powerpoint/2010/main" val="90997006"/>
       </p:ext>
     </p:extLst>
   </p:cSld>
@@ -8133,7 +11010,7 @@
     </p:spTree>
     <p:extLst>
       <p:ext uri="{BB962C8B-B14F-4D97-AF65-F5344CB8AC3E}">
-        <p14:creationId xmlns:p14="http://schemas.microsoft.com/office/powerpoint/2010/main" val="1245847436"/>
+        <p14:creationId xmlns:p14="http://schemas.microsoft.com/office/powerpoint/2010/main" val="1732381805"/>
       </p:ext>
     </p:extLst>
   </p:cSld>
@@ -8242,7 +11119,7 @@
     </p:spTree>
     <p:extLst>
       <p:ext uri="{BB962C8B-B14F-4D97-AF65-F5344CB8AC3E}">
-        <p14:creationId xmlns:p14="http://schemas.microsoft.com/office/powerpoint/2010/main" val="1918954769"/>
+        <p14:creationId xmlns:p14="http://schemas.microsoft.com/office/powerpoint/2010/main" val="3392842696"/>
       </p:ext>
     </p:extLst>
   </p:cSld>
@@ -8351,6 +11228,333 @@
     </p:spTree>
     <p:extLst>
       <p:ext uri="{BB962C8B-B14F-4D97-AF65-F5344CB8AC3E}">
+        <p14:creationId xmlns:p14="http://schemas.microsoft.com/office/powerpoint/2010/main" val="1311148505"/>
+      </p:ext>
+    </p:extLst>
+  </p:cSld>
+  <p:clrMapOvr>
+    <a:masterClrMapping/>
+  </p:clrMapOvr>
+</p:sld>
+</file>
+
+<file path=ppt/slides/slide36.xml><?xml version="1.0" encoding="utf-8"?>
+<p:sld xmlns:a="http://schemas.openxmlformats.org/drawingml/2006/main" xmlns:r="http://schemas.openxmlformats.org/officeDocument/2006/relationships" xmlns:p="http://schemas.openxmlformats.org/presentationml/2006/main">
+  <p:cSld>
+    <p:bg>
+      <p:bgPr>
+        <a:blipFill dpi="0" rotWithShape="1">
+          <a:blip r:embed="rId2">
+            <a:lum/>
+          </a:blip>
+          <a:srcRect/>
+          <a:stretch>
+            <a:fillRect/>
+          </a:stretch>
+        </a:blipFill>
+        <a:effectLst/>
+      </p:bgPr>
+    </p:bg>
+    <p:spTree>
+      <p:nvGrpSpPr>
+        <p:cNvPr id="1" name=""/>
+        <p:cNvGrpSpPr/>
+        <p:nvPr/>
+      </p:nvGrpSpPr>
+      <p:grpSpPr>
+        <a:xfrm>
+          <a:off x="0" y="0"/>
+          <a:ext cx="0" cy="0"/>
+          <a:chOff x="0" y="0"/>
+          <a:chExt cx="0" cy="0"/>
+        </a:xfrm>
+      </p:grpSpPr>
+      <p:sp>
+        <p:nvSpPr>
+          <p:cNvPr id="2" name="Title 1">
+            <a:extLst>
+              <a:ext uri="{FF2B5EF4-FFF2-40B4-BE49-F238E27FC236}">
+                <a16:creationId xmlns:a16="http://schemas.microsoft.com/office/drawing/2014/main" id="{55E11F08-6CA0-48F1-AD67-97430DDA07F0}"/>
+              </a:ext>
+            </a:extLst>
+          </p:cNvPr>
+          <p:cNvSpPr>
+            <a:spLocks noGrp="1"/>
+          </p:cNvSpPr>
+          <p:nvPr>
+            <p:ph type="title"/>
+          </p:nvPr>
+        </p:nvSpPr>
+        <p:spPr/>
+        <p:txBody>
+          <a:bodyPr/>
+          <a:lstStyle/>
+          <a:p>
+            <a:r>
+              <a:rPr lang="en-US" b="1" dirty="0">
+                <a:solidFill>
+                  <a:srgbClr val="292D33"/>
+                </a:solidFill>
+                <a:latin typeface="Euclid Circular B" panose="020B0504000000000000" pitchFamily="34" charset="0"/>
+                <a:ea typeface="Euclid Circular B" panose="020B0504000000000000" pitchFamily="34" charset="0"/>
+              </a:rPr>
+              <a:t>Topic title</a:t>
+            </a:r>
+          </a:p>
+        </p:txBody>
+      </p:sp>
+      <p:sp>
+        <p:nvSpPr>
+          <p:cNvPr id="3" name="Content Placeholder 2">
+            <a:extLst>
+              <a:ext uri="{FF2B5EF4-FFF2-40B4-BE49-F238E27FC236}">
+                <a16:creationId xmlns:a16="http://schemas.microsoft.com/office/drawing/2014/main" id="{891C7693-D3DF-4635-96F4-97F3B4136FDF}"/>
+              </a:ext>
+            </a:extLst>
+          </p:cNvPr>
+          <p:cNvSpPr>
+            <a:spLocks noGrp="1"/>
+          </p:cNvSpPr>
+          <p:nvPr>
+            <p:ph idx="1"/>
+          </p:nvPr>
+        </p:nvSpPr>
+        <p:spPr/>
+        <p:txBody>
+          <a:bodyPr/>
+          <a:lstStyle/>
+          <a:p>
+            <a:r>
+              <a:rPr lang="en-US" dirty="0">
+                <a:latin typeface="Euclid Circular B" panose="020B0504000000000000" pitchFamily="34" charset="0"/>
+                <a:ea typeface="Euclid Circular B" panose="020B0504000000000000" pitchFamily="34" charset="0"/>
+              </a:rPr>
+              <a:t>Content</a:t>
+            </a:r>
+          </a:p>
+        </p:txBody>
+      </p:sp>
+    </p:spTree>
+    <p:extLst>
+      <p:ext uri="{BB962C8B-B14F-4D97-AF65-F5344CB8AC3E}">
+        <p14:creationId xmlns:p14="http://schemas.microsoft.com/office/powerpoint/2010/main" val="1245847436"/>
+      </p:ext>
+    </p:extLst>
+  </p:cSld>
+  <p:clrMapOvr>
+    <a:masterClrMapping/>
+  </p:clrMapOvr>
+</p:sld>
+</file>
+
+<file path=ppt/slides/slide37.xml><?xml version="1.0" encoding="utf-8"?>
+<p:sld xmlns:a="http://schemas.openxmlformats.org/drawingml/2006/main" xmlns:r="http://schemas.openxmlformats.org/officeDocument/2006/relationships" xmlns:p="http://schemas.openxmlformats.org/presentationml/2006/main">
+  <p:cSld>
+    <p:bg>
+      <p:bgPr>
+        <a:blipFill dpi="0" rotWithShape="1">
+          <a:blip r:embed="rId2">
+            <a:lum/>
+          </a:blip>
+          <a:srcRect/>
+          <a:stretch>
+            <a:fillRect/>
+          </a:stretch>
+        </a:blipFill>
+        <a:effectLst/>
+      </p:bgPr>
+    </p:bg>
+    <p:spTree>
+      <p:nvGrpSpPr>
+        <p:cNvPr id="1" name=""/>
+        <p:cNvGrpSpPr/>
+        <p:nvPr/>
+      </p:nvGrpSpPr>
+      <p:grpSpPr>
+        <a:xfrm>
+          <a:off x="0" y="0"/>
+          <a:ext cx="0" cy="0"/>
+          <a:chOff x="0" y="0"/>
+          <a:chExt cx="0" cy="0"/>
+        </a:xfrm>
+      </p:grpSpPr>
+      <p:sp>
+        <p:nvSpPr>
+          <p:cNvPr id="2" name="Title 1">
+            <a:extLst>
+              <a:ext uri="{FF2B5EF4-FFF2-40B4-BE49-F238E27FC236}">
+                <a16:creationId xmlns:a16="http://schemas.microsoft.com/office/drawing/2014/main" id="{55E11F08-6CA0-48F1-AD67-97430DDA07F0}"/>
+              </a:ext>
+            </a:extLst>
+          </p:cNvPr>
+          <p:cNvSpPr>
+            <a:spLocks noGrp="1"/>
+          </p:cNvSpPr>
+          <p:nvPr>
+            <p:ph type="title"/>
+          </p:nvPr>
+        </p:nvSpPr>
+        <p:spPr/>
+        <p:txBody>
+          <a:bodyPr/>
+          <a:lstStyle/>
+          <a:p>
+            <a:r>
+              <a:rPr lang="en-US" b="1" dirty="0">
+                <a:solidFill>
+                  <a:srgbClr val="292D33"/>
+                </a:solidFill>
+                <a:latin typeface="Euclid Circular B" panose="020B0504000000000000" pitchFamily="34" charset="0"/>
+                <a:ea typeface="Euclid Circular B" panose="020B0504000000000000" pitchFamily="34" charset="0"/>
+              </a:rPr>
+              <a:t>Topic title</a:t>
+            </a:r>
+          </a:p>
+        </p:txBody>
+      </p:sp>
+      <p:sp>
+        <p:nvSpPr>
+          <p:cNvPr id="3" name="Content Placeholder 2">
+            <a:extLst>
+              <a:ext uri="{FF2B5EF4-FFF2-40B4-BE49-F238E27FC236}">
+                <a16:creationId xmlns:a16="http://schemas.microsoft.com/office/drawing/2014/main" id="{891C7693-D3DF-4635-96F4-97F3B4136FDF}"/>
+              </a:ext>
+            </a:extLst>
+          </p:cNvPr>
+          <p:cNvSpPr>
+            <a:spLocks noGrp="1"/>
+          </p:cNvSpPr>
+          <p:nvPr>
+            <p:ph idx="1"/>
+          </p:nvPr>
+        </p:nvSpPr>
+        <p:spPr/>
+        <p:txBody>
+          <a:bodyPr/>
+          <a:lstStyle/>
+          <a:p>
+            <a:r>
+              <a:rPr lang="en-US" dirty="0">
+                <a:latin typeface="Euclid Circular B" panose="020B0504000000000000" pitchFamily="34" charset="0"/>
+                <a:ea typeface="Euclid Circular B" panose="020B0504000000000000" pitchFamily="34" charset="0"/>
+              </a:rPr>
+              <a:t>Content</a:t>
+            </a:r>
+          </a:p>
+        </p:txBody>
+      </p:sp>
+    </p:spTree>
+    <p:extLst>
+      <p:ext uri="{BB962C8B-B14F-4D97-AF65-F5344CB8AC3E}">
+        <p14:creationId xmlns:p14="http://schemas.microsoft.com/office/powerpoint/2010/main" val="1918954769"/>
+      </p:ext>
+    </p:extLst>
+  </p:cSld>
+  <p:clrMapOvr>
+    <a:masterClrMapping/>
+  </p:clrMapOvr>
+</p:sld>
+</file>
+
+<file path=ppt/slides/slide38.xml><?xml version="1.0" encoding="utf-8"?>
+<p:sld xmlns:a="http://schemas.openxmlformats.org/drawingml/2006/main" xmlns:r="http://schemas.openxmlformats.org/officeDocument/2006/relationships" xmlns:p="http://schemas.openxmlformats.org/presentationml/2006/main">
+  <p:cSld>
+    <p:bg>
+      <p:bgPr>
+        <a:blipFill dpi="0" rotWithShape="1">
+          <a:blip r:embed="rId2">
+            <a:lum/>
+          </a:blip>
+          <a:srcRect/>
+          <a:stretch>
+            <a:fillRect/>
+          </a:stretch>
+        </a:blipFill>
+        <a:effectLst/>
+      </p:bgPr>
+    </p:bg>
+    <p:spTree>
+      <p:nvGrpSpPr>
+        <p:cNvPr id="1" name=""/>
+        <p:cNvGrpSpPr/>
+        <p:nvPr/>
+      </p:nvGrpSpPr>
+      <p:grpSpPr>
+        <a:xfrm>
+          <a:off x="0" y="0"/>
+          <a:ext cx="0" cy="0"/>
+          <a:chOff x="0" y="0"/>
+          <a:chExt cx="0" cy="0"/>
+        </a:xfrm>
+      </p:grpSpPr>
+      <p:sp>
+        <p:nvSpPr>
+          <p:cNvPr id="2" name="Title 1">
+            <a:extLst>
+              <a:ext uri="{FF2B5EF4-FFF2-40B4-BE49-F238E27FC236}">
+                <a16:creationId xmlns:a16="http://schemas.microsoft.com/office/drawing/2014/main" id="{55E11F08-6CA0-48F1-AD67-97430DDA07F0}"/>
+              </a:ext>
+            </a:extLst>
+          </p:cNvPr>
+          <p:cNvSpPr>
+            <a:spLocks noGrp="1"/>
+          </p:cNvSpPr>
+          <p:nvPr>
+            <p:ph type="title"/>
+          </p:nvPr>
+        </p:nvSpPr>
+        <p:spPr/>
+        <p:txBody>
+          <a:bodyPr/>
+          <a:lstStyle/>
+          <a:p>
+            <a:r>
+              <a:rPr lang="en-US" b="1" dirty="0">
+                <a:solidFill>
+                  <a:srgbClr val="292D33"/>
+                </a:solidFill>
+                <a:latin typeface="Euclid Circular B" panose="020B0504000000000000" pitchFamily="34" charset="0"/>
+                <a:ea typeface="Euclid Circular B" panose="020B0504000000000000" pitchFamily="34" charset="0"/>
+              </a:rPr>
+              <a:t>Topic title</a:t>
+            </a:r>
+          </a:p>
+        </p:txBody>
+      </p:sp>
+      <p:sp>
+        <p:nvSpPr>
+          <p:cNvPr id="3" name="Content Placeholder 2">
+            <a:extLst>
+              <a:ext uri="{FF2B5EF4-FFF2-40B4-BE49-F238E27FC236}">
+                <a16:creationId xmlns:a16="http://schemas.microsoft.com/office/drawing/2014/main" id="{891C7693-D3DF-4635-96F4-97F3B4136FDF}"/>
+              </a:ext>
+            </a:extLst>
+          </p:cNvPr>
+          <p:cNvSpPr>
+            <a:spLocks noGrp="1"/>
+          </p:cNvSpPr>
+          <p:nvPr>
+            <p:ph idx="1"/>
+          </p:nvPr>
+        </p:nvSpPr>
+        <p:spPr/>
+        <p:txBody>
+          <a:bodyPr/>
+          <a:lstStyle/>
+          <a:p>
+            <a:r>
+              <a:rPr lang="en-US" dirty="0">
+                <a:latin typeface="Euclid Circular B" panose="020B0504000000000000" pitchFamily="34" charset="0"/>
+                <a:ea typeface="Euclid Circular B" panose="020B0504000000000000" pitchFamily="34" charset="0"/>
+              </a:rPr>
+              <a:t>Content</a:t>
+            </a:r>
+          </a:p>
+        </p:txBody>
+      </p:sp>
+    </p:spTree>
+    <p:extLst>
+      <p:ext uri="{BB962C8B-B14F-4D97-AF65-F5344CB8AC3E}">
         <p14:creationId xmlns:p14="http://schemas.microsoft.com/office/powerpoint/2010/main" val="829924890"/>
       </p:ext>
     </p:extLst>
@@ -8361,7 +11565,7 @@
 </p:sld>
 </file>
 
-<file path=ppt/slides/slide36.xml><?xml version="1.0" encoding="utf-8"?>
+<file path=ppt/slides/slide39.xml><?xml version="1.0" encoding="utf-8"?>
 <p:sld xmlns:a="http://schemas.openxmlformats.org/drawingml/2006/main" xmlns:r="http://schemas.openxmlformats.org/officeDocument/2006/relationships" xmlns:p="http://schemas.openxmlformats.org/presentationml/2006/main">
   <p:cSld>
     <p:bg>
@@ -8848,7 +12052,7 @@
                   <a:schemeClr val="tx1"/>
                 </a:solidFill>
               </a:rPr>
-              <a:t>Customer</a:t>
+              <a:t>Ordering</a:t>
             </a:r>
             <a:br>
               <a:rPr lang="en-US" sz="1600" dirty="0">
@@ -8982,7 +12186,7 @@
                   <a:schemeClr val="tx1"/>
                 </a:solidFill>
               </a:rPr>
-              <a:t>Order</a:t>
+              <a:t>Identity</a:t>
             </a:r>
             <a:br>
               <a:rPr lang="en-US" sz="1600" dirty="0">
@@ -13914,6 +17118,93 @@
           <p:cNvPr id="2" name="Title 1">
             <a:extLst>
               <a:ext uri="{FF2B5EF4-FFF2-40B4-BE49-F238E27FC236}">
+                <a16:creationId xmlns:a16="http://schemas.microsoft.com/office/drawing/2014/main" id="{9255DFBE-19DA-408D-84E6-F4043FC30BD3}"/>
+              </a:ext>
+            </a:extLst>
+          </p:cNvPr>
+          <p:cNvSpPr>
+            <a:spLocks noGrp="1"/>
+          </p:cNvSpPr>
+          <p:nvPr>
+            <p:ph type="ctrTitle"/>
+          </p:nvPr>
+        </p:nvSpPr>
+        <p:spPr/>
+        <p:txBody>
+          <a:bodyPr>
+            <a:normAutofit/>
+          </a:bodyPr>
+          <a:lstStyle/>
+          <a:p>
+            <a:r>
+              <a:rPr lang="tr-TR" sz="4000" b="1" dirty="0">
+                <a:solidFill>
+                  <a:srgbClr val="292D33"/>
+                </a:solidFill>
+                <a:latin typeface="Euclid Circular B" panose="020B0504000000000000" pitchFamily="34" charset="0"/>
+                <a:ea typeface="Euclid Circular B" panose="020B0504000000000000" pitchFamily="34" charset="0"/>
+              </a:rPr>
+              <a:t>PROJECT TYE</a:t>
+            </a:r>
+            <a:endParaRPr lang="en-US" sz="4000" b="1" dirty="0">
+              <a:solidFill>
+                <a:srgbClr val="292D33"/>
+              </a:solidFill>
+              <a:latin typeface="Euclid Circular B" panose="020B0504000000000000" pitchFamily="34" charset="0"/>
+              <a:ea typeface="Euclid Circular B" panose="020B0504000000000000" pitchFamily="34" charset="0"/>
+            </a:endParaRPr>
+          </a:p>
+        </p:txBody>
+      </p:sp>
+    </p:spTree>
+    <p:extLst>
+      <p:ext uri="{BB962C8B-B14F-4D97-AF65-F5344CB8AC3E}">
+        <p14:creationId xmlns:p14="http://schemas.microsoft.com/office/powerpoint/2010/main" val="860555542"/>
+      </p:ext>
+    </p:extLst>
+  </p:cSld>
+  <p:clrMapOvr>
+    <a:masterClrMapping/>
+  </p:clrMapOvr>
+</p:sld>
+</file>
+
+<file path=ppt/slides/slide8.xml><?xml version="1.0" encoding="utf-8"?>
+<p:sld xmlns:a="http://schemas.openxmlformats.org/drawingml/2006/main" xmlns:r="http://schemas.openxmlformats.org/officeDocument/2006/relationships" xmlns:p="http://schemas.openxmlformats.org/presentationml/2006/main">
+  <p:cSld>
+    <p:bg>
+      <p:bgPr>
+        <a:blipFill dpi="0" rotWithShape="1">
+          <a:blip r:embed="rId2">
+            <a:lum/>
+          </a:blip>
+          <a:srcRect/>
+          <a:stretch>
+            <a:fillRect/>
+          </a:stretch>
+        </a:blipFill>
+        <a:effectLst/>
+      </p:bgPr>
+    </p:bg>
+    <p:spTree>
+      <p:nvGrpSpPr>
+        <p:cNvPr id="1" name=""/>
+        <p:cNvGrpSpPr/>
+        <p:nvPr/>
+      </p:nvGrpSpPr>
+      <p:grpSpPr>
+        <a:xfrm>
+          <a:off x="0" y="0"/>
+          <a:ext cx="0" cy="0"/>
+          <a:chOff x="0" y="0"/>
+          <a:chExt cx="0" cy="0"/>
+        </a:xfrm>
+      </p:grpSpPr>
+      <p:sp>
+        <p:nvSpPr>
+          <p:cNvPr id="2" name="Title 1">
+            <a:extLst>
+              <a:ext uri="{FF2B5EF4-FFF2-40B4-BE49-F238E27FC236}">
                 <a16:creationId xmlns:a16="http://schemas.microsoft.com/office/drawing/2014/main" id="{55E11F08-6CA0-48F1-AD67-97430DDA07F0}"/>
               </a:ext>
             </a:extLst>
@@ -14332,7 +17623,7 @@
                                         <p:tgtEl>
                                           <p:spTgt spid="3">
                                             <p:txEl>
-                                              <p:pRg st="0" end="0"/>
+                                              <p:pRg st="1" end="1"/>
                                             </p:txEl>
                                           </p:spTgt>
                                         </p:tgtEl>
@@ -14350,7 +17641,179 @@
                                         <p:tgtEl>
                                           <p:spTgt spid="3">
                                             <p:txEl>
-                                              <p:pRg st="0" end="0"/>
+                                              <p:pRg st="1" end="1"/>
+                                            </p:txEl>
+                                          </p:spTgt>
+                                        </p:tgtEl>
+                                      </p:cBhvr>
+                                    </p:animEffect>
+                                  </p:childTnLst>
+                                </p:cTn>
+                              </p:par>
+                              <p:par>
+                                <p:cTn id="8" presetID="10" presetClass="entr" presetSubtype="0" fill="hold" nodeType="withEffect">
+                                  <p:stCondLst>
+                                    <p:cond delay="0"/>
+                                  </p:stCondLst>
+                                  <p:childTnLst>
+                                    <p:set>
+                                      <p:cBhvr>
+                                        <p:cTn id="9" dur="1" fill="hold">
+                                          <p:stCondLst>
+                                            <p:cond delay="0"/>
+                                          </p:stCondLst>
+                                        </p:cTn>
+                                        <p:tgtEl>
+                                          <p:spTgt spid="3">
+                                            <p:txEl>
+                                              <p:pRg st="2" end="2"/>
+                                            </p:txEl>
+                                          </p:spTgt>
+                                        </p:tgtEl>
+                                        <p:attrNameLst>
+                                          <p:attrName>style.visibility</p:attrName>
+                                        </p:attrNameLst>
+                                      </p:cBhvr>
+                                      <p:to>
+                                        <p:strVal val="visible"/>
+                                      </p:to>
+                                    </p:set>
+                                    <p:animEffect transition="in" filter="fade">
+                                      <p:cBhvr>
+                                        <p:cTn id="10" dur="500"/>
+                                        <p:tgtEl>
+                                          <p:spTgt spid="3">
+                                            <p:txEl>
+                                              <p:pRg st="2" end="2"/>
+                                            </p:txEl>
+                                          </p:spTgt>
+                                        </p:tgtEl>
+                                      </p:cBhvr>
+                                    </p:animEffect>
+                                  </p:childTnLst>
+                                </p:cTn>
+                              </p:par>
+                              <p:par>
+                                <p:cTn id="11" presetID="10" presetClass="entr" presetSubtype="0" fill="hold" nodeType="withEffect">
+                                  <p:stCondLst>
+                                    <p:cond delay="0"/>
+                                  </p:stCondLst>
+                                  <p:childTnLst>
+                                    <p:set>
+                                      <p:cBhvr>
+                                        <p:cTn id="12" dur="1" fill="hold">
+                                          <p:stCondLst>
+                                            <p:cond delay="0"/>
+                                          </p:stCondLst>
+                                        </p:cTn>
+                                        <p:tgtEl>
+                                          <p:spTgt spid="3">
+                                            <p:txEl>
+                                              <p:pRg st="3" end="3"/>
+                                            </p:txEl>
+                                          </p:spTgt>
+                                        </p:tgtEl>
+                                        <p:attrNameLst>
+                                          <p:attrName>style.visibility</p:attrName>
+                                        </p:attrNameLst>
+                                      </p:cBhvr>
+                                      <p:to>
+                                        <p:strVal val="visible"/>
+                                      </p:to>
+                                    </p:set>
+                                    <p:animEffect transition="in" filter="fade">
+                                      <p:cBhvr>
+                                        <p:cTn id="13" dur="500"/>
+                                        <p:tgtEl>
+                                          <p:spTgt spid="3">
+                                            <p:txEl>
+                                              <p:pRg st="3" end="3"/>
+                                            </p:txEl>
+                                          </p:spTgt>
+                                        </p:tgtEl>
+                                      </p:cBhvr>
+                                    </p:animEffect>
+                                  </p:childTnLst>
+                                </p:cTn>
+                              </p:par>
+                              <p:par>
+                                <p:cTn id="14" presetID="10" presetClass="entr" presetSubtype="0" fill="hold" nodeType="withEffect">
+                                  <p:stCondLst>
+                                    <p:cond delay="0"/>
+                                  </p:stCondLst>
+                                  <p:childTnLst>
+                                    <p:set>
+                                      <p:cBhvr>
+                                        <p:cTn id="15" dur="1" fill="hold">
+                                          <p:stCondLst>
+                                            <p:cond delay="0"/>
+                                          </p:stCondLst>
+                                        </p:cTn>
+                                        <p:tgtEl>
+                                          <p:spTgt spid="3">
+                                            <p:txEl>
+                                              <p:pRg st="4" end="4"/>
+                                            </p:txEl>
+                                          </p:spTgt>
+                                        </p:tgtEl>
+                                        <p:attrNameLst>
+                                          <p:attrName>style.visibility</p:attrName>
+                                        </p:attrNameLst>
+                                      </p:cBhvr>
+                                      <p:to>
+                                        <p:strVal val="visible"/>
+                                      </p:to>
+                                    </p:set>
+                                    <p:animEffect transition="in" filter="fade">
+                                      <p:cBhvr>
+                                        <p:cTn id="16" dur="500"/>
+                                        <p:tgtEl>
+                                          <p:spTgt spid="3">
+                                            <p:txEl>
+                                              <p:pRg st="4" end="4"/>
+                                            </p:txEl>
+                                          </p:spTgt>
+                                        </p:tgtEl>
+                                      </p:cBhvr>
+                                    </p:animEffect>
+                                  </p:childTnLst>
+                                </p:cTn>
+                              </p:par>
+                              <p:par>
+                                <p:cTn id="17" presetID="10" presetClass="entr" presetSubtype="0" fill="hold" nodeType="withEffect">
+                                  <p:stCondLst>
+                                    <p:cond delay="0"/>
+                                  </p:stCondLst>
+                                  <p:childTnLst>
+                                    <p:set>
+                                      <p:cBhvr>
+                                        <p:cTn id="18" dur="1" fill="hold">
+                                          <p:stCondLst>
+                                            <p:cond delay="0"/>
+                                          </p:stCondLst>
+                                        </p:cTn>
+                                        <p:tgtEl>
+                                          <p:spTgt spid="3">
+                                            <p:txEl>
+                                              <p:pRg st="5" end="5"/>
+                                            </p:txEl>
+                                          </p:spTgt>
+                                        </p:tgtEl>
+                                        <p:attrNameLst>
+                                          <p:attrName>style.visibility</p:attrName>
+                                        </p:attrNameLst>
+                                      </p:cBhvr>
+                                      <p:to>
+                                        <p:strVal val="visible"/>
+                                      </p:to>
+                                    </p:set>
+                                    <p:animEffect transition="in" filter="fade">
+                                      <p:cBhvr>
+                                        <p:cTn id="19" dur="500"/>
+                                        <p:tgtEl>
+                                          <p:spTgt spid="3">
+                                            <p:txEl>
+                                              <p:pRg st="5" end="5"/>
                                             </p:txEl>
                                           </p:spTgt>
                                         </p:tgtEl>
@@ -14366,26 +17829,26 @@
                     </p:cTn>
                   </p:par>
                   <p:par>
-                    <p:cTn id="8" fill="hold">
+                    <p:cTn id="20" fill="hold">
                       <p:stCondLst>
                         <p:cond delay="indefinite"/>
                       </p:stCondLst>
                       <p:childTnLst>
                         <p:par>
-                          <p:cTn id="9" fill="hold">
+                          <p:cTn id="21" fill="hold">
                             <p:stCondLst>
                               <p:cond delay="0"/>
                             </p:stCondLst>
                             <p:childTnLst>
                               <p:par>
-                                <p:cTn id="10" presetID="10" presetClass="entr" presetSubtype="0" fill="hold" nodeType="clickEffect">
+                                <p:cTn id="22" presetID="10" presetClass="entr" presetSubtype="0" fill="hold" nodeType="clickEffect">
                                   <p:stCondLst>
                                     <p:cond delay="0"/>
                                   </p:stCondLst>
                                   <p:childTnLst>
                                     <p:set>
                                       <p:cBhvr>
-                                        <p:cTn id="11" dur="1" fill="hold">
+                                        <p:cTn id="23" dur="1" fill="hold">
                                           <p:stCondLst>
                                             <p:cond delay="0"/>
                                           </p:stCondLst>
@@ -14393,7 +17856,7 @@
                                         <p:tgtEl>
                                           <p:spTgt spid="3">
                                             <p:txEl>
-                                              <p:pRg st="1" end="1"/>
+                                              <p:pRg st="6" end="6"/>
                                             </p:txEl>
                                           </p:spTgt>
                                         </p:tgtEl>
@@ -14407,11 +17870,11 @@
                                     </p:set>
                                     <p:animEffect transition="in" filter="fade">
                                       <p:cBhvr>
-                                        <p:cTn id="12" dur="500"/>
+                                        <p:cTn id="24" dur="500"/>
                                         <p:tgtEl>
                                           <p:spTgt spid="3">
                                             <p:txEl>
-                                              <p:pRg st="1" end="1"/>
+                                              <p:pRg st="6" end="6"/>
                                             </p:txEl>
                                           </p:spTgt>
                                         </p:tgtEl>
@@ -14421,14 +17884,14 @@
                                 </p:cTn>
                               </p:par>
                               <p:par>
-                                <p:cTn id="13" presetID="10" presetClass="entr" presetSubtype="0" fill="hold" nodeType="withEffect">
+                                <p:cTn id="25" presetID="10" presetClass="entr" presetSubtype="0" fill="hold" nodeType="withEffect">
                                   <p:stCondLst>
                                     <p:cond delay="0"/>
                                   </p:stCondLst>
                                   <p:childTnLst>
                                     <p:set>
                                       <p:cBhvr>
-                                        <p:cTn id="14" dur="1" fill="hold">
+                                        <p:cTn id="26" dur="1" fill="hold">
                                           <p:stCondLst>
                                             <p:cond delay="0"/>
                                           </p:stCondLst>
@@ -14436,7 +17899,7 @@
                                         <p:tgtEl>
                                           <p:spTgt spid="3">
                                             <p:txEl>
-                                              <p:pRg st="2" end="2"/>
+                                              <p:pRg st="7" end="7"/>
                                             </p:txEl>
                                           </p:spTgt>
                                         </p:tgtEl>
@@ -14450,11 +17913,11 @@
                                     </p:set>
                                     <p:animEffect transition="in" filter="fade">
                                       <p:cBhvr>
-                                        <p:cTn id="15" dur="500"/>
+                                        <p:cTn id="27" dur="500"/>
                                         <p:tgtEl>
                                           <p:spTgt spid="3">
                                             <p:txEl>
-                                              <p:pRg st="2" end="2"/>
+                                              <p:pRg st="7" end="7"/>
                                             </p:txEl>
                                           </p:spTgt>
                                         </p:tgtEl>
@@ -14464,14 +17927,14 @@
                                 </p:cTn>
                               </p:par>
                               <p:par>
-                                <p:cTn id="16" presetID="10" presetClass="entr" presetSubtype="0" fill="hold" nodeType="withEffect">
+                                <p:cTn id="28" presetID="10" presetClass="entr" presetSubtype="0" fill="hold" nodeType="withEffect">
                                   <p:stCondLst>
                                     <p:cond delay="0"/>
                                   </p:stCondLst>
                                   <p:childTnLst>
                                     <p:set>
                                       <p:cBhvr>
-                                        <p:cTn id="17" dur="1" fill="hold">
+                                        <p:cTn id="29" dur="1" fill="hold">
                                           <p:stCondLst>
                                             <p:cond delay="0"/>
                                           </p:stCondLst>
@@ -14479,7 +17942,7 @@
                                         <p:tgtEl>
                                           <p:spTgt spid="3">
                                             <p:txEl>
-                                              <p:pRg st="3" end="3"/>
+                                              <p:pRg st="8" end="8"/>
                                             </p:txEl>
                                           </p:spTgt>
                                         </p:tgtEl>
@@ -14493,240 +17956,7 @@
                                     </p:set>
                                     <p:animEffect transition="in" filter="fade">
                                       <p:cBhvr>
-                                        <p:cTn id="18" dur="500"/>
-                                        <p:tgtEl>
-                                          <p:spTgt spid="3">
-                                            <p:txEl>
-                                              <p:pRg st="3" end="3"/>
-                                            </p:txEl>
-                                          </p:spTgt>
-                                        </p:tgtEl>
-                                      </p:cBhvr>
-                                    </p:animEffect>
-                                  </p:childTnLst>
-                                </p:cTn>
-                              </p:par>
-                              <p:par>
-                                <p:cTn id="19" presetID="10" presetClass="entr" presetSubtype="0" fill="hold" nodeType="withEffect">
-                                  <p:stCondLst>
-                                    <p:cond delay="0"/>
-                                  </p:stCondLst>
-                                  <p:childTnLst>
-                                    <p:set>
-                                      <p:cBhvr>
-                                        <p:cTn id="20" dur="1" fill="hold">
-                                          <p:stCondLst>
-                                            <p:cond delay="0"/>
-                                          </p:stCondLst>
-                                        </p:cTn>
-                                        <p:tgtEl>
-                                          <p:spTgt spid="3">
-                                            <p:txEl>
-                                              <p:pRg st="4" end="4"/>
-                                            </p:txEl>
-                                          </p:spTgt>
-                                        </p:tgtEl>
-                                        <p:attrNameLst>
-                                          <p:attrName>style.visibility</p:attrName>
-                                        </p:attrNameLst>
-                                      </p:cBhvr>
-                                      <p:to>
-                                        <p:strVal val="visible"/>
-                                      </p:to>
-                                    </p:set>
-                                    <p:animEffect transition="in" filter="fade">
-                                      <p:cBhvr>
-                                        <p:cTn id="21" dur="500"/>
-                                        <p:tgtEl>
-                                          <p:spTgt spid="3">
-                                            <p:txEl>
-                                              <p:pRg st="4" end="4"/>
-                                            </p:txEl>
-                                          </p:spTgt>
-                                        </p:tgtEl>
-                                      </p:cBhvr>
-                                    </p:animEffect>
-                                  </p:childTnLst>
-                                </p:cTn>
-                              </p:par>
-                              <p:par>
-                                <p:cTn id="22" presetID="10" presetClass="entr" presetSubtype="0" fill="hold" nodeType="withEffect">
-                                  <p:stCondLst>
-                                    <p:cond delay="0"/>
-                                  </p:stCondLst>
-                                  <p:childTnLst>
-                                    <p:set>
-                                      <p:cBhvr>
-                                        <p:cTn id="23" dur="1" fill="hold">
-                                          <p:stCondLst>
-                                            <p:cond delay="0"/>
-                                          </p:stCondLst>
-                                        </p:cTn>
-                                        <p:tgtEl>
-                                          <p:spTgt spid="3">
-                                            <p:txEl>
-                                              <p:pRg st="5" end="5"/>
-                                            </p:txEl>
-                                          </p:spTgt>
-                                        </p:tgtEl>
-                                        <p:attrNameLst>
-                                          <p:attrName>style.visibility</p:attrName>
-                                        </p:attrNameLst>
-                                      </p:cBhvr>
-                                      <p:to>
-                                        <p:strVal val="visible"/>
-                                      </p:to>
-                                    </p:set>
-                                    <p:animEffect transition="in" filter="fade">
-                                      <p:cBhvr>
-                                        <p:cTn id="24" dur="500"/>
-                                        <p:tgtEl>
-                                          <p:spTgt spid="3">
-                                            <p:txEl>
-                                              <p:pRg st="5" end="5"/>
-                                            </p:txEl>
-                                          </p:spTgt>
-                                        </p:tgtEl>
-                                      </p:cBhvr>
-                                    </p:animEffect>
-                                  </p:childTnLst>
-                                </p:cTn>
-                              </p:par>
-                            </p:childTnLst>
-                          </p:cTn>
-                        </p:par>
-                      </p:childTnLst>
-                    </p:cTn>
-                  </p:par>
-                  <p:par>
-                    <p:cTn id="25" fill="hold">
-                      <p:stCondLst>
-                        <p:cond delay="indefinite"/>
-                      </p:stCondLst>
-                      <p:childTnLst>
-                        <p:par>
-                          <p:cTn id="26" fill="hold">
-                            <p:stCondLst>
-                              <p:cond delay="0"/>
-                            </p:stCondLst>
-                            <p:childTnLst>
-                              <p:par>
-                                <p:cTn id="27" presetID="10" presetClass="entr" presetSubtype="0" fill="hold" nodeType="clickEffect">
-                                  <p:stCondLst>
-                                    <p:cond delay="0"/>
-                                  </p:stCondLst>
-                                  <p:childTnLst>
-                                    <p:set>
-                                      <p:cBhvr>
-                                        <p:cTn id="28" dur="1" fill="hold">
-                                          <p:stCondLst>
-                                            <p:cond delay="0"/>
-                                          </p:stCondLst>
-                                        </p:cTn>
-                                        <p:tgtEl>
-                                          <p:spTgt spid="3">
-                                            <p:txEl>
-                                              <p:pRg st="6" end="6"/>
-                                            </p:txEl>
-                                          </p:spTgt>
-                                        </p:tgtEl>
-                                        <p:attrNameLst>
-                                          <p:attrName>style.visibility</p:attrName>
-                                        </p:attrNameLst>
-                                      </p:cBhvr>
-                                      <p:to>
-                                        <p:strVal val="visible"/>
-                                      </p:to>
-                                    </p:set>
-                                    <p:animEffect transition="in" filter="fade">
-                                      <p:cBhvr>
-                                        <p:cTn id="29" dur="500"/>
-                                        <p:tgtEl>
-                                          <p:spTgt spid="3">
-                                            <p:txEl>
-                                              <p:pRg st="6" end="6"/>
-                                            </p:txEl>
-                                          </p:spTgt>
-                                        </p:tgtEl>
-                                      </p:cBhvr>
-                                    </p:animEffect>
-                                  </p:childTnLst>
-                                </p:cTn>
-                              </p:par>
-                              <p:par>
-                                <p:cTn id="30" presetID="10" presetClass="entr" presetSubtype="0" fill="hold" nodeType="withEffect">
-                                  <p:stCondLst>
-                                    <p:cond delay="0"/>
-                                  </p:stCondLst>
-                                  <p:childTnLst>
-                                    <p:set>
-                                      <p:cBhvr>
-                                        <p:cTn id="31" dur="1" fill="hold">
-                                          <p:stCondLst>
-                                            <p:cond delay="0"/>
-                                          </p:stCondLst>
-                                        </p:cTn>
-                                        <p:tgtEl>
-                                          <p:spTgt spid="3">
-                                            <p:txEl>
-                                              <p:pRg st="7" end="7"/>
-                                            </p:txEl>
-                                          </p:spTgt>
-                                        </p:tgtEl>
-                                        <p:attrNameLst>
-                                          <p:attrName>style.visibility</p:attrName>
-                                        </p:attrNameLst>
-                                      </p:cBhvr>
-                                      <p:to>
-                                        <p:strVal val="visible"/>
-                                      </p:to>
-                                    </p:set>
-                                    <p:animEffect transition="in" filter="fade">
-                                      <p:cBhvr>
-                                        <p:cTn id="32" dur="500"/>
-                                        <p:tgtEl>
-                                          <p:spTgt spid="3">
-                                            <p:txEl>
-                                              <p:pRg st="7" end="7"/>
-                                            </p:txEl>
-                                          </p:spTgt>
-                                        </p:tgtEl>
-                                      </p:cBhvr>
-                                    </p:animEffect>
-                                  </p:childTnLst>
-                                </p:cTn>
-                              </p:par>
-                              <p:par>
-                                <p:cTn id="33" presetID="10" presetClass="entr" presetSubtype="0" fill="hold" nodeType="withEffect">
-                                  <p:stCondLst>
-                                    <p:cond delay="0"/>
-                                  </p:stCondLst>
-                                  <p:childTnLst>
-                                    <p:set>
-                                      <p:cBhvr>
-                                        <p:cTn id="34" dur="1" fill="hold">
-                                          <p:stCondLst>
-                                            <p:cond delay="0"/>
-                                          </p:stCondLst>
-                                        </p:cTn>
-                                        <p:tgtEl>
-                                          <p:spTgt spid="3">
-                                            <p:txEl>
-                                              <p:pRg st="8" end="8"/>
-                                            </p:txEl>
-                                          </p:spTgt>
-                                        </p:tgtEl>
-                                        <p:attrNameLst>
-                                          <p:attrName>style.visibility</p:attrName>
-                                        </p:attrNameLst>
-                                      </p:cBhvr>
-                                      <p:to>
-                                        <p:strVal val="visible"/>
-                                      </p:to>
-                                    </p:set>
-                                    <p:animEffect transition="in" filter="fade">
-                                      <p:cBhvr>
-                                        <p:cTn id="35" dur="500"/>
+                                        <p:cTn id="30" dur="500"/>
                                         <p:tgtEl>
                                           <p:spTgt spid="3">
                                             <p:txEl>
@@ -14767,145 +17997,6 @@
       </p:par>
     </p:tnLst>
   </p:timing>
-</p:sld>
-</file>
-
-<file path=ppt/slides/slide8.xml><?xml version="1.0" encoding="utf-8"?>
-<p:sld xmlns:a="http://schemas.openxmlformats.org/drawingml/2006/main" xmlns:r="http://schemas.openxmlformats.org/officeDocument/2006/relationships" xmlns:p="http://schemas.openxmlformats.org/presentationml/2006/main">
-  <p:cSld>
-    <p:bg>
-      <p:bgPr>
-        <a:blipFill dpi="0" rotWithShape="1">
-          <a:blip r:embed="rId2">
-            <a:lum/>
-          </a:blip>
-          <a:srcRect/>
-          <a:stretch>
-            <a:fillRect/>
-          </a:stretch>
-        </a:blipFill>
-        <a:effectLst/>
-      </p:bgPr>
-    </p:bg>
-    <p:spTree>
-      <p:nvGrpSpPr>
-        <p:cNvPr id="1" name=""/>
-        <p:cNvGrpSpPr/>
-        <p:nvPr/>
-      </p:nvGrpSpPr>
-      <p:grpSpPr>
-        <a:xfrm>
-          <a:off x="0" y="0"/>
-          <a:ext cx="0" cy="0"/>
-          <a:chOff x="0" y="0"/>
-          <a:chExt cx="0" cy="0"/>
-        </a:xfrm>
-      </p:grpSpPr>
-      <p:sp>
-        <p:nvSpPr>
-          <p:cNvPr id="2" name="Title 1">
-            <a:extLst>
-              <a:ext uri="{FF2B5EF4-FFF2-40B4-BE49-F238E27FC236}">
-                <a16:creationId xmlns:a16="http://schemas.microsoft.com/office/drawing/2014/main" id="{55E11F08-6CA0-48F1-AD67-97430DDA07F0}"/>
-              </a:ext>
-            </a:extLst>
-          </p:cNvPr>
-          <p:cNvSpPr>
-            <a:spLocks noGrp="1"/>
-          </p:cNvSpPr>
-          <p:nvPr>
-            <p:ph type="title"/>
-          </p:nvPr>
-        </p:nvSpPr>
-        <p:spPr/>
-        <p:txBody>
-          <a:bodyPr/>
-          <a:lstStyle/>
-          <a:p>
-            <a:r>
-              <a:rPr lang="tr-TR" b="1" dirty="0">
-                <a:solidFill>
-                  <a:srgbClr val="292D33"/>
-                </a:solidFill>
-                <a:latin typeface="Euclid Circular B" panose="020B0504000000000000" pitchFamily="34" charset="0"/>
-                <a:ea typeface="Euclid Circular B" panose="020B0504000000000000" pitchFamily="34" charset="0"/>
-              </a:rPr>
-              <a:t>Tye: Components</a:t>
-            </a:r>
-            <a:endParaRPr lang="en-US" b="1" dirty="0">
-              <a:solidFill>
-                <a:srgbClr val="292D33"/>
-              </a:solidFill>
-              <a:latin typeface="Euclid Circular B" panose="020B0504000000000000" pitchFamily="34" charset="0"/>
-              <a:ea typeface="Euclid Circular B" panose="020B0504000000000000" pitchFamily="34" charset="0"/>
-            </a:endParaRPr>
-          </a:p>
-        </p:txBody>
-      </p:sp>
-      <p:sp>
-        <p:nvSpPr>
-          <p:cNvPr id="3" name="Content Placeholder 2">
-            <a:extLst>
-              <a:ext uri="{FF2B5EF4-FFF2-40B4-BE49-F238E27FC236}">
-                <a16:creationId xmlns:a16="http://schemas.microsoft.com/office/drawing/2014/main" id="{891C7693-D3DF-4635-96F4-97F3B4136FDF}"/>
-              </a:ext>
-            </a:extLst>
-          </p:cNvPr>
-          <p:cNvSpPr>
-            <a:spLocks noGrp="1"/>
-          </p:cNvSpPr>
-          <p:nvPr>
-            <p:ph idx="1"/>
-          </p:nvPr>
-        </p:nvSpPr>
-        <p:spPr>
-          <a:xfrm>
-            <a:off x="838199" y="1825625"/>
-            <a:ext cx="10826363" cy="4351338"/>
-          </a:xfrm>
-        </p:spPr>
-        <p:txBody>
-          <a:bodyPr/>
-          <a:lstStyle/>
-          <a:p>
-            <a:r>
-              <a:rPr lang="tr-TR" dirty="0">
-                <a:latin typeface="Euclid Circular B" panose="020B0504000000000000" pitchFamily="34" charset="0"/>
-                <a:ea typeface="Euclid Circular B" panose="020B0504000000000000" pitchFamily="34" charset="0"/>
-              </a:rPr>
-              <a:t>tye.yaml file</a:t>
-            </a:r>
-          </a:p>
-          <a:p>
-            <a:r>
-              <a:rPr lang="tr-TR" dirty="0">
-                <a:latin typeface="Euclid Circular B" panose="020B0504000000000000" pitchFamily="34" charset="0"/>
-                <a:ea typeface="Euclid Circular B" panose="020B0504000000000000" pitchFamily="34" charset="0"/>
-              </a:rPr>
-              <a:t>Tye CLI (Command-Line Interface)</a:t>
-            </a:r>
-          </a:p>
-          <a:p>
-            <a:r>
-              <a:rPr lang="tr-TR" dirty="0">
-                <a:latin typeface="Euclid Circular B" panose="020B0504000000000000" pitchFamily="34" charset="0"/>
-                <a:ea typeface="Euclid Circular B" panose="020B0504000000000000" pitchFamily="34" charset="0"/>
-              </a:rPr>
-              <a:t>Tye Dashboard</a:t>
-            </a:r>
-          </a:p>
-        </p:txBody>
-      </p:sp>
-    </p:spTree>
-    <p:extLst>
-      <p:ext uri="{BB962C8B-B14F-4D97-AF65-F5344CB8AC3E}">
-        <p14:creationId xmlns:p14="http://schemas.microsoft.com/office/powerpoint/2010/main" val="4169746366"/>
-      </p:ext>
-    </p:extLst>
-  </p:cSld>
-  <p:clrMapOvr>
-    <a:masterClrMapping/>
-  </p:clrMapOvr>
 </p:sld>
 </file>
 
@@ -14969,7 +18060,7 @@
                 <a:latin typeface="Euclid Circular B" panose="020B0504000000000000" pitchFamily="34" charset="0"/>
                 <a:ea typeface="Euclid Circular B" panose="020B0504000000000000" pitchFamily="34" charset="0"/>
               </a:rPr>
-              <a:t>tye.yaml</a:t>
+              <a:t>Tye: Components</a:t>
             </a:r>
             <a:endParaRPr lang="en-US" b="1" dirty="0">
               <a:solidFill>
@@ -14981,224 +18072,12 @@
           </a:p>
         </p:txBody>
       </p:sp>
-      <p:pic>
-        <p:nvPicPr>
-          <p:cNvPr id="9" name="Picture 8">
-            <a:extLst>
-              <a:ext uri="{FF2B5EF4-FFF2-40B4-BE49-F238E27FC236}">
-                <a16:creationId xmlns:a16="http://schemas.microsoft.com/office/drawing/2014/main" id="{92276000-7FC7-206F-AACC-48B28E7A3B8B}"/>
-              </a:ext>
-            </a:extLst>
-          </p:cNvPr>
-          <p:cNvPicPr>
-            <a:picLocks noChangeAspect="1"/>
-          </p:cNvPicPr>
-          <p:nvPr/>
-        </p:nvPicPr>
-        <p:blipFill>
-          <a:blip r:embed="rId3"/>
-          <a:stretch>
-            <a:fillRect/>
-          </a:stretch>
-        </p:blipFill>
-        <p:spPr>
-          <a:xfrm>
-            <a:off x="623514" y="1437089"/>
-            <a:ext cx="4659889" cy="5305616"/>
-          </a:xfrm>
-          <a:prstGeom prst="rect">
-            <a:avLst/>
-          </a:prstGeom>
-        </p:spPr>
-      </p:pic>
-      <p:sp>
-        <p:nvSpPr>
-          <p:cNvPr id="10" name="TextBox 9">
-            <a:extLst>
-              <a:ext uri="{FF2B5EF4-FFF2-40B4-BE49-F238E27FC236}">
-                <a16:creationId xmlns:a16="http://schemas.microsoft.com/office/drawing/2014/main" id="{75EB0729-86A3-B5AD-EAD7-4851E4F6AE31}"/>
-              </a:ext>
-            </a:extLst>
-          </p:cNvPr>
-          <p:cNvSpPr txBox="1"/>
-          <p:nvPr/>
-        </p:nvSpPr>
-        <p:spPr>
-          <a:xfrm>
-            <a:off x="5215637" y="2296500"/>
-            <a:ext cx="2112117" cy="523220"/>
-          </a:xfrm>
-          <a:prstGeom prst="rect">
-            <a:avLst/>
-          </a:prstGeom>
-          <a:noFill/>
-        </p:spPr>
-        <p:txBody>
-          <a:bodyPr wrap="none" rtlCol="0">
-            <a:spAutoFit/>
-          </a:bodyPr>
-          <a:lstStyle/>
-          <a:p>
-            <a:r>
-              <a:rPr lang="tr-TR" sz="2800" dirty="0">
-                <a:solidFill>
-                  <a:schemeClr val="accent6">
-                    <a:lumMod val="75000"/>
-                  </a:schemeClr>
-                </a:solidFill>
-              </a:rPr>
-              <a:t>.NET Projects</a:t>
-            </a:r>
-            <a:endParaRPr lang="en-US" sz="2800" dirty="0">
-              <a:solidFill>
-                <a:schemeClr val="accent6">
-                  <a:lumMod val="75000"/>
-                </a:schemeClr>
-              </a:solidFill>
-            </a:endParaRPr>
-          </a:p>
-        </p:txBody>
-      </p:sp>
-      <p:sp>
-        <p:nvSpPr>
-          <p:cNvPr id="11" name="TextBox 10">
-            <a:extLst>
-              <a:ext uri="{FF2B5EF4-FFF2-40B4-BE49-F238E27FC236}">
-                <a16:creationId xmlns:a16="http://schemas.microsoft.com/office/drawing/2014/main" id="{0DFA7B93-F590-0123-A643-F8F71857AE01}"/>
-              </a:ext>
-            </a:extLst>
-          </p:cNvPr>
-          <p:cNvSpPr txBox="1"/>
-          <p:nvPr/>
-        </p:nvSpPr>
-        <p:spPr>
-          <a:xfrm>
-            <a:off x="5283403" y="6013174"/>
-            <a:ext cx="1746568" cy="523220"/>
-          </a:xfrm>
-          <a:prstGeom prst="rect">
-            <a:avLst/>
-          </a:prstGeom>
-          <a:noFill/>
-        </p:spPr>
-        <p:txBody>
-          <a:bodyPr wrap="none" rtlCol="0">
-            <a:spAutoFit/>
-          </a:bodyPr>
-          <a:lstStyle/>
-          <a:p>
-            <a:r>
-              <a:rPr lang="tr-TR" sz="2800" dirty="0">
-                <a:solidFill>
-                  <a:schemeClr val="accent5">
-                    <a:lumMod val="75000"/>
-                  </a:schemeClr>
-                </a:solidFill>
-              </a:rPr>
-              <a:t>Containers</a:t>
-            </a:r>
-            <a:endParaRPr lang="en-US" sz="2800" dirty="0">
-              <a:solidFill>
-                <a:schemeClr val="accent5">
-                  <a:lumMod val="75000"/>
-                </a:schemeClr>
-              </a:solidFill>
-            </a:endParaRPr>
-          </a:p>
-        </p:txBody>
-      </p:sp>
-      <p:cxnSp>
-        <p:nvCxnSpPr>
-          <p:cNvPr id="13" name="Straight Connector 12">
-            <a:extLst>
-              <a:ext uri="{FF2B5EF4-FFF2-40B4-BE49-F238E27FC236}">
-                <a16:creationId xmlns:a16="http://schemas.microsoft.com/office/drawing/2014/main" id="{73657D85-9E89-ECE3-5CB1-C88A048CD3A0}"/>
-              </a:ext>
-            </a:extLst>
-          </p:cNvPr>
-          <p:cNvCxnSpPr>
-            <a:cxnSpLocks/>
-          </p:cNvCxnSpPr>
-          <p:nvPr/>
-        </p:nvCxnSpPr>
-        <p:spPr>
-          <a:xfrm>
-            <a:off x="5224007" y="2296500"/>
-            <a:ext cx="2103747" cy="0"/>
-          </a:xfrm>
-          <a:prstGeom prst="line">
-            <a:avLst/>
-          </a:prstGeom>
-          <a:ln w="38100">
-            <a:solidFill>
-              <a:schemeClr val="accent6"/>
-            </a:solidFill>
-          </a:ln>
-        </p:spPr>
-        <p:style>
-          <a:lnRef idx="1">
-            <a:schemeClr val="accent1"/>
-          </a:lnRef>
-          <a:fillRef idx="0">
-            <a:schemeClr val="accent1"/>
-          </a:fillRef>
-          <a:effectRef idx="0">
-            <a:schemeClr val="accent1"/>
-          </a:effectRef>
-          <a:fontRef idx="minor">
-            <a:schemeClr val="tx1"/>
-          </a:fontRef>
-        </p:style>
-      </p:cxnSp>
-      <p:cxnSp>
-        <p:nvCxnSpPr>
-          <p:cNvPr id="14" name="Straight Connector 13">
-            <a:extLst>
-              <a:ext uri="{FF2B5EF4-FFF2-40B4-BE49-F238E27FC236}">
-                <a16:creationId xmlns:a16="http://schemas.microsoft.com/office/drawing/2014/main" id="{9F6A3D0D-B1B2-DF15-CBD5-69F00333AC06}"/>
-              </a:ext>
-            </a:extLst>
-          </p:cNvPr>
-          <p:cNvCxnSpPr>
-            <a:cxnSpLocks/>
-          </p:cNvCxnSpPr>
-          <p:nvPr/>
-        </p:nvCxnSpPr>
-        <p:spPr>
-          <a:xfrm>
-            <a:off x="5215637" y="6013174"/>
-            <a:ext cx="1814334" cy="0"/>
-          </a:xfrm>
-          <a:prstGeom prst="line">
-            <a:avLst/>
-          </a:prstGeom>
-          <a:ln w="38100">
-            <a:solidFill>
-              <a:schemeClr val="accent1"/>
-            </a:solidFill>
-          </a:ln>
-        </p:spPr>
-        <p:style>
-          <a:lnRef idx="1">
-            <a:schemeClr val="accent1"/>
-          </a:lnRef>
-          <a:fillRef idx="0">
-            <a:schemeClr val="accent1"/>
-          </a:fillRef>
-          <a:effectRef idx="0">
-            <a:schemeClr val="accent1"/>
-          </a:effectRef>
-          <a:fontRef idx="minor">
-            <a:schemeClr val="tx1"/>
-          </a:fontRef>
-        </p:style>
-      </p:cxnSp>
       <p:sp>
         <p:nvSpPr>
           <p:cNvPr id="3" name="Content Placeholder 2">
             <a:extLst>
               <a:ext uri="{FF2B5EF4-FFF2-40B4-BE49-F238E27FC236}">
-                <a16:creationId xmlns:a16="http://schemas.microsoft.com/office/drawing/2014/main" id="{381F50EC-4A51-F864-599A-8F62C1087F19}"/>
+                <a16:creationId xmlns:a16="http://schemas.microsoft.com/office/drawing/2014/main" id="{891C7693-D3DF-4635-96F4-97F3B4136FDF}"/>
               </a:ext>
             </a:extLst>
           </p:cNvPr>
@@ -15211,34 +18090,20 @@
         </p:nvSpPr>
         <p:spPr>
           <a:xfrm>
-            <a:off x="7914862" y="3118898"/>
-            <a:ext cx="3113598" cy="2526525"/>
+            <a:off x="838199" y="1825625"/>
+            <a:ext cx="10826363" cy="4351338"/>
           </a:xfrm>
         </p:spPr>
         <p:txBody>
-          <a:bodyPr>
-            <a:normAutofit/>
-          </a:bodyPr>
+          <a:bodyPr/>
           <a:lstStyle/>
-          <a:p>
-            <a:pPr marL="0" indent="0">
-              <a:buNone/>
-            </a:pPr>
-            <a:r>
-              <a:rPr lang="tr-TR" u="sng" dirty="0">
-                <a:latin typeface="Euclid Circular B" panose="020B0504000000000000" pitchFamily="34" charset="0"/>
-                <a:ea typeface="Euclid Circular B" panose="020B0504000000000000" pitchFamily="34" charset="0"/>
-              </a:rPr>
-              <a:t>Service Types:</a:t>
-            </a:r>
-          </a:p>
           <a:p>
             <a:r>
               <a:rPr lang="tr-TR" dirty="0">
                 <a:latin typeface="Euclid Circular B" panose="020B0504000000000000" pitchFamily="34" charset="0"/>
                 <a:ea typeface="Euclid Circular B" panose="020B0504000000000000" pitchFamily="34" charset="0"/>
               </a:rPr>
-              <a:t>.NET Project</a:t>
+              <a:t>tye.yaml file</a:t>
             </a:r>
           </a:p>
           <a:p>
@@ -15247,7 +18112,7 @@
                 <a:latin typeface="Euclid Circular B" panose="020B0504000000000000" pitchFamily="34" charset="0"/>
                 <a:ea typeface="Euclid Circular B" panose="020B0504000000000000" pitchFamily="34" charset="0"/>
               </a:rPr>
-              <a:t>Container</a:t>
+              <a:t>Tye CLI (Command-Line Interface)</a:t>
             </a:r>
           </a:p>
           <a:p>
@@ -15256,443 +18121,21 @@
                 <a:latin typeface="Euclid Circular B" panose="020B0504000000000000" pitchFamily="34" charset="0"/>
                 <a:ea typeface="Euclid Circular B" panose="020B0504000000000000" pitchFamily="34" charset="0"/>
               </a:rPr>
-              <a:t>Executable</a:t>
-            </a:r>
-            <a:endParaRPr lang="en-US" dirty="0">
-              <a:latin typeface="Euclid Circular B" panose="020B0504000000000000" pitchFamily="34" charset="0"/>
-              <a:ea typeface="Euclid Circular B" panose="020B0504000000000000" pitchFamily="34" charset="0"/>
-            </a:endParaRPr>
+              <a:t>Tye Dashboard</a:t>
+            </a:r>
           </a:p>
         </p:txBody>
       </p:sp>
     </p:spTree>
     <p:extLst>
       <p:ext uri="{BB962C8B-B14F-4D97-AF65-F5344CB8AC3E}">
-        <p14:creationId xmlns:p14="http://schemas.microsoft.com/office/powerpoint/2010/main" val="2741227699"/>
+        <p14:creationId xmlns:p14="http://schemas.microsoft.com/office/powerpoint/2010/main" val="4169746366"/>
       </p:ext>
     </p:extLst>
   </p:cSld>
   <p:clrMapOvr>
     <a:masterClrMapping/>
   </p:clrMapOvr>
-  <p:timing>
-    <p:tnLst>
-      <p:par>
-        <p:cTn id="1" dur="indefinite" restart="never" nodeType="tmRoot">
-          <p:childTnLst>
-            <p:seq concurrent="1" nextAc="seek">
-              <p:cTn id="2" dur="indefinite" nodeType="mainSeq">
-                <p:childTnLst>
-                  <p:par>
-                    <p:cTn id="3" fill="hold">
-                      <p:stCondLst>
-                        <p:cond delay="indefinite"/>
-                      </p:stCondLst>
-                      <p:childTnLst>
-                        <p:par>
-                          <p:cTn id="4" fill="hold">
-                            <p:stCondLst>
-                              <p:cond delay="0"/>
-                            </p:stCondLst>
-                            <p:childTnLst>
-                              <p:par>
-                                <p:cTn id="5" presetID="10" presetClass="entr" presetSubtype="0" fill="hold" nodeType="clickEffect">
-                                  <p:stCondLst>
-                                    <p:cond delay="0"/>
-                                  </p:stCondLst>
-                                  <p:childTnLst>
-                                    <p:set>
-                                      <p:cBhvr>
-                                        <p:cTn id="6" dur="1" fill="hold">
-                                          <p:stCondLst>
-                                            <p:cond delay="0"/>
-                                          </p:stCondLst>
-                                        </p:cTn>
-                                        <p:tgtEl>
-                                          <p:spTgt spid="3">
-                                            <p:txEl>
-                                              <p:pRg st="0" end="0"/>
-                                            </p:txEl>
-                                          </p:spTgt>
-                                        </p:tgtEl>
-                                        <p:attrNameLst>
-                                          <p:attrName>style.visibility</p:attrName>
-                                        </p:attrNameLst>
-                                      </p:cBhvr>
-                                      <p:to>
-                                        <p:strVal val="visible"/>
-                                      </p:to>
-                                    </p:set>
-                                    <p:animEffect transition="in" filter="fade">
-                                      <p:cBhvr>
-                                        <p:cTn id="7" dur="500"/>
-                                        <p:tgtEl>
-                                          <p:spTgt spid="3">
-                                            <p:txEl>
-                                              <p:pRg st="0" end="0"/>
-                                            </p:txEl>
-                                          </p:spTgt>
-                                        </p:tgtEl>
-                                      </p:cBhvr>
-                                    </p:animEffect>
-                                  </p:childTnLst>
-                                </p:cTn>
-                              </p:par>
-                            </p:childTnLst>
-                          </p:cTn>
-                        </p:par>
-                      </p:childTnLst>
-                    </p:cTn>
-                  </p:par>
-                  <p:par>
-                    <p:cTn id="8" fill="hold">
-                      <p:stCondLst>
-                        <p:cond delay="indefinite"/>
-                      </p:stCondLst>
-                      <p:childTnLst>
-                        <p:par>
-                          <p:cTn id="9" fill="hold">
-                            <p:stCondLst>
-                              <p:cond delay="0"/>
-                            </p:stCondLst>
-                            <p:childTnLst>
-                              <p:par>
-                                <p:cTn id="10" presetID="10" presetClass="entr" presetSubtype="0" fill="hold" nodeType="clickEffect">
-                                  <p:stCondLst>
-                                    <p:cond delay="0"/>
-                                  </p:stCondLst>
-                                  <p:childTnLst>
-                                    <p:set>
-                                      <p:cBhvr>
-                                        <p:cTn id="11" dur="1" fill="hold">
-                                          <p:stCondLst>
-                                            <p:cond delay="0"/>
-                                          </p:stCondLst>
-                                        </p:cTn>
-                                        <p:tgtEl>
-                                          <p:spTgt spid="3">
-                                            <p:txEl>
-                                              <p:pRg st="1" end="1"/>
-                                            </p:txEl>
-                                          </p:spTgt>
-                                        </p:tgtEl>
-                                        <p:attrNameLst>
-                                          <p:attrName>style.visibility</p:attrName>
-                                        </p:attrNameLst>
-                                      </p:cBhvr>
-                                      <p:to>
-                                        <p:strVal val="visible"/>
-                                      </p:to>
-                                    </p:set>
-                                    <p:animEffect transition="in" filter="fade">
-                                      <p:cBhvr>
-                                        <p:cTn id="12" dur="500"/>
-                                        <p:tgtEl>
-                                          <p:spTgt spid="3">
-                                            <p:txEl>
-                                              <p:pRg st="1" end="1"/>
-                                            </p:txEl>
-                                          </p:spTgt>
-                                        </p:tgtEl>
-                                      </p:cBhvr>
-                                    </p:animEffect>
-                                  </p:childTnLst>
-                                </p:cTn>
-                              </p:par>
-                              <p:par>
-                                <p:cTn id="13" presetID="10" presetClass="entr" presetSubtype="0" fill="hold" grpId="0" nodeType="withEffect">
-                                  <p:stCondLst>
-                                    <p:cond delay="0"/>
-                                  </p:stCondLst>
-                                  <p:childTnLst>
-                                    <p:set>
-                                      <p:cBhvr>
-                                        <p:cTn id="14" dur="1" fill="hold">
-                                          <p:stCondLst>
-                                            <p:cond delay="0"/>
-                                          </p:stCondLst>
-                                        </p:cTn>
-                                        <p:tgtEl>
-                                          <p:spTgt spid="10"/>
-                                        </p:tgtEl>
-                                        <p:attrNameLst>
-                                          <p:attrName>style.visibility</p:attrName>
-                                        </p:attrNameLst>
-                                      </p:cBhvr>
-                                      <p:to>
-                                        <p:strVal val="visible"/>
-                                      </p:to>
-                                    </p:set>
-                                    <p:animEffect transition="in" filter="fade">
-                                      <p:cBhvr>
-                                        <p:cTn id="15" dur="500"/>
-                                        <p:tgtEl>
-                                          <p:spTgt spid="10"/>
-                                        </p:tgtEl>
-                                      </p:cBhvr>
-                                    </p:animEffect>
-                                  </p:childTnLst>
-                                </p:cTn>
-                              </p:par>
-                              <p:par>
-                                <p:cTn id="16" presetID="10" presetClass="entr" presetSubtype="0" fill="hold" nodeType="withEffect">
-                                  <p:stCondLst>
-                                    <p:cond delay="0"/>
-                                  </p:stCondLst>
-                                  <p:childTnLst>
-                                    <p:set>
-                                      <p:cBhvr>
-                                        <p:cTn id="17" dur="1" fill="hold">
-                                          <p:stCondLst>
-                                            <p:cond delay="0"/>
-                                          </p:stCondLst>
-                                        </p:cTn>
-                                        <p:tgtEl>
-                                          <p:spTgt spid="13"/>
-                                        </p:tgtEl>
-                                        <p:attrNameLst>
-                                          <p:attrName>style.visibility</p:attrName>
-                                        </p:attrNameLst>
-                                      </p:cBhvr>
-                                      <p:to>
-                                        <p:strVal val="visible"/>
-                                      </p:to>
-                                    </p:set>
-                                    <p:animEffect transition="in" filter="fade">
-                                      <p:cBhvr>
-                                        <p:cTn id="18" dur="500"/>
-                                        <p:tgtEl>
-                                          <p:spTgt spid="13"/>
-                                        </p:tgtEl>
-                                      </p:cBhvr>
-                                    </p:animEffect>
-                                  </p:childTnLst>
-                                </p:cTn>
-                              </p:par>
-                            </p:childTnLst>
-                          </p:cTn>
-                        </p:par>
-                      </p:childTnLst>
-                    </p:cTn>
-                  </p:par>
-                  <p:par>
-                    <p:cTn id="19" fill="hold">
-                      <p:stCondLst>
-                        <p:cond delay="indefinite"/>
-                      </p:stCondLst>
-                      <p:childTnLst>
-                        <p:par>
-                          <p:cTn id="20" fill="hold">
-                            <p:stCondLst>
-                              <p:cond delay="0"/>
-                            </p:stCondLst>
-                            <p:childTnLst>
-                              <p:par>
-                                <p:cTn id="21" presetID="10" presetClass="entr" presetSubtype="0" fill="hold" nodeType="clickEffect">
-                                  <p:stCondLst>
-                                    <p:cond delay="0"/>
-                                  </p:stCondLst>
-                                  <p:childTnLst>
-                                    <p:set>
-                                      <p:cBhvr>
-                                        <p:cTn id="22" dur="1" fill="hold">
-                                          <p:stCondLst>
-                                            <p:cond delay="0"/>
-                                          </p:stCondLst>
-                                        </p:cTn>
-                                        <p:tgtEl>
-                                          <p:spTgt spid="3">
-                                            <p:txEl>
-                                              <p:pRg st="2" end="2"/>
-                                            </p:txEl>
-                                          </p:spTgt>
-                                        </p:tgtEl>
-                                        <p:attrNameLst>
-                                          <p:attrName>style.visibility</p:attrName>
-                                        </p:attrNameLst>
-                                      </p:cBhvr>
-                                      <p:to>
-                                        <p:strVal val="visible"/>
-                                      </p:to>
-                                    </p:set>
-                                    <p:animEffect transition="in" filter="fade">
-                                      <p:cBhvr>
-                                        <p:cTn id="23" dur="500"/>
-                                        <p:tgtEl>
-                                          <p:spTgt spid="3">
-                                            <p:txEl>
-                                              <p:pRg st="2" end="2"/>
-                                            </p:txEl>
-                                          </p:spTgt>
-                                        </p:tgtEl>
-                                      </p:cBhvr>
-                                    </p:animEffect>
-                                  </p:childTnLst>
-                                </p:cTn>
-                              </p:par>
-                              <p:par>
-                                <p:cTn id="24" presetID="10" presetClass="entr" presetSubtype="0" fill="hold" grpId="0" nodeType="withEffect">
-                                  <p:stCondLst>
-                                    <p:cond delay="0"/>
-                                  </p:stCondLst>
-                                  <p:childTnLst>
-                                    <p:set>
-                                      <p:cBhvr>
-                                        <p:cTn id="25" dur="1" fill="hold">
-                                          <p:stCondLst>
-                                            <p:cond delay="0"/>
-                                          </p:stCondLst>
-                                        </p:cTn>
-                                        <p:tgtEl>
-                                          <p:spTgt spid="11"/>
-                                        </p:tgtEl>
-                                        <p:attrNameLst>
-                                          <p:attrName>style.visibility</p:attrName>
-                                        </p:attrNameLst>
-                                      </p:cBhvr>
-                                      <p:to>
-                                        <p:strVal val="visible"/>
-                                      </p:to>
-                                    </p:set>
-                                    <p:animEffect transition="in" filter="fade">
-                                      <p:cBhvr>
-                                        <p:cTn id="26" dur="500"/>
-                                        <p:tgtEl>
-                                          <p:spTgt spid="11"/>
-                                        </p:tgtEl>
-                                      </p:cBhvr>
-                                    </p:animEffect>
-                                  </p:childTnLst>
-                                </p:cTn>
-                              </p:par>
-                              <p:par>
-                                <p:cTn id="27" presetID="10" presetClass="entr" presetSubtype="0" fill="hold" nodeType="withEffect">
-                                  <p:stCondLst>
-                                    <p:cond delay="0"/>
-                                  </p:stCondLst>
-                                  <p:childTnLst>
-                                    <p:set>
-                                      <p:cBhvr>
-                                        <p:cTn id="28" dur="1" fill="hold">
-                                          <p:stCondLst>
-                                            <p:cond delay="0"/>
-                                          </p:stCondLst>
-                                        </p:cTn>
-                                        <p:tgtEl>
-                                          <p:spTgt spid="14"/>
-                                        </p:tgtEl>
-                                        <p:attrNameLst>
-                                          <p:attrName>style.visibility</p:attrName>
-                                        </p:attrNameLst>
-                                      </p:cBhvr>
-                                      <p:to>
-                                        <p:strVal val="visible"/>
-                                      </p:to>
-                                    </p:set>
-                                    <p:animEffect transition="in" filter="fade">
-                                      <p:cBhvr>
-                                        <p:cTn id="29" dur="500"/>
-                                        <p:tgtEl>
-                                          <p:spTgt spid="14"/>
-                                        </p:tgtEl>
-                                      </p:cBhvr>
-                                    </p:animEffect>
-                                  </p:childTnLst>
-                                </p:cTn>
-                              </p:par>
-                            </p:childTnLst>
-                          </p:cTn>
-                        </p:par>
-                      </p:childTnLst>
-                    </p:cTn>
-                  </p:par>
-                  <p:par>
-                    <p:cTn id="30" fill="hold">
-                      <p:stCondLst>
-                        <p:cond delay="indefinite"/>
-                      </p:stCondLst>
-                      <p:childTnLst>
-                        <p:par>
-                          <p:cTn id="31" fill="hold">
-                            <p:stCondLst>
-                              <p:cond delay="0"/>
-                            </p:stCondLst>
-                            <p:childTnLst>
-                              <p:par>
-                                <p:cTn id="32" presetID="10" presetClass="entr" presetSubtype="0" fill="hold" nodeType="clickEffect">
-                                  <p:stCondLst>
-                                    <p:cond delay="0"/>
-                                  </p:stCondLst>
-                                  <p:childTnLst>
-                                    <p:set>
-                                      <p:cBhvr>
-                                        <p:cTn id="33" dur="1" fill="hold">
-                                          <p:stCondLst>
-                                            <p:cond delay="0"/>
-                                          </p:stCondLst>
-                                        </p:cTn>
-                                        <p:tgtEl>
-                                          <p:spTgt spid="3">
-                                            <p:txEl>
-                                              <p:pRg st="3" end="3"/>
-                                            </p:txEl>
-                                          </p:spTgt>
-                                        </p:tgtEl>
-                                        <p:attrNameLst>
-                                          <p:attrName>style.visibility</p:attrName>
-                                        </p:attrNameLst>
-                                      </p:cBhvr>
-                                      <p:to>
-                                        <p:strVal val="visible"/>
-                                      </p:to>
-                                    </p:set>
-                                    <p:animEffect transition="in" filter="fade">
-                                      <p:cBhvr>
-                                        <p:cTn id="34" dur="500"/>
-                                        <p:tgtEl>
-                                          <p:spTgt spid="3">
-                                            <p:txEl>
-                                              <p:pRg st="3" end="3"/>
-                                            </p:txEl>
-                                          </p:spTgt>
-                                        </p:tgtEl>
-                                      </p:cBhvr>
-                                    </p:animEffect>
-                                  </p:childTnLst>
-                                </p:cTn>
-                              </p:par>
-                            </p:childTnLst>
-                          </p:cTn>
-                        </p:par>
-                      </p:childTnLst>
-                    </p:cTn>
-                  </p:par>
-                </p:childTnLst>
-              </p:cTn>
-              <p:prevCondLst>
-                <p:cond evt="onPrev" delay="0">
-                  <p:tgtEl>
-                    <p:sldTgt/>
-                  </p:tgtEl>
-                </p:cond>
-              </p:prevCondLst>
-              <p:nextCondLst>
-                <p:cond evt="onNext" delay="0">
-                  <p:tgtEl>
-                    <p:sldTgt/>
-                  </p:tgtEl>
-                </p:cond>
-              </p:nextCondLst>
-            </p:seq>
-          </p:childTnLst>
-        </p:cTn>
-      </p:par>
-    </p:tnLst>
-    <p:bldLst>
-      <p:bldP spid="10" grpId="0"/>
-      <p:bldP spid="11" grpId="0"/>
-    </p:bldLst>
-  </p:timing>
 </p:sld>
 </file>
 

--- a/2023-05-10 ABP Conf 2023 Developing with Kubernetes/Developing with Kubernetes.pptx
+++ b/2023-05-10 ABP Conf 2023 Developing with Kubernetes/Developing with Kubernetes.pptx
@@ -21,29 +21,30 @@
     <p:sldId id="265" r:id="rId15"/>
     <p:sldId id="268" r:id="rId16"/>
     <p:sldId id="293" r:id="rId17"/>
-    <p:sldId id="266" r:id="rId18"/>
-    <p:sldId id="267" r:id="rId19"/>
-    <p:sldId id="290" r:id="rId20"/>
-    <p:sldId id="269" r:id="rId21"/>
-    <p:sldId id="270" r:id="rId22"/>
-    <p:sldId id="271" r:id="rId23"/>
-    <p:sldId id="272" r:id="rId24"/>
-    <p:sldId id="273" r:id="rId25"/>
-    <p:sldId id="274" r:id="rId26"/>
-    <p:sldId id="275" r:id="rId27"/>
-    <p:sldId id="276" r:id="rId28"/>
-    <p:sldId id="277" r:id="rId29"/>
-    <p:sldId id="278" r:id="rId30"/>
-    <p:sldId id="279" r:id="rId31"/>
-    <p:sldId id="280" r:id="rId32"/>
-    <p:sldId id="281" r:id="rId33"/>
-    <p:sldId id="282" r:id="rId34"/>
-    <p:sldId id="283" r:id="rId35"/>
-    <p:sldId id="284" r:id="rId36"/>
-    <p:sldId id="285" r:id="rId37"/>
-    <p:sldId id="286" r:id="rId38"/>
-    <p:sldId id="287" r:id="rId39"/>
-    <p:sldId id="288" r:id="rId40"/>
+    <p:sldId id="295" r:id="rId18"/>
+    <p:sldId id="266" r:id="rId19"/>
+    <p:sldId id="296" r:id="rId20"/>
+    <p:sldId id="290" r:id="rId21"/>
+    <p:sldId id="269" r:id="rId22"/>
+    <p:sldId id="270" r:id="rId23"/>
+    <p:sldId id="271" r:id="rId24"/>
+    <p:sldId id="272" r:id="rId25"/>
+    <p:sldId id="273" r:id="rId26"/>
+    <p:sldId id="274" r:id="rId27"/>
+    <p:sldId id="275" r:id="rId28"/>
+    <p:sldId id="276" r:id="rId29"/>
+    <p:sldId id="277" r:id="rId30"/>
+    <p:sldId id="278" r:id="rId31"/>
+    <p:sldId id="279" r:id="rId32"/>
+    <p:sldId id="280" r:id="rId33"/>
+    <p:sldId id="281" r:id="rId34"/>
+    <p:sldId id="282" r:id="rId35"/>
+    <p:sldId id="283" r:id="rId36"/>
+    <p:sldId id="284" r:id="rId37"/>
+    <p:sldId id="285" r:id="rId38"/>
+    <p:sldId id="286" r:id="rId39"/>
+    <p:sldId id="287" r:id="rId40"/>
+    <p:sldId id="288" r:id="rId41"/>
   </p:sldIdLst>
   <p:sldSz cx="12192000" cy="6858000"/>
   <p:notesSz cx="6858000" cy="9144000"/>
@@ -7558,7 +7559,7 @@
           <p:cNvPr id="2" name="Title 1">
             <a:extLst>
               <a:ext uri="{FF2B5EF4-FFF2-40B4-BE49-F238E27FC236}">
-                <a16:creationId xmlns:a16="http://schemas.microsoft.com/office/drawing/2014/main" id="{55E11F08-6CA0-48F1-AD67-97430DDA07F0}"/>
+                <a16:creationId xmlns:a16="http://schemas.microsoft.com/office/drawing/2014/main" id="{9255DFBE-19DA-408D-84E6-F4043FC30BD3}"/>
               </a:ext>
             </a:extLst>
           </p:cNvPr>
@@ -7566,25 +7567,46 @@
             <a:spLocks noGrp="1"/>
           </p:cNvSpPr>
           <p:nvPr>
-            <p:ph type="title"/>
+            <p:ph type="ctrTitle"/>
           </p:nvPr>
         </p:nvSpPr>
         <p:spPr/>
         <p:txBody>
-          <a:bodyPr/>
+          <a:bodyPr>
+            <a:normAutofit/>
+          </a:bodyPr>
           <a:lstStyle/>
           <a:p>
             <a:r>
-              <a:rPr lang="tr-TR" b="1" dirty="0">
+              <a:rPr lang="tr-TR" sz="4800" b="1" dirty="0">
                 <a:solidFill>
                   <a:srgbClr val="292D33"/>
                 </a:solidFill>
                 <a:latin typeface="Euclid Circular B" panose="020B0504000000000000" pitchFamily="34" charset="0"/>
                 <a:ea typeface="Euclid Circular B" panose="020B0504000000000000" pitchFamily="34" charset="0"/>
               </a:rPr>
-              <a:t>ABP Studio</a:t>
-            </a:r>
-            <a:endParaRPr lang="en-US" b="1" dirty="0">
+              <a:t>ABP STUDIO</a:t>
+            </a:r>
+            <a:br>
+              <a:rPr lang="tr-TR" sz="4800" b="1" dirty="0">
+                <a:solidFill>
+                  <a:srgbClr val="292D33"/>
+                </a:solidFill>
+                <a:latin typeface="Euclid Circular B" panose="020B0504000000000000" pitchFamily="34" charset="0"/>
+                <a:ea typeface="Euclid Circular B" panose="020B0504000000000000" pitchFamily="34" charset="0"/>
+              </a:rPr>
+            </a:br>
+            <a:r>
+              <a:rPr lang="tr-TR" sz="3200" dirty="0">
+                <a:solidFill>
+                  <a:srgbClr val="292D33"/>
+                </a:solidFill>
+                <a:latin typeface="Euclid Circular B" panose="020B0504000000000000" pitchFamily="34" charset="0"/>
+                <a:ea typeface="Euclid Circular B" panose="020B0504000000000000" pitchFamily="34" charset="0"/>
+              </a:rPr>
+              <a:t>(by Volosoft)</a:t>
+            </a:r>
+            <a:endParaRPr lang="en-US" sz="2000" dirty="0">
               <a:solidFill>
                 <a:srgbClr val="292D33"/>
               </a:solidFill>
@@ -7594,41 +7616,10 @@
           </a:p>
         </p:txBody>
       </p:sp>
-      <p:sp>
-        <p:nvSpPr>
-          <p:cNvPr id="3" name="Content Placeholder 2">
-            <a:extLst>
-              <a:ext uri="{FF2B5EF4-FFF2-40B4-BE49-F238E27FC236}">
-                <a16:creationId xmlns:a16="http://schemas.microsoft.com/office/drawing/2014/main" id="{891C7693-D3DF-4635-96F4-97F3B4136FDF}"/>
-              </a:ext>
-            </a:extLst>
-          </p:cNvPr>
-          <p:cNvSpPr>
-            <a:spLocks noGrp="1"/>
-          </p:cNvSpPr>
-          <p:nvPr>
-            <p:ph idx="1"/>
-          </p:nvPr>
-        </p:nvSpPr>
-        <p:spPr/>
-        <p:txBody>
-          <a:bodyPr/>
-          <a:lstStyle/>
-          <a:p>
-            <a:r>
-              <a:rPr lang="en-US" dirty="0">
-                <a:latin typeface="Euclid Circular B" panose="020B0504000000000000" pitchFamily="34" charset="0"/>
-                <a:ea typeface="Euclid Circular B" panose="020B0504000000000000" pitchFamily="34" charset="0"/>
-              </a:rPr>
-              <a:t>Content</a:t>
-            </a:r>
-          </a:p>
-        </p:txBody>
-      </p:sp>
     </p:spTree>
     <p:extLst>
       <p:ext uri="{BB962C8B-B14F-4D97-AF65-F5344CB8AC3E}">
-        <p14:creationId xmlns:p14="http://schemas.microsoft.com/office/powerpoint/2010/main" val="1222627661"/>
+        <p14:creationId xmlns:p14="http://schemas.microsoft.com/office/powerpoint/2010/main" val="1237261978"/>
       </p:ext>
     </p:extLst>
   </p:cSld>
@@ -7698,7 +7689,7 @@
                 <a:latin typeface="Euclid Circular B" panose="020B0504000000000000" pitchFamily="34" charset="0"/>
                 <a:ea typeface="Euclid Circular B" panose="020B0504000000000000" pitchFamily="34" charset="0"/>
               </a:rPr>
-              <a:t>ABP Studio: Solution Runner</a:t>
+              <a:t>What is ABP Studio?</a:t>
             </a:r>
             <a:endParaRPr lang="en-US" b="1" dirty="0">
               <a:solidFill>
@@ -7728,29 +7719,756 @@
         </p:nvSpPr>
         <p:spPr/>
         <p:txBody>
-          <a:bodyPr/>
+          <a:bodyPr>
+            <a:normAutofit fontScale="92500" lnSpcReduction="10000"/>
+          </a:bodyPr>
           <a:lstStyle/>
           <a:p>
-            <a:r>
-              <a:rPr lang="en-US" dirty="0">
+            <a:pPr marL="0" indent="0">
+              <a:buNone/>
+            </a:pPr>
+            <a:r>
+              <a:rPr lang="tr-TR" dirty="0">
                 <a:latin typeface="Euclid Circular B" panose="020B0504000000000000" pitchFamily="34" charset="0"/>
                 <a:ea typeface="Euclid Circular B" panose="020B0504000000000000" pitchFamily="34" charset="0"/>
               </a:rPr>
-              <a:t>Content</a:t>
-            </a:r>
+              <a:t>An ABP-integrated desktop application for ABP developers.</a:t>
+            </a:r>
+          </a:p>
+          <a:p>
+            <a:pPr marL="0" indent="0">
+              <a:buNone/>
+            </a:pPr>
+            <a:r>
+              <a:rPr lang="tr-TR" b="1" dirty="0">
+                <a:latin typeface="Euclid Circular B" panose="020B0504000000000000" pitchFamily="34" charset="0"/>
+                <a:ea typeface="Euclid Circular B" panose="020B0504000000000000" pitchFamily="34" charset="0"/>
+              </a:rPr>
+              <a:t>Planned release date</a:t>
+            </a:r>
+            <a:r>
+              <a:rPr lang="tr-TR" dirty="0">
+                <a:latin typeface="Euclid Circular B" panose="020B0504000000000000" pitchFamily="34" charset="0"/>
+                <a:ea typeface="Euclid Circular B" panose="020B0504000000000000" pitchFamily="34" charset="0"/>
+              </a:rPr>
+              <a:t>: Q3 of 2023.</a:t>
+            </a:r>
+            <a:br>
+              <a:rPr lang="tr-TR" dirty="0">
+                <a:latin typeface="Euclid Circular B" panose="020B0504000000000000" pitchFamily="34" charset="0"/>
+                <a:ea typeface="Euclid Circular B" panose="020B0504000000000000" pitchFamily="34" charset="0"/>
+              </a:rPr>
+            </a:br>
+            <a:endParaRPr lang="tr-TR" dirty="0">
+              <a:latin typeface="Euclid Circular B" panose="020B0504000000000000" pitchFamily="34" charset="0"/>
+              <a:ea typeface="Euclid Circular B" panose="020B0504000000000000" pitchFamily="34" charset="0"/>
+            </a:endParaRPr>
+          </a:p>
+          <a:p>
+            <a:pPr marL="0" indent="0">
+              <a:buNone/>
+            </a:pPr>
+            <a:r>
+              <a:rPr lang="tr-TR" b="1" u="sng" dirty="0">
+                <a:latin typeface="Euclid Circular B" panose="020B0504000000000000" pitchFamily="34" charset="0"/>
+                <a:ea typeface="Euclid Circular B" panose="020B0504000000000000" pitchFamily="34" charset="0"/>
+              </a:rPr>
+              <a:t>Initial Features:</a:t>
+            </a:r>
+          </a:p>
+          <a:p>
+            <a:r>
+              <a:rPr lang="tr-TR" b="1" dirty="0">
+                <a:latin typeface="Euclid Circular B" panose="020B0504000000000000" pitchFamily="34" charset="0"/>
+                <a:ea typeface="Euclid Circular B" panose="020B0504000000000000" pitchFamily="34" charset="0"/>
+              </a:rPr>
+              <a:t>Create </a:t>
+            </a:r>
+            <a:r>
+              <a:rPr lang="tr-TR" dirty="0">
+                <a:latin typeface="Euclid Circular B" panose="020B0504000000000000" pitchFamily="34" charset="0"/>
+                <a:ea typeface="Euclid Circular B" panose="020B0504000000000000" pitchFamily="34" charset="0"/>
+              </a:rPr>
+              <a:t>new solutions &amp; modules</a:t>
+            </a:r>
+          </a:p>
+          <a:p>
+            <a:r>
+              <a:rPr lang="tr-TR" b="1" dirty="0">
+                <a:latin typeface="Euclid Circular B" panose="020B0504000000000000" pitchFamily="34" charset="0"/>
+                <a:ea typeface="Euclid Circular B" panose="020B0504000000000000" pitchFamily="34" charset="0"/>
+              </a:rPr>
+              <a:t>Install</a:t>
+            </a:r>
+            <a:r>
+              <a:rPr lang="tr-TR" dirty="0">
+                <a:latin typeface="Euclid Circular B" panose="020B0504000000000000" pitchFamily="34" charset="0"/>
+                <a:ea typeface="Euclid Circular B" panose="020B0504000000000000" pitchFamily="34" charset="0"/>
+              </a:rPr>
+              <a:t>/uninstall modules</a:t>
+            </a:r>
+          </a:p>
+          <a:p>
+            <a:r>
+              <a:rPr lang="tr-TR" b="1" dirty="0">
+                <a:latin typeface="Euclid Circular B" panose="020B0504000000000000" pitchFamily="34" charset="0"/>
+                <a:ea typeface="Euclid Circular B" panose="020B0504000000000000" pitchFamily="34" charset="0"/>
+              </a:rPr>
+              <a:t>Explore </a:t>
+            </a:r>
+            <a:r>
+              <a:rPr lang="tr-TR" dirty="0">
+                <a:latin typeface="Euclid Circular B" panose="020B0504000000000000" pitchFamily="34" charset="0"/>
+                <a:ea typeface="Euclid Circular B" panose="020B0504000000000000" pitchFamily="34" charset="0"/>
+              </a:rPr>
+              <a:t>your solution and used modules in a high-level view</a:t>
+            </a:r>
+          </a:p>
+          <a:p>
+            <a:r>
+              <a:rPr lang="tr-TR" b="1" dirty="0">
+                <a:latin typeface="Euclid Circular B" panose="020B0504000000000000" pitchFamily="34" charset="0"/>
+                <a:ea typeface="Euclid Circular B" panose="020B0504000000000000" pitchFamily="34" charset="0"/>
+              </a:rPr>
+              <a:t>Build </a:t>
+            </a:r>
+            <a:r>
+              <a:rPr lang="tr-TR" dirty="0">
+                <a:latin typeface="Euclid Circular B" panose="020B0504000000000000" pitchFamily="34" charset="0"/>
+                <a:ea typeface="Euclid Circular B" panose="020B0504000000000000" pitchFamily="34" charset="0"/>
+              </a:rPr>
+              <a:t>monolith-modular and microservice solution structures easier</a:t>
+            </a:r>
+          </a:p>
+          <a:p>
+            <a:r>
+              <a:rPr lang="tr-TR" b="1" dirty="0">
+                <a:latin typeface="Euclid Circular B" panose="020B0504000000000000" pitchFamily="34" charset="0"/>
+                <a:ea typeface="Euclid Circular B" panose="020B0504000000000000" pitchFamily="34" charset="0"/>
+              </a:rPr>
+              <a:t>Run </a:t>
+            </a:r>
+            <a:r>
+              <a:rPr lang="tr-TR" dirty="0">
+                <a:latin typeface="Euclid Circular B" panose="020B0504000000000000" pitchFamily="34" charset="0"/>
+                <a:ea typeface="Euclid Circular B" panose="020B0504000000000000" pitchFamily="34" charset="0"/>
+              </a:rPr>
+              <a:t>multi-application / microservice solutions easily</a:t>
+            </a:r>
+          </a:p>
+          <a:p>
+            <a:r>
+              <a:rPr lang="tr-TR" b="1" dirty="0">
+                <a:latin typeface="Euclid Circular B" panose="020B0504000000000000" pitchFamily="34" charset="0"/>
+                <a:ea typeface="Euclid Circular B" panose="020B0504000000000000" pitchFamily="34" charset="0"/>
+              </a:rPr>
+              <a:t>Kubernetes-integrated</a:t>
+            </a:r>
+            <a:r>
+              <a:rPr lang="tr-TR" dirty="0">
+                <a:latin typeface="Euclid Circular B" panose="020B0504000000000000" pitchFamily="34" charset="0"/>
+                <a:ea typeface="Euclid Circular B" panose="020B0504000000000000" pitchFamily="34" charset="0"/>
+              </a:rPr>
+              <a:t> development environment</a:t>
+            </a:r>
+          </a:p>
+          <a:p>
+            <a:endParaRPr lang="en-US" dirty="0">
+              <a:latin typeface="Euclid Circular B" panose="020B0504000000000000" pitchFamily="34" charset="0"/>
+              <a:ea typeface="Euclid Circular B" panose="020B0504000000000000" pitchFamily="34" charset="0"/>
+            </a:endParaRPr>
           </a:p>
         </p:txBody>
       </p:sp>
     </p:spTree>
     <p:extLst>
       <p:ext uri="{BB962C8B-B14F-4D97-AF65-F5344CB8AC3E}">
-        <p14:creationId xmlns:p14="http://schemas.microsoft.com/office/powerpoint/2010/main" val="667745699"/>
+        <p14:creationId xmlns:p14="http://schemas.microsoft.com/office/powerpoint/2010/main" val="1222627661"/>
       </p:ext>
     </p:extLst>
   </p:cSld>
   <p:clrMapOvr>
     <a:masterClrMapping/>
   </p:clrMapOvr>
+  <p:timing>
+    <p:tnLst>
+      <p:par>
+        <p:cTn id="1" dur="indefinite" restart="never" nodeType="tmRoot">
+          <p:childTnLst>
+            <p:seq concurrent="1" nextAc="seek">
+              <p:cTn id="2" dur="indefinite" nodeType="mainSeq">
+                <p:childTnLst>
+                  <p:par>
+                    <p:cTn id="3" fill="hold">
+                      <p:stCondLst>
+                        <p:cond delay="indefinite"/>
+                      </p:stCondLst>
+                      <p:childTnLst>
+                        <p:par>
+                          <p:cTn id="4" fill="hold">
+                            <p:stCondLst>
+                              <p:cond delay="0"/>
+                            </p:stCondLst>
+                            <p:childTnLst>
+                              <p:par>
+                                <p:cTn id="5" presetID="10" presetClass="entr" presetSubtype="0" fill="hold" nodeType="clickEffect">
+                                  <p:stCondLst>
+                                    <p:cond delay="0"/>
+                                  </p:stCondLst>
+                                  <p:childTnLst>
+                                    <p:set>
+                                      <p:cBhvr>
+                                        <p:cTn id="6" dur="1" fill="hold">
+                                          <p:stCondLst>
+                                            <p:cond delay="0"/>
+                                          </p:stCondLst>
+                                        </p:cTn>
+                                        <p:tgtEl>
+                                          <p:spTgt spid="3">
+                                            <p:txEl>
+                                              <p:pRg st="0" end="0"/>
+                                            </p:txEl>
+                                          </p:spTgt>
+                                        </p:tgtEl>
+                                        <p:attrNameLst>
+                                          <p:attrName>style.visibility</p:attrName>
+                                        </p:attrNameLst>
+                                      </p:cBhvr>
+                                      <p:to>
+                                        <p:strVal val="visible"/>
+                                      </p:to>
+                                    </p:set>
+                                    <p:animEffect transition="in" filter="fade">
+                                      <p:cBhvr>
+                                        <p:cTn id="7" dur="500"/>
+                                        <p:tgtEl>
+                                          <p:spTgt spid="3">
+                                            <p:txEl>
+                                              <p:pRg st="0" end="0"/>
+                                            </p:txEl>
+                                          </p:spTgt>
+                                        </p:tgtEl>
+                                      </p:cBhvr>
+                                    </p:animEffect>
+                                  </p:childTnLst>
+                                </p:cTn>
+                              </p:par>
+                            </p:childTnLst>
+                          </p:cTn>
+                        </p:par>
+                      </p:childTnLst>
+                    </p:cTn>
+                  </p:par>
+                  <p:par>
+                    <p:cTn id="8" fill="hold">
+                      <p:stCondLst>
+                        <p:cond delay="indefinite"/>
+                      </p:stCondLst>
+                      <p:childTnLst>
+                        <p:par>
+                          <p:cTn id="9" fill="hold">
+                            <p:stCondLst>
+                              <p:cond delay="0"/>
+                            </p:stCondLst>
+                            <p:childTnLst>
+                              <p:par>
+                                <p:cTn id="10" presetID="10" presetClass="entr" presetSubtype="0" fill="hold" nodeType="clickEffect">
+                                  <p:stCondLst>
+                                    <p:cond delay="0"/>
+                                  </p:stCondLst>
+                                  <p:childTnLst>
+                                    <p:set>
+                                      <p:cBhvr>
+                                        <p:cTn id="11" dur="1" fill="hold">
+                                          <p:stCondLst>
+                                            <p:cond delay="0"/>
+                                          </p:stCondLst>
+                                        </p:cTn>
+                                        <p:tgtEl>
+                                          <p:spTgt spid="3">
+                                            <p:txEl>
+                                              <p:pRg st="1" end="1"/>
+                                            </p:txEl>
+                                          </p:spTgt>
+                                        </p:tgtEl>
+                                        <p:attrNameLst>
+                                          <p:attrName>style.visibility</p:attrName>
+                                        </p:attrNameLst>
+                                      </p:cBhvr>
+                                      <p:to>
+                                        <p:strVal val="visible"/>
+                                      </p:to>
+                                    </p:set>
+                                    <p:animEffect transition="in" filter="fade">
+                                      <p:cBhvr>
+                                        <p:cTn id="12" dur="500"/>
+                                        <p:tgtEl>
+                                          <p:spTgt spid="3">
+                                            <p:txEl>
+                                              <p:pRg st="1" end="1"/>
+                                            </p:txEl>
+                                          </p:spTgt>
+                                        </p:tgtEl>
+                                      </p:cBhvr>
+                                    </p:animEffect>
+                                  </p:childTnLst>
+                                </p:cTn>
+                              </p:par>
+                            </p:childTnLst>
+                          </p:cTn>
+                        </p:par>
+                      </p:childTnLst>
+                    </p:cTn>
+                  </p:par>
+                  <p:par>
+                    <p:cTn id="13" fill="hold">
+                      <p:stCondLst>
+                        <p:cond delay="indefinite"/>
+                      </p:stCondLst>
+                      <p:childTnLst>
+                        <p:par>
+                          <p:cTn id="14" fill="hold">
+                            <p:stCondLst>
+                              <p:cond delay="0"/>
+                            </p:stCondLst>
+                            <p:childTnLst>
+                              <p:par>
+                                <p:cTn id="15" presetID="10" presetClass="entr" presetSubtype="0" fill="hold" nodeType="clickEffect">
+                                  <p:stCondLst>
+                                    <p:cond delay="0"/>
+                                  </p:stCondLst>
+                                  <p:childTnLst>
+                                    <p:set>
+                                      <p:cBhvr>
+                                        <p:cTn id="16" dur="1" fill="hold">
+                                          <p:stCondLst>
+                                            <p:cond delay="0"/>
+                                          </p:stCondLst>
+                                        </p:cTn>
+                                        <p:tgtEl>
+                                          <p:spTgt spid="3">
+                                            <p:txEl>
+                                              <p:pRg st="2" end="2"/>
+                                            </p:txEl>
+                                          </p:spTgt>
+                                        </p:tgtEl>
+                                        <p:attrNameLst>
+                                          <p:attrName>style.visibility</p:attrName>
+                                        </p:attrNameLst>
+                                      </p:cBhvr>
+                                      <p:to>
+                                        <p:strVal val="visible"/>
+                                      </p:to>
+                                    </p:set>
+                                    <p:animEffect transition="in" filter="fade">
+                                      <p:cBhvr>
+                                        <p:cTn id="17" dur="500"/>
+                                        <p:tgtEl>
+                                          <p:spTgt spid="3">
+                                            <p:txEl>
+                                              <p:pRg st="2" end="2"/>
+                                            </p:txEl>
+                                          </p:spTgt>
+                                        </p:tgtEl>
+                                      </p:cBhvr>
+                                    </p:animEffect>
+                                  </p:childTnLst>
+                                </p:cTn>
+                              </p:par>
+                            </p:childTnLst>
+                          </p:cTn>
+                        </p:par>
+                      </p:childTnLst>
+                    </p:cTn>
+                  </p:par>
+                  <p:par>
+                    <p:cTn id="18" fill="hold">
+                      <p:stCondLst>
+                        <p:cond delay="indefinite"/>
+                      </p:stCondLst>
+                      <p:childTnLst>
+                        <p:par>
+                          <p:cTn id="19" fill="hold">
+                            <p:stCondLst>
+                              <p:cond delay="0"/>
+                            </p:stCondLst>
+                            <p:childTnLst>
+                              <p:par>
+                                <p:cTn id="20" presetID="10" presetClass="entr" presetSubtype="0" fill="hold" nodeType="clickEffect">
+                                  <p:stCondLst>
+                                    <p:cond delay="0"/>
+                                  </p:stCondLst>
+                                  <p:childTnLst>
+                                    <p:set>
+                                      <p:cBhvr>
+                                        <p:cTn id="21" dur="1" fill="hold">
+                                          <p:stCondLst>
+                                            <p:cond delay="0"/>
+                                          </p:stCondLst>
+                                        </p:cTn>
+                                        <p:tgtEl>
+                                          <p:spTgt spid="3">
+                                            <p:txEl>
+                                              <p:pRg st="3" end="3"/>
+                                            </p:txEl>
+                                          </p:spTgt>
+                                        </p:tgtEl>
+                                        <p:attrNameLst>
+                                          <p:attrName>style.visibility</p:attrName>
+                                        </p:attrNameLst>
+                                      </p:cBhvr>
+                                      <p:to>
+                                        <p:strVal val="visible"/>
+                                      </p:to>
+                                    </p:set>
+                                    <p:animEffect transition="in" filter="fade">
+                                      <p:cBhvr>
+                                        <p:cTn id="22" dur="500"/>
+                                        <p:tgtEl>
+                                          <p:spTgt spid="3">
+                                            <p:txEl>
+                                              <p:pRg st="3" end="3"/>
+                                            </p:txEl>
+                                          </p:spTgt>
+                                        </p:tgtEl>
+                                      </p:cBhvr>
+                                    </p:animEffect>
+                                  </p:childTnLst>
+                                </p:cTn>
+                              </p:par>
+                            </p:childTnLst>
+                          </p:cTn>
+                        </p:par>
+                      </p:childTnLst>
+                    </p:cTn>
+                  </p:par>
+                  <p:par>
+                    <p:cTn id="23" fill="hold">
+                      <p:stCondLst>
+                        <p:cond delay="indefinite"/>
+                      </p:stCondLst>
+                      <p:childTnLst>
+                        <p:par>
+                          <p:cTn id="24" fill="hold">
+                            <p:stCondLst>
+                              <p:cond delay="0"/>
+                            </p:stCondLst>
+                            <p:childTnLst>
+                              <p:par>
+                                <p:cTn id="25" presetID="10" presetClass="entr" presetSubtype="0" fill="hold" nodeType="clickEffect">
+                                  <p:stCondLst>
+                                    <p:cond delay="0"/>
+                                  </p:stCondLst>
+                                  <p:childTnLst>
+                                    <p:set>
+                                      <p:cBhvr>
+                                        <p:cTn id="26" dur="1" fill="hold">
+                                          <p:stCondLst>
+                                            <p:cond delay="0"/>
+                                          </p:stCondLst>
+                                        </p:cTn>
+                                        <p:tgtEl>
+                                          <p:spTgt spid="3">
+                                            <p:txEl>
+                                              <p:pRg st="4" end="4"/>
+                                            </p:txEl>
+                                          </p:spTgt>
+                                        </p:tgtEl>
+                                        <p:attrNameLst>
+                                          <p:attrName>style.visibility</p:attrName>
+                                        </p:attrNameLst>
+                                      </p:cBhvr>
+                                      <p:to>
+                                        <p:strVal val="visible"/>
+                                      </p:to>
+                                    </p:set>
+                                    <p:animEffect transition="in" filter="fade">
+                                      <p:cBhvr>
+                                        <p:cTn id="27" dur="500"/>
+                                        <p:tgtEl>
+                                          <p:spTgt spid="3">
+                                            <p:txEl>
+                                              <p:pRg st="4" end="4"/>
+                                            </p:txEl>
+                                          </p:spTgt>
+                                        </p:tgtEl>
+                                      </p:cBhvr>
+                                    </p:animEffect>
+                                  </p:childTnLst>
+                                </p:cTn>
+                              </p:par>
+                            </p:childTnLst>
+                          </p:cTn>
+                        </p:par>
+                      </p:childTnLst>
+                    </p:cTn>
+                  </p:par>
+                  <p:par>
+                    <p:cTn id="28" fill="hold">
+                      <p:stCondLst>
+                        <p:cond delay="indefinite"/>
+                      </p:stCondLst>
+                      <p:childTnLst>
+                        <p:par>
+                          <p:cTn id="29" fill="hold">
+                            <p:stCondLst>
+                              <p:cond delay="0"/>
+                            </p:stCondLst>
+                            <p:childTnLst>
+                              <p:par>
+                                <p:cTn id="30" presetID="10" presetClass="entr" presetSubtype="0" fill="hold" nodeType="clickEffect">
+                                  <p:stCondLst>
+                                    <p:cond delay="0"/>
+                                  </p:stCondLst>
+                                  <p:childTnLst>
+                                    <p:set>
+                                      <p:cBhvr>
+                                        <p:cTn id="31" dur="1" fill="hold">
+                                          <p:stCondLst>
+                                            <p:cond delay="0"/>
+                                          </p:stCondLst>
+                                        </p:cTn>
+                                        <p:tgtEl>
+                                          <p:spTgt spid="3">
+                                            <p:txEl>
+                                              <p:pRg st="5" end="5"/>
+                                            </p:txEl>
+                                          </p:spTgt>
+                                        </p:tgtEl>
+                                        <p:attrNameLst>
+                                          <p:attrName>style.visibility</p:attrName>
+                                        </p:attrNameLst>
+                                      </p:cBhvr>
+                                      <p:to>
+                                        <p:strVal val="visible"/>
+                                      </p:to>
+                                    </p:set>
+                                    <p:animEffect transition="in" filter="fade">
+                                      <p:cBhvr>
+                                        <p:cTn id="32" dur="500"/>
+                                        <p:tgtEl>
+                                          <p:spTgt spid="3">
+                                            <p:txEl>
+                                              <p:pRg st="5" end="5"/>
+                                            </p:txEl>
+                                          </p:spTgt>
+                                        </p:tgtEl>
+                                      </p:cBhvr>
+                                    </p:animEffect>
+                                  </p:childTnLst>
+                                </p:cTn>
+                              </p:par>
+                            </p:childTnLst>
+                          </p:cTn>
+                        </p:par>
+                      </p:childTnLst>
+                    </p:cTn>
+                  </p:par>
+                  <p:par>
+                    <p:cTn id="33" fill="hold">
+                      <p:stCondLst>
+                        <p:cond delay="indefinite"/>
+                      </p:stCondLst>
+                      <p:childTnLst>
+                        <p:par>
+                          <p:cTn id="34" fill="hold">
+                            <p:stCondLst>
+                              <p:cond delay="0"/>
+                            </p:stCondLst>
+                            <p:childTnLst>
+                              <p:par>
+                                <p:cTn id="35" presetID="10" presetClass="entr" presetSubtype="0" fill="hold" nodeType="clickEffect">
+                                  <p:stCondLst>
+                                    <p:cond delay="0"/>
+                                  </p:stCondLst>
+                                  <p:childTnLst>
+                                    <p:set>
+                                      <p:cBhvr>
+                                        <p:cTn id="36" dur="1" fill="hold">
+                                          <p:stCondLst>
+                                            <p:cond delay="0"/>
+                                          </p:stCondLst>
+                                        </p:cTn>
+                                        <p:tgtEl>
+                                          <p:spTgt spid="3">
+                                            <p:txEl>
+                                              <p:pRg st="6" end="6"/>
+                                            </p:txEl>
+                                          </p:spTgt>
+                                        </p:tgtEl>
+                                        <p:attrNameLst>
+                                          <p:attrName>style.visibility</p:attrName>
+                                        </p:attrNameLst>
+                                      </p:cBhvr>
+                                      <p:to>
+                                        <p:strVal val="visible"/>
+                                      </p:to>
+                                    </p:set>
+                                    <p:animEffect transition="in" filter="fade">
+                                      <p:cBhvr>
+                                        <p:cTn id="37" dur="500"/>
+                                        <p:tgtEl>
+                                          <p:spTgt spid="3">
+                                            <p:txEl>
+                                              <p:pRg st="6" end="6"/>
+                                            </p:txEl>
+                                          </p:spTgt>
+                                        </p:tgtEl>
+                                      </p:cBhvr>
+                                    </p:animEffect>
+                                  </p:childTnLst>
+                                </p:cTn>
+                              </p:par>
+                            </p:childTnLst>
+                          </p:cTn>
+                        </p:par>
+                      </p:childTnLst>
+                    </p:cTn>
+                  </p:par>
+                  <p:par>
+                    <p:cTn id="38" fill="hold">
+                      <p:stCondLst>
+                        <p:cond delay="indefinite"/>
+                      </p:stCondLst>
+                      <p:childTnLst>
+                        <p:par>
+                          <p:cTn id="39" fill="hold">
+                            <p:stCondLst>
+                              <p:cond delay="0"/>
+                            </p:stCondLst>
+                            <p:childTnLst>
+                              <p:par>
+                                <p:cTn id="40" presetID="10" presetClass="entr" presetSubtype="0" fill="hold" nodeType="clickEffect">
+                                  <p:stCondLst>
+                                    <p:cond delay="0"/>
+                                  </p:stCondLst>
+                                  <p:childTnLst>
+                                    <p:set>
+                                      <p:cBhvr>
+                                        <p:cTn id="41" dur="1" fill="hold">
+                                          <p:stCondLst>
+                                            <p:cond delay="0"/>
+                                          </p:stCondLst>
+                                        </p:cTn>
+                                        <p:tgtEl>
+                                          <p:spTgt spid="3">
+                                            <p:txEl>
+                                              <p:pRg st="7" end="7"/>
+                                            </p:txEl>
+                                          </p:spTgt>
+                                        </p:tgtEl>
+                                        <p:attrNameLst>
+                                          <p:attrName>style.visibility</p:attrName>
+                                        </p:attrNameLst>
+                                      </p:cBhvr>
+                                      <p:to>
+                                        <p:strVal val="visible"/>
+                                      </p:to>
+                                    </p:set>
+                                    <p:animEffect transition="in" filter="fade">
+                                      <p:cBhvr>
+                                        <p:cTn id="42" dur="500"/>
+                                        <p:tgtEl>
+                                          <p:spTgt spid="3">
+                                            <p:txEl>
+                                              <p:pRg st="7" end="7"/>
+                                            </p:txEl>
+                                          </p:spTgt>
+                                        </p:tgtEl>
+                                      </p:cBhvr>
+                                    </p:animEffect>
+                                  </p:childTnLst>
+                                </p:cTn>
+                              </p:par>
+                            </p:childTnLst>
+                          </p:cTn>
+                        </p:par>
+                      </p:childTnLst>
+                    </p:cTn>
+                  </p:par>
+                  <p:par>
+                    <p:cTn id="43" fill="hold">
+                      <p:stCondLst>
+                        <p:cond delay="indefinite"/>
+                      </p:stCondLst>
+                      <p:childTnLst>
+                        <p:par>
+                          <p:cTn id="44" fill="hold">
+                            <p:stCondLst>
+                              <p:cond delay="0"/>
+                            </p:stCondLst>
+                            <p:childTnLst>
+                              <p:par>
+                                <p:cTn id="45" presetID="10" presetClass="entr" presetSubtype="0" fill="hold" nodeType="clickEffect">
+                                  <p:stCondLst>
+                                    <p:cond delay="0"/>
+                                  </p:stCondLst>
+                                  <p:childTnLst>
+                                    <p:set>
+                                      <p:cBhvr>
+                                        <p:cTn id="46" dur="1" fill="hold">
+                                          <p:stCondLst>
+                                            <p:cond delay="0"/>
+                                          </p:stCondLst>
+                                        </p:cTn>
+                                        <p:tgtEl>
+                                          <p:spTgt spid="3">
+                                            <p:txEl>
+                                              <p:pRg st="8" end="8"/>
+                                            </p:txEl>
+                                          </p:spTgt>
+                                        </p:tgtEl>
+                                        <p:attrNameLst>
+                                          <p:attrName>style.visibility</p:attrName>
+                                        </p:attrNameLst>
+                                      </p:cBhvr>
+                                      <p:to>
+                                        <p:strVal val="visible"/>
+                                      </p:to>
+                                    </p:set>
+                                    <p:animEffect transition="in" filter="fade">
+                                      <p:cBhvr>
+                                        <p:cTn id="47" dur="500"/>
+                                        <p:tgtEl>
+                                          <p:spTgt spid="3">
+                                            <p:txEl>
+                                              <p:pRg st="8" end="8"/>
+                                            </p:txEl>
+                                          </p:spTgt>
+                                        </p:tgtEl>
+                                      </p:cBhvr>
+                                    </p:animEffect>
+                                  </p:childTnLst>
+                                </p:cTn>
+                              </p:par>
+                            </p:childTnLst>
+                          </p:cTn>
+                        </p:par>
+                      </p:childTnLst>
+                    </p:cTn>
+                  </p:par>
+                </p:childTnLst>
+              </p:cTn>
+              <p:prevCondLst>
+                <p:cond evt="onPrev" delay="0">
+                  <p:tgtEl>
+                    <p:sldTgt/>
+                  </p:tgtEl>
+                </p:cond>
+              </p:prevCondLst>
+              <p:nextCondLst>
+                <p:cond evt="onNext" delay="0">
+                  <p:tgtEl>
+                    <p:sldTgt/>
+                  </p:tgtEl>
+                </p:cond>
+              </p:nextCondLst>
+            </p:seq>
+          </p:childTnLst>
+        </p:cTn>
+      </p:par>
+    </p:tnLst>
+  </p:timing>
 </p:sld>
 </file>
 
@@ -7759,15 +8477,9 @@
   <p:cSld>
     <p:bg>
       <p:bgPr>
-        <a:blipFill dpi="0" rotWithShape="1">
-          <a:blip r:embed="rId2">
-            <a:lum/>
-          </a:blip>
-          <a:srcRect/>
-          <a:stretch>
-            <a:fillRect/>
-          </a:stretch>
-        </a:blipFill>
+        <a:solidFill>
+          <a:schemeClr val="bg1"/>
+        </a:solidFill>
         <a:effectLst/>
       </p:bgPr>
     </p:bg>
@@ -7785,6 +8497,66 @@
           <a:chExt cx="0" cy="0"/>
         </a:xfrm>
       </p:grpSpPr>
+      <p:sp useBgFill="1">
+        <p:nvSpPr>
+          <p:cNvPr id="10" name="Rectangle 9">
+            <a:extLst>
+              <a:ext uri="{FF2B5EF4-FFF2-40B4-BE49-F238E27FC236}">
+                <a16:creationId xmlns:a16="http://schemas.microsoft.com/office/drawing/2014/main" id="{79BB35BC-D5C2-4C8B-A22A-A71E6191913B}"/>
+              </a:ext>
+              <a:ext uri="{C183D7F6-B498-43B3-948B-1728B52AA6E4}">
+                <adec:decorative xmlns:adec="http://schemas.microsoft.com/office/drawing/2017/decorative" val="1"/>
+              </a:ext>
+            </a:extLst>
+          </p:cNvPr>
+          <p:cNvSpPr>
+            <a:spLocks noGrp="1" noRot="1" noChangeAspect="1" noMove="1" noResize="1" noEditPoints="1" noAdjustHandles="1" noChangeArrowheads="1" noChangeShapeType="1" noTextEdit="1"/>
+          </p:cNvSpPr>
+          <p:nvPr>
+            <p:extLst>
+              <p:ext uri="{386F3935-93C4-4BCD-93E2-E3B085C9AB24}">
+                <p16:designElem xmlns:p16="http://schemas.microsoft.com/office/powerpoint/2015/main" val="1"/>
+              </p:ext>
+            </p:extLst>
+          </p:nvPr>
+        </p:nvSpPr>
+        <p:spPr>
+          <a:xfrm>
+            <a:off x="0" y="0"/>
+            <a:ext cx="12188952" cy="6858000"/>
+          </a:xfrm>
+          <a:prstGeom prst="rect">
+            <a:avLst/>
+          </a:prstGeom>
+          <a:ln>
+            <a:noFill/>
+          </a:ln>
+        </p:spPr>
+        <p:style>
+          <a:lnRef idx="2">
+            <a:schemeClr val="accent1">
+              <a:shade val="50000"/>
+            </a:schemeClr>
+          </a:lnRef>
+          <a:fillRef idx="1">
+            <a:schemeClr val="accent1"/>
+          </a:fillRef>
+          <a:effectRef idx="0">
+            <a:schemeClr val="accent1"/>
+          </a:effectRef>
+          <a:fontRef idx="minor">
+            <a:schemeClr val="lt1"/>
+          </a:fontRef>
+        </p:style>
+        <p:txBody>
+          <a:bodyPr rtlCol="0" anchor="ctr"/>
+          <a:lstStyle/>
+          <a:p>
+            <a:pPr algn="ctr"/>
+            <a:endParaRPr lang="en-US"/>
+          </a:p>
+        </p:txBody>
+      </p:sp>
       <p:sp>
         <p:nvSpPr>
           <p:cNvPr id="2" name="Title 1">
@@ -7801,37 +8573,415 @@
             <p:ph type="title"/>
           </p:nvPr>
         </p:nvSpPr>
-        <p:spPr/>
+        <p:spPr>
+          <a:xfrm>
+            <a:off x="6513788" y="365125"/>
+            <a:ext cx="4840010" cy="1807305"/>
+          </a:xfrm>
+        </p:spPr>
         <p:txBody>
-          <a:bodyPr/>
+          <a:bodyPr>
+            <a:normAutofit/>
+          </a:bodyPr>
           <a:lstStyle/>
           <a:p>
             <a:r>
               <a:rPr lang="tr-TR" b="1" dirty="0">
-                <a:solidFill>
-                  <a:srgbClr val="292D33"/>
-                </a:solidFill>
                 <a:latin typeface="Euclid Circular B" panose="020B0504000000000000" pitchFamily="34" charset="0"/>
                 <a:ea typeface="Euclid Circular B" panose="020B0504000000000000" pitchFamily="34" charset="0"/>
               </a:rPr>
               <a:t>ABP Studio: Solution Runner</a:t>
             </a:r>
             <a:endParaRPr lang="en-US" b="1" dirty="0">
-              <a:solidFill>
-                <a:srgbClr val="292D33"/>
-              </a:solidFill>
               <a:latin typeface="Euclid Circular B" panose="020B0504000000000000" pitchFamily="34" charset="0"/>
               <a:ea typeface="Euclid Circular B" panose="020B0504000000000000" pitchFamily="34" charset="0"/>
             </a:endParaRPr>
           </a:p>
         </p:txBody>
       </p:sp>
+      <p:pic>
+        <p:nvPicPr>
+          <p:cNvPr id="5" name="Picture 4">
+            <a:extLst>
+              <a:ext uri="{FF2B5EF4-FFF2-40B4-BE49-F238E27FC236}">
+                <a16:creationId xmlns:a16="http://schemas.microsoft.com/office/drawing/2014/main" id="{EFA23198-3B5A-47BE-4684-4D5EBC56B225}"/>
+              </a:ext>
+            </a:extLst>
+          </p:cNvPr>
+          <p:cNvPicPr>
+            <a:picLocks noChangeAspect="1"/>
+          </p:cNvPicPr>
+          <p:nvPr/>
+        </p:nvPicPr>
+        <p:blipFill rotWithShape="1">
+          <a:blip r:embed="rId2"/>
+          <a:srcRect l="2157" r="8655"/>
+          <a:stretch/>
+        </p:blipFill>
+        <p:spPr>
+          <a:xfrm>
+            <a:off x="20" y="10"/>
+            <a:ext cx="6116549" cy="6857990"/>
+          </a:xfrm>
+          <a:custGeom>
+            <a:avLst/>
+            <a:gdLst/>
+            <a:ahLst/>
+            <a:cxnLst/>
+            <a:rect l="l" t="t" r="r" b="b"/>
+            <a:pathLst>
+              <a:path w="6116569" h="6879321">
+                <a:moveTo>
+                  <a:pt x="0" y="0"/>
+                </a:moveTo>
+                <a:lnTo>
+                  <a:pt x="2935851" y="0"/>
+                </a:lnTo>
+                <a:cubicBezTo>
+                  <a:pt x="3035710" y="10660"/>
+                  <a:pt x="3138421" y="17767"/>
+                  <a:pt x="3238280" y="31980"/>
+                </a:cubicBezTo>
+                <a:cubicBezTo>
+                  <a:pt x="3817462" y="106602"/>
+                  <a:pt x="3127009" y="277163"/>
+                  <a:pt x="3660541" y="550772"/>
+                </a:cubicBezTo>
+                <a:cubicBezTo>
+                  <a:pt x="3706191" y="575645"/>
+                  <a:pt x="3757546" y="579199"/>
+                  <a:pt x="3808902" y="589860"/>
+                </a:cubicBezTo>
+                <a:cubicBezTo>
+                  <a:pt x="4008620" y="625393"/>
+                  <a:pt x="4211192" y="618286"/>
+                  <a:pt x="4413762" y="625393"/>
+                </a:cubicBezTo>
+                <a:cubicBezTo>
+                  <a:pt x="4465118" y="628946"/>
+                  <a:pt x="4525033" y="625393"/>
+                  <a:pt x="4567830" y="721333"/>
+                </a:cubicBezTo>
+                <a:cubicBezTo>
+                  <a:pt x="4425175" y="724888"/>
+                  <a:pt x="4305344" y="731994"/>
+                  <a:pt x="4171247" y="792401"/>
+                </a:cubicBezTo>
+                <a:cubicBezTo>
+                  <a:pt x="4239722" y="859916"/>
+                  <a:pt x="4322462" y="795955"/>
+                  <a:pt x="4376671" y="842148"/>
+                </a:cubicBezTo>
+                <a:cubicBezTo>
+                  <a:pt x="4428027" y="888342"/>
+                  <a:pt x="4470824" y="891896"/>
+                  <a:pt x="4527887" y="813722"/>
+                </a:cubicBezTo>
+                <a:cubicBezTo>
+                  <a:pt x="4556417" y="774634"/>
+                  <a:pt x="4604920" y="778187"/>
+                  <a:pt x="4633452" y="799508"/>
+                </a:cubicBezTo>
+                <a:cubicBezTo>
+                  <a:pt x="4781813" y="913216"/>
+                  <a:pt x="4778960" y="909662"/>
+                  <a:pt x="4947293" y="870576"/>
+                </a:cubicBezTo>
+                <a:cubicBezTo>
+                  <a:pt x="5055712" y="845701"/>
+                  <a:pt x="5166983" y="806615"/>
+                  <a:pt x="5263988" y="820828"/>
+                </a:cubicBezTo>
+                <a:cubicBezTo>
+                  <a:pt x="5275401" y="867022"/>
+                  <a:pt x="5263988" y="888342"/>
+                  <a:pt x="5249723" y="895449"/>
+                </a:cubicBezTo>
+                <a:cubicBezTo>
+                  <a:pt x="5021475" y="1005604"/>
+                  <a:pt x="4975825" y="1122864"/>
+                  <a:pt x="4744723" y="1197485"/>
+                </a:cubicBezTo>
+                <a:cubicBezTo>
+                  <a:pt x="4724751" y="1268552"/>
+                  <a:pt x="4807491" y="1275660"/>
+                  <a:pt x="4767548" y="1346727"/>
+                </a:cubicBezTo>
+                <a:cubicBezTo>
+                  <a:pt x="4693367" y="1407134"/>
+                  <a:pt x="4610627" y="1346727"/>
+                  <a:pt x="4539299" y="1421348"/>
+                </a:cubicBezTo>
+                <a:cubicBezTo>
+                  <a:pt x="4550712" y="1471094"/>
+                  <a:pt x="4610627" y="1432008"/>
+                  <a:pt x="4607773" y="1485309"/>
+                </a:cubicBezTo>
+                <a:cubicBezTo>
+                  <a:pt x="4604920" y="1517288"/>
+                  <a:pt x="4593508" y="1527948"/>
+                  <a:pt x="4579242" y="1535055"/>
+                </a:cubicBezTo>
+                <a:cubicBezTo>
+                  <a:pt x="4776107" y="1538608"/>
+                  <a:pt x="5383820" y="1574142"/>
+                  <a:pt x="5278255" y="1609676"/>
+                </a:cubicBezTo>
+                <a:cubicBezTo>
+                  <a:pt x="5418057" y="1698511"/>
+                  <a:pt x="5623481" y="1609676"/>
+                  <a:pt x="5771843" y="1630997"/>
+                </a:cubicBezTo>
+                <a:cubicBezTo>
+                  <a:pt x="5925911" y="1652316"/>
+                  <a:pt x="6171278" y="1719830"/>
+                  <a:pt x="6105656" y="1748257"/>
+                </a:cubicBezTo>
+                <a:cubicBezTo>
+                  <a:pt x="6031475" y="1780238"/>
+                  <a:pt x="5766136" y="2146235"/>
+                  <a:pt x="5691955" y="2167555"/>
+                </a:cubicBezTo>
+                <a:cubicBezTo>
+                  <a:pt x="5606362" y="2188875"/>
+                  <a:pt x="5589243" y="2217302"/>
+                  <a:pt x="5475118" y="2348776"/>
+                </a:cubicBezTo>
+                <a:cubicBezTo>
+                  <a:pt x="5398085" y="2437610"/>
+                  <a:pt x="5709074" y="2238623"/>
+                  <a:pt x="5826051" y="2291922"/>
+                </a:cubicBezTo>
+                <a:cubicBezTo>
+                  <a:pt x="5868848" y="2309690"/>
+                  <a:pt x="5552153" y="2554872"/>
+                  <a:pt x="5552153" y="2597513"/>
+                </a:cubicBezTo>
+                <a:cubicBezTo>
+                  <a:pt x="5549300" y="2640153"/>
+                  <a:pt x="5577831" y="2647260"/>
+                  <a:pt x="5603508" y="2647260"/>
+                </a:cubicBezTo>
+                <a:cubicBezTo>
+                  <a:pt x="5660571" y="2647260"/>
+                  <a:pt x="5640599" y="2686346"/>
+                  <a:pt x="5700515" y="2679240"/>
+                </a:cubicBezTo>
+                <a:cubicBezTo>
+                  <a:pt x="5523622" y="2800055"/>
+                  <a:pt x="5418057" y="2778734"/>
+                  <a:pt x="5246870" y="2888889"/>
+                </a:cubicBezTo>
+                <a:cubicBezTo>
+                  <a:pt x="5164130" y="2942189"/>
+                  <a:pt x="4921615" y="3119857"/>
+                  <a:pt x="4836022" y="3169605"/>
+                </a:cubicBezTo>
+                <a:cubicBezTo>
+                  <a:pt x="4801785" y="3187371"/>
+                  <a:pt x="4758988" y="3173158"/>
+                  <a:pt x="4736163" y="3233565"/>
+                </a:cubicBezTo>
+                <a:cubicBezTo>
+                  <a:pt x="4770400" y="3279759"/>
+                  <a:pt x="4816050" y="3254885"/>
+                  <a:pt x="4853141" y="3233565"/>
+                </a:cubicBezTo>
+                <a:cubicBezTo>
+                  <a:pt x="4944440" y="3176711"/>
+                  <a:pt x="4935881" y="3190925"/>
+                  <a:pt x="4944440" y="3226459"/>
+                </a:cubicBezTo>
+                <a:cubicBezTo>
+                  <a:pt x="4972972" y="3350827"/>
+                  <a:pt x="5044300" y="3308186"/>
+                  <a:pt x="5109921" y="3283313"/>
+                </a:cubicBezTo>
+                <a:cubicBezTo>
+                  <a:pt x="5303932" y="3208692"/>
+                  <a:pt x="5500797" y="3215799"/>
+                  <a:pt x="5694809" y="3141178"/>
+                </a:cubicBezTo>
+                <a:cubicBezTo>
+                  <a:pt x="5714781" y="3134070"/>
+                  <a:pt x="5612068" y="3283313"/>
+                  <a:pt x="5566419" y="3301079"/>
+                </a:cubicBezTo>
+                <a:cubicBezTo>
+                  <a:pt x="5515063" y="3322399"/>
+                  <a:pt x="5452294" y="3311739"/>
+                  <a:pt x="5415203" y="3397020"/>
+                </a:cubicBezTo>
+                <a:cubicBezTo>
+                  <a:pt x="5477972" y="3414787"/>
+                  <a:pt x="5552153" y="3372147"/>
+                  <a:pt x="5612068" y="3432554"/>
+                </a:cubicBezTo>
+                <a:cubicBezTo>
+                  <a:pt x="5469413" y="3528494"/>
+                  <a:pt x="5329610" y="3535601"/>
+                  <a:pt x="5206927" y="3599562"/>
+                </a:cubicBezTo>
+                <a:cubicBezTo>
+                  <a:pt x="5192661" y="3706163"/>
+                  <a:pt x="5272548" y="3663523"/>
+                  <a:pt x="5301079" y="3723930"/>
+                </a:cubicBezTo>
+                <a:cubicBezTo>
+                  <a:pt x="5072830" y="3844745"/>
+                  <a:pt x="4564977" y="4232062"/>
+                  <a:pt x="4507915" y="4306683"/>
+                </a:cubicBezTo>
+                <a:cubicBezTo>
+                  <a:pt x="4390937" y="4463031"/>
+                  <a:pt x="3900202" y="4562525"/>
+                  <a:pt x="3982942" y="4587399"/>
+                </a:cubicBezTo>
+                <a:cubicBezTo>
+                  <a:pt x="4051417" y="4608719"/>
+                  <a:pt x="4119891" y="4587399"/>
+                  <a:pt x="4185513" y="4541205"/>
+                </a:cubicBezTo>
+                <a:cubicBezTo>
+                  <a:pt x="4291078" y="4466584"/>
+                  <a:pt x="5010062" y="4523438"/>
+                  <a:pt x="5212633" y="4455924"/>
+                </a:cubicBezTo>
+                <a:cubicBezTo>
+                  <a:pt x="5241164" y="4445264"/>
+                  <a:pt x="5283960" y="4409730"/>
+                  <a:pt x="5312492" y="4473691"/>
+                </a:cubicBezTo>
+                <a:cubicBezTo>
+                  <a:pt x="5098508" y="4704659"/>
+                  <a:pt x="4833169" y="4654913"/>
+                  <a:pt x="4596361" y="4818368"/>
+                </a:cubicBezTo>
+                <a:cubicBezTo>
+                  <a:pt x="4684807" y="4917861"/>
+                  <a:pt x="4776107" y="4907202"/>
+                  <a:pt x="4873113" y="4885882"/>
+                </a:cubicBezTo>
+                <a:cubicBezTo>
+                  <a:pt x="4895938" y="4878775"/>
+                  <a:pt x="4930175" y="4871668"/>
+                  <a:pt x="4935881" y="4914309"/>
+                </a:cubicBezTo>
+                <a:cubicBezTo>
+                  <a:pt x="4941587" y="4967609"/>
+                  <a:pt x="4898790" y="4978270"/>
+                  <a:pt x="4873113" y="5003143"/>
+                </a:cubicBezTo>
+                <a:cubicBezTo>
+                  <a:pt x="4833169" y="5038676"/>
+                  <a:pt x="4773254" y="4999590"/>
+                  <a:pt x="4721898" y="5095530"/>
+                </a:cubicBezTo>
+                <a:cubicBezTo>
+                  <a:pt x="4873113" y="5067104"/>
+                  <a:pt x="4998650" y="5020910"/>
+                  <a:pt x="5132745" y="4949842"/>
+                </a:cubicBezTo>
+                <a:cubicBezTo>
+                  <a:pt x="5121333" y="5006696"/>
+                  <a:pt x="5081390" y="5035123"/>
+                  <a:pt x="5101362" y="5081317"/>
+                </a:cubicBezTo>
+                <a:cubicBezTo>
+                  <a:pt x="5118480" y="5116850"/>
+                  <a:pt x="5164130" y="5131063"/>
+                  <a:pt x="5138452" y="5198578"/>
+                </a:cubicBezTo>
+                <a:cubicBezTo>
+                  <a:pt x="5067125" y="5273199"/>
+                  <a:pt x="4967265" y="5258986"/>
+                  <a:pt x="4904497" y="5362033"/>
+                </a:cubicBezTo>
+                <a:cubicBezTo>
+                  <a:pt x="4818903" y="5507721"/>
+                  <a:pt x="4684807" y="5564575"/>
+                  <a:pt x="4579242" y="5674729"/>
+                </a:cubicBezTo>
+                <a:cubicBezTo>
+                  <a:pt x="4545005" y="5713816"/>
+                  <a:pt x="4313903" y="5841738"/>
+                  <a:pt x="4253988" y="5884379"/>
+                </a:cubicBezTo>
+                <a:cubicBezTo>
+                  <a:pt x="4168395" y="5944786"/>
+                  <a:pt x="4071389" y="5966106"/>
+                  <a:pt x="3985795" y="6069153"/>
+                </a:cubicBezTo>
+                <a:cubicBezTo>
+                  <a:pt x="4065682" y="6086921"/>
+                  <a:pt x="4134157" y="5990979"/>
+                  <a:pt x="4231163" y="6030066"/>
+                </a:cubicBezTo>
+                <a:cubicBezTo>
+                  <a:pt x="4074242" y="6133114"/>
+                  <a:pt x="3931586" y="6182861"/>
+                  <a:pt x="3814609" y="6317889"/>
+                </a:cubicBezTo>
+                <a:cubicBezTo>
+                  <a:pt x="3800343" y="6335656"/>
+                  <a:pt x="3771812" y="6332102"/>
+                  <a:pt x="3751840" y="6339209"/>
+                </a:cubicBezTo>
+                <a:cubicBezTo>
+                  <a:pt x="3529298" y="6406723"/>
+                  <a:pt x="3309608" y="6467130"/>
+                  <a:pt x="3089919" y="6563071"/>
+                </a:cubicBezTo>
+                <a:cubicBezTo>
+                  <a:pt x="3041416" y="6584392"/>
+                  <a:pt x="2955823" y="6595052"/>
+                  <a:pt x="2961529" y="6662566"/>
+                </a:cubicBezTo>
+                <a:cubicBezTo>
+                  <a:pt x="2972941" y="6765613"/>
+                  <a:pt x="3055681" y="6687439"/>
+                  <a:pt x="3107038" y="6673226"/>
+                </a:cubicBezTo>
+                <a:cubicBezTo>
+                  <a:pt x="3269664" y="6634138"/>
+                  <a:pt x="3432292" y="6570178"/>
+                  <a:pt x="3594919" y="6591499"/>
+                </a:cubicBezTo>
+                <a:cubicBezTo>
+                  <a:pt x="3483648" y="6637693"/>
+                  <a:pt x="3372376" y="6680332"/>
+                  <a:pt x="3261106" y="6726527"/>
+                </a:cubicBezTo>
+                <a:cubicBezTo>
+                  <a:pt x="3386642" y="6705206"/>
+                  <a:pt x="3495061" y="6786934"/>
+                  <a:pt x="3620597" y="6740740"/>
+                </a:cubicBezTo>
+                <a:cubicBezTo>
+                  <a:pt x="3660541" y="6726527"/>
+                  <a:pt x="3700484" y="6765613"/>
+                  <a:pt x="3703337" y="6826020"/>
+                </a:cubicBezTo>
+                <a:cubicBezTo>
+                  <a:pt x="3706191" y="6847340"/>
+                  <a:pt x="3700484" y="6865108"/>
+                  <a:pt x="3689072" y="6879321"/>
+                </a:cubicBezTo>
+                <a:lnTo>
+                  <a:pt x="0" y="6879321"/>
+                </a:lnTo>
+                <a:close/>
+              </a:path>
+            </a:pathLst>
+          </a:custGeom>
+        </p:spPr>
+      </p:pic>
       <p:sp>
         <p:nvSpPr>
-          <p:cNvPr id="6" name="Content Placeholder 2">
-            <a:extLst>
-              <a:ext uri="{FF2B5EF4-FFF2-40B4-BE49-F238E27FC236}">
-                <a16:creationId xmlns:a16="http://schemas.microsoft.com/office/drawing/2014/main" id="{435D6ABC-AF7E-3211-9BCA-2A12F2A2B5DD}"/>
+          <p:cNvPr id="3" name="Content Placeholder 2">
+            <a:extLst>
+              <a:ext uri="{FF2B5EF4-FFF2-40B4-BE49-F238E27FC236}">
+                <a16:creationId xmlns:a16="http://schemas.microsoft.com/office/drawing/2014/main" id="{891C7693-D3DF-4635-96F4-97F3B4136FDF}"/>
               </a:ext>
             </a:extLst>
           </p:cNvPr>
@@ -7844,45 +8994,235 @@
         </p:nvSpPr>
         <p:spPr>
           <a:xfrm>
-            <a:off x="838200" y="1825625"/>
-            <a:ext cx="10515600" cy="4351338"/>
+            <a:off x="6513788" y="2333297"/>
+            <a:ext cx="4840010" cy="3843666"/>
           </a:xfrm>
         </p:spPr>
         <p:txBody>
           <a:bodyPr>
-            <a:normAutofit/>
+            <a:normAutofit lnSpcReduction="10000"/>
           </a:bodyPr>
           <a:lstStyle/>
           <a:p>
-            <a:pPr marL="0" indent="0" algn="ctr">
+            <a:pPr marL="0" indent="0">
               <a:buNone/>
             </a:pPr>
-            <a:endParaRPr lang="tr-TR" sz="4800" i="1" dirty="0">
-              <a:solidFill>
-                <a:srgbClr val="C00000"/>
-              </a:solidFill>
-              <a:latin typeface="Euclid Circular B" panose="020B0504000000000000" pitchFamily="34" charset="0"/>
-              <a:ea typeface="Euclid Circular B" panose="020B0504000000000000" pitchFamily="34" charset="0"/>
-            </a:endParaRPr>
-          </a:p>
-          <a:p>
-            <a:pPr marL="0" indent="0" algn="ctr">
-              <a:buNone/>
-            </a:pPr>
-            <a:r>
-              <a:rPr lang="tr-TR" sz="12000" i="1" dirty="0">
-                <a:solidFill>
-                  <a:srgbClr val="C00000"/>
-                </a:solidFill>
+            <a:r>
+              <a:rPr lang="tr-TR" sz="1600" b="1" u="sng" dirty="0">
                 <a:latin typeface="Euclid Circular B" panose="020B0504000000000000" pitchFamily="34" charset="0"/>
                 <a:ea typeface="Euclid Circular B" panose="020B0504000000000000" pitchFamily="34" charset="0"/>
               </a:rPr>
-              <a:t>DEMO..!</a:t>
-            </a:r>
-            <a:endParaRPr lang="en-US" sz="12000" i="1" dirty="0">
-              <a:solidFill>
-                <a:srgbClr val="C00000"/>
-              </a:solidFill>
+              <a:t>Initial Features:</a:t>
+            </a:r>
+          </a:p>
+          <a:p>
+            <a:r>
+              <a:rPr lang="tr-TR" sz="1600" b="1" dirty="0">
+                <a:latin typeface="Euclid Circular B" panose="020B0504000000000000" pitchFamily="34" charset="0"/>
+                <a:ea typeface="Euclid Circular B" panose="020B0504000000000000" pitchFamily="34" charset="0"/>
+              </a:rPr>
+              <a:t>Run </a:t>
+            </a:r>
+            <a:r>
+              <a:rPr lang="tr-TR" sz="1600" dirty="0">
+                <a:latin typeface="Euclid Circular B" panose="020B0504000000000000" pitchFamily="34" charset="0"/>
+                <a:ea typeface="Euclid Circular B" panose="020B0504000000000000" pitchFamily="34" charset="0"/>
+              </a:rPr>
+              <a:t>a </a:t>
+            </a:r>
+            <a:r>
+              <a:rPr lang="tr-TR" sz="1600" b="1" dirty="0">
+                <a:latin typeface="Euclid Circular B" panose="020B0504000000000000" pitchFamily="34" charset="0"/>
+                <a:ea typeface="Euclid Circular B" panose="020B0504000000000000" pitchFamily="34" charset="0"/>
+              </a:rPr>
+              <a:t>single</a:t>
+            </a:r>
+            <a:r>
+              <a:rPr lang="tr-TR" sz="1600" dirty="0">
+                <a:latin typeface="Euclid Circular B" panose="020B0504000000000000" pitchFamily="34" charset="0"/>
+                <a:ea typeface="Euclid Circular B" panose="020B0504000000000000" pitchFamily="34" charset="0"/>
+              </a:rPr>
+              <a:t>, a </a:t>
+            </a:r>
+            <a:r>
+              <a:rPr lang="tr-TR" sz="1600" b="1" dirty="0">
+                <a:latin typeface="Euclid Circular B" panose="020B0504000000000000" pitchFamily="34" charset="0"/>
+                <a:ea typeface="Euclid Circular B" panose="020B0504000000000000" pitchFamily="34" charset="0"/>
+              </a:rPr>
+              <a:t>group </a:t>
+            </a:r>
+            <a:r>
+              <a:rPr lang="tr-TR" sz="1600" dirty="0">
+                <a:latin typeface="Euclid Circular B" panose="020B0504000000000000" pitchFamily="34" charset="0"/>
+                <a:ea typeface="Euclid Circular B" panose="020B0504000000000000" pitchFamily="34" charset="0"/>
+              </a:rPr>
+              <a:t>of or </a:t>
+            </a:r>
+            <a:r>
+              <a:rPr lang="tr-TR" sz="1600" b="1" dirty="0">
+                <a:latin typeface="Euclid Circular B" panose="020B0504000000000000" pitchFamily="34" charset="0"/>
+                <a:ea typeface="Euclid Circular B" panose="020B0504000000000000" pitchFamily="34" charset="0"/>
+              </a:rPr>
+              <a:t>all </a:t>
+            </a:r>
+            <a:r>
+              <a:rPr lang="tr-TR" sz="1600" dirty="0">
+                <a:latin typeface="Euclid Circular B" panose="020B0504000000000000" pitchFamily="34" charset="0"/>
+                <a:ea typeface="Euclid Circular B" panose="020B0504000000000000" pitchFamily="34" charset="0"/>
+              </a:rPr>
+              <a:t>services with a </a:t>
+            </a:r>
+            <a:r>
+              <a:rPr lang="tr-TR" sz="1600" b="1" dirty="0">
+                <a:latin typeface="Euclid Circular B" panose="020B0504000000000000" pitchFamily="34" charset="0"/>
+                <a:ea typeface="Euclid Circular B" panose="020B0504000000000000" pitchFamily="34" charset="0"/>
+              </a:rPr>
+              <a:t>single-click</a:t>
+            </a:r>
+          </a:p>
+          <a:p>
+            <a:r>
+              <a:rPr lang="tr-TR" sz="1600" b="1" dirty="0">
+                <a:latin typeface="Euclid Circular B" panose="020B0504000000000000" pitchFamily="34" charset="0"/>
+                <a:ea typeface="Euclid Circular B" panose="020B0504000000000000" pitchFamily="34" charset="0"/>
+              </a:rPr>
+              <a:t>Overall </a:t>
+            </a:r>
+            <a:r>
+              <a:rPr lang="tr-TR" sz="1600" dirty="0">
+                <a:latin typeface="Euclid Circular B" panose="020B0504000000000000" pitchFamily="34" charset="0"/>
+                <a:ea typeface="Euclid Circular B" panose="020B0504000000000000" pitchFamily="34" charset="0"/>
+              </a:rPr>
+              <a:t>view: See the running applications, incoming </a:t>
+            </a:r>
+            <a:r>
+              <a:rPr lang="tr-TR" sz="1600" b="1" dirty="0">
+                <a:latin typeface="Euclid Circular B" panose="020B0504000000000000" pitchFamily="34" charset="0"/>
+                <a:ea typeface="Euclid Circular B" panose="020B0504000000000000" pitchFamily="34" charset="0"/>
+              </a:rPr>
+              <a:t>request and exception counts </a:t>
+            </a:r>
+            <a:r>
+              <a:rPr lang="tr-TR" sz="1600" dirty="0">
+                <a:latin typeface="Euclid Circular B" panose="020B0504000000000000" pitchFamily="34" charset="0"/>
+                <a:ea typeface="Euclid Circular B" panose="020B0504000000000000" pitchFamily="34" charset="0"/>
+              </a:rPr>
+              <a:t>for each application.</a:t>
+            </a:r>
+          </a:p>
+          <a:p>
+            <a:r>
+              <a:rPr lang="tr-TR" sz="1600" b="1" dirty="0">
+                <a:latin typeface="Euclid Circular B" panose="020B0504000000000000" pitchFamily="34" charset="0"/>
+                <a:ea typeface="Euclid Circular B" panose="020B0504000000000000" pitchFamily="34" charset="0"/>
+              </a:rPr>
+              <a:t>HTTP Requests</a:t>
+            </a:r>
+            <a:r>
+              <a:rPr lang="tr-TR" sz="1600" dirty="0">
+                <a:latin typeface="Euclid Circular B" panose="020B0504000000000000" pitchFamily="34" charset="0"/>
+                <a:ea typeface="Euclid Circular B" panose="020B0504000000000000" pitchFamily="34" charset="0"/>
+              </a:rPr>
+              <a:t>: See all the HTTP requests in the system as real-time, with all request and response details.</a:t>
+            </a:r>
+          </a:p>
+          <a:p>
+            <a:r>
+              <a:rPr lang="tr-TR" sz="1600" b="1" dirty="0">
+                <a:latin typeface="Euclid Circular B" panose="020B0504000000000000" pitchFamily="34" charset="0"/>
+                <a:ea typeface="Euclid Circular B" panose="020B0504000000000000" pitchFamily="34" charset="0"/>
+              </a:rPr>
+              <a:t>Exceptions</a:t>
+            </a:r>
+            <a:r>
+              <a:rPr lang="tr-TR" sz="1600" dirty="0">
+                <a:latin typeface="Euclid Circular B" panose="020B0504000000000000" pitchFamily="34" charset="0"/>
+                <a:ea typeface="Euclid Circular B" panose="020B0504000000000000" pitchFamily="34" charset="0"/>
+              </a:rPr>
+              <a:t>: See exceptions in any service as real-time with the exception message and stacktrace, easily </a:t>
+            </a:r>
+            <a:r>
+              <a:rPr lang="tr-TR" sz="1600" b="1" dirty="0">
+                <a:latin typeface="Euclid Circular B" panose="020B0504000000000000" pitchFamily="34" charset="0"/>
+                <a:ea typeface="Euclid Circular B" panose="020B0504000000000000" pitchFamily="34" charset="0"/>
+              </a:rPr>
+              <a:t>filter </a:t>
+            </a:r>
+            <a:r>
+              <a:rPr lang="tr-TR" sz="1600" dirty="0">
+                <a:latin typeface="Euclid Circular B" panose="020B0504000000000000" pitchFamily="34" charset="0"/>
+                <a:ea typeface="Euclid Circular B" panose="020B0504000000000000" pitchFamily="34" charset="0"/>
+              </a:rPr>
+              <a:t>and </a:t>
+            </a:r>
+            <a:r>
+              <a:rPr lang="tr-TR" sz="1600" b="1" dirty="0">
+                <a:latin typeface="Euclid Circular B" panose="020B0504000000000000" pitchFamily="34" charset="0"/>
+                <a:ea typeface="Euclid Circular B" panose="020B0504000000000000" pitchFamily="34" charset="0"/>
+              </a:rPr>
+              <a:t>search</a:t>
+            </a:r>
+          </a:p>
+          <a:p>
+            <a:r>
+              <a:rPr lang="tr-TR" sz="1600" b="1" dirty="0">
+                <a:latin typeface="Euclid Circular B" panose="020B0504000000000000" pitchFamily="34" charset="0"/>
+                <a:ea typeface="Euclid Circular B" panose="020B0504000000000000" pitchFamily="34" charset="0"/>
+              </a:rPr>
+              <a:t>Logs</a:t>
+            </a:r>
+            <a:r>
+              <a:rPr lang="tr-TR" sz="1600" dirty="0">
+                <a:latin typeface="Euclid Circular B" panose="020B0504000000000000" pitchFamily="34" charset="0"/>
+                <a:ea typeface="Euclid Circular B" panose="020B0504000000000000" pitchFamily="34" charset="0"/>
+              </a:rPr>
+              <a:t>: Show and </a:t>
+            </a:r>
+            <a:r>
+              <a:rPr lang="tr-TR" sz="1600" b="1" dirty="0">
+                <a:latin typeface="Euclid Circular B" panose="020B0504000000000000" pitchFamily="34" charset="0"/>
+                <a:ea typeface="Euclid Circular B" panose="020B0504000000000000" pitchFamily="34" charset="0"/>
+              </a:rPr>
+              <a:t>search </a:t>
+            </a:r>
+            <a:r>
+              <a:rPr lang="tr-TR" sz="1600" dirty="0">
+                <a:latin typeface="Euclid Circular B" panose="020B0504000000000000" pitchFamily="34" charset="0"/>
+                <a:ea typeface="Euclid Circular B" panose="020B0504000000000000" pitchFamily="34" charset="0"/>
+              </a:rPr>
+              <a:t>in full logs of all applications</a:t>
+            </a:r>
+          </a:p>
+          <a:p>
+            <a:r>
+              <a:rPr lang="tr-TR" sz="1600" b="1" dirty="0">
+                <a:latin typeface="Euclid Circular B" panose="020B0504000000000000" pitchFamily="34" charset="0"/>
+                <a:ea typeface="Euclid Circular B" panose="020B0504000000000000" pitchFamily="34" charset="0"/>
+              </a:rPr>
+              <a:t>Browse</a:t>
+            </a:r>
+            <a:r>
+              <a:rPr lang="tr-TR" sz="1600" dirty="0">
+                <a:latin typeface="Euclid Circular B" panose="020B0504000000000000" pitchFamily="34" charset="0"/>
+                <a:ea typeface="Euclid Circular B" panose="020B0504000000000000" pitchFamily="34" charset="0"/>
+              </a:rPr>
+              <a:t>: Browse the UI of any application with the </a:t>
+            </a:r>
+            <a:r>
+              <a:rPr lang="tr-TR" sz="1600" b="1" dirty="0">
+                <a:latin typeface="Euclid Circular B" panose="020B0504000000000000" pitchFamily="34" charset="0"/>
+                <a:ea typeface="Euclid Circular B" panose="020B0504000000000000" pitchFamily="34" charset="0"/>
+              </a:rPr>
+              <a:t>built-in browser</a:t>
+            </a:r>
+            <a:r>
+              <a:rPr lang="tr-TR" sz="1600" dirty="0">
+                <a:latin typeface="Euclid Circular B" panose="020B0504000000000000" pitchFamily="34" charset="0"/>
+                <a:ea typeface="Euclid Circular B" panose="020B0504000000000000" pitchFamily="34" charset="0"/>
+              </a:rPr>
+              <a:t>!</a:t>
+            </a:r>
+            <a:endParaRPr lang="en-US" sz="1600" dirty="0">
               <a:latin typeface="Euclid Circular B" panose="020B0504000000000000" pitchFamily="34" charset="0"/>
               <a:ea typeface="Euclid Circular B" panose="020B0504000000000000" pitchFamily="34" charset="0"/>
             </a:endParaRPr>
@@ -7892,7 +9232,7 @@
     </p:spTree>
     <p:extLst>
       <p:ext uri="{BB962C8B-B14F-4D97-AF65-F5344CB8AC3E}">
-        <p14:creationId xmlns:p14="http://schemas.microsoft.com/office/powerpoint/2010/main" val="228551560"/>
+        <p14:creationId xmlns:p14="http://schemas.microsoft.com/office/powerpoint/2010/main" val="777146770"/>
       </p:ext>
     </p:extLst>
   </p:cSld>
@@ -9105,24 +10445,31 @@
           <a:lstStyle/>
           <a:p>
             <a:r>
-              <a:rPr lang="en-US" b="1" dirty="0">
+              <a:rPr lang="tr-TR" b="1" dirty="0">
                 <a:solidFill>
                   <a:srgbClr val="292D33"/>
                 </a:solidFill>
                 <a:latin typeface="Euclid Circular B" panose="020B0504000000000000" pitchFamily="34" charset="0"/>
                 <a:ea typeface="Euclid Circular B" panose="020B0504000000000000" pitchFamily="34" charset="0"/>
               </a:rPr>
-              <a:t>Topic title</a:t>
-            </a:r>
+              <a:t>ABP Studio: Solution Runner</a:t>
+            </a:r>
+            <a:endParaRPr lang="en-US" b="1" dirty="0">
+              <a:solidFill>
+                <a:srgbClr val="292D33"/>
+              </a:solidFill>
+              <a:latin typeface="Euclid Circular B" panose="020B0504000000000000" pitchFamily="34" charset="0"/>
+              <a:ea typeface="Euclid Circular B" panose="020B0504000000000000" pitchFamily="34" charset="0"/>
+            </a:endParaRPr>
           </a:p>
         </p:txBody>
       </p:sp>
       <p:sp>
         <p:nvSpPr>
-          <p:cNvPr id="3" name="Content Placeholder 2">
-            <a:extLst>
-              <a:ext uri="{FF2B5EF4-FFF2-40B4-BE49-F238E27FC236}">
-                <a16:creationId xmlns:a16="http://schemas.microsoft.com/office/drawing/2014/main" id="{891C7693-D3DF-4635-96F4-97F3B4136FDF}"/>
+          <p:cNvPr id="6" name="Content Placeholder 2">
+            <a:extLst>
+              <a:ext uri="{FF2B5EF4-FFF2-40B4-BE49-F238E27FC236}">
+                <a16:creationId xmlns:a16="http://schemas.microsoft.com/office/drawing/2014/main" id="{435D6ABC-AF7E-3211-9BCA-2A12F2A2B5DD}"/>
               </a:ext>
             </a:extLst>
           </p:cNvPr>
@@ -9133,25 +10480,57 @@
             <p:ph idx="1"/>
           </p:nvPr>
         </p:nvSpPr>
-        <p:spPr/>
+        <p:spPr>
+          <a:xfrm>
+            <a:off x="838200" y="1825625"/>
+            <a:ext cx="10515600" cy="4351338"/>
+          </a:xfrm>
+        </p:spPr>
         <p:txBody>
-          <a:bodyPr/>
+          <a:bodyPr>
+            <a:normAutofit/>
+          </a:bodyPr>
           <a:lstStyle/>
           <a:p>
-            <a:r>
-              <a:rPr lang="en-US" dirty="0">
+            <a:pPr marL="0" indent="0" algn="ctr">
+              <a:buNone/>
+            </a:pPr>
+            <a:endParaRPr lang="tr-TR" sz="4800" i="1" dirty="0">
+              <a:solidFill>
+                <a:srgbClr val="C00000"/>
+              </a:solidFill>
+              <a:latin typeface="Euclid Circular B" panose="020B0504000000000000" pitchFamily="34" charset="0"/>
+              <a:ea typeface="Euclid Circular B" panose="020B0504000000000000" pitchFamily="34" charset="0"/>
+            </a:endParaRPr>
+          </a:p>
+          <a:p>
+            <a:pPr marL="0" indent="0" algn="ctr">
+              <a:buNone/>
+            </a:pPr>
+            <a:r>
+              <a:rPr lang="tr-TR" sz="12000" i="1" dirty="0">
+                <a:solidFill>
+                  <a:srgbClr val="C00000"/>
+                </a:solidFill>
                 <a:latin typeface="Euclid Circular B" panose="020B0504000000000000" pitchFamily="34" charset="0"/>
                 <a:ea typeface="Euclid Circular B" panose="020B0504000000000000" pitchFamily="34" charset="0"/>
               </a:rPr>
-              <a:t>Content</a:t>
-            </a:r>
+              <a:t>DEMO..!</a:t>
+            </a:r>
+            <a:endParaRPr lang="en-US" sz="12000" i="1" dirty="0">
+              <a:solidFill>
+                <a:srgbClr val="C00000"/>
+              </a:solidFill>
+              <a:latin typeface="Euclid Circular B" panose="020B0504000000000000" pitchFamily="34" charset="0"/>
+              <a:ea typeface="Euclid Circular B" panose="020B0504000000000000" pitchFamily="34" charset="0"/>
+            </a:endParaRPr>
           </a:p>
         </p:txBody>
       </p:sp>
     </p:spTree>
     <p:extLst>
       <p:ext uri="{BB962C8B-B14F-4D97-AF65-F5344CB8AC3E}">
-        <p14:creationId xmlns:p14="http://schemas.microsoft.com/office/powerpoint/2010/main" val="3906135550"/>
+        <p14:creationId xmlns:p14="http://schemas.microsoft.com/office/powerpoint/2010/main" val="228551560"/>
       </p:ext>
     </p:extLst>
   </p:cSld>
@@ -9260,7 +10639,7 @@
     </p:spTree>
     <p:extLst>
       <p:ext uri="{BB962C8B-B14F-4D97-AF65-F5344CB8AC3E}">
-        <p14:creationId xmlns:p14="http://schemas.microsoft.com/office/powerpoint/2010/main" val="1647554329"/>
+        <p14:creationId xmlns:p14="http://schemas.microsoft.com/office/powerpoint/2010/main" val="3906135550"/>
       </p:ext>
     </p:extLst>
   </p:cSld>
@@ -9369,7 +10748,7 @@
     </p:spTree>
     <p:extLst>
       <p:ext uri="{BB962C8B-B14F-4D97-AF65-F5344CB8AC3E}">
-        <p14:creationId xmlns:p14="http://schemas.microsoft.com/office/powerpoint/2010/main" val="2126704615"/>
+        <p14:creationId xmlns:p14="http://schemas.microsoft.com/office/powerpoint/2010/main" val="1647554329"/>
       </p:ext>
     </p:extLst>
   </p:cSld>
@@ -9478,7 +10857,7 @@
     </p:spTree>
     <p:extLst>
       <p:ext uri="{BB962C8B-B14F-4D97-AF65-F5344CB8AC3E}">
-        <p14:creationId xmlns:p14="http://schemas.microsoft.com/office/powerpoint/2010/main" val="927134514"/>
+        <p14:creationId xmlns:p14="http://schemas.microsoft.com/office/powerpoint/2010/main" val="2126704615"/>
       </p:ext>
     </p:extLst>
   </p:cSld>
@@ -9587,7 +10966,7 @@
     </p:spTree>
     <p:extLst>
       <p:ext uri="{BB962C8B-B14F-4D97-AF65-F5344CB8AC3E}">
-        <p14:creationId xmlns:p14="http://schemas.microsoft.com/office/powerpoint/2010/main" val="641461654"/>
+        <p14:creationId xmlns:p14="http://schemas.microsoft.com/office/powerpoint/2010/main" val="927134514"/>
       </p:ext>
     </p:extLst>
   </p:cSld>
@@ -9696,7 +11075,7 @@
     </p:spTree>
     <p:extLst>
       <p:ext uri="{BB962C8B-B14F-4D97-AF65-F5344CB8AC3E}">
-        <p14:creationId xmlns:p14="http://schemas.microsoft.com/office/powerpoint/2010/main" val="2810211328"/>
+        <p14:creationId xmlns:p14="http://schemas.microsoft.com/office/powerpoint/2010/main" val="641461654"/>
       </p:ext>
     </p:extLst>
   </p:cSld>
@@ -9805,7 +11184,7 @@
     </p:spTree>
     <p:extLst>
       <p:ext uri="{BB962C8B-B14F-4D97-AF65-F5344CB8AC3E}">
-        <p14:creationId xmlns:p14="http://schemas.microsoft.com/office/powerpoint/2010/main" val="895767816"/>
+        <p14:creationId xmlns:p14="http://schemas.microsoft.com/office/powerpoint/2010/main" val="2810211328"/>
       </p:ext>
     </p:extLst>
   </p:cSld>
@@ -9914,7 +11293,7 @@
     </p:spTree>
     <p:extLst>
       <p:ext uri="{BB962C8B-B14F-4D97-AF65-F5344CB8AC3E}">
-        <p14:creationId xmlns:p14="http://schemas.microsoft.com/office/powerpoint/2010/main" val="1363764961"/>
+        <p14:creationId xmlns:p14="http://schemas.microsoft.com/office/powerpoint/2010/main" val="895767816"/>
       </p:ext>
     </p:extLst>
   </p:cSld>
@@ -10023,7 +11402,7 @@
     </p:spTree>
     <p:extLst>
       <p:ext uri="{BB962C8B-B14F-4D97-AF65-F5344CB8AC3E}">
-        <p14:creationId xmlns:p14="http://schemas.microsoft.com/office/powerpoint/2010/main" val="2960361966"/>
+        <p14:creationId xmlns:p14="http://schemas.microsoft.com/office/powerpoint/2010/main" val="1363764961"/>
       </p:ext>
     </p:extLst>
   </p:cSld>
@@ -10132,7 +11511,7 @@
     </p:spTree>
     <p:extLst>
       <p:ext uri="{BB962C8B-B14F-4D97-AF65-F5344CB8AC3E}">
-        <p14:creationId xmlns:p14="http://schemas.microsoft.com/office/powerpoint/2010/main" val="1720385134"/>
+        <p14:creationId xmlns:p14="http://schemas.microsoft.com/office/powerpoint/2010/main" val="2960361966"/>
       </p:ext>
     </p:extLst>
   </p:cSld>
@@ -10683,7 +12062,7 @@
     </p:spTree>
     <p:extLst>
       <p:ext uri="{BB962C8B-B14F-4D97-AF65-F5344CB8AC3E}">
-        <p14:creationId xmlns:p14="http://schemas.microsoft.com/office/powerpoint/2010/main" val="48548191"/>
+        <p14:creationId xmlns:p14="http://schemas.microsoft.com/office/powerpoint/2010/main" val="1720385134"/>
       </p:ext>
     </p:extLst>
   </p:cSld>
@@ -10792,7 +12171,7 @@
     </p:spTree>
     <p:extLst>
       <p:ext uri="{BB962C8B-B14F-4D97-AF65-F5344CB8AC3E}">
-        <p14:creationId xmlns:p14="http://schemas.microsoft.com/office/powerpoint/2010/main" val="235997505"/>
+        <p14:creationId xmlns:p14="http://schemas.microsoft.com/office/powerpoint/2010/main" val="48548191"/>
       </p:ext>
     </p:extLst>
   </p:cSld>
@@ -10901,7 +12280,7 @@
     </p:spTree>
     <p:extLst>
       <p:ext uri="{BB962C8B-B14F-4D97-AF65-F5344CB8AC3E}">
-        <p14:creationId xmlns:p14="http://schemas.microsoft.com/office/powerpoint/2010/main" val="90997006"/>
+        <p14:creationId xmlns:p14="http://schemas.microsoft.com/office/powerpoint/2010/main" val="235997505"/>
       </p:ext>
     </p:extLst>
   </p:cSld>
@@ -11010,7 +12389,7 @@
     </p:spTree>
     <p:extLst>
       <p:ext uri="{BB962C8B-B14F-4D97-AF65-F5344CB8AC3E}">
-        <p14:creationId xmlns:p14="http://schemas.microsoft.com/office/powerpoint/2010/main" val="1732381805"/>
+        <p14:creationId xmlns:p14="http://schemas.microsoft.com/office/powerpoint/2010/main" val="90997006"/>
       </p:ext>
     </p:extLst>
   </p:cSld>
@@ -11119,7 +12498,7 @@
     </p:spTree>
     <p:extLst>
       <p:ext uri="{BB962C8B-B14F-4D97-AF65-F5344CB8AC3E}">
-        <p14:creationId xmlns:p14="http://schemas.microsoft.com/office/powerpoint/2010/main" val="3392842696"/>
+        <p14:creationId xmlns:p14="http://schemas.microsoft.com/office/powerpoint/2010/main" val="1732381805"/>
       </p:ext>
     </p:extLst>
   </p:cSld>
@@ -11228,7 +12607,7 @@
     </p:spTree>
     <p:extLst>
       <p:ext uri="{BB962C8B-B14F-4D97-AF65-F5344CB8AC3E}">
-        <p14:creationId xmlns:p14="http://schemas.microsoft.com/office/powerpoint/2010/main" val="1311148505"/>
+        <p14:creationId xmlns:p14="http://schemas.microsoft.com/office/powerpoint/2010/main" val="3392842696"/>
       </p:ext>
     </p:extLst>
   </p:cSld>
@@ -11337,7 +12716,7 @@
     </p:spTree>
     <p:extLst>
       <p:ext uri="{BB962C8B-B14F-4D97-AF65-F5344CB8AC3E}">
-        <p14:creationId xmlns:p14="http://schemas.microsoft.com/office/powerpoint/2010/main" val="1245847436"/>
+        <p14:creationId xmlns:p14="http://schemas.microsoft.com/office/powerpoint/2010/main" val="1311148505"/>
       </p:ext>
     </p:extLst>
   </p:cSld>
@@ -11446,7 +12825,7 @@
     </p:spTree>
     <p:extLst>
       <p:ext uri="{BB962C8B-B14F-4D97-AF65-F5344CB8AC3E}">
-        <p14:creationId xmlns:p14="http://schemas.microsoft.com/office/powerpoint/2010/main" val="1918954769"/>
+        <p14:creationId xmlns:p14="http://schemas.microsoft.com/office/powerpoint/2010/main" val="1245847436"/>
       </p:ext>
     </p:extLst>
   </p:cSld>
@@ -11555,7 +12934,7 @@
     </p:spTree>
     <p:extLst>
       <p:ext uri="{BB962C8B-B14F-4D97-AF65-F5344CB8AC3E}">
-        <p14:creationId xmlns:p14="http://schemas.microsoft.com/office/powerpoint/2010/main" val="829924890"/>
+        <p14:creationId xmlns:p14="http://schemas.microsoft.com/office/powerpoint/2010/main" val="1918954769"/>
       </p:ext>
     </p:extLst>
   </p:cSld>
@@ -11664,7 +13043,7 @@
     </p:spTree>
     <p:extLst>
       <p:ext uri="{BB962C8B-B14F-4D97-AF65-F5344CB8AC3E}">
-        <p14:creationId xmlns:p14="http://schemas.microsoft.com/office/powerpoint/2010/main" val="618875991"/>
+        <p14:creationId xmlns:p14="http://schemas.microsoft.com/office/powerpoint/2010/main" val="829924890"/>
       </p:ext>
     </p:extLst>
   </p:cSld>
@@ -11752,6 +13131,115 @@
     <p:extLst>
       <p:ext uri="{BB962C8B-B14F-4D97-AF65-F5344CB8AC3E}">
         <p14:creationId xmlns:p14="http://schemas.microsoft.com/office/powerpoint/2010/main" val="3891773111"/>
+      </p:ext>
+    </p:extLst>
+  </p:cSld>
+  <p:clrMapOvr>
+    <a:masterClrMapping/>
+  </p:clrMapOvr>
+</p:sld>
+</file>
+
+<file path=ppt/slides/slide40.xml><?xml version="1.0" encoding="utf-8"?>
+<p:sld xmlns:a="http://schemas.openxmlformats.org/drawingml/2006/main" xmlns:r="http://schemas.openxmlformats.org/officeDocument/2006/relationships" xmlns:p="http://schemas.openxmlformats.org/presentationml/2006/main">
+  <p:cSld>
+    <p:bg>
+      <p:bgPr>
+        <a:blipFill dpi="0" rotWithShape="1">
+          <a:blip r:embed="rId2">
+            <a:lum/>
+          </a:blip>
+          <a:srcRect/>
+          <a:stretch>
+            <a:fillRect/>
+          </a:stretch>
+        </a:blipFill>
+        <a:effectLst/>
+      </p:bgPr>
+    </p:bg>
+    <p:spTree>
+      <p:nvGrpSpPr>
+        <p:cNvPr id="1" name=""/>
+        <p:cNvGrpSpPr/>
+        <p:nvPr/>
+      </p:nvGrpSpPr>
+      <p:grpSpPr>
+        <a:xfrm>
+          <a:off x="0" y="0"/>
+          <a:ext cx="0" cy="0"/>
+          <a:chOff x="0" y="0"/>
+          <a:chExt cx="0" cy="0"/>
+        </a:xfrm>
+      </p:grpSpPr>
+      <p:sp>
+        <p:nvSpPr>
+          <p:cNvPr id="2" name="Title 1">
+            <a:extLst>
+              <a:ext uri="{FF2B5EF4-FFF2-40B4-BE49-F238E27FC236}">
+                <a16:creationId xmlns:a16="http://schemas.microsoft.com/office/drawing/2014/main" id="{55E11F08-6CA0-48F1-AD67-97430DDA07F0}"/>
+              </a:ext>
+            </a:extLst>
+          </p:cNvPr>
+          <p:cNvSpPr>
+            <a:spLocks noGrp="1"/>
+          </p:cNvSpPr>
+          <p:nvPr>
+            <p:ph type="title"/>
+          </p:nvPr>
+        </p:nvSpPr>
+        <p:spPr/>
+        <p:txBody>
+          <a:bodyPr/>
+          <a:lstStyle/>
+          <a:p>
+            <a:r>
+              <a:rPr lang="en-US" b="1" dirty="0">
+                <a:solidFill>
+                  <a:srgbClr val="292D33"/>
+                </a:solidFill>
+                <a:latin typeface="Euclid Circular B" panose="020B0504000000000000" pitchFamily="34" charset="0"/>
+                <a:ea typeface="Euclid Circular B" panose="020B0504000000000000" pitchFamily="34" charset="0"/>
+              </a:rPr>
+              <a:t>Topic title</a:t>
+            </a:r>
+          </a:p>
+        </p:txBody>
+      </p:sp>
+      <p:sp>
+        <p:nvSpPr>
+          <p:cNvPr id="3" name="Content Placeholder 2">
+            <a:extLst>
+              <a:ext uri="{FF2B5EF4-FFF2-40B4-BE49-F238E27FC236}">
+                <a16:creationId xmlns:a16="http://schemas.microsoft.com/office/drawing/2014/main" id="{891C7693-D3DF-4635-96F4-97F3B4136FDF}"/>
+              </a:ext>
+            </a:extLst>
+          </p:cNvPr>
+          <p:cNvSpPr>
+            <a:spLocks noGrp="1"/>
+          </p:cNvSpPr>
+          <p:nvPr>
+            <p:ph idx="1"/>
+          </p:nvPr>
+        </p:nvSpPr>
+        <p:spPr/>
+        <p:txBody>
+          <a:bodyPr/>
+          <a:lstStyle/>
+          <a:p>
+            <a:r>
+              <a:rPr lang="en-US" dirty="0">
+                <a:latin typeface="Euclid Circular B" panose="020B0504000000000000" pitchFamily="34" charset="0"/>
+                <a:ea typeface="Euclid Circular B" panose="020B0504000000000000" pitchFamily="34" charset="0"/>
+              </a:rPr>
+              <a:t>Content</a:t>
+            </a:r>
+          </a:p>
+        </p:txBody>
+      </p:sp>
+    </p:spTree>
+    <p:extLst>
+      <p:ext uri="{BB962C8B-B14F-4D97-AF65-F5344CB8AC3E}">
+        <p14:creationId xmlns:p14="http://schemas.microsoft.com/office/powerpoint/2010/main" val="618875991"/>
       </p:ext>
     </p:extLst>
   </p:cSld>
@@ -17137,16 +18625,45 @@
           <a:lstStyle/>
           <a:p>
             <a:r>
-              <a:rPr lang="tr-TR" sz="4000" b="1" dirty="0">
+              <a:rPr lang="tr-TR" sz="4800" b="1" i="1" dirty="0">
                 <a:solidFill>
                   <a:srgbClr val="292D33"/>
                 </a:solidFill>
                 <a:latin typeface="Euclid Circular B" panose="020B0504000000000000" pitchFamily="34" charset="0"/>
                 <a:ea typeface="Euclid Circular B" panose="020B0504000000000000" pitchFamily="34" charset="0"/>
               </a:rPr>
+              <a:t>THE </a:t>
+            </a:r>
+            <a:r>
+              <a:rPr lang="tr-TR" sz="4800" b="1" dirty="0">
+                <a:solidFill>
+                  <a:srgbClr val="292D33"/>
+                </a:solidFill>
+                <a:latin typeface="Euclid Circular B" panose="020B0504000000000000" pitchFamily="34" charset="0"/>
+                <a:ea typeface="Euclid Circular B" panose="020B0504000000000000" pitchFamily="34" charset="0"/>
+              </a:rPr>
               <a:t>PROJECT TYE</a:t>
             </a:r>
-            <a:endParaRPr lang="en-US" sz="4000" b="1" dirty="0">
+            <a:br>
+              <a:rPr lang="tr-TR" sz="4800" b="1" dirty="0">
+                <a:solidFill>
+                  <a:srgbClr val="292D33"/>
+                </a:solidFill>
+                <a:latin typeface="Euclid Circular B" panose="020B0504000000000000" pitchFamily="34" charset="0"/>
+                <a:ea typeface="Euclid Circular B" panose="020B0504000000000000" pitchFamily="34" charset="0"/>
+              </a:rPr>
+            </a:br>
+            <a:r>
+              <a:rPr lang="tr-TR" sz="3200" dirty="0">
+                <a:solidFill>
+                  <a:srgbClr val="292D33"/>
+                </a:solidFill>
+                <a:latin typeface="Euclid Circular B" panose="020B0504000000000000" pitchFamily="34" charset="0"/>
+                <a:ea typeface="Euclid Circular B" panose="020B0504000000000000" pitchFamily="34" charset="0"/>
+              </a:rPr>
+              <a:t>(by Microsoft)</a:t>
+            </a:r>
+            <a:endParaRPr lang="en-US" sz="3200" dirty="0">
               <a:solidFill>
                 <a:srgbClr val="292D33"/>
               </a:solidFill>

--- a/2023-05-10 ABP Conf 2023 Developing with Kubernetes/Developing with Kubernetes.pptx
+++ b/2023-05-10 ABP Conf 2023 Developing with Kubernetes/Developing with Kubernetes.pptx
@@ -298,7 +298,7 @@
           <a:p>
             <a:fld id="{2A14C9FE-EBC3-45D3-899C-58AAF4F8AF71}" type="datetimeFigureOut">
               <a:rPr lang="en-US" smtClean="0"/>
-              <a:t>4/30/2023</a:t>
+              <a:t>5/1/2023</a:t>
             </a:fld>
             <a:endParaRPr lang="en-US"/>
           </a:p>
@@ -496,7 +496,7 @@
           <a:p>
             <a:fld id="{2A14C9FE-EBC3-45D3-899C-58AAF4F8AF71}" type="datetimeFigureOut">
               <a:rPr lang="en-US" smtClean="0"/>
-              <a:t>4/30/2023</a:t>
+              <a:t>5/1/2023</a:t>
             </a:fld>
             <a:endParaRPr lang="en-US"/>
           </a:p>
@@ -704,7 +704,7 @@
           <a:p>
             <a:fld id="{2A14C9FE-EBC3-45D3-899C-58AAF4F8AF71}" type="datetimeFigureOut">
               <a:rPr lang="en-US" smtClean="0"/>
-              <a:t>4/30/2023</a:t>
+              <a:t>5/1/2023</a:t>
             </a:fld>
             <a:endParaRPr lang="en-US"/>
           </a:p>
@@ -902,7 +902,7 @@
           <a:p>
             <a:fld id="{2A14C9FE-EBC3-45D3-899C-58AAF4F8AF71}" type="datetimeFigureOut">
               <a:rPr lang="en-US" smtClean="0"/>
-              <a:t>4/30/2023</a:t>
+              <a:t>5/1/2023</a:t>
             </a:fld>
             <a:endParaRPr lang="en-US"/>
           </a:p>
@@ -1177,7 +1177,7 @@
           <a:p>
             <a:fld id="{2A14C9FE-EBC3-45D3-899C-58AAF4F8AF71}" type="datetimeFigureOut">
               <a:rPr lang="en-US" smtClean="0"/>
-              <a:t>4/30/2023</a:t>
+              <a:t>5/1/2023</a:t>
             </a:fld>
             <a:endParaRPr lang="en-US"/>
           </a:p>
@@ -1442,7 +1442,7 @@
           <a:p>
             <a:fld id="{2A14C9FE-EBC3-45D3-899C-58AAF4F8AF71}" type="datetimeFigureOut">
               <a:rPr lang="en-US" smtClean="0"/>
-              <a:t>4/30/2023</a:t>
+              <a:t>5/1/2023</a:t>
             </a:fld>
             <a:endParaRPr lang="en-US"/>
           </a:p>
@@ -1854,7 +1854,7 @@
           <a:p>
             <a:fld id="{2A14C9FE-EBC3-45D3-899C-58AAF4F8AF71}" type="datetimeFigureOut">
               <a:rPr lang="en-US" smtClean="0"/>
-              <a:t>4/30/2023</a:t>
+              <a:t>5/1/2023</a:t>
             </a:fld>
             <a:endParaRPr lang="en-US"/>
           </a:p>
@@ -1995,7 +1995,7 @@
           <a:p>
             <a:fld id="{2A14C9FE-EBC3-45D3-899C-58AAF4F8AF71}" type="datetimeFigureOut">
               <a:rPr lang="en-US" smtClean="0"/>
-              <a:t>4/30/2023</a:t>
+              <a:t>5/1/2023</a:t>
             </a:fld>
             <a:endParaRPr lang="en-US"/>
           </a:p>
@@ -2108,7 +2108,7 @@
           <a:p>
             <a:fld id="{2A14C9FE-EBC3-45D3-899C-58AAF4F8AF71}" type="datetimeFigureOut">
               <a:rPr lang="en-US" smtClean="0"/>
-              <a:t>4/30/2023</a:t>
+              <a:t>5/1/2023</a:t>
             </a:fld>
             <a:endParaRPr lang="en-US"/>
           </a:p>
@@ -2419,7 +2419,7 @@
           <a:p>
             <a:fld id="{2A14C9FE-EBC3-45D3-899C-58AAF4F8AF71}" type="datetimeFigureOut">
               <a:rPr lang="en-US" smtClean="0"/>
-              <a:t>4/30/2023</a:t>
+              <a:t>5/1/2023</a:t>
             </a:fld>
             <a:endParaRPr lang="en-US"/>
           </a:p>
@@ -2707,7 +2707,7 @@
           <a:p>
             <a:fld id="{2A14C9FE-EBC3-45D3-899C-58AAF4F8AF71}" type="datetimeFigureOut">
               <a:rPr lang="en-US" smtClean="0"/>
-              <a:t>4/30/2023</a:t>
+              <a:t>5/1/2023</a:t>
             </a:fld>
             <a:endParaRPr lang="en-US"/>
           </a:p>
@@ -2948,7 +2948,7 @@
           <a:p>
             <a:fld id="{2A14C9FE-EBC3-45D3-899C-58AAF4F8AF71}" type="datetimeFigureOut">
               <a:rPr lang="en-US" smtClean="0"/>
-              <a:t>4/30/2023</a:t>
+              <a:t>5/1/2023</a:t>
             </a:fld>
             <a:endParaRPr lang="en-US"/>
           </a:p>
@@ -7926,7 +7926,7 @@
                                         <p:tgtEl>
                                           <p:spTgt spid="3">
                                             <p:txEl>
-                                              <p:pRg st="0" end="0"/>
+                                              <p:pRg st="1" end="1"/>
                                             </p:txEl>
                                           </p:spTgt>
                                         </p:tgtEl>
@@ -7944,7 +7944,7 @@
                                         <p:tgtEl>
                                           <p:spTgt spid="3">
                                             <p:txEl>
-                                              <p:pRg st="0" end="0"/>
+                                              <p:pRg st="1" end="1"/>
                                             </p:txEl>
                                           </p:spTgt>
                                         </p:tgtEl>
@@ -7987,7 +7987,7 @@
                                         <p:tgtEl>
                                           <p:spTgt spid="3">
                                             <p:txEl>
-                                              <p:pRg st="1" end="1"/>
+                                              <p:pRg st="2" end="2"/>
                                             </p:txEl>
                                           </p:spTgt>
                                         </p:tgtEl>
@@ -8005,7 +8005,7 @@
                                         <p:tgtEl>
                                           <p:spTgt spid="3">
                                             <p:txEl>
-                                              <p:pRg st="1" end="1"/>
+                                              <p:pRg st="2" end="2"/>
                                             </p:txEl>
                                           </p:spTgt>
                                         </p:tgtEl>
@@ -8048,7 +8048,7 @@
                                         <p:tgtEl>
                                           <p:spTgt spid="3">
                                             <p:txEl>
-                                              <p:pRg st="2" end="2"/>
+                                              <p:pRg st="3" end="3"/>
                                             </p:txEl>
                                           </p:spTgt>
                                         </p:tgtEl>
@@ -8066,7 +8066,7 @@
                                         <p:tgtEl>
                                           <p:spTgt spid="3">
                                             <p:txEl>
-                                              <p:pRg st="2" end="2"/>
+                                              <p:pRg st="3" end="3"/>
                                             </p:txEl>
                                           </p:spTgt>
                                         </p:tgtEl>
@@ -8109,7 +8109,7 @@
                                         <p:tgtEl>
                                           <p:spTgt spid="3">
                                             <p:txEl>
-                                              <p:pRg st="3" end="3"/>
+                                              <p:pRg st="4" end="4"/>
                                             </p:txEl>
                                           </p:spTgt>
                                         </p:tgtEl>
@@ -8127,7 +8127,7 @@
                                         <p:tgtEl>
                                           <p:spTgt spid="3">
                                             <p:txEl>
-                                              <p:pRg st="3" end="3"/>
+                                              <p:pRg st="4" end="4"/>
                                             </p:txEl>
                                           </p:spTgt>
                                         </p:tgtEl>
@@ -8170,7 +8170,7 @@
                                         <p:tgtEl>
                                           <p:spTgt spid="3">
                                             <p:txEl>
-                                              <p:pRg st="4" end="4"/>
+                                              <p:pRg st="5" end="5"/>
                                             </p:txEl>
                                           </p:spTgt>
                                         </p:tgtEl>
@@ -8188,7 +8188,7 @@
                                         <p:tgtEl>
                                           <p:spTgt spid="3">
                                             <p:txEl>
-                                              <p:pRg st="4" end="4"/>
+                                              <p:pRg st="5" end="5"/>
                                             </p:txEl>
                                           </p:spTgt>
                                         </p:tgtEl>
@@ -8231,7 +8231,7 @@
                                         <p:tgtEl>
                                           <p:spTgt spid="3">
                                             <p:txEl>
-                                              <p:pRg st="5" end="5"/>
+                                              <p:pRg st="6" end="6"/>
                                             </p:txEl>
                                           </p:spTgt>
                                         </p:tgtEl>
@@ -8249,7 +8249,7 @@
                                         <p:tgtEl>
                                           <p:spTgt spid="3">
                                             <p:txEl>
-                                              <p:pRg st="5" end="5"/>
+                                              <p:pRg st="6" end="6"/>
                                             </p:txEl>
                                           </p:spTgt>
                                         </p:tgtEl>
@@ -8292,7 +8292,7 @@
                                         <p:tgtEl>
                                           <p:spTgt spid="3">
                                             <p:txEl>
-                                              <p:pRg st="6" end="6"/>
+                                              <p:pRg st="7" end="7"/>
                                             </p:txEl>
                                           </p:spTgt>
                                         </p:tgtEl>
@@ -8310,7 +8310,7 @@
                                         <p:tgtEl>
                                           <p:spTgt spid="3">
                                             <p:txEl>
-                                              <p:pRg st="6" end="6"/>
+                                              <p:pRg st="7" end="7"/>
                                             </p:txEl>
                                           </p:spTgt>
                                         </p:tgtEl>
@@ -8353,7 +8353,7 @@
                                         <p:tgtEl>
                                           <p:spTgt spid="3">
                                             <p:txEl>
-                                              <p:pRg st="7" end="7"/>
+                                              <p:pRg st="8" end="8"/>
                                             </p:txEl>
                                           </p:spTgt>
                                         </p:tgtEl>
@@ -8368,67 +8368,6 @@
                                     <p:animEffect transition="in" filter="fade">
                                       <p:cBhvr>
                                         <p:cTn id="42" dur="500"/>
-                                        <p:tgtEl>
-                                          <p:spTgt spid="3">
-                                            <p:txEl>
-                                              <p:pRg st="7" end="7"/>
-                                            </p:txEl>
-                                          </p:spTgt>
-                                        </p:tgtEl>
-                                      </p:cBhvr>
-                                    </p:animEffect>
-                                  </p:childTnLst>
-                                </p:cTn>
-                              </p:par>
-                            </p:childTnLst>
-                          </p:cTn>
-                        </p:par>
-                      </p:childTnLst>
-                    </p:cTn>
-                  </p:par>
-                  <p:par>
-                    <p:cTn id="43" fill="hold">
-                      <p:stCondLst>
-                        <p:cond delay="indefinite"/>
-                      </p:stCondLst>
-                      <p:childTnLst>
-                        <p:par>
-                          <p:cTn id="44" fill="hold">
-                            <p:stCondLst>
-                              <p:cond delay="0"/>
-                            </p:stCondLst>
-                            <p:childTnLst>
-                              <p:par>
-                                <p:cTn id="45" presetID="10" presetClass="entr" presetSubtype="0" fill="hold" nodeType="clickEffect">
-                                  <p:stCondLst>
-                                    <p:cond delay="0"/>
-                                  </p:stCondLst>
-                                  <p:childTnLst>
-                                    <p:set>
-                                      <p:cBhvr>
-                                        <p:cTn id="46" dur="1" fill="hold">
-                                          <p:stCondLst>
-                                            <p:cond delay="0"/>
-                                          </p:stCondLst>
-                                        </p:cTn>
-                                        <p:tgtEl>
-                                          <p:spTgt spid="3">
-                                            <p:txEl>
-                                              <p:pRg st="8" end="8"/>
-                                            </p:txEl>
-                                          </p:spTgt>
-                                        </p:tgtEl>
-                                        <p:attrNameLst>
-                                          <p:attrName>style.visibility</p:attrName>
-                                        </p:attrNameLst>
-                                      </p:cBhvr>
-                                      <p:to>
-                                        <p:strVal val="visible"/>
-                                      </p:to>
-                                    </p:set>
-                                    <p:animEffect transition="in" filter="fade">
-                                      <p:cBhvr>
-                                        <p:cTn id="47" dur="500"/>
                                         <p:tgtEl>
                                           <p:spTgt spid="3">
                                             <p:txEl>
@@ -9000,7 +8939,7 @@
         </p:spPr>
         <p:txBody>
           <a:bodyPr>
-            <a:normAutofit lnSpcReduction="10000"/>
+            <a:normAutofit/>
           </a:bodyPr>
           <a:lstStyle/>
           <a:p>
@@ -9093,7 +9032,7 @@
                 <a:latin typeface="Euclid Circular B" panose="020B0504000000000000" pitchFamily="34" charset="0"/>
                 <a:ea typeface="Euclid Circular B" panose="020B0504000000000000" pitchFamily="34" charset="0"/>
               </a:rPr>
-              <a:t>view: See the running applications, incoming </a:t>
+              <a:t>view: See the running services, incoming </a:t>
             </a:r>
             <a:r>
               <a:rPr lang="tr-TR" sz="1600" b="1" dirty="0">
@@ -9107,7 +9046,7 @@
                 <a:latin typeface="Euclid Circular B" panose="020B0504000000000000" pitchFamily="34" charset="0"/>
                 <a:ea typeface="Euclid Circular B" panose="020B0504000000000000" pitchFamily="34" charset="0"/>
               </a:rPr>
-              <a:t>for each application.</a:t>
+              <a:t>for each one.</a:t>
             </a:r>
           </a:p>
           <a:p>
@@ -9123,7 +9062,7 @@
                 <a:latin typeface="Euclid Circular B" panose="020B0504000000000000" pitchFamily="34" charset="0"/>
                 <a:ea typeface="Euclid Circular B" panose="020B0504000000000000" pitchFamily="34" charset="0"/>
               </a:rPr>
-              <a:t>: See all the HTTP requests in the system as real-time, with all request and response details.</a:t>
+              <a:t>: HTTP requests in the system as real-time, with all request and response details.</a:t>
             </a:r>
           </a:p>
           <a:p>
@@ -9139,7 +9078,7 @@
                 <a:latin typeface="Euclid Circular B" panose="020B0504000000000000" pitchFamily="34" charset="0"/>
                 <a:ea typeface="Euclid Circular B" panose="020B0504000000000000" pitchFamily="34" charset="0"/>
               </a:rPr>
-              <a:t>: See exceptions in any service as real-time with the exception message and stacktrace, easily </a:t>
+              <a:t>: Exceptions in any service as real-time with the exception message and stacktrace, easily </a:t>
             </a:r>
             <a:r>
               <a:rPr lang="tr-TR" sz="1600" b="1" dirty="0">
@@ -9206,7 +9145,7 @@
                 <a:latin typeface="Euclid Circular B" panose="020B0504000000000000" pitchFamily="34" charset="0"/>
                 <a:ea typeface="Euclid Circular B" panose="020B0504000000000000" pitchFamily="34" charset="0"/>
               </a:rPr>
-              <a:t>: Browse the UI of any application with the </a:t>
+              <a:t>: Browse the application UI with the </a:t>
             </a:r>
             <a:r>
               <a:rPr lang="tr-TR" sz="1600" b="1" dirty="0">
@@ -9239,6 +9178,445 @@
   <p:clrMapOvr>
     <a:masterClrMapping/>
   </p:clrMapOvr>
+  <p:timing>
+    <p:tnLst>
+      <p:par>
+        <p:cTn id="1" dur="indefinite" restart="never" nodeType="tmRoot">
+          <p:childTnLst>
+            <p:seq concurrent="1" nextAc="seek">
+              <p:cTn id="2" dur="indefinite" nodeType="mainSeq">
+                <p:childTnLst>
+                  <p:par>
+                    <p:cTn id="3" fill="hold">
+                      <p:stCondLst>
+                        <p:cond delay="indefinite"/>
+                      </p:stCondLst>
+                      <p:childTnLst>
+                        <p:par>
+                          <p:cTn id="4" fill="hold">
+                            <p:stCondLst>
+                              <p:cond delay="0"/>
+                            </p:stCondLst>
+                            <p:childTnLst>
+                              <p:par>
+                                <p:cTn id="5" presetID="10" presetClass="entr" presetSubtype="0" fill="hold" nodeType="clickEffect">
+                                  <p:stCondLst>
+                                    <p:cond delay="0"/>
+                                  </p:stCondLst>
+                                  <p:childTnLst>
+                                    <p:set>
+                                      <p:cBhvr>
+                                        <p:cTn id="6" dur="1" fill="hold">
+                                          <p:stCondLst>
+                                            <p:cond delay="0"/>
+                                          </p:stCondLst>
+                                        </p:cTn>
+                                        <p:tgtEl>
+                                          <p:spTgt spid="3">
+                                            <p:txEl>
+                                              <p:pRg st="0" end="0"/>
+                                            </p:txEl>
+                                          </p:spTgt>
+                                        </p:tgtEl>
+                                        <p:attrNameLst>
+                                          <p:attrName>style.visibility</p:attrName>
+                                        </p:attrNameLst>
+                                      </p:cBhvr>
+                                      <p:to>
+                                        <p:strVal val="visible"/>
+                                      </p:to>
+                                    </p:set>
+                                    <p:animEffect transition="in" filter="fade">
+                                      <p:cBhvr>
+                                        <p:cTn id="7" dur="500"/>
+                                        <p:tgtEl>
+                                          <p:spTgt spid="3">
+                                            <p:txEl>
+                                              <p:pRg st="0" end="0"/>
+                                            </p:txEl>
+                                          </p:spTgt>
+                                        </p:tgtEl>
+                                      </p:cBhvr>
+                                    </p:animEffect>
+                                  </p:childTnLst>
+                                </p:cTn>
+                              </p:par>
+                              <p:par>
+                                <p:cTn id="8" presetID="10" presetClass="entr" presetSubtype="0" fill="hold" nodeType="withEffect">
+                                  <p:stCondLst>
+                                    <p:cond delay="0"/>
+                                  </p:stCondLst>
+                                  <p:childTnLst>
+                                    <p:set>
+                                      <p:cBhvr>
+                                        <p:cTn id="9" dur="1" fill="hold">
+                                          <p:stCondLst>
+                                            <p:cond delay="0"/>
+                                          </p:stCondLst>
+                                        </p:cTn>
+                                        <p:tgtEl>
+                                          <p:spTgt spid="3">
+                                            <p:txEl>
+                                              <p:pRg st="1" end="1"/>
+                                            </p:txEl>
+                                          </p:spTgt>
+                                        </p:tgtEl>
+                                        <p:attrNameLst>
+                                          <p:attrName>style.visibility</p:attrName>
+                                        </p:attrNameLst>
+                                      </p:cBhvr>
+                                      <p:to>
+                                        <p:strVal val="visible"/>
+                                      </p:to>
+                                    </p:set>
+                                    <p:animEffect transition="in" filter="fade">
+                                      <p:cBhvr>
+                                        <p:cTn id="10" dur="500"/>
+                                        <p:tgtEl>
+                                          <p:spTgt spid="3">
+                                            <p:txEl>
+                                              <p:pRg st="1" end="1"/>
+                                            </p:txEl>
+                                          </p:spTgt>
+                                        </p:tgtEl>
+                                      </p:cBhvr>
+                                    </p:animEffect>
+                                  </p:childTnLst>
+                                </p:cTn>
+                              </p:par>
+                            </p:childTnLst>
+                          </p:cTn>
+                        </p:par>
+                      </p:childTnLst>
+                    </p:cTn>
+                  </p:par>
+                  <p:par>
+                    <p:cTn id="11" fill="hold">
+                      <p:stCondLst>
+                        <p:cond delay="indefinite"/>
+                      </p:stCondLst>
+                      <p:childTnLst>
+                        <p:par>
+                          <p:cTn id="12" fill="hold">
+                            <p:stCondLst>
+                              <p:cond delay="0"/>
+                            </p:stCondLst>
+                            <p:childTnLst>
+                              <p:par>
+                                <p:cTn id="13" presetID="10" presetClass="entr" presetSubtype="0" fill="hold" nodeType="clickEffect">
+                                  <p:stCondLst>
+                                    <p:cond delay="0"/>
+                                  </p:stCondLst>
+                                  <p:childTnLst>
+                                    <p:set>
+                                      <p:cBhvr>
+                                        <p:cTn id="14" dur="1" fill="hold">
+                                          <p:stCondLst>
+                                            <p:cond delay="0"/>
+                                          </p:stCondLst>
+                                        </p:cTn>
+                                        <p:tgtEl>
+                                          <p:spTgt spid="3">
+                                            <p:txEl>
+                                              <p:pRg st="2" end="2"/>
+                                            </p:txEl>
+                                          </p:spTgt>
+                                        </p:tgtEl>
+                                        <p:attrNameLst>
+                                          <p:attrName>style.visibility</p:attrName>
+                                        </p:attrNameLst>
+                                      </p:cBhvr>
+                                      <p:to>
+                                        <p:strVal val="visible"/>
+                                      </p:to>
+                                    </p:set>
+                                    <p:animEffect transition="in" filter="fade">
+                                      <p:cBhvr>
+                                        <p:cTn id="15" dur="500"/>
+                                        <p:tgtEl>
+                                          <p:spTgt spid="3">
+                                            <p:txEl>
+                                              <p:pRg st="2" end="2"/>
+                                            </p:txEl>
+                                          </p:spTgt>
+                                        </p:tgtEl>
+                                      </p:cBhvr>
+                                    </p:animEffect>
+                                  </p:childTnLst>
+                                </p:cTn>
+                              </p:par>
+                            </p:childTnLst>
+                          </p:cTn>
+                        </p:par>
+                      </p:childTnLst>
+                    </p:cTn>
+                  </p:par>
+                  <p:par>
+                    <p:cTn id="16" fill="hold">
+                      <p:stCondLst>
+                        <p:cond delay="indefinite"/>
+                      </p:stCondLst>
+                      <p:childTnLst>
+                        <p:par>
+                          <p:cTn id="17" fill="hold">
+                            <p:stCondLst>
+                              <p:cond delay="0"/>
+                            </p:stCondLst>
+                            <p:childTnLst>
+                              <p:par>
+                                <p:cTn id="18" presetID="10" presetClass="entr" presetSubtype="0" fill="hold" nodeType="clickEffect">
+                                  <p:stCondLst>
+                                    <p:cond delay="0"/>
+                                  </p:stCondLst>
+                                  <p:childTnLst>
+                                    <p:set>
+                                      <p:cBhvr>
+                                        <p:cTn id="19" dur="1" fill="hold">
+                                          <p:stCondLst>
+                                            <p:cond delay="0"/>
+                                          </p:stCondLst>
+                                        </p:cTn>
+                                        <p:tgtEl>
+                                          <p:spTgt spid="3">
+                                            <p:txEl>
+                                              <p:pRg st="3" end="3"/>
+                                            </p:txEl>
+                                          </p:spTgt>
+                                        </p:tgtEl>
+                                        <p:attrNameLst>
+                                          <p:attrName>style.visibility</p:attrName>
+                                        </p:attrNameLst>
+                                      </p:cBhvr>
+                                      <p:to>
+                                        <p:strVal val="visible"/>
+                                      </p:to>
+                                    </p:set>
+                                    <p:animEffect transition="in" filter="fade">
+                                      <p:cBhvr>
+                                        <p:cTn id="20" dur="500"/>
+                                        <p:tgtEl>
+                                          <p:spTgt spid="3">
+                                            <p:txEl>
+                                              <p:pRg st="3" end="3"/>
+                                            </p:txEl>
+                                          </p:spTgt>
+                                        </p:tgtEl>
+                                      </p:cBhvr>
+                                    </p:animEffect>
+                                  </p:childTnLst>
+                                </p:cTn>
+                              </p:par>
+                            </p:childTnLst>
+                          </p:cTn>
+                        </p:par>
+                      </p:childTnLst>
+                    </p:cTn>
+                  </p:par>
+                  <p:par>
+                    <p:cTn id="21" fill="hold">
+                      <p:stCondLst>
+                        <p:cond delay="indefinite"/>
+                      </p:stCondLst>
+                      <p:childTnLst>
+                        <p:par>
+                          <p:cTn id="22" fill="hold">
+                            <p:stCondLst>
+                              <p:cond delay="0"/>
+                            </p:stCondLst>
+                            <p:childTnLst>
+                              <p:par>
+                                <p:cTn id="23" presetID="10" presetClass="entr" presetSubtype="0" fill="hold" nodeType="clickEffect">
+                                  <p:stCondLst>
+                                    <p:cond delay="0"/>
+                                  </p:stCondLst>
+                                  <p:childTnLst>
+                                    <p:set>
+                                      <p:cBhvr>
+                                        <p:cTn id="24" dur="1" fill="hold">
+                                          <p:stCondLst>
+                                            <p:cond delay="0"/>
+                                          </p:stCondLst>
+                                        </p:cTn>
+                                        <p:tgtEl>
+                                          <p:spTgt spid="3">
+                                            <p:txEl>
+                                              <p:pRg st="4" end="4"/>
+                                            </p:txEl>
+                                          </p:spTgt>
+                                        </p:tgtEl>
+                                        <p:attrNameLst>
+                                          <p:attrName>style.visibility</p:attrName>
+                                        </p:attrNameLst>
+                                      </p:cBhvr>
+                                      <p:to>
+                                        <p:strVal val="visible"/>
+                                      </p:to>
+                                    </p:set>
+                                    <p:animEffect transition="in" filter="fade">
+                                      <p:cBhvr>
+                                        <p:cTn id="25" dur="500"/>
+                                        <p:tgtEl>
+                                          <p:spTgt spid="3">
+                                            <p:txEl>
+                                              <p:pRg st="4" end="4"/>
+                                            </p:txEl>
+                                          </p:spTgt>
+                                        </p:tgtEl>
+                                      </p:cBhvr>
+                                    </p:animEffect>
+                                  </p:childTnLst>
+                                </p:cTn>
+                              </p:par>
+                            </p:childTnLst>
+                          </p:cTn>
+                        </p:par>
+                      </p:childTnLst>
+                    </p:cTn>
+                  </p:par>
+                  <p:par>
+                    <p:cTn id="26" fill="hold">
+                      <p:stCondLst>
+                        <p:cond delay="indefinite"/>
+                      </p:stCondLst>
+                      <p:childTnLst>
+                        <p:par>
+                          <p:cTn id="27" fill="hold">
+                            <p:stCondLst>
+                              <p:cond delay="0"/>
+                            </p:stCondLst>
+                            <p:childTnLst>
+                              <p:par>
+                                <p:cTn id="28" presetID="10" presetClass="entr" presetSubtype="0" fill="hold" nodeType="clickEffect">
+                                  <p:stCondLst>
+                                    <p:cond delay="0"/>
+                                  </p:stCondLst>
+                                  <p:childTnLst>
+                                    <p:set>
+                                      <p:cBhvr>
+                                        <p:cTn id="29" dur="1" fill="hold">
+                                          <p:stCondLst>
+                                            <p:cond delay="0"/>
+                                          </p:stCondLst>
+                                        </p:cTn>
+                                        <p:tgtEl>
+                                          <p:spTgt spid="3">
+                                            <p:txEl>
+                                              <p:pRg st="5" end="5"/>
+                                            </p:txEl>
+                                          </p:spTgt>
+                                        </p:tgtEl>
+                                        <p:attrNameLst>
+                                          <p:attrName>style.visibility</p:attrName>
+                                        </p:attrNameLst>
+                                      </p:cBhvr>
+                                      <p:to>
+                                        <p:strVal val="visible"/>
+                                      </p:to>
+                                    </p:set>
+                                    <p:animEffect transition="in" filter="fade">
+                                      <p:cBhvr>
+                                        <p:cTn id="30" dur="500"/>
+                                        <p:tgtEl>
+                                          <p:spTgt spid="3">
+                                            <p:txEl>
+                                              <p:pRg st="5" end="5"/>
+                                            </p:txEl>
+                                          </p:spTgt>
+                                        </p:tgtEl>
+                                      </p:cBhvr>
+                                    </p:animEffect>
+                                  </p:childTnLst>
+                                </p:cTn>
+                              </p:par>
+                            </p:childTnLst>
+                          </p:cTn>
+                        </p:par>
+                      </p:childTnLst>
+                    </p:cTn>
+                  </p:par>
+                  <p:par>
+                    <p:cTn id="31" fill="hold">
+                      <p:stCondLst>
+                        <p:cond delay="indefinite"/>
+                      </p:stCondLst>
+                      <p:childTnLst>
+                        <p:par>
+                          <p:cTn id="32" fill="hold">
+                            <p:stCondLst>
+                              <p:cond delay="0"/>
+                            </p:stCondLst>
+                            <p:childTnLst>
+                              <p:par>
+                                <p:cTn id="33" presetID="10" presetClass="entr" presetSubtype="0" fill="hold" nodeType="clickEffect">
+                                  <p:stCondLst>
+                                    <p:cond delay="0"/>
+                                  </p:stCondLst>
+                                  <p:childTnLst>
+                                    <p:set>
+                                      <p:cBhvr>
+                                        <p:cTn id="34" dur="1" fill="hold">
+                                          <p:stCondLst>
+                                            <p:cond delay="0"/>
+                                          </p:stCondLst>
+                                        </p:cTn>
+                                        <p:tgtEl>
+                                          <p:spTgt spid="3">
+                                            <p:txEl>
+                                              <p:pRg st="6" end="6"/>
+                                            </p:txEl>
+                                          </p:spTgt>
+                                        </p:tgtEl>
+                                        <p:attrNameLst>
+                                          <p:attrName>style.visibility</p:attrName>
+                                        </p:attrNameLst>
+                                      </p:cBhvr>
+                                      <p:to>
+                                        <p:strVal val="visible"/>
+                                      </p:to>
+                                    </p:set>
+                                    <p:animEffect transition="in" filter="fade">
+                                      <p:cBhvr>
+                                        <p:cTn id="35" dur="500"/>
+                                        <p:tgtEl>
+                                          <p:spTgt spid="3">
+                                            <p:txEl>
+                                              <p:pRg st="6" end="6"/>
+                                            </p:txEl>
+                                          </p:spTgt>
+                                        </p:tgtEl>
+                                      </p:cBhvr>
+                                    </p:animEffect>
+                                  </p:childTnLst>
+                                </p:cTn>
+                              </p:par>
+                            </p:childTnLst>
+                          </p:cTn>
+                        </p:par>
+                      </p:childTnLst>
+                    </p:cTn>
+                  </p:par>
+                </p:childTnLst>
+              </p:cTn>
+              <p:prevCondLst>
+                <p:cond evt="onPrev" delay="0">
+                  <p:tgtEl>
+                    <p:sldTgt/>
+                  </p:tgtEl>
+                </p:cond>
+              </p:prevCondLst>
+              <p:nextCondLst>
+                <p:cond evt="onNext" delay="0">
+                  <p:tgtEl>
+                    <p:sldTgt/>
+                  </p:tgtEl>
+                </p:cond>
+              </p:nextCondLst>
+            </p:seq>
+          </p:childTnLst>
+        </p:cTn>
+      </p:par>
+    </p:tnLst>
+  </p:timing>
 </p:sld>
 </file>
 
